--- a/ppt/Chapter 15.pptx
+++ b/ppt/Chapter 15.pptx
@@ -4575,13 +4575,8 @@
           <a:p>
             <a:r>
               <a:rPr lang="en-US" altLang="zh-CN" dirty="0" smtClean="0"/>
-              <a:t>Chapter     </a:t>
-            </a:r>
-            <a:r>
-              <a:rPr lang="en-US" altLang="zh-CN" dirty="0" smtClean="0"/>
-              <a:t>15</a:t>
-            </a:r>
-            <a:endParaRPr lang="en-US" altLang="zh-CN" dirty="0" smtClean="0"/>
+              <a:t>Chapter     15</a:t>
+            </a:r>
           </a:p>
         </p:txBody>
       </p:sp>
@@ -4616,11 +4611,7 @@
           <a:p>
             <a:r>
               <a:rPr lang="en-US" altLang="zh-CN" dirty="0" smtClean="0"/>
-              <a:t>                                                                          </a:t>
-            </a:r>
-            <a:r>
-              <a:rPr lang="en-US" altLang="zh-CN" dirty="0" smtClean="0"/>
-              <a:t>Dai </a:t>
+              <a:t>                                                                          Dai </a:t>
             </a:r>
             <a:r>
               <a:rPr lang="en-US" altLang="zh-CN" dirty="0" err="1" smtClean="0"/>
@@ -10968,16 +10959,7 @@
                 </a:solidFill>
                 <a:ea typeface="宋体" panose="02010600030101010101" pitchFamily="2" charset="-122"/>
               </a:rPr>
-              <a:t>15.1   </a:t>
-            </a:r>
-            <a:r>
-              <a:rPr lang="en-US" altLang="zh-CN" sz="3200" dirty="0" smtClean="0">
-                <a:solidFill>
-                  <a:srgbClr val="A50021"/>
-                </a:solidFill>
-                <a:ea typeface="宋体" panose="02010600030101010101" pitchFamily="2" charset="-122"/>
-              </a:rPr>
-              <a:t>Inheritance Basics </a:t>
+              <a:t>15.1   Inheritance Basics </a:t>
             </a:r>
           </a:p>
           <a:p>
@@ -10995,16 +10977,7 @@
                 </a:solidFill>
                 <a:ea typeface="宋体" panose="02010600030101010101" pitchFamily="2" charset="-122"/>
               </a:rPr>
-              <a:t>15.2 </a:t>
-            </a:r>
-            <a:r>
-              <a:rPr lang="en-US" altLang="zh-CN" sz="3200" dirty="0" smtClean="0">
-                <a:solidFill>
-                  <a:srgbClr val="A50021"/>
-                </a:solidFill>
-                <a:ea typeface="宋体" panose="02010600030101010101" pitchFamily="2" charset="-122"/>
-              </a:rPr>
-              <a:t>	  Inheritance Details </a:t>
+              <a:t>15.2 	  Inheritance Details </a:t>
             </a:r>
           </a:p>
           <a:p>
@@ -11022,16 +10995,7 @@
                 </a:solidFill>
                 <a:ea typeface="宋体" panose="02010600030101010101" pitchFamily="2" charset="-122"/>
               </a:rPr>
-              <a:t>15.3   </a:t>
-            </a:r>
-            <a:r>
-              <a:rPr lang="en-US" altLang="zh-CN" sz="3200" dirty="0" smtClean="0">
-                <a:solidFill>
-                  <a:srgbClr val="A50021"/>
-                </a:solidFill>
-                <a:ea typeface="宋体" panose="02010600030101010101" pitchFamily="2" charset="-122"/>
-              </a:rPr>
-              <a:t>Polymorphism</a:t>
+              <a:t>15.3   Polymorphism</a:t>
             </a:r>
           </a:p>
         </p:txBody>
@@ -12541,19 +12505,7 @@
               <a:rPr lang="en-US" altLang="zh-CN" dirty="0" smtClean="0">
                 <a:ea typeface="宋体" panose="02010600030101010101" pitchFamily="2" charset="-122"/>
               </a:rPr>
-              <a:t>Section </a:t>
-            </a:r>
-            <a:r>
-              <a:rPr lang="en-US" altLang="zh-CN" dirty="0" smtClean="0">
-                <a:ea typeface="宋体" panose="02010600030101010101" pitchFamily="2" charset="-122"/>
-              </a:rPr>
-              <a:t>15.1 </a:t>
-            </a:r>
-            <a:r>
-              <a:rPr lang="en-US" altLang="zh-CN" dirty="0" smtClean="0">
-                <a:ea typeface="宋体" panose="02010600030101010101" pitchFamily="2" charset="-122"/>
-              </a:rPr>
-              <a:t>Conclusion</a:t>
+              <a:t>Section 15.1 Conclusion</a:t>
             </a:r>
           </a:p>
         </p:txBody>
@@ -15392,33 +15344,54 @@
               </a:rPr>
             </a:br>
             <a:r>
+              <a:rPr lang="en-US" altLang="zh-CN" kern="1200" dirty="0">
+                <a:solidFill>
+                  <a:srgbClr val="0000FF"/>
+                </a:solidFill>
+                <a:ea typeface="宋体" panose="02010600030101010101" pitchFamily="2" charset="-122"/>
+              </a:rPr>
+              <a:t>Derived::Derived(</a:t>
+            </a:r>
+            <a:r>
+              <a:rPr lang="en-US" altLang="zh-CN" kern="1200" dirty="0" err="1">
+                <a:solidFill>
+                  <a:srgbClr val="0000FF"/>
+                </a:solidFill>
+                <a:ea typeface="宋体" panose="02010600030101010101" pitchFamily="2" charset="-122"/>
+              </a:rPr>
+              <a:t>const</a:t>
+            </a:r>
+            <a:r>
+              <a:rPr lang="en-US" altLang="zh-CN" kern="1200" dirty="0">
+                <a:solidFill>
+                  <a:srgbClr val="0000FF"/>
+                </a:solidFill>
+                <a:ea typeface="宋体" panose="02010600030101010101" pitchFamily="2" charset="-122"/>
+              </a:rPr>
+              <a:t> Derived&amp; object)</a:t>
+            </a:r>
+            <a:br>
+              <a:rPr lang="en-US" altLang="zh-CN" kern="1200" dirty="0">
+                <a:solidFill>
+                  <a:srgbClr val="0000FF"/>
+                </a:solidFill>
+                <a:ea typeface="宋体" panose="02010600030101010101" pitchFamily="2" charset="-122"/>
+              </a:rPr>
+            </a:br>
+            <a:r>
+              <a:rPr lang="en-US" altLang="zh-CN" kern="1200" dirty="0">
+                <a:solidFill>
+                  <a:srgbClr val="0000FF"/>
+                </a:solidFill>
+                <a:ea typeface="宋体" panose="02010600030101010101" pitchFamily="2" charset="-122"/>
+              </a:rPr>
+              <a:t>                              :Base(object), &lt;other </a:t>
+            </a:r>
+            <a:r>
               <a:rPr lang="en-US" altLang="zh-CN" dirty="0" smtClean="0">
                 <a:ea typeface="宋体" panose="02010600030101010101" pitchFamily="2" charset="-122"/>
               </a:rPr>
-              <a:t>Derived::Derived(</a:t>
-            </a:r>
-            <a:r>
-              <a:rPr lang="en-US" altLang="zh-CN" dirty="0" err="1" smtClean="0">
-                <a:ea typeface="宋体" panose="02010600030101010101" pitchFamily="2" charset="-122"/>
-              </a:rPr>
-              <a:t>const</a:t>
-            </a:r>
-            <a:r>
-              <a:rPr lang="en-US" altLang="zh-CN" dirty="0" smtClean="0">
-                <a:ea typeface="宋体" panose="02010600030101010101" pitchFamily="2" charset="-122"/>
-              </a:rPr>
-              <a:t> Derived&amp; object)</a:t>
-            </a:r>
-            <a:br>
-              <a:rPr lang="en-US" altLang="zh-CN" dirty="0" smtClean="0">
-                <a:ea typeface="宋体" panose="02010600030101010101" pitchFamily="2" charset="-122"/>
-              </a:rPr>
-            </a:br>
-            <a:r>
-              <a:rPr lang="en-US" altLang="zh-CN" dirty="0" smtClean="0">
-                <a:ea typeface="宋体" panose="02010600030101010101" pitchFamily="2" charset="-122"/>
-              </a:rPr>
-              <a:t>                              :Base(object), &lt;other initializing&gt;</a:t>
+              <a:t>initializing&gt;</a:t>
             </a:r>
             <a:br>
               <a:rPr lang="en-US" altLang="zh-CN" dirty="0" smtClean="0">
@@ -16451,19 +16424,7 @@
               <a:rPr lang="en-US" altLang="zh-CN" dirty="0" smtClean="0">
                 <a:ea typeface="宋体" panose="02010600030101010101" pitchFamily="2" charset="-122"/>
               </a:rPr>
-              <a:t>Section </a:t>
-            </a:r>
-            <a:r>
-              <a:rPr lang="en-US" altLang="zh-CN" dirty="0" smtClean="0">
-                <a:ea typeface="宋体" panose="02010600030101010101" pitchFamily="2" charset="-122"/>
-              </a:rPr>
-              <a:t>15.2 </a:t>
-            </a:r>
-            <a:r>
-              <a:rPr lang="en-US" altLang="zh-CN" dirty="0" smtClean="0">
-                <a:ea typeface="宋体" panose="02010600030101010101" pitchFamily="2" charset="-122"/>
-              </a:rPr>
-              <a:t>Conclusion</a:t>
+              <a:t>Section 15.2 Conclusion</a:t>
             </a:r>
           </a:p>
         </p:txBody>
@@ -20270,239 +20231,6 @@
       </p:grpSpPr>
       <p:sp>
         <p:nvSpPr>
-          <p:cNvPr id="48130" name="灯片编号占位符 3"/>
-          <p:cNvSpPr>
-            <a:spLocks noGrp="1"/>
-          </p:cNvSpPr>
-          <p:nvPr>
-            <p:ph type="sldNum" sz="quarter" idx="10"/>
-          </p:nvPr>
-        </p:nvSpPr>
-        <p:spPr>
-          <a:noFill/>
-          <a:ln/>
-          <a:extLst>
-            <a:ext uri="{909E8E84-426E-40DD-AFC4-6F175D3DCCD1}">
-              <a14:hiddenFill xmlns:a14="http://schemas.microsoft.com/office/drawing/2010/main">
-                <a:solidFill>
-                  <a:srgbClr val="FFFFFF"/>
-                </a:solidFill>
-              </a14:hiddenFill>
-            </a:ext>
-            <a:ext uri="{91240B29-F687-4F45-9708-019B960494DF}">
-              <a14:hiddenLine xmlns:a14="http://schemas.microsoft.com/office/drawing/2010/main" w="9525">
-                <a:solidFill>
-                  <a:srgbClr val="000000"/>
-                </a:solidFill>
-                <a:miter lim="800000"/>
-                <a:headEnd/>
-                <a:tailEnd/>
-              </a14:hiddenLine>
-            </a:ext>
-          </a:extLst>
-        </p:spPr>
-        <p:txBody>
-          <a:bodyPr/>
-          <a:lstStyle>
-            <a:lvl1pPr>
-              <a:spcBef>
-                <a:spcPct val="20000"/>
-              </a:spcBef>
-              <a:buClr>
-                <a:srgbClr val="A50021"/>
-              </a:buClr>
-              <a:buSzPct val="60000"/>
-              <a:buFont typeface="Wingdings" panose="05000000000000000000" pitchFamily="2" charset="2"/>
-              <a:buChar char="n"/>
-              <a:defRPr sz="2800">
-                <a:solidFill>
-                  <a:schemeClr val="tx1"/>
-                </a:solidFill>
-                <a:latin typeface="Arial" panose="020B0604020202020204" pitchFamily="34" charset="0"/>
-              </a:defRPr>
-            </a:lvl1pPr>
-            <a:lvl2pPr marL="742950" indent="-285750">
-              <a:spcBef>
-                <a:spcPct val="20000"/>
-              </a:spcBef>
-              <a:buClr>
-                <a:srgbClr val="02B2CA"/>
-              </a:buClr>
-              <a:buSzPct val="55000"/>
-              <a:buFont typeface="Wingdings" panose="05000000000000000000" pitchFamily="2" charset="2"/>
-              <a:buChar char="n"/>
-              <a:defRPr sz="2800">
-                <a:solidFill>
-                  <a:schemeClr val="tx1"/>
-                </a:solidFill>
-                <a:latin typeface="Arial" panose="020B0604020202020204" pitchFamily="34" charset="0"/>
-              </a:defRPr>
-            </a:lvl2pPr>
-            <a:lvl3pPr marL="1143000" indent="-228600">
-              <a:spcBef>
-                <a:spcPct val="20000"/>
-              </a:spcBef>
-              <a:buClr>
-                <a:srgbClr val="A50021"/>
-              </a:buClr>
-              <a:buSzPct val="50000"/>
-              <a:buFont typeface="Wingdings" panose="05000000000000000000" pitchFamily="2" charset="2"/>
-              <a:buChar char="n"/>
-              <a:defRPr sz="2400">
-                <a:solidFill>
-                  <a:schemeClr val="tx1"/>
-                </a:solidFill>
-                <a:latin typeface="Arial" panose="020B0604020202020204" pitchFamily="34" charset="0"/>
-              </a:defRPr>
-            </a:lvl3pPr>
-            <a:lvl4pPr marL="1600200" indent="-228600">
-              <a:spcBef>
-                <a:spcPct val="20000"/>
-              </a:spcBef>
-              <a:buClr>
-                <a:srgbClr val="02B2CA"/>
-              </a:buClr>
-              <a:buSzPct val="55000"/>
-              <a:buFont typeface="Wingdings" panose="05000000000000000000" pitchFamily="2" charset="2"/>
-              <a:buChar char="n"/>
-              <a:defRPr sz="2000">
-                <a:solidFill>
-                  <a:schemeClr val="tx1"/>
-                </a:solidFill>
-                <a:latin typeface="Arial" panose="020B0604020202020204" pitchFamily="34" charset="0"/>
-              </a:defRPr>
-            </a:lvl4pPr>
-            <a:lvl5pPr marL="2057400" indent="-228600">
-              <a:spcBef>
-                <a:spcPct val="20000"/>
-              </a:spcBef>
-              <a:buClr>
-                <a:srgbClr val="A50021"/>
-              </a:buClr>
-              <a:buSzPct val="50000"/>
-              <a:buFont typeface="Wingdings" panose="05000000000000000000" pitchFamily="2" charset="2"/>
-              <a:buChar char="n"/>
-              <a:defRPr sz="2000">
-                <a:solidFill>
-                  <a:schemeClr val="tx1"/>
-                </a:solidFill>
-                <a:latin typeface="Arial" panose="020B0604020202020204" pitchFamily="34" charset="0"/>
-              </a:defRPr>
-            </a:lvl5pPr>
-            <a:lvl6pPr marL="2514600" indent="-228600" eaLnBrk="0" fontAlgn="base" hangingPunct="0">
-              <a:spcBef>
-                <a:spcPct val="20000"/>
-              </a:spcBef>
-              <a:spcAft>
-                <a:spcPct val="0"/>
-              </a:spcAft>
-              <a:buClr>
-                <a:srgbClr val="A50021"/>
-              </a:buClr>
-              <a:buSzPct val="50000"/>
-              <a:buFont typeface="Wingdings" panose="05000000000000000000" pitchFamily="2" charset="2"/>
-              <a:buChar char="n"/>
-              <a:defRPr sz="2000">
-                <a:solidFill>
-                  <a:schemeClr val="tx1"/>
-                </a:solidFill>
-                <a:latin typeface="Arial" panose="020B0604020202020204" pitchFamily="34" charset="0"/>
-              </a:defRPr>
-            </a:lvl6pPr>
-            <a:lvl7pPr marL="2971800" indent="-228600" eaLnBrk="0" fontAlgn="base" hangingPunct="0">
-              <a:spcBef>
-                <a:spcPct val="20000"/>
-              </a:spcBef>
-              <a:spcAft>
-                <a:spcPct val="0"/>
-              </a:spcAft>
-              <a:buClr>
-                <a:srgbClr val="A50021"/>
-              </a:buClr>
-              <a:buSzPct val="50000"/>
-              <a:buFont typeface="Wingdings" panose="05000000000000000000" pitchFamily="2" charset="2"/>
-              <a:buChar char="n"/>
-              <a:defRPr sz="2000">
-                <a:solidFill>
-                  <a:schemeClr val="tx1"/>
-                </a:solidFill>
-                <a:latin typeface="Arial" panose="020B0604020202020204" pitchFamily="34" charset="0"/>
-              </a:defRPr>
-            </a:lvl7pPr>
-            <a:lvl8pPr marL="3429000" indent="-228600" eaLnBrk="0" fontAlgn="base" hangingPunct="0">
-              <a:spcBef>
-                <a:spcPct val="20000"/>
-              </a:spcBef>
-              <a:spcAft>
-                <a:spcPct val="0"/>
-              </a:spcAft>
-              <a:buClr>
-                <a:srgbClr val="A50021"/>
-              </a:buClr>
-              <a:buSzPct val="50000"/>
-              <a:buFont typeface="Wingdings" panose="05000000000000000000" pitchFamily="2" charset="2"/>
-              <a:buChar char="n"/>
-              <a:defRPr sz="2000">
-                <a:solidFill>
-                  <a:schemeClr val="tx1"/>
-                </a:solidFill>
-                <a:latin typeface="Arial" panose="020B0604020202020204" pitchFamily="34" charset="0"/>
-              </a:defRPr>
-            </a:lvl8pPr>
-            <a:lvl9pPr marL="3886200" indent="-228600" eaLnBrk="0" fontAlgn="base" hangingPunct="0">
-              <a:spcBef>
-                <a:spcPct val="20000"/>
-              </a:spcBef>
-              <a:spcAft>
-                <a:spcPct val="0"/>
-              </a:spcAft>
-              <a:buClr>
-                <a:srgbClr val="A50021"/>
-              </a:buClr>
-              <a:buSzPct val="50000"/>
-              <a:buFont typeface="Wingdings" panose="05000000000000000000" pitchFamily="2" charset="2"/>
-              <a:buChar char="n"/>
-              <a:defRPr sz="2000">
-                <a:solidFill>
-                  <a:schemeClr val="tx1"/>
-                </a:solidFill>
-                <a:latin typeface="Arial" panose="020B0604020202020204" pitchFamily="34" charset="0"/>
-              </a:defRPr>
-            </a:lvl9pPr>
-          </a:lstStyle>
-          <a:p>
-            <a:pPr>
-              <a:spcBef>
-                <a:spcPct val="0"/>
-              </a:spcBef>
-              <a:buClrTx/>
-              <a:buSzTx/>
-              <a:buFontTx/>
-              <a:buNone/>
-            </a:pPr>
-            <a:r>
-              <a:rPr lang="en-US" altLang="zh-CN" sz="1400"/>
-              <a:t>Slide 10- </a:t>
-            </a:r>
-            <a:fld id="{42EC793E-32D6-4565-B5F0-1CE63B977E7C}" type="slidenum">
-              <a:rPr lang="en-US" altLang="zh-CN" sz="1400"/>
-              <a:pPr>
-                <a:spcBef>
-                  <a:spcPct val="0"/>
-                </a:spcBef>
-                <a:buClrTx/>
-                <a:buSzTx/>
-                <a:buFontTx/>
-                <a:buNone/>
-              </a:pPr>
-              <a:t>43</a:t>
-            </a:fld>
-            <a:endParaRPr lang="en-CA" altLang="zh-CN" sz="1400"/>
-          </a:p>
-        </p:txBody>
-      </p:sp>
-      <p:sp>
-        <p:nvSpPr>
           <p:cNvPr id="48131" name="Rectangle 5"/>
           <p:cNvSpPr>
             <a:spLocks noGrp="1" noChangeArrowheads="1"/>
@@ -21327,239 +21055,6 @@
       </p:grpSpPr>
       <p:sp>
         <p:nvSpPr>
-          <p:cNvPr id="49154" name="灯片编号占位符 3"/>
-          <p:cNvSpPr>
-            <a:spLocks noGrp="1"/>
-          </p:cNvSpPr>
-          <p:nvPr>
-            <p:ph type="sldNum" sz="quarter" idx="10"/>
-          </p:nvPr>
-        </p:nvSpPr>
-        <p:spPr>
-          <a:noFill/>
-          <a:ln/>
-          <a:extLst>
-            <a:ext uri="{909E8E84-426E-40DD-AFC4-6F175D3DCCD1}">
-              <a14:hiddenFill xmlns:a14="http://schemas.microsoft.com/office/drawing/2010/main">
-                <a:solidFill>
-                  <a:srgbClr val="FFFFFF"/>
-                </a:solidFill>
-              </a14:hiddenFill>
-            </a:ext>
-            <a:ext uri="{91240B29-F687-4F45-9708-019B960494DF}">
-              <a14:hiddenLine xmlns:a14="http://schemas.microsoft.com/office/drawing/2010/main" w="9525">
-                <a:solidFill>
-                  <a:srgbClr val="000000"/>
-                </a:solidFill>
-                <a:miter lim="800000"/>
-                <a:headEnd/>
-                <a:tailEnd/>
-              </a14:hiddenLine>
-            </a:ext>
-          </a:extLst>
-        </p:spPr>
-        <p:txBody>
-          <a:bodyPr/>
-          <a:lstStyle>
-            <a:lvl1pPr>
-              <a:spcBef>
-                <a:spcPct val="20000"/>
-              </a:spcBef>
-              <a:buClr>
-                <a:srgbClr val="A50021"/>
-              </a:buClr>
-              <a:buSzPct val="60000"/>
-              <a:buFont typeface="Wingdings" panose="05000000000000000000" pitchFamily="2" charset="2"/>
-              <a:buChar char="n"/>
-              <a:defRPr sz="2800">
-                <a:solidFill>
-                  <a:schemeClr val="tx1"/>
-                </a:solidFill>
-                <a:latin typeface="Arial" panose="020B0604020202020204" pitchFamily="34" charset="0"/>
-              </a:defRPr>
-            </a:lvl1pPr>
-            <a:lvl2pPr marL="742950" indent="-285750">
-              <a:spcBef>
-                <a:spcPct val="20000"/>
-              </a:spcBef>
-              <a:buClr>
-                <a:srgbClr val="02B2CA"/>
-              </a:buClr>
-              <a:buSzPct val="55000"/>
-              <a:buFont typeface="Wingdings" panose="05000000000000000000" pitchFamily="2" charset="2"/>
-              <a:buChar char="n"/>
-              <a:defRPr sz="2800">
-                <a:solidFill>
-                  <a:schemeClr val="tx1"/>
-                </a:solidFill>
-                <a:latin typeface="Arial" panose="020B0604020202020204" pitchFamily="34" charset="0"/>
-              </a:defRPr>
-            </a:lvl2pPr>
-            <a:lvl3pPr marL="1143000" indent="-228600">
-              <a:spcBef>
-                <a:spcPct val="20000"/>
-              </a:spcBef>
-              <a:buClr>
-                <a:srgbClr val="A50021"/>
-              </a:buClr>
-              <a:buSzPct val="50000"/>
-              <a:buFont typeface="Wingdings" panose="05000000000000000000" pitchFamily="2" charset="2"/>
-              <a:buChar char="n"/>
-              <a:defRPr sz="2400">
-                <a:solidFill>
-                  <a:schemeClr val="tx1"/>
-                </a:solidFill>
-                <a:latin typeface="Arial" panose="020B0604020202020204" pitchFamily="34" charset="0"/>
-              </a:defRPr>
-            </a:lvl3pPr>
-            <a:lvl4pPr marL="1600200" indent="-228600">
-              <a:spcBef>
-                <a:spcPct val="20000"/>
-              </a:spcBef>
-              <a:buClr>
-                <a:srgbClr val="02B2CA"/>
-              </a:buClr>
-              <a:buSzPct val="55000"/>
-              <a:buFont typeface="Wingdings" panose="05000000000000000000" pitchFamily="2" charset="2"/>
-              <a:buChar char="n"/>
-              <a:defRPr sz="2000">
-                <a:solidFill>
-                  <a:schemeClr val="tx1"/>
-                </a:solidFill>
-                <a:latin typeface="Arial" panose="020B0604020202020204" pitchFamily="34" charset="0"/>
-              </a:defRPr>
-            </a:lvl4pPr>
-            <a:lvl5pPr marL="2057400" indent="-228600">
-              <a:spcBef>
-                <a:spcPct val="20000"/>
-              </a:spcBef>
-              <a:buClr>
-                <a:srgbClr val="A50021"/>
-              </a:buClr>
-              <a:buSzPct val="50000"/>
-              <a:buFont typeface="Wingdings" panose="05000000000000000000" pitchFamily="2" charset="2"/>
-              <a:buChar char="n"/>
-              <a:defRPr sz="2000">
-                <a:solidFill>
-                  <a:schemeClr val="tx1"/>
-                </a:solidFill>
-                <a:latin typeface="Arial" panose="020B0604020202020204" pitchFamily="34" charset="0"/>
-              </a:defRPr>
-            </a:lvl5pPr>
-            <a:lvl6pPr marL="2514600" indent="-228600" eaLnBrk="0" fontAlgn="base" hangingPunct="0">
-              <a:spcBef>
-                <a:spcPct val="20000"/>
-              </a:spcBef>
-              <a:spcAft>
-                <a:spcPct val="0"/>
-              </a:spcAft>
-              <a:buClr>
-                <a:srgbClr val="A50021"/>
-              </a:buClr>
-              <a:buSzPct val="50000"/>
-              <a:buFont typeface="Wingdings" panose="05000000000000000000" pitchFamily="2" charset="2"/>
-              <a:buChar char="n"/>
-              <a:defRPr sz="2000">
-                <a:solidFill>
-                  <a:schemeClr val="tx1"/>
-                </a:solidFill>
-                <a:latin typeface="Arial" panose="020B0604020202020204" pitchFamily="34" charset="0"/>
-              </a:defRPr>
-            </a:lvl6pPr>
-            <a:lvl7pPr marL="2971800" indent="-228600" eaLnBrk="0" fontAlgn="base" hangingPunct="0">
-              <a:spcBef>
-                <a:spcPct val="20000"/>
-              </a:spcBef>
-              <a:spcAft>
-                <a:spcPct val="0"/>
-              </a:spcAft>
-              <a:buClr>
-                <a:srgbClr val="A50021"/>
-              </a:buClr>
-              <a:buSzPct val="50000"/>
-              <a:buFont typeface="Wingdings" panose="05000000000000000000" pitchFamily="2" charset="2"/>
-              <a:buChar char="n"/>
-              <a:defRPr sz="2000">
-                <a:solidFill>
-                  <a:schemeClr val="tx1"/>
-                </a:solidFill>
-                <a:latin typeface="Arial" panose="020B0604020202020204" pitchFamily="34" charset="0"/>
-              </a:defRPr>
-            </a:lvl7pPr>
-            <a:lvl8pPr marL="3429000" indent="-228600" eaLnBrk="0" fontAlgn="base" hangingPunct="0">
-              <a:spcBef>
-                <a:spcPct val="20000"/>
-              </a:spcBef>
-              <a:spcAft>
-                <a:spcPct val="0"/>
-              </a:spcAft>
-              <a:buClr>
-                <a:srgbClr val="A50021"/>
-              </a:buClr>
-              <a:buSzPct val="50000"/>
-              <a:buFont typeface="Wingdings" panose="05000000000000000000" pitchFamily="2" charset="2"/>
-              <a:buChar char="n"/>
-              <a:defRPr sz="2000">
-                <a:solidFill>
-                  <a:schemeClr val="tx1"/>
-                </a:solidFill>
-                <a:latin typeface="Arial" panose="020B0604020202020204" pitchFamily="34" charset="0"/>
-              </a:defRPr>
-            </a:lvl8pPr>
-            <a:lvl9pPr marL="3886200" indent="-228600" eaLnBrk="0" fontAlgn="base" hangingPunct="0">
-              <a:spcBef>
-                <a:spcPct val="20000"/>
-              </a:spcBef>
-              <a:spcAft>
-                <a:spcPct val="0"/>
-              </a:spcAft>
-              <a:buClr>
-                <a:srgbClr val="A50021"/>
-              </a:buClr>
-              <a:buSzPct val="50000"/>
-              <a:buFont typeface="Wingdings" panose="05000000000000000000" pitchFamily="2" charset="2"/>
-              <a:buChar char="n"/>
-              <a:defRPr sz="2000">
-                <a:solidFill>
-                  <a:schemeClr val="tx1"/>
-                </a:solidFill>
-                <a:latin typeface="Arial" panose="020B0604020202020204" pitchFamily="34" charset="0"/>
-              </a:defRPr>
-            </a:lvl9pPr>
-          </a:lstStyle>
-          <a:p>
-            <a:pPr>
-              <a:spcBef>
-                <a:spcPct val="0"/>
-              </a:spcBef>
-              <a:buClrTx/>
-              <a:buSzTx/>
-              <a:buFontTx/>
-              <a:buNone/>
-            </a:pPr>
-            <a:r>
-              <a:rPr lang="en-US" altLang="zh-CN" sz="1400"/>
-              <a:t>Slide 10- </a:t>
-            </a:r>
-            <a:fld id="{CEEA2348-2044-456D-81C3-A852E53308E2}" type="slidenum">
-              <a:rPr lang="en-US" altLang="zh-CN" sz="1400"/>
-              <a:pPr>
-                <a:spcBef>
-                  <a:spcPct val="0"/>
-                </a:spcBef>
-                <a:buClrTx/>
-                <a:buSzTx/>
-                <a:buFontTx/>
-                <a:buNone/>
-              </a:pPr>
-              <a:t>44</a:t>
-            </a:fld>
-            <a:endParaRPr lang="en-CA" altLang="zh-CN" sz="1400"/>
-          </a:p>
-        </p:txBody>
-      </p:sp>
-      <p:sp>
-        <p:nvSpPr>
           <p:cNvPr id="49155" name="Rectangle 2"/>
           <p:cNvSpPr>
             <a:spLocks noGrp="1" noChangeArrowheads="1"/>
@@ -21573,13 +21068,11 @@
           <a:bodyPr/>
           <a:lstStyle/>
           <a:p>
-            <a:pPr eaLnBrk="1" hangingPunct="1"/>
-            <a:r>
-              <a:rPr lang="en-US" altLang="zh-CN" smtClean="0">
-                <a:ea typeface="宋体" panose="02010600030101010101" pitchFamily="2" charset="-122"/>
-              </a:rPr>
+            <a:r>
+              <a:rPr lang="en-US" altLang="zh-CN" smtClean="0"/>
               <a:t>Virtual Details</a:t>
             </a:r>
+            <a:endParaRPr lang="en-US" altLang="zh-CN" smtClean="0"/>
           </a:p>
         </p:txBody>
       </p:sp>
@@ -21593,70 +21086,51 @@
             <p:ph type="body" idx="1"/>
           </p:nvPr>
         </p:nvSpPr>
-        <p:spPr>
-          <a:xfrm>
-            <a:off x="544513" y="1600200"/>
-            <a:ext cx="8294687" cy="4572000"/>
-          </a:xfrm>
-        </p:spPr>
+        <p:spPr/>
         <p:txBody>
           <a:bodyPr/>
           <a:lstStyle/>
           <a:p>
-            <a:pPr eaLnBrk="1" hangingPunct="1"/>
-            <a:r>
-              <a:rPr lang="en-US" altLang="zh-CN" smtClean="0">
-                <a:ea typeface="宋体" panose="02010600030101010101" pitchFamily="2" charset="-122"/>
-              </a:rPr>
+            <a:r>
+              <a:rPr lang="en-US" altLang="zh-CN" smtClean="0"/>
               <a:t>To define a function differently in a derived class</a:t>
             </a:r>
             <a:br>
-              <a:rPr lang="en-US" altLang="zh-CN" smtClean="0">
-                <a:ea typeface="宋体" panose="02010600030101010101" pitchFamily="2" charset="-122"/>
-              </a:rPr>
+              <a:rPr lang="en-US" altLang="zh-CN" smtClean="0"/>
             </a:br>
             <a:r>
-              <a:rPr lang="en-US" altLang="zh-CN" smtClean="0">
-                <a:ea typeface="宋体" panose="02010600030101010101" pitchFamily="2" charset="-122"/>
-              </a:rPr>
+              <a:rPr lang="en-US" altLang="zh-CN" smtClean="0"/>
               <a:t>and to make it virtual</a:t>
             </a:r>
           </a:p>
           <a:p>
-            <a:pPr lvl="1" eaLnBrk="1" hangingPunct="1"/>
-            <a:r>
-              <a:rPr lang="en-US" altLang="zh-CN" smtClean="0">
-                <a:ea typeface="宋体" panose="02010600030101010101" pitchFamily="2" charset="-122"/>
-              </a:rPr>
+            <a:pPr lvl="1"/>
+            <a:r>
+              <a:rPr lang="en-US" altLang="zh-CN" smtClean="0"/>
               <a:t>Add keyword virtual to the function declaration in the base class</a:t>
             </a:r>
           </a:p>
           <a:p>
-            <a:pPr lvl="1" eaLnBrk="1" hangingPunct="1"/>
-            <a:r>
-              <a:rPr lang="en-US" altLang="zh-CN" smtClean="0">
-                <a:ea typeface="宋体" panose="02010600030101010101" pitchFamily="2" charset="-122"/>
-              </a:rPr>
+            <a:pPr lvl="1"/>
+            <a:r>
+              <a:rPr lang="en-US" altLang="zh-CN" smtClean="0"/>
               <a:t>virtual is not needed for the function declaration in the derived class, but is often included</a:t>
             </a:r>
           </a:p>
           <a:p>
-            <a:pPr lvl="1" eaLnBrk="1" hangingPunct="1"/>
-            <a:r>
-              <a:rPr lang="en-US" altLang="zh-CN" smtClean="0">
-                <a:ea typeface="宋体" panose="02010600030101010101" pitchFamily="2" charset="-122"/>
-              </a:rPr>
+            <a:pPr lvl="1"/>
+            <a:r>
+              <a:rPr lang="en-US" altLang="zh-CN" smtClean="0"/>
               <a:t>virtual is not added to the function definition</a:t>
             </a:r>
           </a:p>
           <a:p>
-            <a:pPr lvl="1" eaLnBrk="1" hangingPunct="1"/>
-            <a:r>
-              <a:rPr lang="en-US" altLang="zh-CN" smtClean="0">
-                <a:ea typeface="宋体" panose="02010600030101010101" pitchFamily="2" charset="-122"/>
-              </a:rPr>
+            <a:pPr lvl="1"/>
+            <a:r>
+              <a:rPr lang="en-US" altLang="zh-CN" smtClean="0"/>
               <a:t>Virtual functions require considerable overhead so excessive use reduces program efficiency</a:t>
             </a:r>
+            <a:endParaRPr lang="en-US" altLang="zh-CN" smtClean="0"/>
           </a:p>
         </p:txBody>
       </p:sp>
@@ -21697,239 +21171,6 @@
       </p:grpSpPr>
       <p:sp>
         <p:nvSpPr>
-          <p:cNvPr id="50178" name="灯片编号占位符 3"/>
-          <p:cNvSpPr>
-            <a:spLocks noGrp="1"/>
-          </p:cNvSpPr>
-          <p:nvPr>
-            <p:ph type="sldNum" sz="quarter" idx="10"/>
-          </p:nvPr>
-        </p:nvSpPr>
-        <p:spPr>
-          <a:noFill/>
-          <a:ln/>
-          <a:extLst>
-            <a:ext uri="{909E8E84-426E-40DD-AFC4-6F175D3DCCD1}">
-              <a14:hiddenFill xmlns:a14="http://schemas.microsoft.com/office/drawing/2010/main">
-                <a:solidFill>
-                  <a:srgbClr val="FFFFFF"/>
-                </a:solidFill>
-              </a14:hiddenFill>
-            </a:ext>
-            <a:ext uri="{91240B29-F687-4F45-9708-019B960494DF}">
-              <a14:hiddenLine xmlns:a14="http://schemas.microsoft.com/office/drawing/2010/main" w="9525">
-                <a:solidFill>
-                  <a:srgbClr val="000000"/>
-                </a:solidFill>
-                <a:miter lim="800000"/>
-                <a:headEnd/>
-                <a:tailEnd/>
-              </a14:hiddenLine>
-            </a:ext>
-          </a:extLst>
-        </p:spPr>
-        <p:txBody>
-          <a:bodyPr/>
-          <a:lstStyle>
-            <a:lvl1pPr>
-              <a:spcBef>
-                <a:spcPct val="20000"/>
-              </a:spcBef>
-              <a:buClr>
-                <a:srgbClr val="A50021"/>
-              </a:buClr>
-              <a:buSzPct val="60000"/>
-              <a:buFont typeface="Wingdings" panose="05000000000000000000" pitchFamily="2" charset="2"/>
-              <a:buChar char="n"/>
-              <a:defRPr sz="2800">
-                <a:solidFill>
-                  <a:schemeClr val="tx1"/>
-                </a:solidFill>
-                <a:latin typeface="Arial" panose="020B0604020202020204" pitchFamily="34" charset="0"/>
-              </a:defRPr>
-            </a:lvl1pPr>
-            <a:lvl2pPr marL="742950" indent="-285750">
-              <a:spcBef>
-                <a:spcPct val="20000"/>
-              </a:spcBef>
-              <a:buClr>
-                <a:srgbClr val="02B2CA"/>
-              </a:buClr>
-              <a:buSzPct val="55000"/>
-              <a:buFont typeface="Wingdings" panose="05000000000000000000" pitchFamily="2" charset="2"/>
-              <a:buChar char="n"/>
-              <a:defRPr sz="2800">
-                <a:solidFill>
-                  <a:schemeClr val="tx1"/>
-                </a:solidFill>
-                <a:latin typeface="Arial" panose="020B0604020202020204" pitchFamily="34" charset="0"/>
-              </a:defRPr>
-            </a:lvl2pPr>
-            <a:lvl3pPr marL="1143000" indent="-228600">
-              <a:spcBef>
-                <a:spcPct val="20000"/>
-              </a:spcBef>
-              <a:buClr>
-                <a:srgbClr val="A50021"/>
-              </a:buClr>
-              <a:buSzPct val="50000"/>
-              <a:buFont typeface="Wingdings" panose="05000000000000000000" pitchFamily="2" charset="2"/>
-              <a:buChar char="n"/>
-              <a:defRPr sz="2400">
-                <a:solidFill>
-                  <a:schemeClr val="tx1"/>
-                </a:solidFill>
-                <a:latin typeface="Arial" panose="020B0604020202020204" pitchFamily="34" charset="0"/>
-              </a:defRPr>
-            </a:lvl3pPr>
-            <a:lvl4pPr marL="1600200" indent="-228600">
-              <a:spcBef>
-                <a:spcPct val="20000"/>
-              </a:spcBef>
-              <a:buClr>
-                <a:srgbClr val="02B2CA"/>
-              </a:buClr>
-              <a:buSzPct val="55000"/>
-              <a:buFont typeface="Wingdings" panose="05000000000000000000" pitchFamily="2" charset="2"/>
-              <a:buChar char="n"/>
-              <a:defRPr sz="2000">
-                <a:solidFill>
-                  <a:schemeClr val="tx1"/>
-                </a:solidFill>
-                <a:latin typeface="Arial" panose="020B0604020202020204" pitchFamily="34" charset="0"/>
-              </a:defRPr>
-            </a:lvl4pPr>
-            <a:lvl5pPr marL="2057400" indent="-228600">
-              <a:spcBef>
-                <a:spcPct val="20000"/>
-              </a:spcBef>
-              <a:buClr>
-                <a:srgbClr val="A50021"/>
-              </a:buClr>
-              <a:buSzPct val="50000"/>
-              <a:buFont typeface="Wingdings" panose="05000000000000000000" pitchFamily="2" charset="2"/>
-              <a:buChar char="n"/>
-              <a:defRPr sz="2000">
-                <a:solidFill>
-                  <a:schemeClr val="tx1"/>
-                </a:solidFill>
-                <a:latin typeface="Arial" panose="020B0604020202020204" pitchFamily="34" charset="0"/>
-              </a:defRPr>
-            </a:lvl5pPr>
-            <a:lvl6pPr marL="2514600" indent="-228600" eaLnBrk="0" fontAlgn="base" hangingPunct="0">
-              <a:spcBef>
-                <a:spcPct val="20000"/>
-              </a:spcBef>
-              <a:spcAft>
-                <a:spcPct val="0"/>
-              </a:spcAft>
-              <a:buClr>
-                <a:srgbClr val="A50021"/>
-              </a:buClr>
-              <a:buSzPct val="50000"/>
-              <a:buFont typeface="Wingdings" panose="05000000000000000000" pitchFamily="2" charset="2"/>
-              <a:buChar char="n"/>
-              <a:defRPr sz="2000">
-                <a:solidFill>
-                  <a:schemeClr val="tx1"/>
-                </a:solidFill>
-                <a:latin typeface="Arial" panose="020B0604020202020204" pitchFamily="34" charset="0"/>
-              </a:defRPr>
-            </a:lvl6pPr>
-            <a:lvl7pPr marL="2971800" indent="-228600" eaLnBrk="0" fontAlgn="base" hangingPunct="0">
-              <a:spcBef>
-                <a:spcPct val="20000"/>
-              </a:spcBef>
-              <a:spcAft>
-                <a:spcPct val="0"/>
-              </a:spcAft>
-              <a:buClr>
-                <a:srgbClr val="A50021"/>
-              </a:buClr>
-              <a:buSzPct val="50000"/>
-              <a:buFont typeface="Wingdings" panose="05000000000000000000" pitchFamily="2" charset="2"/>
-              <a:buChar char="n"/>
-              <a:defRPr sz="2000">
-                <a:solidFill>
-                  <a:schemeClr val="tx1"/>
-                </a:solidFill>
-                <a:latin typeface="Arial" panose="020B0604020202020204" pitchFamily="34" charset="0"/>
-              </a:defRPr>
-            </a:lvl7pPr>
-            <a:lvl8pPr marL="3429000" indent="-228600" eaLnBrk="0" fontAlgn="base" hangingPunct="0">
-              <a:spcBef>
-                <a:spcPct val="20000"/>
-              </a:spcBef>
-              <a:spcAft>
-                <a:spcPct val="0"/>
-              </a:spcAft>
-              <a:buClr>
-                <a:srgbClr val="A50021"/>
-              </a:buClr>
-              <a:buSzPct val="50000"/>
-              <a:buFont typeface="Wingdings" panose="05000000000000000000" pitchFamily="2" charset="2"/>
-              <a:buChar char="n"/>
-              <a:defRPr sz="2000">
-                <a:solidFill>
-                  <a:schemeClr val="tx1"/>
-                </a:solidFill>
-                <a:latin typeface="Arial" panose="020B0604020202020204" pitchFamily="34" charset="0"/>
-              </a:defRPr>
-            </a:lvl8pPr>
-            <a:lvl9pPr marL="3886200" indent="-228600" eaLnBrk="0" fontAlgn="base" hangingPunct="0">
-              <a:spcBef>
-                <a:spcPct val="20000"/>
-              </a:spcBef>
-              <a:spcAft>
-                <a:spcPct val="0"/>
-              </a:spcAft>
-              <a:buClr>
-                <a:srgbClr val="A50021"/>
-              </a:buClr>
-              <a:buSzPct val="50000"/>
-              <a:buFont typeface="Wingdings" panose="05000000000000000000" pitchFamily="2" charset="2"/>
-              <a:buChar char="n"/>
-              <a:defRPr sz="2000">
-                <a:solidFill>
-                  <a:schemeClr val="tx1"/>
-                </a:solidFill>
-                <a:latin typeface="Arial" panose="020B0604020202020204" pitchFamily="34" charset="0"/>
-              </a:defRPr>
-            </a:lvl9pPr>
-          </a:lstStyle>
-          <a:p>
-            <a:pPr>
-              <a:spcBef>
-                <a:spcPct val="0"/>
-              </a:spcBef>
-              <a:buClrTx/>
-              <a:buSzTx/>
-              <a:buFontTx/>
-              <a:buNone/>
-            </a:pPr>
-            <a:r>
-              <a:rPr lang="en-US" altLang="zh-CN" sz="1400"/>
-              <a:t>Slide 10- </a:t>
-            </a:r>
-            <a:fld id="{72A86731-C3F4-435A-82E1-2667883CB0AD}" type="slidenum">
-              <a:rPr lang="en-US" altLang="zh-CN" sz="1400"/>
-              <a:pPr>
-                <a:spcBef>
-                  <a:spcPct val="0"/>
-                </a:spcBef>
-                <a:buClrTx/>
-                <a:buSzTx/>
-                <a:buFontTx/>
-                <a:buNone/>
-              </a:pPr>
-              <a:t>45</a:t>
-            </a:fld>
-            <a:endParaRPr lang="en-CA" altLang="zh-CN" sz="1400"/>
-          </a:p>
-        </p:txBody>
-      </p:sp>
-      <p:sp>
-        <p:nvSpPr>
           <p:cNvPr id="50179" name="Rectangle 2"/>
           <p:cNvSpPr>
             <a:spLocks noGrp="1" noChangeArrowheads="1"/>
@@ -21943,13 +21184,11 @@
           <a:bodyPr/>
           <a:lstStyle/>
           <a:p>
-            <a:pPr eaLnBrk="1" hangingPunct="1"/>
-            <a:r>
-              <a:rPr lang="en-US" altLang="zh-CN" smtClean="0">
-                <a:ea typeface="宋体" panose="02010600030101010101" pitchFamily="2" charset="-122"/>
-              </a:rPr>
+            <a:r>
+              <a:rPr lang="en-US" altLang="zh-CN" smtClean="0"/>
               <a:t>Overriding</a:t>
             </a:r>
+            <a:endParaRPr lang="en-US" altLang="zh-CN" smtClean="0"/>
           </a:p>
         </p:txBody>
       </p:sp>
@@ -21968,56 +21207,37 @@
           <a:bodyPr/>
           <a:lstStyle/>
           <a:p>
-            <a:pPr eaLnBrk="1" hangingPunct="1"/>
-            <a:endParaRPr lang="en-US" altLang="zh-CN" smtClean="0">
-              <a:ea typeface="宋体" panose="02010600030101010101" pitchFamily="2" charset="-122"/>
-            </a:endParaRPr>
-          </a:p>
-          <a:p>
-            <a:pPr eaLnBrk="1" hangingPunct="1"/>
-            <a:r>
-              <a:rPr lang="en-US" altLang="zh-CN" smtClean="0">
-                <a:ea typeface="宋体" panose="02010600030101010101" pitchFamily="2" charset="-122"/>
-              </a:rPr>
+            <a:endParaRPr lang="en-US" altLang="zh-CN" smtClean="0"/>
+          </a:p>
+          <a:p>
+            <a:r>
+              <a:rPr lang="en-US" altLang="zh-CN" smtClean="0"/>
               <a:t>Virtual functions whose definitions are changed</a:t>
             </a:r>
             <a:br>
-              <a:rPr lang="en-US" altLang="zh-CN" smtClean="0">
-                <a:ea typeface="宋体" panose="02010600030101010101" pitchFamily="2" charset="-122"/>
-              </a:rPr>
+              <a:rPr lang="en-US" altLang="zh-CN" smtClean="0"/>
             </a:br>
             <a:r>
-              <a:rPr lang="en-US" altLang="zh-CN" smtClean="0">
-                <a:ea typeface="宋体" panose="02010600030101010101" pitchFamily="2" charset="-122"/>
-              </a:rPr>
+              <a:rPr lang="en-US" altLang="zh-CN" smtClean="0"/>
               <a:t>in a derived class are said to be overridden</a:t>
             </a:r>
           </a:p>
           <a:p>
-            <a:pPr eaLnBrk="1" hangingPunct="1"/>
-            <a:endParaRPr lang="en-US" altLang="zh-CN" smtClean="0">
-              <a:ea typeface="宋体" panose="02010600030101010101" pitchFamily="2" charset="-122"/>
-            </a:endParaRPr>
-          </a:p>
-          <a:p>
-            <a:pPr eaLnBrk="1" hangingPunct="1"/>
-            <a:r>
-              <a:rPr lang="en-US" altLang="zh-CN" smtClean="0">
-                <a:ea typeface="宋体" panose="02010600030101010101" pitchFamily="2" charset="-122"/>
-              </a:rPr>
+            <a:endParaRPr lang="en-US" altLang="zh-CN" smtClean="0"/>
+          </a:p>
+          <a:p>
+            <a:r>
+              <a:rPr lang="en-US" altLang="zh-CN" smtClean="0"/>
               <a:t>Non-virtual functions whose definitions are </a:t>
             </a:r>
             <a:br>
-              <a:rPr lang="en-US" altLang="zh-CN" smtClean="0">
-                <a:ea typeface="宋体" panose="02010600030101010101" pitchFamily="2" charset="-122"/>
-              </a:rPr>
+              <a:rPr lang="en-US" altLang="zh-CN" smtClean="0"/>
             </a:br>
             <a:r>
-              <a:rPr lang="en-US" altLang="zh-CN" smtClean="0">
-                <a:ea typeface="宋体" panose="02010600030101010101" pitchFamily="2" charset="-122"/>
-              </a:rPr>
+              <a:rPr lang="en-US" altLang="zh-CN" smtClean="0"/>
               <a:t>changed in a derived class are redefined</a:t>
             </a:r>
+            <a:endParaRPr lang="en-US" altLang="zh-CN" smtClean="0"/>
           </a:p>
         </p:txBody>
       </p:sp>
@@ -22728,161 +21948,248 @@
               </a:lnSpc>
             </a:pPr>
             <a:r>
-              <a:rPr lang="en-US" altLang="zh-CN" sz="2400" smtClean="0">
+              <a:rPr lang="en-US" altLang="zh-CN" sz="2400" dirty="0" smtClean="0">
                 <a:ea typeface="宋体" panose="02010600030101010101" pitchFamily="2" charset="-122"/>
               </a:rPr>
               <a:t>Consider </a:t>
             </a:r>
             <a:br>
-              <a:rPr lang="en-US" altLang="zh-CN" sz="2400" smtClean="0">
+              <a:rPr lang="en-US" altLang="zh-CN" sz="2400" dirty="0" smtClean="0">
                 <a:ea typeface="宋体" panose="02010600030101010101" pitchFamily="2" charset="-122"/>
               </a:rPr>
             </a:br>
             <a:r>
-              <a:rPr lang="en-US" altLang="zh-CN" sz="2400" smtClean="0">
-                <a:ea typeface="宋体" panose="02010600030101010101" pitchFamily="2" charset="-122"/>
-              </a:rPr>
-              <a:t>                      class Pet</a:t>
+              <a:rPr lang="en-US" altLang="zh-CN" sz="2400" dirty="0" smtClean="0">
+                <a:ea typeface="宋体" panose="02010600030101010101" pitchFamily="2" charset="-122"/>
+              </a:rPr>
+              <a:t>                      </a:t>
+            </a:r>
+            <a:r>
+              <a:rPr lang="en-US" altLang="zh-CN" sz="2400" kern="1200" dirty="0">
+                <a:solidFill>
+                  <a:srgbClr val="0000FF"/>
+                </a:solidFill>
+                <a:ea typeface="宋体" panose="02010600030101010101" pitchFamily="2" charset="-122"/>
+              </a:rPr>
+              <a:t>class Pet</a:t>
             </a:r>
             <a:br>
-              <a:rPr lang="en-US" altLang="zh-CN" sz="2400" smtClean="0">
+              <a:rPr lang="en-US" altLang="zh-CN" sz="2400" kern="1200" dirty="0">
+                <a:solidFill>
+                  <a:srgbClr val="0000FF"/>
+                </a:solidFill>
                 <a:ea typeface="宋体" panose="02010600030101010101" pitchFamily="2" charset="-122"/>
               </a:rPr>
             </a:br>
             <a:r>
-              <a:rPr lang="en-US" altLang="zh-CN" sz="2400" smtClean="0">
+              <a:rPr lang="en-US" altLang="zh-CN" sz="2400" kern="1200" dirty="0">
+                <a:solidFill>
+                  <a:srgbClr val="0000FF"/>
+                </a:solidFill>
                 <a:ea typeface="宋体" panose="02010600030101010101" pitchFamily="2" charset="-122"/>
               </a:rPr>
               <a:t>                         {  </a:t>
             </a:r>
             <a:br>
-              <a:rPr lang="en-US" altLang="zh-CN" sz="2400" smtClean="0">
+              <a:rPr lang="en-US" altLang="zh-CN" sz="2400" kern="1200" dirty="0">
+                <a:solidFill>
+                  <a:srgbClr val="0000FF"/>
+                </a:solidFill>
                 <a:ea typeface="宋体" panose="02010600030101010101" pitchFamily="2" charset="-122"/>
               </a:rPr>
             </a:br>
             <a:r>
-              <a:rPr lang="en-US" altLang="zh-CN" sz="2400" smtClean="0">
+              <a:rPr lang="en-US" altLang="zh-CN" sz="2400" kern="1200" dirty="0">
+                <a:solidFill>
+                  <a:srgbClr val="0000FF"/>
+                </a:solidFill>
                 <a:ea typeface="宋体" panose="02010600030101010101" pitchFamily="2" charset="-122"/>
               </a:rPr>
               <a:t>			public:</a:t>
             </a:r>
             <a:br>
-              <a:rPr lang="en-US" altLang="zh-CN" sz="2400" smtClean="0">
+              <a:rPr lang="en-US" altLang="zh-CN" sz="2400" kern="1200" dirty="0">
+                <a:solidFill>
+                  <a:srgbClr val="0000FF"/>
+                </a:solidFill>
                 <a:ea typeface="宋体" panose="02010600030101010101" pitchFamily="2" charset="-122"/>
               </a:rPr>
             </a:br>
             <a:r>
-              <a:rPr lang="en-US" altLang="zh-CN" sz="2400" smtClean="0">
+              <a:rPr lang="en-US" altLang="zh-CN" sz="2400" kern="1200" dirty="0">
+                <a:solidFill>
+                  <a:srgbClr val="0000FF"/>
+                </a:solidFill>
                 <a:ea typeface="宋体" panose="02010600030101010101" pitchFamily="2" charset="-122"/>
               </a:rPr>
               <a:t>                                         virtual void print();</a:t>
             </a:r>
             <a:br>
-              <a:rPr lang="en-US" altLang="zh-CN" sz="2400" smtClean="0">
+              <a:rPr lang="en-US" altLang="zh-CN" sz="2400" kern="1200" dirty="0">
+                <a:solidFill>
+                  <a:srgbClr val="0000FF"/>
+                </a:solidFill>
                 <a:ea typeface="宋体" panose="02010600030101010101" pitchFamily="2" charset="-122"/>
               </a:rPr>
             </a:br>
             <a:r>
-              <a:rPr lang="en-US" altLang="zh-CN" sz="2400" smtClean="0">
+              <a:rPr lang="en-US" altLang="zh-CN" sz="2400" kern="1200" dirty="0">
+                <a:solidFill>
+                  <a:srgbClr val="0000FF"/>
+                </a:solidFill>
                 <a:ea typeface="宋体" panose="02010600030101010101" pitchFamily="2" charset="-122"/>
               </a:rPr>
               <a:t>                                          string name;</a:t>
             </a:r>
             <a:br>
-              <a:rPr lang="en-US" altLang="zh-CN" sz="2400" smtClean="0">
+              <a:rPr lang="en-US" altLang="zh-CN" sz="2400" kern="1200" dirty="0">
+                <a:solidFill>
+                  <a:srgbClr val="0000FF"/>
+                </a:solidFill>
                 <a:ea typeface="宋体" panose="02010600030101010101" pitchFamily="2" charset="-122"/>
               </a:rPr>
             </a:br>
             <a:r>
-              <a:rPr lang="en-US" altLang="zh-CN" sz="2400" smtClean="0">
+              <a:rPr lang="en-US" altLang="zh-CN" sz="2400" kern="1200" dirty="0">
+                <a:solidFill>
+                  <a:srgbClr val="0000FF"/>
+                </a:solidFill>
                 <a:ea typeface="宋体" panose="02010600030101010101" pitchFamily="2" charset="-122"/>
               </a:rPr>
               <a:t>                           }</a:t>
             </a:r>
             <a:br>
-              <a:rPr lang="en-US" altLang="zh-CN" sz="2400" smtClean="0">
+              <a:rPr lang="en-US" altLang="zh-CN" sz="2400" kern="1200" dirty="0">
+                <a:solidFill>
+                  <a:srgbClr val="0000FF"/>
+                </a:solidFill>
                 <a:ea typeface="宋体" panose="02010600030101010101" pitchFamily="2" charset="-122"/>
               </a:rPr>
             </a:br>
             <a:r>
-              <a:rPr lang="en-US" altLang="zh-CN" sz="2400" smtClean="0">
+              <a:rPr lang="en-US" altLang="zh-CN" sz="2400" kern="1200" dirty="0">
+                <a:solidFill>
+                  <a:srgbClr val="0000FF"/>
+                </a:solidFill>
                 <a:ea typeface="宋体" panose="02010600030101010101" pitchFamily="2" charset="-122"/>
               </a:rPr>
               <a:t/>
             </a:r>
             <a:br>
-              <a:rPr lang="en-US" altLang="zh-CN" sz="2400" smtClean="0">
+              <a:rPr lang="en-US" altLang="zh-CN" sz="2400" kern="1200" dirty="0">
+                <a:solidFill>
+                  <a:srgbClr val="0000FF"/>
+                </a:solidFill>
                 <a:ea typeface="宋体" panose="02010600030101010101" pitchFamily="2" charset="-122"/>
               </a:rPr>
             </a:br>
             <a:r>
-              <a:rPr lang="en-US" altLang="zh-CN" sz="2400" smtClean="0">
+              <a:rPr lang="en-US" altLang="zh-CN" sz="2400" kern="1200" dirty="0">
+                <a:solidFill>
+                  <a:srgbClr val="0000FF"/>
+                </a:solidFill>
                 <a:ea typeface="宋体" panose="02010600030101010101" pitchFamily="2" charset="-122"/>
               </a:rPr>
               <a:t>                      and </a:t>
             </a:r>
             <a:br>
-              <a:rPr lang="en-US" altLang="zh-CN" sz="2400" smtClean="0">
+              <a:rPr lang="en-US" altLang="zh-CN" sz="2400" kern="1200" dirty="0">
+                <a:solidFill>
+                  <a:srgbClr val="0000FF"/>
+                </a:solidFill>
                 <a:ea typeface="宋体" panose="02010600030101010101" pitchFamily="2" charset="-122"/>
               </a:rPr>
             </a:br>
             <a:r>
-              <a:rPr lang="en-US" altLang="zh-CN" sz="2400" smtClean="0">
+              <a:rPr lang="en-US" altLang="zh-CN" sz="2400" kern="1200" dirty="0">
+                <a:solidFill>
+                  <a:srgbClr val="0000FF"/>
+                </a:solidFill>
                 <a:ea typeface="宋体" panose="02010600030101010101" pitchFamily="2" charset="-122"/>
               </a:rPr>
               <a:t>                        class Dog :public Pet</a:t>
             </a:r>
             <a:br>
-              <a:rPr lang="en-US" altLang="zh-CN" sz="2400" smtClean="0">
+              <a:rPr lang="en-US" altLang="zh-CN" sz="2400" kern="1200" dirty="0">
+                <a:solidFill>
+                  <a:srgbClr val="0000FF"/>
+                </a:solidFill>
                 <a:ea typeface="宋体" panose="02010600030101010101" pitchFamily="2" charset="-122"/>
               </a:rPr>
             </a:br>
             <a:r>
-              <a:rPr lang="en-US" altLang="zh-CN" sz="2400" smtClean="0">
+              <a:rPr lang="en-US" altLang="zh-CN" sz="2400" kern="1200" dirty="0">
+                <a:solidFill>
+                  <a:srgbClr val="0000FF"/>
+                </a:solidFill>
                 <a:ea typeface="宋体" panose="02010600030101010101" pitchFamily="2" charset="-122"/>
               </a:rPr>
               <a:t>                         {</a:t>
             </a:r>
             <a:br>
-              <a:rPr lang="en-US" altLang="zh-CN" sz="2400" smtClean="0">
+              <a:rPr lang="en-US" altLang="zh-CN" sz="2400" kern="1200" dirty="0">
+                <a:solidFill>
+                  <a:srgbClr val="0000FF"/>
+                </a:solidFill>
                 <a:ea typeface="宋体" panose="02010600030101010101" pitchFamily="2" charset="-122"/>
               </a:rPr>
             </a:br>
             <a:r>
-              <a:rPr lang="en-US" altLang="zh-CN" sz="2400" smtClean="0">
+              <a:rPr lang="en-US" altLang="zh-CN" sz="2400" kern="1200" dirty="0">
+                <a:solidFill>
+                  <a:srgbClr val="0000FF"/>
+                </a:solidFill>
                 <a:ea typeface="宋体" panose="02010600030101010101" pitchFamily="2" charset="-122"/>
               </a:rPr>
               <a:t>                              public:  </a:t>
             </a:r>
             <a:br>
-              <a:rPr lang="en-US" altLang="zh-CN" sz="2400" smtClean="0">
+              <a:rPr lang="en-US" altLang="zh-CN" sz="2400" kern="1200" dirty="0">
+                <a:solidFill>
+                  <a:srgbClr val="0000FF"/>
+                </a:solidFill>
                 <a:ea typeface="宋体" panose="02010600030101010101" pitchFamily="2" charset="-122"/>
               </a:rPr>
             </a:br>
             <a:r>
-              <a:rPr lang="en-US" altLang="zh-CN" sz="2400" smtClean="0">
+              <a:rPr lang="en-US" altLang="zh-CN" sz="2400" kern="1200" dirty="0">
+                <a:solidFill>
+                  <a:srgbClr val="0000FF"/>
+                </a:solidFill>
                 <a:ea typeface="宋体" panose="02010600030101010101" pitchFamily="2" charset="-122"/>
               </a:rPr>
               <a:t>                                           virtual void print();</a:t>
             </a:r>
             <a:br>
-              <a:rPr lang="en-US" altLang="zh-CN" sz="2400" smtClean="0">
+              <a:rPr lang="en-US" altLang="zh-CN" sz="2400" kern="1200" dirty="0">
+                <a:solidFill>
+                  <a:srgbClr val="0000FF"/>
+                </a:solidFill>
                 <a:ea typeface="宋体" panose="02010600030101010101" pitchFamily="2" charset="-122"/>
               </a:rPr>
             </a:br>
             <a:r>
-              <a:rPr lang="en-US" altLang="zh-CN" sz="2400" smtClean="0">
+              <a:rPr lang="en-US" altLang="zh-CN" sz="2400" kern="1200" dirty="0">
+                <a:solidFill>
+                  <a:srgbClr val="0000FF"/>
+                </a:solidFill>
                 <a:ea typeface="宋体" panose="02010600030101010101" pitchFamily="2" charset="-122"/>
               </a:rPr>
               <a:t>                                           string breed;</a:t>
             </a:r>
             <a:br>
-              <a:rPr lang="en-US" altLang="zh-CN" sz="2400" smtClean="0">
+              <a:rPr lang="en-US" altLang="zh-CN" sz="2400" kern="1200" dirty="0">
+                <a:solidFill>
+                  <a:srgbClr val="0000FF"/>
+                </a:solidFill>
                 <a:ea typeface="宋体" panose="02010600030101010101" pitchFamily="2" charset="-122"/>
               </a:rPr>
             </a:br>
             <a:r>
-              <a:rPr lang="en-US" altLang="zh-CN" sz="2400" smtClean="0">
+              <a:rPr lang="en-US" altLang="zh-CN" sz="2400" kern="1200" dirty="0">
+                <a:solidFill>
+                  <a:srgbClr val="0000FF"/>
+                </a:solidFill>
                 <a:ea typeface="宋体" panose="02010600030101010101" pitchFamily="2" charset="-122"/>
               </a:rPr>
               <a:t>                          }</a:t>
@@ -28355,10 +27662,22 @@
           <a:p>
             <a:pPr eaLnBrk="1" hangingPunct="1"/>
             <a:r>
-              <a:rPr lang="en-US" altLang="zh-CN" smtClean="0">
-                <a:ea typeface="宋体" panose="02010600030101010101" pitchFamily="2" charset="-122"/>
-              </a:rPr>
-              <a:t>Section 10.3 Conclusion</a:t>
+              <a:rPr lang="en-US" altLang="zh-CN" dirty="0" smtClean="0">
+                <a:ea typeface="宋体" panose="02010600030101010101" pitchFamily="2" charset="-122"/>
+              </a:rPr>
+              <a:t>Section </a:t>
+            </a:r>
+            <a:r>
+              <a:rPr lang="en-US" altLang="zh-CN" dirty="0" smtClean="0">
+                <a:ea typeface="宋体" panose="02010600030101010101" pitchFamily="2" charset="-122"/>
+              </a:rPr>
+              <a:t>15.3 </a:t>
+            </a:r>
+            <a:r>
+              <a:rPr lang="en-US" altLang="zh-CN" dirty="0" smtClean="0">
+                <a:ea typeface="宋体" panose="02010600030101010101" pitchFamily="2" charset="-122"/>
+              </a:rPr>
+              <a:t>Conclusion</a:t>
             </a:r>
           </a:p>
         </p:txBody>
@@ -29145,10 +28464,22 @@
           <a:p>
             <a:pPr eaLnBrk="1" hangingPunct="1"/>
             <a:r>
-              <a:rPr lang="en-US" altLang="zh-CN" smtClean="0">
-                <a:ea typeface="宋体" panose="02010600030101010101" pitchFamily="2" charset="-122"/>
-              </a:rPr>
-              <a:t>Chapter 10 -- End</a:t>
+              <a:rPr lang="en-US" altLang="zh-CN" dirty="0" smtClean="0">
+                <a:ea typeface="宋体" panose="02010600030101010101" pitchFamily="2" charset="-122"/>
+              </a:rPr>
+              <a:t>Chapter </a:t>
+            </a:r>
+            <a:r>
+              <a:rPr lang="en-US" altLang="zh-CN" dirty="0" smtClean="0">
+                <a:ea typeface="宋体" panose="02010600030101010101" pitchFamily="2" charset="-122"/>
+              </a:rPr>
+              <a:t>15 </a:t>
+            </a:r>
+            <a:r>
+              <a:rPr lang="en-US" altLang="zh-CN" dirty="0" smtClean="0">
+                <a:ea typeface="宋体" panose="02010600030101010101" pitchFamily="2" charset="-122"/>
+              </a:rPr>
+              <a:t>-- End</a:t>
             </a:r>
           </a:p>
         </p:txBody>

--- a/ppt/Chapter 15.pptx
+++ b/ppt/Chapter 15.pptx
@@ -9384,10 +9384,10 @@
               <a:rPr lang="en-US" altLang="zh-CN" dirty="0" smtClean="0">
                 <a:ea typeface="宋体" panose="02010600030101010101" pitchFamily="2" charset="-122"/>
               </a:rPr>
-              <a:t> 		</a:t>
-            </a:r>
-            <a:r>
-              <a:rPr lang="en-US" altLang="zh-CN" kern="1200" dirty="0" err="1">
+              <a:t> 	</a:t>
+            </a:r>
+            <a:r>
+              <a:rPr lang="en-US" altLang="zh-CN" kern="1200" dirty="0" err="1" smtClean="0">
                 <a:solidFill>
                   <a:srgbClr val="0000FF"/>
                 </a:solidFill>
@@ -9462,19 +9462,39 @@
                 <a:ea typeface="宋体" panose="02010600030101010101" pitchFamily="2" charset="-122"/>
                 <a:cs typeface="+mn-cs"/>
               </a:rPr>
-              <a:t>            	      </a:t>
-            </a:r>
-            <a:r>
-              <a:rPr lang="en-US" altLang="zh-CN" kern="1200" dirty="0" err="1">
+              <a:t>          </a:t>
+            </a:r>
+            <a:r>
+              <a:rPr lang="en-US" altLang="zh-CN" kern="1200" dirty="0" smtClean="0">
                 <a:solidFill>
                   <a:srgbClr val="0000FF"/>
                 </a:solidFill>
                 <a:ea typeface="宋体" panose="02010600030101010101" pitchFamily="2" charset="-122"/>
                 <a:cs typeface="+mn-cs"/>
               </a:rPr>
+              <a:t>	</a:t>
+            </a:r>
+            <a:r>
+              <a:rPr lang="en-US" altLang="zh-CN" kern="1200" dirty="0" err="1" smtClean="0">
+                <a:solidFill>
+                  <a:srgbClr val="0000FF"/>
+                </a:solidFill>
+                <a:ea typeface="宋体" panose="02010600030101010101" pitchFamily="2" charset="-122"/>
+                <a:cs typeface="+mn-cs"/>
+              </a:rPr>
               <a:t>net_pay</a:t>
             </a:r>
             <a:r>
+              <a:rPr lang="en-US" altLang="zh-CN" kern="1200" dirty="0" smtClean="0">
+                <a:solidFill>
+                  <a:srgbClr val="0000FF"/>
+                </a:solidFill>
+                <a:ea typeface="宋体" panose="02010600030101010101" pitchFamily="2" charset="-122"/>
+                <a:cs typeface="+mn-cs"/>
+              </a:rPr>
+              <a:t> </a:t>
+            </a:r>
+            <a:r>
               <a:rPr lang="en-US" altLang="zh-CN" kern="1200" dirty="0">
                 <a:solidFill>
                   <a:srgbClr val="0000FF"/>
@@ -9482,7 +9502,7 @@
                 <a:ea typeface="宋体" panose="02010600030101010101" pitchFamily="2" charset="-122"/>
                 <a:cs typeface="+mn-cs"/>
               </a:rPr>
-              <a:t> = hours * </a:t>
+              <a:t>= hours * </a:t>
             </a:r>
             <a:r>
               <a:rPr lang="en-US" altLang="zh-CN" kern="1200" dirty="0" err="1">
@@ -21072,7 +21092,6 @@
               <a:rPr lang="en-US" altLang="zh-CN" smtClean="0"/>
               <a:t>Virtual Details</a:t>
             </a:r>
-            <a:endParaRPr lang="en-US" altLang="zh-CN" smtClean="0"/>
           </a:p>
         </p:txBody>
       </p:sp>
@@ -21130,7 +21149,6 @@
               <a:rPr lang="en-US" altLang="zh-CN" smtClean="0"/>
               <a:t>Virtual functions require considerable overhead so excessive use reduces program efficiency</a:t>
             </a:r>
-            <a:endParaRPr lang="en-US" altLang="zh-CN" smtClean="0"/>
           </a:p>
         </p:txBody>
       </p:sp>
@@ -21188,7 +21206,6 @@
               <a:rPr lang="en-US" altLang="zh-CN" smtClean="0"/>
               <a:t>Overriding</a:t>
             </a:r>
-            <a:endParaRPr lang="en-US" altLang="zh-CN" smtClean="0"/>
           </a:p>
         </p:txBody>
       </p:sp>
@@ -21237,7 +21254,6 @@
               <a:rPr lang="en-US" altLang="zh-CN" smtClean="0"/>
               <a:t>changed in a derived class are redefined</a:t>
             </a:r>
-            <a:endParaRPr lang="en-US" altLang="zh-CN" smtClean="0"/>
           </a:p>
         </p:txBody>
       </p:sp>
@@ -23267,18 +23283,18 @@
           <a:p>
             <a:pPr eaLnBrk="1" hangingPunct="1"/>
             <a:r>
-              <a:rPr lang="en-US" altLang="zh-CN" smtClean="0">
+              <a:rPr lang="en-US" altLang="zh-CN" dirty="0" smtClean="0">
                 <a:ea typeface="宋体" panose="02010600030101010101" pitchFamily="2" charset="-122"/>
               </a:rPr>
               <a:t>To design a record-keeping program with </a:t>
             </a:r>
             <a:br>
-              <a:rPr lang="en-US" altLang="zh-CN" smtClean="0">
+              <a:rPr lang="en-US" altLang="zh-CN" dirty="0" smtClean="0">
                 <a:ea typeface="宋体" panose="02010600030101010101" pitchFamily="2" charset="-122"/>
               </a:rPr>
             </a:br>
             <a:r>
-              <a:rPr lang="en-US" altLang="zh-CN" smtClean="0">
+              <a:rPr lang="en-US" altLang="zh-CN" dirty="0" smtClean="0">
                 <a:ea typeface="宋体" panose="02010600030101010101" pitchFamily="2" charset="-122"/>
               </a:rPr>
               <a:t>records for salaried and hourly employees…</a:t>
@@ -23287,7 +23303,7 @@
           <a:p>
             <a:pPr lvl="1" eaLnBrk="1" hangingPunct="1"/>
             <a:r>
-              <a:rPr lang="en-US" altLang="zh-CN" sz="2400" smtClean="0">
+              <a:rPr lang="en-US" altLang="zh-CN" sz="2400" dirty="0" smtClean="0">
                 <a:ea typeface="宋体" panose="02010600030101010101" pitchFamily="2" charset="-122"/>
               </a:rPr>
               <a:t>Salaried and hourly employees belong to a class of people who share the property "employee"</a:t>
@@ -23296,7 +23312,7 @@
           <a:p>
             <a:pPr lvl="1" eaLnBrk="1" hangingPunct="1"/>
             <a:r>
-              <a:rPr lang="en-US" altLang="zh-CN" sz="2400" smtClean="0">
+              <a:rPr lang="en-US" altLang="zh-CN" sz="2400" dirty="0" smtClean="0">
                 <a:ea typeface="宋体" panose="02010600030101010101" pitchFamily="2" charset="-122"/>
               </a:rPr>
               <a:t>A subset of employees are those with a fixed wage</a:t>
@@ -23305,7 +23321,7 @@
           <a:p>
             <a:pPr lvl="1" eaLnBrk="1" hangingPunct="1"/>
             <a:r>
-              <a:rPr lang="en-US" altLang="zh-CN" sz="2400" smtClean="0">
+              <a:rPr lang="en-US" altLang="zh-CN" sz="2400" dirty="0" smtClean="0">
                 <a:ea typeface="宋体" panose="02010600030101010101" pitchFamily="2" charset="-122"/>
               </a:rPr>
               <a:t>Another subset of employees earn hourly wages</a:t>
@@ -23314,7 +23330,7 @@
           <a:p>
             <a:pPr eaLnBrk="1" hangingPunct="1"/>
             <a:r>
-              <a:rPr lang="en-US" altLang="zh-CN" smtClean="0">
+              <a:rPr lang="en-US" altLang="zh-CN" dirty="0" smtClean="0">
                 <a:ea typeface="宋体" panose="02010600030101010101" pitchFamily="2" charset="-122"/>
               </a:rPr>
               <a:t>All employees have a name and SSN</a:t>
@@ -23323,18 +23339,18 @@
           <a:p>
             <a:pPr lvl="1" eaLnBrk="1" hangingPunct="1"/>
             <a:r>
-              <a:rPr lang="en-US" altLang="zh-CN" sz="2400" smtClean="0">
+              <a:rPr lang="en-US" altLang="zh-CN" sz="2400" dirty="0" smtClean="0">
                 <a:ea typeface="宋体" panose="02010600030101010101" pitchFamily="2" charset="-122"/>
               </a:rPr>
               <a:t>Functions to manipulate name and SSN are the same</a:t>
             </a:r>
             <a:br>
-              <a:rPr lang="en-US" altLang="zh-CN" sz="2400" smtClean="0">
+              <a:rPr lang="en-US" altLang="zh-CN" sz="2400" dirty="0" smtClean="0">
                 <a:ea typeface="宋体" panose="02010600030101010101" pitchFamily="2" charset="-122"/>
               </a:rPr>
             </a:br>
             <a:r>
-              <a:rPr lang="en-US" altLang="zh-CN" sz="2400" smtClean="0">
+              <a:rPr lang="en-US" altLang="zh-CN" sz="2400" dirty="0" smtClean="0">
                 <a:ea typeface="宋体" panose="02010600030101010101" pitchFamily="2" charset="-122"/>
               </a:rPr>
               <a:t>for hourly and salaried employees</a:t>
@@ -27665,19 +27681,7 @@
               <a:rPr lang="en-US" altLang="zh-CN" dirty="0" smtClean="0">
                 <a:ea typeface="宋体" panose="02010600030101010101" pitchFamily="2" charset="-122"/>
               </a:rPr>
-              <a:t>Section </a:t>
-            </a:r>
-            <a:r>
-              <a:rPr lang="en-US" altLang="zh-CN" dirty="0" smtClean="0">
-                <a:ea typeface="宋体" panose="02010600030101010101" pitchFamily="2" charset="-122"/>
-              </a:rPr>
-              <a:t>15.3 </a:t>
-            </a:r>
-            <a:r>
-              <a:rPr lang="en-US" altLang="zh-CN" dirty="0" smtClean="0">
-                <a:ea typeface="宋体" panose="02010600030101010101" pitchFamily="2" charset="-122"/>
-              </a:rPr>
-              <a:t>Conclusion</a:t>
+              <a:t>Section 15.3 Conclusion</a:t>
             </a:r>
           </a:p>
         </p:txBody>
@@ -28467,19 +28471,7 @@
               <a:rPr lang="en-US" altLang="zh-CN" dirty="0" smtClean="0">
                 <a:ea typeface="宋体" panose="02010600030101010101" pitchFamily="2" charset="-122"/>
               </a:rPr>
-              <a:t>Chapter </a:t>
-            </a:r>
-            <a:r>
-              <a:rPr lang="en-US" altLang="zh-CN" dirty="0" smtClean="0">
-                <a:ea typeface="宋体" panose="02010600030101010101" pitchFamily="2" charset="-122"/>
-              </a:rPr>
-              <a:t>15 </a:t>
-            </a:r>
-            <a:r>
-              <a:rPr lang="en-US" altLang="zh-CN" dirty="0" smtClean="0">
-                <a:ea typeface="宋体" panose="02010600030101010101" pitchFamily="2" charset="-122"/>
-              </a:rPr>
-              <a:t>-- End</a:t>
+              <a:t>Chapter 15 -- End</a:t>
             </a:r>
           </a:p>
         </p:txBody>
@@ -39593,29 +39585,41 @@
           <a:p>
             <a:pPr eaLnBrk="1" hangingPunct="1"/>
             <a:r>
-              <a:rPr lang="en-US" altLang="zh-CN" smtClean="0">
-                <a:ea typeface="宋体" panose="02010600030101010101" pitchFamily="2" charset="-122"/>
-              </a:rPr>
-              <a:t>Function print_check will have different </a:t>
+              <a:rPr lang="en-US" altLang="zh-CN" dirty="0" smtClean="0">
+                <a:ea typeface="宋体" panose="02010600030101010101" pitchFamily="2" charset="-122"/>
+              </a:rPr>
+              <a:t>Function </a:t>
+            </a:r>
+            <a:r>
+              <a:rPr lang="en-US" altLang="zh-CN" dirty="0" err="1" smtClean="0">
+                <a:ea typeface="宋体" panose="02010600030101010101" pitchFamily="2" charset="-122"/>
+              </a:rPr>
+              <a:t>print_check</a:t>
+            </a:r>
+            <a:r>
+              <a:rPr lang="en-US" altLang="zh-CN" dirty="0" smtClean="0">
+                <a:ea typeface="宋体" panose="02010600030101010101" pitchFamily="2" charset="-122"/>
+              </a:rPr>
+              <a:t> will have different </a:t>
             </a:r>
             <a:br>
-              <a:rPr lang="en-US" altLang="zh-CN" smtClean="0">
+              <a:rPr lang="en-US" altLang="zh-CN" dirty="0" smtClean="0">
                 <a:ea typeface="宋体" panose="02010600030101010101" pitchFamily="2" charset="-122"/>
               </a:rPr>
             </a:br>
             <a:r>
-              <a:rPr lang="en-US" altLang="zh-CN" smtClean="0">
+              <a:rPr lang="en-US" altLang="zh-CN" dirty="0" smtClean="0">
                 <a:ea typeface="宋体" panose="02010600030101010101" pitchFamily="2" charset="-122"/>
               </a:rPr>
               <a:t>definitions to print different checks for each type</a:t>
             </a:r>
             <a:br>
-              <a:rPr lang="en-US" altLang="zh-CN" smtClean="0">
+              <a:rPr lang="en-US" altLang="zh-CN" dirty="0" smtClean="0">
                 <a:ea typeface="宋体" panose="02010600030101010101" pitchFamily="2" charset="-122"/>
               </a:rPr>
             </a:br>
             <a:r>
-              <a:rPr lang="en-US" altLang="zh-CN" smtClean="0">
+              <a:rPr lang="en-US" altLang="zh-CN" dirty="0" smtClean="0">
                 <a:ea typeface="宋体" panose="02010600030101010101" pitchFamily="2" charset="-122"/>
               </a:rPr>
               <a:t> of employee</a:t>
@@ -39624,7 +39628,7 @@
           <a:p>
             <a:pPr lvl="1" eaLnBrk="1" hangingPunct="1"/>
             <a:r>
-              <a:rPr lang="en-US" altLang="zh-CN" smtClean="0">
+              <a:rPr lang="en-US" altLang="zh-CN" dirty="0" smtClean="0">
                 <a:ea typeface="宋体" panose="02010600030101010101" pitchFamily="2" charset="-122"/>
               </a:rPr>
               <a:t>An Employee object lacks sufficient information to print a check</a:t>
@@ -39633,7 +39637,7 @@
           <a:p>
             <a:pPr lvl="1" eaLnBrk="1" hangingPunct="1"/>
             <a:r>
-              <a:rPr lang="en-US" altLang="zh-CN" smtClean="0">
+              <a:rPr lang="en-US" altLang="zh-CN" dirty="0" smtClean="0">
                 <a:ea typeface="宋体" panose="02010600030101010101" pitchFamily="2" charset="-122"/>
               </a:rPr>
               <a:t>Each derived class will have sufficient information to print a check</a:t>
@@ -39641,7 +39645,7 @@
           </a:p>
           <a:p>
             <a:pPr eaLnBrk="1" hangingPunct="1"/>
-            <a:endParaRPr lang="en-US" altLang="zh-CN" smtClean="0">
+            <a:endParaRPr lang="en-US" altLang="zh-CN" dirty="0" smtClean="0">
               <a:ea typeface="宋体" panose="02010600030101010101" pitchFamily="2" charset="-122"/>
             </a:endParaRPr>
           </a:p>
@@ -46646,73 +46650,115 @@
           <a:p>
             <a:pPr eaLnBrk="1" hangingPunct="1"/>
             <a:r>
-              <a:rPr lang="en-US" altLang="zh-CN" smtClean="0">
-                <a:ea typeface="宋体" panose="02010600030101010101" pitchFamily="2" charset="-122"/>
-              </a:rPr>
-              <a:t>HourlyEmployee is derived from Class Employee</a:t>
+              <a:rPr lang="en-US" altLang="zh-CN" dirty="0" err="1" smtClean="0">
+                <a:ea typeface="宋体" panose="02010600030101010101" pitchFamily="2" charset="-122"/>
+              </a:rPr>
+              <a:t>HourlyEmployee</a:t>
+            </a:r>
+            <a:r>
+              <a:rPr lang="en-US" altLang="zh-CN" dirty="0" smtClean="0">
+                <a:ea typeface="宋体" panose="02010600030101010101" pitchFamily="2" charset="-122"/>
+              </a:rPr>
+              <a:t> is derived from Class Employee</a:t>
             </a:r>
           </a:p>
           <a:p>
             <a:pPr lvl="1" eaLnBrk="1" hangingPunct="1"/>
             <a:r>
-              <a:rPr lang="en-US" altLang="zh-CN" sz="2400" smtClean="0">
-                <a:ea typeface="宋体" panose="02010600030101010101" pitchFamily="2" charset="-122"/>
-              </a:rPr>
-              <a:t>HourlyEmployee inherits all member functions and member variables of Employee </a:t>
+              <a:rPr lang="en-US" altLang="zh-CN" sz="2400" dirty="0" err="1" smtClean="0">
+                <a:ea typeface="宋体" panose="02010600030101010101" pitchFamily="2" charset="-122"/>
+              </a:rPr>
+              <a:t>HourlyEmployee</a:t>
+            </a:r>
+            <a:r>
+              <a:rPr lang="en-US" altLang="zh-CN" sz="2400" dirty="0" smtClean="0">
+                <a:ea typeface="宋体" panose="02010600030101010101" pitchFamily="2" charset="-122"/>
+              </a:rPr>
+              <a:t> inherits all member functions and member variables of Employee </a:t>
             </a:r>
           </a:p>
           <a:p>
             <a:pPr lvl="1" eaLnBrk="1" hangingPunct="1"/>
             <a:r>
-              <a:rPr lang="en-US" altLang="zh-CN" sz="2400" smtClean="0">
+              <a:rPr lang="en-US" altLang="zh-CN" sz="2400" dirty="0" smtClean="0">
                 <a:ea typeface="宋体" panose="02010600030101010101" pitchFamily="2" charset="-122"/>
               </a:rPr>
               <a:t>The class definition begins</a:t>
             </a:r>
             <a:br>
-              <a:rPr lang="en-US" altLang="zh-CN" sz="2400" smtClean="0">
+              <a:rPr lang="en-US" altLang="zh-CN" sz="2400" dirty="0" smtClean="0">
                 <a:ea typeface="宋体" panose="02010600030101010101" pitchFamily="2" charset="-122"/>
               </a:rPr>
             </a:br>
             <a:r>
-              <a:rPr lang="en-US" altLang="zh-CN" smtClean="0">
+              <a:rPr lang="en-US" altLang="zh-CN" dirty="0" smtClean="0">
                 <a:ea typeface="宋体" panose="02010600030101010101" pitchFamily="2" charset="-122"/>
               </a:rPr>
               <a:t> </a:t>
             </a:r>
             <a:br>
-              <a:rPr lang="en-US" altLang="zh-CN" smtClean="0">
+              <a:rPr lang="en-US" altLang="zh-CN" dirty="0" smtClean="0">
                 <a:ea typeface="宋体" panose="02010600030101010101" pitchFamily="2" charset="-122"/>
               </a:rPr>
             </a:br>
             <a:r>
-              <a:rPr lang="en-US" altLang="zh-CN" smtClean="0">
-                <a:ea typeface="宋体" panose="02010600030101010101" pitchFamily="2" charset="-122"/>
-              </a:rPr>
-              <a:t>          </a:t>
-            </a:r>
-            <a:r>
-              <a:rPr lang="en-US" altLang="zh-CN" sz="2400" smtClean="0">
-                <a:ea typeface="宋体" panose="02010600030101010101" pitchFamily="2" charset="-122"/>
-              </a:rPr>
-              <a:t>class HourlyEmployee : public Employee</a:t>
+              <a:rPr lang="en-US" altLang="zh-CN" kern="1200" dirty="0">
+                <a:solidFill>
+                  <a:srgbClr val="0000FF"/>
+                </a:solidFill>
+                <a:ea typeface="宋体" panose="02010600030101010101" pitchFamily="2" charset="-122"/>
+                <a:cs typeface="+mn-cs"/>
+              </a:rPr>
+              <a:t>          class </a:t>
+            </a:r>
+            <a:r>
+              <a:rPr lang="en-US" altLang="zh-CN" kern="1200" dirty="0" err="1">
+                <a:solidFill>
+                  <a:srgbClr val="0000FF"/>
+                </a:solidFill>
+                <a:ea typeface="宋体" panose="02010600030101010101" pitchFamily="2" charset="-122"/>
+                <a:cs typeface="+mn-cs"/>
+              </a:rPr>
+              <a:t>HourlyEmployee</a:t>
+            </a:r>
+            <a:r>
+              <a:rPr lang="en-US" altLang="zh-CN" kern="1200" dirty="0">
+                <a:solidFill>
+                  <a:srgbClr val="0000FF"/>
+                </a:solidFill>
+                <a:ea typeface="宋体" panose="02010600030101010101" pitchFamily="2" charset="-122"/>
+                <a:cs typeface="+mn-cs"/>
+              </a:rPr>
+              <a:t> : public Employee</a:t>
             </a:r>
           </a:p>
           <a:p>
             <a:pPr lvl="2" eaLnBrk="1" hangingPunct="1"/>
             <a:r>
-              <a:rPr lang="en-US" altLang="zh-CN" smtClean="0">
-                <a:ea typeface="宋体" panose="02010600030101010101" pitchFamily="2" charset="-122"/>
-              </a:rPr>
-              <a:t>:public Employee shows that HourlyEmployee is </a:t>
+              <a:rPr lang="en-US" altLang="zh-CN" dirty="0" smtClean="0">
+                <a:ea typeface="宋体" panose="02010600030101010101" pitchFamily="2" charset="-122"/>
+              </a:rPr>
+              <a:t>:public Employee shows that </a:t>
+            </a:r>
+            <a:r>
+              <a:rPr lang="en-US" altLang="zh-CN" dirty="0" err="1" smtClean="0">
+                <a:ea typeface="宋体" panose="02010600030101010101" pitchFamily="2" charset="-122"/>
+              </a:rPr>
+              <a:t>HourlyEmployee</a:t>
+            </a:r>
+            <a:r>
+              <a:rPr lang="en-US" altLang="zh-CN" dirty="0" smtClean="0">
+                <a:ea typeface="宋体" panose="02010600030101010101" pitchFamily="2" charset="-122"/>
+              </a:rPr>
+              <a:t> is </a:t>
             </a:r>
             <a:br>
-              <a:rPr lang="en-US" altLang="zh-CN" smtClean="0">
+              <a:rPr lang="en-US" altLang="zh-CN" dirty="0" smtClean="0">
                 <a:ea typeface="宋体" panose="02010600030101010101" pitchFamily="2" charset="-122"/>
               </a:rPr>
             </a:br>
             <a:r>
-              <a:rPr lang="en-US" altLang="zh-CN" smtClean="0">
+              <a:rPr lang="en-US" altLang="zh-CN" dirty="0" smtClean="0">
                 <a:ea typeface="宋体" panose="02010600030101010101" pitchFamily="2" charset="-122"/>
               </a:rPr>
               <a:t>derived from class Employee</a:t>
@@ -46721,26 +46767,44 @@
           <a:p>
             <a:pPr lvl="1" eaLnBrk="1" hangingPunct="1"/>
             <a:r>
-              <a:rPr lang="en-US" altLang="zh-CN" sz="2400" smtClean="0">
-                <a:ea typeface="宋体" panose="02010600030101010101" pitchFamily="2" charset="-122"/>
-              </a:rPr>
-              <a:t>HourlyEmployee declares additional member </a:t>
+              <a:rPr lang="en-US" altLang="zh-CN" sz="2400" dirty="0" err="1" smtClean="0">
+                <a:ea typeface="宋体" panose="02010600030101010101" pitchFamily="2" charset="-122"/>
+              </a:rPr>
+              <a:t>HourlyEmployee</a:t>
+            </a:r>
+            <a:r>
+              <a:rPr lang="en-US" altLang="zh-CN" sz="2400" dirty="0" smtClean="0">
+                <a:ea typeface="宋体" panose="02010600030101010101" pitchFamily="2" charset="-122"/>
+              </a:rPr>
+              <a:t> declares additional member </a:t>
             </a:r>
             <a:br>
-              <a:rPr lang="en-US" altLang="zh-CN" sz="2400" smtClean="0">
+              <a:rPr lang="en-US" altLang="zh-CN" sz="2400" dirty="0" smtClean="0">
                 <a:ea typeface="宋体" panose="02010600030101010101" pitchFamily="2" charset="-122"/>
               </a:rPr>
             </a:br>
             <a:r>
-              <a:rPr lang="en-US" altLang="zh-CN" sz="2400" smtClean="0">
-                <a:ea typeface="宋体" panose="02010600030101010101" pitchFamily="2" charset="-122"/>
-              </a:rPr>
-              <a:t>variables wage_rate and hours </a:t>
+              <a:rPr lang="en-US" altLang="zh-CN" sz="2400" dirty="0" smtClean="0">
+                <a:ea typeface="宋体" panose="02010600030101010101" pitchFamily="2" charset="-122"/>
+              </a:rPr>
+              <a:t>variables </a:t>
+            </a:r>
+            <a:r>
+              <a:rPr lang="en-US" altLang="zh-CN" sz="2400" dirty="0" err="1" smtClean="0">
+                <a:ea typeface="宋体" panose="02010600030101010101" pitchFamily="2" charset="-122"/>
+              </a:rPr>
+              <a:t>wage_rate</a:t>
+            </a:r>
+            <a:r>
+              <a:rPr lang="en-US" altLang="zh-CN" sz="2400" dirty="0" smtClean="0">
+                <a:ea typeface="宋体" panose="02010600030101010101" pitchFamily="2" charset="-122"/>
+              </a:rPr>
+              <a:t> and hours </a:t>
             </a:r>
           </a:p>
           <a:p>
             <a:pPr lvl="2" eaLnBrk="1" hangingPunct="1"/>
-            <a:endParaRPr lang="en-US" altLang="zh-CN" smtClean="0">
+            <a:endParaRPr lang="en-US" altLang="zh-CN" dirty="0" smtClean="0">
               <a:ea typeface="宋体" panose="02010600030101010101" pitchFamily="2" charset="-122"/>
             </a:endParaRPr>
           </a:p>

--- a/ppt/Chapter 15.pptx
+++ b/ppt/Chapter 15.pptx
@@ -4667,239 +4667,6 @@
       </p:grpSpPr>
       <p:sp>
         <p:nvSpPr>
-          <p:cNvPr id="13314" name="灯片编号占位符 3"/>
-          <p:cNvSpPr>
-            <a:spLocks noGrp="1"/>
-          </p:cNvSpPr>
-          <p:nvPr>
-            <p:ph type="sldNum" sz="quarter" idx="10"/>
-          </p:nvPr>
-        </p:nvSpPr>
-        <p:spPr>
-          <a:noFill/>
-          <a:ln/>
-          <a:extLst>
-            <a:ext uri="{909E8E84-426E-40DD-AFC4-6F175D3DCCD1}">
-              <a14:hiddenFill xmlns:a14="http://schemas.microsoft.com/office/drawing/2010/main">
-                <a:solidFill>
-                  <a:srgbClr val="FFFFFF"/>
-                </a:solidFill>
-              </a14:hiddenFill>
-            </a:ext>
-            <a:ext uri="{91240B29-F687-4F45-9708-019B960494DF}">
-              <a14:hiddenLine xmlns:a14="http://schemas.microsoft.com/office/drawing/2010/main" w="9525">
-                <a:solidFill>
-                  <a:srgbClr val="000000"/>
-                </a:solidFill>
-                <a:miter lim="800000"/>
-                <a:headEnd/>
-                <a:tailEnd/>
-              </a14:hiddenLine>
-            </a:ext>
-          </a:extLst>
-        </p:spPr>
-        <p:txBody>
-          <a:bodyPr/>
-          <a:lstStyle>
-            <a:lvl1pPr>
-              <a:spcBef>
-                <a:spcPct val="20000"/>
-              </a:spcBef>
-              <a:buClr>
-                <a:srgbClr val="A50021"/>
-              </a:buClr>
-              <a:buSzPct val="60000"/>
-              <a:buFont typeface="Wingdings" panose="05000000000000000000" pitchFamily="2" charset="2"/>
-              <a:buChar char="n"/>
-              <a:defRPr sz="2800">
-                <a:solidFill>
-                  <a:schemeClr val="tx1"/>
-                </a:solidFill>
-                <a:latin typeface="Arial" panose="020B0604020202020204" pitchFamily="34" charset="0"/>
-              </a:defRPr>
-            </a:lvl1pPr>
-            <a:lvl2pPr marL="742950" indent="-285750">
-              <a:spcBef>
-                <a:spcPct val="20000"/>
-              </a:spcBef>
-              <a:buClr>
-                <a:srgbClr val="02B2CA"/>
-              </a:buClr>
-              <a:buSzPct val="55000"/>
-              <a:buFont typeface="Wingdings" panose="05000000000000000000" pitchFamily="2" charset="2"/>
-              <a:buChar char="n"/>
-              <a:defRPr sz="2800">
-                <a:solidFill>
-                  <a:schemeClr val="tx1"/>
-                </a:solidFill>
-                <a:latin typeface="Arial" panose="020B0604020202020204" pitchFamily="34" charset="0"/>
-              </a:defRPr>
-            </a:lvl2pPr>
-            <a:lvl3pPr marL="1143000" indent="-228600">
-              <a:spcBef>
-                <a:spcPct val="20000"/>
-              </a:spcBef>
-              <a:buClr>
-                <a:srgbClr val="A50021"/>
-              </a:buClr>
-              <a:buSzPct val="50000"/>
-              <a:buFont typeface="Wingdings" panose="05000000000000000000" pitchFamily="2" charset="2"/>
-              <a:buChar char="n"/>
-              <a:defRPr sz="2400">
-                <a:solidFill>
-                  <a:schemeClr val="tx1"/>
-                </a:solidFill>
-                <a:latin typeface="Arial" panose="020B0604020202020204" pitchFamily="34" charset="0"/>
-              </a:defRPr>
-            </a:lvl3pPr>
-            <a:lvl4pPr marL="1600200" indent="-228600">
-              <a:spcBef>
-                <a:spcPct val="20000"/>
-              </a:spcBef>
-              <a:buClr>
-                <a:srgbClr val="02B2CA"/>
-              </a:buClr>
-              <a:buSzPct val="55000"/>
-              <a:buFont typeface="Wingdings" panose="05000000000000000000" pitchFamily="2" charset="2"/>
-              <a:buChar char="n"/>
-              <a:defRPr sz="2000">
-                <a:solidFill>
-                  <a:schemeClr val="tx1"/>
-                </a:solidFill>
-                <a:latin typeface="Arial" panose="020B0604020202020204" pitchFamily="34" charset="0"/>
-              </a:defRPr>
-            </a:lvl4pPr>
-            <a:lvl5pPr marL="2057400" indent="-228600">
-              <a:spcBef>
-                <a:spcPct val="20000"/>
-              </a:spcBef>
-              <a:buClr>
-                <a:srgbClr val="A50021"/>
-              </a:buClr>
-              <a:buSzPct val="50000"/>
-              <a:buFont typeface="Wingdings" panose="05000000000000000000" pitchFamily="2" charset="2"/>
-              <a:buChar char="n"/>
-              <a:defRPr sz="2000">
-                <a:solidFill>
-                  <a:schemeClr val="tx1"/>
-                </a:solidFill>
-                <a:latin typeface="Arial" panose="020B0604020202020204" pitchFamily="34" charset="0"/>
-              </a:defRPr>
-            </a:lvl5pPr>
-            <a:lvl6pPr marL="2514600" indent="-228600" eaLnBrk="0" fontAlgn="base" hangingPunct="0">
-              <a:spcBef>
-                <a:spcPct val="20000"/>
-              </a:spcBef>
-              <a:spcAft>
-                <a:spcPct val="0"/>
-              </a:spcAft>
-              <a:buClr>
-                <a:srgbClr val="A50021"/>
-              </a:buClr>
-              <a:buSzPct val="50000"/>
-              <a:buFont typeface="Wingdings" panose="05000000000000000000" pitchFamily="2" charset="2"/>
-              <a:buChar char="n"/>
-              <a:defRPr sz="2000">
-                <a:solidFill>
-                  <a:schemeClr val="tx1"/>
-                </a:solidFill>
-                <a:latin typeface="Arial" panose="020B0604020202020204" pitchFamily="34" charset="0"/>
-              </a:defRPr>
-            </a:lvl6pPr>
-            <a:lvl7pPr marL="2971800" indent="-228600" eaLnBrk="0" fontAlgn="base" hangingPunct="0">
-              <a:spcBef>
-                <a:spcPct val="20000"/>
-              </a:spcBef>
-              <a:spcAft>
-                <a:spcPct val="0"/>
-              </a:spcAft>
-              <a:buClr>
-                <a:srgbClr val="A50021"/>
-              </a:buClr>
-              <a:buSzPct val="50000"/>
-              <a:buFont typeface="Wingdings" panose="05000000000000000000" pitchFamily="2" charset="2"/>
-              <a:buChar char="n"/>
-              <a:defRPr sz="2000">
-                <a:solidFill>
-                  <a:schemeClr val="tx1"/>
-                </a:solidFill>
-                <a:latin typeface="Arial" panose="020B0604020202020204" pitchFamily="34" charset="0"/>
-              </a:defRPr>
-            </a:lvl7pPr>
-            <a:lvl8pPr marL="3429000" indent="-228600" eaLnBrk="0" fontAlgn="base" hangingPunct="0">
-              <a:spcBef>
-                <a:spcPct val="20000"/>
-              </a:spcBef>
-              <a:spcAft>
-                <a:spcPct val="0"/>
-              </a:spcAft>
-              <a:buClr>
-                <a:srgbClr val="A50021"/>
-              </a:buClr>
-              <a:buSzPct val="50000"/>
-              <a:buFont typeface="Wingdings" panose="05000000000000000000" pitchFamily="2" charset="2"/>
-              <a:buChar char="n"/>
-              <a:defRPr sz="2000">
-                <a:solidFill>
-                  <a:schemeClr val="tx1"/>
-                </a:solidFill>
-                <a:latin typeface="Arial" panose="020B0604020202020204" pitchFamily="34" charset="0"/>
-              </a:defRPr>
-            </a:lvl8pPr>
-            <a:lvl9pPr marL="3886200" indent="-228600" eaLnBrk="0" fontAlgn="base" hangingPunct="0">
-              <a:spcBef>
-                <a:spcPct val="20000"/>
-              </a:spcBef>
-              <a:spcAft>
-                <a:spcPct val="0"/>
-              </a:spcAft>
-              <a:buClr>
-                <a:srgbClr val="A50021"/>
-              </a:buClr>
-              <a:buSzPct val="50000"/>
-              <a:buFont typeface="Wingdings" panose="05000000000000000000" pitchFamily="2" charset="2"/>
-              <a:buChar char="n"/>
-              <a:defRPr sz="2000">
-                <a:solidFill>
-                  <a:schemeClr val="tx1"/>
-                </a:solidFill>
-                <a:latin typeface="Arial" panose="020B0604020202020204" pitchFamily="34" charset="0"/>
-              </a:defRPr>
-            </a:lvl9pPr>
-          </a:lstStyle>
-          <a:p>
-            <a:pPr>
-              <a:spcBef>
-                <a:spcPct val="0"/>
-              </a:spcBef>
-              <a:buClrTx/>
-              <a:buSzTx/>
-              <a:buFontTx/>
-              <a:buNone/>
-            </a:pPr>
-            <a:r>
-              <a:rPr lang="en-US" altLang="zh-CN" sz="1400"/>
-              <a:t>Slide 10- </a:t>
-            </a:r>
-            <a:fld id="{DD400A90-7740-4AA1-B3BF-DED9BFB9B114}" type="slidenum">
-              <a:rPr lang="en-US" altLang="zh-CN" sz="1400"/>
-              <a:pPr>
-                <a:spcBef>
-                  <a:spcPct val="0"/>
-                </a:spcBef>
-                <a:buClrTx/>
-                <a:buSzTx/>
-                <a:buFontTx/>
-                <a:buNone/>
-              </a:pPr>
-              <a:t>10</a:t>
-            </a:fld>
-            <a:endParaRPr lang="en-CA" altLang="zh-CN" sz="1400"/>
-          </a:p>
-        </p:txBody>
-      </p:sp>
-      <p:sp>
-        <p:nvSpPr>
           <p:cNvPr id="13315" name="Rectangle 2"/>
           <p:cNvSpPr>
             <a:spLocks noGrp="1" noChangeArrowheads="1"/>
@@ -5032,239 +4799,6 @@
           <a:chExt cx="0" cy="0"/>
         </a:xfrm>
       </p:grpSpPr>
-      <p:sp>
-        <p:nvSpPr>
-          <p:cNvPr id="14338" name="灯片编号占位符 3"/>
-          <p:cNvSpPr>
-            <a:spLocks noGrp="1"/>
-          </p:cNvSpPr>
-          <p:nvPr>
-            <p:ph type="sldNum" sz="quarter" idx="10"/>
-          </p:nvPr>
-        </p:nvSpPr>
-        <p:spPr>
-          <a:noFill/>
-          <a:ln/>
-          <a:extLst>
-            <a:ext uri="{909E8E84-426E-40DD-AFC4-6F175D3DCCD1}">
-              <a14:hiddenFill xmlns:a14="http://schemas.microsoft.com/office/drawing/2010/main">
-                <a:solidFill>
-                  <a:srgbClr val="FFFFFF"/>
-                </a:solidFill>
-              </a14:hiddenFill>
-            </a:ext>
-            <a:ext uri="{91240B29-F687-4F45-9708-019B960494DF}">
-              <a14:hiddenLine xmlns:a14="http://schemas.microsoft.com/office/drawing/2010/main" w="9525">
-                <a:solidFill>
-                  <a:srgbClr val="000000"/>
-                </a:solidFill>
-                <a:miter lim="800000"/>
-                <a:headEnd/>
-                <a:tailEnd/>
-              </a14:hiddenLine>
-            </a:ext>
-          </a:extLst>
-        </p:spPr>
-        <p:txBody>
-          <a:bodyPr/>
-          <a:lstStyle>
-            <a:lvl1pPr>
-              <a:spcBef>
-                <a:spcPct val="20000"/>
-              </a:spcBef>
-              <a:buClr>
-                <a:srgbClr val="A50021"/>
-              </a:buClr>
-              <a:buSzPct val="60000"/>
-              <a:buFont typeface="Wingdings" panose="05000000000000000000" pitchFamily="2" charset="2"/>
-              <a:buChar char="n"/>
-              <a:defRPr sz="2800">
-                <a:solidFill>
-                  <a:schemeClr val="tx1"/>
-                </a:solidFill>
-                <a:latin typeface="Arial" panose="020B0604020202020204" pitchFamily="34" charset="0"/>
-              </a:defRPr>
-            </a:lvl1pPr>
-            <a:lvl2pPr marL="742950" indent="-285750">
-              <a:spcBef>
-                <a:spcPct val="20000"/>
-              </a:spcBef>
-              <a:buClr>
-                <a:srgbClr val="02B2CA"/>
-              </a:buClr>
-              <a:buSzPct val="55000"/>
-              <a:buFont typeface="Wingdings" panose="05000000000000000000" pitchFamily="2" charset="2"/>
-              <a:buChar char="n"/>
-              <a:defRPr sz="2800">
-                <a:solidFill>
-                  <a:schemeClr val="tx1"/>
-                </a:solidFill>
-                <a:latin typeface="Arial" panose="020B0604020202020204" pitchFamily="34" charset="0"/>
-              </a:defRPr>
-            </a:lvl2pPr>
-            <a:lvl3pPr marL="1143000" indent="-228600">
-              <a:spcBef>
-                <a:spcPct val="20000"/>
-              </a:spcBef>
-              <a:buClr>
-                <a:srgbClr val="A50021"/>
-              </a:buClr>
-              <a:buSzPct val="50000"/>
-              <a:buFont typeface="Wingdings" panose="05000000000000000000" pitchFamily="2" charset="2"/>
-              <a:buChar char="n"/>
-              <a:defRPr sz="2400">
-                <a:solidFill>
-                  <a:schemeClr val="tx1"/>
-                </a:solidFill>
-                <a:latin typeface="Arial" panose="020B0604020202020204" pitchFamily="34" charset="0"/>
-              </a:defRPr>
-            </a:lvl3pPr>
-            <a:lvl4pPr marL="1600200" indent="-228600">
-              <a:spcBef>
-                <a:spcPct val="20000"/>
-              </a:spcBef>
-              <a:buClr>
-                <a:srgbClr val="02B2CA"/>
-              </a:buClr>
-              <a:buSzPct val="55000"/>
-              <a:buFont typeface="Wingdings" panose="05000000000000000000" pitchFamily="2" charset="2"/>
-              <a:buChar char="n"/>
-              <a:defRPr sz="2000">
-                <a:solidFill>
-                  <a:schemeClr val="tx1"/>
-                </a:solidFill>
-                <a:latin typeface="Arial" panose="020B0604020202020204" pitchFamily="34" charset="0"/>
-              </a:defRPr>
-            </a:lvl4pPr>
-            <a:lvl5pPr marL="2057400" indent="-228600">
-              <a:spcBef>
-                <a:spcPct val="20000"/>
-              </a:spcBef>
-              <a:buClr>
-                <a:srgbClr val="A50021"/>
-              </a:buClr>
-              <a:buSzPct val="50000"/>
-              <a:buFont typeface="Wingdings" panose="05000000000000000000" pitchFamily="2" charset="2"/>
-              <a:buChar char="n"/>
-              <a:defRPr sz="2000">
-                <a:solidFill>
-                  <a:schemeClr val="tx1"/>
-                </a:solidFill>
-                <a:latin typeface="Arial" panose="020B0604020202020204" pitchFamily="34" charset="0"/>
-              </a:defRPr>
-            </a:lvl5pPr>
-            <a:lvl6pPr marL="2514600" indent="-228600" eaLnBrk="0" fontAlgn="base" hangingPunct="0">
-              <a:spcBef>
-                <a:spcPct val="20000"/>
-              </a:spcBef>
-              <a:spcAft>
-                <a:spcPct val="0"/>
-              </a:spcAft>
-              <a:buClr>
-                <a:srgbClr val="A50021"/>
-              </a:buClr>
-              <a:buSzPct val="50000"/>
-              <a:buFont typeface="Wingdings" panose="05000000000000000000" pitchFamily="2" charset="2"/>
-              <a:buChar char="n"/>
-              <a:defRPr sz="2000">
-                <a:solidFill>
-                  <a:schemeClr val="tx1"/>
-                </a:solidFill>
-                <a:latin typeface="Arial" panose="020B0604020202020204" pitchFamily="34" charset="0"/>
-              </a:defRPr>
-            </a:lvl6pPr>
-            <a:lvl7pPr marL="2971800" indent="-228600" eaLnBrk="0" fontAlgn="base" hangingPunct="0">
-              <a:spcBef>
-                <a:spcPct val="20000"/>
-              </a:spcBef>
-              <a:spcAft>
-                <a:spcPct val="0"/>
-              </a:spcAft>
-              <a:buClr>
-                <a:srgbClr val="A50021"/>
-              </a:buClr>
-              <a:buSzPct val="50000"/>
-              <a:buFont typeface="Wingdings" panose="05000000000000000000" pitchFamily="2" charset="2"/>
-              <a:buChar char="n"/>
-              <a:defRPr sz="2000">
-                <a:solidFill>
-                  <a:schemeClr val="tx1"/>
-                </a:solidFill>
-                <a:latin typeface="Arial" panose="020B0604020202020204" pitchFamily="34" charset="0"/>
-              </a:defRPr>
-            </a:lvl7pPr>
-            <a:lvl8pPr marL="3429000" indent="-228600" eaLnBrk="0" fontAlgn="base" hangingPunct="0">
-              <a:spcBef>
-                <a:spcPct val="20000"/>
-              </a:spcBef>
-              <a:spcAft>
-                <a:spcPct val="0"/>
-              </a:spcAft>
-              <a:buClr>
-                <a:srgbClr val="A50021"/>
-              </a:buClr>
-              <a:buSzPct val="50000"/>
-              <a:buFont typeface="Wingdings" panose="05000000000000000000" pitchFamily="2" charset="2"/>
-              <a:buChar char="n"/>
-              <a:defRPr sz="2000">
-                <a:solidFill>
-                  <a:schemeClr val="tx1"/>
-                </a:solidFill>
-                <a:latin typeface="Arial" panose="020B0604020202020204" pitchFamily="34" charset="0"/>
-              </a:defRPr>
-            </a:lvl8pPr>
-            <a:lvl9pPr marL="3886200" indent="-228600" eaLnBrk="0" fontAlgn="base" hangingPunct="0">
-              <a:spcBef>
-                <a:spcPct val="20000"/>
-              </a:spcBef>
-              <a:spcAft>
-                <a:spcPct val="0"/>
-              </a:spcAft>
-              <a:buClr>
-                <a:srgbClr val="A50021"/>
-              </a:buClr>
-              <a:buSzPct val="50000"/>
-              <a:buFont typeface="Wingdings" panose="05000000000000000000" pitchFamily="2" charset="2"/>
-              <a:buChar char="n"/>
-              <a:defRPr sz="2000">
-                <a:solidFill>
-                  <a:schemeClr val="tx1"/>
-                </a:solidFill>
-                <a:latin typeface="Arial" panose="020B0604020202020204" pitchFamily="34" charset="0"/>
-              </a:defRPr>
-            </a:lvl9pPr>
-          </a:lstStyle>
-          <a:p>
-            <a:pPr>
-              <a:spcBef>
-                <a:spcPct val="0"/>
-              </a:spcBef>
-              <a:buClrTx/>
-              <a:buSzTx/>
-              <a:buFontTx/>
-              <a:buNone/>
-            </a:pPr>
-            <a:r>
-              <a:rPr lang="en-US" altLang="zh-CN" sz="1400"/>
-              <a:t>Slide 10- </a:t>
-            </a:r>
-            <a:fld id="{74DFE095-8107-4BDB-BE38-C37DDF6FC0FE}" type="slidenum">
-              <a:rPr lang="en-US" altLang="zh-CN" sz="1400"/>
-              <a:pPr>
-                <a:spcBef>
-                  <a:spcPct val="0"/>
-                </a:spcBef>
-                <a:buClrTx/>
-                <a:buSzTx/>
-                <a:buFontTx/>
-                <a:buNone/>
-              </a:pPr>
-              <a:t>11</a:t>
-            </a:fld>
-            <a:endParaRPr lang="en-CA" altLang="zh-CN" sz="1400"/>
-          </a:p>
-        </p:txBody>
-      </p:sp>
       <p:sp>
         <p:nvSpPr>
           <p:cNvPr id="14339" name="Rectangle 4"/>
@@ -5764,239 +5298,6 @@
           <a:chExt cx="0" cy="0"/>
         </a:xfrm>
       </p:grpSpPr>
-      <p:sp>
-        <p:nvSpPr>
-          <p:cNvPr id="15362" name="灯片编号占位符 3"/>
-          <p:cNvSpPr>
-            <a:spLocks noGrp="1"/>
-          </p:cNvSpPr>
-          <p:nvPr>
-            <p:ph type="sldNum" sz="quarter" idx="10"/>
-          </p:nvPr>
-        </p:nvSpPr>
-        <p:spPr>
-          <a:noFill/>
-          <a:ln/>
-          <a:extLst>
-            <a:ext uri="{909E8E84-426E-40DD-AFC4-6F175D3DCCD1}">
-              <a14:hiddenFill xmlns:a14="http://schemas.microsoft.com/office/drawing/2010/main">
-                <a:solidFill>
-                  <a:srgbClr val="FFFFFF"/>
-                </a:solidFill>
-              </a14:hiddenFill>
-            </a:ext>
-            <a:ext uri="{91240B29-F687-4F45-9708-019B960494DF}">
-              <a14:hiddenLine xmlns:a14="http://schemas.microsoft.com/office/drawing/2010/main" w="9525">
-                <a:solidFill>
-                  <a:srgbClr val="000000"/>
-                </a:solidFill>
-                <a:miter lim="800000"/>
-                <a:headEnd/>
-                <a:tailEnd/>
-              </a14:hiddenLine>
-            </a:ext>
-          </a:extLst>
-        </p:spPr>
-        <p:txBody>
-          <a:bodyPr/>
-          <a:lstStyle>
-            <a:lvl1pPr>
-              <a:spcBef>
-                <a:spcPct val="20000"/>
-              </a:spcBef>
-              <a:buClr>
-                <a:srgbClr val="A50021"/>
-              </a:buClr>
-              <a:buSzPct val="60000"/>
-              <a:buFont typeface="Wingdings" panose="05000000000000000000" pitchFamily="2" charset="2"/>
-              <a:buChar char="n"/>
-              <a:defRPr sz="2800">
-                <a:solidFill>
-                  <a:schemeClr val="tx1"/>
-                </a:solidFill>
-                <a:latin typeface="Arial" panose="020B0604020202020204" pitchFamily="34" charset="0"/>
-              </a:defRPr>
-            </a:lvl1pPr>
-            <a:lvl2pPr marL="742950" indent="-285750">
-              <a:spcBef>
-                <a:spcPct val="20000"/>
-              </a:spcBef>
-              <a:buClr>
-                <a:srgbClr val="02B2CA"/>
-              </a:buClr>
-              <a:buSzPct val="55000"/>
-              <a:buFont typeface="Wingdings" panose="05000000000000000000" pitchFamily="2" charset="2"/>
-              <a:buChar char="n"/>
-              <a:defRPr sz="2800">
-                <a:solidFill>
-                  <a:schemeClr val="tx1"/>
-                </a:solidFill>
-                <a:latin typeface="Arial" panose="020B0604020202020204" pitchFamily="34" charset="0"/>
-              </a:defRPr>
-            </a:lvl2pPr>
-            <a:lvl3pPr marL="1143000" indent="-228600">
-              <a:spcBef>
-                <a:spcPct val="20000"/>
-              </a:spcBef>
-              <a:buClr>
-                <a:srgbClr val="A50021"/>
-              </a:buClr>
-              <a:buSzPct val="50000"/>
-              <a:buFont typeface="Wingdings" panose="05000000000000000000" pitchFamily="2" charset="2"/>
-              <a:buChar char="n"/>
-              <a:defRPr sz="2400">
-                <a:solidFill>
-                  <a:schemeClr val="tx1"/>
-                </a:solidFill>
-                <a:latin typeface="Arial" panose="020B0604020202020204" pitchFamily="34" charset="0"/>
-              </a:defRPr>
-            </a:lvl3pPr>
-            <a:lvl4pPr marL="1600200" indent="-228600">
-              <a:spcBef>
-                <a:spcPct val="20000"/>
-              </a:spcBef>
-              <a:buClr>
-                <a:srgbClr val="02B2CA"/>
-              </a:buClr>
-              <a:buSzPct val="55000"/>
-              <a:buFont typeface="Wingdings" panose="05000000000000000000" pitchFamily="2" charset="2"/>
-              <a:buChar char="n"/>
-              <a:defRPr sz="2000">
-                <a:solidFill>
-                  <a:schemeClr val="tx1"/>
-                </a:solidFill>
-                <a:latin typeface="Arial" panose="020B0604020202020204" pitchFamily="34" charset="0"/>
-              </a:defRPr>
-            </a:lvl4pPr>
-            <a:lvl5pPr marL="2057400" indent="-228600">
-              <a:spcBef>
-                <a:spcPct val="20000"/>
-              </a:spcBef>
-              <a:buClr>
-                <a:srgbClr val="A50021"/>
-              </a:buClr>
-              <a:buSzPct val="50000"/>
-              <a:buFont typeface="Wingdings" panose="05000000000000000000" pitchFamily="2" charset="2"/>
-              <a:buChar char="n"/>
-              <a:defRPr sz="2000">
-                <a:solidFill>
-                  <a:schemeClr val="tx1"/>
-                </a:solidFill>
-                <a:latin typeface="Arial" panose="020B0604020202020204" pitchFamily="34" charset="0"/>
-              </a:defRPr>
-            </a:lvl5pPr>
-            <a:lvl6pPr marL="2514600" indent="-228600" eaLnBrk="0" fontAlgn="base" hangingPunct="0">
-              <a:spcBef>
-                <a:spcPct val="20000"/>
-              </a:spcBef>
-              <a:spcAft>
-                <a:spcPct val="0"/>
-              </a:spcAft>
-              <a:buClr>
-                <a:srgbClr val="A50021"/>
-              </a:buClr>
-              <a:buSzPct val="50000"/>
-              <a:buFont typeface="Wingdings" panose="05000000000000000000" pitchFamily="2" charset="2"/>
-              <a:buChar char="n"/>
-              <a:defRPr sz="2000">
-                <a:solidFill>
-                  <a:schemeClr val="tx1"/>
-                </a:solidFill>
-                <a:latin typeface="Arial" panose="020B0604020202020204" pitchFamily="34" charset="0"/>
-              </a:defRPr>
-            </a:lvl6pPr>
-            <a:lvl7pPr marL="2971800" indent="-228600" eaLnBrk="0" fontAlgn="base" hangingPunct="0">
-              <a:spcBef>
-                <a:spcPct val="20000"/>
-              </a:spcBef>
-              <a:spcAft>
-                <a:spcPct val="0"/>
-              </a:spcAft>
-              <a:buClr>
-                <a:srgbClr val="A50021"/>
-              </a:buClr>
-              <a:buSzPct val="50000"/>
-              <a:buFont typeface="Wingdings" panose="05000000000000000000" pitchFamily="2" charset="2"/>
-              <a:buChar char="n"/>
-              <a:defRPr sz="2000">
-                <a:solidFill>
-                  <a:schemeClr val="tx1"/>
-                </a:solidFill>
-                <a:latin typeface="Arial" panose="020B0604020202020204" pitchFamily="34" charset="0"/>
-              </a:defRPr>
-            </a:lvl7pPr>
-            <a:lvl8pPr marL="3429000" indent="-228600" eaLnBrk="0" fontAlgn="base" hangingPunct="0">
-              <a:spcBef>
-                <a:spcPct val="20000"/>
-              </a:spcBef>
-              <a:spcAft>
-                <a:spcPct val="0"/>
-              </a:spcAft>
-              <a:buClr>
-                <a:srgbClr val="A50021"/>
-              </a:buClr>
-              <a:buSzPct val="50000"/>
-              <a:buFont typeface="Wingdings" panose="05000000000000000000" pitchFamily="2" charset="2"/>
-              <a:buChar char="n"/>
-              <a:defRPr sz="2000">
-                <a:solidFill>
-                  <a:schemeClr val="tx1"/>
-                </a:solidFill>
-                <a:latin typeface="Arial" panose="020B0604020202020204" pitchFamily="34" charset="0"/>
-              </a:defRPr>
-            </a:lvl8pPr>
-            <a:lvl9pPr marL="3886200" indent="-228600" eaLnBrk="0" fontAlgn="base" hangingPunct="0">
-              <a:spcBef>
-                <a:spcPct val="20000"/>
-              </a:spcBef>
-              <a:spcAft>
-                <a:spcPct val="0"/>
-              </a:spcAft>
-              <a:buClr>
-                <a:srgbClr val="A50021"/>
-              </a:buClr>
-              <a:buSzPct val="50000"/>
-              <a:buFont typeface="Wingdings" panose="05000000000000000000" pitchFamily="2" charset="2"/>
-              <a:buChar char="n"/>
-              <a:defRPr sz="2000">
-                <a:solidFill>
-                  <a:schemeClr val="tx1"/>
-                </a:solidFill>
-                <a:latin typeface="Arial" panose="020B0604020202020204" pitchFamily="34" charset="0"/>
-              </a:defRPr>
-            </a:lvl9pPr>
-          </a:lstStyle>
-          <a:p>
-            <a:pPr>
-              <a:spcBef>
-                <a:spcPct val="0"/>
-              </a:spcBef>
-              <a:buClrTx/>
-              <a:buSzTx/>
-              <a:buFontTx/>
-              <a:buNone/>
-            </a:pPr>
-            <a:r>
-              <a:rPr lang="en-US" altLang="zh-CN" sz="1400"/>
-              <a:t>Slide 10- </a:t>
-            </a:r>
-            <a:fld id="{6E23F7F3-D425-49D0-B6D8-BE70956616D7}" type="slidenum">
-              <a:rPr lang="en-US" altLang="zh-CN" sz="1400"/>
-              <a:pPr>
-                <a:spcBef>
-                  <a:spcPct val="0"/>
-                </a:spcBef>
-                <a:buClrTx/>
-                <a:buSzTx/>
-                <a:buFontTx/>
-                <a:buNone/>
-              </a:pPr>
-              <a:t>12</a:t>
-            </a:fld>
-            <a:endParaRPr lang="en-CA" altLang="zh-CN" sz="1400"/>
-          </a:p>
-        </p:txBody>
-      </p:sp>
       <p:sp>
         <p:nvSpPr>
           <p:cNvPr id="15363" name="Rectangle 5"/>
@@ -6815,239 +6116,6 @@
       </p:grpSpPr>
       <p:sp>
         <p:nvSpPr>
-          <p:cNvPr id="16386" name="灯片编号占位符 3"/>
-          <p:cNvSpPr>
-            <a:spLocks noGrp="1"/>
-          </p:cNvSpPr>
-          <p:nvPr>
-            <p:ph type="sldNum" sz="quarter" idx="10"/>
-          </p:nvPr>
-        </p:nvSpPr>
-        <p:spPr>
-          <a:noFill/>
-          <a:ln/>
-          <a:extLst>
-            <a:ext uri="{909E8E84-426E-40DD-AFC4-6F175D3DCCD1}">
-              <a14:hiddenFill xmlns:a14="http://schemas.microsoft.com/office/drawing/2010/main">
-                <a:solidFill>
-                  <a:srgbClr val="FFFFFF"/>
-                </a:solidFill>
-              </a14:hiddenFill>
-            </a:ext>
-            <a:ext uri="{91240B29-F687-4F45-9708-019B960494DF}">
-              <a14:hiddenLine xmlns:a14="http://schemas.microsoft.com/office/drawing/2010/main" w="9525">
-                <a:solidFill>
-                  <a:srgbClr val="000000"/>
-                </a:solidFill>
-                <a:miter lim="800000"/>
-                <a:headEnd/>
-                <a:tailEnd/>
-              </a14:hiddenLine>
-            </a:ext>
-          </a:extLst>
-        </p:spPr>
-        <p:txBody>
-          <a:bodyPr/>
-          <a:lstStyle>
-            <a:lvl1pPr>
-              <a:spcBef>
-                <a:spcPct val="20000"/>
-              </a:spcBef>
-              <a:buClr>
-                <a:srgbClr val="A50021"/>
-              </a:buClr>
-              <a:buSzPct val="60000"/>
-              <a:buFont typeface="Wingdings" panose="05000000000000000000" pitchFamily="2" charset="2"/>
-              <a:buChar char="n"/>
-              <a:defRPr sz="2800">
-                <a:solidFill>
-                  <a:schemeClr val="tx1"/>
-                </a:solidFill>
-                <a:latin typeface="Arial" panose="020B0604020202020204" pitchFamily="34" charset="0"/>
-              </a:defRPr>
-            </a:lvl1pPr>
-            <a:lvl2pPr marL="742950" indent="-285750">
-              <a:spcBef>
-                <a:spcPct val="20000"/>
-              </a:spcBef>
-              <a:buClr>
-                <a:srgbClr val="02B2CA"/>
-              </a:buClr>
-              <a:buSzPct val="55000"/>
-              <a:buFont typeface="Wingdings" panose="05000000000000000000" pitchFamily="2" charset="2"/>
-              <a:buChar char="n"/>
-              <a:defRPr sz="2800">
-                <a:solidFill>
-                  <a:schemeClr val="tx1"/>
-                </a:solidFill>
-                <a:latin typeface="Arial" panose="020B0604020202020204" pitchFamily="34" charset="0"/>
-              </a:defRPr>
-            </a:lvl2pPr>
-            <a:lvl3pPr marL="1143000" indent="-228600">
-              <a:spcBef>
-                <a:spcPct val="20000"/>
-              </a:spcBef>
-              <a:buClr>
-                <a:srgbClr val="A50021"/>
-              </a:buClr>
-              <a:buSzPct val="50000"/>
-              <a:buFont typeface="Wingdings" panose="05000000000000000000" pitchFamily="2" charset="2"/>
-              <a:buChar char="n"/>
-              <a:defRPr sz="2400">
-                <a:solidFill>
-                  <a:schemeClr val="tx1"/>
-                </a:solidFill>
-                <a:latin typeface="Arial" panose="020B0604020202020204" pitchFamily="34" charset="0"/>
-              </a:defRPr>
-            </a:lvl3pPr>
-            <a:lvl4pPr marL="1600200" indent="-228600">
-              <a:spcBef>
-                <a:spcPct val="20000"/>
-              </a:spcBef>
-              <a:buClr>
-                <a:srgbClr val="02B2CA"/>
-              </a:buClr>
-              <a:buSzPct val="55000"/>
-              <a:buFont typeface="Wingdings" panose="05000000000000000000" pitchFamily="2" charset="2"/>
-              <a:buChar char="n"/>
-              <a:defRPr sz="2000">
-                <a:solidFill>
-                  <a:schemeClr val="tx1"/>
-                </a:solidFill>
-                <a:latin typeface="Arial" panose="020B0604020202020204" pitchFamily="34" charset="0"/>
-              </a:defRPr>
-            </a:lvl4pPr>
-            <a:lvl5pPr marL="2057400" indent="-228600">
-              <a:spcBef>
-                <a:spcPct val="20000"/>
-              </a:spcBef>
-              <a:buClr>
-                <a:srgbClr val="A50021"/>
-              </a:buClr>
-              <a:buSzPct val="50000"/>
-              <a:buFont typeface="Wingdings" panose="05000000000000000000" pitchFamily="2" charset="2"/>
-              <a:buChar char="n"/>
-              <a:defRPr sz="2000">
-                <a:solidFill>
-                  <a:schemeClr val="tx1"/>
-                </a:solidFill>
-                <a:latin typeface="Arial" panose="020B0604020202020204" pitchFamily="34" charset="0"/>
-              </a:defRPr>
-            </a:lvl5pPr>
-            <a:lvl6pPr marL="2514600" indent="-228600" eaLnBrk="0" fontAlgn="base" hangingPunct="0">
-              <a:spcBef>
-                <a:spcPct val="20000"/>
-              </a:spcBef>
-              <a:spcAft>
-                <a:spcPct val="0"/>
-              </a:spcAft>
-              <a:buClr>
-                <a:srgbClr val="A50021"/>
-              </a:buClr>
-              <a:buSzPct val="50000"/>
-              <a:buFont typeface="Wingdings" panose="05000000000000000000" pitchFamily="2" charset="2"/>
-              <a:buChar char="n"/>
-              <a:defRPr sz="2000">
-                <a:solidFill>
-                  <a:schemeClr val="tx1"/>
-                </a:solidFill>
-                <a:latin typeface="Arial" panose="020B0604020202020204" pitchFamily="34" charset="0"/>
-              </a:defRPr>
-            </a:lvl6pPr>
-            <a:lvl7pPr marL="2971800" indent="-228600" eaLnBrk="0" fontAlgn="base" hangingPunct="0">
-              <a:spcBef>
-                <a:spcPct val="20000"/>
-              </a:spcBef>
-              <a:spcAft>
-                <a:spcPct val="0"/>
-              </a:spcAft>
-              <a:buClr>
-                <a:srgbClr val="A50021"/>
-              </a:buClr>
-              <a:buSzPct val="50000"/>
-              <a:buFont typeface="Wingdings" panose="05000000000000000000" pitchFamily="2" charset="2"/>
-              <a:buChar char="n"/>
-              <a:defRPr sz="2000">
-                <a:solidFill>
-                  <a:schemeClr val="tx1"/>
-                </a:solidFill>
-                <a:latin typeface="Arial" panose="020B0604020202020204" pitchFamily="34" charset="0"/>
-              </a:defRPr>
-            </a:lvl7pPr>
-            <a:lvl8pPr marL="3429000" indent="-228600" eaLnBrk="0" fontAlgn="base" hangingPunct="0">
-              <a:spcBef>
-                <a:spcPct val="20000"/>
-              </a:spcBef>
-              <a:spcAft>
-                <a:spcPct val="0"/>
-              </a:spcAft>
-              <a:buClr>
-                <a:srgbClr val="A50021"/>
-              </a:buClr>
-              <a:buSzPct val="50000"/>
-              <a:buFont typeface="Wingdings" panose="05000000000000000000" pitchFamily="2" charset="2"/>
-              <a:buChar char="n"/>
-              <a:defRPr sz="2000">
-                <a:solidFill>
-                  <a:schemeClr val="tx1"/>
-                </a:solidFill>
-                <a:latin typeface="Arial" panose="020B0604020202020204" pitchFamily="34" charset="0"/>
-              </a:defRPr>
-            </a:lvl8pPr>
-            <a:lvl9pPr marL="3886200" indent="-228600" eaLnBrk="0" fontAlgn="base" hangingPunct="0">
-              <a:spcBef>
-                <a:spcPct val="20000"/>
-              </a:spcBef>
-              <a:spcAft>
-                <a:spcPct val="0"/>
-              </a:spcAft>
-              <a:buClr>
-                <a:srgbClr val="A50021"/>
-              </a:buClr>
-              <a:buSzPct val="50000"/>
-              <a:buFont typeface="Wingdings" panose="05000000000000000000" pitchFamily="2" charset="2"/>
-              <a:buChar char="n"/>
-              <a:defRPr sz="2000">
-                <a:solidFill>
-                  <a:schemeClr val="tx1"/>
-                </a:solidFill>
-                <a:latin typeface="Arial" panose="020B0604020202020204" pitchFamily="34" charset="0"/>
-              </a:defRPr>
-            </a:lvl9pPr>
-          </a:lstStyle>
-          <a:p>
-            <a:pPr>
-              <a:spcBef>
-                <a:spcPct val="0"/>
-              </a:spcBef>
-              <a:buClrTx/>
-              <a:buSzTx/>
-              <a:buFontTx/>
-              <a:buNone/>
-            </a:pPr>
-            <a:r>
-              <a:rPr lang="en-US" altLang="zh-CN" sz="1400"/>
-              <a:t>Slide 10- </a:t>
-            </a:r>
-            <a:fld id="{5A6A6370-2263-4DC2-A236-381FD19C692B}" type="slidenum">
-              <a:rPr lang="en-US" altLang="zh-CN" sz="1400"/>
-              <a:pPr>
-                <a:spcBef>
-                  <a:spcPct val="0"/>
-                </a:spcBef>
-                <a:buClrTx/>
-                <a:buSzTx/>
-                <a:buFontTx/>
-                <a:buNone/>
-              </a:pPr>
-              <a:t>13</a:t>
-            </a:fld>
-            <a:endParaRPr lang="en-CA" altLang="zh-CN" sz="1400"/>
-          </a:p>
-        </p:txBody>
-      </p:sp>
-      <p:sp>
-        <p:nvSpPr>
           <p:cNvPr id="16387" name="Rectangle 2"/>
           <p:cNvSpPr>
             <a:spLocks noGrp="1" noChangeArrowheads="1"/>
@@ -7208,239 +6276,6 @@
       </p:grpSpPr>
       <p:sp>
         <p:nvSpPr>
-          <p:cNvPr id="17410" name="灯片编号占位符 3"/>
-          <p:cNvSpPr>
-            <a:spLocks noGrp="1"/>
-          </p:cNvSpPr>
-          <p:nvPr>
-            <p:ph type="sldNum" sz="quarter" idx="10"/>
-          </p:nvPr>
-        </p:nvSpPr>
-        <p:spPr>
-          <a:noFill/>
-          <a:ln/>
-          <a:extLst>
-            <a:ext uri="{909E8E84-426E-40DD-AFC4-6F175D3DCCD1}">
-              <a14:hiddenFill xmlns:a14="http://schemas.microsoft.com/office/drawing/2010/main">
-                <a:solidFill>
-                  <a:srgbClr val="FFFFFF"/>
-                </a:solidFill>
-              </a14:hiddenFill>
-            </a:ext>
-            <a:ext uri="{91240B29-F687-4F45-9708-019B960494DF}">
-              <a14:hiddenLine xmlns:a14="http://schemas.microsoft.com/office/drawing/2010/main" w="9525">
-                <a:solidFill>
-                  <a:srgbClr val="000000"/>
-                </a:solidFill>
-                <a:miter lim="800000"/>
-                <a:headEnd/>
-                <a:tailEnd/>
-              </a14:hiddenLine>
-            </a:ext>
-          </a:extLst>
-        </p:spPr>
-        <p:txBody>
-          <a:bodyPr/>
-          <a:lstStyle>
-            <a:lvl1pPr>
-              <a:spcBef>
-                <a:spcPct val="20000"/>
-              </a:spcBef>
-              <a:buClr>
-                <a:srgbClr val="A50021"/>
-              </a:buClr>
-              <a:buSzPct val="60000"/>
-              <a:buFont typeface="Wingdings" panose="05000000000000000000" pitchFamily="2" charset="2"/>
-              <a:buChar char="n"/>
-              <a:defRPr sz="2800">
-                <a:solidFill>
-                  <a:schemeClr val="tx1"/>
-                </a:solidFill>
-                <a:latin typeface="Arial" panose="020B0604020202020204" pitchFamily="34" charset="0"/>
-              </a:defRPr>
-            </a:lvl1pPr>
-            <a:lvl2pPr marL="742950" indent="-285750">
-              <a:spcBef>
-                <a:spcPct val="20000"/>
-              </a:spcBef>
-              <a:buClr>
-                <a:srgbClr val="02B2CA"/>
-              </a:buClr>
-              <a:buSzPct val="55000"/>
-              <a:buFont typeface="Wingdings" panose="05000000000000000000" pitchFamily="2" charset="2"/>
-              <a:buChar char="n"/>
-              <a:defRPr sz="2800">
-                <a:solidFill>
-                  <a:schemeClr val="tx1"/>
-                </a:solidFill>
-                <a:latin typeface="Arial" panose="020B0604020202020204" pitchFamily="34" charset="0"/>
-              </a:defRPr>
-            </a:lvl2pPr>
-            <a:lvl3pPr marL="1143000" indent="-228600">
-              <a:spcBef>
-                <a:spcPct val="20000"/>
-              </a:spcBef>
-              <a:buClr>
-                <a:srgbClr val="A50021"/>
-              </a:buClr>
-              <a:buSzPct val="50000"/>
-              <a:buFont typeface="Wingdings" panose="05000000000000000000" pitchFamily="2" charset="2"/>
-              <a:buChar char="n"/>
-              <a:defRPr sz="2400">
-                <a:solidFill>
-                  <a:schemeClr val="tx1"/>
-                </a:solidFill>
-                <a:latin typeface="Arial" panose="020B0604020202020204" pitchFamily="34" charset="0"/>
-              </a:defRPr>
-            </a:lvl3pPr>
-            <a:lvl4pPr marL="1600200" indent="-228600">
-              <a:spcBef>
-                <a:spcPct val="20000"/>
-              </a:spcBef>
-              <a:buClr>
-                <a:srgbClr val="02B2CA"/>
-              </a:buClr>
-              <a:buSzPct val="55000"/>
-              <a:buFont typeface="Wingdings" panose="05000000000000000000" pitchFamily="2" charset="2"/>
-              <a:buChar char="n"/>
-              <a:defRPr sz="2000">
-                <a:solidFill>
-                  <a:schemeClr val="tx1"/>
-                </a:solidFill>
-                <a:latin typeface="Arial" panose="020B0604020202020204" pitchFamily="34" charset="0"/>
-              </a:defRPr>
-            </a:lvl4pPr>
-            <a:lvl5pPr marL="2057400" indent="-228600">
-              <a:spcBef>
-                <a:spcPct val="20000"/>
-              </a:spcBef>
-              <a:buClr>
-                <a:srgbClr val="A50021"/>
-              </a:buClr>
-              <a:buSzPct val="50000"/>
-              <a:buFont typeface="Wingdings" panose="05000000000000000000" pitchFamily="2" charset="2"/>
-              <a:buChar char="n"/>
-              <a:defRPr sz="2000">
-                <a:solidFill>
-                  <a:schemeClr val="tx1"/>
-                </a:solidFill>
-                <a:latin typeface="Arial" panose="020B0604020202020204" pitchFamily="34" charset="0"/>
-              </a:defRPr>
-            </a:lvl5pPr>
-            <a:lvl6pPr marL="2514600" indent="-228600" eaLnBrk="0" fontAlgn="base" hangingPunct="0">
-              <a:spcBef>
-                <a:spcPct val="20000"/>
-              </a:spcBef>
-              <a:spcAft>
-                <a:spcPct val="0"/>
-              </a:spcAft>
-              <a:buClr>
-                <a:srgbClr val="A50021"/>
-              </a:buClr>
-              <a:buSzPct val="50000"/>
-              <a:buFont typeface="Wingdings" panose="05000000000000000000" pitchFamily="2" charset="2"/>
-              <a:buChar char="n"/>
-              <a:defRPr sz="2000">
-                <a:solidFill>
-                  <a:schemeClr val="tx1"/>
-                </a:solidFill>
-                <a:latin typeface="Arial" panose="020B0604020202020204" pitchFamily="34" charset="0"/>
-              </a:defRPr>
-            </a:lvl6pPr>
-            <a:lvl7pPr marL="2971800" indent="-228600" eaLnBrk="0" fontAlgn="base" hangingPunct="0">
-              <a:spcBef>
-                <a:spcPct val="20000"/>
-              </a:spcBef>
-              <a:spcAft>
-                <a:spcPct val="0"/>
-              </a:spcAft>
-              <a:buClr>
-                <a:srgbClr val="A50021"/>
-              </a:buClr>
-              <a:buSzPct val="50000"/>
-              <a:buFont typeface="Wingdings" panose="05000000000000000000" pitchFamily="2" charset="2"/>
-              <a:buChar char="n"/>
-              <a:defRPr sz="2000">
-                <a:solidFill>
-                  <a:schemeClr val="tx1"/>
-                </a:solidFill>
-                <a:latin typeface="Arial" panose="020B0604020202020204" pitchFamily="34" charset="0"/>
-              </a:defRPr>
-            </a:lvl7pPr>
-            <a:lvl8pPr marL="3429000" indent="-228600" eaLnBrk="0" fontAlgn="base" hangingPunct="0">
-              <a:spcBef>
-                <a:spcPct val="20000"/>
-              </a:spcBef>
-              <a:spcAft>
-                <a:spcPct val="0"/>
-              </a:spcAft>
-              <a:buClr>
-                <a:srgbClr val="A50021"/>
-              </a:buClr>
-              <a:buSzPct val="50000"/>
-              <a:buFont typeface="Wingdings" panose="05000000000000000000" pitchFamily="2" charset="2"/>
-              <a:buChar char="n"/>
-              <a:defRPr sz="2000">
-                <a:solidFill>
-                  <a:schemeClr val="tx1"/>
-                </a:solidFill>
-                <a:latin typeface="Arial" panose="020B0604020202020204" pitchFamily="34" charset="0"/>
-              </a:defRPr>
-            </a:lvl8pPr>
-            <a:lvl9pPr marL="3886200" indent="-228600" eaLnBrk="0" fontAlgn="base" hangingPunct="0">
-              <a:spcBef>
-                <a:spcPct val="20000"/>
-              </a:spcBef>
-              <a:spcAft>
-                <a:spcPct val="0"/>
-              </a:spcAft>
-              <a:buClr>
-                <a:srgbClr val="A50021"/>
-              </a:buClr>
-              <a:buSzPct val="50000"/>
-              <a:buFont typeface="Wingdings" panose="05000000000000000000" pitchFamily="2" charset="2"/>
-              <a:buChar char="n"/>
-              <a:defRPr sz="2000">
-                <a:solidFill>
-                  <a:schemeClr val="tx1"/>
-                </a:solidFill>
-                <a:latin typeface="Arial" panose="020B0604020202020204" pitchFamily="34" charset="0"/>
-              </a:defRPr>
-            </a:lvl9pPr>
-          </a:lstStyle>
-          <a:p>
-            <a:pPr>
-              <a:spcBef>
-                <a:spcPct val="0"/>
-              </a:spcBef>
-              <a:buClrTx/>
-              <a:buSzTx/>
-              <a:buFontTx/>
-              <a:buNone/>
-            </a:pPr>
-            <a:r>
-              <a:rPr lang="en-US" altLang="zh-CN" sz="1400"/>
-              <a:t>Slide 10- </a:t>
-            </a:r>
-            <a:fld id="{584BD43C-B06D-4FB1-AEE0-C315DC271AF8}" type="slidenum">
-              <a:rPr lang="en-US" altLang="zh-CN" sz="1400"/>
-              <a:pPr>
-                <a:spcBef>
-                  <a:spcPct val="0"/>
-                </a:spcBef>
-                <a:buClrTx/>
-                <a:buSzTx/>
-                <a:buFontTx/>
-                <a:buNone/>
-              </a:pPr>
-              <a:t>14</a:t>
-            </a:fld>
-            <a:endParaRPr lang="en-CA" altLang="zh-CN" sz="1400"/>
-          </a:p>
-        </p:txBody>
-      </p:sp>
-      <p:sp>
-        <p:nvSpPr>
           <p:cNvPr id="17411" name="Rectangle 2"/>
           <p:cNvSpPr>
             <a:spLocks noGrp="1" noChangeArrowheads="1"/>
@@ -7551,239 +6386,6 @@
           <a:chExt cx="0" cy="0"/>
         </a:xfrm>
       </p:grpSpPr>
-      <p:sp>
-        <p:nvSpPr>
-          <p:cNvPr id="18434" name="灯片编号占位符 3"/>
-          <p:cNvSpPr>
-            <a:spLocks noGrp="1"/>
-          </p:cNvSpPr>
-          <p:nvPr>
-            <p:ph type="sldNum" sz="quarter" idx="10"/>
-          </p:nvPr>
-        </p:nvSpPr>
-        <p:spPr>
-          <a:noFill/>
-          <a:ln/>
-          <a:extLst>
-            <a:ext uri="{909E8E84-426E-40DD-AFC4-6F175D3DCCD1}">
-              <a14:hiddenFill xmlns:a14="http://schemas.microsoft.com/office/drawing/2010/main">
-                <a:solidFill>
-                  <a:srgbClr val="FFFFFF"/>
-                </a:solidFill>
-              </a14:hiddenFill>
-            </a:ext>
-            <a:ext uri="{91240B29-F687-4F45-9708-019B960494DF}">
-              <a14:hiddenLine xmlns:a14="http://schemas.microsoft.com/office/drawing/2010/main" w="9525">
-                <a:solidFill>
-                  <a:srgbClr val="000000"/>
-                </a:solidFill>
-                <a:miter lim="800000"/>
-                <a:headEnd/>
-                <a:tailEnd/>
-              </a14:hiddenLine>
-            </a:ext>
-          </a:extLst>
-        </p:spPr>
-        <p:txBody>
-          <a:bodyPr/>
-          <a:lstStyle>
-            <a:lvl1pPr>
-              <a:spcBef>
-                <a:spcPct val="20000"/>
-              </a:spcBef>
-              <a:buClr>
-                <a:srgbClr val="A50021"/>
-              </a:buClr>
-              <a:buSzPct val="60000"/>
-              <a:buFont typeface="Wingdings" panose="05000000000000000000" pitchFamily="2" charset="2"/>
-              <a:buChar char="n"/>
-              <a:defRPr sz="2800">
-                <a:solidFill>
-                  <a:schemeClr val="tx1"/>
-                </a:solidFill>
-                <a:latin typeface="Arial" panose="020B0604020202020204" pitchFamily="34" charset="0"/>
-              </a:defRPr>
-            </a:lvl1pPr>
-            <a:lvl2pPr marL="742950" indent="-285750">
-              <a:spcBef>
-                <a:spcPct val="20000"/>
-              </a:spcBef>
-              <a:buClr>
-                <a:srgbClr val="02B2CA"/>
-              </a:buClr>
-              <a:buSzPct val="55000"/>
-              <a:buFont typeface="Wingdings" panose="05000000000000000000" pitchFamily="2" charset="2"/>
-              <a:buChar char="n"/>
-              <a:defRPr sz="2800">
-                <a:solidFill>
-                  <a:schemeClr val="tx1"/>
-                </a:solidFill>
-                <a:latin typeface="Arial" panose="020B0604020202020204" pitchFamily="34" charset="0"/>
-              </a:defRPr>
-            </a:lvl2pPr>
-            <a:lvl3pPr marL="1143000" indent="-228600">
-              <a:spcBef>
-                <a:spcPct val="20000"/>
-              </a:spcBef>
-              <a:buClr>
-                <a:srgbClr val="A50021"/>
-              </a:buClr>
-              <a:buSzPct val="50000"/>
-              <a:buFont typeface="Wingdings" panose="05000000000000000000" pitchFamily="2" charset="2"/>
-              <a:buChar char="n"/>
-              <a:defRPr sz="2400">
-                <a:solidFill>
-                  <a:schemeClr val="tx1"/>
-                </a:solidFill>
-                <a:latin typeface="Arial" panose="020B0604020202020204" pitchFamily="34" charset="0"/>
-              </a:defRPr>
-            </a:lvl3pPr>
-            <a:lvl4pPr marL="1600200" indent="-228600">
-              <a:spcBef>
-                <a:spcPct val="20000"/>
-              </a:spcBef>
-              <a:buClr>
-                <a:srgbClr val="02B2CA"/>
-              </a:buClr>
-              <a:buSzPct val="55000"/>
-              <a:buFont typeface="Wingdings" panose="05000000000000000000" pitchFamily="2" charset="2"/>
-              <a:buChar char="n"/>
-              <a:defRPr sz="2000">
-                <a:solidFill>
-                  <a:schemeClr val="tx1"/>
-                </a:solidFill>
-                <a:latin typeface="Arial" panose="020B0604020202020204" pitchFamily="34" charset="0"/>
-              </a:defRPr>
-            </a:lvl4pPr>
-            <a:lvl5pPr marL="2057400" indent="-228600">
-              <a:spcBef>
-                <a:spcPct val="20000"/>
-              </a:spcBef>
-              <a:buClr>
-                <a:srgbClr val="A50021"/>
-              </a:buClr>
-              <a:buSzPct val="50000"/>
-              <a:buFont typeface="Wingdings" panose="05000000000000000000" pitchFamily="2" charset="2"/>
-              <a:buChar char="n"/>
-              <a:defRPr sz="2000">
-                <a:solidFill>
-                  <a:schemeClr val="tx1"/>
-                </a:solidFill>
-                <a:latin typeface="Arial" panose="020B0604020202020204" pitchFamily="34" charset="0"/>
-              </a:defRPr>
-            </a:lvl5pPr>
-            <a:lvl6pPr marL="2514600" indent="-228600" eaLnBrk="0" fontAlgn="base" hangingPunct="0">
-              <a:spcBef>
-                <a:spcPct val="20000"/>
-              </a:spcBef>
-              <a:spcAft>
-                <a:spcPct val="0"/>
-              </a:spcAft>
-              <a:buClr>
-                <a:srgbClr val="A50021"/>
-              </a:buClr>
-              <a:buSzPct val="50000"/>
-              <a:buFont typeface="Wingdings" panose="05000000000000000000" pitchFamily="2" charset="2"/>
-              <a:buChar char="n"/>
-              <a:defRPr sz="2000">
-                <a:solidFill>
-                  <a:schemeClr val="tx1"/>
-                </a:solidFill>
-                <a:latin typeface="Arial" panose="020B0604020202020204" pitchFamily="34" charset="0"/>
-              </a:defRPr>
-            </a:lvl6pPr>
-            <a:lvl7pPr marL="2971800" indent="-228600" eaLnBrk="0" fontAlgn="base" hangingPunct="0">
-              <a:spcBef>
-                <a:spcPct val="20000"/>
-              </a:spcBef>
-              <a:spcAft>
-                <a:spcPct val="0"/>
-              </a:spcAft>
-              <a:buClr>
-                <a:srgbClr val="A50021"/>
-              </a:buClr>
-              <a:buSzPct val="50000"/>
-              <a:buFont typeface="Wingdings" panose="05000000000000000000" pitchFamily="2" charset="2"/>
-              <a:buChar char="n"/>
-              <a:defRPr sz="2000">
-                <a:solidFill>
-                  <a:schemeClr val="tx1"/>
-                </a:solidFill>
-                <a:latin typeface="Arial" panose="020B0604020202020204" pitchFamily="34" charset="0"/>
-              </a:defRPr>
-            </a:lvl7pPr>
-            <a:lvl8pPr marL="3429000" indent="-228600" eaLnBrk="0" fontAlgn="base" hangingPunct="0">
-              <a:spcBef>
-                <a:spcPct val="20000"/>
-              </a:spcBef>
-              <a:spcAft>
-                <a:spcPct val="0"/>
-              </a:spcAft>
-              <a:buClr>
-                <a:srgbClr val="A50021"/>
-              </a:buClr>
-              <a:buSzPct val="50000"/>
-              <a:buFont typeface="Wingdings" panose="05000000000000000000" pitchFamily="2" charset="2"/>
-              <a:buChar char="n"/>
-              <a:defRPr sz="2000">
-                <a:solidFill>
-                  <a:schemeClr val="tx1"/>
-                </a:solidFill>
-                <a:latin typeface="Arial" panose="020B0604020202020204" pitchFamily="34" charset="0"/>
-              </a:defRPr>
-            </a:lvl8pPr>
-            <a:lvl9pPr marL="3886200" indent="-228600" eaLnBrk="0" fontAlgn="base" hangingPunct="0">
-              <a:spcBef>
-                <a:spcPct val="20000"/>
-              </a:spcBef>
-              <a:spcAft>
-                <a:spcPct val="0"/>
-              </a:spcAft>
-              <a:buClr>
-                <a:srgbClr val="A50021"/>
-              </a:buClr>
-              <a:buSzPct val="50000"/>
-              <a:buFont typeface="Wingdings" panose="05000000000000000000" pitchFamily="2" charset="2"/>
-              <a:buChar char="n"/>
-              <a:defRPr sz="2000">
-                <a:solidFill>
-                  <a:schemeClr val="tx1"/>
-                </a:solidFill>
-                <a:latin typeface="Arial" panose="020B0604020202020204" pitchFamily="34" charset="0"/>
-              </a:defRPr>
-            </a:lvl9pPr>
-          </a:lstStyle>
-          <a:p>
-            <a:pPr>
-              <a:spcBef>
-                <a:spcPct val="0"/>
-              </a:spcBef>
-              <a:buClrTx/>
-              <a:buSzTx/>
-              <a:buFontTx/>
-              <a:buNone/>
-            </a:pPr>
-            <a:r>
-              <a:rPr lang="en-US" altLang="zh-CN" sz="1400"/>
-              <a:t>Slide 10- </a:t>
-            </a:r>
-            <a:fld id="{EEDAEDEE-D435-485B-9361-3DB9DC5B6A57}" type="slidenum">
-              <a:rPr lang="en-US" altLang="zh-CN" sz="1400"/>
-              <a:pPr>
-                <a:spcBef>
-                  <a:spcPct val="0"/>
-                </a:spcBef>
-                <a:buClrTx/>
-                <a:buSzTx/>
-                <a:buFontTx/>
-                <a:buNone/>
-              </a:pPr>
-              <a:t>15</a:t>
-            </a:fld>
-            <a:endParaRPr lang="en-CA" altLang="zh-CN" sz="1400"/>
-          </a:p>
-        </p:txBody>
-      </p:sp>
       <p:sp>
         <p:nvSpPr>
           <p:cNvPr id="18435" name="Rectangle 5"/>
@@ -8490,239 +7092,6 @@
       </p:grpSpPr>
       <p:sp>
         <p:nvSpPr>
-          <p:cNvPr id="19458" name="灯片编号占位符 3"/>
-          <p:cNvSpPr>
-            <a:spLocks noGrp="1"/>
-          </p:cNvSpPr>
-          <p:nvPr>
-            <p:ph type="sldNum" sz="quarter" idx="10"/>
-          </p:nvPr>
-        </p:nvSpPr>
-        <p:spPr>
-          <a:noFill/>
-          <a:ln/>
-          <a:extLst>
-            <a:ext uri="{909E8E84-426E-40DD-AFC4-6F175D3DCCD1}">
-              <a14:hiddenFill xmlns:a14="http://schemas.microsoft.com/office/drawing/2010/main">
-                <a:solidFill>
-                  <a:srgbClr val="FFFFFF"/>
-                </a:solidFill>
-              </a14:hiddenFill>
-            </a:ext>
-            <a:ext uri="{91240B29-F687-4F45-9708-019B960494DF}">
-              <a14:hiddenLine xmlns:a14="http://schemas.microsoft.com/office/drawing/2010/main" w="9525">
-                <a:solidFill>
-                  <a:srgbClr val="000000"/>
-                </a:solidFill>
-                <a:miter lim="800000"/>
-                <a:headEnd/>
-                <a:tailEnd/>
-              </a14:hiddenLine>
-            </a:ext>
-          </a:extLst>
-        </p:spPr>
-        <p:txBody>
-          <a:bodyPr/>
-          <a:lstStyle>
-            <a:lvl1pPr>
-              <a:spcBef>
-                <a:spcPct val="20000"/>
-              </a:spcBef>
-              <a:buClr>
-                <a:srgbClr val="A50021"/>
-              </a:buClr>
-              <a:buSzPct val="60000"/>
-              <a:buFont typeface="Wingdings" panose="05000000000000000000" pitchFamily="2" charset="2"/>
-              <a:buChar char="n"/>
-              <a:defRPr sz="2800">
-                <a:solidFill>
-                  <a:schemeClr val="tx1"/>
-                </a:solidFill>
-                <a:latin typeface="Arial" panose="020B0604020202020204" pitchFamily="34" charset="0"/>
-              </a:defRPr>
-            </a:lvl1pPr>
-            <a:lvl2pPr marL="742950" indent="-285750">
-              <a:spcBef>
-                <a:spcPct val="20000"/>
-              </a:spcBef>
-              <a:buClr>
-                <a:srgbClr val="02B2CA"/>
-              </a:buClr>
-              <a:buSzPct val="55000"/>
-              <a:buFont typeface="Wingdings" panose="05000000000000000000" pitchFamily="2" charset="2"/>
-              <a:buChar char="n"/>
-              <a:defRPr sz="2800">
-                <a:solidFill>
-                  <a:schemeClr val="tx1"/>
-                </a:solidFill>
-                <a:latin typeface="Arial" panose="020B0604020202020204" pitchFamily="34" charset="0"/>
-              </a:defRPr>
-            </a:lvl2pPr>
-            <a:lvl3pPr marL="1143000" indent="-228600">
-              <a:spcBef>
-                <a:spcPct val="20000"/>
-              </a:spcBef>
-              <a:buClr>
-                <a:srgbClr val="A50021"/>
-              </a:buClr>
-              <a:buSzPct val="50000"/>
-              <a:buFont typeface="Wingdings" panose="05000000000000000000" pitchFamily="2" charset="2"/>
-              <a:buChar char="n"/>
-              <a:defRPr sz="2400">
-                <a:solidFill>
-                  <a:schemeClr val="tx1"/>
-                </a:solidFill>
-                <a:latin typeface="Arial" panose="020B0604020202020204" pitchFamily="34" charset="0"/>
-              </a:defRPr>
-            </a:lvl3pPr>
-            <a:lvl4pPr marL="1600200" indent="-228600">
-              <a:spcBef>
-                <a:spcPct val="20000"/>
-              </a:spcBef>
-              <a:buClr>
-                <a:srgbClr val="02B2CA"/>
-              </a:buClr>
-              <a:buSzPct val="55000"/>
-              <a:buFont typeface="Wingdings" panose="05000000000000000000" pitchFamily="2" charset="2"/>
-              <a:buChar char="n"/>
-              <a:defRPr sz="2000">
-                <a:solidFill>
-                  <a:schemeClr val="tx1"/>
-                </a:solidFill>
-                <a:latin typeface="Arial" panose="020B0604020202020204" pitchFamily="34" charset="0"/>
-              </a:defRPr>
-            </a:lvl4pPr>
-            <a:lvl5pPr marL="2057400" indent="-228600">
-              <a:spcBef>
-                <a:spcPct val="20000"/>
-              </a:spcBef>
-              <a:buClr>
-                <a:srgbClr val="A50021"/>
-              </a:buClr>
-              <a:buSzPct val="50000"/>
-              <a:buFont typeface="Wingdings" panose="05000000000000000000" pitchFamily="2" charset="2"/>
-              <a:buChar char="n"/>
-              <a:defRPr sz="2000">
-                <a:solidFill>
-                  <a:schemeClr val="tx1"/>
-                </a:solidFill>
-                <a:latin typeface="Arial" panose="020B0604020202020204" pitchFamily="34" charset="0"/>
-              </a:defRPr>
-            </a:lvl5pPr>
-            <a:lvl6pPr marL="2514600" indent="-228600" eaLnBrk="0" fontAlgn="base" hangingPunct="0">
-              <a:spcBef>
-                <a:spcPct val="20000"/>
-              </a:spcBef>
-              <a:spcAft>
-                <a:spcPct val="0"/>
-              </a:spcAft>
-              <a:buClr>
-                <a:srgbClr val="A50021"/>
-              </a:buClr>
-              <a:buSzPct val="50000"/>
-              <a:buFont typeface="Wingdings" panose="05000000000000000000" pitchFamily="2" charset="2"/>
-              <a:buChar char="n"/>
-              <a:defRPr sz="2000">
-                <a:solidFill>
-                  <a:schemeClr val="tx1"/>
-                </a:solidFill>
-                <a:latin typeface="Arial" panose="020B0604020202020204" pitchFamily="34" charset="0"/>
-              </a:defRPr>
-            </a:lvl6pPr>
-            <a:lvl7pPr marL="2971800" indent="-228600" eaLnBrk="0" fontAlgn="base" hangingPunct="0">
-              <a:spcBef>
-                <a:spcPct val="20000"/>
-              </a:spcBef>
-              <a:spcAft>
-                <a:spcPct val="0"/>
-              </a:spcAft>
-              <a:buClr>
-                <a:srgbClr val="A50021"/>
-              </a:buClr>
-              <a:buSzPct val="50000"/>
-              <a:buFont typeface="Wingdings" panose="05000000000000000000" pitchFamily="2" charset="2"/>
-              <a:buChar char="n"/>
-              <a:defRPr sz="2000">
-                <a:solidFill>
-                  <a:schemeClr val="tx1"/>
-                </a:solidFill>
-                <a:latin typeface="Arial" panose="020B0604020202020204" pitchFamily="34" charset="0"/>
-              </a:defRPr>
-            </a:lvl7pPr>
-            <a:lvl8pPr marL="3429000" indent="-228600" eaLnBrk="0" fontAlgn="base" hangingPunct="0">
-              <a:spcBef>
-                <a:spcPct val="20000"/>
-              </a:spcBef>
-              <a:spcAft>
-                <a:spcPct val="0"/>
-              </a:spcAft>
-              <a:buClr>
-                <a:srgbClr val="A50021"/>
-              </a:buClr>
-              <a:buSzPct val="50000"/>
-              <a:buFont typeface="Wingdings" panose="05000000000000000000" pitchFamily="2" charset="2"/>
-              <a:buChar char="n"/>
-              <a:defRPr sz="2000">
-                <a:solidFill>
-                  <a:schemeClr val="tx1"/>
-                </a:solidFill>
-                <a:latin typeface="Arial" panose="020B0604020202020204" pitchFamily="34" charset="0"/>
-              </a:defRPr>
-            </a:lvl8pPr>
-            <a:lvl9pPr marL="3886200" indent="-228600" eaLnBrk="0" fontAlgn="base" hangingPunct="0">
-              <a:spcBef>
-                <a:spcPct val="20000"/>
-              </a:spcBef>
-              <a:spcAft>
-                <a:spcPct val="0"/>
-              </a:spcAft>
-              <a:buClr>
-                <a:srgbClr val="A50021"/>
-              </a:buClr>
-              <a:buSzPct val="50000"/>
-              <a:buFont typeface="Wingdings" panose="05000000000000000000" pitchFamily="2" charset="2"/>
-              <a:buChar char="n"/>
-              <a:defRPr sz="2000">
-                <a:solidFill>
-                  <a:schemeClr val="tx1"/>
-                </a:solidFill>
-                <a:latin typeface="Arial" panose="020B0604020202020204" pitchFamily="34" charset="0"/>
-              </a:defRPr>
-            </a:lvl9pPr>
-          </a:lstStyle>
-          <a:p>
-            <a:pPr>
-              <a:spcBef>
-                <a:spcPct val="0"/>
-              </a:spcBef>
-              <a:buClrTx/>
-              <a:buSzTx/>
-              <a:buFontTx/>
-              <a:buNone/>
-            </a:pPr>
-            <a:r>
-              <a:rPr lang="en-US" altLang="zh-CN" sz="1400"/>
-              <a:t>Slide 10- </a:t>
-            </a:r>
-            <a:fld id="{B6B04ECC-CAFE-41C7-9094-3F74948E7D70}" type="slidenum">
-              <a:rPr lang="en-US" altLang="zh-CN" sz="1400"/>
-              <a:pPr>
-                <a:spcBef>
-                  <a:spcPct val="0"/>
-                </a:spcBef>
-                <a:buClrTx/>
-                <a:buSzTx/>
-                <a:buFontTx/>
-                <a:buNone/>
-              </a:pPr>
-              <a:t>16</a:t>
-            </a:fld>
-            <a:endParaRPr lang="en-CA" altLang="zh-CN" sz="1400"/>
-          </a:p>
-        </p:txBody>
-      </p:sp>
-      <p:sp>
-        <p:nvSpPr>
           <p:cNvPr id="19459" name="Rectangle 2"/>
           <p:cNvSpPr>
             <a:spLocks noGrp="1" noChangeArrowheads="1"/>
@@ -8907,239 +7276,6 @@
       </p:grpSpPr>
       <p:sp>
         <p:nvSpPr>
-          <p:cNvPr id="20482" name="灯片编号占位符 3"/>
-          <p:cNvSpPr>
-            <a:spLocks noGrp="1"/>
-          </p:cNvSpPr>
-          <p:nvPr>
-            <p:ph type="sldNum" sz="quarter" idx="10"/>
-          </p:nvPr>
-        </p:nvSpPr>
-        <p:spPr>
-          <a:noFill/>
-          <a:ln/>
-          <a:extLst>
-            <a:ext uri="{909E8E84-426E-40DD-AFC4-6F175D3DCCD1}">
-              <a14:hiddenFill xmlns:a14="http://schemas.microsoft.com/office/drawing/2010/main">
-                <a:solidFill>
-                  <a:srgbClr val="FFFFFF"/>
-                </a:solidFill>
-              </a14:hiddenFill>
-            </a:ext>
-            <a:ext uri="{91240B29-F687-4F45-9708-019B960494DF}">
-              <a14:hiddenLine xmlns:a14="http://schemas.microsoft.com/office/drawing/2010/main" w="9525">
-                <a:solidFill>
-                  <a:srgbClr val="000000"/>
-                </a:solidFill>
-                <a:miter lim="800000"/>
-                <a:headEnd/>
-                <a:tailEnd/>
-              </a14:hiddenLine>
-            </a:ext>
-          </a:extLst>
-        </p:spPr>
-        <p:txBody>
-          <a:bodyPr/>
-          <a:lstStyle>
-            <a:lvl1pPr>
-              <a:spcBef>
-                <a:spcPct val="20000"/>
-              </a:spcBef>
-              <a:buClr>
-                <a:srgbClr val="A50021"/>
-              </a:buClr>
-              <a:buSzPct val="60000"/>
-              <a:buFont typeface="Wingdings" panose="05000000000000000000" pitchFamily="2" charset="2"/>
-              <a:buChar char="n"/>
-              <a:defRPr sz="2800">
-                <a:solidFill>
-                  <a:schemeClr val="tx1"/>
-                </a:solidFill>
-                <a:latin typeface="Arial" panose="020B0604020202020204" pitchFamily="34" charset="0"/>
-              </a:defRPr>
-            </a:lvl1pPr>
-            <a:lvl2pPr marL="742950" indent="-285750">
-              <a:spcBef>
-                <a:spcPct val="20000"/>
-              </a:spcBef>
-              <a:buClr>
-                <a:srgbClr val="02B2CA"/>
-              </a:buClr>
-              <a:buSzPct val="55000"/>
-              <a:buFont typeface="Wingdings" panose="05000000000000000000" pitchFamily="2" charset="2"/>
-              <a:buChar char="n"/>
-              <a:defRPr sz="2800">
-                <a:solidFill>
-                  <a:schemeClr val="tx1"/>
-                </a:solidFill>
-                <a:latin typeface="Arial" panose="020B0604020202020204" pitchFamily="34" charset="0"/>
-              </a:defRPr>
-            </a:lvl2pPr>
-            <a:lvl3pPr marL="1143000" indent="-228600">
-              <a:spcBef>
-                <a:spcPct val="20000"/>
-              </a:spcBef>
-              <a:buClr>
-                <a:srgbClr val="A50021"/>
-              </a:buClr>
-              <a:buSzPct val="50000"/>
-              <a:buFont typeface="Wingdings" panose="05000000000000000000" pitchFamily="2" charset="2"/>
-              <a:buChar char="n"/>
-              <a:defRPr sz="2400">
-                <a:solidFill>
-                  <a:schemeClr val="tx1"/>
-                </a:solidFill>
-                <a:latin typeface="Arial" panose="020B0604020202020204" pitchFamily="34" charset="0"/>
-              </a:defRPr>
-            </a:lvl3pPr>
-            <a:lvl4pPr marL="1600200" indent="-228600">
-              <a:spcBef>
-                <a:spcPct val="20000"/>
-              </a:spcBef>
-              <a:buClr>
-                <a:srgbClr val="02B2CA"/>
-              </a:buClr>
-              <a:buSzPct val="55000"/>
-              <a:buFont typeface="Wingdings" panose="05000000000000000000" pitchFamily="2" charset="2"/>
-              <a:buChar char="n"/>
-              <a:defRPr sz="2000">
-                <a:solidFill>
-                  <a:schemeClr val="tx1"/>
-                </a:solidFill>
-                <a:latin typeface="Arial" panose="020B0604020202020204" pitchFamily="34" charset="0"/>
-              </a:defRPr>
-            </a:lvl4pPr>
-            <a:lvl5pPr marL="2057400" indent="-228600">
-              <a:spcBef>
-                <a:spcPct val="20000"/>
-              </a:spcBef>
-              <a:buClr>
-                <a:srgbClr val="A50021"/>
-              </a:buClr>
-              <a:buSzPct val="50000"/>
-              <a:buFont typeface="Wingdings" panose="05000000000000000000" pitchFamily="2" charset="2"/>
-              <a:buChar char="n"/>
-              <a:defRPr sz="2000">
-                <a:solidFill>
-                  <a:schemeClr val="tx1"/>
-                </a:solidFill>
-                <a:latin typeface="Arial" panose="020B0604020202020204" pitchFamily="34" charset="0"/>
-              </a:defRPr>
-            </a:lvl5pPr>
-            <a:lvl6pPr marL="2514600" indent="-228600" eaLnBrk="0" fontAlgn="base" hangingPunct="0">
-              <a:spcBef>
-                <a:spcPct val="20000"/>
-              </a:spcBef>
-              <a:spcAft>
-                <a:spcPct val="0"/>
-              </a:spcAft>
-              <a:buClr>
-                <a:srgbClr val="A50021"/>
-              </a:buClr>
-              <a:buSzPct val="50000"/>
-              <a:buFont typeface="Wingdings" panose="05000000000000000000" pitchFamily="2" charset="2"/>
-              <a:buChar char="n"/>
-              <a:defRPr sz="2000">
-                <a:solidFill>
-                  <a:schemeClr val="tx1"/>
-                </a:solidFill>
-                <a:latin typeface="Arial" panose="020B0604020202020204" pitchFamily="34" charset="0"/>
-              </a:defRPr>
-            </a:lvl6pPr>
-            <a:lvl7pPr marL="2971800" indent="-228600" eaLnBrk="0" fontAlgn="base" hangingPunct="0">
-              <a:spcBef>
-                <a:spcPct val="20000"/>
-              </a:spcBef>
-              <a:spcAft>
-                <a:spcPct val="0"/>
-              </a:spcAft>
-              <a:buClr>
-                <a:srgbClr val="A50021"/>
-              </a:buClr>
-              <a:buSzPct val="50000"/>
-              <a:buFont typeface="Wingdings" panose="05000000000000000000" pitchFamily="2" charset="2"/>
-              <a:buChar char="n"/>
-              <a:defRPr sz="2000">
-                <a:solidFill>
-                  <a:schemeClr val="tx1"/>
-                </a:solidFill>
-                <a:latin typeface="Arial" panose="020B0604020202020204" pitchFamily="34" charset="0"/>
-              </a:defRPr>
-            </a:lvl7pPr>
-            <a:lvl8pPr marL="3429000" indent="-228600" eaLnBrk="0" fontAlgn="base" hangingPunct="0">
-              <a:spcBef>
-                <a:spcPct val="20000"/>
-              </a:spcBef>
-              <a:spcAft>
-                <a:spcPct val="0"/>
-              </a:spcAft>
-              <a:buClr>
-                <a:srgbClr val="A50021"/>
-              </a:buClr>
-              <a:buSzPct val="50000"/>
-              <a:buFont typeface="Wingdings" panose="05000000000000000000" pitchFamily="2" charset="2"/>
-              <a:buChar char="n"/>
-              <a:defRPr sz="2000">
-                <a:solidFill>
-                  <a:schemeClr val="tx1"/>
-                </a:solidFill>
-                <a:latin typeface="Arial" panose="020B0604020202020204" pitchFamily="34" charset="0"/>
-              </a:defRPr>
-            </a:lvl8pPr>
-            <a:lvl9pPr marL="3886200" indent="-228600" eaLnBrk="0" fontAlgn="base" hangingPunct="0">
-              <a:spcBef>
-                <a:spcPct val="20000"/>
-              </a:spcBef>
-              <a:spcAft>
-                <a:spcPct val="0"/>
-              </a:spcAft>
-              <a:buClr>
-                <a:srgbClr val="A50021"/>
-              </a:buClr>
-              <a:buSzPct val="50000"/>
-              <a:buFont typeface="Wingdings" panose="05000000000000000000" pitchFamily="2" charset="2"/>
-              <a:buChar char="n"/>
-              <a:defRPr sz="2000">
-                <a:solidFill>
-                  <a:schemeClr val="tx1"/>
-                </a:solidFill>
-                <a:latin typeface="Arial" panose="020B0604020202020204" pitchFamily="34" charset="0"/>
-              </a:defRPr>
-            </a:lvl9pPr>
-          </a:lstStyle>
-          <a:p>
-            <a:pPr>
-              <a:spcBef>
-                <a:spcPct val="0"/>
-              </a:spcBef>
-              <a:buClrTx/>
-              <a:buSzTx/>
-              <a:buFontTx/>
-              <a:buNone/>
-            </a:pPr>
-            <a:r>
-              <a:rPr lang="en-US" altLang="zh-CN" sz="1400"/>
-              <a:t>Slide 10- </a:t>
-            </a:r>
-            <a:fld id="{4FC6CC32-2956-4A7E-A0A8-AF2755743A95}" type="slidenum">
-              <a:rPr lang="en-US" altLang="zh-CN" sz="1400"/>
-              <a:pPr>
-                <a:spcBef>
-                  <a:spcPct val="0"/>
-                </a:spcBef>
-                <a:buClrTx/>
-                <a:buSzTx/>
-                <a:buFontTx/>
-                <a:buNone/>
-              </a:pPr>
-              <a:t>17</a:t>
-            </a:fld>
-            <a:endParaRPr lang="en-CA" altLang="zh-CN" sz="1400"/>
-          </a:p>
-        </p:txBody>
-      </p:sp>
-      <p:sp>
-        <p:nvSpPr>
           <p:cNvPr id="20483" name="Rectangle 2"/>
           <p:cNvSpPr>
             <a:spLocks noGrp="1" noChangeArrowheads="1"/>
@@ -9427,239 +7563,6 @@
       </p:grpSpPr>
       <p:sp>
         <p:nvSpPr>
-          <p:cNvPr id="21506" name="灯片编号占位符 3"/>
-          <p:cNvSpPr>
-            <a:spLocks noGrp="1"/>
-          </p:cNvSpPr>
-          <p:nvPr>
-            <p:ph type="sldNum" sz="quarter" idx="10"/>
-          </p:nvPr>
-        </p:nvSpPr>
-        <p:spPr>
-          <a:noFill/>
-          <a:ln/>
-          <a:extLst>
-            <a:ext uri="{909E8E84-426E-40DD-AFC4-6F175D3DCCD1}">
-              <a14:hiddenFill xmlns:a14="http://schemas.microsoft.com/office/drawing/2010/main">
-                <a:solidFill>
-                  <a:srgbClr val="FFFFFF"/>
-                </a:solidFill>
-              </a14:hiddenFill>
-            </a:ext>
-            <a:ext uri="{91240B29-F687-4F45-9708-019B960494DF}">
-              <a14:hiddenLine xmlns:a14="http://schemas.microsoft.com/office/drawing/2010/main" w="9525">
-                <a:solidFill>
-                  <a:srgbClr val="000000"/>
-                </a:solidFill>
-                <a:miter lim="800000"/>
-                <a:headEnd/>
-                <a:tailEnd/>
-              </a14:hiddenLine>
-            </a:ext>
-          </a:extLst>
-        </p:spPr>
-        <p:txBody>
-          <a:bodyPr/>
-          <a:lstStyle>
-            <a:lvl1pPr>
-              <a:spcBef>
-                <a:spcPct val="20000"/>
-              </a:spcBef>
-              <a:buClr>
-                <a:srgbClr val="A50021"/>
-              </a:buClr>
-              <a:buSzPct val="60000"/>
-              <a:buFont typeface="Wingdings" panose="05000000000000000000" pitchFamily="2" charset="2"/>
-              <a:buChar char="n"/>
-              <a:defRPr sz="2800">
-                <a:solidFill>
-                  <a:schemeClr val="tx1"/>
-                </a:solidFill>
-                <a:latin typeface="Arial" panose="020B0604020202020204" pitchFamily="34" charset="0"/>
-              </a:defRPr>
-            </a:lvl1pPr>
-            <a:lvl2pPr marL="742950" indent="-285750">
-              <a:spcBef>
-                <a:spcPct val="20000"/>
-              </a:spcBef>
-              <a:buClr>
-                <a:srgbClr val="02B2CA"/>
-              </a:buClr>
-              <a:buSzPct val="55000"/>
-              <a:buFont typeface="Wingdings" panose="05000000000000000000" pitchFamily="2" charset="2"/>
-              <a:buChar char="n"/>
-              <a:defRPr sz="2800">
-                <a:solidFill>
-                  <a:schemeClr val="tx1"/>
-                </a:solidFill>
-                <a:latin typeface="Arial" panose="020B0604020202020204" pitchFamily="34" charset="0"/>
-              </a:defRPr>
-            </a:lvl2pPr>
-            <a:lvl3pPr marL="1143000" indent="-228600">
-              <a:spcBef>
-                <a:spcPct val="20000"/>
-              </a:spcBef>
-              <a:buClr>
-                <a:srgbClr val="A50021"/>
-              </a:buClr>
-              <a:buSzPct val="50000"/>
-              <a:buFont typeface="Wingdings" panose="05000000000000000000" pitchFamily="2" charset="2"/>
-              <a:buChar char="n"/>
-              <a:defRPr sz="2400">
-                <a:solidFill>
-                  <a:schemeClr val="tx1"/>
-                </a:solidFill>
-                <a:latin typeface="Arial" panose="020B0604020202020204" pitchFamily="34" charset="0"/>
-              </a:defRPr>
-            </a:lvl3pPr>
-            <a:lvl4pPr marL="1600200" indent="-228600">
-              <a:spcBef>
-                <a:spcPct val="20000"/>
-              </a:spcBef>
-              <a:buClr>
-                <a:srgbClr val="02B2CA"/>
-              </a:buClr>
-              <a:buSzPct val="55000"/>
-              <a:buFont typeface="Wingdings" panose="05000000000000000000" pitchFamily="2" charset="2"/>
-              <a:buChar char="n"/>
-              <a:defRPr sz="2000">
-                <a:solidFill>
-                  <a:schemeClr val="tx1"/>
-                </a:solidFill>
-                <a:latin typeface="Arial" panose="020B0604020202020204" pitchFamily="34" charset="0"/>
-              </a:defRPr>
-            </a:lvl4pPr>
-            <a:lvl5pPr marL="2057400" indent="-228600">
-              <a:spcBef>
-                <a:spcPct val="20000"/>
-              </a:spcBef>
-              <a:buClr>
-                <a:srgbClr val="A50021"/>
-              </a:buClr>
-              <a:buSzPct val="50000"/>
-              <a:buFont typeface="Wingdings" panose="05000000000000000000" pitchFamily="2" charset="2"/>
-              <a:buChar char="n"/>
-              <a:defRPr sz="2000">
-                <a:solidFill>
-                  <a:schemeClr val="tx1"/>
-                </a:solidFill>
-                <a:latin typeface="Arial" panose="020B0604020202020204" pitchFamily="34" charset="0"/>
-              </a:defRPr>
-            </a:lvl5pPr>
-            <a:lvl6pPr marL="2514600" indent="-228600" eaLnBrk="0" fontAlgn="base" hangingPunct="0">
-              <a:spcBef>
-                <a:spcPct val="20000"/>
-              </a:spcBef>
-              <a:spcAft>
-                <a:spcPct val="0"/>
-              </a:spcAft>
-              <a:buClr>
-                <a:srgbClr val="A50021"/>
-              </a:buClr>
-              <a:buSzPct val="50000"/>
-              <a:buFont typeface="Wingdings" panose="05000000000000000000" pitchFamily="2" charset="2"/>
-              <a:buChar char="n"/>
-              <a:defRPr sz="2000">
-                <a:solidFill>
-                  <a:schemeClr val="tx1"/>
-                </a:solidFill>
-                <a:latin typeface="Arial" panose="020B0604020202020204" pitchFamily="34" charset="0"/>
-              </a:defRPr>
-            </a:lvl6pPr>
-            <a:lvl7pPr marL="2971800" indent="-228600" eaLnBrk="0" fontAlgn="base" hangingPunct="0">
-              <a:spcBef>
-                <a:spcPct val="20000"/>
-              </a:spcBef>
-              <a:spcAft>
-                <a:spcPct val="0"/>
-              </a:spcAft>
-              <a:buClr>
-                <a:srgbClr val="A50021"/>
-              </a:buClr>
-              <a:buSzPct val="50000"/>
-              <a:buFont typeface="Wingdings" panose="05000000000000000000" pitchFamily="2" charset="2"/>
-              <a:buChar char="n"/>
-              <a:defRPr sz="2000">
-                <a:solidFill>
-                  <a:schemeClr val="tx1"/>
-                </a:solidFill>
-                <a:latin typeface="Arial" panose="020B0604020202020204" pitchFamily="34" charset="0"/>
-              </a:defRPr>
-            </a:lvl7pPr>
-            <a:lvl8pPr marL="3429000" indent="-228600" eaLnBrk="0" fontAlgn="base" hangingPunct="0">
-              <a:spcBef>
-                <a:spcPct val="20000"/>
-              </a:spcBef>
-              <a:spcAft>
-                <a:spcPct val="0"/>
-              </a:spcAft>
-              <a:buClr>
-                <a:srgbClr val="A50021"/>
-              </a:buClr>
-              <a:buSzPct val="50000"/>
-              <a:buFont typeface="Wingdings" panose="05000000000000000000" pitchFamily="2" charset="2"/>
-              <a:buChar char="n"/>
-              <a:defRPr sz="2000">
-                <a:solidFill>
-                  <a:schemeClr val="tx1"/>
-                </a:solidFill>
-                <a:latin typeface="Arial" panose="020B0604020202020204" pitchFamily="34" charset="0"/>
-              </a:defRPr>
-            </a:lvl8pPr>
-            <a:lvl9pPr marL="3886200" indent="-228600" eaLnBrk="0" fontAlgn="base" hangingPunct="0">
-              <a:spcBef>
-                <a:spcPct val="20000"/>
-              </a:spcBef>
-              <a:spcAft>
-                <a:spcPct val="0"/>
-              </a:spcAft>
-              <a:buClr>
-                <a:srgbClr val="A50021"/>
-              </a:buClr>
-              <a:buSzPct val="50000"/>
-              <a:buFont typeface="Wingdings" panose="05000000000000000000" pitchFamily="2" charset="2"/>
-              <a:buChar char="n"/>
-              <a:defRPr sz="2000">
-                <a:solidFill>
-                  <a:schemeClr val="tx1"/>
-                </a:solidFill>
-                <a:latin typeface="Arial" panose="020B0604020202020204" pitchFamily="34" charset="0"/>
-              </a:defRPr>
-            </a:lvl9pPr>
-          </a:lstStyle>
-          <a:p>
-            <a:pPr>
-              <a:spcBef>
-                <a:spcPct val="0"/>
-              </a:spcBef>
-              <a:buClrTx/>
-              <a:buSzTx/>
-              <a:buFontTx/>
-              <a:buNone/>
-            </a:pPr>
-            <a:r>
-              <a:rPr lang="en-US" altLang="zh-CN" sz="1400"/>
-              <a:t>Slide 10- </a:t>
-            </a:r>
-            <a:fld id="{912F1888-755F-4025-B3BA-AAF785DB7F4E}" type="slidenum">
-              <a:rPr lang="en-US" altLang="zh-CN" sz="1400"/>
-              <a:pPr>
-                <a:spcBef>
-                  <a:spcPct val="0"/>
-                </a:spcBef>
-                <a:buClrTx/>
-                <a:buSzTx/>
-                <a:buFontTx/>
-                <a:buNone/>
-              </a:pPr>
-              <a:t>18</a:t>
-            </a:fld>
-            <a:endParaRPr lang="en-CA" altLang="zh-CN" sz="1400"/>
-          </a:p>
-        </p:txBody>
-      </p:sp>
-      <p:sp>
-        <p:nvSpPr>
           <p:cNvPr id="21507" name="Rectangle 2"/>
           <p:cNvSpPr>
             <a:spLocks noGrp="1" noChangeArrowheads="1"/>
@@ -9953,239 +7856,6 @@
           <a:chExt cx="0" cy="0"/>
         </a:xfrm>
       </p:grpSpPr>
-      <p:sp>
-        <p:nvSpPr>
-          <p:cNvPr id="22530" name="灯片编号占位符 3"/>
-          <p:cNvSpPr>
-            <a:spLocks noGrp="1"/>
-          </p:cNvSpPr>
-          <p:nvPr>
-            <p:ph type="sldNum" sz="quarter" idx="10"/>
-          </p:nvPr>
-        </p:nvSpPr>
-        <p:spPr>
-          <a:noFill/>
-          <a:ln/>
-          <a:extLst>
-            <a:ext uri="{909E8E84-426E-40DD-AFC4-6F175D3DCCD1}">
-              <a14:hiddenFill xmlns:a14="http://schemas.microsoft.com/office/drawing/2010/main">
-                <a:solidFill>
-                  <a:srgbClr val="FFFFFF"/>
-                </a:solidFill>
-              </a14:hiddenFill>
-            </a:ext>
-            <a:ext uri="{91240B29-F687-4F45-9708-019B960494DF}">
-              <a14:hiddenLine xmlns:a14="http://schemas.microsoft.com/office/drawing/2010/main" w="9525">
-                <a:solidFill>
-                  <a:srgbClr val="000000"/>
-                </a:solidFill>
-                <a:miter lim="800000"/>
-                <a:headEnd/>
-                <a:tailEnd/>
-              </a14:hiddenLine>
-            </a:ext>
-          </a:extLst>
-        </p:spPr>
-        <p:txBody>
-          <a:bodyPr/>
-          <a:lstStyle>
-            <a:lvl1pPr>
-              <a:spcBef>
-                <a:spcPct val="20000"/>
-              </a:spcBef>
-              <a:buClr>
-                <a:srgbClr val="A50021"/>
-              </a:buClr>
-              <a:buSzPct val="60000"/>
-              <a:buFont typeface="Wingdings" panose="05000000000000000000" pitchFamily="2" charset="2"/>
-              <a:buChar char="n"/>
-              <a:defRPr sz="2800">
-                <a:solidFill>
-                  <a:schemeClr val="tx1"/>
-                </a:solidFill>
-                <a:latin typeface="Arial" panose="020B0604020202020204" pitchFamily="34" charset="0"/>
-              </a:defRPr>
-            </a:lvl1pPr>
-            <a:lvl2pPr marL="742950" indent="-285750">
-              <a:spcBef>
-                <a:spcPct val="20000"/>
-              </a:spcBef>
-              <a:buClr>
-                <a:srgbClr val="02B2CA"/>
-              </a:buClr>
-              <a:buSzPct val="55000"/>
-              <a:buFont typeface="Wingdings" panose="05000000000000000000" pitchFamily="2" charset="2"/>
-              <a:buChar char="n"/>
-              <a:defRPr sz="2800">
-                <a:solidFill>
-                  <a:schemeClr val="tx1"/>
-                </a:solidFill>
-                <a:latin typeface="Arial" panose="020B0604020202020204" pitchFamily="34" charset="0"/>
-              </a:defRPr>
-            </a:lvl2pPr>
-            <a:lvl3pPr marL="1143000" indent="-228600">
-              <a:spcBef>
-                <a:spcPct val="20000"/>
-              </a:spcBef>
-              <a:buClr>
-                <a:srgbClr val="A50021"/>
-              </a:buClr>
-              <a:buSzPct val="50000"/>
-              <a:buFont typeface="Wingdings" panose="05000000000000000000" pitchFamily="2" charset="2"/>
-              <a:buChar char="n"/>
-              <a:defRPr sz="2400">
-                <a:solidFill>
-                  <a:schemeClr val="tx1"/>
-                </a:solidFill>
-                <a:latin typeface="Arial" panose="020B0604020202020204" pitchFamily="34" charset="0"/>
-              </a:defRPr>
-            </a:lvl3pPr>
-            <a:lvl4pPr marL="1600200" indent="-228600">
-              <a:spcBef>
-                <a:spcPct val="20000"/>
-              </a:spcBef>
-              <a:buClr>
-                <a:srgbClr val="02B2CA"/>
-              </a:buClr>
-              <a:buSzPct val="55000"/>
-              <a:buFont typeface="Wingdings" panose="05000000000000000000" pitchFamily="2" charset="2"/>
-              <a:buChar char="n"/>
-              <a:defRPr sz="2000">
-                <a:solidFill>
-                  <a:schemeClr val="tx1"/>
-                </a:solidFill>
-                <a:latin typeface="Arial" panose="020B0604020202020204" pitchFamily="34" charset="0"/>
-              </a:defRPr>
-            </a:lvl4pPr>
-            <a:lvl5pPr marL="2057400" indent="-228600">
-              <a:spcBef>
-                <a:spcPct val="20000"/>
-              </a:spcBef>
-              <a:buClr>
-                <a:srgbClr val="A50021"/>
-              </a:buClr>
-              <a:buSzPct val="50000"/>
-              <a:buFont typeface="Wingdings" panose="05000000000000000000" pitchFamily="2" charset="2"/>
-              <a:buChar char="n"/>
-              <a:defRPr sz="2000">
-                <a:solidFill>
-                  <a:schemeClr val="tx1"/>
-                </a:solidFill>
-                <a:latin typeface="Arial" panose="020B0604020202020204" pitchFamily="34" charset="0"/>
-              </a:defRPr>
-            </a:lvl5pPr>
-            <a:lvl6pPr marL="2514600" indent="-228600" eaLnBrk="0" fontAlgn="base" hangingPunct="0">
-              <a:spcBef>
-                <a:spcPct val="20000"/>
-              </a:spcBef>
-              <a:spcAft>
-                <a:spcPct val="0"/>
-              </a:spcAft>
-              <a:buClr>
-                <a:srgbClr val="A50021"/>
-              </a:buClr>
-              <a:buSzPct val="50000"/>
-              <a:buFont typeface="Wingdings" panose="05000000000000000000" pitchFamily="2" charset="2"/>
-              <a:buChar char="n"/>
-              <a:defRPr sz="2000">
-                <a:solidFill>
-                  <a:schemeClr val="tx1"/>
-                </a:solidFill>
-                <a:latin typeface="Arial" panose="020B0604020202020204" pitchFamily="34" charset="0"/>
-              </a:defRPr>
-            </a:lvl6pPr>
-            <a:lvl7pPr marL="2971800" indent="-228600" eaLnBrk="0" fontAlgn="base" hangingPunct="0">
-              <a:spcBef>
-                <a:spcPct val="20000"/>
-              </a:spcBef>
-              <a:spcAft>
-                <a:spcPct val="0"/>
-              </a:spcAft>
-              <a:buClr>
-                <a:srgbClr val="A50021"/>
-              </a:buClr>
-              <a:buSzPct val="50000"/>
-              <a:buFont typeface="Wingdings" panose="05000000000000000000" pitchFamily="2" charset="2"/>
-              <a:buChar char="n"/>
-              <a:defRPr sz="2000">
-                <a:solidFill>
-                  <a:schemeClr val="tx1"/>
-                </a:solidFill>
-                <a:latin typeface="Arial" panose="020B0604020202020204" pitchFamily="34" charset="0"/>
-              </a:defRPr>
-            </a:lvl7pPr>
-            <a:lvl8pPr marL="3429000" indent="-228600" eaLnBrk="0" fontAlgn="base" hangingPunct="0">
-              <a:spcBef>
-                <a:spcPct val="20000"/>
-              </a:spcBef>
-              <a:spcAft>
-                <a:spcPct val="0"/>
-              </a:spcAft>
-              <a:buClr>
-                <a:srgbClr val="A50021"/>
-              </a:buClr>
-              <a:buSzPct val="50000"/>
-              <a:buFont typeface="Wingdings" panose="05000000000000000000" pitchFamily="2" charset="2"/>
-              <a:buChar char="n"/>
-              <a:defRPr sz="2000">
-                <a:solidFill>
-                  <a:schemeClr val="tx1"/>
-                </a:solidFill>
-                <a:latin typeface="Arial" panose="020B0604020202020204" pitchFamily="34" charset="0"/>
-              </a:defRPr>
-            </a:lvl8pPr>
-            <a:lvl9pPr marL="3886200" indent="-228600" eaLnBrk="0" fontAlgn="base" hangingPunct="0">
-              <a:spcBef>
-                <a:spcPct val="20000"/>
-              </a:spcBef>
-              <a:spcAft>
-                <a:spcPct val="0"/>
-              </a:spcAft>
-              <a:buClr>
-                <a:srgbClr val="A50021"/>
-              </a:buClr>
-              <a:buSzPct val="50000"/>
-              <a:buFont typeface="Wingdings" panose="05000000000000000000" pitchFamily="2" charset="2"/>
-              <a:buChar char="n"/>
-              <a:defRPr sz="2000">
-                <a:solidFill>
-                  <a:schemeClr val="tx1"/>
-                </a:solidFill>
-                <a:latin typeface="Arial" panose="020B0604020202020204" pitchFamily="34" charset="0"/>
-              </a:defRPr>
-            </a:lvl9pPr>
-          </a:lstStyle>
-          <a:p>
-            <a:pPr>
-              <a:spcBef>
-                <a:spcPct val="0"/>
-              </a:spcBef>
-              <a:buClrTx/>
-              <a:buSzTx/>
-              <a:buFontTx/>
-              <a:buNone/>
-            </a:pPr>
-            <a:r>
-              <a:rPr lang="en-US" altLang="zh-CN" sz="1400"/>
-              <a:t>Slide 10- </a:t>
-            </a:r>
-            <a:fld id="{A1D52BC3-B8A8-4769-ABA4-BC18CE9B25DE}" type="slidenum">
-              <a:rPr lang="en-US" altLang="zh-CN" sz="1400"/>
-              <a:pPr>
-                <a:spcBef>
-                  <a:spcPct val="0"/>
-                </a:spcBef>
-                <a:buClrTx/>
-                <a:buSzTx/>
-                <a:buFontTx/>
-                <a:buNone/>
-              </a:pPr>
-              <a:t>19</a:t>
-            </a:fld>
-            <a:endParaRPr lang="en-CA" altLang="zh-CN" sz="1400"/>
-          </a:p>
-        </p:txBody>
-      </p:sp>
       <p:sp>
         <p:nvSpPr>
           <p:cNvPr id="22531" name="Rectangle 2"/>
@@ -10383,39 +8053,6 @@
           </a:p>
         </p:txBody>
       </p:sp>
-      <p:sp>
-        <p:nvSpPr>
-          <p:cNvPr id="4" name="灯片编号占位符 3"/>
-          <p:cNvSpPr>
-            <a:spLocks noGrp="1"/>
-          </p:cNvSpPr>
-          <p:nvPr>
-            <p:ph type="sldNum" sz="quarter" idx="10"/>
-          </p:nvPr>
-        </p:nvSpPr>
-        <p:spPr/>
-        <p:txBody>
-          <a:bodyPr/>
-          <a:lstStyle/>
-          <a:p>
-            <a:pPr>
-              <a:defRPr/>
-            </a:pPr>
-            <a:r>
-              <a:rPr lang="en-US" altLang="zh-CN" smtClean="0"/>
-              <a:t>Slide 15- </a:t>
-            </a:r>
-            <a:fld id="{B3B8002B-5056-493A-AFCD-026EC2EEC3A1}" type="slidenum">
-              <a:rPr lang="en-US" altLang="zh-CN" smtClean="0"/>
-              <a:pPr>
-                <a:defRPr/>
-              </a:pPr>
-              <a:t>2</a:t>
-            </a:fld>
-            <a:endParaRPr lang="en-CA" altLang="zh-CN"/>
-          </a:p>
-        </p:txBody>
-      </p:sp>
     </p:spTree>
     <p:extLst>
       <p:ext uri="{BB962C8B-B14F-4D97-AF65-F5344CB8AC3E}">
@@ -10447,239 +8084,6 @@
           <a:chExt cx="0" cy="0"/>
         </a:xfrm>
       </p:grpSpPr>
-      <p:sp>
-        <p:nvSpPr>
-          <p:cNvPr id="23554" name="灯片编号占位符 3"/>
-          <p:cNvSpPr>
-            <a:spLocks noGrp="1"/>
-          </p:cNvSpPr>
-          <p:nvPr>
-            <p:ph type="sldNum" sz="quarter" idx="10"/>
-          </p:nvPr>
-        </p:nvSpPr>
-        <p:spPr>
-          <a:noFill/>
-          <a:ln/>
-          <a:extLst>
-            <a:ext uri="{909E8E84-426E-40DD-AFC4-6F175D3DCCD1}">
-              <a14:hiddenFill xmlns:a14="http://schemas.microsoft.com/office/drawing/2010/main">
-                <a:solidFill>
-                  <a:srgbClr val="FFFFFF"/>
-                </a:solidFill>
-              </a14:hiddenFill>
-            </a:ext>
-            <a:ext uri="{91240B29-F687-4F45-9708-019B960494DF}">
-              <a14:hiddenLine xmlns:a14="http://schemas.microsoft.com/office/drawing/2010/main" w="9525">
-                <a:solidFill>
-                  <a:srgbClr val="000000"/>
-                </a:solidFill>
-                <a:miter lim="800000"/>
-                <a:headEnd/>
-                <a:tailEnd/>
-              </a14:hiddenLine>
-            </a:ext>
-          </a:extLst>
-        </p:spPr>
-        <p:txBody>
-          <a:bodyPr/>
-          <a:lstStyle>
-            <a:lvl1pPr>
-              <a:spcBef>
-                <a:spcPct val="20000"/>
-              </a:spcBef>
-              <a:buClr>
-                <a:srgbClr val="A50021"/>
-              </a:buClr>
-              <a:buSzPct val="60000"/>
-              <a:buFont typeface="Wingdings" panose="05000000000000000000" pitchFamily="2" charset="2"/>
-              <a:buChar char="n"/>
-              <a:defRPr sz="2800">
-                <a:solidFill>
-                  <a:schemeClr val="tx1"/>
-                </a:solidFill>
-                <a:latin typeface="Arial" panose="020B0604020202020204" pitchFamily="34" charset="0"/>
-              </a:defRPr>
-            </a:lvl1pPr>
-            <a:lvl2pPr marL="742950" indent="-285750">
-              <a:spcBef>
-                <a:spcPct val="20000"/>
-              </a:spcBef>
-              <a:buClr>
-                <a:srgbClr val="02B2CA"/>
-              </a:buClr>
-              <a:buSzPct val="55000"/>
-              <a:buFont typeface="Wingdings" panose="05000000000000000000" pitchFamily="2" charset="2"/>
-              <a:buChar char="n"/>
-              <a:defRPr sz="2800">
-                <a:solidFill>
-                  <a:schemeClr val="tx1"/>
-                </a:solidFill>
-                <a:latin typeface="Arial" panose="020B0604020202020204" pitchFamily="34" charset="0"/>
-              </a:defRPr>
-            </a:lvl2pPr>
-            <a:lvl3pPr marL="1143000" indent="-228600">
-              <a:spcBef>
-                <a:spcPct val="20000"/>
-              </a:spcBef>
-              <a:buClr>
-                <a:srgbClr val="A50021"/>
-              </a:buClr>
-              <a:buSzPct val="50000"/>
-              <a:buFont typeface="Wingdings" panose="05000000000000000000" pitchFamily="2" charset="2"/>
-              <a:buChar char="n"/>
-              <a:defRPr sz="2400">
-                <a:solidFill>
-                  <a:schemeClr val="tx1"/>
-                </a:solidFill>
-                <a:latin typeface="Arial" panose="020B0604020202020204" pitchFamily="34" charset="0"/>
-              </a:defRPr>
-            </a:lvl3pPr>
-            <a:lvl4pPr marL="1600200" indent="-228600">
-              <a:spcBef>
-                <a:spcPct val="20000"/>
-              </a:spcBef>
-              <a:buClr>
-                <a:srgbClr val="02B2CA"/>
-              </a:buClr>
-              <a:buSzPct val="55000"/>
-              <a:buFont typeface="Wingdings" panose="05000000000000000000" pitchFamily="2" charset="2"/>
-              <a:buChar char="n"/>
-              <a:defRPr sz="2000">
-                <a:solidFill>
-                  <a:schemeClr val="tx1"/>
-                </a:solidFill>
-                <a:latin typeface="Arial" panose="020B0604020202020204" pitchFamily="34" charset="0"/>
-              </a:defRPr>
-            </a:lvl4pPr>
-            <a:lvl5pPr marL="2057400" indent="-228600">
-              <a:spcBef>
-                <a:spcPct val="20000"/>
-              </a:spcBef>
-              <a:buClr>
-                <a:srgbClr val="A50021"/>
-              </a:buClr>
-              <a:buSzPct val="50000"/>
-              <a:buFont typeface="Wingdings" panose="05000000000000000000" pitchFamily="2" charset="2"/>
-              <a:buChar char="n"/>
-              <a:defRPr sz="2000">
-                <a:solidFill>
-                  <a:schemeClr val="tx1"/>
-                </a:solidFill>
-                <a:latin typeface="Arial" panose="020B0604020202020204" pitchFamily="34" charset="0"/>
-              </a:defRPr>
-            </a:lvl5pPr>
-            <a:lvl6pPr marL="2514600" indent="-228600" eaLnBrk="0" fontAlgn="base" hangingPunct="0">
-              <a:spcBef>
-                <a:spcPct val="20000"/>
-              </a:spcBef>
-              <a:spcAft>
-                <a:spcPct val="0"/>
-              </a:spcAft>
-              <a:buClr>
-                <a:srgbClr val="A50021"/>
-              </a:buClr>
-              <a:buSzPct val="50000"/>
-              <a:buFont typeface="Wingdings" panose="05000000000000000000" pitchFamily="2" charset="2"/>
-              <a:buChar char="n"/>
-              <a:defRPr sz="2000">
-                <a:solidFill>
-                  <a:schemeClr val="tx1"/>
-                </a:solidFill>
-                <a:latin typeface="Arial" panose="020B0604020202020204" pitchFamily="34" charset="0"/>
-              </a:defRPr>
-            </a:lvl6pPr>
-            <a:lvl7pPr marL="2971800" indent="-228600" eaLnBrk="0" fontAlgn="base" hangingPunct="0">
-              <a:spcBef>
-                <a:spcPct val="20000"/>
-              </a:spcBef>
-              <a:spcAft>
-                <a:spcPct val="0"/>
-              </a:spcAft>
-              <a:buClr>
-                <a:srgbClr val="A50021"/>
-              </a:buClr>
-              <a:buSzPct val="50000"/>
-              <a:buFont typeface="Wingdings" panose="05000000000000000000" pitchFamily="2" charset="2"/>
-              <a:buChar char="n"/>
-              <a:defRPr sz="2000">
-                <a:solidFill>
-                  <a:schemeClr val="tx1"/>
-                </a:solidFill>
-                <a:latin typeface="Arial" panose="020B0604020202020204" pitchFamily="34" charset="0"/>
-              </a:defRPr>
-            </a:lvl7pPr>
-            <a:lvl8pPr marL="3429000" indent="-228600" eaLnBrk="0" fontAlgn="base" hangingPunct="0">
-              <a:spcBef>
-                <a:spcPct val="20000"/>
-              </a:spcBef>
-              <a:spcAft>
-                <a:spcPct val="0"/>
-              </a:spcAft>
-              <a:buClr>
-                <a:srgbClr val="A50021"/>
-              </a:buClr>
-              <a:buSzPct val="50000"/>
-              <a:buFont typeface="Wingdings" panose="05000000000000000000" pitchFamily="2" charset="2"/>
-              <a:buChar char="n"/>
-              <a:defRPr sz="2000">
-                <a:solidFill>
-                  <a:schemeClr val="tx1"/>
-                </a:solidFill>
-                <a:latin typeface="Arial" panose="020B0604020202020204" pitchFamily="34" charset="0"/>
-              </a:defRPr>
-            </a:lvl8pPr>
-            <a:lvl9pPr marL="3886200" indent="-228600" eaLnBrk="0" fontAlgn="base" hangingPunct="0">
-              <a:spcBef>
-                <a:spcPct val="20000"/>
-              </a:spcBef>
-              <a:spcAft>
-                <a:spcPct val="0"/>
-              </a:spcAft>
-              <a:buClr>
-                <a:srgbClr val="A50021"/>
-              </a:buClr>
-              <a:buSzPct val="50000"/>
-              <a:buFont typeface="Wingdings" panose="05000000000000000000" pitchFamily="2" charset="2"/>
-              <a:buChar char="n"/>
-              <a:defRPr sz="2000">
-                <a:solidFill>
-                  <a:schemeClr val="tx1"/>
-                </a:solidFill>
-                <a:latin typeface="Arial" panose="020B0604020202020204" pitchFamily="34" charset="0"/>
-              </a:defRPr>
-            </a:lvl9pPr>
-          </a:lstStyle>
-          <a:p>
-            <a:pPr>
-              <a:spcBef>
-                <a:spcPct val="0"/>
-              </a:spcBef>
-              <a:buClrTx/>
-              <a:buSzTx/>
-              <a:buFontTx/>
-              <a:buNone/>
-            </a:pPr>
-            <a:r>
-              <a:rPr lang="en-US" altLang="zh-CN" sz="1400"/>
-              <a:t>Slide 10- </a:t>
-            </a:r>
-            <a:fld id="{160BECF3-C95D-4F5F-9529-8C5FF5E0D22D}" type="slidenum">
-              <a:rPr lang="en-US" altLang="zh-CN" sz="1400"/>
-              <a:pPr>
-                <a:spcBef>
-                  <a:spcPct val="0"/>
-                </a:spcBef>
-                <a:buClrTx/>
-                <a:buSzTx/>
-                <a:buFontTx/>
-                <a:buNone/>
-              </a:pPr>
-              <a:t>20</a:t>
-            </a:fld>
-            <a:endParaRPr lang="en-CA" altLang="zh-CN" sz="1400"/>
-          </a:p>
-        </p:txBody>
-      </p:sp>
       <p:sp>
         <p:nvSpPr>
           <p:cNvPr id="23555" name="Rectangle 4"/>
@@ -11208,239 +8612,6 @@
       </p:grpSpPr>
       <p:sp>
         <p:nvSpPr>
-          <p:cNvPr id="24578" name="灯片编号占位符 3"/>
-          <p:cNvSpPr>
-            <a:spLocks noGrp="1"/>
-          </p:cNvSpPr>
-          <p:nvPr>
-            <p:ph type="sldNum" sz="quarter" idx="10"/>
-          </p:nvPr>
-        </p:nvSpPr>
-        <p:spPr>
-          <a:noFill/>
-          <a:ln/>
-          <a:extLst>
-            <a:ext uri="{909E8E84-426E-40DD-AFC4-6F175D3DCCD1}">
-              <a14:hiddenFill xmlns:a14="http://schemas.microsoft.com/office/drawing/2010/main">
-                <a:solidFill>
-                  <a:srgbClr val="FFFFFF"/>
-                </a:solidFill>
-              </a14:hiddenFill>
-            </a:ext>
-            <a:ext uri="{91240B29-F687-4F45-9708-019B960494DF}">
-              <a14:hiddenLine xmlns:a14="http://schemas.microsoft.com/office/drawing/2010/main" w="9525">
-                <a:solidFill>
-                  <a:srgbClr val="000000"/>
-                </a:solidFill>
-                <a:miter lim="800000"/>
-                <a:headEnd/>
-                <a:tailEnd/>
-              </a14:hiddenLine>
-            </a:ext>
-          </a:extLst>
-        </p:spPr>
-        <p:txBody>
-          <a:bodyPr/>
-          <a:lstStyle>
-            <a:lvl1pPr>
-              <a:spcBef>
-                <a:spcPct val="20000"/>
-              </a:spcBef>
-              <a:buClr>
-                <a:srgbClr val="A50021"/>
-              </a:buClr>
-              <a:buSzPct val="60000"/>
-              <a:buFont typeface="Wingdings" panose="05000000000000000000" pitchFamily="2" charset="2"/>
-              <a:buChar char="n"/>
-              <a:defRPr sz="2800">
-                <a:solidFill>
-                  <a:schemeClr val="tx1"/>
-                </a:solidFill>
-                <a:latin typeface="Arial" panose="020B0604020202020204" pitchFamily="34" charset="0"/>
-              </a:defRPr>
-            </a:lvl1pPr>
-            <a:lvl2pPr marL="742950" indent="-285750">
-              <a:spcBef>
-                <a:spcPct val="20000"/>
-              </a:spcBef>
-              <a:buClr>
-                <a:srgbClr val="02B2CA"/>
-              </a:buClr>
-              <a:buSzPct val="55000"/>
-              <a:buFont typeface="Wingdings" panose="05000000000000000000" pitchFamily="2" charset="2"/>
-              <a:buChar char="n"/>
-              <a:defRPr sz="2800">
-                <a:solidFill>
-                  <a:schemeClr val="tx1"/>
-                </a:solidFill>
-                <a:latin typeface="Arial" panose="020B0604020202020204" pitchFamily="34" charset="0"/>
-              </a:defRPr>
-            </a:lvl2pPr>
-            <a:lvl3pPr marL="1143000" indent="-228600">
-              <a:spcBef>
-                <a:spcPct val="20000"/>
-              </a:spcBef>
-              <a:buClr>
-                <a:srgbClr val="A50021"/>
-              </a:buClr>
-              <a:buSzPct val="50000"/>
-              <a:buFont typeface="Wingdings" panose="05000000000000000000" pitchFamily="2" charset="2"/>
-              <a:buChar char="n"/>
-              <a:defRPr sz="2400">
-                <a:solidFill>
-                  <a:schemeClr val="tx1"/>
-                </a:solidFill>
-                <a:latin typeface="Arial" panose="020B0604020202020204" pitchFamily="34" charset="0"/>
-              </a:defRPr>
-            </a:lvl3pPr>
-            <a:lvl4pPr marL="1600200" indent="-228600">
-              <a:spcBef>
-                <a:spcPct val="20000"/>
-              </a:spcBef>
-              <a:buClr>
-                <a:srgbClr val="02B2CA"/>
-              </a:buClr>
-              <a:buSzPct val="55000"/>
-              <a:buFont typeface="Wingdings" panose="05000000000000000000" pitchFamily="2" charset="2"/>
-              <a:buChar char="n"/>
-              <a:defRPr sz="2000">
-                <a:solidFill>
-                  <a:schemeClr val="tx1"/>
-                </a:solidFill>
-                <a:latin typeface="Arial" panose="020B0604020202020204" pitchFamily="34" charset="0"/>
-              </a:defRPr>
-            </a:lvl4pPr>
-            <a:lvl5pPr marL="2057400" indent="-228600">
-              <a:spcBef>
-                <a:spcPct val="20000"/>
-              </a:spcBef>
-              <a:buClr>
-                <a:srgbClr val="A50021"/>
-              </a:buClr>
-              <a:buSzPct val="50000"/>
-              <a:buFont typeface="Wingdings" panose="05000000000000000000" pitchFamily="2" charset="2"/>
-              <a:buChar char="n"/>
-              <a:defRPr sz="2000">
-                <a:solidFill>
-                  <a:schemeClr val="tx1"/>
-                </a:solidFill>
-                <a:latin typeface="Arial" panose="020B0604020202020204" pitchFamily="34" charset="0"/>
-              </a:defRPr>
-            </a:lvl5pPr>
-            <a:lvl6pPr marL="2514600" indent="-228600" eaLnBrk="0" fontAlgn="base" hangingPunct="0">
-              <a:spcBef>
-                <a:spcPct val="20000"/>
-              </a:spcBef>
-              <a:spcAft>
-                <a:spcPct val="0"/>
-              </a:spcAft>
-              <a:buClr>
-                <a:srgbClr val="A50021"/>
-              </a:buClr>
-              <a:buSzPct val="50000"/>
-              <a:buFont typeface="Wingdings" panose="05000000000000000000" pitchFamily="2" charset="2"/>
-              <a:buChar char="n"/>
-              <a:defRPr sz="2000">
-                <a:solidFill>
-                  <a:schemeClr val="tx1"/>
-                </a:solidFill>
-                <a:latin typeface="Arial" panose="020B0604020202020204" pitchFamily="34" charset="0"/>
-              </a:defRPr>
-            </a:lvl6pPr>
-            <a:lvl7pPr marL="2971800" indent="-228600" eaLnBrk="0" fontAlgn="base" hangingPunct="0">
-              <a:spcBef>
-                <a:spcPct val="20000"/>
-              </a:spcBef>
-              <a:spcAft>
-                <a:spcPct val="0"/>
-              </a:spcAft>
-              <a:buClr>
-                <a:srgbClr val="A50021"/>
-              </a:buClr>
-              <a:buSzPct val="50000"/>
-              <a:buFont typeface="Wingdings" panose="05000000000000000000" pitchFamily="2" charset="2"/>
-              <a:buChar char="n"/>
-              <a:defRPr sz="2000">
-                <a:solidFill>
-                  <a:schemeClr val="tx1"/>
-                </a:solidFill>
-                <a:latin typeface="Arial" panose="020B0604020202020204" pitchFamily="34" charset="0"/>
-              </a:defRPr>
-            </a:lvl7pPr>
-            <a:lvl8pPr marL="3429000" indent="-228600" eaLnBrk="0" fontAlgn="base" hangingPunct="0">
-              <a:spcBef>
-                <a:spcPct val="20000"/>
-              </a:spcBef>
-              <a:spcAft>
-                <a:spcPct val="0"/>
-              </a:spcAft>
-              <a:buClr>
-                <a:srgbClr val="A50021"/>
-              </a:buClr>
-              <a:buSzPct val="50000"/>
-              <a:buFont typeface="Wingdings" panose="05000000000000000000" pitchFamily="2" charset="2"/>
-              <a:buChar char="n"/>
-              <a:defRPr sz="2000">
-                <a:solidFill>
-                  <a:schemeClr val="tx1"/>
-                </a:solidFill>
-                <a:latin typeface="Arial" panose="020B0604020202020204" pitchFamily="34" charset="0"/>
-              </a:defRPr>
-            </a:lvl8pPr>
-            <a:lvl9pPr marL="3886200" indent="-228600" eaLnBrk="0" fontAlgn="base" hangingPunct="0">
-              <a:spcBef>
-                <a:spcPct val="20000"/>
-              </a:spcBef>
-              <a:spcAft>
-                <a:spcPct val="0"/>
-              </a:spcAft>
-              <a:buClr>
-                <a:srgbClr val="A50021"/>
-              </a:buClr>
-              <a:buSzPct val="50000"/>
-              <a:buFont typeface="Wingdings" panose="05000000000000000000" pitchFamily="2" charset="2"/>
-              <a:buChar char="n"/>
-              <a:defRPr sz="2000">
-                <a:solidFill>
-                  <a:schemeClr val="tx1"/>
-                </a:solidFill>
-                <a:latin typeface="Arial" panose="020B0604020202020204" pitchFamily="34" charset="0"/>
-              </a:defRPr>
-            </a:lvl9pPr>
-          </a:lstStyle>
-          <a:p>
-            <a:pPr>
-              <a:spcBef>
-                <a:spcPct val="0"/>
-              </a:spcBef>
-              <a:buClrTx/>
-              <a:buSzTx/>
-              <a:buFontTx/>
-              <a:buNone/>
-            </a:pPr>
-            <a:r>
-              <a:rPr lang="en-US" altLang="zh-CN" sz="1400"/>
-              <a:t>Slide 10- </a:t>
-            </a:r>
-            <a:fld id="{783D4BD1-ADD2-4BDE-964F-B06D0528E726}" type="slidenum">
-              <a:rPr lang="en-US" altLang="zh-CN" sz="1400"/>
-              <a:pPr>
-                <a:spcBef>
-                  <a:spcPct val="0"/>
-                </a:spcBef>
-                <a:buClrTx/>
-                <a:buSzTx/>
-                <a:buFontTx/>
-                <a:buNone/>
-              </a:pPr>
-              <a:t>21</a:t>
-            </a:fld>
-            <a:endParaRPr lang="en-CA" altLang="zh-CN" sz="1400"/>
-          </a:p>
-        </p:txBody>
-      </p:sp>
-      <p:sp>
-        <p:nvSpPr>
           <p:cNvPr id="24579" name="Rectangle 2"/>
           <p:cNvSpPr>
             <a:spLocks noGrp="1" noChangeArrowheads="1"/>
@@ -11795,11 +8966,11 @@
               <a:buNone/>
             </a:pPr>
             <a:r>
-              <a:rPr lang="en-US" altLang="zh-CN" sz="1400"/>
-              <a:t>Slide 10- </a:t>
+              <a:rPr lang="en-US" altLang="zh-CN" sz="1400" dirty="0" smtClean="0"/>
+              <a:t>Slide 15- </a:t>
             </a:r>
             <a:fld id="{66579009-5EB5-4B7E-A3C3-337CCC4FA554}" type="slidenum">
-              <a:rPr lang="en-US" altLang="zh-CN" sz="1400"/>
+              <a:rPr lang="en-US" altLang="zh-CN" sz="1400" smtClean="0"/>
               <a:pPr>
                 <a:spcBef>
                   <a:spcPct val="0"/>
@@ -11811,7 +8982,7 @@
               </a:pPr>
               <a:t>22</a:t>
             </a:fld>
-            <a:endParaRPr lang="en-CA" altLang="zh-CN" sz="1400"/>
+            <a:endParaRPr lang="en-CA" altLang="zh-CN" sz="1400" dirty="0"/>
           </a:p>
         </p:txBody>
       </p:sp>
@@ -12212,11 +9383,11 @@
               <a:buNone/>
             </a:pPr>
             <a:r>
-              <a:rPr lang="en-US" altLang="zh-CN" sz="1400"/>
-              <a:t>Slide 10- </a:t>
+              <a:rPr lang="en-US" altLang="zh-CN" sz="1400" dirty="0" smtClean="0"/>
+              <a:t>Slide 15- </a:t>
             </a:r>
             <a:fld id="{D4ED4AB0-7261-4D39-9307-7499538A8205}" type="slidenum">
-              <a:rPr lang="en-US" altLang="zh-CN" sz="1400"/>
+              <a:rPr lang="en-US" altLang="zh-CN" sz="1400" smtClean="0"/>
               <a:pPr>
                 <a:spcBef>
                   <a:spcPct val="0"/>
@@ -12228,7 +9399,7 @@
               </a:pPr>
               <a:t>23</a:t>
             </a:fld>
-            <a:endParaRPr lang="en-CA" altLang="zh-CN" sz="1400"/>
+            <a:endParaRPr lang="en-CA" altLang="zh-CN" sz="1400" dirty="0"/>
           </a:p>
         </p:txBody>
       </p:sp>
@@ -12820,11 +9991,11 @@
               <a:buNone/>
             </a:pPr>
             <a:r>
-              <a:rPr lang="en-US" altLang="zh-CN" sz="1400"/>
-              <a:t>Slide 10- </a:t>
+              <a:rPr lang="en-US" altLang="zh-CN" sz="1400" dirty="0" smtClean="0"/>
+              <a:t>Slide 15- </a:t>
             </a:r>
             <a:fld id="{F7863081-32FF-4E7D-8123-67E53C7FCF19}" type="slidenum">
-              <a:rPr lang="en-US" altLang="zh-CN" sz="1400"/>
+              <a:rPr lang="en-US" altLang="zh-CN" sz="1400" smtClean="0"/>
               <a:pPr>
                 <a:spcBef>
                   <a:spcPct val="0"/>
@@ -12836,7 +10007,7 @@
               </a:pPr>
               <a:t>25</a:t>
             </a:fld>
-            <a:endParaRPr lang="en-CA" altLang="zh-CN" sz="1400"/>
+            <a:endParaRPr lang="en-CA" altLang="zh-CN" sz="1400" dirty="0"/>
           </a:p>
         </p:txBody>
       </p:sp>
@@ -13275,11 +10446,11 @@
               <a:buNone/>
             </a:pPr>
             <a:r>
-              <a:rPr lang="en-US" altLang="zh-CN" sz="1400"/>
-              <a:t>Slide 10- </a:t>
+              <a:rPr lang="en-US" altLang="zh-CN" sz="1400" dirty="0" smtClean="0"/>
+              <a:t>Slide 15- </a:t>
             </a:r>
             <a:fld id="{9864EA79-B9B7-47C9-A44C-CA48285F892F}" type="slidenum">
-              <a:rPr lang="en-US" altLang="zh-CN" sz="1400"/>
+              <a:rPr lang="en-US" altLang="zh-CN" sz="1400" smtClean="0"/>
               <a:pPr>
                 <a:spcBef>
                   <a:spcPct val="0"/>
@@ -13291,7 +10462,7 @@
               </a:pPr>
               <a:t>27</a:t>
             </a:fld>
-            <a:endParaRPr lang="en-CA" altLang="zh-CN" sz="1400"/>
+            <a:endParaRPr lang="en-CA" altLang="zh-CN" sz="1400" dirty="0"/>
           </a:p>
         </p:txBody>
       </p:sp>
@@ -13665,11 +10836,11 @@
               <a:buNone/>
             </a:pPr>
             <a:r>
-              <a:rPr lang="en-US" altLang="zh-CN" sz="1400"/>
-              <a:t>Slide 10- </a:t>
+              <a:rPr lang="en-US" altLang="zh-CN" sz="1400" dirty="0" smtClean="0"/>
+              <a:t>Slide 15- </a:t>
             </a:r>
             <a:fld id="{E185D661-7D67-4767-A3E3-BD3B25CC1F7B}" type="slidenum">
-              <a:rPr lang="en-US" altLang="zh-CN" sz="1400"/>
+              <a:rPr lang="en-US" altLang="zh-CN" sz="1400" smtClean="0"/>
               <a:pPr>
                 <a:spcBef>
                   <a:spcPct val="0"/>
@@ -13681,7 +10852,7 @@
               </a:pPr>
               <a:t>28</a:t>
             </a:fld>
-            <a:endParaRPr lang="en-CA" altLang="zh-CN" sz="1400"/>
+            <a:endParaRPr lang="en-CA" altLang="zh-CN" sz="1400" dirty="0"/>
           </a:p>
         </p:txBody>
       </p:sp>
@@ -14027,11 +11198,11 @@
               <a:buNone/>
             </a:pPr>
             <a:r>
-              <a:rPr lang="en-US" altLang="zh-CN" sz="1400"/>
-              <a:t>Slide 10- </a:t>
+              <a:rPr lang="en-US" altLang="zh-CN" sz="1400" dirty="0" smtClean="0"/>
+              <a:t>Slide 15- </a:t>
             </a:r>
             <a:fld id="{440CA549-B1AB-4458-8EBF-AEE69BB75CA7}" type="slidenum">
-              <a:rPr lang="en-US" altLang="zh-CN" sz="1400"/>
+              <a:rPr lang="en-US" altLang="zh-CN" sz="1400" smtClean="0"/>
               <a:pPr>
                 <a:spcBef>
                   <a:spcPct val="0"/>
@@ -14043,7 +11214,7 @@
               </a:pPr>
               <a:t>29</a:t>
             </a:fld>
-            <a:endParaRPr lang="en-CA" altLang="zh-CN" sz="1400"/>
+            <a:endParaRPr lang="en-CA" altLang="zh-CN" sz="1400" dirty="0"/>
           </a:p>
         </p:txBody>
       </p:sp>
@@ -14162,239 +11333,6 @@
           <a:chExt cx="0" cy="0"/>
         </a:xfrm>
       </p:grpSpPr>
-      <p:sp>
-        <p:nvSpPr>
-          <p:cNvPr id="6146" name="灯片编号占位符 3"/>
-          <p:cNvSpPr>
-            <a:spLocks noGrp="1"/>
-          </p:cNvSpPr>
-          <p:nvPr>
-            <p:ph type="sldNum" sz="quarter" idx="10"/>
-          </p:nvPr>
-        </p:nvSpPr>
-        <p:spPr>
-          <a:noFill/>
-          <a:ln/>
-          <a:extLst>
-            <a:ext uri="{909E8E84-426E-40DD-AFC4-6F175D3DCCD1}">
-              <a14:hiddenFill xmlns:a14="http://schemas.microsoft.com/office/drawing/2010/main">
-                <a:solidFill>
-                  <a:srgbClr val="FFFFFF"/>
-                </a:solidFill>
-              </a14:hiddenFill>
-            </a:ext>
-            <a:ext uri="{91240B29-F687-4F45-9708-019B960494DF}">
-              <a14:hiddenLine xmlns:a14="http://schemas.microsoft.com/office/drawing/2010/main" w="9525">
-                <a:solidFill>
-                  <a:srgbClr val="000000"/>
-                </a:solidFill>
-                <a:miter lim="800000"/>
-                <a:headEnd/>
-                <a:tailEnd/>
-              </a14:hiddenLine>
-            </a:ext>
-          </a:extLst>
-        </p:spPr>
-        <p:txBody>
-          <a:bodyPr/>
-          <a:lstStyle>
-            <a:lvl1pPr>
-              <a:spcBef>
-                <a:spcPct val="20000"/>
-              </a:spcBef>
-              <a:buClr>
-                <a:srgbClr val="A50021"/>
-              </a:buClr>
-              <a:buSzPct val="60000"/>
-              <a:buFont typeface="Wingdings" panose="05000000000000000000" pitchFamily="2" charset="2"/>
-              <a:buChar char="n"/>
-              <a:defRPr sz="2800">
-                <a:solidFill>
-                  <a:schemeClr val="tx1"/>
-                </a:solidFill>
-                <a:latin typeface="Arial" panose="020B0604020202020204" pitchFamily="34" charset="0"/>
-              </a:defRPr>
-            </a:lvl1pPr>
-            <a:lvl2pPr marL="742950" indent="-285750">
-              <a:spcBef>
-                <a:spcPct val="20000"/>
-              </a:spcBef>
-              <a:buClr>
-                <a:srgbClr val="02B2CA"/>
-              </a:buClr>
-              <a:buSzPct val="55000"/>
-              <a:buFont typeface="Wingdings" panose="05000000000000000000" pitchFamily="2" charset="2"/>
-              <a:buChar char="n"/>
-              <a:defRPr sz="2800">
-                <a:solidFill>
-                  <a:schemeClr val="tx1"/>
-                </a:solidFill>
-                <a:latin typeface="Arial" panose="020B0604020202020204" pitchFamily="34" charset="0"/>
-              </a:defRPr>
-            </a:lvl2pPr>
-            <a:lvl3pPr marL="1143000" indent="-228600">
-              <a:spcBef>
-                <a:spcPct val="20000"/>
-              </a:spcBef>
-              <a:buClr>
-                <a:srgbClr val="A50021"/>
-              </a:buClr>
-              <a:buSzPct val="50000"/>
-              <a:buFont typeface="Wingdings" panose="05000000000000000000" pitchFamily="2" charset="2"/>
-              <a:buChar char="n"/>
-              <a:defRPr sz="2400">
-                <a:solidFill>
-                  <a:schemeClr val="tx1"/>
-                </a:solidFill>
-                <a:latin typeface="Arial" panose="020B0604020202020204" pitchFamily="34" charset="0"/>
-              </a:defRPr>
-            </a:lvl3pPr>
-            <a:lvl4pPr marL="1600200" indent="-228600">
-              <a:spcBef>
-                <a:spcPct val="20000"/>
-              </a:spcBef>
-              <a:buClr>
-                <a:srgbClr val="02B2CA"/>
-              </a:buClr>
-              <a:buSzPct val="55000"/>
-              <a:buFont typeface="Wingdings" panose="05000000000000000000" pitchFamily="2" charset="2"/>
-              <a:buChar char="n"/>
-              <a:defRPr sz="2000">
-                <a:solidFill>
-                  <a:schemeClr val="tx1"/>
-                </a:solidFill>
-                <a:latin typeface="Arial" panose="020B0604020202020204" pitchFamily="34" charset="0"/>
-              </a:defRPr>
-            </a:lvl4pPr>
-            <a:lvl5pPr marL="2057400" indent="-228600">
-              <a:spcBef>
-                <a:spcPct val="20000"/>
-              </a:spcBef>
-              <a:buClr>
-                <a:srgbClr val="A50021"/>
-              </a:buClr>
-              <a:buSzPct val="50000"/>
-              <a:buFont typeface="Wingdings" panose="05000000000000000000" pitchFamily="2" charset="2"/>
-              <a:buChar char="n"/>
-              <a:defRPr sz="2000">
-                <a:solidFill>
-                  <a:schemeClr val="tx1"/>
-                </a:solidFill>
-                <a:latin typeface="Arial" panose="020B0604020202020204" pitchFamily="34" charset="0"/>
-              </a:defRPr>
-            </a:lvl5pPr>
-            <a:lvl6pPr marL="2514600" indent="-228600" eaLnBrk="0" fontAlgn="base" hangingPunct="0">
-              <a:spcBef>
-                <a:spcPct val="20000"/>
-              </a:spcBef>
-              <a:spcAft>
-                <a:spcPct val="0"/>
-              </a:spcAft>
-              <a:buClr>
-                <a:srgbClr val="A50021"/>
-              </a:buClr>
-              <a:buSzPct val="50000"/>
-              <a:buFont typeface="Wingdings" panose="05000000000000000000" pitchFamily="2" charset="2"/>
-              <a:buChar char="n"/>
-              <a:defRPr sz="2000">
-                <a:solidFill>
-                  <a:schemeClr val="tx1"/>
-                </a:solidFill>
-                <a:latin typeface="Arial" panose="020B0604020202020204" pitchFamily="34" charset="0"/>
-              </a:defRPr>
-            </a:lvl6pPr>
-            <a:lvl7pPr marL="2971800" indent="-228600" eaLnBrk="0" fontAlgn="base" hangingPunct="0">
-              <a:spcBef>
-                <a:spcPct val="20000"/>
-              </a:spcBef>
-              <a:spcAft>
-                <a:spcPct val="0"/>
-              </a:spcAft>
-              <a:buClr>
-                <a:srgbClr val="A50021"/>
-              </a:buClr>
-              <a:buSzPct val="50000"/>
-              <a:buFont typeface="Wingdings" panose="05000000000000000000" pitchFamily="2" charset="2"/>
-              <a:buChar char="n"/>
-              <a:defRPr sz="2000">
-                <a:solidFill>
-                  <a:schemeClr val="tx1"/>
-                </a:solidFill>
-                <a:latin typeface="Arial" panose="020B0604020202020204" pitchFamily="34" charset="0"/>
-              </a:defRPr>
-            </a:lvl7pPr>
-            <a:lvl8pPr marL="3429000" indent="-228600" eaLnBrk="0" fontAlgn="base" hangingPunct="0">
-              <a:spcBef>
-                <a:spcPct val="20000"/>
-              </a:spcBef>
-              <a:spcAft>
-                <a:spcPct val="0"/>
-              </a:spcAft>
-              <a:buClr>
-                <a:srgbClr val="A50021"/>
-              </a:buClr>
-              <a:buSzPct val="50000"/>
-              <a:buFont typeface="Wingdings" panose="05000000000000000000" pitchFamily="2" charset="2"/>
-              <a:buChar char="n"/>
-              <a:defRPr sz="2000">
-                <a:solidFill>
-                  <a:schemeClr val="tx1"/>
-                </a:solidFill>
-                <a:latin typeface="Arial" panose="020B0604020202020204" pitchFamily="34" charset="0"/>
-              </a:defRPr>
-            </a:lvl8pPr>
-            <a:lvl9pPr marL="3886200" indent="-228600" eaLnBrk="0" fontAlgn="base" hangingPunct="0">
-              <a:spcBef>
-                <a:spcPct val="20000"/>
-              </a:spcBef>
-              <a:spcAft>
-                <a:spcPct val="0"/>
-              </a:spcAft>
-              <a:buClr>
-                <a:srgbClr val="A50021"/>
-              </a:buClr>
-              <a:buSzPct val="50000"/>
-              <a:buFont typeface="Wingdings" panose="05000000000000000000" pitchFamily="2" charset="2"/>
-              <a:buChar char="n"/>
-              <a:defRPr sz="2000">
-                <a:solidFill>
-                  <a:schemeClr val="tx1"/>
-                </a:solidFill>
-                <a:latin typeface="Arial" panose="020B0604020202020204" pitchFamily="34" charset="0"/>
-              </a:defRPr>
-            </a:lvl9pPr>
-          </a:lstStyle>
-          <a:p>
-            <a:pPr>
-              <a:spcBef>
-                <a:spcPct val="0"/>
-              </a:spcBef>
-              <a:buClrTx/>
-              <a:buSzTx/>
-              <a:buFontTx/>
-              <a:buNone/>
-            </a:pPr>
-            <a:r>
-              <a:rPr lang="en-US" altLang="zh-CN" sz="1400"/>
-              <a:t>Slide 10- </a:t>
-            </a:r>
-            <a:fld id="{4D304BA1-C439-4C86-ADA0-4F3E73CA2FDC}" type="slidenum">
-              <a:rPr lang="en-US" altLang="zh-CN" sz="1400"/>
-              <a:pPr>
-                <a:spcBef>
-                  <a:spcPct val="0"/>
-                </a:spcBef>
-                <a:buClrTx/>
-                <a:buSzTx/>
-                <a:buFontTx/>
-                <a:buNone/>
-              </a:pPr>
-              <a:t>3</a:t>
-            </a:fld>
-            <a:endParaRPr lang="en-CA" altLang="zh-CN" sz="1400"/>
-          </a:p>
-        </p:txBody>
-      </p:sp>
       <p:sp>
         <p:nvSpPr>
           <p:cNvPr id="6147" name="Rectangle 2"/>
@@ -14729,11 +11667,11 @@
               <a:buNone/>
             </a:pPr>
             <a:r>
-              <a:rPr lang="en-US" altLang="zh-CN" sz="1400"/>
-              <a:t>Slide 10- </a:t>
+              <a:rPr lang="en-US" altLang="zh-CN" sz="1400" dirty="0" smtClean="0"/>
+              <a:t>Slide 15- </a:t>
             </a:r>
             <a:fld id="{B4E7F34E-AE26-4420-A776-DE6CE681AA80}" type="slidenum">
-              <a:rPr lang="en-US" altLang="zh-CN" sz="1400"/>
+              <a:rPr lang="en-US" altLang="zh-CN" sz="1400" smtClean="0"/>
               <a:pPr>
                 <a:spcBef>
                   <a:spcPct val="0"/>
@@ -14745,7 +11683,7 @@
               </a:pPr>
               <a:t>30</a:t>
             </a:fld>
-            <a:endParaRPr lang="en-CA" altLang="zh-CN" sz="1400"/>
+            <a:endParaRPr lang="en-CA" altLang="zh-CN" sz="1400" dirty="0"/>
           </a:p>
         </p:txBody>
       </p:sp>
@@ -15071,11 +12009,11 @@
               <a:buNone/>
             </a:pPr>
             <a:r>
-              <a:rPr lang="en-US" altLang="zh-CN" sz="1400"/>
-              <a:t>Slide 10- </a:t>
+              <a:rPr lang="en-US" altLang="zh-CN" sz="1400" dirty="0" smtClean="0"/>
+              <a:t>Slide 15- </a:t>
             </a:r>
             <a:fld id="{E3D42562-A3D0-4378-9C42-932C9D304DCD}" type="slidenum">
-              <a:rPr lang="en-US" altLang="zh-CN" sz="1400"/>
+              <a:rPr lang="en-US" altLang="zh-CN" sz="1400" smtClean="0"/>
               <a:pPr>
                 <a:spcBef>
                   <a:spcPct val="0"/>
@@ -15087,7 +12025,7 @@
               </a:pPr>
               <a:t>31</a:t>
             </a:fld>
-            <a:endParaRPr lang="en-CA" altLang="zh-CN" sz="1400"/>
+            <a:endParaRPr lang="en-CA" altLang="zh-CN" sz="1400" dirty="0"/>
           </a:p>
         </p:txBody>
       </p:sp>
@@ -15417,11 +12355,11 @@
               <a:buNone/>
             </a:pPr>
             <a:r>
-              <a:rPr lang="en-US" altLang="zh-CN" sz="1400"/>
-              <a:t>Slide 10- </a:t>
+              <a:rPr lang="en-US" altLang="zh-CN" sz="1400" dirty="0" smtClean="0"/>
+              <a:t>Slide 15- </a:t>
             </a:r>
             <a:fld id="{90AD0EE0-2D04-42CC-865A-9CDE75CAFB5A}" type="slidenum">
-              <a:rPr lang="en-US" altLang="zh-CN" sz="1400"/>
+              <a:rPr lang="en-US" altLang="zh-CN" sz="1400" smtClean="0"/>
               <a:pPr>
                 <a:spcBef>
                   <a:spcPct val="0"/>
@@ -15433,7 +12371,7 @@
               </a:pPr>
               <a:t>32</a:t>
             </a:fld>
-            <a:endParaRPr lang="en-CA" altLang="zh-CN" sz="1400"/>
+            <a:endParaRPr lang="en-CA" altLang="zh-CN" sz="1400" dirty="0"/>
           </a:p>
         </p:txBody>
       </p:sp>
@@ -15877,11 +12815,11 @@
               <a:buNone/>
             </a:pPr>
             <a:r>
-              <a:rPr lang="en-US" altLang="zh-CN" sz="1400"/>
-              <a:t>Slide 10- </a:t>
+              <a:rPr lang="en-US" altLang="zh-CN" sz="1400" dirty="0" smtClean="0"/>
+              <a:t>Slide 15- </a:t>
             </a:r>
             <a:fld id="{9AB2029B-6D84-40B5-A24D-A51A913A606D}" type="slidenum">
-              <a:rPr lang="en-US" altLang="zh-CN" sz="1400"/>
+              <a:rPr lang="en-US" altLang="zh-CN" sz="1400" smtClean="0"/>
               <a:pPr>
                 <a:spcBef>
                   <a:spcPct val="0"/>
@@ -15893,7 +12831,7 @@
               </a:pPr>
               <a:t>33</a:t>
             </a:fld>
-            <a:endParaRPr lang="en-CA" altLang="zh-CN" sz="1400"/>
+            <a:endParaRPr lang="en-CA" altLang="zh-CN" sz="1400" dirty="0"/>
           </a:p>
         </p:txBody>
       </p:sp>
@@ -16294,11 +13232,11 @@
               <a:buNone/>
             </a:pPr>
             <a:r>
-              <a:rPr lang="en-US" altLang="zh-CN" sz="1400"/>
-              <a:t>Slide 10- </a:t>
+              <a:rPr lang="en-US" altLang="zh-CN" sz="1400" dirty="0" smtClean="0"/>
+              <a:t>Slide 15- </a:t>
             </a:r>
             <a:fld id="{90EC13E7-5975-4D33-B2B6-C8D2E15BC953}" type="slidenum">
-              <a:rPr lang="en-US" altLang="zh-CN" sz="1400"/>
+              <a:rPr lang="en-US" altLang="zh-CN" sz="1400" smtClean="0"/>
               <a:pPr>
                 <a:spcBef>
                   <a:spcPct val="0"/>
@@ -16310,7 +13248,7 @@
               </a:pPr>
               <a:t>34</a:t>
             </a:fld>
-            <a:endParaRPr lang="en-CA" altLang="zh-CN" sz="1400"/>
+            <a:endParaRPr lang="en-CA" altLang="zh-CN" sz="1400" dirty="0"/>
           </a:p>
         </p:txBody>
       </p:sp>
@@ -16645,11 +13583,11 @@
               <a:buNone/>
             </a:pPr>
             <a:r>
-              <a:rPr lang="en-US" altLang="zh-CN" sz="1400"/>
-              <a:t>Slide 10- </a:t>
+              <a:rPr lang="en-US" altLang="zh-CN" sz="1400" dirty="0" smtClean="0"/>
+              <a:t>Slide 15- </a:t>
             </a:r>
             <a:fld id="{E0F94050-22A5-4486-A116-029E4529B64B}" type="slidenum">
-              <a:rPr lang="en-US" altLang="zh-CN" sz="1400"/>
+              <a:rPr lang="en-US" altLang="zh-CN" sz="1400" smtClean="0"/>
               <a:pPr>
                 <a:spcBef>
                   <a:spcPct val="0"/>
@@ -16661,7 +13599,7 @@
               </a:pPr>
               <a:t>35</a:t>
             </a:fld>
-            <a:endParaRPr lang="en-CA" altLang="zh-CN" sz="1400"/>
+            <a:endParaRPr lang="en-CA" altLang="zh-CN" sz="1400" dirty="0"/>
           </a:p>
         </p:txBody>
       </p:sp>
@@ -17135,11 +14073,11 @@
               <a:buNone/>
             </a:pPr>
             <a:r>
-              <a:rPr lang="en-US" altLang="zh-CN" sz="1400"/>
-              <a:t>Slide 10- </a:t>
+              <a:rPr lang="en-US" altLang="zh-CN" sz="1400" dirty="0" smtClean="0"/>
+              <a:t>Slide 15- </a:t>
             </a:r>
             <a:fld id="{30CA84AA-909D-472B-AC1F-BF587A860AE9}" type="slidenum">
-              <a:rPr lang="en-US" altLang="zh-CN" sz="1400"/>
+              <a:rPr lang="en-US" altLang="zh-CN" sz="1400" smtClean="0"/>
               <a:pPr>
                 <a:spcBef>
                   <a:spcPct val="0"/>
@@ -17151,7 +14089,7 @@
               </a:pPr>
               <a:t>37</a:t>
             </a:fld>
-            <a:endParaRPr lang="en-CA" altLang="zh-CN" sz="1400"/>
+            <a:endParaRPr lang="en-CA" altLang="zh-CN" sz="1400" dirty="0"/>
           </a:p>
         </p:txBody>
       </p:sp>
@@ -17577,11 +14515,11 @@
               <a:buNone/>
             </a:pPr>
             <a:r>
-              <a:rPr lang="en-US" altLang="zh-CN" sz="1400"/>
-              <a:t>Slide 10- </a:t>
+              <a:rPr lang="en-US" altLang="zh-CN" sz="1400" dirty="0" smtClean="0"/>
+              <a:t>Slide 15- </a:t>
             </a:r>
             <a:fld id="{27FA1554-94F8-4EA3-87F6-3C29EEB3976D}" type="slidenum">
-              <a:rPr lang="en-US" altLang="zh-CN" sz="1400"/>
+              <a:rPr lang="en-US" altLang="zh-CN" sz="1400" smtClean="0"/>
               <a:pPr>
                 <a:spcBef>
                   <a:spcPct val="0"/>
@@ -17593,7 +14531,7 @@
               </a:pPr>
               <a:t>39</a:t>
             </a:fld>
-            <a:endParaRPr lang="en-CA" altLang="zh-CN" sz="1400"/>
+            <a:endParaRPr lang="en-CA" altLang="zh-CN" sz="1400" dirty="0"/>
           </a:p>
         </p:txBody>
       </p:sp>
@@ -18026,11 +14964,11 @@
               <a:buNone/>
             </a:pPr>
             <a:r>
-              <a:rPr lang="en-US" altLang="zh-CN" sz="1400"/>
-              <a:t>Slide 10- </a:t>
+              <a:rPr lang="en-US" altLang="zh-CN" sz="1400" dirty="0" smtClean="0"/>
+              <a:t>Slide 15- </a:t>
             </a:r>
             <a:fld id="{0680659E-F99B-44F6-AD39-CF711204D77C}" type="slidenum">
-              <a:rPr lang="en-US" altLang="zh-CN" sz="1400"/>
+              <a:rPr lang="en-US" altLang="zh-CN" sz="1400" smtClean="0"/>
               <a:pPr>
                 <a:spcBef>
                   <a:spcPct val="0"/>
@@ -18042,7 +14980,7 @@
               </a:pPr>
               <a:t>40</a:t>
             </a:fld>
-            <a:endParaRPr lang="en-CA" altLang="zh-CN" sz="1400"/>
+            <a:endParaRPr lang="en-CA" altLang="zh-CN" sz="1400" dirty="0"/>
           </a:p>
         </p:txBody>
       </p:sp>
@@ -18390,11 +15328,11 @@
               <a:buNone/>
             </a:pPr>
             <a:r>
-              <a:rPr lang="en-US" altLang="zh-CN" sz="1400"/>
-              <a:t>Slide 10- </a:t>
+              <a:rPr lang="en-US" altLang="zh-CN" sz="1400" dirty="0" smtClean="0"/>
+              <a:t>Slide 15- </a:t>
             </a:r>
             <a:fld id="{2929237D-CBDF-4818-A374-E5CB47ADA02B}" type="slidenum">
-              <a:rPr lang="en-US" altLang="zh-CN" sz="1400"/>
+              <a:rPr lang="en-US" altLang="zh-CN" sz="1400" smtClean="0"/>
               <a:pPr>
                 <a:spcBef>
                   <a:spcPct val="0"/>
@@ -18406,7 +15344,7 @@
               </a:pPr>
               <a:t>41</a:t>
             </a:fld>
-            <a:endParaRPr lang="en-CA" altLang="zh-CN" sz="1400"/>
+            <a:endParaRPr lang="en-CA" altLang="zh-CN" sz="1400" dirty="0"/>
           </a:p>
         </p:txBody>
       </p:sp>
@@ -18737,11 +15675,11 @@
               <a:buNone/>
             </a:pPr>
             <a:r>
-              <a:rPr lang="en-US" altLang="zh-CN" sz="1400"/>
-              <a:t>Slide 10- </a:t>
+              <a:rPr lang="en-US" altLang="zh-CN" sz="1400" dirty="0" smtClean="0"/>
+              <a:t>Slide 15- </a:t>
             </a:r>
             <a:fld id="{1C3E42C1-EA00-4AD1-947E-5069871DBF61}" type="slidenum">
-              <a:rPr lang="en-US" altLang="zh-CN" sz="1400"/>
+              <a:rPr lang="en-US" altLang="zh-CN" sz="1400" smtClean="0"/>
               <a:pPr>
                 <a:spcBef>
                   <a:spcPct val="0"/>
@@ -18753,7 +15691,7 @@
               </a:pPr>
               <a:t>42</a:t>
             </a:fld>
-            <a:endParaRPr lang="en-CA" altLang="zh-CN" sz="1400"/>
+            <a:endParaRPr lang="en-CA" altLang="zh-CN" sz="1400" dirty="0"/>
           </a:p>
         </p:txBody>
       </p:sp>
@@ -19143,11 +16081,11 @@
               <a:buNone/>
             </a:pPr>
             <a:r>
-              <a:rPr lang="en-US" altLang="zh-CN" sz="1400"/>
-              <a:t>Slide 10- </a:t>
+              <a:rPr lang="en-US" altLang="zh-CN" sz="1400" dirty="0" smtClean="0"/>
+              <a:t>Slide 15- </a:t>
             </a:r>
             <a:fld id="{ABAA34CE-A6A4-4B5D-B505-FF726367A370}" type="slidenum">
-              <a:rPr lang="en-US" altLang="zh-CN" sz="1400"/>
+              <a:rPr lang="en-US" altLang="zh-CN" sz="1400" smtClean="0"/>
               <a:pPr>
                 <a:spcBef>
                   <a:spcPct val="0"/>
@@ -19159,7 +16097,7 @@
               </a:pPr>
               <a:t>43</a:t>
             </a:fld>
-            <a:endParaRPr lang="en-CA" altLang="zh-CN" sz="1400"/>
+            <a:endParaRPr lang="en-CA" altLang="zh-CN" sz="1400" dirty="0"/>
           </a:p>
         </p:txBody>
       </p:sp>
@@ -19508,11 +16446,11 @@
               <a:buNone/>
             </a:pPr>
             <a:r>
-              <a:rPr lang="en-US" altLang="zh-CN" sz="1400"/>
-              <a:t>Slide 10- </a:t>
+              <a:rPr lang="en-US" altLang="zh-CN" sz="1400" dirty="0" smtClean="0"/>
+              <a:t>Slide 15- </a:t>
             </a:r>
             <a:fld id="{C9BD12AA-D4B6-4ED5-B56B-CED350FB8150}" type="slidenum">
-              <a:rPr lang="en-US" altLang="zh-CN" sz="1400"/>
+              <a:rPr lang="en-US" altLang="zh-CN" sz="1400" smtClean="0"/>
               <a:pPr>
                 <a:spcBef>
                   <a:spcPct val="0"/>
@@ -19524,7 +16462,7 @@
               </a:pPr>
               <a:t>44</a:t>
             </a:fld>
-            <a:endParaRPr lang="en-CA" altLang="zh-CN" sz="1400"/>
+            <a:endParaRPr lang="en-CA" altLang="zh-CN" sz="1400" dirty="0"/>
           </a:p>
         </p:txBody>
       </p:sp>
@@ -20554,11 +17492,11 @@
               <a:buNone/>
             </a:pPr>
             <a:r>
-              <a:rPr lang="en-US" altLang="zh-CN" sz="1400"/>
-              <a:t>Slide 10- </a:t>
+              <a:rPr lang="en-US" altLang="zh-CN" sz="1400" dirty="0" smtClean="0"/>
+              <a:t>Slide 15- </a:t>
             </a:r>
             <a:fld id="{9B341B2C-F28D-4E28-8AC6-FDCB9891BDA9}" type="slidenum">
-              <a:rPr lang="en-US" altLang="zh-CN" sz="1400"/>
+              <a:rPr lang="en-US" altLang="zh-CN" sz="1400" smtClean="0"/>
               <a:pPr>
                 <a:spcBef>
                   <a:spcPct val="0"/>
@@ -20570,7 +17508,7 @@
               </a:pPr>
               <a:t>45</a:t>
             </a:fld>
-            <a:endParaRPr lang="en-CA" altLang="zh-CN" sz="1400"/>
+            <a:endParaRPr lang="en-CA" altLang="zh-CN" sz="1400" dirty="0"/>
           </a:p>
         </p:txBody>
       </p:sp>
@@ -21966,11 +18904,11 @@
               <a:buNone/>
             </a:pPr>
             <a:r>
-              <a:rPr lang="en-US" altLang="zh-CN" sz="1400"/>
-              <a:t>Slide 10- </a:t>
+              <a:rPr lang="en-US" altLang="zh-CN" sz="1400" dirty="0" smtClean="0"/>
+              <a:t>Slide 15- </a:t>
             </a:r>
             <a:fld id="{6A062A93-C3BD-486C-AC71-C0BBADF7B681}" type="slidenum">
-              <a:rPr lang="en-US" altLang="zh-CN" sz="1400"/>
+              <a:rPr lang="en-US" altLang="zh-CN" sz="1400" smtClean="0"/>
               <a:pPr>
                 <a:spcBef>
                   <a:spcPct val="0"/>
@@ -21982,7 +18920,7 @@
               </a:pPr>
               <a:t>49</a:t>
             </a:fld>
-            <a:endParaRPr lang="en-CA" altLang="zh-CN" sz="1400"/>
+            <a:endParaRPr lang="en-CA" altLang="zh-CN" sz="1400" dirty="0"/>
           </a:p>
         </p:txBody>
       </p:sp>
@@ -22141,239 +19079,6 @@
           <a:chExt cx="0" cy="0"/>
         </a:xfrm>
       </p:grpSpPr>
-      <p:sp>
-        <p:nvSpPr>
-          <p:cNvPr id="8194" name="灯片编号占位符 3"/>
-          <p:cNvSpPr>
-            <a:spLocks noGrp="1"/>
-          </p:cNvSpPr>
-          <p:nvPr>
-            <p:ph type="sldNum" sz="quarter" idx="10"/>
-          </p:nvPr>
-        </p:nvSpPr>
-        <p:spPr>
-          <a:noFill/>
-          <a:ln/>
-          <a:extLst>
-            <a:ext uri="{909E8E84-426E-40DD-AFC4-6F175D3DCCD1}">
-              <a14:hiddenFill xmlns:a14="http://schemas.microsoft.com/office/drawing/2010/main">
-                <a:solidFill>
-                  <a:srgbClr val="FFFFFF"/>
-                </a:solidFill>
-              </a14:hiddenFill>
-            </a:ext>
-            <a:ext uri="{91240B29-F687-4F45-9708-019B960494DF}">
-              <a14:hiddenLine xmlns:a14="http://schemas.microsoft.com/office/drawing/2010/main" w="9525">
-                <a:solidFill>
-                  <a:srgbClr val="000000"/>
-                </a:solidFill>
-                <a:miter lim="800000"/>
-                <a:headEnd/>
-                <a:tailEnd/>
-              </a14:hiddenLine>
-            </a:ext>
-          </a:extLst>
-        </p:spPr>
-        <p:txBody>
-          <a:bodyPr/>
-          <a:lstStyle>
-            <a:lvl1pPr>
-              <a:spcBef>
-                <a:spcPct val="20000"/>
-              </a:spcBef>
-              <a:buClr>
-                <a:srgbClr val="A50021"/>
-              </a:buClr>
-              <a:buSzPct val="60000"/>
-              <a:buFont typeface="Wingdings" panose="05000000000000000000" pitchFamily="2" charset="2"/>
-              <a:buChar char="n"/>
-              <a:defRPr sz="2800">
-                <a:solidFill>
-                  <a:schemeClr val="tx1"/>
-                </a:solidFill>
-                <a:latin typeface="Arial" panose="020B0604020202020204" pitchFamily="34" charset="0"/>
-              </a:defRPr>
-            </a:lvl1pPr>
-            <a:lvl2pPr marL="742950" indent="-285750">
-              <a:spcBef>
-                <a:spcPct val="20000"/>
-              </a:spcBef>
-              <a:buClr>
-                <a:srgbClr val="02B2CA"/>
-              </a:buClr>
-              <a:buSzPct val="55000"/>
-              <a:buFont typeface="Wingdings" panose="05000000000000000000" pitchFamily="2" charset="2"/>
-              <a:buChar char="n"/>
-              <a:defRPr sz="2800">
-                <a:solidFill>
-                  <a:schemeClr val="tx1"/>
-                </a:solidFill>
-                <a:latin typeface="Arial" panose="020B0604020202020204" pitchFamily="34" charset="0"/>
-              </a:defRPr>
-            </a:lvl2pPr>
-            <a:lvl3pPr marL="1143000" indent="-228600">
-              <a:spcBef>
-                <a:spcPct val="20000"/>
-              </a:spcBef>
-              <a:buClr>
-                <a:srgbClr val="A50021"/>
-              </a:buClr>
-              <a:buSzPct val="50000"/>
-              <a:buFont typeface="Wingdings" panose="05000000000000000000" pitchFamily="2" charset="2"/>
-              <a:buChar char="n"/>
-              <a:defRPr sz="2400">
-                <a:solidFill>
-                  <a:schemeClr val="tx1"/>
-                </a:solidFill>
-                <a:latin typeface="Arial" panose="020B0604020202020204" pitchFamily="34" charset="0"/>
-              </a:defRPr>
-            </a:lvl3pPr>
-            <a:lvl4pPr marL="1600200" indent="-228600">
-              <a:spcBef>
-                <a:spcPct val="20000"/>
-              </a:spcBef>
-              <a:buClr>
-                <a:srgbClr val="02B2CA"/>
-              </a:buClr>
-              <a:buSzPct val="55000"/>
-              <a:buFont typeface="Wingdings" panose="05000000000000000000" pitchFamily="2" charset="2"/>
-              <a:buChar char="n"/>
-              <a:defRPr sz="2000">
-                <a:solidFill>
-                  <a:schemeClr val="tx1"/>
-                </a:solidFill>
-                <a:latin typeface="Arial" panose="020B0604020202020204" pitchFamily="34" charset="0"/>
-              </a:defRPr>
-            </a:lvl4pPr>
-            <a:lvl5pPr marL="2057400" indent="-228600">
-              <a:spcBef>
-                <a:spcPct val="20000"/>
-              </a:spcBef>
-              <a:buClr>
-                <a:srgbClr val="A50021"/>
-              </a:buClr>
-              <a:buSzPct val="50000"/>
-              <a:buFont typeface="Wingdings" panose="05000000000000000000" pitchFamily="2" charset="2"/>
-              <a:buChar char="n"/>
-              <a:defRPr sz="2000">
-                <a:solidFill>
-                  <a:schemeClr val="tx1"/>
-                </a:solidFill>
-                <a:latin typeface="Arial" panose="020B0604020202020204" pitchFamily="34" charset="0"/>
-              </a:defRPr>
-            </a:lvl5pPr>
-            <a:lvl6pPr marL="2514600" indent="-228600" eaLnBrk="0" fontAlgn="base" hangingPunct="0">
-              <a:spcBef>
-                <a:spcPct val="20000"/>
-              </a:spcBef>
-              <a:spcAft>
-                <a:spcPct val="0"/>
-              </a:spcAft>
-              <a:buClr>
-                <a:srgbClr val="A50021"/>
-              </a:buClr>
-              <a:buSzPct val="50000"/>
-              <a:buFont typeface="Wingdings" panose="05000000000000000000" pitchFamily="2" charset="2"/>
-              <a:buChar char="n"/>
-              <a:defRPr sz="2000">
-                <a:solidFill>
-                  <a:schemeClr val="tx1"/>
-                </a:solidFill>
-                <a:latin typeface="Arial" panose="020B0604020202020204" pitchFamily="34" charset="0"/>
-              </a:defRPr>
-            </a:lvl6pPr>
-            <a:lvl7pPr marL="2971800" indent="-228600" eaLnBrk="0" fontAlgn="base" hangingPunct="0">
-              <a:spcBef>
-                <a:spcPct val="20000"/>
-              </a:spcBef>
-              <a:spcAft>
-                <a:spcPct val="0"/>
-              </a:spcAft>
-              <a:buClr>
-                <a:srgbClr val="A50021"/>
-              </a:buClr>
-              <a:buSzPct val="50000"/>
-              <a:buFont typeface="Wingdings" panose="05000000000000000000" pitchFamily="2" charset="2"/>
-              <a:buChar char="n"/>
-              <a:defRPr sz="2000">
-                <a:solidFill>
-                  <a:schemeClr val="tx1"/>
-                </a:solidFill>
-                <a:latin typeface="Arial" panose="020B0604020202020204" pitchFamily="34" charset="0"/>
-              </a:defRPr>
-            </a:lvl7pPr>
-            <a:lvl8pPr marL="3429000" indent="-228600" eaLnBrk="0" fontAlgn="base" hangingPunct="0">
-              <a:spcBef>
-                <a:spcPct val="20000"/>
-              </a:spcBef>
-              <a:spcAft>
-                <a:spcPct val="0"/>
-              </a:spcAft>
-              <a:buClr>
-                <a:srgbClr val="A50021"/>
-              </a:buClr>
-              <a:buSzPct val="50000"/>
-              <a:buFont typeface="Wingdings" panose="05000000000000000000" pitchFamily="2" charset="2"/>
-              <a:buChar char="n"/>
-              <a:defRPr sz="2000">
-                <a:solidFill>
-                  <a:schemeClr val="tx1"/>
-                </a:solidFill>
-                <a:latin typeface="Arial" panose="020B0604020202020204" pitchFamily="34" charset="0"/>
-              </a:defRPr>
-            </a:lvl8pPr>
-            <a:lvl9pPr marL="3886200" indent="-228600" eaLnBrk="0" fontAlgn="base" hangingPunct="0">
-              <a:spcBef>
-                <a:spcPct val="20000"/>
-              </a:spcBef>
-              <a:spcAft>
-                <a:spcPct val="0"/>
-              </a:spcAft>
-              <a:buClr>
-                <a:srgbClr val="A50021"/>
-              </a:buClr>
-              <a:buSzPct val="50000"/>
-              <a:buFont typeface="Wingdings" panose="05000000000000000000" pitchFamily="2" charset="2"/>
-              <a:buChar char="n"/>
-              <a:defRPr sz="2000">
-                <a:solidFill>
-                  <a:schemeClr val="tx1"/>
-                </a:solidFill>
-                <a:latin typeface="Arial" panose="020B0604020202020204" pitchFamily="34" charset="0"/>
-              </a:defRPr>
-            </a:lvl9pPr>
-          </a:lstStyle>
-          <a:p>
-            <a:pPr>
-              <a:spcBef>
-                <a:spcPct val="0"/>
-              </a:spcBef>
-              <a:buClrTx/>
-              <a:buSzTx/>
-              <a:buFontTx/>
-              <a:buNone/>
-            </a:pPr>
-            <a:r>
-              <a:rPr lang="en-US" altLang="zh-CN" sz="1400"/>
-              <a:t>Slide 10- </a:t>
-            </a:r>
-            <a:fld id="{5CF9EB43-AD04-44BD-A3C3-B546A5121F24}" type="slidenum">
-              <a:rPr lang="en-US" altLang="zh-CN" sz="1400"/>
-              <a:pPr>
-                <a:spcBef>
-                  <a:spcPct val="0"/>
-                </a:spcBef>
-                <a:buClrTx/>
-                <a:buSzTx/>
-                <a:buFontTx/>
-                <a:buNone/>
-              </a:pPr>
-              <a:t>5</a:t>
-            </a:fld>
-            <a:endParaRPr lang="en-CA" altLang="zh-CN" sz="1400"/>
-          </a:p>
-        </p:txBody>
-      </p:sp>
       <p:sp>
         <p:nvSpPr>
           <p:cNvPr id="8195" name="Rectangle 3"/>
@@ -22714,11 +19419,11 @@
               <a:buNone/>
             </a:pPr>
             <a:r>
-              <a:rPr lang="en-US" altLang="zh-CN" sz="1400"/>
-              <a:t>Slide 10- </a:t>
+              <a:rPr lang="en-US" altLang="zh-CN" sz="1400" dirty="0" smtClean="0"/>
+              <a:t>Slide 15- </a:t>
             </a:r>
             <a:fld id="{818B1189-9D54-4767-86D9-D0C668261F43}" type="slidenum">
-              <a:rPr lang="en-US" altLang="zh-CN" sz="1400"/>
+              <a:rPr lang="en-US" altLang="zh-CN" sz="1400" smtClean="0"/>
               <a:pPr>
                 <a:spcBef>
                   <a:spcPct val="0"/>
@@ -22730,7 +19435,7 @@
               </a:pPr>
               <a:t>50</a:t>
             </a:fld>
-            <a:endParaRPr lang="en-CA" altLang="zh-CN" sz="1400"/>
+            <a:endParaRPr lang="en-CA" altLang="zh-CN" sz="1400" dirty="0"/>
           </a:p>
         </p:txBody>
       </p:sp>
@@ -23282,11 +19987,11 @@
               <a:buNone/>
             </a:pPr>
             <a:r>
-              <a:rPr lang="en-US" altLang="zh-CN" sz="1400"/>
-              <a:t>Slide 10- </a:t>
+              <a:rPr lang="en-US" altLang="zh-CN" sz="1400" dirty="0" smtClean="0"/>
+              <a:t>Slide 15- </a:t>
             </a:r>
             <a:fld id="{77DA4595-2ABF-403E-83A1-8DA3BB193CCC}" type="slidenum">
-              <a:rPr lang="en-US" altLang="zh-CN" sz="1400"/>
+              <a:rPr lang="en-US" altLang="zh-CN" sz="1400" smtClean="0"/>
               <a:pPr>
                 <a:spcBef>
                   <a:spcPct val="0"/>
@@ -23298,7 +20003,7 @@
               </a:pPr>
               <a:t>51</a:t>
             </a:fld>
-            <a:endParaRPr lang="en-CA" altLang="zh-CN" sz="1400"/>
+            <a:endParaRPr lang="en-CA" altLang="zh-CN" sz="1400" dirty="0"/>
           </a:p>
         </p:txBody>
       </p:sp>
@@ -23695,11 +20400,11 @@
               <a:buNone/>
             </a:pPr>
             <a:r>
-              <a:rPr lang="en-US" altLang="zh-CN" sz="1400"/>
-              <a:t>Slide 10- </a:t>
+              <a:rPr lang="en-US" altLang="zh-CN" sz="1400" dirty="0" smtClean="0"/>
+              <a:t>Slide 15- </a:t>
             </a:r>
             <a:fld id="{81D03421-1AA1-4A96-9145-A63BC1D5C26D}" type="slidenum">
-              <a:rPr lang="en-US" altLang="zh-CN" sz="1400"/>
+              <a:rPr lang="en-US" altLang="zh-CN" sz="1400" smtClean="0"/>
               <a:pPr>
                 <a:spcBef>
                   <a:spcPct val="0"/>
@@ -23711,7 +20416,7 @@
               </a:pPr>
               <a:t>52</a:t>
             </a:fld>
-            <a:endParaRPr lang="en-CA" altLang="zh-CN" sz="1400"/>
+            <a:endParaRPr lang="en-CA" altLang="zh-CN" sz="1400" dirty="0"/>
           </a:p>
         </p:txBody>
       </p:sp>
@@ -24042,11 +20747,11 @@
               <a:buNone/>
             </a:pPr>
             <a:r>
-              <a:rPr lang="en-US" altLang="zh-CN" sz="1400"/>
-              <a:t>Slide 10- </a:t>
+              <a:rPr lang="en-US" altLang="zh-CN" sz="1400" dirty="0" smtClean="0"/>
+              <a:t>Slide 15- </a:t>
             </a:r>
             <a:fld id="{E9E94124-4983-47F5-A65F-F53702E394DA}" type="slidenum">
-              <a:rPr lang="en-US" altLang="zh-CN" sz="1400"/>
+              <a:rPr lang="en-US" altLang="zh-CN" sz="1400" smtClean="0"/>
               <a:pPr>
                 <a:spcBef>
                   <a:spcPct val="0"/>
@@ -24058,7 +20763,7 @@
               </a:pPr>
               <a:t>53</a:t>
             </a:fld>
-            <a:endParaRPr lang="en-CA" altLang="zh-CN" sz="1400"/>
+            <a:endParaRPr lang="en-CA" altLang="zh-CN" sz="1400" dirty="0"/>
           </a:p>
         </p:txBody>
       </p:sp>
@@ -24380,11 +21085,11 @@
               <a:buNone/>
             </a:pPr>
             <a:r>
-              <a:rPr lang="en-US" altLang="zh-CN" sz="1400"/>
-              <a:t>Slide 10- </a:t>
+              <a:rPr lang="en-US" altLang="zh-CN" sz="1400" dirty="0" smtClean="0"/>
+              <a:t>Slide 15- </a:t>
             </a:r>
             <a:fld id="{D85D06AA-70D2-4463-BA8A-EA37459F3F61}" type="slidenum">
-              <a:rPr lang="en-US" altLang="zh-CN" sz="1400"/>
+              <a:rPr lang="en-US" altLang="zh-CN" sz="1400" smtClean="0"/>
               <a:pPr>
                 <a:spcBef>
                   <a:spcPct val="0"/>
@@ -24396,7 +21101,7 @@
               </a:pPr>
               <a:t>54</a:t>
             </a:fld>
-            <a:endParaRPr lang="en-CA" altLang="zh-CN" sz="1400"/>
+            <a:endParaRPr lang="en-CA" altLang="zh-CN" sz="1400" dirty="0"/>
           </a:p>
         </p:txBody>
       </p:sp>
@@ -25809,11 +22514,11 @@
               <a:buNone/>
             </a:pPr>
             <a:r>
-              <a:rPr lang="en-US" altLang="zh-CN" sz="1400"/>
-              <a:t>Slide 10- </a:t>
+              <a:rPr lang="en-US" altLang="zh-CN" sz="1400" dirty="0" smtClean="0"/>
+              <a:t>Slide 15- </a:t>
             </a:r>
             <a:fld id="{412192B4-F898-4109-99C5-4B7AD287DB23}" type="slidenum">
-              <a:rPr lang="en-US" altLang="zh-CN" sz="1400"/>
+              <a:rPr lang="en-US" altLang="zh-CN" sz="1400" smtClean="0"/>
               <a:pPr>
                 <a:spcBef>
                   <a:spcPct val="0"/>
@@ -25825,7 +22530,7 @@
               </a:pPr>
               <a:t>55</a:t>
             </a:fld>
-            <a:endParaRPr lang="en-CA" altLang="zh-CN" sz="1400"/>
+            <a:endParaRPr lang="en-CA" altLang="zh-CN" sz="1400" dirty="0"/>
           </a:p>
         </p:txBody>
       </p:sp>
@@ -26202,11 +22907,11 @@
               <a:buNone/>
             </a:pPr>
             <a:r>
-              <a:rPr lang="en-US" altLang="zh-CN" sz="1400"/>
-              <a:t>Slide 10- </a:t>
+              <a:rPr lang="en-US" altLang="zh-CN" sz="1400" dirty="0" smtClean="0"/>
+              <a:t>Slide 15- </a:t>
             </a:r>
             <a:fld id="{B4121402-1088-4CF2-B7FB-196F19453E0C}" type="slidenum">
-              <a:rPr lang="en-US" altLang="zh-CN" sz="1400"/>
+              <a:rPr lang="en-US" altLang="zh-CN" sz="1400" smtClean="0"/>
               <a:pPr>
                 <a:spcBef>
                   <a:spcPct val="0"/>
@@ -26218,7 +22923,7 @@
               </a:pPr>
               <a:t>56</a:t>
             </a:fld>
-            <a:endParaRPr lang="en-CA" altLang="zh-CN" sz="1400"/>
+            <a:endParaRPr lang="en-CA" altLang="zh-CN" sz="1400" dirty="0"/>
           </a:p>
         </p:txBody>
       </p:sp>
@@ -26585,11 +23290,11 @@
               <a:buNone/>
             </a:pPr>
             <a:r>
-              <a:rPr lang="en-US" altLang="zh-CN" sz="1400"/>
-              <a:t>Slide 10- </a:t>
+              <a:rPr lang="en-US" altLang="zh-CN" sz="1400" dirty="0" smtClean="0"/>
+              <a:t>Slide 15- </a:t>
             </a:r>
             <a:fld id="{BBE9F2B2-F8F1-4D17-BC3A-9F92B3F429AB}" type="slidenum">
-              <a:rPr lang="en-US" altLang="zh-CN" sz="1400"/>
+              <a:rPr lang="en-US" altLang="zh-CN" sz="1400" smtClean="0"/>
               <a:pPr>
                 <a:spcBef>
                   <a:spcPct val="0"/>
@@ -26601,7 +23306,7 @@
               </a:pPr>
               <a:t>57</a:t>
             </a:fld>
-            <a:endParaRPr lang="en-CA" altLang="zh-CN" sz="1400"/>
+            <a:endParaRPr lang="en-CA" altLang="zh-CN" sz="1400" dirty="0"/>
           </a:p>
         </p:txBody>
       </p:sp>
@@ -26996,11 +23701,11 @@
               <a:buNone/>
             </a:pPr>
             <a:r>
-              <a:rPr lang="en-US" altLang="zh-CN" sz="1400"/>
-              <a:t>Slide 10- </a:t>
+              <a:rPr lang="en-US" altLang="zh-CN" sz="1400" dirty="0" smtClean="0"/>
+              <a:t>Slide 15- </a:t>
             </a:r>
             <a:fld id="{B292E013-166D-447A-81E6-1BA218FF9B39}" type="slidenum">
-              <a:rPr lang="en-US" altLang="zh-CN" sz="1400"/>
+              <a:rPr lang="en-US" altLang="zh-CN" sz="1400" smtClean="0"/>
               <a:pPr>
                 <a:spcBef>
                   <a:spcPct val="0"/>
@@ -27012,7 +23717,7 @@
               </a:pPr>
               <a:t>58</a:t>
             </a:fld>
-            <a:endParaRPr lang="en-CA" altLang="zh-CN" sz="1400"/>
+            <a:endParaRPr lang="en-CA" altLang="zh-CN" sz="1400" dirty="0"/>
           </a:p>
         </p:txBody>
       </p:sp>
@@ -27354,11 +24059,11 @@
               <a:buNone/>
             </a:pPr>
             <a:r>
-              <a:rPr lang="en-US" altLang="zh-CN" sz="1400"/>
-              <a:t>Slide 10- </a:t>
+              <a:rPr lang="en-US" altLang="zh-CN" sz="1400" dirty="0" smtClean="0"/>
+              <a:t>Slide 15- </a:t>
             </a:r>
             <a:fld id="{528497A9-929F-4BC9-9075-EA8C135B5E05}" type="slidenum">
-              <a:rPr lang="en-US" altLang="zh-CN" sz="1400"/>
+              <a:rPr lang="en-US" altLang="zh-CN" sz="1400" smtClean="0"/>
               <a:pPr>
                 <a:spcBef>
                   <a:spcPct val="0"/>
@@ -27370,7 +24075,7 @@
               </a:pPr>
               <a:t>59</a:t>
             </a:fld>
-            <a:endParaRPr lang="en-CA" altLang="zh-CN" sz="1400"/>
+            <a:endParaRPr lang="en-CA" altLang="zh-CN" sz="1400" dirty="0"/>
           </a:p>
         </p:txBody>
       </p:sp>
@@ -27508,239 +24213,6 @@
           <a:chExt cx="0" cy="0"/>
         </a:xfrm>
       </p:grpSpPr>
-      <p:sp>
-        <p:nvSpPr>
-          <p:cNvPr id="9218" name="灯片编号占位符 3"/>
-          <p:cNvSpPr>
-            <a:spLocks noGrp="1"/>
-          </p:cNvSpPr>
-          <p:nvPr>
-            <p:ph type="sldNum" sz="quarter" idx="10"/>
-          </p:nvPr>
-        </p:nvSpPr>
-        <p:spPr>
-          <a:noFill/>
-          <a:ln/>
-          <a:extLst>
-            <a:ext uri="{909E8E84-426E-40DD-AFC4-6F175D3DCCD1}">
-              <a14:hiddenFill xmlns:a14="http://schemas.microsoft.com/office/drawing/2010/main">
-                <a:solidFill>
-                  <a:srgbClr val="FFFFFF"/>
-                </a:solidFill>
-              </a14:hiddenFill>
-            </a:ext>
-            <a:ext uri="{91240B29-F687-4F45-9708-019B960494DF}">
-              <a14:hiddenLine xmlns:a14="http://schemas.microsoft.com/office/drawing/2010/main" w="9525">
-                <a:solidFill>
-                  <a:srgbClr val="000000"/>
-                </a:solidFill>
-                <a:miter lim="800000"/>
-                <a:headEnd/>
-                <a:tailEnd/>
-              </a14:hiddenLine>
-            </a:ext>
-          </a:extLst>
-        </p:spPr>
-        <p:txBody>
-          <a:bodyPr/>
-          <a:lstStyle>
-            <a:lvl1pPr>
-              <a:spcBef>
-                <a:spcPct val="20000"/>
-              </a:spcBef>
-              <a:buClr>
-                <a:srgbClr val="A50021"/>
-              </a:buClr>
-              <a:buSzPct val="60000"/>
-              <a:buFont typeface="Wingdings" panose="05000000000000000000" pitchFamily="2" charset="2"/>
-              <a:buChar char="n"/>
-              <a:defRPr sz="2800">
-                <a:solidFill>
-                  <a:schemeClr val="tx1"/>
-                </a:solidFill>
-                <a:latin typeface="Arial" panose="020B0604020202020204" pitchFamily="34" charset="0"/>
-              </a:defRPr>
-            </a:lvl1pPr>
-            <a:lvl2pPr marL="742950" indent="-285750">
-              <a:spcBef>
-                <a:spcPct val="20000"/>
-              </a:spcBef>
-              <a:buClr>
-                <a:srgbClr val="02B2CA"/>
-              </a:buClr>
-              <a:buSzPct val="55000"/>
-              <a:buFont typeface="Wingdings" panose="05000000000000000000" pitchFamily="2" charset="2"/>
-              <a:buChar char="n"/>
-              <a:defRPr sz="2800">
-                <a:solidFill>
-                  <a:schemeClr val="tx1"/>
-                </a:solidFill>
-                <a:latin typeface="Arial" panose="020B0604020202020204" pitchFamily="34" charset="0"/>
-              </a:defRPr>
-            </a:lvl2pPr>
-            <a:lvl3pPr marL="1143000" indent="-228600">
-              <a:spcBef>
-                <a:spcPct val="20000"/>
-              </a:spcBef>
-              <a:buClr>
-                <a:srgbClr val="A50021"/>
-              </a:buClr>
-              <a:buSzPct val="50000"/>
-              <a:buFont typeface="Wingdings" panose="05000000000000000000" pitchFamily="2" charset="2"/>
-              <a:buChar char="n"/>
-              <a:defRPr sz="2400">
-                <a:solidFill>
-                  <a:schemeClr val="tx1"/>
-                </a:solidFill>
-                <a:latin typeface="Arial" panose="020B0604020202020204" pitchFamily="34" charset="0"/>
-              </a:defRPr>
-            </a:lvl3pPr>
-            <a:lvl4pPr marL="1600200" indent="-228600">
-              <a:spcBef>
-                <a:spcPct val="20000"/>
-              </a:spcBef>
-              <a:buClr>
-                <a:srgbClr val="02B2CA"/>
-              </a:buClr>
-              <a:buSzPct val="55000"/>
-              <a:buFont typeface="Wingdings" panose="05000000000000000000" pitchFamily="2" charset="2"/>
-              <a:buChar char="n"/>
-              <a:defRPr sz="2000">
-                <a:solidFill>
-                  <a:schemeClr val="tx1"/>
-                </a:solidFill>
-                <a:latin typeface="Arial" panose="020B0604020202020204" pitchFamily="34" charset="0"/>
-              </a:defRPr>
-            </a:lvl4pPr>
-            <a:lvl5pPr marL="2057400" indent="-228600">
-              <a:spcBef>
-                <a:spcPct val="20000"/>
-              </a:spcBef>
-              <a:buClr>
-                <a:srgbClr val="A50021"/>
-              </a:buClr>
-              <a:buSzPct val="50000"/>
-              <a:buFont typeface="Wingdings" panose="05000000000000000000" pitchFamily="2" charset="2"/>
-              <a:buChar char="n"/>
-              <a:defRPr sz="2000">
-                <a:solidFill>
-                  <a:schemeClr val="tx1"/>
-                </a:solidFill>
-                <a:latin typeface="Arial" panose="020B0604020202020204" pitchFamily="34" charset="0"/>
-              </a:defRPr>
-            </a:lvl5pPr>
-            <a:lvl6pPr marL="2514600" indent="-228600" eaLnBrk="0" fontAlgn="base" hangingPunct="0">
-              <a:spcBef>
-                <a:spcPct val="20000"/>
-              </a:spcBef>
-              <a:spcAft>
-                <a:spcPct val="0"/>
-              </a:spcAft>
-              <a:buClr>
-                <a:srgbClr val="A50021"/>
-              </a:buClr>
-              <a:buSzPct val="50000"/>
-              <a:buFont typeface="Wingdings" panose="05000000000000000000" pitchFamily="2" charset="2"/>
-              <a:buChar char="n"/>
-              <a:defRPr sz="2000">
-                <a:solidFill>
-                  <a:schemeClr val="tx1"/>
-                </a:solidFill>
-                <a:latin typeface="Arial" panose="020B0604020202020204" pitchFamily="34" charset="0"/>
-              </a:defRPr>
-            </a:lvl6pPr>
-            <a:lvl7pPr marL="2971800" indent="-228600" eaLnBrk="0" fontAlgn="base" hangingPunct="0">
-              <a:spcBef>
-                <a:spcPct val="20000"/>
-              </a:spcBef>
-              <a:spcAft>
-                <a:spcPct val="0"/>
-              </a:spcAft>
-              <a:buClr>
-                <a:srgbClr val="A50021"/>
-              </a:buClr>
-              <a:buSzPct val="50000"/>
-              <a:buFont typeface="Wingdings" panose="05000000000000000000" pitchFamily="2" charset="2"/>
-              <a:buChar char="n"/>
-              <a:defRPr sz="2000">
-                <a:solidFill>
-                  <a:schemeClr val="tx1"/>
-                </a:solidFill>
-                <a:latin typeface="Arial" panose="020B0604020202020204" pitchFamily="34" charset="0"/>
-              </a:defRPr>
-            </a:lvl7pPr>
-            <a:lvl8pPr marL="3429000" indent="-228600" eaLnBrk="0" fontAlgn="base" hangingPunct="0">
-              <a:spcBef>
-                <a:spcPct val="20000"/>
-              </a:spcBef>
-              <a:spcAft>
-                <a:spcPct val="0"/>
-              </a:spcAft>
-              <a:buClr>
-                <a:srgbClr val="A50021"/>
-              </a:buClr>
-              <a:buSzPct val="50000"/>
-              <a:buFont typeface="Wingdings" panose="05000000000000000000" pitchFamily="2" charset="2"/>
-              <a:buChar char="n"/>
-              <a:defRPr sz="2000">
-                <a:solidFill>
-                  <a:schemeClr val="tx1"/>
-                </a:solidFill>
-                <a:latin typeface="Arial" panose="020B0604020202020204" pitchFamily="34" charset="0"/>
-              </a:defRPr>
-            </a:lvl8pPr>
-            <a:lvl9pPr marL="3886200" indent="-228600" eaLnBrk="0" fontAlgn="base" hangingPunct="0">
-              <a:spcBef>
-                <a:spcPct val="20000"/>
-              </a:spcBef>
-              <a:spcAft>
-                <a:spcPct val="0"/>
-              </a:spcAft>
-              <a:buClr>
-                <a:srgbClr val="A50021"/>
-              </a:buClr>
-              <a:buSzPct val="50000"/>
-              <a:buFont typeface="Wingdings" panose="05000000000000000000" pitchFamily="2" charset="2"/>
-              <a:buChar char="n"/>
-              <a:defRPr sz="2000">
-                <a:solidFill>
-                  <a:schemeClr val="tx1"/>
-                </a:solidFill>
-                <a:latin typeface="Arial" panose="020B0604020202020204" pitchFamily="34" charset="0"/>
-              </a:defRPr>
-            </a:lvl9pPr>
-          </a:lstStyle>
-          <a:p>
-            <a:pPr>
-              <a:spcBef>
-                <a:spcPct val="0"/>
-              </a:spcBef>
-              <a:buClrTx/>
-              <a:buSzTx/>
-              <a:buFontTx/>
-              <a:buNone/>
-            </a:pPr>
-            <a:r>
-              <a:rPr lang="en-US" altLang="zh-CN" sz="1400"/>
-              <a:t>Slide 10- </a:t>
-            </a:r>
-            <a:fld id="{58CCE64B-6D21-4047-92C2-EEFC2C9D4179}" type="slidenum">
-              <a:rPr lang="en-US" altLang="zh-CN" sz="1400"/>
-              <a:pPr>
-                <a:spcBef>
-                  <a:spcPct val="0"/>
-                </a:spcBef>
-                <a:buClrTx/>
-                <a:buSzTx/>
-                <a:buFontTx/>
-                <a:buNone/>
-              </a:pPr>
-              <a:t>6</a:t>
-            </a:fld>
-            <a:endParaRPr lang="en-CA" altLang="zh-CN" sz="1400"/>
-          </a:p>
-        </p:txBody>
-      </p:sp>
       <p:sp>
         <p:nvSpPr>
           <p:cNvPr id="9219" name="Rectangle 2"/>
@@ -28099,11 +24571,11 @@
               <a:buNone/>
             </a:pPr>
             <a:r>
-              <a:rPr lang="en-US" altLang="zh-CN" sz="1400"/>
-              <a:t>Slide 10- </a:t>
+              <a:rPr lang="en-US" altLang="zh-CN" sz="1400" dirty="0" smtClean="0"/>
+              <a:t>Slide 15- </a:t>
             </a:r>
             <a:fld id="{DB55A2F4-5B02-47CF-B46F-3036BDF0799A}" type="slidenum">
-              <a:rPr lang="en-US" altLang="zh-CN" sz="1400"/>
+              <a:rPr lang="en-US" altLang="zh-CN" sz="1400" smtClean="0"/>
               <a:pPr>
                 <a:spcBef>
                   <a:spcPct val="0"/>
@@ -28115,7 +24587,7 @@
               </a:pPr>
               <a:t>60</a:t>
             </a:fld>
-            <a:endParaRPr lang="en-CA" altLang="zh-CN" sz="1400"/>
+            <a:endParaRPr lang="en-CA" altLang="zh-CN" sz="1400" dirty="0"/>
           </a:p>
         </p:txBody>
       </p:sp>
@@ -28462,11 +24934,11 @@
               <a:buNone/>
             </a:pPr>
             <a:r>
-              <a:rPr lang="en-US" altLang="zh-CN" sz="1400"/>
-              <a:t>Slide 10- </a:t>
+              <a:rPr lang="en-US" altLang="zh-CN" sz="1400" dirty="0" smtClean="0"/>
+              <a:t>Slide 15- </a:t>
             </a:r>
             <a:fld id="{FE062166-E9A3-4238-A3F7-5D50FB46511C}" type="slidenum">
-              <a:rPr lang="en-US" altLang="zh-CN" sz="1400"/>
+              <a:rPr lang="en-US" altLang="zh-CN" sz="1400" smtClean="0"/>
               <a:pPr>
                 <a:spcBef>
                   <a:spcPct val="0"/>
@@ -28478,7 +24950,7 @@
               </a:pPr>
               <a:t>61</a:t>
             </a:fld>
-            <a:endParaRPr lang="en-CA" altLang="zh-CN" sz="1400"/>
+            <a:endParaRPr lang="en-CA" altLang="zh-CN" sz="1400" dirty="0"/>
           </a:p>
         </p:txBody>
       </p:sp>
@@ -28822,11 +25294,11 @@
               <a:buNone/>
             </a:pPr>
             <a:r>
-              <a:rPr lang="en-US" altLang="zh-CN" sz="1400"/>
-              <a:t>Slide 10- </a:t>
+              <a:rPr lang="en-US" altLang="zh-CN" sz="1400" dirty="0" smtClean="0"/>
+              <a:t>Slide 15- </a:t>
             </a:r>
             <a:fld id="{4A45BEFA-9210-4A4A-8128-B599146DB757}" type="slidenum">
-              <a:rPr lang="en-US" altLang="zh-CN" sz="1400"/>
+              <a:rPr lang="en-US" altLang="zh-CN" sz="1400" smtClean="0"/>
               <a:pPr>
                 <a:spcBef>
                   <a:spcPct val="0"/>
@@ -28838,7 +25310,7 @@
               </a:pPr>
               <a:t>62</a:t>
             </a:fld>
-            <a:endParaRPr lang="en-CA" altLang="zh-CN" sz="1400"/>
+            <a:endParaRPr lang="en-CA" altLang="zh-CN" sz="1400" dirty="0"/>
           </a:p>
         </p:txBody>
       </p:sp>
@@ -29545,11 +26017,11 @@
               <a:buNone/>
             </a:pPr>
             <a:r>
-              <a:rPr lang="en-US" altLang="zh-CN" sz="1400"/>
-              <a:t>Slide 10- </a:t>
+              <a:rPr lang="en-US" altLang="zh-CN" sz="1400" dirty="0" smtClean="0"/>
+              <a:t>Slide 15- </a:t>
             </a:r>
             <a:fld id="{524159EC-5CCA-41B8-AA1E-63F2EFE7EEA7}" type="slidenum">
-              <a:rPr lang="en-US" altLang="zh-CN" sz="1400"/>
+              <a:rPr lang="en-US" altLang="zh-CN" sz="1400" smtClean="0"/>
               <a:pPr>
                 <a:spcBef>
                   <a:spcPct val="0"/>
@@ -29561,7 +26033,7 @@
               </a:pPr>
               <a:t>63</a:t>
             </a:fld>
-            <a:endParaRPr lang="en-CA" altLang="zh-CN" sz="1400"/>
+            <a:endParaRPr lang="en-CA" altLang="zh-CN" sz="1400" dirty="0"/>
           </a:p>
         </p:txBody>
       </p:sp>
@@ -30563,11 +27035,11 @@
               <a:buNone/>
             </a:pPr>
             <a:r>
-              <a:rPr lang="en-US" altLang="zh-CN" sz="1400"/>
-              <a:t>Slide 10- </a:t>
+              <a:rPr lang="en-US" altLang="zh-CN" sz="1400" dirty="0" smtClean="0"/>
+              <a:t>Slide 15- </a:t>
             </a:r>
             <a:fld id="{70BB2140-7C2D-4958-8E64-47560545A1DE}" type="slidenum">
-              <a:rPr lang="en-US" altLang="zh-CN" sz="1400"/>
+              <a:rPr lang="en-US" altLang="zh-CN" sz="1400" smtClean="0"/>
               <a:pPr>
                 <a:spcBef>
                   <a:spcPct val="0"/>
@@ -30579,7 +27051,7 @@
               </a:pPr>
               <a:t>64</a:t>
             </a:fld>
-            <a:endParaRPr lang="en-CA" altLang="zh-CN" sz="1400"/>
+            <a:endParaRPr lang="en-CA" altLang="zh-CN" sz="1400" dirty="0"/>
           </a:p>
         </p:txBody>
       </p:sp>
@@ -31581,11 +28053,11 @@
               <a:buNone/>
             </a:pPr>
             <a:r>
-              <a:rPr lang="en-US" altLang="zh-CN" sz="1400"/>
-              <a:t>Slide 10- </a:t>
+              <a:rPr lang="en-US" altLang="zh-CN" sz="1400" dirty="0" smtClean="0"/>
+              <a:t>Slide 15- </a:t>
             </a:r>
             <a:fld id="{8AA3B07A-840F-4667-BDA5-307121AD4AAA}" type="slidenum">
-              <a:rPr lang="en-US" altLang="zh-CN" sz="1400"/>
+              <a:rPr lang="en-US" altLang="zh-CN" sz="1400" smtClean="0"/>
               <a:pPr>
                 <a:spcBef>
                   <a:spcPct val="0"/>
@@ -31597,7 +28069,7 @@
               </a:pPr>
               <a:t>65</a:t>
             </a:fld>
-            <a:endParaRPr lang="en-CA" altLang="zh-CN" sz="1400"/>
+            <a:endParaRPr lang="en-CA" altLang="zh-CN" sz="1400" dirty="0"/>
           </a:p>
         </p:txBody>
       </p:sp>
@@ -32390,11 +28862,11 @@
               <a:buNone/>
             </a:pPr>
             <a:r>
-              <a:rPr lang="en-US" altLang="zh-CN" sz="1400"/>
-              <a:t>Slide 10- </a:t>
+              <a:rPr lang="en-US" altLang="zh-CN" sz="1400" dirty="0" smtClean="0"/>
+              <a:t>Slide 15- </a:t>
             </a:r>
             <a:fld id="{F0725AD7-B23A-4E94-8481-92D98939A95B}" type="slidenum">
-              <a:rPr lang="en-US" altLang="zh-CN" sz="1400"/>
+              <a:rPr lang="en-US" altLang="zh-CN" sz="1400" smtClean="0"/>
               <a:pPr>
                 <a:spcBef>
                   <a:spcPct val="0"/>
@@ -32406,7 +28878,7 @@
               </a:pPr>
               <a:t>66</a:t>
             </a:fld>
-            <a:endParaRPr lang="en-CA" altLang="zh-CN" sz="1400"/>
+            <a:endParaRPr lang="en-CA" altLang="zh-CN" sz="1400" dirty="0"/>
           </a:p>
         </p:txBody>
       </p:sp>
@@ -33408,11 +29880,11 @@
               <a:buNone/>
             </a:pPr>
             <a:r>
-              <a:rPr lang="en-US" altLang="zh-CN" sz="1400"/>
-              <a:t>Slide 10- </a:t>
+              <a:rPr lang="en-US" altLang="zh-CN" sz="1400" dirty="0" smtClean="0"/>
+              <a:t>Slide 15- </a:t>
             </a:r>
             <a:fld id="{F95C6226-F103-490D-9013-A4B920F7E122}" type="slidenum">
-              <a:rPr lang="en-US" altLang="zh-CN" sz="1400"/>
+              <a:rPr lang="en-US" altLang="zh-CN" sz="1400" smtClean="0"/>
               <a:pPr>
                 <a:spcBef>
                   <a:spcPct val="0"/>
@@ -33424,7 +29896,7 @@
               </a:pPr>
               <a:t>67</a:t>
             </a:fld>
-            <a:endParaRPr lang="en-CA" altLang="zh-CN" sz="1400"/>
+            <a:endParaRPr lang="en-CA" altLang="zh-CN" sz="1400" dirty="0"/>
           </a:p>
         </p:txBody>
       </p:sp>
@@ -34206,11 +30678,11 @@
               <a:buNone/>
             </a:pPr>
             <a:r>
-              <a:rPr lang="en-US" altLang="zh-CN" sz="1400"/>
-              <a:t>Slide 10- </a:t>
+              <a:rPr lang="en-US" altLang="zh-CN" sz="1400" dirty="0" smtClean="0"/>
+              <a:t>Slide 15- </a:t>
             </a:r>
             <a:fld id="{85B41434-3D82-430F-842A-414E0B219D7B}" type="slidenum">
-              <a:rPr lang="en-US" altLang="zh-CN" sz="1400"/>
+              <a:rPr lang="en-US" altLang="zh-CN" sz="1400" smtClean="0"/>
               <a:pPr>
                 <a:spcBef>
                   <a:spcPct val="0"/>
@@ -34222,7 +30694,7 @@
               </a:pPr>
               <a:t>68</a:t>
             </a:fld>
-            <a:endParaRPr lang="en-CA" altLang="zh-CN" sz="1400"/>
+            <a:endParaRPr lang="en-CA" altLang="zh-CN" sz="1400" dirty="0"/>
           </a:p>
         </p:txBody>
       </p:sp>
@@ -35224,11 +31696,11 @@
               <a:buNone/>
             </a:pPr>
             <a:r>
-              <a:rPr lang="en-US" altLang="zh-CN" sz="1400"/>
-              <a:t>Slide 10- </a:t>
+              <a:rPr lang="en-US" altLang="zh-CN" sz="1400" dirty="0" smtClean="0"/>
+              <a:t>Slide 15- </a:t>
             </a:r>
             <a:fld id="{52F18F5D-DB6B-4C00-912B-4C7336986FF9}" type="slidenum">
-              <a:rPr lang="en-US" altLang="zh-CN" sz="1400"/>
+              <a:rPr lang="en-US" altLang="zh-CN" sz="1400" smtClean="0"/>
               <a:pPr>
                 <a:spcBef>
                   <a:spcPct val="0"/>
@@ -35240,7 +31712,7 @@
               </a:pPr>
               <a:t>69</a:t>
             </a:fld>
-            <a:endParaRPr lang="en-CA" altLang="zh-CN" sz="1400"/>
+            <a:endParaRPr lang="en-CA" altLang="zh-CN" sz="1400" dirty="0"/>
           </a:p>
         </p:txBody>
       </p:sp>
@@ -36305,239 +32777,6 @@
               </a:rPr>
               <a:t>in </a:t>
             </a:r>
-          </a:p>
-        </p:txBody>
-      </p:sp>
-      <p:sp>
-        <p:nvSpPr>
-          <p:cNvPr id="10242" name="灯片编号占位符 3"/>
-          <p:cNvSpPr>
-            <a:spLocks noGrp="1"/>
-          </p:cNvSpPr>
-          <p:nvPr>
-            <p:ph type="sldNum" sz="quarter" idx="10"/>
-          </p:nvPr>
-        </p:nvSpPr>
-        <p:spPr>
-          <a:noFill/>
-          <a:ln/>
-          <a:extLst>
-            <a:ext uri="{909E8E84-426E-40DD-AFC4-6F175D3DCCD1}">
-              <a14:hiddenFill xmlns:a14="http://schemas.microsoft.com/office/drawing/2010/main">
-                <a:solidFill>
-                  <a:srgbClr val="FFFFFF"/>
-                </a:solidFill>
-              </a14:hiddenFill>
-            </a:ext>
-            <a:ext uri="{91240B29-F687-4F45-9708-019B960494DF}">
-              <a14:hiddenLine xmlns:a14="http://schemas.microsoft.com/office/drawing/2010/main" w="9525">
-                <a:solidFill>
-                  <a:srgbClr val="000000"/>
-                </a:solidFill>
-                <a:miter lim="800000"/>
-                <a:headEnd/>
-                <a:tailEnd/>
-              </a14:hiddenLine>
-            </a:ext>
-          </a:extLst>
-        </p:spPr>
-        <p:txBody>
-          <a:bodyPr/>
-          <a:lstStyle>
-            <a:lvl1pPr>
-              <a:spcBef>
-                <a:spcPct val="20000"/>
-              </a:spcBef>
-              <a:buClr>
-                <a:srgbClr val="A50021"/>
-              </a:buClr>
-              <a:buSzPct val="60000"/>
-              <a:buFont typeface="Wingdings" panose="05000000000000000000" pitchFamily="2" charset="2"/>
-              <a:buChar char="n"/>
-              <a:defRPr sz="2800">
-                <a:solidFill>
-                  <a:schemeClr val="tx1"/>
-                </a:solidFill>
-                <a:latin typeface="Arial" panose="020B0604020202020204" pitchFamily="34" charset="0"/>
-              </a:defRPr>
-            </a:lvl1pPr>
-            <a:lvl2pPr marL="742950" indent="-285750">
-              <a:spcBef>
-                <a:spcPct val="20000"/>
-              </a:spcBef>
-              <a:buClr>
-                <a:srgbClr val="02B2CA"/>
-              </a:buClr>
-              <a:buSzPct val="55000"/>
-              <a:buFont typeface="Wingdings" panose="05000000000000000000" pitchFamily="2" charset="2"/>
-              <a:buChar char="n"/>
-              <a:defRPr sz="2800">
-                <a:solidFill>
-                  <a:schemeClr val="tx1"/>
-                </a:solidFill>
-                <a:latin typeface="Arial" panose="020B0604020202020204" pitchFamily="34" charset="0"/>
-              </a:defRPr>
-            </a:lvl2pPr>
-            <a:lvl3pPr marL="1143000" indent="-228600">
-              <a:spcBef>
-                <a:spcPct val="20000"/>
-              </a:spcBef>
-              <a:buClr>
-                <a:srgbClr val="A50021"/>
-              </a:buClr>
-              <a:buSzPct val="50000"/>
-              <a:buFont typeface="Wingdings" panose="05000000000000000000" pitchFamily="2" charset="2"/>
-              <a:buChar char="n"/>
-              <a:defRPr sz="2400">
-                <a:solidFill>
-                  <a:schemeClr val="tx1"/>
-                </a:solidFill>
-                <a:latin typeface="Arial" panose="020B0604020202020204" pitchFamily="34" charset="0"/>
-              </a:defRPr>
-            </a:lvl3pPr>
-            <a:lvl4pPr marL="1600200" indent="-228600">
-              <a:spcBef>
-                <a:spcPct val="20000"/>
-              </a:spcBef>
-              <a:buClr>
-                <a:srgbClr val="02B2CA"/>
-              </a:buClr>
-              <a:buSzPct val="55000"/>
-              <a:buFont typeface="Wingdings" panose="05000000000000000000" pitchFamily="2" charset="2"/>
-              <a:buChar char="n"/>
-              <a:defRPr sz="2000">
-                <a:solidFill>
-                  <a:schemeClr val="tx1"/>
-                </a:solidFill>
-                <a:latin typeface="Arial" panose="020B0604020202020204" pitchFamily="34" charset="0"/>
-              </a:defRPr>
-            </a:lvl4pPr>
-            <a:lvl5pPr marL="2057400" indent="-228600">
-              <a:spcBef>
-                <a:spcPct val="20000"/>
-              </a:spcBef>
-              <a:buClr>
-                <a:srgbClr val="A50021"/>
-              </a:buClr>
-              <a:buSzPct val="50000"/>
-              <a:buFont typeface="Wingdings" panose="05000000000000000000" pitchFamily="2" charset="2"/>
-              <a:buChar char="n"/>
-              <a:defRPr sz="2000">
-                <a:solidFill>
-                  <a:schemeClr val="tx1"/>
-                </a:solidFill>
-                <a:latin typeface="Arial" panose="020B0604020202020204" pitchFamily="34" charset="0"/>
-              </a:defRPr>
-            </a:lvl5pPr>
-            <a:lvl6pPr marL="2514600" indent="-228600" eaLnBrk="0" fontAlgn="base" hangingPunct="0">
-              <a:spcBef>
-                <a:spcPct val="20000"/>
-              </a:spcBef>
-              <a:spcAft>
-                <a:spcPct val="0"/>
-              </a:spcAft>
-              <a:buClr>
-                <a:srgbClr val="A50021"/>
-              </a:buClr>
-              <a:buSzPct val="50000"/>
-              <a:buFont typeface="Wingdings" panose="05000000000000000000" pitchFamily="2" charset="2"/>
-              <a:buChar char="n"/>
-              <a:defRPr sz="2000">
-                <a:solidFill>
-                  <a:schemeClr val="tx1"/>
-                </a:solidFill>
-                <a:latin typeface="Arial" panose="020B0604020202020204" pitchFamily="34" charset="0"/>
-              </a:defRPr>
-            </a:lvl6pPr>
-            <a:lvl7pPr marL="2971800" indent="-228600" eaLnBrk="0" fontAlgn="base" hangingPunct="0">
-              <a:spcBef>
-                <a:spcPct val="20000"/>
-              </a:spcBef>
-              <a:spcAft>
-                <a:spcPct val="0"/>
-              </a:spcAft>
-              <a:buClr>
-                <a:srgbClr val="A50021"/>
-              </a:buClr>
-              <a:buSzPct val="50000"/>
-              <a:buFont typeface="Wingdings" panose="05000000000000000000" pitchFamily="2" charset="2"/>
-              <a:buChar char="n"/>
-              <a:defRPr sz="2000">
-                <a:solidFill>
-                  <a:schemeClr val="tx1"/>
-                </a:solidFill>
-                <a:latin typeface="Arial" panose="020B0604020202020204" pitchFamily="34" charset="0"/>
-              </a:defRPr>
-            </a:lvl7pPr>
-            <a:lvl8pPr marL="3429000" indent="-228600" eaLnBrk="0" fontAlgn="base" hangingPunct="0">
-              <a:spcBef>
-                <a:spcPct val="20000"/>
-              </a:spcBef>
-              <a:spcAft>
-                <a:spcPct val="0"/>
-              </a:spcAft>
-              <a:buClr>
-                <a:srgbClr val="A50021"/>
-              </a:buClr>
-              <a:buSzPct val="50000"/>
-              <a:buFont typeface="Wingdings" panose="05000000000000000000" pitchFamily="2" charset="2"/>
-              <a:buChar char="n"/>
-              <a:defRPr sz="2000">
-                <a:solidFill>
-                  <a:schemeClr val="tx1"/>
-                </a:solidFill>
-                <a:latin typeface="Arial" panose="020B0604020202020204" pitchFamily="34" charset="0"/>
-              </a:defRPr>
-            </a:lvl8pPr>
-            <a:lvl9pPr marL="3886200" indent="-228600" eaLnBrk="0" fontAlgn="base" hangingPunct="0">
-              <a:spcBef>
-                <a:spcPct val="20000"/>
-              </a:spcBef>
-              <a:spcAft>
-                <a:spcPct val="0"/>
-              </a:spcAft>
-              <a:buClr>
-                <a:srgbClr val="A50021"/>
-              </a:buClr>
-              <a:buSzPct val="50000"/>
-              <a:buFont typeface="Wingdings" panose="05000000000000000000" pitchFamily="2" charset="2"/>
-              <a:buChar char="n"/>
-              <a:defRPr sz="2000">
-                <a:solidFill>
-                  <a:schemeClr val="tx1"/>
-                </a:solidFill>
-                <a:latin typeface="Arial" panose="020B0604020202020204" pitchFamily="34" charset="0"/>
-              </a:defRPr>
-            </a:lvl9pPr>
-          </a:lstStyle>
-          <a:p>
-            <a:pPr>
-              <a:spcBef>
-                <a:spcPct val="0"/>
-              </a:spcBef>
-              <a:buClrTx/>
-              <a:buSzTx/>
-              <a:buFontTx/>
-              <a:buNone/>
-            </a:pPr>
-            <a:r>
-              <a:rPr lang="en-US" altLang="zh-CN" sz="1400"/>
-              <a:t>Slide 10- </a:t>
-            </a:r>
-            <a:fld id="{24265A85-4E72-4495-AF5D-1A36AB3EC05C}" type="slidenum">
-              <a:rPr lang="en-US" altLang="zh-CN" sz="1400"/>
-              <a:pPr>
-                <a:spcBef>
-                  <a:spcPct val="0"/>
-                </a:spcBef>
-                <a:buClrTx/>
-                <a:buSzTx/>
-                <a:buFontTx/>
-                <a:buNone/>
-              </a:pPr>
-              <a:t>7</a:t>
-            </a:fld>
-            <a:endParaRPr lang="en-CA" altLang="zh-CN" sz="1400"/>
           </a:p>
         </p:txBody>
       </p:sp>
@@ -37482,11 +33721,11 @@
               <a:buNone/>
             </a:pPr>
             <a:r>
-              <a:rPr lang="en-US" altLang="zh-CN" sz="1400"/>
-              <a:t>Slide 10- </a:t>
+              <a:rPr lang="en-US" altLang="zh-CN" sz="1400" dirty="0" smtClean="0"/>
+              <a:t>Slide 15- </a:t>
             </a:r>
             <a:fld id="{9CBADECE-5837-4364-9A40-F3CBDCB3D82B}" type="slidenum">
-              <a:rPr lang="en-US" altLang="zh-CN" sz="1400"/>
+              <a:rPr lang="en-US" altLang="zh-CN" sz="1400" smtClean="0"/>
               <a:pPr>
                 <a:spcBef>
                   <a:spcPct val="0"/>
@@ -37498,7 +33737,7 @@
               </a:pPr>
               <a:t>70</a:t>
             </a:fld>
-            <a:endParaRPr lang="en-CA" altLang="zh-CN" sz="1400"/>
+            <a:endParaRPr lang="en-CA" altLang="zh-CN" sz="1400" dirty="0"/>
           </a:p>
         </p:txBody>
       </p:sp>
@@ -38517,11 +34756,11 @@
               <a:buNone/>
             </a:pPr>
             <a:r>
-              <a:rPr lang="en-US" altLang="zh-CN" sz="1400"/>
-              <a:t>Slide 10- </a:t>
+              <a:rPr lang="en-US" altLang="zh-CN" sz="1400" dirty="0" smtClean="0"/>
+              <a:t>Slide 15- </a:t>
             </a:r>
             <a:fld id="{8683D5BF-D26E-4EC7-B816-3125F08290ED}" type="slidenum">
-              <a:rPr lang="en-US" altLang="zh-CN" sz="1400"/>
+              <a:rPr lang="en-US" altLang="zh-CN" sz="1400" smtClean="0"/>
               <a:pPr>
                 <a:spcBef>
                   <a:spcPct val="0"/>
@@ -38533,7 +34772,7 @@
               </a:pPr>
               <a:t>71</a:t>
             </a:fld>
-            <a:endParaRPr lang="en-CA" altLang="zh-CN" sz="1400"/>
+            <a:endParaRPr lang="en-CA" altLang="zh-CN" sz="1400" dirty="0"/>
           </a:p>
         </p:txBody>
       </p:sp>
@@ -39326,11 +35565,11 @@
               <a:buNone/>
             </a:pPr>
             <a:r>
-              <a:rPr lang="en-US" altLang="zh-CN" sz="1400"/>
-              <a:t>Slide 10- </a:t>
+              <a:rPr lang="en-US" altLang="zh-CN" sz="1400" dirty="0" smtClean="0"/>
+              <a:t>Slide 15- </a:t>
             </a:r>
             <a:fld id="{5AFB9290-FFA0-4940-8E37-83090967F447}" type="slidenum">
-              <a:rPr lang="en-US" altLang="zh-CN" sz="1400"/>
+              <a:rPr lang="en-US" altLang="zh-CN" sz="1400" smtClean="0"/>
               <a:pPr>
                 <a:spcBef>
                   <a:spcPct val="0"/>
@@ -39342,7 +35581,7 @@
               </a:pPr>
               <a:t>72</a:t>
             </a:fld>
-            <a:endParaRPr lang="en-CA" altLang="zh-CN" sz="1400"/>
+            <a:endParaRPr lang="en-CA" altLang="zh-CN" sz="1400" dirty="0"/>
           </a:p>
         </p:txBody>
       </p:sp>
@@ -40344,11 +36583,11 @@
               <a:buNone/>
             </a:pPr>
             <a:r>
-              <a:rPr lang="en-US" altLang="zh-CN" sz="1400"/>
-              <a:t>Slide 10- </a:t>
+              <a:rPr lang="en-US" altLang="zh-CN" sz="1400" dirty="0" smtClean="0"/>
+              <a:t>Slide 15- </a:t>
             </a:r>
             <a:fld id="{B1FFFDCE-E117-436A-9C9D-2D1F2896B6AB}" type="slidenum">
-              <a:rPr lang="en-US" altLang="zh-CN" sz="1400"/>
+              <a:rPr lang="en-US" altLang="zh-CN" sz="1400" smtClean="0"/>
               <a:pPr>
                 <a:spcBef>
                   <a:spcPct val="0"/>
@@ -40360,7 +36599,7 @@
               </a:pPr>
               <a:t>73</a:t>
             </a:fld>
-            <a:endParaRPr lang="en-CA" altLang="zh-CN" sz="1400"/>
+            <a:endParaRPr lang="en-CA" altLang="zh-CN" sz="1400" dirty="0"/>
           </a:p>
         </p:txBody>
       </p:sp>
@@ -41170,11 +37409,11 @@
               <a:buNone/>
             </a:pPr>
             <a:r>
-              <a:rPr lang="en-US" altLang="zh-CN" sz="1400"/>
-              <a:t>Slide 10- </a:t>
+              <a:rPr lang="en-US" altLang="zh-CN" sz="1400" dirty="0" smtClean="0"/>
+              <a:t>Slide 15- </a:t>
             </a:r>
             <a:fld id="{F3DB8982-6F3C-4D92-8BDA-BCC1F266FB8E}" type="slidenum">
-              <a:rPr lang="en-US" altLang="zh-CN" sz="1400"/>
+              <a:rPr lang="en-US" altLang="zh-CN" sz="1400" smtClean="0"/>
               <a:pPr>
                 <a:spcBef>
                   <a:spcPct val="0"/>
@@ -41186,7 +37425,7 @@
               </a:pPr>
               <a:t>74</a:t>
             </a:fld>
-            <a:endParaRPr lang="en-CA" altLang="zh-CN" sz="1400"/>
+            <a:endParaRPr lang="en-CA" altLang="zh-CN" sz="1400" dirty="0"/>
           </a:p>
         </p:txBody>
       </p:sp>
@@ -41968,11 +38207,11 @@
               <a:buNone/>
             </a:pPr>
             <a:r>
-              <a:rPr lang="en-US" altLang="zh-CN" sz="1400"/>
-              <a:t>Slide 10- </a:t>
+              <a:rPr lang="en-US" altLang="zh-CN" sz="1400" dirty="0" smtClean="0"/>
+              <a:t>Slide 15- </a:t>
             </a:r>
             <a:fld id="{32565E3B-A5A8-4E86-8D8E-E973977ED89F}" type="slidenum">
-              <a:rPr lang="en-US" altLang="zh-CN" sz="1400"/>
+              <a:rPr lang="en-US" altLang="zh-CN" sz="1400" smtClean="0"/>
               <a:pPr>
                 <a:spcBef>
                   <a:spcPct val="0"/>
@@ -41984,7 +38223,7 @@
               </a:pPr>
               <a:t>75</a:t>
             </a:fld>
-            <a:endParaRPr lang="en-CA" altLang="zh-CN" sz="1400"/>
+            <a:endParaRPr lang="en-CA" altLang="zh-CN" sz="1400" dirty="0"/>
           </a:p>
         </p:txBody>
       </p:sp>
@@ -42986,11 +39225,11 @@
               <a:buNone/>
             </a:pPr>
             <a:r>
-              <a:rPr lang="en-US" altLang="zh-CN" sz="1400"/>
-              <a:t>Slide 10- </a:t>
+              <a:rPr lang="en-US" altLang="zh-CN" sz="1400" dirty="0" smtClean="0"/>
+              <a:t>Slide 15- </a:t>
             </a:r>
             <a:fld id="{83892A5F-FDF8-44ED-ACB8-2F4A85602FDA}" type="slidenum">
-              <a:rPr lang="en-US" altLang="zh-CN" sz="1400"/>
+              <a:rPr lang="en-US" altLang="zh-CN" sz="1400" smtClean="0"/>
               <a:pPr>
                 <a:spcBef>
                   <a:spcPct val="0"/>
@@ -43002,7 +39241,7 @@
               </a:pPr>
               <a:t>76</a:t>
             </a:fld>
-            <a:endParaRPr lang="en-CA" altLang="zh-CN" sz="1400"/>
+            <a:endParaRPr lang="en-CA" altLang="zh-CN" sz="1400" dirty="0"/>
           </a:p>
         </p:txBody>
       </p:sp>
@@ -44004,11 +40243,11 @@
               <a:buNone/>
             </a:pPr>
             <a:r>
-              <a:rPr lang="en-US" altLang="zh-CN" sz="1400"/>
-              <a:t>Slide 10- </a:t>
+              <a:rPr lang="en-US" altLang="zh-CN" sz="1400" dirty="0" smtClean="0"/>
+              <a:t>Slide 15- </a:t>
             </a:r>
             <a:fld id="{C8BEFE4E-C1DD-4E3B-968F-8121FDB11F7B}" type="slidenum">
-              <a:rPr lang="en-US" altLang="zh-CN" sz="1400"/>
+              <a:rPr lang="en-US" altLang="zh-CN" sz="1400" smtClean="0"/>
               <a:pPr>
                 <a:spcBef>
                   <a:spcPct val="0"/>
@@ -44020,7 +40259,7 @@
               </a:pPr>
               <a:t>77</a:t>
             </a:fld>
-            <a:endParaRPr lang="en-CA" altLang="zh-CN" sz="1400"/>
+            <a:endParaRPr lang="en-CA" altLang="zh-CN" sz="1400" dirty="0"/>
           </a:p>
         </p:txBody>
       </p:sp>
@@ -45022,11 +41261,11 @@
               <a:buNone/>
             </a:pPr>
             <a:r>
-              <a:rPr lang="en-US" altLang="zh-CN" sz="1400"/>
-              <a:t>Slide 10- </a:t>
+              <a:rPr lang="en-US" altLang="zh-CN" sz="1400" dirty="0" smtClean="0"/>
+              <a:t>Slide 15- </a:t>
             </a:r>
             <a:fld id="{179801E8-B0FA-4ADF-BE7E-509EA657A9FB}" type="slidenum">
-              <a:rPr lang="en-US" altLang="zh-CN" sz="1400"/>
+              <a:rPr lang="en-US" altLang="zh-CN" sz="1400" smtClean="0"/>
               <a:pPr>
                 <a:spcBef>
                   <a:spcPct val="0"/>
@@ -45038,7 +41277,7 @@
               </a:pPr>
               <a:t>78</a:t>
             </a:fld>
-            <a:endParaRPr lang="en-CA" altLang="zh-CN" sz="1400"/>
+            <a:endParaRPr lang="en-CA" altLang="zh-CN" sz="1400" dirty="0"/>
           </a:p>
         </p:txBody>
       </p:sp>
@@ -46040,11 +42279,11 @@
               <a:buNone/>
             </a:pPr>
             <a:r>
-              <a:rPr lang="en-US" altLang="zh-CN" sz="1400"/>
-              <a:t>Slide 10- </a:t>
+              <a:rPr lang="en-US" altLang="zh-CN" sz="1400" dirty="0" smtClean="0"/>
+              <a:t>Slide 15- </a:t>
             </a:r>
             <a:fld id="{37B83845-61F1-45DA-9E37-F96121D63771}" type="slidenum">
-              <a:rPr lang="en-US" altLang="zh-CN" sz="1400"/>
+              <a:rPr lang="en-US" altLang="zh-CN" sz="1400" smtClean="0"/>
               <a:pPr>
                 <a:spcBef>
                   <a:spcPct val="0"/>
@@ -46056,7 +42295,7 @@
               </a:pPr>
               <a:t>79</a:t>
             </a:fld>
-            <a:endParaRPr lang="en-CA" altLang="zh-CN" sz="1400"/>
+            <a:endParaRPr lang="en-CA" altLang="zh-CN" sz="1400" dirty="0"/>
           </a:p>
         </p:txBody>
       </p:sp>
@@ -46847,239 +43086,6 @@
       </p:grpSpPr>
       <p:sp>
         <p:nvSpPr>
-          <p:cNvPr id="11266" name="灯片编号占位符 3"/>
-          <p:cNvSpPr>
-            <a:spLocks noGrp="1"/>
-          </p:cNvSpPr>
-          <p:nvPr>
-            <p:ph type="sldNum" sz="quarter" idx="10"/>
-          </p:nvPr>
-        </p:nvSpPr>
-        <p:spPr>
-          <a:noFill/>
-          <a:ln/>
-          <a:extLst>
-            <a:ext uri="{909E8E84-426E-40DD-AFC4-6F175D3DCCD1}">
-              <a14:hiddenFill xmlns:a14="http://schemas.microsoft.com/office/drawing/2010/main">
-                <a:solidFill>
-                  <a:srgbClr val="FFFFFF"/>
-                </a:solidFill>
-              </a14:hiddenFill>
-            </a:ext>
-            <a:ext uri="{91240B29-F687-4F45-9708-019B960494DF}">
-              <a14:hiddenLine xmlns:a14="http://schemas.microsoft.com/office/drawing/2010/main" w="9525">
-                <a:solidFill>
-                  <a:srgbClr val="000000"/>
-                </a:solidFill>
-                <a:miter lim="800000"/>
-                <a:headEnd/>
-                <a:tailEnd/>
-              </a14:hiddenLine>
-            </a:ext>
-          </a:extLst>
-        </p:spPr>
-        <p:txBody>
-          <a:bodyPr/>
-          <a:lstStyle>
-            <a:lvl1pPr>
-              <a:spcBef>
-                <a:spcPct val="20000"/>
-              </a:spcBef>
-              <a:buClr>
-                <a:srgbClr val="A50021"/>
-              </a:buClr>
-              <a:buSzPct val="60000"/>
-              <a:buFont typeface="Wingdings" panose="05000000000000000000" pitchFamily="2" charset="2"/>
-              <a:buChar char="n"/>
-              <a:defRPr sz="2800">
-                <a:solidFill>
-                  <a:schemeClr val="tx1"/>
-                </a:solidFill>
-                <a:latin typeface="Arial" panose="020B0604020202020204" pitchFamily="34" charset="0"/>
-              </a:defRPr>
-            </a:lvl1pPr>
-            <a:lvl2pPr marL="742950" indent="-285750">
-              <a:spcBef>
-                <a:spcPct val="20000"/>
-              </a:spcBef>
-              <a:buClr>
-                <a:srgbClr val="02B2CA"/>
-              </a:buClr>
-              <a:buSzPct val="55000"/>
-              <a:buFont typeface="Wingdings" panose="05000000000000000000" pitchFamily="2" charset="2"/>
-              <a:buChar char="n"/>
-              <a:defRPr sz="2800">
-                <a:solidFill>
-                  <a:schemeClr val="tx1"/>
-                </a:solidFill>
-                <a:latin typeface="Arial" panose="020B0604020202020204" pitchFamily="34" charset="0"/>
-              </a:defRPr>
-            </a:lvl2pPr>
-            <a:lvl3pPr marL="1143000" indent="-228600">
-              <a:spcBef>
-                <a:spcPct val="20000"/>
-              </a:spcBef>
-              <a:buClr>
-                <a:srgbClr val="A50021"/>
-              </a:buClr>
-              <a:buSzPct val="50000"/>
-              <a:buFont typeface="Wingdings" panose="05000000000000000000" pitchFamily="2" charset="2"/>
-              <a:buChar char="n"/>
-              <a:defRPr sz="2400">
-                <a:solidFill>
-                  <a:schemeClr val="tx1"/>
-                </a:solidFill>
-                <a:latin typeface="Arial" panose="020B0604020202020204" pitchFamily="34" charset="0"/>
-              </a:defRPr>
-            </a:lvl3pPr>
-            <a:lvl4pPr marL="1600200" indent="-228600">
-              <a:spcBef>
-                <a:spcPct val="20000"/>
-              </a:spcBef>
-              <a:buClr>
-                <a:srgbClr val="02B2CA"/>
-              </a:buClr>
-              <a:buSzPct val="55000"/>
-              <a:buFont typeface="Wingdings" panose="05000000000000000000" pitchFamily="2" charset="2"/>
-              <a:buChar char="n"/>
-              <a:defRPr sz="2000">
-                <a:solidFill>
-                  <a:schemeClr val="tx1"/>
-                </a:solidFill>
-                <a:latin typeface="Arial" panose="020B0604020202020204" pitchFamily="34" charset="0"/>
-              </a:defRPr>
-            </a:lvl4pPr>
-            <a:lvl5pPr marL="2057400" indent="-228600">
-              <a:spcBef>
-                <a:spcPct val="20000"/>
-              </a:spcBef>
-              <a:buClr>
-                <a:srgbClr val="A50021"/>
-              </a:buClr>
-              <a:buSzPct val="50000"/>
-              <a:buFont typeface="Wingdings" panose="05000000000000000000" pitchFamily="2" charset="2"/>
-              <a:buChar char="n"/>
-              <a:defRPr sz="2000">
-                <a:solidFill>
-                  <a:schemeClr val="tx1"/>
-                </a:solidFill>
-                <a:latin typeface="Arial" panose="020B0604020202020204" pitchFamily="34" charset="0"/>
-              </a:defRPr>
-            </a:lvl5pPr>
-            <a:lvl6pPr marL="2514600" indent="-228600" eaLnBrk="0" fontAlgn="base" hangingPunct="0">
-              <a:spcBef>
-                <a:spcPct val="20000"/>
-              </a:spcBef>
-              <a:spcAft>
-                <a:spcPct val="0"/>
-              </a:spcAft>
-              <a:buClr>
-                <a:srgbClr val="A50021"/>
-              </a:buClr>
-              <a:buSzPct val="50000"/>
-              <a:buFont typeface="Wingdings" panose="05000000000000000000" pitchFamily="2" charset="2"/>
-              <a:buChar char="n"/>
-              <a:defRPr sz="2000">
-                <a:solidFill>
-                  <a:schemeClr val="tx1"/>
-                </a:solidFill>
-                <a:latin typeface="Arial" panose="020B0604020202020204" pitchFamily="34" charset="0"/>
-              </a:defRPr>
-            </a:lvl6pPr>
-            <a:lvl7pPr marL="2971800" indent="-228600" eaLnBrk="0" fontAlgn="base" hangingPunct="0">
-              <a:spcBef>
-                <a:spcPct val="20000"/>
-              </a:spcBef>
-              <a:spcAft>
-                <a:spcPct val="0"/>
-              </a:spcAft>
-              <a:buClr>
-                <a:srgbClr val="A50021"/>
-              </a:buClr>
-              <a:buSzPct val="50000"/>
-              <a:buFont typeface="Wingdings" panose="05000000000000000000" pitchFamily="2" charset="2"/>
-              <a:buChar char="n"/>
-              <a:defRPr sz="2000">
-                <a:solidFill>
-                  <a:schemeClr val="tx1"/>
-                </a:solidFill>
-                <a:latin typeface="Arial" panose="020B0604020202020204" pitchFamily="34" charset="0"/>
-              </a:defRPr>
-            </a:lvl7pPr>
-            <a:lvl8pPr marL="3429000" indent="-228600" eaLnBrk="0" fontAlgn="base" hangingPunct="0">
-              <a:spcBef>
-                <a:spcPct val="20000"/>
-              </a:spcBef>
-              <a:spcAft>
-                <a:spcPct val="0"/>
-              </a:spcAft>
-              <a:buClr>
-                <a:srgbClr val="A50021"/>
-              </a:buClr>
-              <a:buSzPct val="50000"/>
-              <a:buFont typeface="Wingdings" panose="05000000000000000000" pitchFamily="2" charset="2"/>
-              <a:buChar char="n"/>
-              <a:defRPr sz="2000">
-                <a:solidFill>
-                  <a:schemeClr val="tx1"/>
-                </a:solidFill>
-                <a:latin typeface="Arial" panose="020B0604020202020204" pitchFamily="34" charset="0"/>
-              </a:defRPr>
-            </a:lvl8pPr>
-            <a:lvl9pPr marL="3886200" indent="-228600" eaLnBrk="0" fontAlgn="base" hangingPunct="0">
-              <a:spcBef>
-                <a:spcPct val="20000"/>
-              </a:spcBef>
-              <a:spcAft>
-                <a:spcPct val="0"/>
-              </a:spcAft>
-              <a:buClr>
-                <a:srgbClr val="A50021"/>
-              </a:buClr>
-              <a:buSzPct val="50000"/>
-              <a:buFont typeface="Wingdings" panose="05000000000000000000" pitchFamily="2" charset="2"/>
-              <a:buChar char="n"/>
-              <a:defRPr sz="2000">
-                <a:solidFill>
-                  <a:schemeClr val="tx1"/>
-                </a:solidFill>
-                <a:latin typeface="Arial" panose="020B0604020202020204" pitchFamily="34" charset="0"/>
-              </a:defRPr>
-            </a:lvl9pPr>
-          </a:lstStyle>
-          <a:p>
-            <a:pPr>
-              <a:spcBef>
-                <a:spcPct val="0"/>
-              </a:spcBef>
-              <a:buClrTx/>
-              <a:buSzTx/>
-              <a:buFontTx/>
-              <a:buNone/>
-            </a:pPr>
-            <a:r>
-              <a:rPr lang="en-US" altLang="zh-CN" sz="1400"/>
-              <a:t>Slide 10- </a:t>
-            </a:r>
-            <a:fld id="{65CDF02F-5F5F-4259-8F97-10E893FA7A6C}" type="slidenum">
-              <a:rPr lang="en-US" altLang="zh-CN" sz="1400"/>
-              <a:pPr>
-                <a:spcBef>
-                  <a:spcPct val="0"/>
-                </a:spcBef>
-                <a:buClrTx/>
-                <a:buSzTx/>
-                <a:buFontTx/>
-                <a:buNone/>
-              </a:pPr>
-              <a:t>8</a:t>
-            </a:fld>
-            <a:endParaRPr lang="en-CA" altLang="zh-CN" sz="1400"/>
-          </a:p>
-        </p:txBody>
-      </p:sp>
-      <p:sp>
-        <p:nvSpPr>
           <p:cNvPr id="11267" name="Rectangle 2"/>
           <p:cNvSpPr>
             <a:spLocks noGrp="1" noChangeArrowheads="1"/>
@@ -47221,239 +43227,6 @@
           <a:chExt cx="0" cy="0"/>
         </a:xfrm>
       </p:grpSpPr>
-      <p:sp>
-        <p:nvSpPr>
-          <p:cNvPr id="12290" name="灯片编号占位符 3"/>
-          <p:cNvSpPr>
-            <a:spLocks noGrp="1"/>
-          </p:cNvSpPr>
-          <p:nvPr>
-            <p:ph type="sldNum" sz="quarter" idx="10"/>
-          </p:nvPr>
-        </p:nvSpPr>
-        <p:spPr>
-          <a:noFill/>
-          <a:ln/>
-          <a:extLst>
-            <a:ext uri="{909E8E84-426E-40DD-AFC4-6F175D3DCCD1}">
-              <a14:hiddenFill xmlns:a14="http://schemas.microsoft.com/office/drawing/2010/main">
-                <a:solidFill>
-                  <a:srgbClr val="FFFFFF"/>
-                </a:solidFill>
-              </a14:hiddenFill>
-            </a:ext>
-            <a:ext uri="{91240B29-F687-4F45-9708-019B960494DF}">
-              <a14:hiddenLine xmlns:a14="http://schemas.microsoft.com/office/drawing/2010/main" w="9525">
-                <a:solidFill>
-                  <a:srgbClr val="000000"/>
-                </a:solidFill>
-                <a:miter lim="800000"/>
-                <a:headEnd/>
-                <a:tailEnd/>
-              </a14:hiddenLine>
-            </a:ext>
-          </a:extLst>
-        </p:spPr>
-        <p:txBody>
-          <a:bodyPr/>
-          <a:lstStyle>
-            <a:lvl1pPr>
-              <a:spcBef>
-                <a:spcPct val="20000"/>
-              </a:spcBef>
-              <a:buClr>
-                <a:srgbClr val="A50021"/>
-              </a:buClr>
-              <a:buSzPct val="60000"/>
-              <a:buFont typeface="Wingdings" panose="05000000000000000000" pitchFamily="2" charset="2"/>
-              <a:buChar char="n"/>
-              <a:defRPr sz="2800">
-                <a:solidFill>
-                  <a:schemeClr val="tx1"/>
-                </a:solidFill>
-                <a:latin typeface="Arial" panose="020B0604020202020204" pitchFamily="34" charset="0"/>
-              </a:defRPr>
-            </a:lvl1pPr>
-            <a:lvl2pPr marL="742950" indent="-285750">
-              <a:spcBef>
-                <a:spcPct val="20000"/>
-              </a:spcBef>
-              <a:buClr>
-                <a:srgbClr val="02B2CA"/>
-              </a:buClr>
-              <a:buSzPct val="55000"/>
-              <a:buFont typeface="Wingdings" panose="05000000000000000000" pitchFamily="2" charset="2"/>
-              <a:buChar char="n"/>
-              <a:defRPr sz="2800">
-                <a:solidFill>
-                  <a:schemeClr val="tx1"/>
-                </a:solidFill>
-                <a:latin typeface="Arial" panose="020B0604020202020204" pitchFamily="34" charset="0"/>
-              </a:defRPr>
-            </a:lvl2pPr>
-            <a:lvl3pPr marL="1143000" indent="-228600">
-              <a:spcBef>
-                <a:spcPct val="20000"/>
-              </a:spcBef>
-              <a:buClr>
-                <a:srgbClr val="A50021"/>
-              </a:buClr>
-              <a:buSzPct val="50000"/>
-              <a:buFont typeface="Wingdings" panose="05000000000000000000" pitchFamily="2" charset="2"/>
-              <a:buChar char="n"/>
-              <a:defRPr sz="2400">
-                <a:solidFill>
-                  <a:schemeClr val="tx1"/>
-                </a:solidFill>
-                <a:latin typeface="Arial" panose="020B0604020202020204" pitchFamily="34" charset="0"/>
-              </a:defRPr>
-            </a:lvl3pPr>
-            <a:lvl4pPr marL="1600200" indent="-228600">
-              <a:spcBef>
-                <a:spcPct val="20000"/>
-              </a:spcBef>
-              <a:buClr>
-                <a:srgbClr val="02B2CA"/>
-              </a:buClr>
-              <a:buSzPct val="55000"/>
-              <a:buFont typeface="Wingdings" panose="05000000000000000000" pitchFamily="2" charset="2"/>
-              <a:buChar char="n"/>
-              <a:defRPr sz="2000">
-                <a:solidFill>
-                  <a:schemeClr val="tx1"/>
-                </a:solidFill>
-                <a:latin typeface="Arial" panose="020B0604020202020204" pitchFamily="34" charset="0"/>
-              </a:defRPr>
-            </a:lvl4pPr>
-            <a:lvl5pPr marL="2057400" indent="-228600">
-              <a:spcBef>
-                <a:spcPct val="20000"/>
-              </a:spcBef>
-              <a:buClr>
-                <a:srgbClr val="A50021"/>
-              </a:buClr>
-              <a:buSzPct val="50000"/>
-              <a:buFont typeface="Wingdings" panose="05000000000000000000" pitchFamily="2" charset="2"/>
-              <a:buChar char="n"/>
-              <a:defRPr sz="2000">
-                <a:solidFill>
-                  <a:schemeClr val="tx1"/>
-                </a:solidFill>
-                <a:latin typeface="Arial" panose="020B0604020202020204" pitchFamily="34" charset="0"/>
-              </a:defRPr>
-            </a:lvl5pPr>
-            <a:lvl6pPr marL="2514600" indent="-228600" eaLnBrk="0" fontAlgn="base" hangingPunct="0">
-              <a:spcBef>
-                <a:spcPct val="20000"/>
-              </a:spcBef>
-              <a:spcAft>
-                <a:spcPct val="0"/>
-              </a:spcAft>
-              <a:buClr>
-                <a:srgbClr val="A50021"/>
-              </a:buClr>
-              <a:buSzPct val="50000"/>
-              <a:buFont typeface="Wingdings" panose="05000000000000000000" pitchFamily="2" charset="2"/>
-              <a:buChar char="n"/>
-              <a:defRPr sz="2000">
-                <a:solidFill>
-                  <a:schemeClr val="tx1"/>
-                </a:solidFill>
-                <a:latin typeface="Arial" panose="020B0604020202020204" pitchFamily="34" charset="0"/>
-              </a:defRPr>
-            </a:lvl6pPr>
-            <a:lvl7pPr marL="2971800" indent="-228600" eaLnBrk="0" fontAlgn="base" hangingPunct="0">
-              <a:spcBef>
-                <a:spcPct val="20000"/>
-              </a:spcBef>
-              <a:spcAft>
-                <a:spcPct val="0"/>
-              </a:spcAft>
-              <a:buClr>
-                <a:srgbClr val="A50021"/>
-              </a:buClr>
-              <a:buSzPct val="50000"/>
-              <a:buFont typeface="Wingdings" panose="05000000000000000000" pitchFamily="2" charset="2"/>
-              <a:buChar char="n"/>
-              <a:defRPr sz="2000">
-                <a:solidFill>
-                  <a:schemeClr val="tx1"/>
-                </a:solidFill>
-                <a:latin typeface="Arial" panose="020B0604020202020204" pitchFamily="34" charset="0"/>
-              </a:defRPr>
-            </a:lvl7pPr>
-            <a:lvl8pPr marL="3429000" indent="-228600" eaLnBrk="0" fontAlgn="base" hangingPunct="0">
-              <a:spcBef>
-                <a:spcPct val="20000"/>
-              </a:spcBef>
-              <a:spcAft>
-                <a:spcPct val="0"/>
-              </a:spcAft>
-              <a:buClr>
-                <a:srgbClr val="A50021"/>
-              </a:buClr>
-              <a:buSzPct val="50000"/>
-              <a:buFont typeface="Wingdings" panose="05000000000000000000" pitchFamily="2" charset="2"/>
-              <a:buChar char="n"/>
-              <a:defRPr sz="2000">
-                <a:solidFill>
-                  <a:schemeClr val="tx1"/>
-                </a:solidFill>
-                <a:latin typeface="Arial" panose="020B0604020202020204" pitchFamily="34" charset="0"/>
-              </a:defRPr>
-            </a:lvl8pPr>
-            <a:lvl9pPr marL="3886200" indent="-228600" eaLnBrk="0" fontAlgn="base" hangingPunct="0">
-              <a:spcBef>
-                <a:spcPct val="20000"/>
-              </a:spcBef>
-              <a:spcAft>
-                <a:spcPct val="0"/>
-              </a:spcAft>
-              <a:buClr>
-                <a:srgbClr val="A50021"/>
-              </a:buClr>
-              <a:buSzPct val="50000"/>
-              <a:buFont typeface="Wingdings" panose="05000000000000000000" pitchFamily="2" charset="2"/>
-              <a:buChar char="n"/>
-              <a:defRPr sz="2000">
-                <a:solidFill>
-                  <a:schemeClr val="tx1"/>
-                </a:solidFill>
-                <a:latin typeface="Arial" panose="020B0604020202020204" pitchFamily="34" charset="0"/>
-              </a:defRPr>
-            </a:lvl9pPr>
-          </a:lstStyle>
-          <a:p>
-            <a:pPr>
-              <a:spcBef>
-                <a:spcPct val="0"/>
-              </a:spcBef>
-              <a:buClrTx/>
-              <a:buSzTx/>
-              <a:buFontTx/>
-              <a:buNone/>
-            </a:pPr>
-            <a:r>
-              <a:rPr lang="en-US" altLang="zh-CN" sz="1400"/>
-              <a:t>Slide 10- </a:t>
-            </a:r>
-            <a:fld id="{12E601AE-B189-49D2-B318-3589F5D616C2}" type="slidenum">
-              <a:rPr lang="en-US" altLang="zh-CN" sz="1400"/>
-              <a:pPr>
-                <a:spcBef>
-                  <a:spcPct val="0"/>
-                </a:spcBef>
-                <a:buClrTx/>
-                <a:buSzTx/>
-                <a:buFontTx/>
-                <a:buNone/>
-              </a:pPr>
-              <a:t>9</a:t>
-            </a:fld>
-            <a:endParaRPr lang="en-CA" altLang="zh-CN" sz="1400"/>
-          </a:p>
-        </p:txBody>
-      </p:sp>
       <p:sp>
         <p:nvSpPr>
           <p:cNvPr id="12291" name="Rectangle 4"/>

--- a/ppt/Chapter 15.pptx
+++ b/ppt/Chapter 15.pptx
@@ -5,10 +5,10 @@
     <p:sldMasterId id="2147483649" r:id="rId1"/>
   </p:sldMasterIdLst>
   <p:notesMasterIdLst>
-    <p:notesMasterId r:id="rId81"/>
+    <p:notesMasterId r:id="rId82"/>
   </p:notesMasterIdLst>
   <p:handoutMasterIdLst>
-    <p:handoutMasterId r:id="rId82"/>
+    <p:handoutMasterId r:id="rId83"/>
   </p:handoutMasterIdLst>
   <p:sldIdLst>
     <p:sldId id="375" r:id="rId2"/>
@@ -49,47 +49,48 @@
     <p:sldId id="381" r:id="rId37"/>
     <p:sldId id="331" r:id="rId38"/>
     <p:sldId id="378" r:id="rId39"/>
-    <p:sldId id="332" r:id="rId40"/>
-    <p:sldId id="333" r:id="rId41"/>
-    <p:sldId id="334" r:id="rId42"/>
-    <p:sldId id="335" r:id="rId43"/>
-    <p:sldId id="336" r:id="rId44"/>
-    <p:sldId id="337" r:id="rId45"/>
-    <p:sldId id="338" r:id="rId46"/>
-    <p:sldId id="339" r:id="rId47"/>
-    <p:sldId id="340" r:id="rId48"/>
-    <p:sldId id="341" r:id="rId49"/>
-    <p:sldId id="342" r:id="rId50"/>
-    <p:sldId id="343" r:id="rId51"/>
-    <p:sldId id="344" r:id="rId52"/>
-    <p:sldId id="345" r:id="rId53"/>
-    <p:sldId id="346" r:id="rId54"/>
-    <p:sldId id="347" r:id="rId55"/>
-    <p:sldId id="348" r:id="rId56"/>
-    <p:sldId id="349" r:id="rId57"/>
-    <p:sldId id="350" r:id="rId58"/>
-    <p:sldId id="351" r:id="rId59"/>
-    <p:sldId id="352" r:id="rId60"/>
-    <p:sldId id="353" r:id="rId61"/>
-    <p:sldId id="354" r:id="rId62"/>
-    <p:sldId id="355" r:id="rId63"/>
-    <p:sldId id="356" r:id="rId64"/>
-    <p:sldId id="357" r:id="rId65"/>
-    <p:sldId id="358" r:id="rId66"/>
-    <p:sldId id="359" r:id="rId67"/>
-    <p:sldId id="360" r:id="rId68"/>
-    <p:sldId id="361" r:id="rId69"/>
-    <p:sldId id="362" r:id="rId70"/>
-    <p:sldId id="363" r:id="rId71"/>
-    <p:sldId id="364" r:id="rId72"/>
-    <p:sldId id="365" r:id="rId73"/>
-    <p:sldId id="366" r:id="rId74"/>
-    <p:sldId id="367" r:id="rId75"/>
-    <p:sldId id="368" r:id="rId76"/>
-    <p:sldId id="369" r:id="rId77"/>
-    <p:sldId id="370" r:id="rId78"/>
-    <p:sldId id="371" r:id="rId79"/>
-    <p:sldId id="372" r:id="rId80"/>
+    <p:sldId id="382" r:id="rId40"/>
+    <p:sldId id="332" r:id="rId41"/>
+    <p:sldId id="333" r:id="rId42"/>
+    <p:sldId id="334" r:id="rId43"/>
+    <p:sldId id="335" r:id="rId44"/>
+    <p:sldId id="336" r:id="rId45"/>
+    <p:sldId id="337" r:id="rId46"/>
+    <p:sldId id="338" r:id="rId47"/>
+    <p:sldId id="339" r:id="rId48"/>
+    <p:sldId id="340" r:id="rId49"/>
+    <p:sldId id="341" r:id="rId50"/>
+    <p:sldId id="342" r:id="rId51"/>
+    <p:sldId id="343" r:id="rId52"/>
+    <p:sldId id="344" r:id="rId53"/>
+    <p:sldId id="345" r:id="rId54"/>
+    <p:sldId id="346" r:id="rId55"/>
+    <p:sldId id="347" r:id="rId56"/>
+    <p:sldId id="348" r:id="rId57"/>
+    <p:sldId id="349" r:id="rId58"/>
+    <p:sldId id="350" r:id="rId59"/>
+    <p:sldId id="351" r:id="rId60"/>
+    <p:sldId id="352" r:id="rId61"/>
+    <p:sldId id="353" r:id="rId62"/>
+    <p:sldId id="354" r:id="rId63"/>
+    <p:sldId id="355" r:id="rId64"/>
+    <p:sldId id="356" r:id="rId65"/>
+    <p:sldId id="357" r:id="rId66"/>
+    <p:sldId id="358" r:id="rId67"/>
+    <p:sldId id="359" r:id="rId68"/>
+    <p:sldId id="360" r:id="rId69"/>
+    <p:sldId id="361" r:id="rId70"/>
+    <p:sldId id="362" r:id="rId71"/>
+    <p:sldId id="363" r:id="rId72"/>
+    <p:sldId id="364" r:id="rId73"/>
+    <p:sldId id="365" r:id="rId74"/>
+    <p:sldId id="366" r:id="rId75"/>
+    <p:sldId id="367" r:id="rId76"/>
+    <p:sldId id="368" r:id="rId77"/>
+    <p:sldId id="369" r:id="rId78"/>
+    <p:sldId id="370" r:id="rId79"/>
+    <p:sldId id="371" r:id="rId80"/>
+    <p:sldId id="372" r:id="rId81"/>
   </p:sldIdLst>
   <p:sldSz cx="9144000" cy="6858000" type="letter"/>
   <p:notesSz cx="6858000" cy="9144000"/>
@@ -13269,7 +13270,7 @@
           <a:p>
             <a:pPr eaLnBrk="1" hangingPunct="1"/>
             <a:r>
-              <a:rPr lang="en-US" altLang="zh-CN" smtClean="0">
+              <a:rPr lang="en-US" altLang="zh-CN" dirty="0" smtClean="0">
                 <a:ea typeface="宋体" panose="02010600030101010101" pitchFamily="2" charset="-122"/>
               </a:rPr>
               <a:t>Destructors in Derived Classes</a:t>
@@ -14135,41 +14136,41 @@
           <a:p>
             <a:pPr eaLnBrk="1" hangingPunct="1"/>
             <a:r>
-              <a:rPr lang="en-US" altLang="zh-CN" smtClean="0">
+              <a:rPr lang="en-US" altLang="zh-CN" dirty="0" smtClean="0">
                 <a:ea typeface="宋体" panose="02010600030101010101" pitchFamily="2" charset="-122"/>
               </a:rPr>
               <a:t>Can you</a:t>
             </a:r>
             <a:br>
-              <a:rPr lang="en-US" altLang="zh-CN" smtClean="0">
+              <a:rPr lang="en-US" altLang="zh-CN" dirty="0" smtClean="0">
                 <a:ea typeface="宋体" panose="02010600030101010101" pitchFamily="2" charset="-122"/>
               </a:rPr>
             </a:br>
-            <a:endParaRPr lang="en-US" altLang="zh-CN" smtClean="0">
+            <a:endParaRPr lang="en-US" altLang="zh-CN" dirty="0" smtClean="0">
               <a:ea typeface="宋体" panose="02010600030101010101" pitchFamily="2" charset="-122"/>
             </a:endParaRPr>
           </a:p>
           <a:p>
             <a:pPr lvl="1" eaLnBrk="1" hangingPunct="1"/>
             <a:r>
-              <a:rPr lang="en-US" altLang="zh-CN" smtClean="0">
+              <a:rPr lang="en-US" altLang="zh-CN" dirty="0" smtClean="0">
                 <a:ea typeface="宋体" panose="02010600030101010101" pitchFamily="2" charset="-122"/>
               </a:rPr>
               <a:t>List some special functions that are not inherited by a derived class?</a:t>
             </a:r>
             <a:br>
-              <a:rPr lang="en-US" altLang="zh-CN" smtClean="0">
+              <a:rPr lang="en-US" altLang="zh-CN" dirty="0" smtClean="0">
                 <a:ea typeface="宋体" panose="02010600030101010101" pitchFamily="2" charset="-122"/>
               </a:rPr>
             </a:br>
-            <a:endParaRPr lang="en-US" altLang="zh-CN" smtClean="0">
+            <a:endParaRPr lang="en-US" altLang="zh-CN" dirty="0" smtClean="0">
               <a:ea typeface="宋体" panose="02010600030101010101" pitchFamily="2" charset="-122"/>
             </a:endParaRPr>
           </a:p>
           <a:p>
             <a:pPr lvl="1" eaLnBrk="1" hangingPunct="1"/>
             <a:r>
-              <a:rPr lang="en-US" altLang="zh-CN" smtClean="0">
+              <a:rPr lang="en-US" altLang="zh-CN" dirty="0" smtClean="0">
                 <a:ea typeface="宋体" panose="02010600030101010101" pitchFamily="2" charset="-122"/>
               </a:rPr>
               <a:t>Write code to invoke the base class copy constructor in defining the derived class's copy constructor?</a:t>
@@ -14304,242 +14305,9 @@
       </p:grpSpPr>
       <p:sp>
         <p:nvSpPr>
-          <p:cNvPr id="40962" name="灯片编号占位符 3"/>
+          <p:cNvPr id="2" name="标题 1"/>
           <p:cNvSpPr>
             <a:spLocks noGrp="1"/>
-          </p:cNvSpPr>
-          <p:nvPr>
-            <p:ph type="sldNum" sz="quarter" idx="10"/>
-          </p:nvPr>
-        </p:nvSpPr>
-        <p:spPr>
-          <a:noFill/>
-          <a:ln/>
-          <a:extLst>
-            <a:ext uri="{909E8E84-426E-40DD-AFC4-6F175D3DCCD1}">
-              <a14:hiddenFill xmlns:a14="http://schemas.microsoft.com/office/drawing/2010/main">
-                <a:solidFill>
-                  <a:srgbClr val="FFFFFF"/>
-                </a:solidFill>
-              </a14:hiddenFill>
-            </a:ext>
-            <a:ext uri="{91240B29-F687-4F45-9708-019B960494DF}">
-              <a14:hiddenLine xmlns:a14="http://schemas.microsoft.com/office/drawing/2010/main" w="9525">
-                <a:solidFill>
-                  <a:srgbClr val="000000"/>
-                </a:solidFill>
-                <a:miter lim="800000"/>
-                <a:headEnd/>
-                <a:tailEnd/>
-              </a14:hiddenLine>
-            </a:ext>
-          </a:extLst>
-        </p:spPr>
-        <p:txBody>
-          <a:bodyPr/>
-          <a:lstStyle>
-            <a:lvl1pPr>
-              <a:spcBef>
-                <a:spcPct val="20000"/>
-              </a:spcBef>
-              <a:buClr>
-                <a:srgbClr val="A50021"/>
-              </a:buClr>
-              <a:buSzPct val="60000"/>
-              <a:buFont typeface="Wingdings" panose="05000000000000000000" pitchFamily="2" charset="2"/>
-              <a:buChar char="n"/>
-              <a:defRPr sz="2800">
-                <a:solidFill>
-                  <a:schemeClr val="tx1"/>
-                </a:solidFill>
-                <a:latin typeface="Arial" panose="020B0604020202020204" pitchFamily="34" charset="0"/>
-              </a:defRPr>
-            </a:lvl1pPr>
-            <a:lvl2pPr marL="742950" indent="-285750">
-              <a:spcBef>
-                <a:spcPct val="20000"/>
-              </a:spcBef>
-              <a:buClr>
-                <a:srgbClr val="02B2CA"/>
-              </a:buClr>
-              <a:buSzPct val="55000"/>
-              <a:buFont typeface="Wingdings" panose="05000000000000000000" pitchFamily="2" charset="2"/>
-              <a:buChar char="n"/>
-              <a:defRPr sz="2800">
-                <a:solidFill>
-                  <a:schemeClr val="tx1"/>
-                </a:solidFill>
-                <a:latin typeface="Arial" panose="020B0604020202020204" pitchFamily="34" charset="0"/>
-              </a:defRPr>
-            </a:lvl2pPr>
-            <a:lvl3pPr marL="1143000" indent="-228600">
-              <a:spcBef>
-                <a:spcPct val="20000"/>
-              </a:spcBef>
-              <a:buClr>
-                <a:srgbClr val="A50021"/>
-              </a:buClr>
-              <a:buSzPct val="50000"/>
-              <a:buFont typeface="Wingdings" panose="05000000000000000000" pitchFamily="2" charset="2"/>
-              <a:buChar char="n"/>
-              <a:defRPr sz="2400">
-                <a:solidFill>
-                  <a:schemeClr val="tx1"/>
-                </a:solidFill>
-                <a:latin typeface="Arial" panose="020B0604020202020204" pitchFamily="34" charset="0"/>
-              </a:defRPr>
-            </a:lvl3pPr>
-            <a:lvl4pPr marL="1600200" indent="-228600">
-              <a:spcBef>
-                <a:spcPct val="20000"/>
-              </a:spcBef>
-              <a:buClr>
-                <a:srgbClr val="02B2CA"/>
-              </a:buClr>
-              <a:buSzPct val="55000"/>
-              <a:buFont typeface="Wingdings" panose="05000000000000000000" pitchFamily="2" charset="2"/>
-              <a:buChar char="n"/>
-              <a:defRPr sz="2000">
-                <a:solidFill>
-                  <a:schemeClr val="tx1"/>
-                </a:solidFill>
-                <a:latin typeface="Arial" panose="020B0604020202020204" pitchFamily="34" charset="0"/>
-              </a:defRPr>
-            </a:lvl4pPr>
-            <a:lvl5pPr marL="2057400" indent="-228600">
-              <a:spcBef>
-                <a:spcPct val="20000"/>
-              </a:spcBef>
-              <a:buClr>
-                <a:srgbClr val="A50021"/>
-              </a:buClr>
-              <a:buSzPct val="50000"/>
-              <a:buFont typeface="Wingdings" panose="05000000000000000000" pitchFamily="2" charset="2"/>
-              <a:buChar char="n"/>
-              <a:defRPr sz="2000">
-                <a:solidFill>
-                  <a:schemeClr val="tx1"/>
-                </a:solidFill>
-                <a:latin typeface="Arial" panose="020B0604020202020204" pitchFamily="34" charset="0"/>
-              </a:defRPr>
-            </a:lvl5pPr>
-            <a:lvl6pPr marL="2514600" indent="-228600" eaLnBrk="0" fontAlgn="base" hangingPunct="0">
-              <a:spcBef>
-                <a:spcPct val="20000"/>
-              </a:spcBef>
-              <a:spcAft>
-                <a:spcPct val="0"/>
-              </a:spcAft>
-              <a:buClr>
-                <a:srgbClr val="A50021"/>
-              </a:buClr>
-              <a:buSzPct val="50000"/>
-              <a:buFont typeface="Wingdings" panose="05000000000000000000" pitchFamily="2" charset="2"/>
-              <a:buChar char="n"/>
-              <a:defRPr sz="2000">
-                <a:solidFill>
-                  <a:schemeClr val="tx1"/>
-                </a:solidFill>
-                <a:latin typeface="Arial" panose="020B0604020202020204" pitchFamily="34" charset="0"/>
-              </a:defRPr>
-            </a:lvl6pPr>
-            <a:lvl7pPr marL="2971800" indent="-228600" eaLnBrk="0" fontAlgn="base" hangingPunct="0">
-              <a:spcBef>
-                <a:spcPct val="20000"/>
-              </a:spcBef>
-              <a:spcAft>
-                <a:spcPct val="0"/>
-              </a:spcAft>
-              <a:buClr>
-                <a:srgbClr val="A50021"/>
-              </a:buClr>
-              <a:buSzPct val="50000"/>
-              <a:buFont typeface="Wingdings" panose="05000000000000000000" pitchFamily="2" charset="2"/>
-              <a:buChar char="n"/>
-              <a:defRPr sz="2000">
-                <a:solidFill>
-                  <a:schemeClr val="tx1"/>
-                </a:solidFill>
-                <a:latin typeface="Arial" panose="020B0604020202020204" pitchFamily="34" charset="0"/>
-              </a:defRPr>
-            </a:lvl7pPr>
-            <a:lvl8pPr marL="3429000" indent="-228600" eaLnBrk="0" fontAlgn="base" hangingPunct="0">
-              <a:spcBef>
-                <a:spcPct val="20000"/>
-              </a:spcBef>
-              <a:spcAft>
-                <a:spcPct val="0"/>
-              </a:spcAft>
-              <a:buClr>
-                <a:srgbClr val="A50021"/>
-              </a:buClr>
-              <a:buSzPct val="50000"/>
-              <a:buFont typeface="Wingdings" panose="05000000000000000000" pitchFamily="2" charset="2"/>
-              <a:buChar char="n"/>
-              <a:defRPr sz="2000">
-                <a:solidFill>
-                  <a:schemeClr val="tx1"/>
-                </a:solidFill>
-                <a:latin typeface="Arial" panose="020B0604020202020204" pitchFamily="34" charset="0"/>
-              </a:defRPr>
-            </a:lvl8pPr>
-            <a:lvl9pPr marL="3886200" indent="-228600" eaLnBrk="0" fontAlgn="base" hangingPunct="0">
-              <a:spcBef>
-                <a:spcPct val="20000"/>
-              </a:spcBef>
-              <a:spcAft>
-                <a:spcPct val="0"/>
-              </a:spcAft>
-              <a:buClr>
-                <a:srgbClr val="A50021"/>
-              </a:buClr>
-              <a:buSzPct val="50000"/>
-              <a:buFont typeface="Wingdings" panose="05000000000000000000" pitchFamily="2" charset="2"/>
-              <a:buChar char="n"/>
-              <a:defRPr sz="2000">
-                <a:solidFill>
-                  <a:schemeClr val="tx1"/>
-                </a:solidFill>
-                <a:latin typeface="Arial" panose="020B0604020202020204" pitchFamily="34" charset="0"/>
-              </a:defRPr>
-            </a:lvl9pPr>
-          </a:lstStyle>
-          <a:p>
-            <a:pPr>
-              <a:spcBef>
-                <a:spcPct val="0"/>
-              </a:spcBef>
-              <a:buClrTx/>
-              <a:buSzTx/>
-              <a:buFontTx/>
-              <a:buNone/>
-            </a:pPr>
-            <a:r>
-              <a:rPr lang="en-US" altLang="zh-CN" sz="1400" dirty="0" smtClean="0"/>
-              <a:t>Slide 15- </a:t>
-            </a:r>
-            <a:fld id="{27FA1554-94F8-4EA3-87F6-3C29EEB3976D}" type="slidenum">
-              <a:rPr lang="en-US" altLang="zh-CN" sz="1400" smtClean="0"/>
-              <a:pPr>
-                <a:spcBef>
-                  <a:spcPct val="0"/>
-                </a:spcBef>
-                <a:buClrTx/>
-                <a:buSzTx/>
-                <a:buFontTx/>
-                <a:buNone/>
-              </a:pPr>
-              <a:t>39</a:t>
-            </a:fld>
-            <a:endParaRPr lang="en-CA" altLang="zh-CN" sz="1400" dirty="0"/>
-          </a:p>
-        </p:txBody>
-      </p:sp>
-      <p:sp>
-        <p:nvSpPr>
-          <p:cNvPr id="40963" name="Rectangle 3"/>
-          <p:cNvSpPr>
-            <a:spLocks noGrp="1" noChangeArrowheads="1"/>
           </p:cNvSpPr>
           <p:nvPr>
             <p:ph type="title"/>
@@ -14550,24 +14318,274 @@
           <a:bodyPr/>
           <a:lstStyle/>
           <a:p>
-            <a:pPr eaLnBrk="1" hangingPunct="1"/>
-            <a:r>
-              <a:rPr lang="en-US" altLang="zh-CN" dirty="0" smtClean="0">
-                <a:ea typeface="宋体" panose="02010600030101010101" pitchFamily="2" charset="-122"/>
-              </a:rPr>
-              <a:t>Polymorphism</a:t>
-            </a:r>
+            <a:r>
+              <a:rPr lang="en-US" altLang="zh-CN" dirty="0" smtClean="0"/>
+              <a:t>Review</a:t>
+            </a:r>
+            <a:endParaRPr lang="zh-CN" altLang="en-US" dirty="0"/>
           </a:p>
         </p:txBody>
       </p:sp>
       <p:sp>
         <p:nvSpPr>
-          <p:cNvPr id="40964" name="Rectangle 4"/>
+          <p:cNvPr id="3" name="内容占位符 2"/>
           <p:cNvSpPr>
-            <a:spLocks noGrp="1" noChangeArrowheads="1"/>
+            <a:spLocks noGrp="1"/>
           </p:cNvSpPr>
           <p:nvPr>
-            <p:ph type="body" idx="1"/>
+            <p:ph idx="1"/>
+          </p:nvPr>
+        </p:nvSpPr>
+        <p:spPr>
+          <a:xfrm>
+            <a:off x="544513" y="1676400"/>
+            <a:ext cx="8294687" cy="4648200"/>
+          </a:xfrm>
+        </p:spPr>
+        <p:txBody>
+          <a:bodyPr/>
+          <a:lstStyle/>
+          <a:p>
+            <a:pPr eaLnBrk="1" hangingPunct="1">
+              <a:lnSpc>
+                <a:spcPct val="155000"/>
+              </a:lnSpc>
+              <a:buNone/>
+            </a:pPr>
+            <a:r>
+              <a:rPr lang="en-US" altLang="zh-CN" dirty="0">
+                <a:solidFill>
+                  <a:srgbClr val="A50021"/>
+                </a:solidFill>
+                <a:ea typeface="宋体" panose="02010600030101010101" pitchFamily="2" charset="-122"/>
+              </a:rPr>
+              <a:t>15.1   Inheritance Basics </a:t>
+            </a:r>
+            <a:endParaRPr lang="en-US" altLang="zh-CN" dirty="0" smtClean="0">
+              <a:solidFill>
+                <a:srgbClr val="A50021"/>
+              </a:solidFill>
+              <a:ea typeface="宋体" panose="02010600030101010101" pitchFamily="2" charset="-122"/>
+            </a:endParaRPr>
+          </a:p>
+          <a:p>
+            <a:pPr eaLnBrk="1" hangingPunct="1">
+              <a:lnSpc>
+                <a:spcPct val="155000"/>
+              </a:lnSpc>
+              <a:buNone/>
+            </a:pPr>
+            <a:r>
+              <a:rPr lang="en-US" altLang="zh-CN" sz="2000" dirty="0">
+                <a:solidFill>
+                  <a:srgbClr val="A50021"/>
+                </a:solidFill>
+                <a:ea typeface="宋体" panose="02010600030101010101" pitchFamily="2" charset="-122"/>
+              </a:rPr>
+              <a:t> </a:t>
+            </a:r>
+            <a:r>
+              <a:rPr lang="en-US" altLang="zh-CN" sz="2000" dirty="0" smtClean="0">
+                <a:solidFill>
+                  <a:srgbClr val="A50021"/>
+                </a:solidFill>
+                <a:ea typeface="宋体" panose="02010600030101010101" pitchFamily="2" charset="-122"/>
+              </a:rPr>
+              <a:t> </a:t>
+            </a:r>
+            <a:r>
+              <a:rPr lang="en-US" altLang="zh-CN" sz="1800" kern="1200" dirty="0">
+                <a:solidFill>
+                  <a:srgbClr val="0000FF"/>
+                </a:solidFill>
+                <a:ea typeface="宋体" panose="02010600030101010101" pitchFamily="2" charset="-122"/>
+              </a:rPr>
+              <a:t>class A{</a:t>
+            </a:r>
+          </a:p>
+          <a:p>
+            <a:pPr eaLnBrk="1" hangingPunct="1">
+              <a:lnSpc>
+                <a:spcPct val="155000"/>
+              </a:lnSpc>
+              <a:buNone/>
+            </a:pPr>
+            <a:r>
+              <a:rPr lang="en-US" altLang="zh-CN" sz="1800" kern="1200" dirty="0">
+                <a:solidFill>
+                  <a:srgbClr val="0000FF"/>
+                </a:solidFill>
+                <a:ea typeface="宋体" panose="02010600030101010101" pitchFamily="2" charset="-122"/>
+              </a:rPr>
+              <a:t>	};</a:t>
+            </a:r>
+          </a:p>
+          <a:p>
+            <a:pPr eaLnBrk="1" hangingPunct="1">
+              <a:lnSpc>
+                <a:spcPct val="155000"/>
+              </a:lnSpc>
+              <a:buNone/>
+            </a:pPr>
+            <a:r>
+              <a:rPr lang="en-US" altLang="zh-CN" sz="1800" kern="1200" dirty="0">
+                <a:solidFill>
+                  <a:srgbClr val="0000FF"/>
+                </a:solidFill>
+                <a:ea typeface="宋体" panose="02010600030101010101" pitchFamily="2" charset="-122"/>
+              </a:rPr>
+              <a:t> </a:t>
+            </a:r>
+            <a:r>
+              <a:rPr lang="en-US" altLang="zh-CN" sz="1800" kern="1200" dirty="0">
+                <a:solidFill>
+                  <a:srgbClr val="0000FF"/>
+                </a:solidFill>
+                <a:ea typeface="宋体" panose="02010600030101010101" pitchFamily="2" charset="-122"/>
+              </a:rPr>
+              <a:t>  class B:public A{</a:t>
+            </a:r>
+          </a:p>
+          <a:p>
+            <a:pPr eaLnBrk="1" hangingPunct="1">
+              <a:lnSpc>
+                <a:spcPct val="155000"/>
+              </a:lnSpc>
+              <a:buNone/>
+            </a:pPr>
+            <a:r>
+              <a:rPr lang="en-US" altLang="zh-CN" sz="1800" kern="1200" dirty="0">
+                <a:solidFill>
+                  <a:srgbClr val="0000FF"/>
+                </a:solidFill>
+                <a:ea typeface="宋体" panose="02010600030101010101" pitchFamily="2" charset="-122"/>
+              </a:rPr>
+              <a:t>   };</a:t>
+            </a:r>
+            <a:endParaRPr lang="en-US" altLang="zh-CN" sz="1800" kern="1200" dirty="0">
+              <a:solidFill>
+                <a:srgbClr val="0000FF"/>
+              </a:solidFill>
+              <a:ea typeface="宋体" panose="02010600030101010101" pitchFamily="2" charset="-122"/>
+            </a:endParaRPr>
+          </a:p>
+          <a:p>
+            <a:pPr eaLnBrk="1" hangingPunct="1">
+              <a:lnSpc>
+                <a:spcPct val="155000"/>
+              </a:lnSpc>
+              <a:buNone/>
+            </a:pPr>
+            <a:r>
+              <a:rPr lang="en-US" altLang="zh-CN" dirty="0">
+                <a:solidFill>
+                  <a:srgbClr val="A50021"/>
+                </a:solidFill>
+                <a:ea typeface="宋体" panose="02010600030101010101" pitchFamily="2" charset="-122"/>
+              </a:rPr>
+              <a:t>15.2 	  Inheritance Details </a:t>
+            </a:r>
+            <a:endParaRPr lang="en-US" altLang="zh-CN" dirty="0" smtClean="0">
+              <a:solidFill>
+                <a:srgbClr val="A50021"/>
+              </a:solidFill>
+              <a:ea typeface="宋体" panose="02010600030101010101" pitchFamily="2" charset="-122"/>
+            </a:endParaRPr>
+          </a:p>
+          <a:p>
+            <a:pPr eaLnBrk="1" hangingPunct="1">
+              <a:lnSpc>
+                <a:spcPct val="155000"/>
+              </a:lnSpc>
+              <a:buNone/>
+            </a:pPr>
+            <a:r>
+              <a:rPr lang="en-US" altLang="zh-CN" dirty="0">
+                <a:solidFill>
+                  <a:srgbClr val="A50021"/>
+                </a:solidFill>
+                <a:ea typeface="宋体" panose="02010600030101010101" pitchFamily="2" charset="-122"/>
+              </a:rPr>
+              <a:t> </a:t>
+            </a:r>
+            <a:r>
+              <a:rPr lang="en-US" altLang="zh-CN" dirty="0" smtClean="0">
+                <a:solidFill>
+                  <a:srgbClr val="A50021"/>
+                </a:solidFill>
+                <a:ea typeface="宋体" panose="02010600030101010101" pitchFamily="2" charset="-122"/>
+              </a:rPr>
+              <a:t>  </a:t>
+            </a:r>
+            <a:r>
+              <a:rPr lang="en-US" altLang="zh-CN" sz="2000" dirty="0" smtClean="0">
+                <a:solidFill>
+                  <a:srgbClr val="A50021"/>
+                </a:solidFill>
+                <a:ea typeface="宋体" panose="02010600030101010101" pitchFamily="2" charset="-122"/>
+              </a:rPr>
+              <a:t>Constructor </a:t>
+            </a:r>
+          </a:p>
+          <a:p>
+            <a:pPr eaLnBrk="1" hangingPunct="1">
+              <a:lnSpc>
+                <a:spcPct val="155000"/>
+              </a:lnSpc>
+              <a:buNone/>
+            </a:pPr>
+            <a:r>
+              <a:rPr lang="en-US" altLang="zh-CN" sz="2000">
+                <a:solidFill>
+                  <a:srgbClr val="A50021"/>
+                </a:solidFill>
+                <a:ea typeface="宋体" panose="02010600030101010101" pitchFamily="2" charset="-122"/>
+              </a:rPr>
+              <a:t> </a:t>
+            </a:r>
+            <a:r>
+              <a:rPr lang="en-US" altLang="zh-CN" sz="2000" smtClean="0">
+                <a:solidFill>
+                  <a:srgbClr val="A50021"/>
+                </a:solidFill>
+                <a:ea typeface="宋体" panose="02010600030101010101" pitchFamily="2" charset="-122"/>
+              </a:rPr>
+              <a:t>   Destructor</a:t>
+            </a:r>
+            <a:endParaRPr lang="en-US" altLang="zh-CN" sz="2000" dirty="0" smtClean="0">
+              <a:solidFill>
+                <a:srgbClr val="A50021"/>
+              </a:solidFill>
+              <a:ea typeface="宋体" panose="02010600030101010101" pitchFamily="2" charset="-122"/>
+            </a:endParaRPr>
+          </a:p>
+          <a:p>
+            <a:pPr eaLnBrk="1" hangingPunct="1">
+              <a:lnSpc>
+                <a:spcPct val="155000"/>
+              </a:lnSpc>
+              <a:buNone/>
+            </a:pPr>
+            <a:endParaRPr lang="en-US" altLang="zh-CN" dirty="0">
+              <a:solidFill>
+                <a:srgbClr val="A50021"/>
+              </a:solidFill>
+              <a:ea typeface="宋体" panose="02010600030101010101" pitchFamily="2" charset="-122"/>
+            </a:endParaRPr>
+          </a:p>
+          <a:p>
+            <a:endParaRPr lang="zh-CN" altLang="en-US" dirty="0"/>
+          </a:p>
+        </p:txBody>
+      </p:sp>
+      <p:sp>
+        <p:nvSpPr>
+          <p:cNvPr id="4" name="灯片编号占位符 3"/>
+          <p:cNvSpPr>
+            <a:spLocks noGrp="1"/>
+          </p:cNvSpPr>
+          <p:nvPr>
+            <p:ph type="sldNum" sz="quarter" idx="10"/>
           </p:nvPr>
         </p:nvSpPr>
         <p:spPr/>
@@ -14575,72 +14593,35 @@
           <a:bodyPr/>
           <a:lstStyle/>
           <a:p>
-            <a:pPr eaLnBrk="1" hangingPunct="1"/>
-            <a:r>
-              <a:rPr lang="en-US" altLang="zh-CN" dirty="0" smtClean="0">
-                <a:ea typeface="宋体" panose="02010600030101010101" pitchFamily="2" charset="-122"/>
-              </a:rPr>
-              <a:t>Polymorphism refers to the ability to associate</a:t>
-            </a:r>
-            <a:br>
-              <a:rPr lang="en-US" altLang="zh-CN" dirty="0" smtClean="0">
-                <a:ea typeface="宋体" panose="02010600030101010101" pitchFamily="2" charset="-122"/>
-              </a:rPr>
-            </a:br>
-            <a:r>
-              <a:rPr lang="en-US" altLang="zh-CN" dirty="0" smtClean="0">
-                <a:ea typeface="宋体" panose="02010600030101010101" pitchFamily="2" charset="-122"/>
-              </a:rPr>
-              <a:t>multiple meanings with one function name </a:t>
-            </a:r>
-            <a:br>
-              <a:rPr lang="en-US" altLang="zh-CN" dirty="0" smtClean="0">
-                <a:ea typeface="宋体" panose="02010600030101010101" pitchFamily="2" charset="-122"/>
-              </a:rPr>
-            </a:br>
-            <a:r>
-              <a:rPr lang="en-US" altLang="zh-CN" dirty="0" smtClean="0">
-                <a:ea typeface="宋体" panose="02010600030101010101" pitchFamily="2" charset="-122"/>
-              </a:rPr>
-              <a:t>using a mechanism called late binding</a:t>
-            </a:r>
-          </a:p>
-          <a:p>
-            <a:pPr eaLnBrk="1" hangingPunct="1"/>
-            <a:r>
-              <a:rPr lang="en-US" altLang="zh-CN" dirty="0" smtClean="0">
-                <a:ea typeface="宋体" panose="02010600030101010101" pitchFamily="2" charset="-122"/>
-              </a:rPr>
-              <a:t>Polymorphism is a key component of the </a:t>
-            </a:r>
-            <a:br>
-              <a:rPr lang="en-US" altLang="zh-CN" dirty="0" smtClean="0">
-                <a:ea typeface="宋体" panose="02010600030101010101" pitchFamily="2" charset="-122"/>
-              </a:rPr>
-            </a:br>
-            <a:r>
-              <a:rPr lang="en-US" altLang="zh-CN" dirty="0" smtClean="0">
-                <a:ea typeface="宋体" panose="02010600030101010101" pitchFamily="2" charset="-122"/>
-              </a:rPr>
-              <a:t>philosophy of object oriented programming</a:t>
-            </a:r>
-          </a:p>
-          <a:p>
-            <a:pPr eaLnBrk="1" hangingPunct="1"/>
-            <a:endParaRPr lang="en-US" altLang="zh-CN" dirty="0" smtClean="0">
-              <a:ea typeface="宋体" panose="02010600030101010101" pitchFamily="2" charset="-122"/>
-            </a:endParaRPr>
+            <a:pPr>
+              <a:defRPr/>
+            </a:pPr>
+            <a:r>
+              <a:rPr lang="en-US" altLang="zh-CN" smtClean="0"/>
+              <a:t>Slide 15- </a:t>
+            </a:r>
+            <a:fld id="{B3B8002B-5056-493A-AFCD-026EC2EEC3A1}" type="slidenum">
+              <a:rPr lang="en-US" altLang="zh-CN" smtClean="0"/>
+              <a:pPr>
+                <a:defRPr/>
+              </a:pPr>
+              <a:t>39</a:t>
+            </a:fld>
+            <a:endParaRPr lang="en-CA" altLang="zh-CN"/>
           </a:p>
         </p:txBody>
       </p:sp>
     </p:spTree>
+    <p:extLst>
+      <p:ext uri="{BB962C8B-B14F-4D97-AF65-F5344CB8AC3E}">
+        <p14:creationId xmlns:p14="http://schemas.microsoft.com/office/powerpoint/2010/main" val="3587429577"/>
+      </p:ext>
+    </p:extLst>
   </p:cSld>
   <p:clrMapOvr>
     <a:masterClrMapping/>
   </p:clrMapOvr>
-  <p:transition spd="med">
-    <p:wipe dir="r"/>
-  </p:transition>
+  <p:transition spd="med"/>
 </p:sld>
 </file>
 
@@ -14753,7 +14734,7 @@
       </p:grpSpPr>
       <p:sp>
         <p:nvSpPr>
-          <p:cNvPr id="41986" name="灯片编号占位符 3"/>
+          <p:cNvPr id="40962" name="灯片编号占位符 3"/>
           <p:cNvSpPr>
             <a:spLocks noGrp="1"/>
           </p:cNvSpPr>
@@ -14967,7 +14948,7 @@
               <a:rPr lang="en-US" altLang="zh-CN" sz="1400" dirty="0" smtClean="0"/>
               <a:t>Slide 15- </a:t>
             </a:r>
-            <a:fld id="{0680659E-F99B-44F6-AD39-CF711204D77C}" type="slidenum">
+            <a:fld id="{27FA1554-94F8-4EA3-87F6-3C29EEB3976D}" type="slidenum">
               <a:rPr lang="en-US" altLang="zh-CN" sz="1400" smtClean="0"/>
               <a:pPr>
                 <a:spcBef>
@@ -14986,7 +14967,7 @@
       </p:sp>
       <p:sp>
         <p:nvSpPr>
-          <p:cNvPr id="41987" name="Rectangle 2"/>
+          <p:cNvPr id="40963" name="Rectangle 3"/>
           <p:cNvSpPr>
             <a:spLocks noGrp="1" noChangeArrowheads="1"/>
           </p:cNvSpPr>
@@ -15001,17 +14982,17 @@
           <a:p>
             <a:pPr eaLnBrk="1" hangingPunct="1"/>
             <a:r>
-              <a:rPr lang="en-US" altLang="zh-CN" smtClean="0">
-                <a:ea typeface="宋体" panose="02010600030101010101" pitchFamily="2" charset="-122"/>
-              </a:rPr>
-              <a:t>A Late Binding Example</a:t>
+              <a:rPr lang="en-US" altLang="zh-CN" dirty="0" smtClean="0">
+                <a:ea typeface="宋体" panose="02010600030101010101" pitchFamily="2" charset="-122"/>
+              </a:rPr>
+              <a:t>Polymorphism</a:t>
             </a:r>
           </a:p>
         </p:txBody>
       </p:sp>
       <p:sp>
         <p:nvSpPr>
-          <p:cNvPr id="41988" name="Rectangle 3"/>
+          <p:cNvPr id="40964" name="Rectangle 4"/>
           <p:cNvSpPr>
             <a:spLocks noGrp="1" noChangeArrowheads="1"/>
           </p:cNvSpPr>
@@ -15026,62 +15007,57 @@
           <a:p>
             <a:pPr eaLnBrk="1" hangingPunct="1"/>
             <a:r>
-              <a:rPr lang="en-US" altLang="zh-CN" smtClean="0">
-                <a:ea typeface="宋体" panose="02010600030101010101" pitchFamily="2" charset="-122"/>
-              </a:rPr>
-              <a:t>Imagine a graphics program with several types </a:t>
+              <a:rPr lang="en-US" altLang="zh-CN" dirty="0" smtClean="0">
+                <a:ea typeface="宋体" panose="02010600030101010101" pitchFamily="2" charset="-122"/>
+              </a:rPr>
+              <a:t>Polymorphism refers to the ability to associate</a:t>
             </a:r>
             <a:br>
-              <a:rPr lang="en-US" altLang="zh-CN" smtClean="0">
+              <a:rPr lang="en-US" altLang="zh-CN" dirty="0" smtClean="0">
                 <a:ea typeface="宋体" panose="02010600030101010101" pitchFamily="2" charset="-122"/>
               </a:rPr>
             </a:br>
             <a:r>
-              <a:rPr lang="en-US" altLang="zh-CN" smtClean="0">
-                <a:ea typeface="宋体" panose="02010600030101010101" pitchFamily="2" charset="-122"/>
-              </a:rPr>
-              <a:t>of figures</a:t>
-            </a:r>
-          </a:p>
-          <a:p>
-            <a:pPr lvl="1" eaLnBrk="1" hangingPunct="1"/>
-            <a:r>
-              <a:rPr lang="en-US" altLang="zh-CN" smtClean="0">
-                <a:ea typeface="宋体" panose="02010600030101010101" pitchFamily="2" charset="-122"/>
-              </a:rPr>
-              <a:t>Each figure may be an object of a different class, such as a circle, oval, rectangle, etc.</a:t>
-            </a:r>
-          </a:p>
-          <a:p>
-            <a:pPr lvl="1" eaLnBrk="1" hangingPunct="1"/>
-            <a:r>
-              <a:rPr lang="en-US" altLang="zh-CN" smtClean="0">
-                <a:ea typeface="宋体" panose="02010600030101010101" pitchFamily="2" charset="-122"/>
-              </a:rPr>
-              <a:t>Each is a descendant of a class Figure</a:t>
-            </a:r>
-          </a:p>
-          <a:p>
-            <a:pPr lvl="1" eaLnBrk="1" hangingPunct="1"/>
-            <a:r>
-              <a:rPr lang="en-US" altLang="zh-CN" smtClean="0">
-                <a:ea typeface="宋体" panose="02010600030101010101" pitchFamily="2" charset="-122"/>
-              </a:rPr>
-              <a:t>Each has a function draw( ) implemented with code specific to each shape</a:t>
-            </a:r>
-          </a:p>
-          <a:p>
-            <a:pPr lvl="1" eaLnBrk="1" hangingPunct="1"/>
-            <a:r>
-              <a:rPr lang="en-US" altLang="zh-CN" smtClean="0">
-                <a:ea typeface="宋体" panose="02010600030101010101" pitchFamily="2" charset="-122"/>
-              </a:rPr>
-              <a:t>Class Figure has functions common to all figures</a:t>
-            </a:r>
-          </a:p>
-          <a:p>
-            <a:pPr lvl="1" eaLnBrk="1" hangingPunct="1"/>
-            <a:endParaRPr lang="en-US" altLang="zh-CN" smtClean="0">
+              <a:rPr lang="en-US" altLang="zh-CN" dirty="0" smtClean="0">
+                <a:ea typeface="宋体" panose="02010600030101010101" pitchFamily="2" charset="-122"/>
+              </a:rPr>
+              <a:t>multiple meanings with one function name </a:t>
+            </a:r>
+            <a:br>
+              <a:rPr lang="en-US" altLang="zh-CN" dirty="0" smtClean="0">
+                <a:ea typeface="宋体" panose="02010600030101010101" pitchFamily="2" charset="-122"/>
+              </a:rPr>
+            </a:br>
+            <a:r>
+              <a:rPr lang="en-US" altLang="zh-CN" dirty="0" smtClean="0">
+                <a:ea typeface="宋体" panose="02010600030101010101" pitchFamily="2" charset="-122"/>
+              </a:rPr>
+              <a:t>using a mechanism called late binding</a:t>
+            </a:r>
+          </a:p>
+          <a:p>
+            <a:pPr eaLnBrk="1" hangingPunct="1"/>
+            <a:r>
+              <a:rPr lang="en-US" altLang="zh-CN" dirty="0" smtClean="0">
+                <a:ea typeface="宋体" panose="02010600030101010101" pitchFamily="2" charset="-122"/>
+              </a:rPr>
+              <a:t>Polymorphism is a key component of the </a:t>
+            </a:r>
+            <a:br>
+              <a:rPr lang="en-US" altLang="zh-CN" dirty="0" smtClean="0">
+                <a:ea typeface="宋体" panose="02010600030101010101" pitchFamily="2" charset="-122"/>
+              </a:rPr>
+            </a:br>
+            <a:r>
+              <a:rPr lang="en-US" altLang="zh-CN" dirty="0" smtClean="0">
+                <a:ea typeface="宋体" panose="02010600030101010101" pitchFamily="2" charset="-122"/>
+              </a:rPr>
+              <a:t>philosophy of object oriented programming</a:t>
+            </a:r>
+          </a:p>
+          <a:p>
+            <a:pPr eaLnBrk="1" hangingPunct="1"/>
+            <a:endParaRPr lang="en-US" altLang="zh-CN" dirty="0" smtClean="0">
               <a:ea typeface="宋体" panose="02010600030101010101" pitchFamily="2" charset="-122"/>
             </a:endParaRPr>
           </a:p>
@@ -15117,7 +15093,7 @@
       </p:grpSpPr>
       <p:sp>
         <p:nvSpPr>
-          <p:cNvPr id="43010" name="灯片编号占位符 3"/>
+          <p:cNvPr id="41986" name="灯片编号占位符 3"/>
           <p:cNvSpPr>
             <a:spLocks noGrp="1"/>
           </p:cNvSpPr>
@@ -15331,7 +15307,7 @@
               <a:rPr lang="en-US" altLang="zh-CN" sz="1400" dirty="0" smtClean="0"/>
               <a:t>Slide 15- </a:t>
             </a:r>
-            <a:fld id="{2929237D-CBDF-4818-A374-E5CB47ADA02B}" type="slidenum">
+            <a:fld id="{0680659E-F99B-44F6-AD39-CF711204D77C}" type="slidenum">
               <a:rPr lang="en-US" altLang="zh-CN" sz="1400" smtClean="0"/>
               <a:pPr>
                 <a:spcBef>
@@ -15350,7 +15326,7 @@
       </p:sp>
       <p:sp>
         <p:nvSpPr>
-          <p:cNvPr id="43011" name="Rectangle 2"/>
+          <p:cNvPr id="41987" name="Rectangle 2"/>
           <p:cNvSpPr>
             <a:spLocks noGrp="1" noChangeArrowheads="1"/>
           </p:cNvSpPr>
@@ -15368,14 +15344,14 @@
               <a:rPr lang="en-US" altLang="zh-CN" smtClean="0">
                 <a:ea typeface="宋体" panose="02010600030101010101" pitchFamily="2" charset="-122"/>
               </a:rPr>
-              <a:t>A Problem</a:t>
+              <a:t>A Late Binding Example</a:t>
             </a:r>
           </a:p>
         </p:txBody>
       </p:sp>
       <p:sp>
         <p:nvSpPr>
-          <p:cNvPr id="43012" name="Rectangle 3"/>
+          <p:cNvPr id="41988" name="Rectangle 3"/>
           <p:cNvSpPr>
             <a:spLocks noGrp="1" noChangeArrowheads="1"/>
           </p:cNvSpPr>
@@ -15393,7 +15369,18 @@
               <a:rPr lang="en-US" altLang="zh-CN" smtClean="0">
                 <a:ea typeface="宋体" panose="02010600030101010101" pitchFamily="2" charset="-122"/>
               </a:rPr>
-              <a:t>Suppose that class Figure has a function center</a:t>
+              <a:t>Imagine a graphics program with several types </a:t>
+            </a:r>
+            <a:br>
+              <a:rPr lang="en-US" altLang="zh-CN" smtClean="0">
+                <a:ea typeface="宋体" panose="02010600030101010101" pitchFamily="2" charset="-122"/>
+              </a:rPr>
+            </a:br>
+            <a:r>
+              <a:rPr lang="en-US" altLang="zh-CN" smtClean="0">
+                <a:ea typeface="宋体" panose="02010600030101010101" pitchFamily="2" charset="-122"/>
+              </a:rPr>
+              <a:t>of figures</a:t>
             </a:r>
           </a:p>
           <a:p>
@@ -15402,7 +15389,7 @@
               <a:rPr lang="en-US" altLang="zh-CN" smtClean="0">
                 <a:ea typeface="宋体" panose="02010600030101010101" pitchFamily="2" charset="-122"/>
               </a:rPr>
-              <a:t>Function center moves a figure to the center of the screen by erasing the figure and redrawing it in the center of the screen</a:t>
+              <a:t>Each figure may be an object of a different class, such as a circle, oval, rectangle, etc.</a:t>
             </a:r>
           </a:p>
           <a:p>
@@ -15411,26 +15398,32 @@
               <a:rPr lang="en-US" altLang="zh-CN" smtClean="0">
                 <a:ea typeface="宋体" panose="02010600030101010101" pitchFamily="2" charset="-122"/>
               </a:rPr>
-              <a:t>Function center is inherited by each of the derived classes</a:t>
-            </a:r>
-          </a:p>
-          <a:p>
-            <a:pPr lvl="2" eaLnBrk="1" hangingPunct="1"/>
+              <a:t>Each is a descendant of a class Figure</a:t>
+            </a:r>
+          </a:p>
+          <a:p>
+            <a:pPr lvl="1" eaLnBrk="1" hangingPunct="1"/>
             <a:r>
               <a:rPr lang="en-US" altLang="zh-CN" smtClean="0">
                 <a:ea typeface="宋体" panose="02010600030101010101" pitchFamily="2" charset="-122"/>
               </a:rPr>
-              <a:t>Function center uses each derived object's draw function to draw the figure</a:t>
-            </a:r>
-          </a:p>
-          <a:p>
-            <a:pPr lvl="2" eaLnBrk="1" hangingPunct="1"/>
+              <a:t>Each has a function draw( ) implemented with code specific to each shape</a:t>
+            </a:r>
+          </a:p>
+          <a:p>
+            <a:pPr lvl="1" eaLnBrk="1" hangingPunct="1"/>
             <a:r>
               <a:rPr lang="en-US" altLang="zh-CN" smtClean="0">
                 <a:ea typeface="宋体" panose="02010600030101010101" pitchFamily="2" charset="-122"/>
               </a:rPr>
-              <a:t>The Figure class does not know about its derived classes, so it cannot know how to draw each figure</a:t>
-            </a:r>
+              <a:t>Class Figure has functions common to all figures</a:t>
+            </a:r>
+          </a:p>
+          <a:p>
+            <a:pPr lvl="1" eaLnBrk="1" hangingPunct="1"/>
+            <a:endParaRPr lang="en-US" altLang="zh-CN" smtClean="0">
+              <a:ea typeface="宋体" panose="02010600030101010101" pitchFamily="2" charset="-122"/>
+            </a:endParaRPr>
           </a:p>
         </p:txBody>
       </p:sp>
@@ -15464,7 +15457,7 @@
       </p:grpSpPr>
       <p:sp>
         <p:nvSpPr>
-          <p:cNvPr id="44034" name="灯片编号占位符 3"/>
+          <p:cNvPr id="43010" name="灯片编号占位符 3"/>
           <p:cNvSpPr>
             <a:spLocks noGrp="1"/>
           </p:cNvSpPr>
@@ -15678,7 +15671,7 @@
               <a:rPr lang="en-US" altLang="zh-CN" sz="1400" dirty="0" smtClean="0"/>
               <a:t>Slide 15- </a:t>
             </a:r>
-            <a:fld id="{1C3E42C1-EA00-4AD1-947E-5069871DBF61}" type="slidenum">
+            <a:fld id="{2929237D-CBDF-4818-A374-E5CB47ADA02B}" type="slidenum">
               <a:rPr lang="en-US" altLang="zh-CN" sz="1400" smtClean="0"/>
               <a:pPr>
                 <a:spcBef>
@@ -15697,7 +15690,7 @@
       </p:sp>
       <p:sp>
         <p:nvSpPr>
-          <p:cNvPr id="44035" name="Rectangle 2"/>
+          <p:cNvPr id="43011" name="Rectangle 2"/>
           <p:cNvSpPr>
             <a:spLocks noGrp="1" noChangeArrowheads="1"/>
           </p:cNvSpPr>
@@ -15715,14 +15708,14 @@
               <a:rPr lang="en-US" altLang="zh-CN" smtClean="0">
                 <a:ea typeface="宋体" panose="02010600030101010101" pitchFamily="2" charset="-122"/>
               </a:rPr>
-              <a:t>Virtual Functions</a:t>
+              <a:t>A Problem</a:t>
             </a:r>
           </a:p>
         </p:txBody>
       </p:sp>
       <p:sp>
         <p:nvSpPr>
-          <p:cNvPr id="44036" name="Rectangle 3"/>
+          <p:cNvPr id="43012" name="Rectangle 3"/>
           <p:cNvSpPr>
             <a:spLocks noGrp="1" noChangeArrowheads="1"/>
           </p:cNvSpPr>
@@ -15740,102 +15733,43 @@
               <a:rPr lang="en-US" altLang="zh-CN" smtClean="0">
                 <a:ea typeface="宋体" panose="02010600030101010101" pitchFamily="2" charset="-122"/>
               </a:rPr>
-              <a:t>Because the Figure class includes a method to </a:t>
-            </a:r>
-            <a:br>
+              <a:t>Suppose that class Figure has a function center</a:t>
+            </a:r>
+          </a:p>
+          <a:p>
+            <a:pPr lvl="1" eaLnBrk="1" hangingPunct="1"/>
+            <a:r>
               <a:rPr lang="en-US" altLang="zh-CN" smtClean="0">
                 <a:ea typeface="宋体" panose="02010600030101010101" pitchFamily="2" charset="-122"/>
               </a:rPr>
-            </a:br>
+              <a:t>Function center moves a figure to the center of the screen by erasing the figure and redrawing it in the center of the screen</a:t>
+            </a:r>
+          </a:p>
+          <a:p>
+            <a:pPr lvl="1" eaLnBrk="1" hangingPunct="1"/>
             <a:r>
               <a:rPr lang="en-US" altLang="zh-CN" smtClean="0">
                 <a:ea typeface="宋体" panose="02010600030101010101" pitchFamily="2" charset="-122"/>
               </a:rPr>
-              <a:t>draw figures, but the Figure class cannot know</a:t>
-            </a:r>
-            <a:br>
+              <a:t>Function center is inherited by each of the derived classes</a:t>
+            </a:r>
+          </a:p>
+          <a:p>
+            <a:pPr lvl="2" eaLnBrk="1" hangingPunct="1"/>
+            <a:r>
               <a:rPr lang="en-US" altLang="zh-CN" smtClean="0">
                 <a:ea typeface="宋体" panose="02010600030101010101" pitchFamily="2" charset="-122"/>
               </a:rPr>
-            </a:br>
+              <a:t>Function center uses each derived object's draw function to draw the figure</a:t>
+            </a:r>
+          </a:p>
+          <a:p>
+            <a:pPr lvl="2" eaLnBrk="1" hangingPunct="1"/>
             <a:r>
               <a:rPr lang="en-US" altLang="zh-CN" smtClean="0">
                 <a:ea typeface="宋体" panose="02010600030101010101" pitchFamily="2" charset="-122"/>
               </a:rPr>
-              <a:t>how to draw the figures, virtual functions are </a:t>
-            </a:r>
-            <a:br>
-              <a:rPr lang="en-US" altLang="zh-CN" smtClean="0">
-                <a:ea typeface="宋体" panose="02010600030101010101" pitchFamily="2" charset="-122"/>
-              </a:rPr>
-            </a:br>
-            <a:r>
-              <a:rPr lang="en-US" altLang="zh-CN" smtClean="0">
-                <a:ea typeface="宋体" panose="02010600030101010101" pitchFamily="2" charset="-122"/>
-              </a:rPr>
-              <a:t>used</a:t>
-            </a:r>
-          </a:p>
-          <a:p>
-            <a:pPr eaLnBrk="1" hangingPunct="1"/>
-            <a:r>
-              <a:rPr lang="en-US" altLang="zh-CN" smtClean="0">
-                <a:ea typeface="宋体" panose="02010600030101010101" pitchFamily="2" charset="-122"/>
-              </a:rPr>
-              <a:t>Making a function virtual tells the compiler that</a:t>
-            </a:r>
-            <a:br>
-              <a:rPr lang="en-US" altLang="zh-CN" smtClean="0">
-                <a:ea typeface="宋体" panose="02010600030101010101" pitchFamily="2" charset="-122"/>
-              </a:rPr>
-            </a:br>
-            <a:r>
-              <a:rPr lang="en-US" altLang="zh-CN" smtClean="0">
-                <a:ea typeface="宋体" panose="02010600030101010101" pitchFamily="2" charset="-122"/>
-              </a:rPr>
-              <a:t>you don't know how the function is implemented</a:t>
-            </a:r>
-            <a:br>
-              <a:rPr lang="en-US" altLang="zh-CN" smtClean="0">
-                <a:ea typeface="宋体" panose="02010600030101010101" pitchFamily="2" charset="-122"/>
-              </a:rPr>
-            </a:br>
-            <a:r>
-              <a:rPr lang="en-US" altLang="zh-CN" smtClean="0">
-                <a:ea typeface="宋体" panose="02010600030101010101" pitchFamily="2" charset="-122"/>
-              </a:rPr>
-              <a:t>and to wait until the function is used in a</a:t>
-            </a:r>
-            <a:br>
-              <a:rPr lang="en-US" altLang="zh-CN" smtClean="0">
-                <a:ea typeface="宋体" panose="02010600030101010101" pitchFamily="2" charset="-122"/>
-              </a:rPr>
-            </a:br>
-            <a:r>
-              <a:rPr lang="en-US" altLang="zh-CN" smtClean="0">
-                <a:ea typeface="宋体" panose="02010600030101010101" pitchFamily="2" charset="-122"/>
-              </a:rPr>
-              <a:t>program, then get the implementation from the </a:t>
-            </a:r>
-            <a:br>
-              <a:rPr lang="en-US" altLang="zh-CN" smtClean="0">
-                <a:ea typeface="宋体" panose="02010600030101010101" pitchFamily="2" charset="-122"/>
-              </a:rPr>
-            </a:br>
-            <a:r>
-              <a:rPr lang="en-US" altLang="zh-CN" smtClean="0">
-                <a:ea typeface="宋体" panose="02010600030101010101" pitchFamily="2" charset="-122"/>
-              </a:rPr>
-              <a:t>object.  </a:t>
-            </a:r>
-          </a:p>
-          <a:p>
-            <a:pPr lvl="1" eaLnBrk="1" hangingPunct="1"/>
-            <a:r>
-              <a:rPr lang="en-US" altLang="zh-CN" smtClean="0">
-                <a:ea typeface="宋体" panose="02010600030101010101" pitchFamily="2" charset="-122"/>
-              </a:rPr>
-              <a:t>This is called late binding</a:t>
+              <a:t>The Figure class does not know about its derived classes, so it cannot know how to draw each figure</a:t>
             </a:r>
           </a:p>
         </p:txBody>
@@ -15870,6 +15804,412 @@
       </p:grpSpPr>
       <p:sp>
         <p:nvSpPr>
+          <p:cNvPr id="44034" name="灯片编号占位符 3"/>
+          <p:cNvSpPr>
+            <a:spLocks noGrp="1"/>
+          </p:cNvSpPr>
+          <p:nvPr>
+            <p:ph type="sldNum" sz="quarter" idx="10"/>
+          </p:nvPr>
+        </p:nvSpPr>
+        <p:spPr>
+          <a:noFill/>
+          <a:ln/>
+          <a:extLst>
+            <a:ext uri="{909E8E84-426E-40DD-AFC4-6F175D3DCCD1}">
+              <a14:hiddenFill xmlns:a14="http://schemas.microsoft.com/office/drawing/2010/main">
+                <a:solidFill>
+                  <a:srgbClr val="FFFFFF"/>
+                </a:solidFill>
+              </a14:hiddenFill>
+            </a:ext>
+            <a:ext uri="{91240B29-F687-4F45-9708-019B960494DF}">
+              <a14:hiddenLine xmlns:a14="http://schemas.microsoft.com/office/drawing/2010/main" w="9525">
+                <a:solidFill>
+                  <a:srgbClr val="000000"/>
+                </a:solidFill>
+                <a:miter lim="800000"/>
+                <a:headEnd/>
+                <a:tailEnd/>
+              </a14:hiddenLine>
+            </a:ext>
+          </a:extLst>
+        </p:spPr>
+        <p:txBody>
+          <a:bodyPr/>
+          <a:lstStyle>
+            <a:lvl1pPr>
+              <a:spcBef>
+                <a:spcPct val="20000"/>
+              </a:spcBef>
+              <a:buClr>
+                <a:srgbClr val="A50021"/>
+              </a:buClr>
+              <a:buSzPct val="60000"/>
+              <a:buFont typeface="Wingdings" panose="05000000000000000000" pitchFamily="2" charset="2"/>
+              <a:buChar char="n"/>
+              <a:defRPr sz="2800">
+                <a:solidFill>
+                  <a:schemeClr val="tx1"/>
+                </a:solidFill>
+                <a:latin typeface="Arial" panose="020B0604020202020204" pitchFamily="34" charset="0"/>
+              </a:defRPr>
+            </a:lvl1pPr>
+            <a:lvl2pPr marL="742950" indent="-285750">
+              <a:spcBef>
+                <a:spcPct val="20000"/>
+              </a:spcBef>
+              <a:buClr>
+                <a:srgbClr val="02B2CA"/>
+              </a:buClr>
+              <a:buSzPct val="55000"/>
+              <a:buFont typeface="Wingdings" panose="05000000000000000000" pitchFamily="2" charset="2"/>
+              <a:buChar char="n"/>
+              <a:defRPr sz="2800">
+                <a:solidFill>
+                  <a:schemeClr val="tx1"/>
+                </a:solidFill>
+                <a:latin typeface="Arial" panose="020B0604020202020204" pitchFamily="34" charset="0"/>
+              </a:defRPr>
+            </a:lvl2pPr>
+            <a:lvl3pPr marL="1143000" indent="-228600">
+              <a:spcBef>
+                <a:spcPct val="20000"/>
+              </a:spcBef>
+              <a:buClr>
+                <a:srgbClr val="A50021"/>
+              </a:buClr>
+              <a:buSzPct val="50000"/>
+              <a:buFont typeface="Wingdings" panose="05000000000000000000" pitchFamily="2" charset="2"/>
+              <a:buChar char="n"/>
+              <a:defRPr sz="2400">
+                <a:solidFill>
+                  <a:schemeClr val="tx1"/>
+                </a:solidFill>
+                <a:latin typeface="Arial" panose="020B0604020202020204" pitchFamily="34" charset="0"/>
+              </a:defRPr>
+            </a:lvl3pPr>
+            <a:lvl4pPr marL="1600200" indent="-228600">
+              <a:spcBef>
+                <a:spcPct val="20000"/>
+              </a:spcBef>
+              <a:buClr>
+                <a:srgbClr val="02B2CA"/>
+              </a:buClr>
+              <a:buSzPct val="55000"/>
+              <a:buFont typeface="Wingdings" panose="05000000000000000000" pitchFamily="2" charset="2"/>
+              <a:buChar char="n"/>
+              <a:defRPr sz="2000">
+                <a:solidFill>
+                  <a:schemeClr val="tx1"/>
+                </a:solidFill>
+                <a:latin typeface="Arial" panose="020B0604020202020204" pitchFamily="34" charset="0"/>
+              </a:defRPr>
+            </a:lvl4pPr>
+            <a:lvl5pPr marL="2057400" indent="-228600">
+              <a:spcBef>
+                <a:spcPct val="20000"/>
+              </a:spcBef>
+              <a:buClr>
+                <a:srgbClr val="A50021"/>
+              </a:buClr>
+              <a:buSzPct val="50000"/>
+              <a:buFont typeface="Wingdings" panose="05000000000000000000" pitchFamily="2" charset="2"/>
+              <a:buChar char="n"/>
+              <a:defRPr sz="2000">
+                <a:solidFill>
+                  <a:schemeClr val="tx1"/>
+                </a:solidFill>
+                <a:latin typeface="Arial" panose="020B0604020202020204" pitchFamily="34" charset="0"/>
+              </a:defRPr>
+            </a:lvl5pPr>
+            <a:lvl6pPr marL="2514600" indent="-228600" eaLnBrk="0" fontAlgn="base" hangingPunct="0">
+              <a:spcBef>
+                <a:spcPct val="20000"/>
+              </a:spcBef>
+              <a:spcAft>
+                <a:spcPct val="0"/>
+              </a:spcAft>
+              <a:buClr>
+                <a:srgbClr val="A50021"/>
+              </a:buClr>
+              <a:buSzPct val="50000"/>
+              <a:buFont typeface="Wingdings" panose="05000000000000000000" pitchFamily="2" charset="2"/>
+              <a:buChar char="n"/>
+              <a:defRPr sz="2000">
+                <a:solidFill>
+                  <a:schemeClr val="tx1"/>
+                </a:solidFill>
+                <a:latin typeface="Arial" panose="020B0604020202020204" pitchFamily="34" charset="0"/>
+              </a:defRPr>
+            </a:lvl6pPr>
+            <a:lvl7pPr marL="2971800" indent="-228600" eaLnBrk="0" fontAlgn="base" hangingPunct="0">
+              <a:spcBef>
+                <a:spcPct val="20000"/>
+              </a:spcBef>
+              <a:spcAft>
+                <a:spcPct val="0"/>
+              </a:spcAft>
+              <a:buClr>
+                <a:srgbClr val="A50021"/>
+              </a:buClr>
+              <a:buSzPct val="50000"/>
+              <a:buFont typeface="Wingdings" panose="05000000000000000000" pitchFamily="2" charset="2"/>
+              <a:buChar char="n"/>
+              <a:defRPr sz="2000">
+                <a:solidFill>
+                  <a:schemeClr val="tx1"/>
+                </a:solidFill>
+                <a:latin typeface="Arial" panose="020B0604020202020204" pitchFamily="34" charset="0"/>
+              </a:defRPr>
+            </a:lvl7pPr>
+            <a:lvl8pPr marL="3429000" indent="-228600" eaLnBrk="0" fontAlgn="base" hangingPunct="0">
+              <a:spcBef>
+                <a:spcPct val="20000"/>
+              </a:spcBef>
+              <a:spcAft>
+                <a:spcPct val="0"/>
+              </a:spcAft>
+              <a:buClr>
+                <a:srgbClr val="A50021"/>
+              </a:buClr>
+              <a:buSzPct val="50000"/>
+              <a:buFont typeface="Wingdings" panose="05000000000000000000" pitchFamily="2" charset="2"/>
+              <a:buChar char="n"/>
+              <a:defRPr sz="2000">
+                <a:solidFill>
+                  <a:schemeClr val="tx1"/>
+                </a:solidFill>
+                <a:latin typeface="Arial" panose="020B0604020202020204" pitchFamily="34" charset="0"/>
+              </a:defRPr>
+            </a:lvl8pPr>
+            <a:lvl9pPr marL="3886200" indent="-228600" eaLnBrk="0" fontAlgn="base" hangingPunct="0">
+              <a:spcBef>
+                <a:spcPct val="20000"/>
+              </a:spcBef>
+              <a:spcAft>
+                <a:spcPct val="0"/>
+              </a:spcAft>
+              <a:buClr>
+                <a:srgbClr val="A50021"/>
+              </a:buClr>
+              <a:buSzPct val="50000"/>
+              <a:buFont typeface="Wingdings" panose="05000000000000000000" pitchFamily="2" charset="2"/>
+              <a:buChar char="n"/>
+              <a:defRPr sz="2000">
+                <a:solidFill>
+                  <a:schemeClr val="tx1"/>
+                </a:solidFill>
+                <a:latin typeface="Arial" panose="020B0604020202020204" pitchFamily="34" charset="0"/>
+              </a:defRPr>
+            </a:lvl9pPr>
+          </a:lstStyle>
+          <a:p>
+            <a:pPr>
+              <a:spcBef>
+                <a:spcPct val="0"/>
+              </a:spcBef>
+              <a:buClrTx/>
+              <a:buSzTx/>
+              <a:buFontTx/>
+              <a:buNone/>
+            </a:pPr>
+            <a:r>
+              <a:rPr lang="en-US" altLang="zh-CN" sz="1400" dirty="0" smtClean="0"/>
+              <a:t>Slide 15- </a:t>
+            </a:r>
+            <a:fld id="{1C3E42C1-EA00-4AD1-947E-5069871DBF61}" type="slidenum">
+              <a:rPr lang="en-US" altLang="zh-CN" sz="1400" smtClean="0"/>
+              <a:pPr>
+                <a:spcBef>
+                  <a:spcPct val="0"/>
+                </a:spcBef>
+                <a:buClrTx/>
+                <a:buSzTx/>
+                <a:buFontTx/>
+                <a:buNone/>
+              </a:pPr>
+              <a:t>43</a:t>
+            </a:fld>
+            <a:endParaRPr lang="en-CA" altLang="zh-CN" sz="1400" dirty="0"/>
+          </a:p>
+        </p:txBody>
+      </p:sp>
+      <p:sp>
+        <p:nvSpPr>
+          <p:cNvPr id="44035" name="Rectangle 2"/>
+          <p:cNvSpPr>
+            <a:spLocks noGrp="1" noChangeArrowheads="1"/>
+          </p:cNvSpPr>
+          <p:nvPr>
+            <p:ph type="title"/>
+          </p:nvPr>
+        </p:nvSpPr>
+        <p:spPr/>
+        <p:txBody>
+          <a:bodyPr/>
+          <a:lstStyle/>
+          <a:p>
+            <a:pPr eaLnBrk="1" hangingPunct="1"/>
+            <a:r>
+              <a:rPr lang="en-US" altLang="zh-CN" smtClean="0">
+                <a:ea typeface="宋体" panose="02010600030101010101" pitchFamily="2" charset="-122"/>
+              </a:rPr>
+              <a:t>Virtual Functions</a:t>
+            </a:r>
+          </a:p>
+        </p:txBody>
+      </p:sp>
+      <p:sp>
+        <p:nvSpPr>
+          <p:cNvPr id="44036" name="Rectangle 3"/>
+          <p:cNvSpPr>
+            <a:spLocks noGrp="1" noChangeArrowheads="1"/>
+          </p:cNvSpPr>
+          <p:nvPr>
+            <p:ph type="body" idx="1"/>
+          </p:nvPr>
+        </p:nvSpPr>
+        <p:spPr/>
+        <p:txBody>
+          <a:bodyPr/>
+          <a:lstStyle/>
+          <a:p>
+            <a:pPr eaLnBrk="1" hangingPunct="1"/>
+            <a:r>
+              <a:rPr lang="en-US" altLang="zh-CN" smtClean="0">
+                <a:ea typeface="宋体" panose="02010600030101010101" pitchFamily="2" charset="-122"/>
+              </a:rPr>
+              <a:t>Because the Figure class includes a method to </a:t>
+            </a:r>
+            <a:br>
+              <a:rPr lang="en-US" altLang="zh-CN" smtClean="0">
+                <a:ea typeface="宋体" panose="02010600030101010101" pitchFamily="2" charset="-122"/>
+              </a:rPr>
+            </a:br>
+            <a:r>
+              <a:rPr lang="en-US" altLang="zh-CN" smtClean="0">
+                <a:ea typeface="宋体" panose="02010600030101010101" pitchFamily="2" charset="-122"/>
+              </a:rPr>
+              <a:t>draw figures, but the Figure class cannot know</a:t>
+            </a:r>
+            <a:br>
+              <a:rPr lang="en-US" altLang="zh-CN" smtClean="0">
+                <a:ea typeface="宋体" panose="02010600030101010101" pitchFamily="2" charset="-122"/>
+              </a:rPr>
+            </a:br>
+            <a:r>
+              <a:rPr lang="en-US" altLang="zh-CN" smtClean="0">
+                <a:ea typeface="宋体" panose="02010600030101010101" pitchFamily="2" charset="-122"/>
+              </a:rPr>
+              <a:t>how to draw the figures, virtual functions are </a:t>
+            </a:r>
+            <a:br>
+              <a:rPr lang="en-US" altLang="zh-CN" smtClean="0">
+                <a:ea typeface="宋体" panose="02010600030101010101" pitchFamily="2" charset="-122"/>
+              </a:rPr>
+            </a:br>
+            <a:r>
+              <a:rPr lang="en-US" altLang="zh-CN" smtClean="0">
+                <a:ea typeface="宋体" panose="02010600030101010101" pitchFamily="2" charset="-122"/>
+              </a:rPr>
+              <a:t>used</a:t>
+            </a:r>
+          </a:p>
+          <a:p>
+            <a:pPr eaLnBrk="1" hangingPunct="1"/>
+            <a:r>
+              <a:rPr lang="en-US" altLang="zh-CN" smtClean="0">
+                <a:ea typeface="宋体" panose="02010600030101010101" pitchFamily="2" charset="-122"/>
+              </a:rPr>
+              <a:t>Making a function virtual tells the compiler that</a:t>
+            </a:r>
+            <a:br>
+              <a:rPr lang="en-US" altLang="zh-CN" smtClean="0">
+                <a:ea typeface="宋体" panose="02010600030101010101" pitchFamily="2" charset="-122"/>
+              </a:rPr>
+            </a:br>
+            <a:r>
+              <a:rPr lang="en-US" altLang="zh-CN" smtClean="0">
+                <a:ea typeface="宋体" panose="02010600030101010101" pitchFamily="2" charset="-122"/>
+              </a:rPr>
+              <a:t>you don't know how the function is implemented</a:t>
+            </a:r>
+            <a:br>
+              <a:rPr lang="en-US" altLang="zh-CN" smtClean="0">
+                <a:ea typeface="宋体" panose="02010600030101010101" pitchFamily="2" charset="-122"/>
+              </a:rPr>
+            </a:br>
+            <a:r>
+              <a:rPr lang="en-US" altLang="zh-CN" smtClean="0">
+                <a:ea typeface="宋体" panose="02010600030101010101" pitchFamily="2" charset="-122"/>
+              </a:rPr>
+              <a:t>and to wait until the function is used in a</a:t>
+            </a:r>
+            <a:br>
+              <a:rPr lang="en-US" altLang="zh-CN" smtClean="0">
+                <a:ea typeface="宋体" panose="02010600030101010101" pitchFamily="2" charset="-122"/>
+              </a:rPr>
+            </a:br>
+            <a:r>
+              <a:rPr lang="en-US" altLang="zh-CN" smtClean="0">
+                <a:ea typeface="宋体" panose="02010600030101010101" pitchFamily="2" charset="-122"/>
+              </a:rPr>
+              <a:t>program, then get the implementation from the </a:t>
+            </a:r>
+            <a:br>
+              <a:rPr lang="en-US" altLang="zh-CN" smtClean="0">
+                <a:ea typeface="宋体" panose="02010600030101010101" pitchFamily="2" charset="-122"/>
+              </a:rPr>
+            </a:br>
+            <a:r>
+              <a:rPr lang="en-US" altLang="zh-CN" smtClean="0">
+                <a:ea typeface="宋体" panose="02010600030101010101" pitchFamily="2" charset="-122"/>
+              </a:rPr>
+              <a:t>object.  </a:t>
+            </a:r>
+          </a:p>
+          <a:p>
+            <a:pPr lvl="1" eaLnBrk="1" hangingPunct="1"/>
+            <a:r>
+              <a:rPr lang="en-US" altLang="zh-CN" smtClean="0">
+                <a:ea typeface="宋体" panose="02010600030101010101" pitchFamily="2" charset="-122"/>
+              </a:rPr>
+              <a:t>This is called late binding</a:t>
+            </a:r>
+          </a:p>
+        </p:txBody>
+      </p:sp>
+    </p:spTree>
+  </p:cSld>
+  <p:clrMapOvr>
+    <a:masterClrMapping/>
+  </p:clrMapOvr>
+  <p:transition spd="med">
+    <p:wipe dir="r"/>
+  </p:transition>
+</p:sld>
+</file>
+
+<file path=ppt/slides/slide44.xml><?xml version="1.0" encoding="utf-8"?>
+<p:sld xmlns:a="http://schemas.openxmlformats.org/drawingml/2006/main" xmlns:r="http://schemas.openxmlformats.org/officeDocument/2006/relationships" xmlns:p="http://schemas.openxmlformats.org/presentationml/2006/main">
+  <p:cSld>
+    <p:spTree>
+      <p:nvGrpSpPr>
+        <p:cNvPr id="1" name=""/>
+        <p:cNvGrpSpPr/>
+        <p:nvPr/>
+      </p:nvGrpSpPr>
+      <p:grpSpPr>
+        <a:xfrm>
+          <a:off x="0" y="0"/>
+          <a:ext cx="0" cy="0"/>
+          <a:chOff x="0" y="0"/>
+          <a:chExt cx="0" cy="0"/>
+        </a:xfrm>
+      </p:grpSpPr>
+      <p:sp>
+        <p:nvSpPr>
           <p:cNvPr id="45058" name="灯片编号占位符 3"/>
           <p:cNvSpPr>
             <a:spLocks noGrp="1"/>
@@ -16095,7 +16435,7 @@
                 <a:buFontTx/>
                 <a:buNone/>
               </a:pPr>
-              <a:t>43</a:t>
+              <a:t>44</a:t>
             </a:fld>
             <a:endParaRPr lang="en-CA" altLang="zh-CN" sz="1400" dirty="0"/>
           </a:p>
@@ -16216,7 +16556,7 @@
 </p:sld>
 </file>
 
-<file path=ppt/slides/slide44.xml><?xml version="1.0" encoding="utf-8"?>
+<file path=ppt/slides/slide45.xml><?xml version="1.0" encoding="utf-8"?>
 <p:sld xmlns:a="http://schemas.openxmlformats.org/drawingml/2006/main" xmlns:r="http://schemas.openxmlformats.org/officeDocument/2006/relationships" xmlns:p="http://schemas.openxmlformats.org/presentationml/2006/main">
   <p:cSld>
     <p:spTree>
@@ -16460,7 +16800,7 @@
                 <a:buFontTx/>
                 <a:buNone/>
               </a:pPr>
-              <a:t>44</a:t>
+              <a:t>45</a:t>
             </a:fld>
             <a:endParaRPr lang="en-CA" altLang="zh-CN" sz="1400" dirty="0"/>
           </a:p>
@@ -17262,7 +17602,7 @@
 </p:sld>
 </file>
 
-<file path=ppt/slides/slide45.xml><?xml version="1.0" encoding="utf-8"?>
+<file path=ppt/slides/slide46.xml><?xml version="1.0" encoding="utf-8"?>
 <p:sld xmlns:a="http://schemas.openxmlformats.org/drawingml/2006/main" xmlns:r="http://schemas.openxmlformats.org/officeDocument/2006/relationships" xmlns:p="http://schemas.openxmlformats.org/presentationml/2006/main">
   <p:cSld>
     <p:spTree>
@@ -17506,7 +17846,7 @@
                 <a:buFontTx/>
                 <a:buNone/>
               </a:pPr>
-              <a:t>45</a:t>
+              <a:t>46</a:t>
             </a:fld>
             <a:endParaRPr lang="en-CA" altLang="zh-CN" sz="1400" dirty="0"/>
           </a:p>
@@ -17631,7 +17971,7 @@
 </p:sld>
 </file>
 
-<file path=ppt/slides/slide46.xml><?xml version="1.0" encoding="utf-8"?>
+<file path=ppt/slides/slide47.xml><?xml version="1.0" encoding="utf-8"?>
 <p:sld xmlns:a="http://schemas.openxmlformats.org/drawingml/2006/main" xmlns:r="http://schemas.openxmlformats.org/officeDocument/2006/relationships" xmlns:p="http://schemas.openxmlformats.org/presentationml/2006/main">
   <p:cSld>
     <p:spTree>
@@ -18455,7 +18795,7 @@
 </p:sld>
 </file>
 
-<file path=ppt/slides/slide47.xml><?xml version="1.0" encoding="utf-8"?>
+<file path=ppt/slides/slide48.xml><?xml version="1.0" encoding="utf-8"?>
 <p:sld xmlns:a="http://schemas.openxmlformats.org/drawingml/2006/main" xmlns:r="http://schemas.openxmlformats.org/officeDocument/2006/relationships" xmlns:p="http://schemas.openxmlformats.org/presentationml/2006/main">
   <p:cSld>
     <p:spTree>
@@ -18547,111 +18887,6 @@
             <a:r>
               <a:rPr lang="en-US" altLang="zh-CN" smtClean="0"/>
               <a:t>Virtual functions require considerable overhead so excessive use reduces program efficiency</a:t>
-            </a:r>
-          </a:p>
-        </p:txBody>
-      </p:sp>
-    </p:spTree>
-  </p:cSld>
-  <p:clrMapOvr>
-    <a:masterClrMapping/>
-  </p:clrMapOvr>
-  <p:transition spd="med">
-    <p:wipe dir="r"/>
-  </p:transition>
-  <p:timing>
-    <p:tnLst>
-      <p:par>
-        <p:cTn id="1" dur="indefinite" restart="never" nodeType="tmRoot"/>
-      </p:par>
-    </p:tnLst>
-  </p:timing>
-</p:sld>
-</file>
-
-<file path=ppt/slides/slide48.xml><?xml version="1.0" encoding="utf-8"?>
-<p:sld xmlns:a="http://schemas.openxmlformats.org/drawingml/2006/main" xmlns:r="http://schemas.openxmlformats.org/officeDocument/2006/relationships" xmlns:p="http://schemas.openxmlformats.org/presentationml/2006/main">
-  <p:cSld>
-    <p:spTree>
-      <p:nvGrpSpPr>
-        <p:cNvPr id="1" name=""/>
-        <p:cNvGrpSpPr/>
-        <p:nvPr/>
-      </p:nvGrpSpPr>
-      <p:grpSpPr>
-        <a:xfrm>
-          <a:off x="0" y="0"/>
-          <a:ext cx="0" cy="0"/>
-          <a:chOff x="0" y="0"/>
-          <a:chExt cx="0" cy="0"/>
-        </a:xfrm>
-      </p:grpSpPr>
-      <p:sp>
-        <p:nvSpPr>
-          <p:cNvPr id="50179" name="Rectangle 2"/>
-          <p:cNvSpPr>
-            <a:spLocks noGrp="1" noChangeArrowheads="1"/>
-          </p:cNvSpPr>
-          <p:nvPr>
-            <p:ph type="title"/>
-          </p:nvPr>
-        </p:nvSpPr>
-        <p:spPr/>
-        <p:txBody>
-          <a:bodyPr/>
-          <a:lstStyle/>
-          <a:p>
-            <a:r>
-              <a:rPr lang="en-US" altLang="zh-CN" smtClean="0"/>
-              <a:t>Overriding</a:t>
-            </a:r>
-          </a:p>
-        </p:txBody>
-      </p:sp>
-      <p:sp>
-        <p:nvSpPr>
-          <p:cNvPr id="50180" name="Rectangle 3"/>
-          <p:cNvSpPr>
-            <a:spLocks noGrp="1" noChangeArrowheads="1"/>
-          </p:cNvSpPr>
-          <p:nvPr>
-            <p:ph type="body" idx="1"/>
-          </p:nvPr>
-        </p:nvSpPr>
-        <p:spPr/>
-        <p:txBody>
-          <a:bodyPr/>
-          <a:lstStyle/>
-          <a:p>
-            <a:endParaRPr lang="en-US" altLang="zh-CN" smtClean="0"/>
-          </a:p>
-          <a:p>
-            <a:r>
-              <a:rPr lang="en-US" altLang="zh-CN" smtClean="0"/>
-              <a:t>Virtual functions whose definitions are changed</a:t>
-            </a:r>
-            <a:br>
-              <a:rPr lang="en-US" altLang="zh-CN" smtClean="0"/>
-            </a:br>
-            <a:r>
-              <a:rPr lang="en-US" altLang="zh-CN" smtClean="0"/>
-              <a:t>in a derived class are said to be overridden</a:t>
-            </a:r>
-          </a:p>
-          <a:p>
-            <a:endParaRPr lang="en-US" altLang="zh-CN" smtClean="0"/>
-          </a:p>
-          <a:p>
-            <a:r>
-              <a:rPr lang="en-US" altLang="zh-CN" smtClean="0"/>
-              <a:t>Non-virtual functions whose definitions are </a:t>
-            </a:r>
-            <a:br>
-              <a:rPr lang="en-US" altLang="zh-CN" smtClean="0"/>
-            </a:br>
-            <a:r>
-              <a:rPr lang="en-US" altLang="zh-CN" smtClean="0"/>
-              <a:t>changed in a derived class are redefined</a:t>
             </a:r>
           </a:p>
         </p:txBody>
@@ -18693,240 +18928,7 @@
       </p:grpSpPr>
       <p:sp>
         <p:nvSpPr>
-          <p:cNvPr id="51202" name="灯片编号占位符 3"/>
-          <p:cNvSpPr>
-            <a:spLocks noGrp="1"/>
-          </p:cNvSpPr>
-          <p:nvPr>
-            <p:ph type="sldNum" sz="quarter" idx="10"/>
-          </p:nvPr>
-        </p:nvSpPr>
-        <p:spPr>
-          <a:noFill/>
-          <a:ln/>
-          <a:extLst>
-            <a:ext uri="{909E8E84-426E-40DD-AFC4-6F175D3DCCD1}">
-              <a14:hiddenFill xmlns:a14="http://schemas.microsoft.com/office/drawing/2010/main">
-                <a:solidFill>
-                  <a:srgbClr val="FFFFFF"/>
-                </a:solidFill>
-              </a14:hiddenFill>
-            </a:ext>
-            <a:ext uri="{91240B29-F687-4F45-9708-019B960494DF}">
-              <a14:hiddenLine xmlns:a14="http://schemas.microsoft.com/office/drawing/2010/main" w="9525">
-                <a:solidFill>
-                  <a:srgbClr val="000000"/>
-                </a:solidFill>
-                <a:miter lim="800000"/>
-                <a:headEnd/>
-                <a:tailEnd/>
-              </a14:hiddenLine>
-            </a:ext>
-          </a:extLst>
-        </p:spPr>
-        <p:txBody>
-          <a:bodyPr/>
-          <a:lstStyle>
-            <a:lvl1pPr>
-              <a:spcBef>
-                <a:spcPct val="20000"/>
-              </a:spcBef>
-              <a:buClr>
-                <a:srgbClr val="A50021"/>
-              </a:buClr>
-              <a:buSzPct val="60000"/>
-              <a:buFont typeface="Wingdings" panose="05000000000000000000" pitchFamily="2" charset="2"/>
-              <a:buChar char="n"/>
-              <a:defRPr sz="2800">
-                <a:solidFill>
-                  <a:schemeClr val="tx1"/>
-                </a:solidFill>
-                <a:latin typeface="Arial" panose="020B0604020202020204" pitchFamily="34" charset="0"/>
-              </a:defRPr>
-            </a:lvl1pPr>
-            <a:lvl2pPr marL="742950" indent="-285750">
-              <a:spcBef>
-                <a:spcPct val="20000"/>
-              </a:spcBef>
-              <a:buClr>
-                <a:srgbClr val="02B2CA"/>
-              </a:buClr>
-              <a:buSzPct val="55000"/>
-              <a:buFont typeface="Wingdings" panose="05000000000000000000" pitchFamily="2" charset="2"/>
-              <a:buChar char="n"/>
-              <a:defRPr sz="2800">
-                <a:solidFill>
-                  <a:schemeClr val="tx1"/>
-                </a:solidFill>
-                <a:latin typeface="Arial" panose="020B0604020202020204" pitchFamily="34" charset="0"/>
-              </a:defRPr>
-            </a:lvl2pPr>
-            <a:lvl3pPr marL="1143000" indent="-228600">
-              <a:spcBef>
-                <a:spcPct val="20000"/>
-              </a:spcBef>
-              <a:buClr>
-                <a:srgbClr val="A50021"/>
-              </a:buClr>
-              <a:buSzPct val="50000"/>
-              <a:buFont typeface="Wingdings" panose="05000000000000000000" pitchFamily="2" charset="2"/>
-              <a:buChar char="n"/>
-              <a:defRPr sz="2400">
-                <a:solidFill>
-                  <a:schemeClr val="tx1"/>
-                </a:solidFill>
-                <a:latin typeface="Arial" panose="020B0604020202020204" pitchFamily="34" charset="0"/>
-              </a:defRPr>
-            </a:lvl3pPr>
-            <a:lvl4pPr marL="1600200" indent="-228600">
-              <a:spcBef>
-                <a:spcPct val="20000"/>
-              </a:spcBef>
-              <a:buClr>
-                <a:srgbClr val="02B2CA"/>
-              </a:buClr>
-              <a:buSzPct val="55000"/>
-              <a:buFont typeface="Wingdings" panose="05000000000000000000" pitchFamily="2" charset="2"/>
-              <a:buChar char="n"/>
-              <a:defRPr sz="2000">
-                <a:solidFill>
-                  <a:schemeClr val="tx1"/>
-                </a:solidFill>
-                <a:latin typeface="Arial" panose="020B0604020202020204" pitchFamily="34" charset="0"/>
-              </a:defRPr>
-            </a:lvl4pPr>
-            <a:lvl5pPr marL="2057400" indent="-228600">
-              <a:spcBef>
-                <a:spcPct val="20000"/>
-              </a:spcBef>
-              <a:buClr>
-                <a:srgbClr val="A50021"/>
-              </a:buClr>
-              <a:buSzPct val="50000"/>
-              <a:buFont typeface="Wingdings" panose="05000000000000000000" pitchFamily="2" charset="2"/>
-              <a:buChar char="n"/>
-              <a:defRPr sz="2000">
-                <a:solidFill>
-                  <a:schemeClr val="tx1"/>
-                </a:solidFill>
-                <a:latin typeface="Arial" panose="020B0604020202020204" pitchFamily="34" charset="0"/>
-              </a:defRPr>
-            </a:lvl5pPr>
-            <a:lvl6pPr marL="2514600" indent="-228600" eaLnBrk="0" fontAlgn="base" hangingPunct="0">
-              <a:spcBef>
-                <a:spcPct val="20000"/>
-              </a:spcBef>
-              <a:spcAft>
-                <a:spcPct val="0"/>
-              </a:spcAft>
-              <a:buClr>
-                <a:srgbClr val="A50021"/>
-              </a:buClr>
-              <a:buSzPct val="50000"/>
-              <a:buFont typeface="Wingdings" panose="05000000000000000000" pitchFamily="2" charset="2"/>
-              <a:buChar char="n"/>
-              <a:defRPr sz="2000">
-                <a:solidFill>
-                  <a:schemeClr val="tx1"/>
-                </a:solidFill>
-                <a:latin typeface="Arial" panose="020B0604020202020204" pitchFamily="34" charset="0"/>
-              </a:defRPr>
-            </a:lvl6pPr>
-            <a:lvl7pPr marL="2971800" indent="-228600" eaLnBrk="0" fontAlgn="base" hangingPunct="0">
-              <a:spcBef>
-                <a:spcPct val="20000"/>
-              </a:spcBef>
-              <a:spcAft>
-                <a:spcPct val="0"/>
-              </a:spcAft>
-              <a:buClr>
-                <a:srgbClr val="A50021"/>
-              </a:buClr>
-              <a:buSzPct val="50000"/>
-              <a:buFont typeface="Wingdings" panose="05000000000000000000" pitchFamily="2" charset="2"/>
-              <a:buChar char="n"/>
-              <a:defRPr sz="2000">
-                <a:solidFill>
-                  <a:schemeClr val="tx1"/>
-                </a:solidFill>
-                <a:latin typeface="Arial" panose="020B0604020202020204" pitchFamily="34" charset="0"/>
-              </a:defRPr>
-            </a:lvl7pPr>
-            <a:lvl8pPr marL="3429000" indent="-228600" eaLnBrk="0" fontAlgn="base" hangingPunct="0">
-              <a:spcBef>
-                <a:spcPct val="20000"/>
-              </a:spcBef>
-              <a:spcAft>
-                <a:spcPct val="0"/>
-              </a:spcAft>
-              <a:buClr>
-                <a:srgbClr val="A50021"/>
-              </a:buClr>
-              <a:buSzPct val="50000"/>
-              <a:buFont typeface="Wingdings" panose="05000000000000000000" pitchFamily="2" charset="2"/>
-              <a:buChar char="n"/>
-              <a:defRPr sz="2000">
-                <a:solidFill>
-                  <a:schemeClr val="tx1"/>
-                </a:solidFill>
-                <a:latin typeface="Arial" panose="020B0604020202020204" pitchFamily="34" charset="0"/>
-              </a:defRPr>
-            </a:lvl8pPr>
-            <a:lvl9pPr marL="3886200" indent="-228600" eaLnBrk="0" fontAlgn="base" hangingPunct="0">
-              <a:spcBef>
-                <a:spcPct val="20000"/>
-              </a:spcBef>
-              <a:spcAft>
-                <a:spcPct val="0"/>
-              </a:spcAft>
-              <a:buClr>
-                <a:srgbClr val="A50021"/>
-              </a:buClr>
-              <a:buSzPct val="50000"/>
-              <a:buFont typeface="Wingdings" panose="05000000000000000000" pitchFamily="2" charset="2"/>
-              <a:buChar char="n"/>
-              <a:defRPr sz="2000">
-                <a:solidFill>
-                  <a:schemeClr val="tx1"/>
-                </a:solidFill>
-                <a:latin typeface="Arial" panose="020B0604020202020204" pitchFamily="34" charset="0"/>
-              </a:defRPr>
-            </a:lvl9pPr>
-          </a:lstStyle>
-          <a:p>
-            <a:pPr>
-              <a:spcBef>
-                <a:spcPct val="0"/>
-              </a:spcBef>
-              <a:buClrTx/>
-              <a:buSzTx/>
-              <a:buFontTx/>
-              <a:buNone/>
-            </a:pPr>
-            <a:r>
-              <a:rPr lang="en-US" altLang="zh-CN" sz="1400" dirty="0" smtClean="0"/>
-              <a:t>Slide 15- </a:t>
-            </a:r>
-            <a:fld id="{6A062A93-C3BD-486C-AC71-C0BBADF7B681}" type="slidenum">
-              <a:rPr lang="en-US" altLang="zh-CN" sz="1400" smtClean="0"/>
-              <a:pPr>
-                <a:spcBef>
-                  <a:spcPct val="0"/>
-                </a:spcBef>
-                <a:buClrTx/>
-                <a:buSzTx/>
-                <a:buFontTx/>
-                <a:buNone/>
-              </a:pPr>
-              <a:t>49</a:t>
-            </a:fld>
-            <a:endParaRPr lang="en-CA" altLang="zh-CN" sz="1400" dirty="0"/>
-          </a:p>
-        </p:txBody>
-      </p:sp>
-      <p:sp>
-        <p:nvSpPr>
-          <p:cNvPr id="51203" name="Rectangle 2"/>
+          <p:cNvPr id="50179" name="Rectangle 2"/>
           <p:cNvSpPr>
             <a:spLocks noGrp="1" noChangeArrowheads="1"/>
           </p:cNvSpPr>
@@ -18939,19 +18941,16 @@
           <a:bodyPr/>
           <a:lstStyle/>
           <a:p>
-            <a:pPr eaLnBrk="1" hangingPunct="1"/>
-            <a:r>
-              <a:rPr lang="en-US" altLang="zh-CN" smtClean="0">
-                <a:ea typeface="宋体" panose="02010600030101010101" pitchFamily="2" charset="-122"/>
-              </a:rPr>
-              <a:t>Type Checking</a:t>
+            <a:r>
+              <a:rPr lang="en-US" altLang="zh-CN" smtClean="0"/>
+              <a:t>Overriding</a:t>
             </a:r>
           </a:p>
         </p:txBody>
       </p:sp>
       <p:sp>
         <p:nvSpPr>
-          <p:cNvPr id="51204" name="Rectangle 3"/>
+          <p:cNvPr id="50180" name="Rectangle 3"/>
           <p:cNvSpPr>
             <a:spLocks noGrp="1" noChangeArrowheads="1"/>
           </p:cNvSpPr>
@@ -18964,83 +18963,36 @@
           <a:bodyPr/>
           <a:lstStyle/>
           <a:p>
-            <a:pPr eaLnBrk="1" hangingPunct="1"/>
-            <a:r>
-              <a:rPr lang="en-US" altLang="zh-CN" smtClean="0">
-                <a:ea typeface="宋体" panose="02010600030101010101" pitchFamily="2" charset="-122"/>
-              </a:rPr>
-              <a:t>C++ carefully checks for type mismatches in </a:t>
+            <a:endParaRPr lang="en-US" altLang="zh-CN" smtClean="0"/>
+          </a:p>
+          <a:p>
+            <a:r>
+              <a:rPr lang="en-US" altLang="zh-CN" smtClean="0"/>
+              <a:t>Virtual functions whose definitions are changed</a:t>
             </a:r>
             <a:br>
-              <a:rPr lang="en-US" altLang="zh-CN" smtClean="0">
-                <a:ea typeface="宋体" panose="02010600030101010101" pitchFamily="2" charset="-122"/>
-              </a:rPr>
+              <a:rPr lang="en-US" altLang="zh-CN" smtClean="0"/>
             </a:br>
             <a:r>
-              <a:rPr lang="en-US" altLang="zh-CN" smtClean="0">
-                <a:ea typeface="宋体" panose="02010600030101010101" pitchFamily="2" charset="-122"/>
-              </a:rPr>
-              <a:t>the use of values and variables</a:t>
-            </a:r>
-          </a:p>
-          <a:p>
-            <a:pPr eaLnBrk="1" hangingPunct="1"/>
-            <a:r>
-              <a:rPr lang="en-US" altLang="zh-CN" smtClean="0">
-                <a:ea typeface="宋体" panose="02010600030101010101" pitchFamily="2" charset="-122"/>
-              </a:rPr>
-              <a:t>This is referred to as strong type checking</a:t>
-            </a:r>
-          </a:p>
-          <a:p>
-            <a:pPr lvl="1" eaLnBrk="1" hangingPunct="1"/>
-            <a:r>
-              <a:rPr lang="en-US" altLang="zh-CN" smtClean="0">
-                <a:ea typeface="宋体" panose="02010600030101010101" pitchFamily="2" charset="-122"/>
-              </a:rPr>
-              <a:t>Generally the type of a value assigned to a variable must match the type of the variable</a:t>
-            </a:r>
-          </a:p>
-          <a:p>
-            <a:pPr lvl="2" eaLnBrk="1" hangingPunct="1"/>
-            <a:r>
-              <a:rPr lang="en-US" altLang="zh-CN" smtClean="0">
-                <a:ea typeface="宋体" panose="02010600030101010101" pitchFamily="2" charset="-122"/>
-              </a:rPr>
-              <a:t>Recall that some automatic type casting occurs</a:t>
-            </a:r>
-          </a:p>
-          <a:p>
-            <a:pPr eaLnBrk="1" hangingPunct="1"/>
-            <a:r>
-              <a:rPr lang="en-US" altLang="zh-CN" smtClean="0">
-                <a:ea typeface="宋体" panose="02010600030101010101" pitchFamily="2" charset="-122"/>
-              </a:rPr>
-              <a:t>Strong type checking interferes with the </a:t>
+              <a:rPr lang="en-US" altLang="zh-CN" smtClean="0"/>
+              <a:t>in a derived class are said to be overridden</a:t>
+            </a:r>
+          </a:p>
+          <a:p>
+            <a:endParaRPr lang="en-US" altLang="zh-CN" smtClean="0"/>
+          </a:p>
+          <a:p>
+            <a:r>
+              <a:rPr lang="en-US" altLang="zh-CN" smtClean="0"/>
+              <a:t>Non-virtual functions whose definitions are </a:t>
             </a:r>
             <a:br>
-              <a:rPr lang="en-US" altLang="zh-CN" smtClean="0">
-                <a:ea typeface="宋体" panose="02010600030101010101" pitchFamily="2" charset="-122"/>
-              </a:rPr>
+              <a:rPr lang="en-US" altLang="zh-CN" smtClean="0"/>
             </a:br>
             <a:r>
-              <a:rPr lang="en-US" altLang="zh-CN" smtClean="0">
-                <a:ea typeface="宋体" panose="02010600030101010101" pitchFamily="2" charset="-122"/>
-              </a:rPr>
-              <a:t>concepts of inheritance </a:t>
-            </a:r>
-          </a:p>
-          <a:p>
-            <a:pPr lvl="2" eaLnBrk="1" hangingPunct="1"/>
-            <a:endParaRPr lang="en-US" altLang="zh-CN" smtClean="0">
-              <a:ea typeface="宋体" panose="02010600030101010101" pitchFamily="2" charset="-122"/>
-            </a:endParaRPr>
-          </a:p>
-          <a:p>
-            <a:pPr lvl="1" eaLnBrk="1" hangingPunct="1"/>
-            <a:endParaRPr lang="en-US" altLang="zh-CN" smtClean="0">
-              <a:ea typeface="宋体" panose="02010600030101010101" pitchFamily="2" charset="-122"/>
-            </a:endParaRPr>
+              <a:rPr lang="en-US" altLang="zh-CN" smtClean="0"/>
+              <a:t>changed in a derived class are redefined</a:t>
+            </a:r>
           </a:p>
         </p:txBody>
       </p:sp>
@@ -19208,7 +19160,7 @@
       </p:grpSpPr>
       <p:sp>
         <p:nvSpPr>
-          <p:cNvPr id="52226" name="灯片编号占位符 3"/>
+          <p:cNvPr id="51202" name="灯片编号占位符 3"/>
           <p:cNvSpPr>
             <a:spLocks noGrp="1"/>
           </p:cNvSpPr>
@@ -19422,7 +19374,7 @@
               <a:rPr lang="en-US" altLang="zh-CN" sz="1400" dirty="0" smtClean="0"/>
               <a:t>Slide 15- </a:t>
             </a:r>
-            <a:fld id="{818B1189-9D54-4767-86D9-D0C668261F43}" type="slidenum">
+            <a:fld id="{6A062A93-C3BD-486C-AC71-C0BBADF7B681}" type="slidenum">
               <a:rPr lang="en-US" altLang="zh-CN" sz="1400" smtClean="0"/>
               <a:pPr>
                 <a:spcBef>
@@ -19441,7 +19393,7 @@
       </p:sp>
       <p:sp>
         <p:nvSpPr>
-          <p:cNvPr id="52227" name="Rectangle 2"/>
+          <p:cNvPr id="51203" name="Rectangle 2"/>
           <p:cNvSpPr>
             <a:spLocks noGrp="1" noChangeArrowheads="1"/>
           </p:cNvSpPr>
@@ -19459,14 +19411,14 @@
               <a:rPr lang="en-US" altLang="zh-CN" smtClean="0">
                 <a:ea typeface="宋体" panose="02010600030101010101" pitchFamily="2" charset="-122"/>
               </a:rPr>
-              <a:t>Type Checking and Inheritance</a:t>
+              <a:t>Type Checking</a:t>
             </a:r>
           </a:p>
         </p:txBody>
       </p:sp>
       <p:sp>
         <p:nvSpPr>
-          <p:cNvPr id="52228" name="Rectangle 3"/>
+          <p:cNvPr id="51204" name="Rectangle 3"/>
           <p:cNvSpPr>
             <a:spLocks noGrp="1" noChangeArrowheads="1"/>
           </p:cNvSpPr>
@@ -19474,268 +19426,88 @@
             <p:ph type="body" idx="1"/>
           </p:nvPr>
         </p:nvSpPr>
-        <p:spPr>
-          <a:xfrm>
-            <a:off x="544513" y="1524000"/>
-            <a:ext cx="8294687" cy="4572000"/>
-          </a:xfrm>
-        </p:spPr>
+        <p:spPr/>
         <p:txBody>
           <a:bodyPr/>
           <a:lstStyle/>
           <a:p>
-            <a:pPr eaLnBrk="1" hangingPunct="1">
-              <a:lnSpc>
-                <a:spcPct val="90000"/>
-              </a:lnSpc>
-            </a:pPr>
-            <a:r>
-              <a:rPr lang="en-US" altLang="zh-CN" sz="2400" dirty="0" smtClean="0">
-                <a:ea typeface="宋体" panose="02010600030101010101" pitchFamily="2" charset="-122"/>
-              </a:rPr>
-              <a:t>Consider </a:t>
+            <a:pPr eaLnBrk="1" hangingPunct="1"/>
+            <a:r>
+              <a:rPr lang="en-US" altLang="zh-CN" smtClean="0">
+                <a:ea typeface="宋体" panose="02010600030101010101" pitchFamily="2" charset="-122"/>
+              </a:rPr>
+              <a:t>C++ carefully checks for type mismatches in </a:t>
             </a:r>
             <a:br>
-              <a:rPr lang="en-US" altLang="zh-CN" sz="2400" dirty="0" smtClean="0">
+              <a:rPr lang="en-US" altLang="zh-CN" smtClean="0">
                 <a:ea typeface="宋体" panose="02010600030101010101" pitchFamily="2" charset="-122"/>
               </a:rPr>
             </a:br>
             <a:r>
-              <a:rPr lang="en-US" altLang="zh-CN" sz="2400" dirty="0" smtClean="0">
-                <a:ea typeface="宋体" panose="02010600030101010101" pitchFamily="2" charset="-122"/>
-              </a:rPr>
-              <a:t>                      </a:t>
-            </a:r>
-            <a:r>
-              <a:rPr lang="en-US" altLang="zh-CN" sz="2400" kern="1200" dirty="0">
-                <a:solidFill>
-                  <a:srgbClr val="0000FF"/>
-                </a:solidFill>
-                <a:ea typeface="宋体" panose="02010600030101010101" pitchFamily="2" charset="-122"/>
-              </a:rPr>
-              <a:t>class Pet</a:t>
+              <a:rPr lang="en-US" altLang="zh-CN" smtClean="0">
+                <a:ea typeface="宋体" panose="02010600030101010101" pitchFamily="2" charset="-122"/>
+              </a:rPr>
+              <a:t>the use of values and variables</a:t>
+            </a:r>
+          </a:p>
+          <a:p>
+            <a:pPr eaLnBrk="1" hangingPunct="1"/>
+            <a:r>
+              <a:rPr lang="en-US" altLang="zh-CN" smtClean="0">
+                <a:ea typeface="宋体" panose="02010600030101010101" pitchFamily="2" charset="-122"/>
+              </a:rPr>
+              <a:t>This is referred to as strong type checking</a:t>
+            </a:r>
+          </a:p>
+          <a:p>
+            <a:pPr lvl="1" eaLnBrk="1" hangingPunct="1"/>
+            <a:r>
+              <a:rPr lang="en-US" altLang="zh-CN" smtClean="0">
+                <a:ea typeface="宋体" panose="02010600030101010101" pitchFamily="2" charset="-122"/>
+              </a:rPr>
+              <a:t>Generally the type of a value assigned to a variable must match the type of the variable</a:t>
+            </a:r>
+          </a:p>
+          <a:p>
+            <a:pPr lvl="2" eaLnBrk="1" hangingPunct="1"/>
+            <a:r>
+              <a:rPr lang="en-US" altLang="zh-CN" smtClean="0">
+                <a:ea typeface="宋体" panose="02010600030101010101" pitchFamily="2" charset="-122"/>
+              </a:rPr>
+              <a:t>Recall that some automatic type casting occurs</a:t>
+            </a:r>
+          </a:p>
+          <a:p>
+            <a:pPr eaLnBrk="1" hangingPunct="1"/>
+            <a:r>
+              <a:rPr lang="en-US" altLang="zh-CN" smtClean="0">
+                <a:ea typeface="宋体" panose="02010600030101010101" pitchFamily="2" charset="-122"/>
+              </a:rPr>
+              <a:t>Strong type checking interferes with the </a:t>
             </a:r>
             <a:br>
-              <a:rPr lang="en-US" altLang="zh-CN" sz="2400" kern="1200" dirty="0">
-                <a:solidFill>
-                  <a:srgbClr val="0000FF"/>
-                </a:solidFill>
+              <a:rPr lang="en-US" altLang="zh-CN" smtClean="0">
                 <a:ea typeface="宋体" panose="02010600030101010101" pitchFamily="2" charset="-122"/>
               </a:rPr>
             </a:br>
             <a:r>
-              <a:rPr lang="en-US" altLang="zh-CN" sz="2400" kern="1200" dirty="0">
-                <a:solidFill>
-                  <a:srgbClr val="0000FF"/>
-                </a:solidFill>
-                <a:ea typeface="宋体" panose="02010600030101010101" pitchFamily="2" charset="-122"/>
-              </a:rPr>
-              <a:t>                         {  </a:t>
-            </a:r>
-            <a:br>
-              <a:rPr lang="en-US" altLang="zh-CN" sz="2400" kern="1200" dirty="0">
-                <a:solidFill>
-                  <a:srgbClr val="0000FF"/>
-                </a:solidFill>
-                <a:ea typeface="宋体" panose="02010600030101010101" pitchFamily="2" charset="-122"/>
-              </a:rPr>
-            </a:br>
-            <a:r>
-              <a:rPr lang="en-US" altLang="zh-CN" sz="2400" kern="1200" dirty="0">
-                <a:solidFill>
-                  <a:srgbClr val="0000FF"/>
-                </a:solidFill>
-                <a:ea typeface="宋体" panose="02010600030101010101" pitchFamily="2" charset="-122"/>
-              </a:rPr>
-              <a:t>			public:</a:t>
-            </a:r>
-            <a:br>
-              <a:rPr lang="en-US" altLang="zh-CN" sz="2400" kern="1200" dirty="0">
-                <a:solidFill>
-                  <a:srgbClr val="0000FF"/>
-                </a:solidFill>
-                <a:ea typeface="宋体" panose="02010600030101010101" pitchFamily="2" charset="-122"/>
-              </a:rPr>
-            </a:br>
-            <a:r>
-              <a:rPr lang="en-US" altLang="zh-CN" sz="2400" kern="1200" dirty="0">
-                <a:solidFill>
-                  <a:srgbClr val="0000FF"/>
-                </a:solidFill>
-                <a:ea typeface="宋体" panose="02010600030101010101" pitchFamily="2" charset="-122"/>
-              </a:rPr>
-              <a:t>                                         virtual void print();</a:t>
-            </a:r>
-            <a:br>
-              <a:rPr lang="en-US" altLang="zh-CN" sz="2400" kern="1200" dirty="0">
-                <a:solidFill>
-                  <a:srgbClr val="0000FF"/>
-                </a:solidFill>
-                <a:ea typeface="宋体" panose="02010600030101010101" pitchFamily="2" charset="-122"/>
-              </a:rPr>
-            </a:br>
-            <a:r>
-              <a:rPr lang="en-US" altLang="zh-CN" sz="2400" kern="1200" dirty="0">
-                <a:solidFill>
-                  <a:srgbClr val="0000FF"/>
-                </a:solidFill>
-                <a:ea typeface="宋体" panose="02010600030101010101" pitchFamily="2" charset="-122"/>
-              </a:rPr>
-              <a:t>                                          string name;</a:t>
-            </a:r>
-            <a:br>
-              <a:rPr lang="en-US" altLang="zh-CN" sz="2400" kern="1200" dirty="0">
-                <a:solidFill>
-                  <a:srgbClr val="0000FF"/>
-                </a:solidFill>
-                <a:ea typeface="宋体" panose="02010600030101010101" pitchFamily="2" charset="-122"/>
-              </a:rPr>
-            </a:br>
-            <a:r>
-              <a:rPr lang="en-US" altLang="zh-CN" sz="2400" kern="1200" dirty="0">
-                <a:solidFill>
-                  <a:srgbClr val="0000FF"/>
-                </a:solidFill>
-                <a:ea typeface="宋体" panose="02010600030101010101" pitchFamily="2" charset="-122"/>
-              </a:rPr>
-              <a:t>                           }</a:t>
-            </a:r>
-            <a:br>
-              <a:rPr lang="en-US" altLang="zh-CN" sz="2400" kern="1200" dirty="0">
-                <a:solidFill>
-                  <a:srgbClr val="0000FF"/>
-                </a:solidFill>
-                <a:ea typeface="宋体" panose="02010600030101010101" pitchFamily="2" charset="-122"/>
-              </a:rPr>
-            </a:br>
-            <a:r>
-              <a:rPr lang="en-US" altLang="zh-CN" sz="2400" kern="1200" dirty="0">
-                <a:solidFill>
-                  <a:srgbClr val="0000FF"/>
-                </a:solidFill>
-                <a:ea typeface="宋体" panose="02010600030101010101" pitchFamily="2" charset="-122"/>
-              </a:rPr>
-              <a:t/>
-            </a:r>
-            <a:br>
-              <a:rPr lang="en-US" altLang="zh-CN" sz="2400" kern="1200" dirty="0">
-                <a:solidFill>
-                  <a:srgbClr val="0000FF"/>
-                </a:solidFill>
-                <a:ea typeface="宋体" panose="02010600030101010101" pitchFamily="2" charset="-122"/>
-              </a:rPr>
-            </a:br>
-            <a:r>
-              <a:rPr lang="en-US" altLang="zh-CN" sz="2400" kern="1200" dirty="0">
-                <a:solidFill>
-                  <a:srgbClr val="0000FF"/>
-                </a:solidFill>
-                <a:ea typeface="宋体" panose="02010600030101010101" pitchFamily="2" charset="-122"/>
-              </a:rPr>
-              <a:t>                      and </a:t>
-            </a:r>
-            <a:br>
-              <a:rPr lang="en-US" altLang="zh-CN" sz="2400" kern="1200" dirty="0">
-                <a:solidFill>
-                  <a:srgbClr val="0000FF"/>
-                </a:solidFill>
-                <a:ea typeface="宋体" panose="02010600030101010101" pitchFamily="2" charset="-122"/>
-              </a:rPr>
-            </a:br>
-            <a:r>
-              <a:rPr lang="en-US" altLang="zh-CN" sz="2400" kern="1200" dirty="0">
-                <a:solidFill>
-                  <a:srgbClr val="0000FF"/>
-                </a:solidFill>
-                <a:ea typeface="宋体" panose="02010600030101010101" pitchFamily="2" charset="-122"/>
-              </a:rPr>
-              <a:t>                        class Dog :public Pet</a:t>
-            </a:r>
-            <a:br>
-              <a:rPr lang="en-US" altLang="zh-CN" sz="2400" kern="1200" dirty="0">
-                <a:solidFill>
-                  <a:srgbClr val="0000FF"/>
-                </a:solidFill>
-                <a:ea typeface="宋体" panose="02010600030101010101" pitchFamily="2" charset="-122"/>
-              </a:rPr>
-            </a:br>
-            <a:r>
-              <a:rPr lang="en-US" altLang="zh-CN" sz="2400" kern="1200" dirty="0">
-                <a:solidFill>
-                  <a:srgbClr val="0000FF"/>
-                </a:solidFill>
-                <a:ea typeface="宋体" panose="02010600030101010101" pitchFamily="2" charset="-122"/>
-              </a:rPr>
-              <a:t>                         {</a:t>
-            </a:r>
-            <a:br>
-              <a:rPr lang="en-US" altLang="zh-CN" sz="2400" kern="1200" dirty="0">
-                <a:solidFill>
-                  <a:srgbClr val="0000FF"/>
-                </a:solidFill>
-                <a:ea typeface="宋体" panose="02010600030101010101" pitchFamily="2" charset="-122"/>
-              </a:rPr>
-            </a:br>
-            <a:r>
-              <a:rPr lang="en-US" altLang="zh-CN" sz="2400" kern="1200" dirty="0">
-                <a:solidFill>
-                  <a:srgbClr val="0000FF"/>
-                </a:solidFill>
-                <a:ea typeface="宋体" panose="02010600030101010101" pitchFamily="2" charset="-122"/>
-              </a:rPr>
-              <a:t>                              public:  </a:t>
-            </a:r>
-            <a:br>
-              <a:rPr lang="en-US" altLang="zh-CN" sz="2400" kern="1200" dirty="0">
-                <a:solidFill>
-                  <a:srgbClr val="0000FF"/>
-                </a:solidFill>
-                <a:ea typeface="宋体" panose="02010600030101010101" pitchFamily="2" charset="-122"/>
-              </a:rPr>
-            </a:br>
-            <a:r>
-              <a:rPr lang="en-US" altLang="zh-CN" sz="2400" kern="1200" dirty="0">
-                <a:solidFill>
-                  <a:srgbClr val="0000FF"/>
-                </a:solidFill>
-                <a:ea typeface="宋体" panose="02010600030101010101" pitchFamily="2" charset="-122"/>
-              </a:rPr>
-              <a:t>                                           virtual void print();</a:t>
-            </a:r>
-            <a:br>
-              <a:rPr lang="en-US" altLang="zh-CN" sz="2400" kern="1200" dirty="0">
-                <a:solidFill>
-                  <a:srgbClr val="0000FF"/>
-                </a:solidFill>
-                <a:ea typeface="宋体" panose="02010600030101010101" pitchFamily="2" charset="-122"/>
-              </a:rPr>
-            </a:br>
-            <a:r>
-              <a:rPr lang="en-US" altLang="zh-CN" sz="2400" kern="1200" dirty="0">
-                <a:solidFill>
-                  <a:srgbClr val="0000FF"/>
-                </a:solidFill>
-                <a:ea typeface="宋体" panose="02010600030101010101" pitchFamily="2" charset="-122"/>
-              </a:rPr>
-              <a:t>                                           string breed;</a:t>
-            </a:r>
-            <a:br>
-              <a:rPr lang="en-US" altLang="zh-CN" sz="2400" kern="1200" dirty="0">
-                <a:solidFill>
-                  <a:srgbClr val="0000FF"/>
-                </a:solidFill>
-                <a:ea typeface="宋体" panose="02010600030101010101" pitchFamily="2" charset="-122"/>
-              </a:rPr>
-            </a:br>
-            <a:r>
-              <a:rPr lang="en-US" altLang="zh-CN" sz="2400" kern="1200" dirty="0">
-                <a:solidFill>
-                  <a:srgbClr val="0000FF"/>
-                </a:solidFill>
-                <a:ea typeface="宋体" panose="02010600030101010101" pitchFamily="2" charset="-122"/>
-              </a:rPr>
-              <a:t>                          }</a:t>
-            </a:r>
+              <a:rPr lang="en-US" altLang="zh-CN" smtClean="0">
+                <a:ea typeface="宋体" panose="02010600030101010101" pitchFamily="2" charset="-122"/>
+              </a:rPr>
+              <a:t>concepts of inheritance </a:t>
+            </a:r>
+          </a:p>
+          <a:p>
+            <a:pPr lvl="2" eaLnBrk="1" hangingPunct="1"/>
+            <a:endParaRPr lang="en-US" altLang="zh-CN" smtClean="0">
+              <a:ea typeface="宋体" panose="02010600030101010101" pitchFamily="2" charset="-122"/>
+            </a:endParaRPr>
+          </a:p>
+          <a:p>
+            <a:pPr lvl="1" eaLnBrk="1" hangingPunct="1"/>
+            <a:endParaRPr lang="en-US" altLang="zh-CN" smtClean="0">
+              <a:ea typeface="宋体" panose="02010600030101010101" pitchFamily="2" charset="-122"/>
+            </a:endParaRPr>
           </a:p>
         </p:txBody>
       </p:sp>
@@ -19776,7 +19548,7 @@
       </p:grpSpPr>
       <p:sp>
         <p:nvSpPr>
-          <p:cNvPr id="53250" name="灯片编号占位符 3"/>
+          <p:cNvPr id="52226" name="灯片编号占位符 3"/>
           <p:cNvSpPr>
             <a:spLocks noGrp="1"/>
           </p:cNvSpPr>
@@ -19990,7 +19762,7 @@
               <a:rPr lang="en-US" altLang="zh-CN" sz="1400" dirty="0" smtClean="0"/>
               <a:t>Slide 15- </a:t>
             </a:r>
-            <a:fld id="{77DA4595-2ABF-403E-83A1-8DA3BB193CCC}" type="slidenum">
+            <a:fld id="{818B1189-9D54-4767-86D9-D0C668261F43}" type="slidenum">
               <a:rPr lang="en-US" altLang="zh-CN" sz="1400" smtClean="0"/>
               <a:pPr>
                 <a:spcBef>
@@ -20009,7 +19781,7 @@
       </p:sp>
       <p:sp>
         <p:nvSpPr>
-          <p:cNvPr id="53251" name="Rectangle 2"/>
+          <p:cNvPr id="52227" name="Rectangle 2"/>
           <p:cNvSpPr>
             <a:spLocks noGrp="1" noChangeArrowheads="1"/>
           </p:cNvSpPr>
@@ -20027,14 +19799,14 @@
               <a:rPr lang="en-US" altLang="zh-CN" smtClean="0">
                 <a:ea typeface="宋体" panose="02010600030101010101" pitchFamily="2" charset="-122"/>
               </a:rPr>
-              <a:t>A Sliced Dog is a Pet</a:t>
+              <a:t>Type Checking and Inheritance</a:t>
             </a:r>
           </a:p>
         </p:txBody>
       </p:sp>
       <p:sp>
         <p:nvSpPr>
-          <p:cNvPr id="53252" name="Rectangle 3"/>
+          <p:cNvPr id="52228" name="Rectangle 3"/>
           <p:cNvSpPr>
             <a:spLocks noGrp="1" noChangeArrowheads="1"/>
           </p:cNvSpPr>
@@ -20044,7 +19816,7 @@
         </p:nvSpPr>
         <p:spPr>
           <a:xfrm>
-            <a:off x="544513" y="1447800"/>
+            <a:off x="544513" y="1524000"/>
             <a:ext cx="8294687" cy="4572000"/>
           </a:xfrm>
         </p:spPr>
@@ -20052,102 +19824,257 @@
           <a:bodyPr/>
           <a:lstStyle/>
           <a:p>
-            <a:pPr eaLnBrk="1" hangingPunct="1"/>
-            <a:r>
-              <a:rPr lang="en-US" altLang="zh-CN" smtClean="0">
-                <a:ea typeface="宋体" panose="02010600030101010101" pitchFamily="2" charset="-122"/>
-              </a:rPr>
-              <a:t>C++ allows the following assignments:</a:t>
+            <a:pPr eaLnBrk="1" hangingPunct="1">
+              <a:lnSpc>
+                <a:spcPct val="90000"/>
+              </a:lnSpc>
+            </a:pPr>
+            <a:r>
+              <a:rPr lang="en-US" altLang="zh-CN" sz="2400" dirty="0" smtClean="0">
+                <a:ea typeface="宋体" panose="02010600030101010101" pitchFamily="2" charset="-122"/>
+              </a:rPr>
+              <a:t>Consider </a:t>
             </a:r>
             <a:br>
-              <a:rPr lang="en-US" altLang="zh-CN" smtClean="0">
+              <a:rPr lang="en-US" altLang="zh-CN" sz="2400" dirty="0" smtClean="0">
                 <a:ea typeface="宋体" panose="02010600030101010101" pitchFamily="2" charset="-122"/>
               </a:rPr>
             </a:br>
             <a:r>
-              <a:rPr lang="en-US" altLang="zh-CN" smtClean="0">
-                <a:ea typeface="宋体" panose="02010600030101010101" pitchFamily="2" charset="-122"/>
-              </a:rPr>
-              <a:t>        		vdog.name = "Tiny";</a:t>
+              <a:rPr lang="en-US" altLang="zh-CN" sz="2400" dirty="0" smtClean="0">
+                <a:ea typeface="宋体" panose="02010600030101010101" pitchFamily="2" charset="-122"/>
+              </a:rPr>
+              <a:t>                      </a:t>
+            </a:r>
+            <a:r>
+              <a:rPr lang="en-US" altLang="zh-CN" sz="2400" kern="1200" dirty="0">
+                <a:solidFill>
+                  <a:srgbClr val="0000FF"/>
+                </a:solidFill>
+                <a:ea typeface="宋体" panose="02010600030101010101" pitchFamily="2" charset="-122"/>
+              </a:rPr>
+              <a:t>class Pet</a:t>
             </a:r>
             <a:br>
-              <a:rPr lang="en-US" altLang="zh-CN" smtClean="0">
+              <a:rPr lang="en-US" altLang="zh-CN" sz="2400" kern="1200" dirty="0">
+                <a:solidFill>
+                  <a:srgbClr val="0000FF"/>
+                </a:solidFill>
                 <a:ea typeface="宋体" panose="02010600030101010101" pitchFamily="2" charset="-122"/>
               </a:rPr>
             </a:br>
             <a:r>
-              <a:rPr lang="en-US" altLang="zh-CN" smtClean="0">
-                <a:ea typeface="宋体" panose="02010600030101010101" pitchFamily="2" charset="-122"/>
-              </a:rPr>
-              <a:t>        		vdog.breed = "Great Dane";</a:t>
+              <a:rPr lang="en-US" altLang="zh-CN" sz="2400" kern="1200" dirty="0">
+                <a:solidFill>
+                  <a:srgbClr val="0000FF"/>
+                </a:solidFill>
+                <a:ea typeface="宋体" panose="02010600030101010101" pitchFamily="2" charset="-122"/>
+              </a:rPr>
+              <a:t>                         {  </a:t>
             </a:r>
             <a:br>
-              <a:rPr lang="en-US" altLang="zh-CN" smtClean="0">
+              <a:rPr lang="en-US" altLang="zh-CN" sz="2400" kern="1200" dirty="0">
+                <a:solidFill>
+                  <a:srgbClr val="0000FF"/>
+                </a:solidFill>
                 <a:ea typeface="宋体" panose="02010600030101010101" pitchFamily="2" charset="-122"/>
               </a:rPr>
             </a:br>
             <a:r>
-              <a:rPr lang="en-US" altLang="zh-CN" smtClean="0">
-                <a:ea typeface="宋体" panose="02010600030101010101" pitchFamily="2" charset="-122"/>
-              </a:rPr>
-              <a:t>        		vpet = vdog;</a:t>
-            </a:r>
-          </a:p>
-          <a:p>
-            <a:pPr eaLnBrk="1" hangingPunct="1"/>
-            <a:r>
-              <a:rPr lang="en-US" altLang="zh-CN" smtClean="0">
-                <a:ea typeface="宋体" panose="02010600030101010101" pitchFamily="2" charset="-122"/>
-              </a:rPr>
-              <a:t>However, vpet will loose the breed member of </a:t>
+              <a:rPr lang="en-US" altLang="zh-CN" sz="2400" kern="1200" dirty="0">
+                <a:solidFill>
+                  <a:srgbClr val="0000FF"/>
+                </a:solidFill>
+                <a:ea typeface="宋体" panose="02010600030101010101" pitchFamily="2" charset="-122"/>
+              </a:rPr>
+              <a:t>			public:</a:t>
             </a:r>
             <a:br>
-              <a:rPr lang="en-US" altLang="zh-CN" smtClean="0">
+              <a:rPr lang="en-US" altLang="zh-CN" sz="2400" kern="1200" dirty="0">
+                <a:solidFill>
+                  <a:srgbClr val="0000FF"/>
+                </a:solidFill>
                 <a:ea typeface="宋体" panose="02010600030101010101" pitchFamily="2" charset="-122"/>
               </a:rPr>
             </a:br>
             <a:r>
-              <a:rPr lang="en-US" altLang="zh-CN" smtClean="0">
-                <a:ea typeface="宋体" panose="02010600030101010101" pitchFamily="2" charset="-122"/>
-              </a:rPr>
-              <a:t>vdog since an object of class Pet has no breed</a:t>
+              <a:rPr lang="en-US" altLang="zh-CN" sz="2400" kern="1200" dirty="0">
+                <a:solidFill>
+                  <a:srgbClr val="0000FF"/>
+                </a:solidFill>
+                <a:ea typeface="宋体" panose="02010600030101010101" pitchFamily="2" charset="-122"/>
+              </a:rPr>
+              <a:t>                                         virtual void print();</a:t>
             </a:r>
             <a:br>
-              <a:rPr lang="en-US" altLang="zh-CN" smtClean="0">
+              <a:rPr lang="en-US" altLang="zh-CN" sz="2400" kern="1200" dirty="0">
+                <a:solidFill>
+                  <a:srgbClr val="0000FF"/>
+                </a:solidFill>
                 <a:ea typeface="宋体" panose="02010600030101010101" pitchFamily="2" charset="-122"/>
               </a:rPr>
             </a:br>
             <a:r>
-              <a:rPr lang="en-US" altLang="zh-CN" smtClean="0">
-                <a:ea typeface="宋体" panose="02010600030101010101" pitchFamily="2" charset="-122"/>
-              </a:rPr>
-              <a:t>member</a:t>
-            </a:r>
-          </a:p>
-          <a:p>
-            <a:pPr lvl="1" eaLnBrk="1" hangingPunct="1"/>
-            <a:r>
-              <a:rPr lang="en-US" altLang="zh-CN" smtClean="0">
-                <a:ea typeface="宋体" panose="02010600030101010101" pitchFamily="2" charset="-122"/>
-              </a:rPr>
-              <a:t>This code would be illegal:    cout &lt;&lt; vpet.breed;</a:t>
+              <a:rPr lang="en-US" altLang="zh-CN" sz="2400" kern="1200" dirty="0">
+                <a:solidFill>
+                  <a:srgbClr val="0000FF"/>
+                </a:solidFill>
+                <a:ea typeface="宋体" panose="02010600030101010101" pitchFamily="2" charset="-122"/>
+              </a:rPr>
+              <a:t>                                          string name;</a:t>
             </a:r>
             <a:br>
-              <a:rPr lang="en-US" altLang="zh-CN" smtClean="0">
+              <a:rPr lang="en-US" altLang="zh-CN" sz="2400" kern="1200" dirty="0">
+                <a:solidFill>
+                  <a:srgbClr val="0000FF"/>
+                </a:solidFill>
                 <a:ea typeface="宋体" panose="02010600030101010101" pitchFamily="2" charset="-122"/>
               </a:rPr>
             </a:br>
-            <a:endParaRPr lang="en-US" altLang="zh-CN" smtClean="0">
-              <a:ea typeface="宋体" panose="02010600030101010101" pitchFamily="2" charset="-122"/>
-            </a:endParaRPr>
-          </a:p>
-          <a:p>
-            <a:pPr eaLnBrk="1" hangingPunct="1"/>
-            <a:r>
-              <a:rPr lang="en-US" altLang="zh-CN" smtClean="0">
-                <a:ea typeface="宋体" panose="02010600030101010101" pitchFamily="2" charset="-122"/>
-              </a:rPr>
-              <a:t>This is the slicing problem</a:t>
+            <a:r>
+              <a:rPr lang="en-US" altLang="zh-CN" sz="2400" kern="1200" dirty="0">
+                <a:solidFill>
+                  <a:srgbClr val="0000FF"/>
+                </a:solidFill>
+                <a:ea typeface="宋体" panose="02010600030101010101" pitchFamily="2" charset="-122"/>
+              </a:rPr>
+              <a:t>                           }</a:t>
+            </a:r>
+            <a:br>
+              <a:rPr lang="en-US" altLang="zh-CN" sz="2400" kern="1200" dirty="0">
+                <a:solidFill>
+                  <a:srgbClr val="0000FF"/>
+                </a:solidFill>
+                <a:ea typeface="宋体" panose="02010600030101010101" pitchFamily="2" charset="-122"/>
+              </a:rPr>
+            </a:br>
+            <a:r>
+              <a:rPr lang="en-US" altLang="zh-CN" sz="2400" kern="1200" dirty="0">
+                <a:solidFill>
+                  <a:srgbClr val="0000FF"/>
+                </a:solidFill>
+                <a:ea typeface="宋体" panose="02010600030101010101" pitchFamily="2" charset="-122"/>
+              </a:rPr>
+              <a:t/>
+            </a:r>
+            <a:br>
+              <a:rPr lang="en-US" altLang="zh-CN" sz="2400" kern="1200" dirty="0">
+                <a:solidFill>
+                  <a:srgbClr val="0000FF"/>
+                </a:solidFill>
+                <a:ea typeface="宋体" panose="02010600030101010101" pitchFamily="2" charset="-122"/>
+              </a:rPr>
+            </a:br>
+            <a:r>
+              <a:rPr lang="en-US" altLang="zh-CN" sz="2400" kern="1200" dirty="0">
+                <a:solidFill>
+                  <a:srgbClr val="0000FF"/>
+                </a:solidFill>
+                <a:ea typeface="宋体" panose="02010600030101010101" pitchFamily="2" charset="-122"/>
+              </a:rPr>
+              <a:t>                      and </a:t>
+            </a:r>
+            <a:br>
+              <a:rPr lang="en-US" altLang="zh-CN" sz="2400" kern="1200" dirty="0">
+                <a:solidFill>
+                  <a:srgbClr val="0000FF"/>
+                </a:solidFill>
+                <a:ea typeface="宋体" panose="02010600030101010101" pitchFamily="2" charset="-122"/>
+              </a:rPr>
+            </a:br>
+            <a:r>
+              <a:rPr lang="en-US" altLang="zh-CN" sz="2400" kern="1200" dirty="0">
+                <a:solidFill>
+                  <a:srgbClr val="0000FF"/>
+                </a:solidFill>
+                <a:ea typeface="宋体" panose="02010600030101010101" pitchFamily="2" charset="-122"/>
+              </a:rPr>
+              <a:t>                        class Dog :public Pet</a:t>
+            </a:r>
+            <a:br>
+              <a:rPr lang="en-US" altLang="zh-CN" sz="2400" kern="1200" dirty="0">
+                <a:solidFill>
+                  <a:srgbClr val="0000FF"/>
+                </a:solidFill>
+                <a:ea typeface="宋体" panose="02010600030101010101" pitchFamily="2" charset="-122"/>
+              </a:rPr>
+            </a:br>
+            <a:r>
+              <a:rPr lang="en-US" altLang="zh-CN" sz="2400" kern="1200" dirty="0">
+                <a:solidFill>
+                  <a:srgbClr val="0000FF"/>
+                </a:solidFill>
+                <a:ea typeface="宋体" panose="02010600030101010101" pitchFamily="2" charset="-122"/>
+              </a:rPr>
+              <a:t>                         {</a:t>
+            </a:r>
+            <a:br>
+              <a:rPr lang="en-US" altLang="zh-CN" sz="2400" kern="1200" dirty="0">
+                <a:solidFill>
+                  <a:srgbClr val="0000FF"/>
+                </a:solidFill>
+                <a:ea typeface="宋体" panose="02010600030101010101" pitchFamily="2" charset="-122"/>
+              </a:rPr>
+            </a:br>
+            <a:r>
+              <a:rPr lang="en-US" altLang="zh-CN" sz="2400" kern="1200" dirty="0">
+                <a:solidFill>
+                  <a:srgbClr val="0000FF"/>
+                </a:solidFill>
+                <a:ea typeface="宋体" panose="02010600030101010101" pitchFamily="2" charset="-122"/>
+              </a:rPr>
+              <a:t>                              public:  </a:t>
+            </a:r>
+            <a:br>
+              <a:rPr lang="en-US" altLang="zh-CN" sz="2400" kern="1200" dirty="0">
+                <a:solidFill>
+                  <a:srgbClr val="0000FF"/>
+                </a:solidFill>
+                <a:ea typeface="宋体" panose="02010600030101010101" pitchFamily="2" charset="-122"/>
+              </a:rPr>
+            </a:br>
+            <a:r>
+              <a:rPr lang="en-US" altLang="zh-CN" sz="2400" kern="1200" dirty="0">
+                <a:solidFill>
+                  <a:srgbClr val="0000FF"/>
+                </a:solidFill>
+                <a:ea typeface="宋体" panose="02010600030101010101" pitchFamily="2" charset="-122"/>
+              </a:rPr>
+              <a:t>                                           virtual void print();</a:t>
+            </a:r>
+            <a:br>
+              <a:rPr lang="en-US" altLang="zh-CN" sz="2400" kern="1200" dirty="0">
+                <a:solidFill>
+                  <a:srgbClr val="0000FF"/>
+                </a:solidFill>
+                <a:ea typeface="宋体" panose="02010600030101010101" pitchFamily="2" charset="-122"/>
+              </a:rPr>
+            </a:br>
+            <a:r>
+              <a:rPr lang="en-US" altLang="zh-CN" sz="2400" kern="1200" dirty="0">
+                <a:solidFill>
+                  <a:srgbClr val="0000FF"/>
+                </a:solidFill>
+                <a:ea typeface="宋体" panose="02010600030101010101" pitchFamily="2" charset="-122"/>
+              </a:rPr>
+              <a:t>                                           string breed;</a:t>
+            </a:r>
+            <a:br>
+              <a:rPr lang="en-US" altLang="zh-CN" sz="2400" kern="1200" dirty="0">
+                <a:solidFill>
+                  <a:srgbClr val="0000FF"/>
+                </a:solidFill>
+                <a:ea typeface="宋体" panose="02010600030101010101" pitchFamily="2" charset="-122"/>
+              </a:rPr>
+            </a:br>
+            <a:r>
+              <a:rPr lang="en-US" altLang="zh-CN" sz="2400" kern="1200" dirty="0">
+                <a:solidFill>
+                  <a:srgbClr val="0000FF"/>
+                </a:solidFill>
+                <a:ea typeface="宋体" panose="02010600030101010101" pitchFamily="2" charset="-122"/>
+              </a:rPr>
+              <a:t>                          }</a:t>
             </a:r>
           </a:p>
         </p:txBody>
@@ -20189,7 +20116,7 @@
       </p:grpSpPr>
       <p:sp>
         <p:nvSpPr>
-          <p:cNvPr id="54274" name="灯片编号占位符 3"/>
+          <p:cNvPr id="53250" name="灯片编号占位符 3"/>
           <p:cNvSpPr>
             <a:spLocks noGrp="1"/>
           </p:cNvSpPr>
@@ -20403,7 +20330,7 @@
               <a:rPr lang="en-US" altLang="zh-CN" sz="1400" dirty="0" smtClean="0"/>
               <a:t>Slide 15- </a:t>
             </a:r>
-            <a:fld id="{81D03421-1AA1-4A96-9145-A63BC1D5C26D}" type="slidenum">
+            <a:fld id="{77DA4595-2ABF-403E-83A1-8DA3BB193CCC}" type="slidenum">
               <a:rPr lang="en-US" altLang="zh-CN" sz="1400" smtClean="0"/>
               <a:pPr>
                 <a:spcBef>
@@ -20422,7 +20349,7 @@
       </p:sp>
       <p:sp>
         <p:nvSpPr>
-          <p:cNvPr id="54275" name="Rectangle 2"/>
+          <p:cNvPr id="53251" name="Rectangle 2"/>
           <p:cNvSpPr>
             <a:spLocks noGrp="1" noChangeArrowheads="1"/>
           </p:cNvSpPr>
@@ -20440,14 +20367,14 @@
               <a:rPr lang="en-US" altLang="zh-CN" smtClean="0">
                 <a:ea typeface="宋体" panose="02010600030101010101" pitchFamily="2" charset="-122"/>
               </a:rPr>
-              <a:t>The Slicing Problem</a:t>
+              <a:t>A Sliced Dog is a Pet</a:t>
             </a:r>
           </a:p>
         </p:txBody>
       </p:sp>
       <p:sp>
         <p:nvSpPr>
-          <p:cNvPr id="54276" name="Rectangle 3"/>
+          <p:cNvPr id="53252" name="Rectangle 3"/>
           <p:cNvSpPr>
             <a:spLocks noGrp="1" noChangeArrowheads="1"/>
           </p:cNvSpPr>
@@ -20455,7 +20382,12 @@
             <p:ph type="body" idx="1"/>
           </p:nvPr>
         </p:nvSpPr>
-        <p:spPr/>
+        <p:spPr>
+          <a:xfrm>
+            <a:off x="544513" y="1447800"/>
+            <a:ext cx="8294687" cy="4572000"/>
+          </a:xfrm>
+        </p:spPr>
         <p:txBody>
           <a:bodyPr/>
           <a:lstStyle/>
@@ -20465,7 +20397,7 @@
               <a:rPr lang="en-US" altLang="zh-CN" smtClean="0">
                 <a:ea typeface="宋体" panose="02010600030101010101" pitchFamily="2" charset="-122"/>
               </a:rPr>
-              <a:t>It is legal to assign a derived class object into a </a:t>
+              <a:t>C++ allows the following assignments:</a:t>
             </a:r>
             <a:br>
               <a:rPr lang="en-US" altLang="zh-CN" smtClean="0">
@@ -20476,7 +20408,60 @@
               <a:rPr lang="en-US" altLang="zh-CN" smtClean="0">
                 <a:ea typeface="宋体" panose="02010600030101010101" pitchFamily="2" charset="-122"/>
               </a:rPr>
-              <a:t>base class variable</a:t>
+              <a:t>        		vdog.name = "Tiny";</a:t>
+            </a:r>
+            <a:br>
+              <a:rPr lang="en-US" altLang="zh-CN" smtClean="0">
+                <a:ea typeface="宋体" panose="02010600030101010101" pitchFamily="2" charset="-122"/>
+              </a:rPr>
+            </a:br>
+            <a:r>
+              <a:rPr lang="en-US" altLang="zh-CN" smtClean="0">
+                <a:ea typeface="宋体" panose="02010600030101010101" pitchFamily="2" charset="-122"/>
+              </a:rPr>
+              <a:t>        		vdog.breed = "Great Dane";</a:t>
+            </a:r>
+            <a:br>
+              <a:rPr lang="en-US" altLang="zh-CN" smtClean="0">
+                <a:ea typeface="宋体" panose="02010600030101010101" pitchFamily="2" charset="-122"/>
+              </a:rPr>
+            </a:br>
+            <a:r>
+              <a:rPr lang="en-US" altLang="zh-CN" smtClean="0">
+                <a:ea typeface="宋体" panose="02010600030101010101" pitchFamily="2" charset="-122"/>
+              </a:rPr>
+              <a:t>        		vpet = vdog;</a:t>
+            </a:r>
+          </a:p>
+          <a:p>
+            <a:pPr eaLnBrk="1" hangingPunct="1"/>
+            <a:r>
+              <a:rPr lang="en-US" altLang="zh-CN" smtClean="0">
+                <a:ea typeface="宋体" panose="02010600030101010101" pitchFamily="2" charset="-122"/>
+              </a:rPr>
+              <a:t>However, vpet will loose the breed member of </a:t>
+            </a:r>
+            <a:br>
+              <a:rPr lang="en-US" altLang="zh-CN" smtClean="0">
+                <a:ea typeface="宋体" panose="02010600030101010101" pitchFamily="2" charset="-122"/>
+              </a:rPr>
+            </a:br>
+            <a:r>
+              <a:rPr lang="en-US" altLang="zh-CN" smtClean="0">
+                <a:ea typeface="宋体" panose="02010600030101010101" pitchFamily="2" charset="-122"/>
+              </a:rPr>
+              <a:t>vdog since an object of class Pet has no breed</a:t>
+            </a:r>
+            <a:br>
+              <a:rPr lang="en-US" altLang="zh-CN" smtClean="0">
+                <a:ea typeface="宋体" panose="02010600030101010101" pitchFamily="2" charset="-122"/>
+              </a:rPr>
+            </a:br>
+            <a:r>
+              <a:rPr lang="en-US" altLang="zh-CN" smtClean="0">
+                <a:ea typeface="宋体" panose="02010600030101010101" pitchFamily="2" charset="-122"/>
+              </a:rPr>
+              <a:t>member</a:t>
             </a:r>
           </a:p>
           <a:p>
@@ -20485,16 +20470,24 @@
               <a:rPr lang="en-US" altLang="zh-CN" smtClean="0">
                 <a:ea typeface="宋体" panose="02010600030101010101" pitchFamily="2" charset="-122"/>
               </a:rPr>
-              <a:t>This slices off data in the derived class that is not also part of the base class</a:t>
-            </a:r>
-          </a:p>
-          <a:p>
-            <a:pPr lvl="1" eaLnBrk="1" hangingPunct="1"/>
-            <a:r>
+              <a:t>This code would be illegal:    cout &lt;&lt; vpet.breed;</a:t>
+            </a:r>
+            <a:br>
               <a:rPr lang="en-US" altLang="zh-CN" smtClean="0">
                 <a:ea typeface="宋体" panose="02010600030101010101" pitchFamily="2" charset="-122"/>
               </a:rPr>
-              <a:t>Member functions and member variables are lost</a:t>
+            </a:br>
+            <a:endParaRPr lang="en-US" altLang="zh-CN" smtClean="0">
+              <a:ea typeface="宋体" panose="02010600030101010101" pitchFamily="2" charset="-122"/>
+            </a:endParaRPr>
+          </a:p>
+          <a:p>
+            <a:pPr eaLnBrk="1" hangingPunct="1"/>
+            <a:r>
+              <a:rPr lang="en-US" altLang="zh-CN" smtClean="0">
+                <a:ea typeface="宋体" panose="02010600030101010101" pitchFamily="2" charset="-122"/>
+              </a:rPr>
+              <a:t>This is the slicing problem</a:t>
             </a:r>
           </a:p>
         </p:txBody>
@@ -20536,7 +20529,7 @@
       </p:grpSpPr>
       <p:sp>
         <p:nvSpPr>
-          <p:cNvPr id="55298" name="灯片编号占位符 3"/>
+          <p:cNvPr id="54274" name="灯片编号占位符 3"/>
           <p:cNvSpPr>
             <a:spLocks noGrp="1"/>
           </p:cNvSpPr>
@@ -20750,7 +20743,7 @@
               <a:rPr lang="en-US" altLang="zh-CN" sz="1400" dirty="0" smtClean="0"/>
               <a:t>Slide 15- </a:t>
             </a:r>
-            <a:fld id="{E9E94124-4983-47F5-A65F-F53702E394DA}" type="slidenum">
+            <a:fld id="{81D03421-1AA1-4A96-9145-A63BC1D5C26D}" type="slidenum">
               <a:rPr lang="en-US" altLang="zh-CN" sz="1400" smtClean="0"/>
               <a:pPr>
                 <a:spcBef>
@@ -20769,7 +20762,7 @@
       </p:sp>
       <p:sp>
         <p:nvSpPr>
-          <p:cNvPr id="55299" name="Rectangle 2"/>
+          <p:cNvPr id="54275" name="Rectangle 2"/>
           <p:cNvSpPr>
             <a:spLocks noGrp="1" noChangeArrowheads="1"/>
           </p:cNvSpPr>
@@ -20787,14 +20780,14 @@
               <a:rPr lang="en-US" altLang="zh-CN" smtClean="0">
                 <a:ea typeface="宋体" panose="02010600030101010101" pitchFamily="2" charset="-122"/>
               </a:rPr>
-              <a:t>Extended Type Compatibility</a:t>
+              <a:t>The Slicing Problem</a:t>
             </a:r>
           </a:p>
         </p:txBody>
       </p:sp>
       <p:sp>
         <p:nvSpPr>
-          <p:cNvPr id="55300" name="Rectangle 3"/>
+          <p:cNvPr id="54276" name="Rectangle 3"/>
           <p:cNvSpPr>
             <a:spLocks noGrp="1" noChangeArrowheads="1"/>
           </p:cNvSpPr>
@@ -20812,7 +20805,7 @@
               <a:rPr lang="en-US" altLang="zh-CN" smtClean="0">
                 <a:ea typeface="宋体" panose="02010600030101010101" pitchFamily="2" charset="-122"/>
               </a:rPr>
-              <a:t>It is possible in C++ to avoid the slicing </a:t>
+              <a:t>It is legal to assign a derived class object into a </a:t>
             </a:r>
             <a:br>
               <a:rPr lang="en-US" altLang="zh-CN" smtClean="0">
@@ -20823,7 +20816,7 @@
               <a:rPr lang="en-US" altLang="zh-CN" smtClean="0">
                 <a:ea typeface="宋体" panose="02010600030101010101" pitchFamily="2" charset="-122"/>
               </a:rPr>
-              <a:t>problem</a:t>
+              <a:t>base class variable</a:t>
             </a:r>
           </a:p>
           <a:p>
@@ -20832,7 +20825,16 @@
               <a:rPr lang="en-US" altLang="zh-CN" smtClean="0">
                 <a:ea typeface="宋体" panose="02010600030101010101" pitchFamily="2" charset="-122"/>
               </a:rPr>
-              <a:t>Using pointers to dynamic variables we can assign objects of a derived class to variables of a base class without loosing members of the derived class object</a:t>
+              <a:t>This slices off data in the derived class that is not also part of the base class</a:t>
+            </a:r>
+          </a:p>
+          <a:p>
+            <a:pPr lvl="1" eaLnBrk="1" hangingPunct="1"/>
+            <a:r>
+              <a:rPr lang="en-US" altLang="zh-CN" smtClean="0">
+                <a:ea typeface="宋体" panose="02010600030101010101" pitchFamily="2" charset="-122"/>
+              </a:rPr>
+              <a:t>Member functions and member variables are lost</a:t>
             </a:r>
           </a:p>
         </p:txBody>
@@ -20874,6 +20876,344 @@
       </p:grpSpPr>
       <p:sp>
         <p:nvSpPr>
+          <p:cNvPr id="55298" name="灯片编号占位符 3"/>
+          <p:cNvSpPr>
+            <a:spLocks noGrp="1"/>
+          </p:cNvSpPr>
+          <p:nvPr>
+            <p:ph type="sldNum" sz="quarter" idx="10"/>
+          </p:nvPr>
+        </p:nvSpPr>
+        <p:spPr>
+          <a:noFill/>
+          <a:ln/>
+          <a:extLst>
+            <a:ext uri="{909E8E84-426E-40DD-AFC4-6F175D3DCCD1}">
+              <a14:hiddenFill xmlns:a14="http://schemas.microsoft.com/office/drawing/2010/main">
+                <a:solidFill>
+                  <a:srgbClr val="FFFFFF"/>
+                </a:solidFill>
+              </a14:hiddenFill>
+            </a:ext>
+            <a:ext uri="{91240B29-F687-4F45-9708-019B960494DF}">
+              <a14:hiddenLine xmlns:a14="http://schemas.microsoft.com/office/drawing/2010/main" w="9525">
+                <a:solidFill>
+                  <a:srgbClr val="000000"/>
+                </a:solidFill>
+                <a:miter lim="800000"/>
+                <a:headEnd/>
+                <a:tailEnd/>
+              </a14:hiddenLine>
+            </a:ext>
+          </a:extLst>
+        </p:spPr>
+        <p:txBody>
+          <a:bodyPr/>
+          <a:lstStyle>
+            <a:lvl1pPr>
+              <a:spcBef>
+                <a:spcPct val="20000"/>
+              </a:spcBef>
+              <a:buClr>
+                <a:srgbClr val="A50021"/>
+              </a:buClr>
+              <a:buSzPct val="60000"/>
+              <a:buFont typeface="Wingdings" panose="05000000000000000000" pitchFamily="2" charset="2"/>
+              <a:buChar char="n"/>
+              <a:defRPr sz="2800">
+                <a:solidFill>
+                  <a:schemeClr val="tx1"/>
+                </a:solidFill>
+                <a:latin typeface="Arial" panose="020B0604020202020204" pitchFamily="34" charset="0"/>
+              </a:defRPr>
+            </a:lvl1pPr>
+            <a:lvl2pPr marL="742950" indent="-285750">
+              <a:spcBef>
+                <a:spcPct val="20000"/>
+              </a:spcBef>
+              <a:buClr>
+                <a:srgbClr val="02B2CA"/>
+              </a:buClr>
+              <a:buSzPct val="55000"/>
+              <a:buFont typeface="Wingdings" panose="05000000000000000000" pitchFamily="2" charset="2"/>
+              <a:buChar char="n"/>
+              <a:defRPr sz="2800">
+                <a:solidFill>
+                  <a:schemeClr val="tx1"/>
+                </a:solidFill>
+                <a:latin typeface="Arial" panose="020B0604020202020204" pitchFamily="34" charset="0"/>
+              </a:defRPr>
+            </a:lvl2pPr>
+            <a:lvl3pPr marL="1143000" indent="-228600">
+              <a:spcBef>
+                <a:spcPct val="20000"/>
+              </a:spcBef>
+              <a:buClr>
+                <a:srgbClr val="A50021"/>
+              </a:buClr>
+              <a:buSzPct val="50000"/>
+              <a:buFont typeface="Wingdings" panose="05000000000000000000" pitchFamily="2" charset="2"/>
+              <a:buChar char="n"/>
+              <a:defRPr sz="2400">
+                <a:solidFill>
+                  <a:schemeClr val="tx1"/>
+                </a:solidFill>
+                <a:latin typeface="Arial" panose="020B0604020202020204" pitchFamily="34" charset="0"/>
+              </a:defRPr>
+            </a:lvl3pPr>
+            <a:lvl4pPr marL="1600200" indent="-228600">
+              <a:spcBef>
+                <a:spcPct val="20000"/>
+              </a:spcBef>
+              <a:buClr>
+                <a:srgbClr val="02B2CA"/>
+              </a:buClr>
+              <a:buSzPct val="55000"/>
+              <a:buFont typeface="Wingdings" panose="05000000000000000000" pitchFamily="2" charset="2"/>
+              <a:buChar char="n"/>
+              <a:defRPr sz="2000">
+                <a:solidFill>
+                  <a:schemeClr val="tx1"/>
+                </a:solidFill>
+                <a:latin typeface="Arial" panose="020B0604020202020204" pitchFamily="34" charset="0"/>
+              </a:defRPr>
+            </a:lvl4pPr>
+            <a:lvl5pPr marL="2057400" indent="-228600">
+              <a:spcBef>
+                <a:spcPct val="20000"/>
+              </a:spcBef>
+              <a:buClr>
+                <a:srgbClr val="A50021"/>
+              </a:buClr>
+              <a:buSzPct val="50000"/>
+              <a:buFont typeface="Wingdings" panose="05000000000000000000" pitchFamily="2" charset="2"/>
+              <a:buChar char="n"/>
+              <a:defRPr sz="2000">
+                <a:solidFill>
+                  <a:schemeClr val="tx1"/>
+                </a:solidFill>
+                <a:latin typeface="Arial" panose="020B0604020202020204" pitchFamily="34" charset="0"/>
+              </a:defRPr>
+            </a:lvl5pPr>
+            <a:lvl6pPr marL="2514600" indent="-228600" eaLnBrk="0" fontAlgn="base" hangingPunct="0">
+              <a:spcBef>
+                <a:spcPct val="20000"/>
+              </a:spcBef>
+              <a:spcAft>
+                <a:spcPct val="0"/>
+              </a:spcAft>
+              <a:buClr>
+                <a:srgbClr val="A50021"/>
+              </a:buClr>
+              <a:buSzPct val="50000"/>
+              <a:buFont typeface="Wingdings" panose="05000000000000000000" pitchFamily="2" charset="2"/>
+              <a:buChar char="n"/>
+              <a:defRPr sz="2000">
+                <a:solidFill>
+                  <a:schemeClr val="tx1"/>
+                </a:solidFill>
+                <a:latin typeface="Arial" panose="020B0604020202020204" pitchFamily="34" charset="0"/>
+              </a:defRPr>
+            </a:lvl6pPr>
+            <a:lvl7pPr marL="2971800" indent="-228600" eaLnBrk="0" fontAlgn="base" hangingPunct="0">
+              <a:spcBef>
+                <a:spcPct val="20000"/>
+              </a:spcBef>
+              <a:spcAft>
+                <a:spcPct val="0"/>
+              </a:spcAft>
+              <a:buClr>
+                <a:srgbClr val="A50021"/>
+              </a:buClr>
+              <a:buSzPct val="50000"/>
+              <a:buFont typeface="Wingdings" panose="05000000000000000000" pitchFamily="2" charset="2"/>
+              <a:buChar char="n"/>
+              <a:defRPr sz="2000">
+                <a:solidFill>
+                  <a:schemeClr val="tx1"/>
+                </a:solidFill>
+                <a:latin typeface="Arial" panose="020B0604020202020204" pitchFamily="34" charset="0"/>
+              </a:defRPr>
+            </a:lvl7pPr>
+            <a:lvl8pPr marL="3429000" indent="-228600" eaLnBrk="0" fontAlgn="base" hangingPunct="0">
+              <a:spcBef>
+                <a:spcPct val="20000"/>
+              </a:spcBef>
+              <a:spcAft>
+                <a:spcPct val="0"/>
+              </a:spcAft>
+              <a:buClr>
+                <a:srgbClr val="A50021"/>
+              </a:buClr>
+              <a:buSzPct val="50000"/>
+              <a:buFont typeface="Wingdings" panose="05000000000000000000" pitchFamily="2" charset="2"/>
+              <a:buChar char="n"/>
+              <a:defRPr sz="2000">
+                <a:solidFill>
+                  <a:schemeClr val="tx1"/>
+                </a:solidFill>
+                <a:latin typeface="Arial" panose="020B0604020202020204" pitchFamily="34" charset="0"/>
+              </a:defRPr>
+            </a:lvl8pPr>
+            <a:lvl9pPr marL="3886200" indent="-228600" eaLnBrk="0" fontAlgn="base" hangingPunct="0">
+              <a:spcBef>
+                <a:spcPct val="20000"/>
+              </a:spcBef>
+              <a:spcAft>
+                <a:spcPct val="0"/>
+              </a:spcAft>
+              <a:buClr>
+                <a:srgbClr val="A50021"/>
+              </a:buClr>
+              <a:buSzPct val="50000"/>
+              <a:buFont typeface="Wingdings" panose="05000000000000000000" pitchFamily="2" charset="2"/>
+              <a:buChar char="n"/>
+              <a:defRPr sz="2000">
+                <a:solidFill>
+                  <a:schemeClr val="tx1"/>
+                </a:solidFill>
+                <a:latin typeface="Arial" panose="020B0604020202020204" pitchFamily="34" charset="0"/>
+              </a:defRPr>
+            </a:lvl9pPr>
+          </a:lstStyle>
+          <a:p>
+            <a:pPr>
+              <a:spcBef>
+                <a:spcPct val="0"/>
+              </a:spcBef>
+              <a:buClrTx/>
+              <a:buSzTx/>
+              <a:buFontTx/>
+              <a:buNone/>
+            </a:pPr>
+            <a:r>
+              <a:rPr lang="en-US" altLang="zh-CN" sz="1400" dirty="0" smtClean="0"/>
+              <a:t>Slide 15- </a:t>
+            </a:r>
+            <a:fld id="{E9E94124-4983-47F5-A65F-F53702E394DA}" type="slidenum">
+              <a:rPr lang="en-US" altLang="zh-CN" sz="1400" smtClean="0"/>
+              <a:pPr>
+                <a:spcBef>
+                  <a:spcPct val="0"/>
+                </a:spcBef>
+                <a:buClrTx/>
+                <a:buSzTx/>
+                <a:buFontTx/>
+                <a:buNone/>
+              </a:pPr>
+              <a:t>54</a:t>
+            </a:fld>
+            <a:endParaRPr lang="en-CA" altLang="zh-CN" sz="1400" dirty="0"/>
+          </a:p>
+        </p:txBody>
+      </p:sp>
+      <p:sp>
+        <p:nvSpPr>
+          <p:cNvPr id="55299" name="Rectangle 2"/>
+          <p:cNvSpPr>
+            <a:spLocks noGrp="1" noChangeArrowheads="1"/>
+          </p:cNvSpPr>
+          <p:nvPr>
+            <p:ph type="title"/>
+          </p:nvPr>
+        </p:nvSpPr>
+        <p:spPr/>
+        <p:txBody>
+          <a:bodyPr/>
+          <a:lstStyle/>
+          <a:p>
+            <a:pPr eaLnBrk="1" hangingPunct="1"/>
+            <a:r>
+              <a:rPr lang="en-US" altLang="zh-CN" smtClean="0">
+                <a:ea typeface="宋体" panose="02010600030101010101" pitchFamily="2" charset="-122"/>
+              </a:rPr>
+              <a:t>Extended Type Compatibility</a:t>
+            </a:r>
+          </a:p>
+        </p:txBody>
+      </p:sp>
+      <p:sp>
+        <p:nvSpPr>
+          <p:cNvPr id="55300" name="Rectangle 3"/>
+          <p:cNvSpPr>
+            <a:spLocks noGrp="1" noChangeArrowheads="1"/>
+          </p:cNvSpPr>
+          <p:nvPr>
+            <p:ph type="body" idx="1"/>
+          </p:nvPr>
+        </p:nvSpPr>
+        <p:spPr/>
+        <p:txBody>
+          <a:bodyPr/>
+          <a:lstStyle/>
+          <a:p>
+            <a:pPr eaLnBrk="1" hangingPunct="1"/>
+            <a:r>
+              <a:rPr lang="en-US" altLang="zh-CN" smtClean="0">
+                <a:ea typeface="宋体" panose="02010600030101010101" pitchFamily="2" charset="-122"/>
+              </a:rPr>
+              <a:t>It is possible in C++ to avoid the slicing </a:t>
+            </a:r>
+            <a:br>
+              <a:rPr lang="en-US" altLang="zh-CN" smtClean="0">
+                <a:ea typeface="宋体" panose="02010600030101010101" pitchFamily="2" charset="-122"/>
+              </a:rPr>
+            </a:br>
+            <a:r>
+              <a:rPr lang="en-US" altLang="zh-CN" smtClean="0">
+                <a:ea typeface="宋体" panose="02010600030101010101" pitchFamily="2" charset="-122"/>
+              </a:rPr>
+              <a:t>problem</a:t>
+            </a:r>
+          </a:p>
+          <a:p>
+            <a:pPr lvl="1" eaLnBrk="1" hangingPunct="1"/>
+            <a:r>
+              <a:rPr lang="en-US" altLang="zh-CN" smtClean="0">
+                <a:ea typeface="宋体" panose="02010600030101010101" pitchFamily="2" charset="-122"/>
+              </a:rPr>
+              <a:t>Using pointers to dynamic variables we can assign objects of a derived class to variables of a base class without loosing members of the derived class object</a:t>
+            </a:r>
+          </a:p>
+        </p:txBody>
+      </p:sp>
+    </p:spTree>
+  </p:cSld>
+  <p:clrMapOvr>
+    <a:masterClrMapping/>
+  </p:clrMapOvr>
+  <p:transition spd="med">
+    <p:wipe dir="r"/>
+  </p:transition>
+  <p:timing>
+    <p:tnLst>
+      <p:par>
+        <p:cTn id="1" dur="indefinite" restart="never" nodeType="tmRoot"/>
+      </p:par>
+    </p:tnLst>
+  </p:timing>
+</p:sld>
+</file>
+
+<file path=ppt/slides/slide55.xml><?xml version="1.0" encoding="utf-8"?>
+<p:sld xmlns:a="http://schemas.openxmlformats.org/drawingml/2006/main" xmlns:r="http://schemas.openxmlformats.org/officeDocument/2006/relationships" xmlns:p="http://schemas.openxmlformats.org/presentationml/2006/main">
+  <p:cSld>
+    <p:spTree>
+      <p:nvGrpSpPr>
+        <p:cNvPr id="1" name=""/>
+        <p:cNvGrpSpPr/>
+        <p:nvPr/>
+      </p:nvGrpSpPr>
+      <p:grpSpPr>
+        <a:xfrm>
+          <a:off x="0" y="0"/>
+          <a:ext cx="0" cy="0"/>
+          <a:chOff x="0" y="0"/>
+          <a:chExt cx="0" cy="0"/>
+        </a:xfrm>
+      </p:grpSpPr>
+      <p:sp>
+        <p:nvSpPr>
           <p:cNvPr id="56322" name="灯片编号占位符 3"/>
           <p:cNvSpPr>
             <a:spLocks noGrp="1"/>
@@ -21099,7 +21439,7 @@
                 <a:buFontTx/>
                 <a:buNone/>
               </a:pPr>
-              <a:t>54</a:t>
+              <a:t>55</a:t>
             </a:fld>
             <a:endParaRPr lang="en-CA" altLang="zh-CN" sz="1400" dirty="0"/>
           </a:p>
@@ -22284,7 +22624,7 @@
 </p:sld>
 </file>
 
-<file path=ppt/slides/slide55.xml><?xml version="1.0" encoding="utf-8"?>
+<file path=ppt/slides/slide56.xml><?xml version="1.0" encoding="utf-8"?>
 <p:sld xmlns:a="http://schemas.openxmlformats.org/drawingml/2006/main" xmlns:r="http://schemas.openxmlformats.org/officeDocument/2006/relationships" xmlns:p="http://schemas.openxmlformats.org/presentationml/2006/main">
   <p:cSld>
     <p:spTree>
@@ -22528,7 +22868,7 @@
                 <a:buFontTx/>
                 <a:buNone/>
               </a:pPr>
-              <a:t>55</a:t>
+              <a:t>56</a:t>
             </a:fld>
             <a:endParaRPr lang="en-CA" altLang="zh-CN" sz="1400" dirty="0"/>
           </a:p>
@@ -22655,389 +22995,6 @@
                 <a:ea typeface="宋体" panose="02010600030101010101" pitchFamily="2" charset="-122"/>
               </a:rPr>
               <a:t>                              &lt;&lt; "breed: " &lt;&lt; ppet-&gt;breed;</a:t>
-            </a:r>
-          </a:p>
-        </p:txBody>
-      </p:sp>
-    </p:spTree>
-  </p:cSld>
-  <p:clrMapOvr>
-    <a:masterClrMapping/>
-  </p:clrMapOvr>
-  <p:transition spd="med">
-    <p:wipe dir="r"/>
-  </p:transition>
-  <p:timing>
-    <p:tnLst>
-      <p:par>
-        <p:cTn id="1" dur="indefinite" restart="never" nodeType="tmRoot"/>
-      </p:par>
-    </p:tnLst>
-  </p:timing>
-</p:sld>
-</file>
-
-<file path=ppt/slides/slide56.xml><?xml version="1.0" encoding="utf-8"?>
-<p:sld xmlns:a="http://schemas.openxmlformats.org/drawingml/2006/main" xmlns:r="http://schemas.openxmlformats.org/officeDocument/2006/relationships" xmlns:p="http://schemas.openxmlformats.org/presentationml/2006/main">
-  <p:cSld>
-    <p:spTree>
-      <p:nvGrpSpPr>
-        <p:cNvPr id="1" name=""/>
-        <p:cNvGrpSpPr/>
-        <p:nvPr/>
-      </p:nvGrpSpPr>
-      <p:grpSpPr>
-        <a:xfrm>
-          <a:off x="0" y="0"/>
-          <a:ext cx="0" cy="0"/>
-          <a:chOff x="0" y="0"/>
-          <a:chExt cx="0" cy="0"/>
-        </a:xfrm>
-      </p:grpSpPr>
-      <p:sp>
-        <p:nvSpPr>
-          <p:cNvPr id="58370" name="灯片编号占位符 3"/>
-          <p:cNvSpPr>
-            <a:spLocks noGrp="1"/>
-          </p:cNvSpPr>
-          <p:nvPr>
-            <p:ph type="sldNum" sz="quarter" idx="10"/>
-          </p:nvPr>
-        </p:nvSpPr>
-        <p:spPr>
-          <a:noFill/>
-          <a:ln/>
-          <a:extLst>
-            <a:ext uri="{909E8E84-426E-40DD-AFC4-6F175D3DCCD1}">
-              <a14:hiddenFill xmlns:a14="http://schemas.microsoft.com/office/drawing/2010/main">
-                <a:solidFill>
-                  <a:srgbClr val="FFFFFF"/>
-                </a:solidFill>
-              </a14:hiddenFill>
-            </a:ext>
-            <a:ext uri="{91240B29-F687-4F45-9708-019B960494DF}">
-              <a14:hiddenLine xmlns:a14="http://schemas.microsoft.com/office/drawing/2010/main" w="9525">
-                <a:solidFill>
-                  <a:srgbClr val="000000"/>
-                </a:solidFill>
-                <a:miter lim="800000"/>
-                <a:headEnd/>
-                <a:tailEnd/>
-              </a14:hiddenLine>
-            </a:ext>
-          </a:extLst>
-        </p:spPr>
-        <p:txBody>
-          <a:bodyPr/>
-          <a:lstStyle>
-            <a:lvl1pPr>
-              <a:spcBef>
-                <a:spcPct val="20000"/>
-              </a:spcBef>
-              <a:buClr>
-                <a:srgbClr val="A50021"/>
-              </a:buClr>
-              <a:buSzPct val="60000"/>
-              <a:buFont typeface="Wingdings" panose="05000000000000000000" pitchFamily="2" charset="2"/>
-              <a:buChar char="n"/>
-              <a:defRPr sz="2800">
-                <a:solidFill>
-                  <a:schemeClr val="tx1"/>
-                </a:solidFill>
-                <a:latin typeface="Arial" panose="020B0604020202020204" pitchFamily="34" charset="0"/>
-              </a:defRPr>
-            </a:lvl1pPr>
-            <a:lvl2pPr marL="742950" indent="-285750">
-              <a:spcBef>
-                <a:spcPct val="20000"/>
-              </a:spcBef>
-              <a:buClr>
-                <a:srgbClr val="02B2CA"/>
-              </a:buClr>
-              <a:buSzPct val="55000"/>
-              <a:buFont typeface="Wingdings" panose="05000000000000000000" pitchFamily="2" charset="2"/>
-              <a:buChar char="n"/>
-              <a:defRPr sz="2800">
-                <a:solidFill>
-                  <a:schemeClr val="tx1"/>
-                </a:solidFill>
-                <a:latin typeface="Arial" panose="020B0604020202020204" pitchFamily="34" charset="0"/>
-              </a:defRPr>
-            </a:lvl2pPr>
-            <a:lvl3pPr marL="1143000" indent="-228600">
-              <a:spcBef>
-                <a:spcPct val="20000"/>
-              </a:spcBef>
-              <a:buClr>
-                <a:srgbClr val="A50021"/>
-              </a:buClr>
-              <a:buSzPct val="50000"/>
-              <a:buFont typeface="Wingdings" panose="05000000000000000000" pitchFamily="2" charset="2"/>
-              <a:buChar char="n"/>
-              <a:defRPr sz="2400">
-                <a:solidFill>
-                  <a:schemeClr val="tx1"/>
-                </a:solidFill>
-                <a:latin typeface="Arial" panose="020B0604020202020204" pitchFamily="34" charset="0"/>
-              </a:defRPr>
-            </a:lvl3pPr>
-            <a:lvl4pPr marL="1600200" indent="-228600">
-              <a:spcBef>
-                <a:spcPct val="20000"/>
-              </a:spcBef>
-              <a:buClr>
-                <a:srgbClr val="02B2CA"/>
-              </a:buClr>
-              <a:buSzPct val="55000"/>
-              <a:buFont typeface="Wingdings" panose="05000000000000000000" pitchFamily="2" charset="2"/>
-              <a:buChar char="n"/>
-              <a:defRPr sz="2000">
-                <a:solidFill>
-                  <a:schemeClr val="tx1"/>
-                </a:solidFill>
-                <a:latin typeface="Arial" panose="020B0604020202020204" pitchFamily="34" charset="0"/>
-              </a:defRPr>
-            </a:lvl4pPr>
-            <a:lvl5pPr marL="2057400" indent="-228600">
-              <a:spcBef>
-                <a:spcPct val="20000"/>
-              </a:spcBef>
-              <a:buClr>
-                <a:srgbClr val="A50021"/>
-              </a:buClr>
-              <a:buSzPct val="50000"/>
-              <a:buFont typeface="Wingdings" panose="05000000000000000000" pitchFamily="2" charset="2"/>
-              <a:buChar char="n"/>
-              <a:defRPr sz="2000">
-                <a:solidFill>
-                  <a:schemeClr val="tx1"/>
-                </a:solidFill>
-                <a:latin typeface="Arial" panose="020B0604020202020204" pitchFamily="34" charset="0"/>
-              </a:defRPr>
-            </a:lvl5pPr>
-            <a:lvl6pPr marL="2514600" indent="-228600" eaLnBrk="0" fontAlgn="base" hangingPunct="0">
-              <a:spcBef>
-                <a:spcPct val="20000"/>
-              </a:spcBef>
-              <a:spcAft>
-                <a:spcPct val="0"/>
-              </a:spcAft>
-              <a:buClr>
-                <a:srgbClr val="A50021"/>
-              </a:buClr>
-              <a:buSzPct val="50000"/>
-              <a:buFont typeface="Wingdings" panose="05000000000000000000" pitchFamily="2" charset="2"/>
-              <a:buChar char="n"/>
-              <a:defRPr sz="2000">
-                <a:solidFill>
-                  <a:schemeClr val="tx1"/>
-                </a:solidFill>
-                <a:latin typeface="Arial" panose="020B0604020202020204" pitchFamily="34" charset="0"/>
-              </a:defRPr>
-            </a:lvl6pPr>
-            <a:lvl7pPr marL="2971800" indent="-228600" eaLnBrk="0" fontAlgn="base" hangingPunct="0">
-              <a:spcBef>
-                <a:spcPct val="20000"/>
-              </a:spcBef>
-              <a:spcAft>
-                <a:spcPct val="0"/>
-              </a:spcAft>
-              <a:buClr>
-                <a:srgbClr val="A50021"/>
-              </a:buClr>
-              <a:buSzPct val="50000"/>
-              <a:buFont typeface="Wingdings" panose="05000000000000000000" pitchFamily="2" charset="2"/>
-              <a:buChar char="n"/>
-              <a:defRPr sz="2000">
-                <a:solidFill>
-                  <a:schemeClr val="tx1"/>
-                </a:solidFill>
-                <a:latin typeface="Arial" panose="020B0604020202020204" pitchFamily="34" charset="0"/>
-              </a:defRPr>
-            </a:lvl7pPr>
-            <a:lvl8pPr marL="3429000" indent="-228600" eaLnBrk="0" fontAlgn="base" hangingPunct="0">
-              <a:spcBef>
-                <a:spcPct val="20000"/>
-              </a:spcBef>
-              <a:spcAft>
-                <a:spcPct val="0"/>
-              </a:spcAft>
-              <a:buClr>
-                <a:srgbClr val="A50021"/>
-              </a:buClr>
-              <a:buSzPct val="50000"/>
-              <a:buFont typeface="Wingdings" panose="05000000000000000000" pitchFamily="2" charset="2"/>
-              <a:buChar char="n"/>
-              <a:defRPr sz="2000">
-                <a:solidFill>
-                  <a:schemeClr val="tx1"/>
-                </a:solidFill>
-                <a:latin typeface="Arial" panose="020B0604020202020204" pitchFamily="34" charset="0"/>
-              </a:defRPr>
-            </a:lvl8pPr>
-            <a:lvl9pPr marL="3886200" indent="-228600" eaLnBrk="0" fontAlgn="base" hangingPunct="0">
-              <a:spcBef>
-                <a:spcPct val="20000"/>
-              </a:spcBef>
-              <a:spcAft>
-                <a:spcPct val="0"/>
-              </a:spcAft>
-              <a:buClr>
-                <a:srgbClr val="A50021"/>
-              </a:buClr>
-              <a:buSzPct val="50000"/>
-              <a:buFont typeface="Wingdings" panose="05000000000000000000" pitchFamily="2" charset="2"/>
-              <a:buChar char="n"/>
-              <a:defRPr sz="2000">
-                <a:solidFill>
-                  <a:schemeClr val="tx1"/>
-                </a:solidFill>
-                <a:latin typeface="Arial" panose="020B0604020202020204" pitchFamily="34" charset="0"/>
-              </a:defRPr>
-            </a:lvl9pPr>
-          </a:lstStyle>
-          <a:p>
-            <a:pPr>
-              <a:spcBef>
-                <a:spcPct val="0"/>
-              </a:spcBef>
-              <a:buClrTx/>
-              <a:buSzTx/>
-              <a:buFontTx/>
-              <a:buNone/>
-            </a:pPr>
-            <a:r>
-              <a:rPr lang="en-US" altLang="zh-CN" sz="1400" dirty="0" smtClean="0"/>
-              <a:t>Slide 15- </a:t>
-            </a:r>
-            <a:fld id="{B4121402-1088-4CF2-B7FB-196F19453E0C}" type="slidenum">
-              <a:rPr lang="en-US" altLang="zh-CN" sz="1400" smtClean="0"/>
-              <a:pPr>
-                <a:spcBef>
-                  <a:spcPct val="0"/>
-                </a:spcBef>
-                <a:buClrTx/>
-                <a:buSzTx/>
-                <a:buFontTx/>
-                <a:buNone/>
-              </a:pPr>
-              <a:t>56</a:t>
-            </a:fld>
-            <a:endParaRPr lang="en-CA" altLang="zh-CN" sz="1400" dirty="0"/>
-          </a:p>
-        </p:txBody>
-      </p:sp>
-      <p:sp>
-        <p:nvSpPr>
-          <p:cNvPr id="58371" name="Rectangle 2"/>
-          <p:cNvSpPr>
-            <a:spLocks noGrp="1" noChangeArrowheads="1"/>
-          </p:cNvSpPr>
-          <p:nvPr>
-            <p:ph type="title"/>
-          </p:nvPr>
-        </p:nvSpPr>
-        <p:spPr/>
-        <p:txBody>
-          <a:bodyPr/>
-          <a:lstStyle/>
-          <a:p>
-            <a:pPr eaLnBrk="1" hangingPunct="1"/>
-            <a:r>
-              <a:rPr lang="en-US" altLang="zh-CN" smtClean="0">
-                <a:ea typeface="宋体" panose="02010600030101010101" pitchFamily="2" charset="-122"/>
-              </a:rPr>
-              <a:t>Why?</a:t>
-            </a:r>
-          </a:p>
-        </p:txBody>
-      </p:sp>
-      <p:sp>
-        <p:nvSpPr>
-          <p:cNvPr id="58372" name="Rectangle 3"/>
-          <p:cNvSpPr>
-            <a:spLocks noGrp="1" noChangeArrowheads="1"/>
-          </p:cNvSpPr>
-          <p:nvPr>
-            <p:ph type="body" idx="1"/>
-          </p:nvPr>
-        </p:nvSpPr>
-        <p:spPr>
-          <a:xfrm>
-            <a:off x="544513" y="1524000"/>
-            <a:ext cx="8294687" cy="4572000"/>
-          </a:xfrm>
-        </p:spPr>
-        <p:txBody>
-          <a:bodyPr/>
-          <a:lstStyle/>
-          <a:p>
-            <a:pPr eaLnBrk="1" hangingPunct="1"/>
-            <a:r>
-              <a:rPr lang="en-US" altLang="zh-CN" smtClean="0">
-                <a:ea typeface="宋体" panose="02010600030101010101" pitchFamily="2" charset="-122"/>
-              </a:rPr>
-              <a:t>ppet-&gt;breed is still illegal because ppet is a </a:t>
-            </a:r>
-            <a:br>
-              <a:rPr lang="en-US" altLang="zh-CN" smtClean="0">
-                <a:ea typeface="宋体" panose="02010600030101010101" pitchFamily="2" charset="-122"/>
-              </a:rPr>
-            </a:br>
-            <a:r>
-              <a:rPr lang="en-US" altLang="zh-CN" smtClean="0">
-                <a:ea typeface="宋体" panose="02010600030101010101" pitchFamily="2" charset="-122"/>
-              </a:rPr>
-              <a:t>pointer to a Pet object that has no breed member</a:t>
-            </a:r>
-          </a:p>
-          <a:p>
-            <a:pPr eaLnBrk="1" hangingPunct="1"/>
-            <a:r>
-              <a:rPr lang="en-US" altLang="zh-CN" smtClean="0">
-                <a:ea typeface="宋体" panose="02010600030101010101" pitchFamily="2" charset="-122"/>
-              </a:rPr>
-              <a:t>Function print( ) was declared virtual by class</a:t>
-            </a:r>
-            <a:br>
-              <a:rPr lang="en-US" altLang="zh-CN" smtClean="0">
-                <a:ea typeface="宋体" panose="02010600030101010101" pitchFamily="2" charset="-122"/>
-              </a:rPr>
-            </a:br>
-            <a:r>
-              <a:rPr lang="en-US" altLang="zh-CN" smtClean="0">
-                <a:ea typeface="宋体" panose="02010600030101010101" pitchFamily="2" charset="-122"/>
-              </a:rPr>
-              <a:t>Pet </a:t>
-            </a:r>
-          </a:p>
-          <a:p>
-            <a:pPr lvl="1" eaLnBrk="1" hangingPunct="1"/>
-            <a:r>
-              <a:rPr lang="en-US" altLang="zh-CN" smtClean="0">
-                <a:ea typeface="宋体" panose="02010600030101010101" pitchFamily="2" charset="-122"/>
-              </a:rPr>
-              <a:t>When the computer sees ppet-&gt;print( ), it checks the virtual table for classes Pet and Dog and finds that ppet points to an object of type Dog</a:t>
-            </a:r>
-          </a:p>
-          <a:p>
-            <a:pPr lvl="2" eaLnBrk="1" hangingPunct="1"/>
-            <a:r>
-              <a:rPr lang="en-US" altLang="zh-CN" smtClean="0">
-                <a:ea typeface="宋体" panose="02010600030101010101" pitchFamily="2" charset="-122"/>
-              </a:rPr>
-              <a:t>Because ppet points to a Dog object, code for Dog::print( )</a:t>
-            </a:r>
-            <a:br>
-              <a:rPr lang="en-US" altLang="zh-CN" smtClean="0">
-                <a:ea typeface="宋体" panose="02010600030101010101" pitchFamily="2" charset="-122"/>
-              </a:rPr>
-            </a:br>
-            <a:r>
-              <a:rPr lang="en-US" altLang="zh-CN" smtClean="0">
-                <a:ea typeface="宋体" panose="02010600030101010101" pitchFamily="2" charset="-122"/>
-              </a:rPr>
-              <a:t>is used </a:t>
             </a:r>
           </a:p>
         </p:txBody>
@@ -23079,7 +23036,7 @@
       </p:grpSpPr>
       <p:sp>
         <p:nvSpPr>
-          <p:cNvPr id="59394" name="灯片编号占位符 3"/>
+          <p:cNvPr id="58370" name="灯片编号占位符 3"/>
           <p:cNvSpPr>
             <a:spLocks noGrp="1"/>
           </p:cNvSpPr>
@@ -23293,7 +23250,7 @@
               <a:rPr lang="en-US" altLang="zh-CN" sz="1400" dirty="0" smtClean="0"/>
               <a:t>Slide 15- </a:t>
             </a:r>
-            <a:fld id="{BBE9F2B2-F8F1-4D17-BC3A-9F92B3F429AB}" type="slidenum">
+            <a:fld id="{B4121402-1088-4CF2-B7FB-196F19453E0C}" type="slidenum">
               <a:rPr lang="en-US" altLang="zh-CN" sz="1400" smtClean="0"/>
               <a:pPr>
                 <a:spcBef>
@@ -23312,7 +23269,7 @@
       </p:sp>
       <p:sp>
         <p:nvSpPr>
-          <p:cNvPr id="59395" name="Rectangle 2"/>
+          <p:cNvPr id="58371" name="Rectangle 2"/>
           <p:cNvSpPr>
             <a:spLocks noGrp="1" noChangeArrowheads="1"/>
           </p:cNvSpPr>
@@ -23330,14 +23287,14 @@
               <a:rPr lang="en-US" altLang="zh-CN" smtClean="0">
                 <a:ea typeface="宋体" panose="02010600030101010101" pitchFamily="2" charset="-122"/>
               </a:rPr>
-              <a:t>Remember Two Rules</a:t>
+              <a:t>Why?</a:t>
             </a:r>
           </a:p>
         </p:txBody>
       </p:sp>
       <p:sp>
         <p:nvSpPr>
-          <p:cNvPr id="59396" name="Rectangle 3"/>
+          <p:cNvPr id="58372" name="Rectangle 3"/>
           <p:cNvSpPr>
             <a:spLocks noGrp="1" noChangeArrowheads="1"/>
           </p:cNvSpPr>
@@ -23345,21 +23302,22 @@
             <p:ph type="body" idx="1"/>
           </p:nvPr>
         </p:nvSpPr>
-        <p:spPr/>
+        <p:spPr>
+          <a:xfrm>
+            <a:off x="544513" y="1524000"/>
+            <a:ext cx="8294687" cy="4572000"/>
+          </a:xfrm>
+        </p:spPr>
         <p:txBody>
           <a:bodyPr/>
           <a:lstStyle/>
           <a:p>
-            <a:pPr eaLnBrk="1" hangingPunct="1">
-              <a:lnSpc>
-                <a:spcPct val="90000"/>
-              </a:lnSpc>
-            </a:pPr>
+            <a:pPr eaLnBrk="1" hangingPunct="1"/>
             <a:r>
               <a:rPr lang="en-US" altLang="zh-CN" smtClean="0">
                 <a:ea typeface="宋体" panose="02010600030101010101" pitchFamily="2" charset="-122"/>
               </a:rPr>
-              <a:t>To help make sense of object oriented </a:t>
+              <a:t>ppet-&gt;breed is still illegal because ppet is a </a:t>
             </a:r>
             <a:br>
               <a:rPr lang="en-US" altLang="zh-CN" smtClean="0">
@@ -23370,7 +23328,16 @@
               <a:rPr lang="en-US" altLang="zh-CN" smtClean="0">
                 <a:ea typeface="宋体" panose="02010600030101010101" pitchFamily="2" charset="-122"/>
               </a:rPr>
-              <a:t>programming with dynamic variables, </a:t>
+              <a:t>pointer to a Pet object that has no breed member</a:t>
+            </a:r>
+          </a:p>
+          <a:p>
+            <a:pPr eaLnBrk="1" hangingPunct="1"/>
+            <a:r>
+              <a:rPr lang="en-US" altLang="zh-CN" smtClean="0">
+                <a:ea typeface="宋体" panose="02010600030101010101" pitchFamily="2" charset="-122"/>
+              </a:rPr>
+              <a:t>Function print( ) was declared virtual by class</a:t>
             </a:r>
             <a:br>
               <a:rPr lang="en-US" altLang="zh-CN" smtClean="0">
@@ -23381,74 +23348,36 @@
               <a:rPr lang="en-US" altLang="zh-CN" smtClean="0">
                 <a:ea typeface="宋体" panose="02010600030101010101" pitchFamily="2" charset="-122"/>
               </a:rPr>
-              <a:t>remember these rules </a:t>
-            </a:r>
-          </a:p>
-          <a:p>
-            <a:pPr lvl="1" eaLnBrk="1" hangingPunct="1">
-              <a:lnSpc>
-                <a:spcPct val="90000"/>
-              </a:lnSpc>
-            </a:pPr>
-            <a:r>
-              <a:rPr lang="en-US" altLang="zh-CN" sz="2400" smtClean="0">
-                <a:ea typeface="宋体" panose="02010600030101010101" pitchFamily="2" charset="-122"/>
-              </a:rPr>
-              <a:t>If the domain type of the pointer p_ancestor is a base class for the for the domain type of pointer p_descendant, </a:t>
+              <a:t>Pet </a:t>
+            </a:r>
+          </a:p>
+          <a:p>
+            <a:pPr lvl="1" eaLnBrk="1" hangingPunct="1"/>
+            <a:r>
+              <a:rPr lang="en-US" altLang="zh-CN" smtClean="0">
+                <a:ea typeface="宋体" panose="02010600030101010101" pitchFamily="2" charset="-122"/>
+              </a:rPr>
+              <a:t>When the computer sees ppet-&gt;print( ), it checks the virtual table for classes Pet and Dog and finds that ppet points to an object of type Dog</a:t>
+            </a:r>
+          </a:p>
+          <a:p>
+            <a:pPr lvl="2" eaLnBrk="1" hangingPunct="1"/>
+            <a:r>
+              <a:rPr lang="en-US" altLang="zh-CN" smtClean="0">
+                <a:ea typeface="宋体" panose="02010600030101010101" pitchFamily="2" charset="-122"/>
+              </a:rPr>
+              <a:t>Because ppet points to a Dog object, code for Dog::print( )</a:t>
             </a:r>
             <a:br>
-              <a:rPr lang="en-US" altLang="zh-CN" sz="2400" smtClean="0">
+              <a:rPr lang="en-US" altLang="zh-CN" smtClean="0">
                 <a:ea typeface="宋体" panose="02010600030101010101" pitchFamily="2" charset="-122"/>
               </a:rPr>
             </a:br>
             <a:r>
-              <a:rPr lang="en-US" altLang="zh-CN" sz="2400" smtClean="0">
-                <a:ea typeface="宋体" panose="02010600030101010101" pitchFamily="2" charset="-122"/>
-              </a:rPr>
-              <a:t>the following assignment of pointers is allowed</a:t>
-            </a:r>
-            <a:br>
-              <a:rPr lang="en-US" altLang="zh-CN" sz="2400" smtClean="0">
-                <a:ea typeface="宋体" panose="02010600030101010101" pitchFamily="2" charset="-122"/>
-              </a:rPr>
-            </a:br>
-            <a:r>
-              <a:rPr lang="en-US" altLang="zh-CN" sz="2400" smtClean="0">
-                <a:ea typeface="宋体" panose="02010600030101010101" pitchFamily="2" charset="-122"/>
-              </a:rPr>
-              <a:t>                 p_ancestor = p_descendant;</a:t>
-            </a:r>
-            <a:br>
-              <a:rPr lang="en-US" altLang="zh-CN" sz="2400" smtClean="0">
-                <a:ea typeface="宋体" panose="02010600030101010101" pitchFamily="2" charset="-122"/>
-              </a:rPr>
-            </a:br>
-            <a:r>
-              <a:rPr lang="en-US" altLang="zh-CN" sz="2400" smtClean="0">
-                <a:ea typeface="宋体" panose="02010600030101010101" pitchFamily="2" charset="-122"/>
-              </a:rPr>
-              <a:t>and no data members will be lost</a:t>
-            </a:r>
-            <a:br>
-              <a:rPr lang="en-US" altLang="zh-CN" sz="2400" smtClean="0">
-                <a:ea typeface="宋体" panose="02010600030101010101" pitchFamily="2" charset="-122"/>
-              </a:rPr>
-            </a:br>
-            <a:endParaRPr lang="en-US" altLang="zh-CN" sz="2400" smtClean="0">
-              <a:ea typeface="宋体" panose="02010600030101010101" pitchFamily="2" charset="-122"/>
-            </a:endParaRPr>
-          </a:p>
-          <a:p>
-            <a:pPr lvl="1" eaLnBrk="1" hangingPunct="1">
-              <a:lnSpc>
-                <a:spcPct val="90000"/>
-              </a:lnSpc>
-            </a:pPr>
-            <a:r>
-              <a:rPr lang="en-US" altLang="zh-CN" sz="2400" smtClean="0">
-                <a:ea typeface="宋体" panose="02010600030101010101" pitchFamily="2" charset="-122"/>
-              </a:rPr>
-              <a:t>Although all the fields of the p_descendant are there, virtual functions are required to access them</a:t>
+              <a:rPr lang="en-US" altLang="zh-CN" smtClean="0">
+                <a:ea typeface="宋体" panose="02010600030101010101" pitchFamily="2" charset="-122"/>
+              </a:rPr>
+              <a:t>is used </a:t>
             </a:r>
           </a:p>
         </p:txBody>
@@ -23490,7 +23419,7 @@
       </p:grpSpPr>
       <p:sp>
         <p:nvSpPr>
-          <p:cNvPr id="60418" name="灯片编号占位符 3"/>
+          <p:cNvPr id="59394" name="灯片编号占位符 3"/>
           <p:cNvSpPr>
             <a:spLocks noGrp="1"/>
           </p:cNvSpPr>
@@ -23704,7 +23633,7 @@
               <a:rPr lang="en-US" altLang="zh-CN" sz="1400" dirty="0" smtClean="0"/>
               <a:t>Slide 15- </a:t>
             </a:r>
-            <a:fld id="{B292E013-166D-447A-81E6-1BA218FF9B39}" type="slidenum">
+            <a:fld id="{BBE9F2B2-F8F1-4D17-BC3A-9F92B3F429AB}" type="slidenum">
               <a:rPr lang="en-US" altLang="zh-CN" sz="1400" smtClean="0"/>
               <a:pPr>
                 <a:spcBef>
@@ -23723,7 +23652,7 @@
       </p:sp>
       <p:sp>
         <p:nvSpPr>
-          <p:cNvPr id="60419" name="Rectangle 2"/>
+          <p:cNvPr id="59395" name="Rectangle 2"/>
           <p:cNvSpPr>
             <a:spLocks noGrp="1" noChangeArrowheads="1"/>
           </p:cNvSpPr>
@@ -23741,14 +23670,14 @@
               <a:rPr lang="en-US" altLang="zh-CN" smtClean="0">
                 <a:ea typeface="宋体" panose="02010600030101010101" pitchFamily="2" charset="-122"/>
               </a:rPr>
-              <a:t>Virtual Compilation</a:t>
+              <a:t>Remember Two Rules</a:t>
             </a:r>
           </a:p>
         </p:txBody>
       </p:sp>
       <p:sp>
         <p:nvSpPr>
-          <p:cNvPr id="60420" name="Rectangle 3"/>
+          <p:cNvPr id="59396" name="Rectangle 3"/>
           <p:cNvSpPr>
             <a:spLocks noGrp="1" noChangeArrowheads="1"/>
           </p:cNvSpPr>
@@ -23761,12 +23690,16 @@
           <a:bodyPr/>
           <a:lstStyle/>
           <a:p>
-            <a:pPr eaLnBrk="1" hangingPunct="1"/>
+            <a:pPr eaLnBrk="1" hangingPunct="1">
+              <a:lnSpc>
+                <a:spcPct val="90000"/>
+              </a:lnSpc>
+            </a:pPr>
             <a:r>
               <a:rPr lang="en-US" altLang="zh-CN" smtClean="0">
                 <a:ea typeface="宋体" panose="02010600030101010101" pitchFamily="2" charset="-122"/>
               </a:rPr>
-              <a:t>When using virtual functions, you will have to </a:t>
+              <a:t>To help make sense of object oriented </a:t>
             </a:r>
             <a:br>
               <a:rPr lang="en-US" altLang="zh-CN" smtClean="0">
@@ -23777,25 +23710,7 @@
               <a:rPr lang="en-US" altLang="zh-CN" smtClean="0">
                 <a:ea typeface="宋体" panose="02010600030101010101" pitchFamily="2" charset="-122"/>
               </a:rPr>
-              <a:t>define each virtual function before compiling</a:t>
-            </a:r>
-          </a:p>
-          <a:p>
-            <a:pPr lvl="1" eaLnBrk="1" hangingPunct="1"/>
-            <a:r>
-              <a:rPr lang="en-US" altLang="zh-CN" smtClean="0">
-                <a:ea typeface="宋体" panose="02010600030101010101" pitchFamily="2" charset="-122"/>
-              </a:rPr>
-              <a:t>Declaration is no longer sufficient</a:t>
-            </a:r>
-          </a:p>
-          <a:p>
-            <a:pPr lvl="1" eaLnBrk="1" hangingPunct="1"/>
-            <a:r>
-              <a:rPr lang="en-US" altLang="zh-CN" smtClean="0">
-                <a:ea typeface="宋体" panose="02010600030101010101" pitchFamily="2" charset="-122"/>
-              </a:rPr>
-              <a:t>Even if you do not call the virtual function you may see error message:  </a:t>
+              <a:t>programming with dynamic variables, </a:t>
             </a:r>
             <a:br>
               <a:rPr lang="en-US" altLang="zh-CN" smtClean="0">
@@ -23806,7 +23721,74 @@
               <a:rPr lang="en-US" altLang="zh-CN" smtClean="0">
                 <a:ea typeface="宋体" panose="02010600030101010101" pitchFamily="2" charset="-122"/>
               </a:rPr>
-              <a:t>"undefined reference to Class_Name virtual table"</a:t>
+              <a:t>remember these rules </a:t>
+            </a:r>
+          </a:p>
+          <a:p>
+            <a:pPr lvl="1" eaLnBrk="1" hangingPunct="1">
+              <a:lnSpc>
+                <a:spcPct val="90000"/>
+              </a:lnSpc>
+            </a:pPr>
+            <a:r>
+              <a:rPr lang="en-US" altLang="zh-CN" sz="2400" smtClean="0">
+                <a:ea typeface="宋体" panose="02010600030101010101" pitchFamily="2" charset="-122"/>
+              </a:rPr>
+              <a:t>If the domain type of the pointer p_ancestor is a base class for the for the domain type of pointer p_descendant, </a:t>
+            </a:r>
+            <a:br>
+              <a:rPr lang="en-US" altLang="zh-CN" sz="2400" smtClean="0">
+                <a:ea typeface="宋体" panose="02010600030101010101" pitchFamily="2" charset="-122"/>
+              </a:rPr>
+            </a:br>
+            <a:r>
+              <a:rPr lang="en-US" altLang="zh-CN" sz="2400" smtClean="0">
+                <a:ea typeface="宋体" panose="02010600030101010101" pitchFamily="2" charset="-122"/>
+              </a:rPr>
+              <a:t>the following assignment of pointers is allowed</a:t>
+            </a:r>
+            <a:br>
+              <a:rPr lang="en-US" altLang="zh-CN" sz="2400" smtClean="0">
+                <a:ea typeface="宋体" panose="02010600030101010101" pitchFamily="2" charset="-122"/>
+              </a:rPr>
+            </a:br>
+            <a:r>
+              <a:rPr lang="en-US" altLang="zh-CN" sz="2400" smtClean="0">
+                <a:ea typeface="宋体" panose="02010600030101010101" pitchFamily="2" charset="-122"/>
+              </a:rPr>
+              <a:t>                 p_ancestor = p_descendant;</a:t>
+            </a:r>
+            <a:br>
+              <a:rPr lang="en-US" altLang="zh-CN" sz="2400" smtClean="0">
+                <a:ea typeface="宋体" panose="02010600030101010101" pitchFamily="2" charset="-122"/>
+              </a:rPr>
+            </a:br>
+            <a:r>
+              <a:rPr lang="en-US" altLang="zh-CN" sz="2400" smtClean="0">
+                <a:ea typeface="宋体" panose="02010600030101010101" pitchFamily="2" charset="-122"/>
+              </a:rPr>
+              <a:t>and no data members will be lost</a:t>
+            </a:r>
+            <a:br>
+              <a:rPr lang="en-US" altLang="zh-CN" sz="2400" smtClean="0">
+                <a:ea typeface="宋体" panose="02010600030101010101" pitchFamily="2" charset="-122"/>
+              </a:rPr>
+            </a:br>
+            <a:endParaRPr lang="en-US" altLang="zh-CN" sz="2400" smtClean="0">
+              <a:ea typeface="宋体" panose="02010600030101010101" pitchFamily="2" charset="-122"/>
+            </a:endParaRPr>
+          </a:p>
+          <a:p>
+            <a:pPr lvl="1" eaLnBrk="1" hangingPunct="1">
+              <a:lnSpc>
+                <a:spcPct val="90000"/>
+              </a:lnSpc>
+            </a:pPr>
+            <a:r>
+              <a:rPr lang="en-US" altLang="zh-CN" sz="2400" smtClean="0">
+                <a:ea typeface="宋体" panose="02010600030101010101" pitchFamily="2" charset="-122"/>
+              </a:rPr>
+              <a:t>Although all the fields of the p_descendant are there, virtual functions are required to access them</a:t>
             </a:r>
           </a:p>
         </p:txBody>
@@ -23848,7 +23830,7 @@
       </p:grpSpPr>
       <p:sp>
         <p:nvSpPr>
-          <p:cNvPr id="61442" name="灯片编号占位符 3"/>
+          <p:cNvPr id="60418" name="灯片编号占位符 3"/>
           <p:cNvSpPr>
             <a:spLocks noGrp="1"/>
           </p:cNvSpPr>
@@ -24062,7 +24044,7 @@
               <a:rPr lang="en-US" altLang="zh-CN" sz="1400" dirty="0" smtClean="0"/>
               <a:t>Slide 15- </a:t>
             </a:r>
-            <a:fld id="{528497A9-929F-4BC9-9075-EA8C135B5E05}" type="slidenum">
+            <a:fld id="{B292E013-166D-447A-81E6-1BA218FF9B39}" type="slidenum">
               <a:rPr lang="en-US" altLang="zh-CN" sz="1400" smtClean="0"/>
               <a:pPr>
                 <a:spcBef>
@@ -24081,7 +24063,7 @@
       </p:sp>
       <p:sp>
         <p:nvSpPr>
-          <p:cNvPr id="61443" name="Rectangle 2"/>
+          <p:cNvPr id="60419" name="Rectangle 2"/>
           <p:cNvSpPr>
             <a:spLocks noGrp="1" noChangeArrowheads="1"/>
           </p:cNvSpPr>
@@ -24099,14 +24081,14 @@
               <a:rPr lang="en-US" altLang="zh-CN" smtClean="0">
                 <a:ea typeface="宋体" panose="02010600030101010101" pitchFamily="2" charset="-122"/>
               </a:rPr>
-              <a:t>Virtual Destructors</a:t>
+              <a:t>Virtual Compilation</a:t>
             </a:r>
           </a:p>
         </p:txBody>
       </p:sp>
       <p:sp>
         <p:nvSpPr>
-          <p:cNvPr id="61444" name="Rectangle 3"/>
+          <p:cNvPr id="60420" name="Rectangle 3"/>
           <p:cNvSpPr>
             <a:spLocks noGrp="1" noChangeArrowheads="1"/>
           </p:cNvSpPr>
@@ -24124,16 +24106,7 @@
               <a:rPr lang="en-US" altLang="zh-CN" smtClean="0">
                 <a:ea typeface="宋体" panose="02010600030101010101" pitchFamily="2" charset="-122"/>
               </a:rPr>
-              <a:t>Destructors should be made virtual</a:t>
-            </a:r>
-          </a:p>
-          <a:p>
-            <a:pPr lvl="1" eaLnBrk="1" hangingPunct="1"/>
-            <a:r>
-              <a:rPr lang="en-US" altLang="zh-CN" smtClean="0">
-                <a:ea typeface="宋体" panose="02010600030101010101" pitchFamily="2" charset="-122"/>
-              </a:rPr>
-              <a:t>Consider  Base *pBase = new Derived;</a:t>
+              <a:t>When using virtual functions, you will have to </a:t>
             </a:r>
             <a:br>
               <a:rPr lang="en-US" altLang="zh-CN" smtClean="0">
@@ -24144,7 +24117,25 @@
               <a:rPr lang="en-US" altLang="zh-CN" smtClean="0">
                 <a:ea typeface="宋体" panose="02010600030101010101" pitchFamily="2" charset="-122"/>
               </a:rPr>
-              <a:t>                    …</a:t>
+              <a:t>define each virtual function before compiling</a:t>
+            </a:r>
+          </a:p>
+          <a:p>
+            <a:pPr lvl="1" eaLnBrk="1" hangingPunct="1"/>
+            <a:r>
+              <a:rPr lang="en-US" altLang="zh-CN" smtClean="0">
+                <a:ea typeface="宋体" panose="02010600030101010101" pitchFamily="2" charset="-122"/>
+              </a:rPr>
+              <a:t>Declaration is no longer sufficient</a:t>
+            </a:r>
+          </a:p>
+          <a:p>
+            <a:pPr lvl="1" eaLnBrk="1" hangingPunct="1"/>
+            <a:r>
+              <a:rPr lang="en-US" altLang="zh-CN" smtClean="0">
+                <a:ea typeface="宋体" panose="02010600030101010101" pitchFamily="2" charset="-122"/>
+              </a:rPr>
+              <a:t>Even if you do not call the virtual function you may see error message:  </a:t>
             </a:r>
             <a:br>
               <a:rPr lang="en-US" altLang="zh-CN" smtClean="0">
@@ -24155,25 +24146,7 @@
               <a:rPr lang="en-US" altLang="zh-CN" smtClean="0">
                 <a:ea typeface="宋体" panose="02010600030101010101" pitchFamily="2" charset="-122"/>
               </a:rPr>
-              <a:t>                   delete pBase;</a:t>
-            </a:r>
-          </a:p>
-          <a:p>
-            <a:pPr lvl="1" eaLnBrk="1" hangingPunct="1"/>
-            <a:r>
-              <a:rPr lang="en-US" altLang="zh-CN" smtClean="0">
-                <a:ea typeface="宋体" panose="02010600030101010101" pitchFamily="2" charset="-122"/>
-              </a:rPr>
-              <a:t>If the destructor in Base is virtual, the destructor for Derived is invoked as pBase points to a Derived object, returning Derived members to the freestore</a:t>
-            </a:r>
-          </a:p>
-          <a:p>
-            <a:pPr lvl="2" eaLnBrk="1" hangingPunct="1"/>
-            <a:r>
-              <a:rPr lang="en-US" altLang="zh-CN" smtClean="0">
-                <a:ea typeface="宋体" panose="02010600030101010101" pitchFamily="2" charset="-122"/>
-              </a:rPr>
-              <a:t>The Derived destructor in turn calls the Base destructor</a:t>
+              <a:t>"undefined reference to Class_Name virtual table"</a:t>
             </a:r>
           </a:p>
         </p:txBody>
@@ -24360,7 +24333,7 @@
       </p:grpSpPr>
       <p:sp>
         <p:nvSpPr>
-          <p:cNvPr id="62466" name="灯片编号占位符 3"/>
+          <p:cNvPr id="61442" name="灯片编号占位符 3"/>
           <p:cNvSpPr>
             <a:spLocks noGrp="1"/>
           </p:cNvSpPr>
@@ -24574,7 +24547,7 @@
               <a:rPr lang="en-US" altLang="zh-CN" sz="1400" dirty="0" smtClean="0"/>
               <a:t>Slide 15- </a:t>
             </a:r>
-            <a:fld id="{DB55A2F4-5B02-47CF-B46F-3036BDF0799A}" type="slidenum">
+            <a:fld id="{528497A9-929F-4BC9-9075-EA8C135B5E05}" type="slidenum">
               <a:rPr lang="en-US" altLang="zh-CN" sz="1400" smtClean="0"/>
               <a:pPr>
                 <a:spcBef>
@@ -24593,7 +24566,7 @@
       </p:sp>
       <p:sp>
         <p:nvSpPr>
-          <p:cNvPr id="62467" name="Rectangle 2"/>
+          <p:cNvPr id="61443" name="Rectangle 2"/>
           <p:cNvSpPr>
             <a:spLocks noGrp="1" noChangeArrowheads="1"/>
           </p:cNvSpPr>
@@ -24611,14 +24584,14 @@
               <a:rPr lang="en-US" altLang="zh-CN" smtClean="0">
                 <a:ea typeface="宋体" panose="02010600030101010101" pitchFamily="2" charset="-122"/>
               </a:rPr>
-              <a:t>Non-Virtual Destructors</a:t>
+              <a:t>Virtual Destructors</a:t>
             </a:r>
           </a:p>
         </p:txBody>
       </p:sp>
       <p:sp>
         <p:nvSpPr>
-          <p:cNvPr id="62468" name="Rectangle 3"/>
+          <p:cNvPr id="61444" name="Rectangle 3"/>
           <p:cNvSpPr>
             <a:spLocks noGrp="1" noChangeArrowheads="1"/>
           </p:cNvSpPr>
@@ -24636,7 +24609,16 @@
               <a:rPr lang="en-US" altLang="zh-CN" smtClean="0">
                 <a:ea typeface="宋体" panose="02010600030101010101" pitchFamily="2" charset="-122"/>
               </a:rPr>
-              <a:t>If the Base destructor is not virtual, only the Base</a:t>
+              <a:t>Destructors should be made virtual</a:t>
+            </a:r>
+          </a:p>
+          <a:p>
+            <a:pPr lvl="1" eaLnBrk="1" hangingPunct="1"/>
+            <a:r>
+              <a:rPr lang="en-US" altLang="zh-CN" smtClean="0">
+                <a:ea typeface="宋体" panose="02010600030101010101" pitchFamily="2" charset="-122"/>
+              </a:rPr>
+              <a:t>Consider  Base *pBase = new Derived;</a:t>
             </a:r>
             <a:br>
               <a:rPr lang="en-US" altLang="zh-CN" smtClean="0">
@@ -24647,42 +24629,37 @@
               <a:rPr lang="en-US" altLang="zh-CN" smtClean="0">
                 <a:ea typeface="宋体" panose="02010600030101010101" pitchFamily="2" charset="-122"/>
               </a:rPr>
-              <a:t>destructor is invoked</a:t>
+              <a:t>                    …</a:t>
             </a:r>
             <a:br>
               <a:rPr lang="en-US" altLang="zh-CN" smtClean="0">
                 <a:ea typeface="宋体" panose="02010600030101010101" pitchFamily="2" charset="-122"/>
               </a:rPr>
             </a:br>
-            <a:endParaRPr lang="en-US" altLang="zh-CN" smtClean="0">
-              <a:ea typeface="宋体" panose="02010600030101010101" pitchFamily="2" charset="-122"/>
-            </a:endParaRPr>
-          </a:p>
-          <a:p>
-            <a:pPr eaLnBrk="1" hangingPunct="1"/>
             <a:r>
               <a:rPr lang="en-US" altLang="zh-CN" smtClean="0">
                 <a:ea typeface="宋体" panose="02010600030101010101" pitchFamily="2" charset="-122"/>
               </a:rPr>
-              <a:t>This leaves Derived members, not part of Base,</a:t>
-            </a:r>
-            <a:br>
+              <a:t>                   delete pBase;</a:t>
+            </a:r>
+          </a:p>
+          <a:p>
+            <a:pPr lvl="1" eaLnBrk="1" hangingPunct="1"/>
+            <a:r>
               <a:rPr lang="en-US" altLang="zh-CN" smtClean="0">
                 <a:ea typeface="宋体" panose="02010600030101010101" pitchFamily="2" charset="-122"/>
               </a:rPr>
-            </a:br>
+              <a:t>If the destructor in Base is virtual, the destructor for Derived is invoked as pBase points to a Derived object, returning Derived members to the freestore</a:t>
+            </a:r>
+          </a:p>
+          <a:p>
+            <a:pPr lvl="2" eaLnBrk="1" hangingPunct="1"/>
             <a:r>
               <a:rPr lang="en-US" altLang="zh-CN" smtClean="0">
                 <a:ea typeface="宋体" panose="02010600030101010101" pitchFamily="2" charset="-122"/>
               </a:rPr>
-              <a:t>in memory</a:t>
-            </a:r>
-          </a:p>
-          <a:p>
-            <a:pPr eaLnBrk="1" hangingPunct="1"/>
-            <a:endParaRPr lang="en-US" altLang="zh-CN" smtClean="0">
-              <a:ea typeface="宋体" panose="02010600030101010101" pitchFamily="2" charset="-122"/>
-            </a:endParaRPr>
+              <a:t>The Derived destructor in turn calls the Base destructor</a:t>
+            </a:r>
           </a:p>
         </p:txBody>
       </p:sp>
@@ -24723,7 +24700,7 @@
       </p:grpSpPr>
       <p:sp>
         <p:nvSpPr>
-          <p:cNvPr id="63490" name="灯片编号占位符 3"/>
+          <p:cNvPr id="62466" name="灯片编号占位符 3"/>
           <p:cNvSpPr>
             <a:spLocks noGrp="1"/>
           </p:cNvSpPr>
@@ -24937,7 +24914,7 @@
               <a:rPr lang="en-US" altLang="zh-CN" sz="1400" dirty="0" smtClean="0"/>
               <a:t>Slide 15- </a:t>
             </a:r>
-            <a:fld id="{FE062166-E9A3-4238-A3F7-5D50FB46511C}" type="slidenum">
+            <a:fld id="{DB55A2F4-5B02-47CF-B46F-3036BDF0799A}" type="slidenum">
               <a:rPr lang="en-US" altLang="zh-CN" sz="1400" smtClean="0"/>
               <a:pPr>
                 <a:spcBef>
@@ -24956,7 +24933,7 @@
       </p:sp>
       <p:sp>
         <p:nvSpPr>
-          <p:cNvPr id="63491" name="Rectangle 2"/>
+          <p:cNvPr id="62467" name="Rectangle 2"/>
           <p:cNvSpPr>
             <a:spLocks noGrp="1" noChangeArrowheads="1"/>
           </p:cNvSpPr>
@@ -24971,17 +24948,17 @@
           <a:p>
             <a:pPr eaLnBrk="1" hangingPunct="1"/>
             <a:r>
-              <a:rPr lang="en-US" altLang="zh-CN" dirty="0" smtClean="0">
-                <a:ea typeface="宋体" panose="02010600030101010101" pitchFamily="2" charset="-122"/>
-              </a:rPr>
-              <a:t>Section 15.3 Conclusion</a:t>
+              <a:rPr lang="en-US" altLang="zh-CN" smtClean="0">
+                <a:ea typeface="宋体" panose="02010600030101010101" pitchFamily="2" charset="-122"/>
+              </a:rPr>
+              <a:t>Non-Virtual Destructors</a:t>
             </a:r>
           </a:p>
         </p:txBody>
       </p:sp>
       <p:sp>
         <p:nvSpPr>
-          <p:cNvPr id="63492" name="Rectangle 3"/>
+          <p:cNvPr id="62468" name="Rectangle 3"/>
           <p:cNvSpPr>
             <a:spLocks noGrp="1" noChangeArrowheads="1"/>
           </p:cNvSpPr>
@@ -24999,7 +24976,18 @@
               <a:rPr lang="en-US" altLang="zh-CN" smtClean="0">
                 <a:ea typeface="宋体" panose="02010600030101010101" pitchFamily="2" charset="-122"/>
               </a:rPr>
-              <a:t>Can you</a:t>
+              <a:t>If the Base destructor is not virtual, only the Base</a:t>
+            </a:r>
+            <a:br>
+              <a:rPr lang="en-US" altLang="zh-CN" smtClean="0">
+                <a:ea typeface="宋体" panose="02010600030101010101" pitchFamily="2" charset="-122"/>
+              </a:rPr>
+            </a:br>
+            <a:r>
+              <a:rPr lang="en-US" altLang="zh-CN" smtClean="0">
+                <a:ea typeface="宋体" panose="02010600030101010101" pitchFamily="2" charset="-122"/>
+              </a:rPr>
+              <a:t>destructor is invoked</a:t>
             </a:r>
             <a:br>
               <a:rPr lang="en-US" altLang="zh-CN" smtClean="0">
@@ -25011,35 +24999,27 @@
             </a:endParaRPr>
           </a:p>
           <a:p>
-            <a:pPr lvl="1" eaLnBrk="1" hangingPunct="1"/>
+            <a:pPr eaLnBrk="1" hangingPunct="1"/>
             <a:r>
               <a:rPr lang="en-US" altLang="zh-CN" smtClean="0">
                 <a:ea typeface="宋体" panose="02010600030101010101" pitchFamily="2" charset="-122"/>
               </a:rPr>
-              <a:t>Explain why you cannot assign a base class object to a derived class object?</a:t>
+              <a:t>This leaves Derived members, not part of Base,</a:t>
             </a:r>
             <a:br>
               <a:rPr lang="en-US" altLang="zh-CN" smtClean="0">
                 <a:ea typeface="宋体" panose="02010600030101010101" pitchFamily="2" charset="-122"/>
               </a:rPr>
             </a:br>
-            <a:endParaRPr lang="en-US" altLang="zh-CN" smtClean="0">
-              <a:ea typeface="宋体" panose="02010600030101010101" pitchFamily="2" charset="-122"/>
-            </a:endParaRPr>
-          </a:p>
-          <a:p>
-            <a:pPr lvl="1" eaLnBrk="1" hangingPunct="1"/>
             <a:r>
               <a:rPr lang="en-US" altLang="zh-CN" smtClean="0">
                 <a:ea typeface="宋体" panose="02010600030101010101" pitchFamily="2" charset="-122"/>
               </a:rPr>
-              <a:t>Describe the problem with assigning a derived class object to a base class object?</a:t>
-            </a:r>
-            <a:br>
-              <a:rPr lang="en-US" altLang="zh-CN" smtClean="0">
-                <a:ea typeface="宋体" panose="02010600030101010101" pitchFamily="2" charset="-122"/>
-              </a:rPr>
-            </a:br>
+              <a:t>in memory</a:t>
+            </a:r>
+          </a:p>
+          <a:p>
+            <a:pPr eaLnBrk="1" hangingPunct="1"/>
             <a:endParaRPr lang="en-US" altLang="zh-CN" smtClean="0">
               <a:ea typeface="宋体" panose="02010600030101010101" pitchFamily="2" charset="-122"/>
             </a:endParaRPr>
@@ -25083,6 +25063,366 @@
       </p:grpSpPr>
       <p:sp>
         <p:nvSpPr>
+          <p:cNvPr id="63490" name="灯片编号占位符 3"/>
+          <p:cNvSpPr>
+            <a:spLocks noGrp="1"/>
+          </p:cNvSpPr>
+          <p:nvPr>
+            <p:ph type="sldNum" sz="quarter" idx="10"/>
+          </p:nvPr>
+        </p:nvSpPr>
+        <p:spPr>
+          <a:noFill/>
+          <a:ln/>
+          <a:extLst>
+            <a:ext uri="{909E8E84-426E-40DD-AFC4-6F175D3DCCD1}">
+              <a14:hiddenFill xmlns:a14="http://schemas.microsoft.com/office/drawing/2010/main">
+                <a:solidFill>
+                  <a:srgbClr val="FFFFFF"/>
+                </a:solidFill>
+              </a14:hiddenFill>
+            </a:ext>
+            <a:ext uri="{91240B29-F687-4F45-9708-019B960494DF}">
+              <a14:hiddenLine xmlns:a14="http://schemas.microsoft.com/office/drawing/2010/main" w="9525">
+                <a:solidFill>
+                  <a:srgbClr val="000000"/>
+                </a:solidFill>
+                <a:miter lim="800000"/>
+                <a:headEnd/>
+                <a:tailEnd/>
+              </a14:hiddenLine>
+            </a:ext>
+          </a:extLst>
+        </p:spPr>
+        <p:txBody>
+          <a:bodyPr/>
+          <a:lstStyle>
+            <a:lvl1pPr>
+              <a:spcBef>
+                <a:spcPct val="20000"/>
+              </a:spcBef>
+              <a:buClr>
+                <a:srgbClr val="A50021"/>
+              </a:buClr>
+              <a:buSzPct val="60000"/>
+              <a:buFont typeface="Wingdings" panose="05000000000000000000" pitchFamily="2" charset="2"/>
+              <a:buChar char="n"/>
+              <a:defRPr sz="2800">
+                <a:solidFill>
+                  <a:schemeClr val="tx1"/>
+                </a:solidFill>
+                <a:latin typeface="Arial" panose="020B0604020202020204" pitchFamily="34" charset="0"/>
+              </a:defRPr>
+            </a:lvl1pPr>
+            <a:lvl2pPr marL="742950" indent="-285750">
+              <a:spcBef>
+                <a:spcPct val="20000"/>
+              </a:spcBef>
+              <a:buClr>
+                <a:srgbClr val="02B2CA"/>
+              </a:buClr>
+              <a:buSzPct val="55000"/>
+              <a:buFont typeface="Wingdings" panose="05000000000000000000" pitchFamily="2" charset="2"/>
+              <a:buChar char="n"/>
+              <a:defRPr sz="2800">
+                <a:solidFill>
+                  <a:schemeClr val="tx1"/>
+                </a:solidFill>
+                <a:latin typeface="Arial" panose="020B0604020202020204" pitchFamily="34" charset="0"/>
+              </a:defRPr>
+            </a:lvl2pPr>
+            <a:lvl3pPr marL="1143000" indent="-228600">
+              <a:spcBef>
+                <a:spcPct val="20000"/>
+              </a:spcBef>
+              <a:buClr>
+                <a:srgbClr val="A50021"/>
+              </a:buClr>
+              <a:buSzPct val="50000"/>
+              <a:buFont typeface="Wingdings" panose="05000000000000000000" pitchFamily="2" charset="2"/>
+              <a:buChar char="n"/>
+              <a:defRPr sz="2400">
+                <a:solidFill>
+                  <a:schemeClr val="tx1"/>
+                </a:solidFill>
+                <a:latin typeface="Arial" panose="020B0604020202020204" pitchFamily="34" charset="0"/>
+              </a:defRPr>
+            </a:lvl3pPr>
+            <a:lvl4pPr marL="1600200" indent="-228600">
+              <a:spcBef>
+                <a:spcPct val="20000"/>
+              </a:spcBef>
+              <a:buClr>
+                <a:srgbClr val="02B2CA"/>
+              </a:buClr>
+              <a:buSzPct val="55000"/>
+              <a:buFont typeface="Wingdings" panose="05000000000000000000" pitchFamily="2" charset="2"/>
+              <a:buChar char="n"/>
+              <a:defRPr sz="2000">
+                <a:solidFill>
+                  <a:schemeClr val="tx1"/>
+                </a:solidFill>
+                <a:latin typeface="Arial" panose="020B0604020202020204" pitchFamily="34" charset="0"/>
+              </a:defRPr>
+            </a:lvl4pPr>
+            <a:lvl5pPr marL="2057400" indent="-228600">
+              <a:spcBef>
+                <a:spcPct val="20000"/>
+              </a:spcBef>
+              <a:buClr>
+                <a:srgbClr val="A50021"/>
+              </a:buClr>
+              <a:buSzPct val="50000"/>
+              <a:buFont typeface="Wingdings" panose="05000000000000000000" pitchFamily="2" charset="2"/>
+              <a:buChar char="n"/>
+              <a:defRPr sz="2000">
+                <a:solidFill>
+                  <a:schemeClr val="tx1"/>
+                </a:solidFill>
+                <a:latin typeface="Arial" panose="020B0604020202020204" pitchFamily="34" charset="0"/>
+              </a:defRPr>
+            </a:lvl5pPr>
+            <a:lvl6pPr marL="2514600" indent="-228600" eaLnBrk="0" fontAlgn="base" hangingPunct="0">
+              <a:spcBef>
+                <a:spcPct val="20000"/>
+              </a:spcBef>
+              <a:spcAft>
+                <a:spcPct val="0"/>
+              </a:spcAft>
+              <a:buClr>
+                <a:srgbClr val="A50021"/>
+              </a:buClr>
+              <a:buSzPct val="50000"/>
+              <a:buFont typeface="Wingdings" panose="05000000000000000000" pitchFamily="2" charset="2"/>
+              <a:buChar char="n"/>
+              <a:defRPr sz="2000">
+                <a:solidFill>
+                  <a:schemeClr val="tx1"/>
+                </a:solidFill>
+                <a:latin typeface="Arial" panose="020B0604020202020204" pitchFamily="34" charset="0"/>
+              </a:defRPr>
+            </a:lvl6pPr>
+            <a:lvl7pPr marL="2971800" indent="-228600" eaLnBrk="0" fontAlgn="base" hangingPunct="0">
+              <a:spcBef>
+                <a:spcPct val="20000"/>
+              </a:spcBef>
+              <a:spcAft>
+                <a:spcPct val="0"/>
+              </a:spcAft>
+              <a:buClr>
+                <a:srgbClr val="A50021"/>
+              </a:buClr>
+              <a:buSzPct val="50000"/>
+              <a:buFont typeface="Wingdings" panose="05000000000000000000" pitchFamily="2" charset="2"/>
+              <a:buChar char="n"/>
+              <a:defRPr sz="2000">
+                <a:solidFill>
+                  <a:schemeClr val="tx1"/>
+                </a:solidFill>
+                <a:latin typeface="Arial" panose="020B0604020202020204" pitchFamily="34" charset="0"/>
+              </a:defRPr>
+            </a:lvl7pPr>
+            <a:lvl8pPr marL="3429000" indent="-228600" eaLnBrk="0" fontAlgn="base" hangingPunct="0">
+              <a:spcBef>
+                <a:spcPct val="20000"/>
+              </a:spcBef>
+              <a:spcAft>
+                <a:spcPct val="0"/>
+              </a:spcAft>
+              <a:buClr>
+                <a:srgbClr val="A50021"/>
+              </a:buClr>
+              <a:buSzPct val="50000"/>
+              <a:buFont typeface="Wingdings" panose="05000000000000000000" pitchFamily="2" charset="2"/>
+              <a:buChar char="n"/>
+              <a:defRPr sz="2000">
+                <a:solidFill>
+                  <a:schemeClr val="tx1"/>
+                </a:solidFill>
+                <a:latin typeface="Arial" panose="020B0604020202020204" pitchFamily="34" charset="0"/>
+              </a:defRPr>
+            </a:lvl8pPr>
+            <a:lvl9pPr marL="3886200" indent="-228600" eaLnBrk="0" fontAlgn="base" hangingPunct="0">
+              <a:spcBef>
+                <a:spcPct val="20000"/>
+              </a:spcBef>
+              <a:spcAft>
+                <a:spcPct val="0"/>
+              </a:spcAft>
+              <a:buClr>
+                <a:srgbClr val="A50021"/>
+              </a:buClr>
+              <a:buSzPct val="50000"/>
+              <a:buFont typeface="Wingdings" panose="05000000000000000000" pitchFamily="2" charset="2"/>
+              <a:buChar char="n"/>
+              <a:defRPr sz="2000">
+                <a:solidFill>
+                  <a:schemeClr val="tx1"/>
+                </a:solidFill>
+                <a:latin typeface="Arial" panose="020B0604020202020204" pitchFamily="34" charset="0"/>
+              </a:defRPr>
+            </a:lvl9pPr>
+          </a:lstStyle>
+          <a:p>
+            <a:pPr>
+              <a:spcBef>
+                <a:spcPct val="0"/>
+              </a:spcBef>
+              <a:buClrTx/>
+              <a:buSzTx/>
+              <a:buFontTx/>
+              <a:buNone/>
+            </a:pPr>
+            <a:r>
+              <a:rPr lang="en-US" altLang="zh-CN" sz="1400" dirty="0" smtClean="0"/>
+              <a:t>Slide 15- </a:t>
+            </a:r>
+            <a:fld id="{FE062166-E9A3-4238-A3F7-5D50FB46511C}" type="slidenum">
+              <a:rPr lang="en-US" altLang="zh-CN" sz="1400" smtClean="0"/>
+              <a:pPr>
+                <a:spcBef>
+                  <a:spcPct val="0"/>
+                </a:spcBef>
+                <a:buClrTx/>
+                <a:buSzTx/>
+                <a:buFontTx/>
+                <a:buNone/>
+              </a:pPr>
+              <a:t>62</a:t>
+            </a:fld>
+            <a:endParaRPr lang="en-CA" altLang="zh-CN" sz="1400" dirty="0"/>
+          </a:p>
+        </p:txBody>
+      </p:sp>
+      <p:sp>
+        <p:nvSpPr>
+          <p:cNvPr id="63491" name="Rectangle 2"/>
+          <p:cNvSpPr>
+            <a:spLocks noGrp="1" noChangeArrowheads="1"/>
+          </p:cNvSpPr>
+          <p:nvPr>
+            <p:ph type="title"/>
+          </p:nvPr>
+        </p:nvSpPr>
+        <p:spPr/>
+        <p:txBody>
+          <a:bodyPr/>
+          <a:lstStyle/>
+          <a:p>
+            <a:pPr eaLnBrk="1" hangingPunct="1"/>
+            <a:r>
+              <a:rPr lang="en-US" altLang="zh-CN" dirty="0" smtClean="0">
+                <a:ea typeface="宋体" panose="02010600030101010101" pitchFamily="2" charset="-122"/>
+              </a:rPr>
+              <a:t>Section 15.3 Conclusion</a:t>
+            </a:r>
+          </a:p>
+        </p:txBody>
+      </p:sp>
+      <p:sp>
+        <p:nvSpPr>
+          <p:cNvPr id="63492" name="Rectangle 3"/>
+          <p:cNvSpPr>
+            <a:spLocks noGrp="1" noChangeArrowheads="1"/>
+          </p:cNvSpPr>
+          <p:nvPr>
+            <p:ph type="body" idx="1"/>
+          </p:nvPr>
+        </p:nvSpPr>
+        <p:spPr/>
+        <p:txBody>
+          <a:bodyPr/>
+          <a:lstStyle/>
+          <a:p>
+            <a:pPr eaLnBrk="1" hangingPunct="1"/>
+            <a:r>
+              <a:rPr lang="en-US" altLang="zh-CN" smtClean="0">
+                <a:ea typeface="宋体" panose="02010600030101010101" pitchFamily="2" charset="-122"/>
+              </a:rPr>
+              <a:t>Can you</a:t>
+            </a:r>
+            <a:br>
+              <a:rPr lang="en-US" altLang="zh-CN" smtClean="0">
+                <a:ea typeface="宋体" panose="02010600030101010101" pitchFamily="2" charset="-122"/>
+              </a:rPr>
+            </a:br>
+            <a:endParaRPr lang="en-US" altLang="zh-CN" smtClean="0">
+              <a:ea typeface="宋体" panose="02010600030101010101" pitchFamily="2" charset="-122"/>
+            </a:endParaRPr>
+          </a:p>
+          <a:p>
+            <a:pPr lvl="1" eaLnBrk="1" hangingPunct="1"/>
+            <a:r>
+              <a:rPr lang="en-US" altLang="zh-CN" smtClean="0">
+                <a:ea typeface="宋体" panose="02010600030101010101" pitchFamily="2" charset="-122"/>
+              </a:rPr>
+              <a:t>Explain why you cannot assign a base class object to a derived class object?</a:t>
+            </a:r>
+            <a:br>
+              <a:rPr lang="en-US" altLang="zh-CN" smtClean="0">
+                <a:ea typeface="宋体" panose="02010600030101010101" pitchFamily="2" charset="-122"/>
+              </a:rPr>
+            </a:br>
+            <a:endParaRPr lang="en-US" altLang="zh-CN" smtClean="0">
+              <a:ea typeface="宋体" panose="02010600030101010101" pitchFamily="2" charset="-122"/>
+            </a:endParaRPr>
+          </a:p>
+          <a:p>
+            <a:pPr lvl="1" eaLnBrk="1" hangingPunct="1"/>
+            <a:r>
+              <a:rPr lang="en-US" altLang="zh-CN" smtClean="0">
+                <a:ea typeface="宋体" panose="02010600030101010101" pitchFamily="2" charset="-122"/>
+              </a:rPr>
+              <a:t>Describe the problem with assigning a derived class object to a base class object?</a:t>
+            </a:r>
+            <a:br>
+              <a:rPr lang="en-US" altLang="zh-CN" smtClean="0">
+                <a:ea typeface="宋体" panose="02010600030101010101" pitchFamily="2" charset="-122"/>
+              </a:rPr>
+            </a:br>
+            <a:endParaRPr lang="en-US" altLang="zh-CN" smtClean="0">
+              <a:ea typeface="宋体" panose="02010600030101010101" pitchFamily="2" charset="-122"/>
+            </a:endParaRPr>
+          </a:p>
+        </p:txBody>
+      </p:sp>
+    </p:spTree>
+  </p:cSld>
+  <p:clrMapOvr>
+    <a:masterClrMapping/>
+  </p:clrMapOvr>
+  <p:transition spd="med">
+    <p:wipe dir="r"/>
+  </p:transition>
+  <p:timing>
+    <p:tnLst>
+      <p:par>
+        <p:cTn id="1" dur="indefinite" restart="never" nodeType="tmRoot"/>
+      </p:par>
+    </p:tnLst>
+  </p:timing>
+</p:sld>
+</file>
+
+<file path=ppt/slides/slide63.xml><?xml version="1.0" encoding="utf-8"?>
+<p:sld xmlns:a="http://schemas.openxmlformats.org/drawingml/2006/main" xmlns:r="http://schemas.openxmlformats.org/officeDocument/2006/relationships" xmlns:p="http://schemas.openxmlformats.org/presentationml/2006/main">
+  <p:cSld>
+    <p:spTree>
+      <p:nvGrpSpPr>
+        <p:cNvPr id="1" name=""/>
+        <p:cNvGrpSpPr/>
+        <p:nvPr/>
+      </p:nvGrpSpPr>
+      <p:grpSpPr>
+        <a:xfrm>
+          <a:off x="0" y="0"/>
+          <a:ext cx="0" cy="0"/>
+          <a:chOff x="0" y="0"/>
+          <a:chExt cx="0" cy="0"/>
+        </a:xfrm>
+      </p:grpSpPr>
+      <p:sp>
+        <p:nvSpPr>
           <p:cNvPr id="64514" name="灯片编号占位符 2"/>
           <p:cNvSpPr>
             <a:spLocks noGrp="1"/>
@@ -25308,7 +25648,7 @@
                 <a:buFontTx/>
                 <a:buNone/>
               </a:pPr>
-              <a:t>62</a:t>
+              <a:t>63</a:t>
             </a:fld>
             <a:endParaRPr lang="en-CA" altLang="zh-CN" sz="1400" dirty="0"/>
           </a:p>
@@ -25787,7 +26127,7 @@
 </p:sld>
 </file>
 
-<file path=ppt/slides/slide63.xml><?xml version="1.0" encoding="utf-8"?>
+<file path=ppt/slides/slide64.xml><?xml version="1.0" encoding="utf-8"?>
 <p:sld xmlns:a="http://schemas.openxmlformats.org/drawingml/2006/main" xmlns:r="http://schemas.openxmlformats.org/officeDocument/2006/relationships" xmlns:p="http://schemas.openxmlformats.org/presentationml/2006/main">
   <p:cSld>
     <p:spTree>
@@ -26031,7 +26371,7 @@
                 <a:buFontTx/>
                 <a:buNone/>
               </a:pPr>
-              <a:t>63</a:t>
+              <a:t>64</a:t>
             </a:fld>
             <a:endParaRPr lang="en-CA" altLang="zh-CN" sz="1400" dirty="0"/>
           </a:p>
@@ -26805,7 +27145,7 @@
 </p:sld>
 </file>
 
-<file path=ppt/slides/slide64.xml><?xml version="1.0" encoding="utf-8"?>
+<file path=ppt/slides/slide65.xml><?xml version="1.0" encoding="utf-8"?>
 <p:sld xmlns:a="http://schemas.openxmlformats.org/drawingml/2006/main" xmlns:r="http://schemas.openxmlformats.org/officeDocument/2006/relationships" xmlns:p="http://schemas.openxmlformats.org/presentationml/2006/main">
   <p:cSld>
     <p:spTree>
@@ -27049,7 +27389,7 @@
                 <a:buFontTx/>
                 <a:buNone/>
               </a:pPr>
-              <a:t>64</a:t>
+              <a:t>65</a:t>
             </a:fld>
             <a:endParaRPr lang="en-CA" altLang="zh-CN" sz="1400" dirty="0"/>
           </a:p>
@@ -27823,7 +28163,7 @@
 </p:sld>
 </file>
 
-<file path=ppt/slides/slide65.xml><?xml version="1.0" encoding="utf-8"?>
+<file path=ppt/slides/slide66.xml><?xml version="1.0" encoding="utf-8"?>
 <p:sld xmlns:a="http://schemas.openxmlformats.org/drawingml/2006/main" xmlns:r="http://schemas.openxmlformats.org/officeDocument/2006/relationships" xmlns:p="http://schemas.openxmlformats.org/presentationml/2006/main">
   <p:cSld>
     <p:spTree>
@@ -28067,7 +28407,7 @@
                 <a:buFontTx/>
                 <a:buNone/>
               </a:pPr>
-              <a:t>65</a:t>
+              <a:t>66</a:t>
             </a:fld>
             <a:endParaRPr lang="en-CA" altLang="zh-CN" sz="1400" dirty="0"/>
           </a:p>
@@ -28632,7 +28972,7 @@
 </p:sld>
 </file>
 
-<file path=ppt/slides/slide66.xml><?xml version="1.0" encoding="utf-8"?>
+<file path=ppt/slides/slide67.xml><?xml version="1.0" encoding="utf-8"?>
 <p:sld xmlns:a="http://schemas.openxmlformats.org/drawingml/2006/main" xmlns:r="http://schemas.openxmlformats.org/officeDocument/2006/relationships" xmlns:p="http://schemas.openxmlformats.org/presentationml/2006/main">
   <p:cSld>
     <p:spTree>
@@ -28876,7 +29216,7 @@
                 <a:buFontTx/>
                 <a:buNone/>
               </a:pPr>
-              <a:t>66</a:t>
+              <a:t>67</a:t>
             </a:fld>
             <a:endParaRPr lang="en-CA" altLang="zh-CN" sz="1400" dirty="0"/>
           </a:p>
@@ -29650,7 +29990,7 @@
 </p:sld>
 </file>
 
-<file path=ppt/slides/slide67.xml><?xml version="1.0" encoding="utf-8"?>
+<file path=ppt/slides/slide68.xml><?xml version="1.0" encoding="utf-8"?>
 <p:sld xmlns:a="http://schemas.openxmlformats.org/drawingml/2006/main" xmlns:r="http://schemas.openxmlformats.org/officeDocument/2006/relationships" xmlns:p="http://schemas.openxmlformats.org/presentationml/2006/main">
   <p:cSld>
     <p:spTree>
@@ -29894,7 +30234,7 @@
                 <a:buFontTx/>
                 <a:buNone/>
               </a:pPr>
-              <a:t>67</a:t>
+              <a:t>68</a:t>
             </a:fld>
             <a:endParaRPr lang="en-CA" altLang="zh-CN" sz="1400" dirty="0"/>
           </a:p>
@@ -30448,7 +30788,7 @@
 </p:sld>
 </file>
 
-<file path=ppt/slides/slide68.xml><?xml version="1.0" encoding="utf-8"?>
+<file path=ppt/slides/slide69.xml><?xml version="1.0" encoding="utf-8"?>
 <p:sld xmlns:a="http://schemas.openxmlformats.org/drawingml/2006/main" xmlns:r="http://schemas.openxmlformats.org/officeDocument/2006/relationships" xmlns:p="http://schemas.openxmlformats.org/presentationml/2006/main">
   <p:cSld>
     <p:spTree>
@@ -30692,7 +31032,7 @@
                 <a:buFontTx/>
                 <a:buNone/>
               </a:pPr>
-              <a:t>68</a:t>
+              <a:t>69</a:t>
             </a:fld>
             <a:endParaRPr lang="en-CA" altLang="zh-CN" sz="1400" dirty="0"/>
           </a:p>
@@ -31444,1024 +31784,6 @@
                 <a:ea typeface="宋体" panose="02010600030101010101" pitchFamily="2" charset="-122"/>
               </a:rPr>
               <a:t>Display 10.5 (1/2)</a:t>
-            </a:r>
-          </a:p>
-        </p:txBody>
-      </p:sp>
-    </p:spTree>
-  </p:cSld>
-  <p:clrMapOvr>
-    <a:masterClrMapping/>
-  </p:clrMapOvr>
-  <p:transition spd="med" advClick="0">
-    <p:wipe dir="r"/>
-  </p:transition>
-  <p:timing>
-    <p:tnLst>
-      <p:par>
-        <p:cTn id="1" dur="indefinite" restart="never" nodeType="tmRoot"/>
-      </p:par>
-    </p:tnLst>
-  </p:timing>
-</p:sld>
-</file>
-
-<file path=ppt/slides/slide69.xml><?xml version="1.0" encoding="utf-8"?>
-<p:sld xmlns:a="http://schemas.openxmlformats.org/drawingml/2006/main" xmlns:r="http://schemas.openxmlformats.org/officeDocument/2006/relationships" xmlns:p="http://schemas.openxmlformats.org/presentationml/2006/main">
-  <p:cSld>
-    <p:spTree>
-      <p:nvGrpSpPr>
-        <p:cNvPr id="1" name=""/>
-        <p:cNvGrpSpPr/>
-        <p:nvPr/>
-      </p:nvGrpSpPr>
-      <p:grpSpPr>
-        <a:xfrm>
-          <a:off x="0" y="0"/>
-          <a:ext cx="0" cy="0"/>
-          <a:chOff x="0" y="0"/>
-          <a:chExt cx="0" cy="0"/>
-        </a:xfrm>
-      </p:grpSpPr>
-      <p:sp>
-        <p:nvSpPr>
-          <p:cNvPr id="71682" name="灯片编号占位符 2"/>
-          <p:cNvSpPr>
-            <a:spLocks noGrp="1"/>
-          </p:cNvSpPr>
-          <p:nvPr>
-            <p:ph type="sldNum" sz="quarter" idx="10"/>
-          </p:nvPr>
-        </p:nvSpPr>
-        <p:spPr>
-          <a:noFill/>
-          <a:ln/>
-          <a:extLst>
-            <a:ext uri="{909E8E84-426E-40DD-AFC4-6F175D3DCCD1}">
-              <a14:hiddenFill xmlns:a14="http://schemas.microsoft.com/office/drawing/2010/main">
-                <a:solidFill>
-                  <a:srgbClr val="FFFFFF"/>
-                </a:solidFill>
-              </a14:hiddenFill>
-            </a:ext>
-            <a:ext uri="{91240B29-F687-4F45-9708-019B960494DF}">
-              <a14:hiddenLine xmlns:a14="http://schemas.microsoft.com/office/drawing/2010/main" w="9525">
-                <a:solidFill>
-                  <a:srgbClr val="000000"/>
-                </a:solidFill>
-                <a:miter lim="800000"/>
-                <a:headEnd/>
-                <a:tailEnd/>
-              </a14:hiddenLine>
-            </a:ext>
-          </a:extLst>
-        </p:spPr>
-        <p:txBody>
-          <a:bodyPr/>
-          <a:lstStyle>
-            <a:lvl1pPr>
-              <a:spcBef>
-                <a:spcPct val="20000"/>
-              </a:spcBef>
-              <a:buClr>
-                <a:srgbClr val="A50021"/>
-              </a:buClr>
-              <a:buSzPct val="60000"/>
-              <a:buFont typeface="Wingdings" panose="05000000000000000000" pitchFamily="2" charset="2"/>
-              <a:buChar char="n"/>
-              <a:defRPr sz="2800">
-                <a:solidFill>
-                  <a:schemeClr val="tx1"/>
-                </a:solidFill>
-                <a:latin typeface="Arial" panose="020B0604020202020204" pitchFamily="34" charset="0"/>
-              </a:defRPr>
-            </a:lvl1pPr>
-            <a:lvl2pPr marL="742950" indent="-285750">
-              <a:spcBef>
-                <a:spcPct val="20000"/>
-              </a:spcBef>
-              <a:buClr>
-                <a:srgbClr val="02B2CA"/>
-              </a:buClr>
-              <a:buSzPct val="55000"/>
-              <a:buFont typeface="Wingdings" panose="05000000000000000000" pitchFamily="2" charset="2"/>
-              <a:buChar char="n"/>
-              <a:defRPr sz="2800">
-                <a:solidFill>
-                  <a:schemeClr val="tx1"/>
-                </a:solidFill>
-                <a:latin typeface="Arial" panose="020B0604020202020204" pitchFamily="34" charset="0"/>
-              </a:defRPr>
-            </a:lvl2pPr>
-            <a:lvl3pPr marL="1143000" indent="-228600">
-              <a:spcBef>
-                <a:spcPct val="20000"/>
-              </a:spcBef>
-              <a:buClr>
-                <a:srgbClr val="A50021"/>
-              </a:buClr>
-              <a:buSzPct val="50000"/>
-              <a:buFont typeface="Wingdings" panose="05000000000000000000" pitchFamily="2" charset="2"/>
-              <a:buChar char="n"/>
-              <a:defRPr sz="2400">
-                <a:solidFill>
-                  <a:schemeClr val="tx1"/>
-                </a:solidFill>
-                <a:latin typeface="Arial" panose="020B0604020202020204" pitchFamily="34" charset="0"/>
-              </a:defRPr>
-            </a:lvl3pPr>
-            <a:lvl4pPr marL="1600200" indent="-228600">
-              <a:spcBef>
-                <a:spcPct val="20000"/>
-              </a:spcBef>
-              <a:buClr>
-                <a:srgbClr val="02B2CA"/>
-              </a:buClr>
-              <a:buSzPct val="55000"/>
-              <a:buFont typeface="Wingdings" panose="05000000000000000000" pitchFamily="2" charset="2"/>
-              <a:buChar char="n"/>
-              <a:defRPr sz="2000">
-                <a:solidFill>
-                  <a:schemeClr val="tx1"/>
-                </a:solidFill>
-                <a:latin typeface="Arial" panose="020B0604020202020204" pitchFamily="34" charset="0"/>
-              </a:defRPr>
-            </a:lvl4pPr>
-            <a:lvl5pPr marL="2057400" indent="-228600">
-              <a:spcBef>
-                <a:spcPct val="20000"/>
-              </a:spcBef>
-              <a:buClr>
-                <a:srgbClr val="A50021"/>
-              </a:buClr>
-              <a:buSzPct val="50000"/>
-              <a:buFont typeface="Wingdings" panose="05000000000000000000" pitchFamily="2" charset="2"/>
-              <a:buChar char="n"/>
-              <a:defRPr sz="2000">
-                <a:solidFill>
-                  <a:schemeClr val="tx1"/>
-                </a:solidFill>
-                <a:latin typeface="Arial" panose="020B0604020202020204" pitchFamily="34" charset="0"/>
-              </a:defRPr>
-            </a:lvl5pPr>
-            <a:lvl6pPr marL="2514600" indent="-228600" eaLnBrk="0" fontAlgn="base" hangingPunct="0">
-              <a:spcBef>
-                <a:spcPct val="20000"/>
-              </a:spcBef>
-              <a:spcAft>
-                <a:spcPct val="0"/>
-              </a:spcAft>
-              <a:buClr>
-                <a:srgbClr val="A50021"/>
-              </a:buClr>
-              <a:buSzPct val="50000"/>
-              <a:buFont typeface="Wingdings" panose="05000000000000000000" pitchFamily="2" charset="2"/>
-              <a:buChar char="n"/>
-              <a:defRPr sz="2000">
-                <a:solidFill>
-                  <a:schemeClr val="tx1"/>
-                </a:solidFill>
-                <a:latin typeface="Arial" panose="020B0604020202020204" pitchFamily="34" charset="0"/>
-              </a:defRPr>
-            </a:lvl6pPr>
-            <a:lvl7pPr marL="2971800" indent="-228600" eaLnBrk="0" fontAlgn="base" hangingPunct="0">
-              <a:spcBef>
-                <a:spcPct val="20000"/>
-              </a:spcBef>
-              <a:spcAft>
-                <a:spcPct val="0"/>
-              </a:spcAft>
-              <a:buClr>
-                <a:srgbClr val="A50021"/>
-              </a:buClr>
-              <a:buSzPct val="50000"/>
-              <a:buFont typeface="Wingdings" panose="05000000000000000000" pitchFamily="2" charset="2"/>
-              <a:buChar char="n"/>
-              <a:defRPr sz="2000">
-                <a:solidFill>
-                  <a:schemeClr val="tx1"/>
-                </a:solidFill>
-                <a:latin typeface="Arial" panose="020B0604020202020204" pitchFamily="34" charset="0"/>
-              </a:defRPr>
-            </a:lvl7pPr>
-            <a:lvl8pPr marL="3429000" indent="-228600" eaLnBrk="0" fontAlgn="base" hangingPunct="0">
-              <a:spcBef>
-                <a:spcPct val="20000"/>
-              </a:spcBef>
-              <a:spcAft>
-                <a:spcPct val="0"/>
-              </a:spcAft>
-              <a:buClr>
-                <a:srgbClr val="A50021"/>
-              </a:buClr>
-              <a:buSzPct val="50000"/>
-              <a:buFont typeface="Wingdings" panose="05000000000000000000" pitchFamily="2" charset="2"/>
-              <a:buChar char="n"/>
-              <a:defRPr sz="2000">
-                <a:solidFill>
-                  <a:schemeClr val="tx1"/>
-                </a:solidFill>
-                <a:latin typeface="Arial" panose="020B0604020202020204" pitchFamily="34" charset="0"/>
-              </a:defRPr>
-            </a:lvl8pPr>
-            <a:lvl9pPr marL="3886200" indent="-228600" eaLnBrk="0" fontAlgn="base" hangingPunct="0">
-              <a:spcBef>
-                <a:spcPct val="20000"/>
-              </a:spcBef>
-              <a:spcAft>
-                <a:spcPct val="0"/>
-              </a:spcAft>
-              <a:buClr>
-                <a:srgbClr val="A50021"/>
-              </a:buClr>
-              <a:buSzPct val="50000"/>
-              <a:buFont typeface="Wingdings" panose="05000000000000000000" pitchFamily="2" charset="2"/>
-              <a:buChar char="n"/>
-              <a:defRPr sz="2000">
-                <a:solidFill>
-                  <a:schemeClr val="tx1"/>
-                </a:solidFill>
-                <a:latin typeface="Arial" panose="020B0604020202020204" pitchFamily="34" charset="0"/>
-              </a:defRPr>
-            </a:lvl9pPr>
-          </a:lstStyle>
-          <a:p>
-            <a:pPr>
-              <a:spcBef>
-                <a:spcPct val="0"/>
-              </a:spcBef>
-              <a:buClrTx/>
-              <a:buSzTx/>
-              <a:buFontTx/>
-              <a:buNone/>
-            </a:pPr>
-            <a:r>
-              <a:rPr lang="en-US" altLang="zh-CN" sz="1400" dirty="0" smtClean="0"/>
-              <a:t>Slide 15- </a:t>
-            </a:r>
-            <a:fld id="{52F18F5D-DB6B-4C00-912B-4C7336986FF9}" type="slidenum">
-              <a:rPr lang="en-US" altLang="zh-CN" sz="1400" smtClean="0"/>
-              <a:pPr>
-                <a:spcBef>
-                  <a:spcPct val="0"/>
-                </a:spcBef>
-                <a:buClrTx/>
-                <a:buSzTx/>
-                <a:buFontTx/>
-                <a:buNone/>
-              </a:pPr>
-              <a:t>69</a:t>
-            </a:fld>
-            <a:endParaRPr lang="en-CA" altLang="zh-CN" sz="1400" dirty="0"/>
-          </a:p>
-        </p:txBody>
-      </p:sp>
-      <p:sp>
-        <p:nvSpPr>
-          <p:cNvPr id="71683" name="Rectangle 6"/>
-          <p:cNvSpPr>
-            <a:spLocks noChangeArrowheads="1"/>
-          </p:cNvSpPr>
-          <p:nvPr/>
-        </p:nvSpPr>
-        <p:spPr bwMode="auto">
-          <a:xfrm>
-            <a:off x="0" y="685800"/>
-            <a:ext cx="6335713" cy="950913"/>
-          </a:xfrm>
-          <a:prstGeom prst="rect">
-            <a:avLst/>
-          </a:prstGeom>
-          <a:solidFill>
-            <a:schemeClr val="bg1"/>
-          </a:solidFill>
-          <a:ln>
-            <a:noFill/>
-          </a:ln>
-          <a:extLst>
-            <a:ext uri="{91240B29-F687-4F45-9708-019B960494DF}">
-              <a14:hiddenLine xmlns:a14="http://schemas.microsoft.com/office/drawing/2010/main" w="9525">
-                <a:solidFill>
-                  <a:srgbClr val="000000"/>
-                </a:solidFill>
-                <a:miter lim="800000"/>
-                <a:headEnd/>
-                <a:tailEnd/>
-              </a14:hiddenLine>
-            </a:ext>
-          </a:extLst>
-        </p:spPr>
-        <p:txBody>
-          <a:bodyPr wrap="none" anchor="ctr"/>
-          <a:lstStyle>
-            <a:lvl1pPr>
-              <a:spcBef>
-                <a:spcPct val="20000"/>
-              </a:spcBef>
-              <a:buClr>
-                <a:srgbClr val="A50021"/>
-              </a:buClr>
-              <a:buSzPct val="60000"/>
-              <a:buFont typeface="Wingdings" panose="05000000000000000000" pitchFamily="2" charset="2"/>
-              <a:buChar char="n"/>
-              <a:defRPr sz="2800">
-                <a:solidFill>
-                  <a:schemeClr val="tx1"/>
-                </a:solidFill>
-                <a:latin typeface="Arial" panose="020B0604020202020204" pitchFamily="34" charset="0"/>
-              </a:defRPr>
-            </a:lvl1pPr>
-            <a:lvl2pPr marL="742950" indent="-285750">
-              <a:spcBef>
-                <a:spcPct val="20000"/>
-              </a:spcBef>
-              <a:buClr>
-                <a:srgbClr val="02B2CA"/>
-              </a:buClr>
-              <a:buSzPct val="55000"/>
-              <a:buFont typeface="Wingdings" panose="05000000000000000000" pitchFamily="2" charset="2"/>
-              <a:buChar char="n"/>
-              <a:defRPr sz="2800">
-                <a:solidFill>
-                  <a:schemeClr val="tx1"/>
-                </a:solidFill>
-                <a:latin typeface="Arial" panose="020B0604020202020204" pitchFamily="34" charset="0"/>
-              </a:defRPr>
-            </a:lvl2pPr>
-            <a:lvl3pPr marL="1143000" indent="-228600">
-              <a:spcBef>
-                <a:spcPct val="20000"/>
-              </a:spcBef>
-              <a:buClr>
-                <a:srgbClr val="A50021"/>
-              </a:buClr>
-              <a:buSzPct val="50000"/>
-              <a:buFont typeface="Wingdings" panose="05000000000000000000" pitchFamily="2" charset="2"/>
-              <a:buChar char="n"/>
-              <a:defRPr sz="2400">
-                <a:solidFill>
-                  <a:schemeClr val="tx1"/>
-                </a:solidFill>
-                <a:latin typeface="Arial" panose="020B0604020202020204" pitchFamily="34" charset="0"/>
-              </a:defRPr>
-            </a:lvl3pPr>
-            <a:lvl4pPr marL="1600200" indent="-228600">
-              <a:spcBef>
-                <a:spcPct val="20000"/>
-              </a:spcBef>
-              <a:buClr>
-                <a:srgbClr val="02B2CA"/>
-              </a:buClr>
-              <a:buSzPct val="55000"/>
-              <a:buFont typeface="Wingdings" panose="05000000000000000000" pitchFamily="2" charset="2"/>
-              <a:buChar char="n"/>
-              <a:defRPr sz="2000">
-                <a:solidFill>
-                  <a:schemeClr val="tx1"/>
-                </a:solidFill>
-                <a:latin typeface="Arial" panose="020B0604020202020204" pitchFamily="34" charset="0"/>
-              </a:defRPr>
-            </a:lvl4pPr>
-            <a:lvl5pPr marL="2057400" indent="-228600">
-              <a:spcBef>
-                <a:spcPct val="20000"/>
-              </a:spcBef>
-              <a:buClr>
-                <a:srgbClr val="A50021"/>
-              </a:buClr>
-              <a:buSzPct val="50000"/>
-              <a:buFont typeface="Wingdings" panose="05000000000000000000" pitchFamily="2" charset="2"/>
-              <a:buChar char="n"/>
-              <a:defRPr sz="2000">
-                <a:solidFill>
-                  <a:schemeClr val="tx1"/>
-                </a:solidFill>
-                <a:latin typeface="Arial" panose="020B0604020202020204" pitchFamily="34" charset="0"/>
-              </a:defRPr>
-            </a:lvl5pPr>
-            <a:lvl6pPr marL="2514600" indent="-228600" eaLnBrk="0" fontAlgn="base" hangingPunct="0">
-              <a:spcBef>
-                <a:spcPct val="20000"/>
-              </a:spcBef>
-              <a:spcAft>
-                <a:spcPct val="0"/>
-              </a:spcAft>
-              <a:buClr>
-                <a:srgbClr val="A50021"/>
-              </a:buClr>
-              <a:buSzPct val="50000"/>
-              <a:buFont typeface="Wingdings" panose="05000000000000000000" pitchFamily="2" charset="2"/>
-              <a:buChar char="n"/>
-              <a:defRPr sz="2000">
-                <a:solidFill>
-                  <a:schemeClr val="tx1"/>
-                </a:solidFill>
-                <a:latin typeface="Arial" panose="020B0604020202020204" pitchFamily="34" charset="0"/>
-              </a:defRPr>
-            </a:lvl6pPr>
-            <a:lvl7pPr marL="2971800" indent="-228600" eaLnBrk="0" fontAlgn="base" hangingPunct="0">
-              <a:spcBef>
-                <a:spcPct val="20000"/>
-              </a:spcBef>
-              <a:spcAft>
-                <a:spcPct val="0"/>
-              </a:spcAft>
-              <a:buClr>
-                <a:srgbClr val="A50021"/>
-              </a:buClr>
-              <a:buSzPct val="50000"/>
-              <a:buFont typeface="Wingdings" panose="05000000000000000000" pitchFamily="2" charset="2"/>
-              <a:buChar char="n"/>
-              <a:defRPr sz="2000">
-                <a:solidFill>
-                  <a:schemeClr val="tx1"/>
-                </a:solidFill>
-                <a:latin typeface="Arial" panose="020B0604020202020204" pitchFamily="34" charset="0"/>
-              </a:defRPr>
-            </a:lvl7pPr>
-            <a:lvl8pPr marL="3429000" indent="-228600" eaLnBrk="0" fontAlgn="base" hangingPunct="0">
-              <a:spcBef>
-                <a:spcPct val="20000"/>
-              </a:spcBef>
-              <a:spcAft>
-                <a:spcPct val="0"/>
-              </a:spcAft>
-              <a:buClr>
-                <a:srgbClr val="A50021"/>
-              </a:buClr>
-              <a:buSzPct val="50000"/>
-              <a:buFont typeface="Wingdings" panose="05000000000000000000" pitchFamily="2" charset="2"/>
-              <a:buChar char="n"/>
-              <a:defRPr sz="2000">
-                <a:solidFill>
-                  <a:schemeClr val="tx1"/>
-                </a:solidFill>
-                <a:latin typeface="Arial" panose="020B0604020202020204" pitchFamily="34" charset="0"/>
-              </a:defRPr>
-            </a:lvl8pPr>
-            <a:lvl9pPr marL="3886200" indent="-228600" eaLnBrk="0" fontAlgn="base" hangingPunct="0">
-              <a:spcBef>
-                <a:spcPct val="20000"/>
-              </a:spcBef>
-              <a:spcAft>
-                <a:spcPct val="0"/>
-              </a:spcAft>
-              <a:buClr>
-                <a:srgbClr val="A50021"/>
-              </a:buClr>
-              <a:buSzPct val="50000"/>
-              <a:buFont typeface="Wingdings" panose="05000000000000000000" pitchFamily="2" charset="2"/>
-              <a:buChar char="n"/>
-              <a:defRPr sz="2000">
-                <a:solidFill>
-                  <a:schemeClr val="tx1"/>
-                </a:solidFill>
-                <a:latin typeface="Arial" panose="020B0604020202020204" pitchFamily="34" charset="0"/>
-              </a:defRPr>
-            </a:lvl9pPr>
-          </a:lstStyle>
-          <a:p>
-            <a:pPr eaLnBrk="1" hangingPunct="1">
-              <a:spcBef>
-                <a:spcPct val="0"/>
-              </a:spcBef>
-              <a:buClrTx/>
-              <a:buSzTx/>
-              <a:buFontTx/>
-              <a:buNone/>
-            </a:pPr>
-            <a:endParaRPr lang="zh-CN" altLang="en-US" sz="2400">
-              <a:ea typeface="宋体" panose="02010600030101010101" pitchFamily="2" charset="-122"/>
-            </a:endParaRPr>
-          </a:p>
-        </p:txBody>
-      </p:sp>
-      <p:sp>
-        <p:nvSpPr>
-          <p:cNvPr id="71684" name="AutoShape 2">
-            <a:hlinkClick r:id="rId2" action="ppaction://hlinksldjump"/>
-          </p:cNvPr>
-          <p:cNvSpPr>
-            <a:spLocks noChangeArrowheads="1"/>
-          </p:cNvSpPr>
-          <p:nvPr/>
-        </p:nvSpPr>
-        <p:spPr bwMode="auto">
-          <a:xfrm>
-            <a:off x="6426200" y="831850"/>
-            <a:ext cx="1270000" cy="584200"/>
-          </a:xfrm>
-          <a:prstGeom prst="leftArrow">
-            <a:avLst>
-              <a:gd name="adj1" fmla="val 63046"/>
-              <a:gd name="adj2" fmla="val 43478"/>
-            </a:avLst>
-          </a:prstGeom>
-          <a:solidFill>
-            <a:srgbClr val="F8BE1A"/>
-          </a:solidFill>
-          <a:ln w="9525">
-            <a:solidFill>
-              <a:schemeClr val="tx2"/>
-            </a:solidFill>
-            <a:miter lim="800000"/>
-            <a:headEnd/>
-            <a:tailEnd/>
-          </a:ln>
-        </p:spPr>
-        <p:txBody>
-          <a:bodyPr wrap="none" anchor="ctr"/>
-          <a:lstStyle>
-            <a:lvl1pPr>
-              <a:spcBef>
-                <a:spcPct val="20000"/>
-              </a:spcBef>
-              <a:buClr>
-                <a:srgbClr val="A50021"/>
-              </a:buClr>
-              <a:buSzPct val="60000"/>
-              <a:buFont typeface="Wingdings" panose="05000000000000000000" pitchFamily="2" charset="2"/>
-              <a:buChar char="n"/>
-              <a:defRPr sz="2800">
-                <a:solidFill>
-                  <a:schemeClr val="tx1"/>
-                </a:solidFill>
-                <a:latin typeface="Arial" panose="020B0604020202020204" pitchFamily="34" charset="0"/>
-              </a:defRPr>
-            </a:lvl1pPr>
-            <a:lvl2pPr marL="742950" indent="-285750">
-              <a:spcBef>
-                <a:spcPct val="20000"/>
-              </a:spcBef>
-              <a:buClr>
-                <a:srgbClr val="02B2CA"/>
-              </a:buClr>
-              <a:buSzPct val="55000"/>
-              <a:buFont typeface="Wingdings" panose="05000000000000000000" pitchFamily="2" charset="2"/>
-              <a:buChar char="n"/>
-              <a:defRPr sz="2800">
-                <a:solidFill>
-                  <a:schemeClr val="tx1"/>
-                </a:solidFill>
-                <a:latin typeface="Arial" panose="020B0604020202020204" pitchFamily="34" charset="0"/>
-              </a:defRPr>
-            </a:lvl2pPr>
-            <a:lvl3pPr marL="1143000" indent="-228600">
-              <a:spcBef>
-                <a:spcPct val="20000"/>
-              </a:spcBef>
-              <a:buClr>
-                <a:srgbClr val="A50021"/>
-              </a:buClr>
-              <a:buSzPct val="50000"/>
-              <a:buFont typeface="Wingdings" panose="05000000000000000000" pitchFamily="2" charset="2"/>
-              <a:buChar char="n"/>
-              <a:defRPr sz="2400">
-                <a:solidFill>
-                  <a:schemeClr val="tx1"/>
-                </a:solidFill>
-                <a:latin typeface="Arial" panose="020B0604020202020204" pitchFamily="34" charset="0"/>
-              </a:defRPr>
-            </a:lvl3pPr>
-            <a:lvl4pPr marL="1600200" indent="-228600">
-              <a:spcBef>
-                <a:spcPct val="20000"/>
-              </a:spcBef>
-              <a:buClr>
-                <a:srgbClr val="02B2CA"/>
-              </a:buClr>
-              <a:buSzPct val="55000"/>
-              <a:buFont typeface="Wingdings" panose="05000000000000000000" pitchFamily="2" charset="2"/>
-              <a:buChar char="n"/>
-              <a:defRPr sz="2000">
-                <a:solidFill>
-                  <a:schemeClr val="tx1"/>
-                </a:solidFill>
-                <a:latin typeface="Arial" panose="020B0604020202020204" pitchFamily="34" charset="0"/>
-              </a:defRPr>
-            </a:lvl4pPr>
-            <a:lvl5pPr marL="2057400" indent="-228600">
-              <a:spcBef>
-                <a:spcPct val="20000"/>
-              </a:spcBef>
-              <a:buClr>
-                <a:srgbClr val="A50021"/>
-              </a:buClr>
-              <a:buSzPct val="50000"/>
-              <a:buFont typeface="Wingdings" panose="05000000000000000000" pitchFamily="2" charset="2"/>
-              <a:buChar char="n"/>
-              <a:defRPr sz="2000">
-                <a:solidFill>
-                  <a:schemeClr val="tx1"/>
-                </a:solidFill>
-                <a:latin typeface="Arial" panose="020B0604020202020204" pitchFamily="34" charset="0"/>
-              </a:defRPr>
-            </a:lvl5pPr>
-            <a:lvl6pPr marL="2514600" indent="-228600" eaLnBrk="0" fontAlgn="base" hangingPunct="0">
-              <a:spcBef>
-                <a:spcPct val="20000"/>
-              </a:spcBef>
-              <a:spcAft>
-                <a:spcPct val="0"/>
-              </a:spcAft>
-              <a:buClr>
-                <a:srgbClr val="A50021"/>
-              </a:buClr>
-              <a:buSzPct val="50000"/>
-              <a:buFont typeface="Wingdings" panose="05000000000000000000" pitchFamily="2" charset="2"/>
-              <a:buChar char="n"/>
-              <a:defRPr sz="2000">
-                <a:solidFill>
-                  <a:schemeClr val="tx1"/>
-                </a:solidFill>
-                <a:latin typeface="Arial" panose="020B0604020202020204" pitchFamily="34" charset="0"/>
-              </a:defRPr>
-            </a:lvl6pPr>
-            <a:lvl7pPr marL="2971800" indent="-228600" eaLnBrk="0" fontAlgn="base" hangingPunct="0">
-              <a:spcBef>
-                <a:spcPct val="20000"/>
-              </a:spcBef>
-              <a:spcAft>
-                <a:spcPct val="0"/>
-              </a:spcAft>
-              <a:buClr>
-                <a:srgbClr val="A50021"/>
-              </a:buClr>
-              <a:buSzPct val="50000"/>
-              <a:buFont typeface="Wingdings" panose="05000000000000000000" pitchFamily="2" charset="2"/>
-              <a:buChar char="n"/>
-              <a:defRPr sz="2000">
-                <a:solidFill>
-                  <a:schemeClr val="tx1"/>
-                </a:solidFill>
-                <a:latin typeface="Arial" panose="020B0604020202020204" pitchFamily="34" charset="0"/>
-              </a:defRPr>
-            </a:lvl7pPr>
-            <a:lvl8pPr marL="3429000" indent="-228600" eaLnBrk="0" fontAlgn="base" hangingPunct="0">
-              <a:spcBef>
-                <a:spcPct val="20000"/>
-              </a:spcBef>
-              <a:spcAft>
-                <a:spcPct val="0"/>
-              </a:spcAft>
-              <a:buClr>
-                <a:srgbClr val="A50021"/>
-              </a:buClr>
-              <a:buSzPct val="50000"/>
-              <a:buFont typeface="Wingdings" panose="05000000000000000000" pitchFamily="2" charset="2"/>
-              <a:buChar char="n"/>
-              <a:defRPr sz="2000">
-                <a:solidFill>
-                  <a:schemeClr val="tx1"/>
-                </a:solidFill>
-                <a:latin typeface="Arial" panose="020B0604020202020204" pitchFamily="34" charset="0"/>
-              </a:defRPr>
-            </a:lvl8pPr>
-            <a:lvl9pPr marL="3886200" indent="-228600" eaLnBrk="0" fontAlgn="base" hangingPunct="0">
-              <a:spcBef>
-                <a:spcPct val="20000"/>
-              </a:spcBef>
-              <a:spcAft>
-                <a:spcPct val="0"/>
-              </a:spcAft>
-              <a:buClr>
-                <a:srgbClr val="A50021"/>
-              </a:buClr>
-              <a:buSzPct val="50000"/>
-              <a:buFont typeface="Wingdings" panose="05000000000000000000" pitchFamily="2" charset="2"/>
-              <a:buChar char="n"/>
-              <a:defRPr sz="2000">
-                <a:solidFill>
-                  <a:schemeClr val="tx1"/>
-                </a:solidFill>
-                <a:latin typeface="Arial" panose="020B0604020202020204" pitchFamily="34" charset="0"/>
-              </a:defRPr>
-            </a:lvl9pPr>
-          </a:lstStyle>
-          <a:p>
-            <a:pPr algn="ctr" eaLnBrk="1" hangingPunct="1">
-              <a:buClr>
-                <a:srgbClr val="CC0000"/>
-              </a:buClr>
-              <a:buSzTx/>
-              <a:buFont typeface="Wingdings" panose="05000000000000000000" pitchFamily="2" charset="2"/>
-              <a:buNone/>
-            </a:pPr>
-            <a:r>
-              <a:rPr lang="en-US" altLang="zh-CN">
-                <a:solidFill>
-                  <a:schemeClr val="tx2"/>
-                </a:solidFill>
-                <a:ea typeface="宋体" panose="02010600030101010101" pitchFamily="2" charset="-122"/>
-              </a:rPr>
-              <a:t>Back</a:t>
-            </a:r>
-          </a:p>
-        </p:txBody>
-      </p:sp>
-      <p:sp>
-        <p:nvSpPr>
-          <p:cNvPr id="71685" name="AutoShape 3">
-            <a:hlinkClick r:id="rId3" action="ppaction://hlinksldjump"/>
-          </p:cNvPr>
-          <p:cNvSpPr>
-            <a:spLocks noChangeArrowheads="1"/>
-          </p:cNvSpPr>
-          <p:nvPr/>
-        </p:nvSpPr>
-        <p:spPr bwMode="auto">
-          <a:xfrm>
-            <a:off x="7924800" y="812800"/>
-            <a:ext cx="1066800" cy="635000"/>
-          </a:xfrm>
-          <a:prstGeom prst="rightArrow">
-            <a:avLst>
-              <a:gd name="adj1" fmla="val 57843"/>
-              <a:gd name="adj2" fmla="val 43999"/>
-            </a:avLst>
-          </a:prstGeom>
-          <a:solidFill>
-            <a:srgbClr val="F8BE1A"/>
-          </a:solidFill>
-          <a:ln w="9525">
-            <a:solidFill>
-              <a:schemeClr val="tx2"/>
-            </a:solidFill>
-            <a:miter lim="800000"/>
-            <a:headEnd/>
-            <a:tailEnd/>
-          </a:ln>
-        </p:spPr>
-        <p:txBody>
-          <a:bodyPr wrap="none" anchor="ctr"/>
-          <a:lstStyle>
-            <a:lvl1pPr>
-              <a:spcBef>
-                <a:spcPct val="20000"/>
-              </a:spcBef>
-              <a:buClr>
-                <a:srgbClr val="A50021"/>
-              </a:buClr>
-              <a:buSzPct val="60000"/>
-              <a:buFont typeface="Wingdings" panose="05000000000000000000" pitchFamily="2" charset="2"/>
-              <a:buChar char="n"/>
-              <a:defRPr sz="2800">
-                <a:solidFill>
-                  <a:schemeClr val="tx1"/>
-                </a:solidFill>
-                <a:latin typeface="Arial" panose="020B0604020202020204" pitchFamily="34" charset="0"/>
-              </a:defRPr>
-            </a:lvl1pPr>
-            <a:lvl2pPr marL="742950" indent="-285750">
-              <a:spcBef>
-                <a:spcPct val="20000"/>
-              </a:spcBef>
-              <a:buClr>
-                <a:srgbClr val="02B2CA"/>
-              </a:buClr>
-              <a:buSzPct val="55000"/>
-              <a:buFont typeface="Wingdings" panose="05000000000000000000" pitchFamily="2" charset="2"/>
-              <a:buChar char="n"/>
-              <a:defRPr sz="2800">
-                <a:solidFill>
-                  <a:schemeClr val="tx1"/>
-                </a:solidFill>
-                <a:latin typeface="Arial" panose="020B0604020202020204" pitchFamily="34" charset="0"/>
-              </a:defRPr>
-            </a:lvl2pPr>
-            <a:lvl3pPr marL="1143000" indent="-228600">
-              <a:spcBef>
-                <a:spcPct val="20000"/>
-              </a:spcBef>
-              <a:buClr>
-                <a:srgbClr val="A50021"/>
-              </a:buClr>
-              <a:buSzPct val="50000"/>
-              <a:buFont typeface="Wingdings" panose="05000000000000000000" pitchFamily="2" charset="2"/>
-              <a:buChar char="n"/>
-              <a:defRPr sz="2400">
-                <a:solidFill>
-                  <a:schemeClr val="tx1"/>
-                </a:solidFill>
-                <a:latin typeface="Arial" panose="020B0604020202020204" pitchFamily="34" charset="0"/>
-              </a:defRPr>
-            </a:lvl3pPr>
-            <a:lvl4pPr marL="1600200" indent="-228600">
-              <a:spcBef>
-                <a:spcPct val="20000"/>
-              </a:spcBef>
-              <a:buClr>
-                <a:srgbClr val="02B2CA"/>
-              </a:buClr>
-              <a:buSzPct val="55000"/>
-              <a:buFont typeface="Wingdings" panose="05000000000000000000" pitchFamily="2" charset="2"/>
-              <a:buChar char="n"/>
-              <a:defRPr sz="2000">
-                <a:solidFill>
-                  <a:schemeClr val="tx1"/>
-                </a:solidFill>
-                <a:latin typeface="Arial" panose="020B0604020202020204" pitchFamily="34" charset="0"/>
-              </a:defRPr>
-            </a:lvl4pPr>
-            <a:lvl5pPr marL="2057400" indent="-228600">
-              <a:spcBef>
-                <a:spcPct val="20000"/>
-              </a:spcBef>
-              <a:buClr>
-                <a:srgbClr val="A50021"/>
-              </a:buClr>
-              <a:buSzPct val="50000"/>
-              <a:buFont typeface="Wingdings" panose="05000000000000000000" pitchFamily="2" charset="2"/>
-              <a:buChar char="n"/>
-              <a:defRPr sz="2000">
-                <a:solidFill>
-                  <a:schemeClr val="tx1"/>
-                </a:solidFill>
-                <a:latin typeface="Arial" panose="020B0604020202020204" pitchFamily="34" charset="0"/>
-              </a:defRPr>
-            </a:lvl5pPr>
-            <a:lvl6pPr marL="2514600" indent="-228600" eaLnBrk="0" fontAlgn="base" hangingPunct="0">
-              <a:spcBef>
-                <a:spcPct val="20000"/>
-              </a:spcBef>
-              <a:spcAft>
-                <a:spcPct val="0"/>
-              </a:spcAft>
-              <a:buClr>
-                <a:srgbClr val="A50021"/>
-              </a:buClr>
-              <a:buSzPct val="50000"/>
-              <a:buFont typeface="Wingdings" panose="05000000000000000000" pitchFamily="2" charset="2"/>
-              <a:buChar char="n"/>
-              <a:defRPr sz="2000">
-                <a:solidFill>
-                  <a:schemeClr val="tx1"/>
-                </a:solidFill>
-                <a:latin typeface="Arial" panose="020B0604020202020204" pitchFamily="34" charset="0"/>
-              </a:defRPr>
-            </a:lvl6pPr>
-            <a:lvl7pPr marL="2971800" indent="-228600" eaLnBrk="0" fontAlgn="base" hangingPunct="0">
-              <a:spcBef>
-                <a:spcPct val="20000"/>
-              </a:spcBef>
-              <a:spcAft>
-                <a:spcPct val="0"/>
-              </a:spcAft>
-              <a:buClr>
-                <a:srgbClr val="A50021"/>
-              </a:buClr>
-              <a:buSzPct val="50000"/>
-              <a:buFont typeface="Wingdings" panose="05000000000000000000" pitchFamily="2" charset="2"/>
-              <a:buChar char="n"/>
-              <a:defRPr sz="2000">
-                <a:solidFill>
-                  <a:schemeClr val="tx1"/>
-                </a:solidFill>
-                <a:latin typeface="Arial" panose="020B0604020202020204" pitchFamily="34" charset="0"/>
-              </a:defRPr>
-            </a:lvl7pPr>
-            <a:lvl8pPr marL="3429000" indent="-228600" eaLnBrk="0" fontAlgn="base" hangingPunct="0">
-              <a:spcBef>
-                <a:spcPct val="20000"/>
-              </a:spcBef>
-              <a:spcAft>
-                <a:spcPct val="0"/>
-              </a:spcAft>
-              <a:buClr>
-                <a:srgbClr val="A50021"/>
-              </a:buClr>
-              <a:buSzPct val="50000"/>
-              <a:buFont typeface="Wingdings" panose="05000000000000000000" pitchFamily="2" charset="2"/>
-              <a:buChar char="n"/>
-              <a:defRPr sz="2000">
-                <a:solidFill>
-                  <a:schemeClr val="tx1"/>
-                </a:solidFill>
-                <a:latin typeface="Arial" panose="020B0604020202020204" pitchFamily="34" charset="0"/>
-              </a:defRPr>
-            </a:lvl8pPr>
-            <a:lvl9pPr marL="3886200" indent="-228600" eaLnBrk="0" fontAlgn="base" hangingPunct="0">
-              <a:spcBef>
-                <a:spcPct val="20000"/>
-              </a:spcBef>
-              <a:spcAft>
-                <a:spcPct val="0"/>
-              </a:spcAft>
-              <a:buClr>
-                <a:srgbClr val="A50021"/>
-              </a:buClr>
-              <a:buSzPct val="50000"/>
-              <a:buFont typeface="Wingdings" panose="05000000000000000000" pitchFamily="2" charset="2"/>
-              <a:buChar char="n"/>
-              <a:defRPr sz="2000">
-                <a:solidFill>
-                  <a:schemeClr val="tx1"/>
-                </a:solidFill>
-                <a:latin typeface="Arial" panose="020B0604020202020204" pitchFamily="34" charset="0"/>
-              </a:defRPr>
-            </a:lvl9pPr>
-          </a:lstStyle>
-          <a:p>
-            <a:pPr algn="ctr" eaLnBrk="1" hangingPunct="1">
-              <a:buClr>
-                <a:srgbClr val="CC0000"/>
-              </a:buClr>
-              <a:buSzTx/>
-              <a:buFont typeface="Wingdings" panose="05000000000000000000" pitchFamily="2" charset="2"/>
-              <a:buNone/>
-            </a:pPr>
-            <a:r>
-              <a:rPr lang="en-US" altLang="zh-CN">
-                <a:solidFill>
-                  <a:schemeClr val="tx2"/>
-                </a:solidFill>
-                <a:ea typeface="宋体" panose="02010600030101010101" pitchFamily="2" charset="-122"/>
-              </a:rPr>
-              <a:t>Next</a:t>
-            </a:r>
-          </a:p>
-        </p:txBody>
-      </p:sp>
-      <p:pic>
-        <p:nvPicPr>
-          <p:cNvPr id="71686" name="Picture 4" descr="16"/>
-          <p:cNvPicPr>
-            <a:picLocks noChangeAspect="1" noChangeArrowheads="1"/>
-          </p:cNvPicPr>
-          <p:nvPr/>
-        </p:nvPicPr>
-        <p:blipFill>
-          <a:blip r:embed="rId4">
-            <a:extLst>
-              <a:ext uri="{28A0092B-C50C-407E-A947-70E740481C1C}">
-                <a14:useLocalDpi xmlns:a14="http://schemas.microsoft.com/office/drawing/2010/main" val="0"/>
-              </a:ext>
-            </a:extLst>
-          </a:blip>
-          <a:srcRect/>
-          <a:stretch>
-            <a:fillRect/>
-          </a:stretch>
-        </p:blipFill>
-        <p:spPr bwMode="auto">
-          <a:xfrm>
-            <a:off x="152400" y="836613"/>
-            <a:ext cx="6067425" cy="5716587"/>
-          </a:xfrm>
-          <a:prstGeom prst="rect">
-            <a:avLst/>
-          </a:prstGeom>
-          <a:noFill/>
-          <a:ln>
-            <a:noFill/>
-          </a:ln>
-          <a:extLst>
-            <a:ext uri="{909E8E84-426E-40DD-AFC4-6F175D3DCCD1}">
-              <a14:hiddenFill xmlns:a14="http://schemas.microsoft.com/office/drawing/2010/main">
-                <a:solidFill>
-                  <a:srgbClr val="FFFFFF"/>
-                </a:solidFill>
-              </a14:hiddenFill>
-            </a:ext>
-            <a:ext uri="{91240B29-F687-4F45-9708-019B960494DF}">
-              <a14:hiddenLine xmlns:a14="http://schemas.microsoft.com/office/drawing/2010/main" w="9525">
-                <a:solidFill>
-                  <a:srgbClr val="000000"/>
-                </a:solidFill>
-                <a:miter lim="800000"/>
-                <a:headEnd/>
-                <a:tailEnd/>
-              </a14:hiddenLine>
-            </a:ext>
-          </a:extLst>
-        </p:spPr>
-      </p:pic>
-      <p:sp>
-        <p:nvSpPr>
-          <p:cNvPr id="71687" name="Rectangle 5"/>
-          <p:cNvSpPr>
-            <a:spLocks noGrp="1" noChangeArrowheads="1"/>
-          </p:cNvSpPr>
-          <p:nvPr>
-            <p:ph type="title"/>
-          </p:nvPr>
-        </p:nvSpPr>
-        <p:spPr>
-          <a:xfrm>
-            <a:off x="5029200" y="228600"/>
-            <a:ext cx="4038600" cy="457200"/>
-          </a:xfrm>
-        </p:spPr>
-        <p:txBody>
-          <a:bodyPr/>
-          <a:lstStyle/>
-          <a:p>
-            <a:pPr eaLnBrk="1" hangingPunct="1"/>
-            <a:r>
-              <a:rPr lang="en-US" altLang="zh-CN" smtClean="0">
-                <a:ea typeface="宋体" panose="02010600030101010101" pitchFamily="2" charset="-122"/>
-              </a:rPr>
-              <a:t>Display 10.5 (2/2)</a:t>
             </a:r>
           </a:p>
         </p:txBody>
@@ -33510,6 +32832,1024 @@
       </p:grpSpPr>
       <p:sp>
         <p:nvSpPr>
+          <p:cNvPr id="71682" name="灯片编号占位符 2"/>
+          <p:cNvSpPr>
+            <a:spLocks noGrp="1"/>
+          </p:cNvSpPr>
+          <p:nvPr>
+            <p:ph type="sldNum" sz="quarter" idx="10"/>
+          </p:nvPr>
+        </p:nvSpPr>
+        <p:spPr>
+          <a:noFill/>
+          <a:ln/>
+          <a:extLst>
+            <a:ext uri="{909E8E84-426E-40DD-AFC4-6F175D3DCCD1}">
+              <a14:hiddenFill xmlns:a14="http://schemas.microsoft.com/office/drawing/2010/main">
+                <a:solidFill>
+                  <a:srgbClr val="FFFFFF"/>
+                </a:solidFill>
+              </a14:hiddenFill>
+            </a:ext>
+            <a:ext uri="{91240B29-F687-4F45-9708-019B960494DF}">
+              <a14:hiddenLine xmlns:a14="http://schemas.microsoft.com/office/drawing/2010/main" w="9525">
+                <a:solidFill>
+                  <a:srgbClr val="000000"/>
+                </a:solidFill>
+                <a:miter lim="800000"/>
+                <a:headEnd/>
+                <a:tailEnd/>
+              </a14:hiddenLine>
+            </a:ext>
+          </a:extLst>
+        </p:spPr>
+        <p:txBody>
+          <a:bodyPr/>
+          <a:lstStyle>
+            <a:lvl1pPr>
+              <a:spcBef>
+                <a:spcPct val="20000"/>
+              </a:spcBef>
+              <a:buClr>
+                <a:srgbClr val="A50021"/>
+              </a:buClr>
+              <a:buSzPct val="60000"/>
+              <a:buFont typeface="Wingdings" panose="05000000000000000000" pitchFamily="2" charset="2"/>
+              <a:buChar char="n"/>
+              <a:defRPr sz="2800">
+                <a:solidFill>
+                  <a:schemeClr val="tx1"/>
+                </a:solidFill>
+                <a:latin typeface="Arial" panose="020B0604020202020204" pitchFamily="34" charset="0"/>
+              </a:defRPr>
+            </a:lvl1pPr>
+            <a:lvl2pPr marL="742950" indent="-285750">
+              <a:spcBef>
+                <a:spcPct val="20000"/>
+              </a:spcBef>
+              <a:buClr>
+                <a:srgbClr val="02B2CA"/>
+              </a:buClr>
+              <a:buSzPct val="55000"/>
+              <a:buFont typeface="Wingdings" panose="05000000000000000000" pitchFamily="2" charset="2"/>
+              <a:buChar char="n"/>
+              <a:defRPr sz="2800">
+                <a:solidFill>
+                  <a:schemeClr val="tx1"/>
+                </a:solidFill>
+                <a:latin typeface="Arial" panose="020B0604020202020204" pitchFamily="34" charset="0"/>
+              </a:defRPr>
+            </a:lvl2pPr>
+            <a:lvl3pPr marL="1143000" indent="-228600">
+              <a:spcBef>
+                <a:spcPct val="20000"/>
+              </a:spcBef>
+              <a:buClr>
+                <a:srgbClr val="A50021"/>
+              </a:buClr>
+              <a:buSzPct val="50000"/>
+              <a:buFont typeface="Wingdings" panose="05000000000000000000" pitchFamily="2" charset="2"/>
+              <a:buChar char="n"/>
+              <a:defRPr sz="2400">
+                <a:solidFill>
+                  <a:schemeClr val="tx1"/>
+                </a:solidFill>
+                <a:latin typeface="Arial" panose="020B0604020202020204" pitchFamily="34" charset="0"/>
+              </a:defRPr>
+            </a:lvl3pPr>
+            <a:lvl4pPr marL="1600200" indent="-228600">
+              <a:spcBef>
+                <a:spcPct val="20000"/>
+              </a:spcBef>
+              <a:buClr>
+                <a:srgbClr val="02B2CA"/>
+              </a:buClr>
+              <a:buSzPct val="55000"/>
+              <a:buFont typeface="Wingdings" panose="05000000000000000000" pitchFamily="2" charset="2"/>
+              <a:buChar char="n"/>
+              <a:defRPr sz="2000">
+                <a:solidFill>
+                  <a:schemeClr val="tx1"/>
+                </a:solidFill>
+                <a:latin typeface="Arial" panose="020B0604020202020204" pitchFamily="34" charset="0"/>
+              </a:defRPr>
+            </a:lvl4pPr>
+            <a:lvl5pPr marL="2057400" indent="-228600">
+              <a:spcBef>
+                <a:spcPct val="20000"/>
+              </a:spcBef>
+              <a:buClr>
+                <a:srgbClr val="A50021"/>
+              </a:buClr>
+              <a:buSzPct val="50000"/>
+              <a:buFont typeface="Wingdings" panose="05000000000000000000" pitchFamily="2" charset="2"/>
+              <a:buChar char="n"/>
+              <a:defRPr sz="2000">
+                <a:solidFill>
+                  <a:schemeClr val="tx1"/>
+                </a:solidFill>
+                <a:latin typeface="Arial" panose="020B0604020202020204" pitchFamily="34" charset="0"/>
+              </a:defRPr>
+            </a:lvl5pPr>
+            <a:lvl6pPr marL="2514600" indent="-228600" eaLnBrk="0" fontAlgn="base" hangingPunct="0">
+              <a:spcBef>
+                <a:spcPct val="20000"/>
+              </a:spcBef>
+              <a:spcAft>
+                <a:spcPct val="0"/>
+              </a:spcAft>
+              <a:buClr>
+                <a:srgbClr val="A50021"/>
+              </a:buClr>
+              <a:buSzPct val="50000"/>
+              <a:buFont typeface="Wingdings" panose="05000000000000000000" pitchFamily="2" charset="2"/>
+              <a:buChar char="n"/>
+              <a:defRPr sz="2000">
+                <a:solidFill>
+                  <a:schemeClr val="tx1"/>
+                </a:solidFill>
+                <a:latin typeface="Arial" panose="020B0604020202020204" pitchFamily="34" charset="0"/>
+              </a:defRPr>
+            </a:lvl6pPr>
+            <a:lvl7pPr marL="2971800" indent="-228600" eaLnBrk="0" fontAlgn="base" hangingPunct="0">
+              <a:spcBef>
+                <a:spcPct val="20000"/>
+              </a:spcBef>
+              <a:spcAft>
+                <a:spcPct val="0"/>
+              </a:spcAft>
+              <a:buClr>
+                <a:srgbClr val="A50021"/>
+              </a:buClr>
+              <a:buSzPct val="50000"/>
+              <a:buFont typeface="Wingdings" panose="05000000000000000000" pitchFamily="2" charset="2"/>
+              <a:buChar char="n"/>
+              <a:defRPr sz="2000">
+                <a:solidFill>
+                  <a:schemeClr val="tx1"/>
+                </a:solidFill>
+                <a:latin typeface="Arial" panose="020B0604020202020204" pitchFamily="34" charset="0"/>
+              </a:defRPr>
+            </a:lvl7pPr>
+            <a:lvl8pPr marL="3429000" indent="-228600" eaLnBrk="0" fontAlgn="base" hangingPunct="0">
+              <a:spcBef>
+                <a:spcPct val="20000"/>
+              </a:spcBef>
+              <a:spcAft>
+                <a:spcPct val="0"/>
+              </a:spcAft>
+              <a:buClr>
+                <a:srgbClr val="A50021"/>
+              </a:buClr>
+              <a:buSzPct val="50000"/>
+              <a:buFont typeface="Wingdings" panose="05000000000000000000" pitchFamily="2" charset="2"/>
+              <a:buChar char="n"/>
+              <a:defRPr sz="2000">
+                <a:solidFill>
+                  <a:schemeClr val="tx1"/>
+                </a:solidFill>
+                <a:latin typeface="Arial" panose="020B0604020202020204" pitchFamily="34" charset="0"/>
+              </a:defRPr>
+            </a:lvl8pPr>
+            <a:lvl9pPr marL="3886200" indent="-228600" eaLnBrk="0" fontAlgn="base" hangingPunct="0">
+              <a:spcBef>
+                <a:spcPct val="20000"/>
+              </a:spcBef>
+              <a:spcAft>
+                <a:spcPct val="0"/>
+              </a:spcAft>
+              <a:buClr>
+                <a:srgbClr val="A50021"/>
+              </a:buClr>
+              <a:buSzPct val="50000"/>
+              <a:buFont typeface="Wingdings" panose="05000000000000000000" pitchFamily="2" charset="2"/>
+              <a:buChar char="n"/>
+              <a:defRPr sz="2000">
+                <a:solidFill>
+                  <a:schemeClr val="tx1"/>
+                </a:solidFill>
+                <a:latin typeface="Arial" panose="020B0604020202020204" pitchFamily="34" charset="0"/>
+              </a:defRPr>
+            </a:lvl9pPr>
+          </a:lstStyle>
+          <a:p>
+            <a:pPr>
+              <a:spcBef>
+                <a:spcPct val="0"/>
+              </a:spcBef>
+              <a:buClrTx/>
+              <a:buSzTx/>
+              <a:buFontTx/>
+              <a:buNone/>
+            </a:pPr>
+            <a:r>
+              <a:rPr lang="en-US" altLang="zh-CN" sz="1400" dirty="0" smtClean="0"/>
+              <a:t>Slide 15- </a:t>
+            </a:r>
+            <a:fld id="{52F18F5D-DB6B-4C00-912B-4C7336986FF9}" type="slidenum">
+              <a:rPr lang="en-US" altLang="zh-CN" sz="1400" smtClean="0"/>
+              <a:pPr>
+                <a:spcBef>
+                  <a:spcPct val="0"/>
+                </a:spcBef>
+                <a:buClrTx/>
+                <a:buSzTx/>
+                <a:buFontTx/>
+                <a:buNone/>
+              </a:pPr>
+              <a:t>70</a:t>
+            </a:fld>
+            <a:endParaRPr lang="en-CA" altLang="zh-CN" sz="1400" dirty="0"/>
+          </a:p>
+        </p:txBody>
+      </p:sp>
+      <p:sp>
+        <p:nvSpPr>
+          <p:cNvPr id="71683" name="Rectangle 6"/>
+          <p:cNvSpPr>
+            <a:spLocks noChangeArrowheads="1"/>
+          </p:cNvSpPr>
+          <p:nvPr/>
+        </p:nvSpPr>
+        <p:spPr bwMode="auto">
+          <a:xfrm>
+            <a:off x="0" y="685800"/>
+            <a:ext cx="6335713" cy="950913"/>
+          </a:xfrm>
+          <a:prstGeom prst="rect">
+            <a:avLst/>
+          </a:prstGeom>
+          <a:solidFill>
+            <a:schemeClr val="bg1"/>
+          </a:solidFill>
+          <a:ln>
+            <a:noFill/>
+          </a:ln>
+          <a:extLst>
+            <a:ext uri="{91240B29-F687-4F45-9708-019B960494DF}">
+              <a14:hiddenLine xmlns:a14="http://schemas.microsoft.com/office/drawing/2010/main" w="9525">
+                <a:solidFill>
+                  <a:srgbClr val="000000"/>
+                </a:solidFill>
+                <a:miter lim="800000"/>
+                <a:headEnd/>
+                <a:tailEnd/>
+              </a14:hiddenLine>
+            </a:ext>
+          </a:extLst>
+        </p:spPr>
+        <p:txBody>
+          <a:bodyPr wrap="none" anchor="ctr"/>
+          <a:lstStyle>
+            <a:lvl1pPr>
+              <a:spcBef>
+                <a:spcPct val="20000"/>
+              </a:spcBef>
+              <a:buClr>
+                <a:srgbClr val="A50021"/>
+              </a:buClr>
+              <a:buSzPct val="60000"/>
+              <a:buFont typeface="Wingdings" panose="05000000000000000000" pitchFamily="2" charset="2"/>
+              <a:buChar char="n"/>
+              <a:defRPr sz="2800">
+                <a:solidFill>
+                  <a:schemeClr val="tx1"/>
+                </a:solidFill>
+                <a:latin typeface="Arial" panose="020B0604020202020204" pitchFamily="34" charset="0"/>
+              </a:defRPr>
+            </a:lvl1pPr>
+            <a:lvl2pPr marL="742950" indent="-285750">
+              <a:spcBef>
+                <a:spcPct val="20000"/>
+              </a:spcBef>
+              <a:buClr>
+                <a:srgbClr val="02B2CA"/>
+              </a:buClr>
+              <a:buSzPct val="55000"/>
+              <a:buFont typeface="Wingdings" panose="05000000000000000000" pitchFamily="2" charset="2"/>
+              <a:buChar char="n"/>
+              <a:defRPr sz="2800">
+                <a:solidFill>
+                  <a:schemeClr val="tx1"/>
+                </a:solidFill>
+                <a:latin typeface="Arial" panose="020B0604020202020204" pitchFamily="34" charset="0"/>
+              </a:defRPr>
+            </a:lvl2pPr>
+            <a:lvl3pPr marL="1143000" indent="-228600">
+              <a:spcBef>
+                <a:spcPct val="20000"/>
+              </a:spcBef>
+              <a:buClr>
+                <a:srgbClr val="A50021"/>
+              </a:buClr>
+              <a:buSzPct val="50000"/>
+              <a:buFont typeface="Wingdings" panose="05000000000000000000" pitchFamily="2" charset="2"/>
+              <a:buChar char="n"/>
+              <a:defRPr sz="2400">
+                <a:solidFill>
+                  <a:schemeClr val="tx1"/>
+                </a:solidFill>
+                <a:latin typeface="Arial" panose="020B0604020202020204" pitchFamily="34" charset="0"/>
+              </a:defRPr>
+            </a:lvl3pPr>
+            <a:lvl4pPr marL="1600200" indent="-228600">
+              <a:spcBef>
+                <a:spcPct val="20000"/>
+              </a:spcBef>
+              <a:buClr>
+                <a:srgbClr val="02B2CA"/>
+              </a:buClr>
+              <a:buSzPct val="55000"/>
+              <a:buFont typeface="Wingdings" panose="05000000000000000000" pitchFamily="2" charset="2"/>
+              <a:buChar char="n"/>
+              <a:defRPr sz="2000">
+                <a:solidFill>
+                  <a:schemeClr val="tx1"/>
+                </a:solidFill>
+                <a:latin typeface="Arial" panose="020B0604020202020204" pitchFamily="34" charset="0"/>
+              </a:defRPr>
+            </a:lvl4pPr>
+            <a:lvl5pPr marL="2057400" indent="-228600">
+              <a:spcBef>
+                <a:spcPct val="20000"/>
+              </a:spcBef>
+              <a:buClr>
+                <a:srgbClr val="A50021"/>
+              </a:buClr>
+              <a:buSzPct val="50000"/>
+              <a:buFont typeface="Wingdings" panose="05000000000000000000" pitchFamily="2" charset="2"/>
+              <a:buChar char="n"/>
+              <a:defRPr sz="2000">
+                <a:solidFill>
+                  <a:schemeClr val="tx1"/>
+                </a:solidFill>
+                <a:latin typeface="Arial" panose="020B0604020202020204" pitchFamily="34" charset="0"/>
+              </a:defRPr>
+            </a:lvl5pPr>
+            <a:lvl6pPr marL="2514600" indent="-228600" eaLnBrk="0" fontAlgn="base" hangingPunct="0">
+              <a:spcBef>
+                <a:spcPct val="20000"/>
+              </a:spcBef>
+              <a:spcAft>
+                <a:spcPct val="0"/>
+              </a:spcAft>
+              <a:buClr>
+                <a:srgbClr val="A50021"/>
+              </a:buClr>
+              <a:buSzPct val="50000"/>
+              <a:buFont typeface="Wingdings" panose="05000000000000000000" pitchFamily="2" charset="2"/>
+              <a:buChar char="n"/>
+              <a:defRPr sz="2000">
+                <a:solidFill>
+                  <a:schemeClr val="tx1"/>
+                </a:solidFill>
+                <a:latin typeface="Arial" panose="020B0604020202020204" pitchFamily="34" charset="0"/>
+              </a:defRPr>
+            </a:lvl6pPr>
+            <a:lvl7pPr marL="2971800" indent="-228600" eaLnBrk="0" fontAlgn="base" hangingPunct="0">
+              <a:spcBef>
+                <a:spcPct val="20000"/>
+              </a:spcBef>
+              <a:spcAft>
+                <a:spcPct val="0"/>
+              </a:spcAft>
+              <a:buClr>
+                <a:srgbClr val="A50021"/>
+              </a:buClr>
+              <a:buSzPct val="50000"/>
+              <a:buFont typeface="Wingdings" panose="05000000000000000000" pitchFamily="2" charset="2"/>
+              <a:buChar char="n"/>
+              <a:defRPr sz="2000">
+                <a:solidFill>
+                  <a:schemeClr val="tx1"/>
+                </a:solidFill>
+                <a:latin typeface="Arial" panose="020B0604020202020204" pitchFamily="34" charset="0"/>
+              </a:defRPr>
+            </a:lvl7pPr>
+            <a:lvl8pPr marL="3429000" indent="-228600" eaLnBrk="0" fontAlgn="base" hangingPunct="0">
+              <a:spcBef>
+                <a:spcPct val="20000"/>
+              </a:spcBef>
+              <a:spcAft>
+                <a:spcPct val="0"/>
+              </a:spcAft>
+              <a:buClr>
+                <a:srgbClr val="A50021"/>
+              </a:buClr>
+              <a:buSzPct val="50000"/>
+              <a:buFont typeface="Wingdings" panose="05000000000000000000" pitchFamily="2" charset="2"/>
+              <a:buChar char="n"/>
+              <a:defRPr sz="2000">
+                <a:solidFill>
+                  <a:schemeClr val="tx1"/>
+                </a:solidFill>
+                <a:latin typeface="Arial" panose="020B0604020202020204" pitchFamily="34" charset="0"/>
+              </a:defRPr>
+            </a:lvl8pPr>
+            <a:lvl9pPr marL="3886200" indent="-228600" eaLnBrk="0" fontAlgn="base" hangingPunct="0">
+              <a:spcBef>
+                <a:spcPct val="20000"/>
+              </a:spcBef>
+              <a:spcAft>
+                <a:spcPct val="0"/>
+              </a:spcAft>
+              <a:buClr>
+                <a:srgbClr val="A50021"/>
+              </a:buClr>
+              <a:buSzPct val="50000"/>
+              <a:buFont typeface="Wingdings" panose="05000000000000000000" pitchFamily="2" charset="2"/>
+              <a:buChar char="n"/>
+              <a:defRPr sz="2000">
+                <a:solidFill>
+                  <a:schemeClr val="tx1"/>
+                </a:solidFill>
+                <a:latin typeface="Arial" panose="020B0604020202020204" pitchFamily="34" charset="0"/>
+              </a:defRPr>
+            </a:lvl9pPr>
+          </a:lstStyle>
+          <a:p>
+            <a:pPr eaLnBrk="1" hangingPunct="1">
+              <a:spcBef>
+                <a:spcPct val="0"/>
+              </a:spcBef>
+              <a:buClrTx/>
+              <a:buSzTx/>
+              <a:buFontTx/>
+              <a:buNone/>
+            </a:pPr>
+            <a:endParaRPr lang="zh-CN" altLang="en-US" sz="2400">
+              <a:ea typeface="宋体" panose="02010600030101010101" pitchFamily="2" charset="-122"/>
+            </a:endParaRPr>
+          </a:p>
+        </p:txBody>
+      </p:sp>
+      <p:sp>
+        <p:nvSpPr>
+          <p:cNvPr id="71684" name="AutoShape 2">
+            <a:hlinkClick r:id="rId2" action="ppaction://hlinksldjump"/>
+          </p:cNvPr>
+          <p:cNvSpPr>
+            <a:spLocks noChangeArrowheads="1"/>
+          </p:cNvSpPr>
+          <p:nvPr/>
+        </p:nvSpPr>
+        <p:spPr bwMode="auto">
+          <a:xfrm>
+            <a:off x="6426200" y="831850"/>
+            <a:ext cx="1270000" cy="584200"/>
+          </a:xfrm>
+          <a:prstGeom prst="leftArrow">
+            <a:avLst>
+              <a:gd name="adj1" fmla="val 63046"/>
+              <a:gd name="adj2" fmla="val 43478"/>
+            </a:avLst>
+          </a:prstGeom>
+          <a:solidFill>
+            <a:srgbClr val="F8BE1A"/>
+          </a:solidFill>
+          <a:ln w="9525">
+            <a:solidFill>
+              <a:schemeClr val="tx2"/>
+            </a:solidFill>
+            <a:miter lim="800000"/>
+            <a:headEnd/>
+            <a:tailEnd/>
+          </a:ln>
+        </p:spPr>
+        <p:txBody>
+          <a:bodyPr wrap="none" anchor="ctr"/>
+          <a:lstStyle>
+            <a:lvl1pPr>
+              <a:spcBef>
+                <a:spcPct val="20000"/>
+              </a:spcBef>
+              <a:buClr>
+                <a:srgbClr val="A50021"/>
+              </a:buClr>
+              <a:buSzPct val="60000"/>
+              <a:buFont typeface="Wingdings" panose="05000000000000000000" pitchFamily="2" charset="2"/>
+              <a:buChar char="n"/>
+              <a:defRPr sz="2800">
+                <a:solidFill>
+                  <a:schemeClr val="tx1"/>
+                </a:solidFill>
+                <a:latin typeface="Arial" panose="020B0604020202020204" pitchFamily="34" charset="0"/>
+              </a:defRPr>
+            </a:lvl1pPr>
+            <a:lvl2pPr marL="742950" indent="-285750">
+              <a:spcBef>
+                <a:spcPct val="20000"/>
+              </a:spcBef>
+              <a:buClr>
+                <a:srgbClr val="02B2CA"/>
+              </a:buClr>
+              <a:buSzPct val="55000"/>
+              <a:buFont typeface="Wingdings" panose="05000000000000000000" pitchFamily="2" charset="2"/>
+              <a:buChar char="n"/>
+              <a:defRPr sz="2800">
+                <a:solidFill>
+                  <a:schemeClr val="tx1"/>
+                </a:solidFill>
+                <a:latin typeface="Arial" panose="020B0604020202020204" pitchFamily="34" charset="0"/>
+              </a:defRPr>
+            </a:lvl2pPr>
+            <a:lvl3pPr marL="1143000" indent="-228600">
+              <a:spcBef>
+                <a:spcPct val="20000"/>
+              </a:spcBef>
+              <a:buClr>
+                <a:srgbClr val="A50021"/>
+              </a:buClr>
+              <a:buSzPct val="50000"/>
+              <a:buFont typeface="Wingdings" panose="05000000000000000000" pitchFamily="2" charset="2"/>
+              <a:buChar char="n"/>
+              <a:defRPr sz="2400">
+                <a:solidFill>
+                  <a:schemeClr val="tx1"/>
+                </a:solidFill>
+                <a:latin typeface="Arial" panose="020B0604020202020204" pitchFamily="34" charset="0"/>
+              </a:defRPr>
+            </a:lvl3pPr>
+            <a:lvl4pPr marL="1600200" indent="-228600">
+              <a:spcBef>
+                <a:spcPct val="20000"/>
+              </a:spcBef>
+              <a:buClr>
+                <a:srgbClr val="02B2CA"/>
+              </a:buClr>
+              <a:buSzPct val="55000"/>
+              <a:buFont typeface="Wingdings" panose="05000000000000000000" pitchFamily="2" charset="2"/>
+              <a:buChar char="n"/>
+              <a:defRPr sz="2000">
+                <a:solidFill>
+                  <a:schemeClr val="tx1"/>
+                </a:solidFill>
+                <a:latin typeface="Arial" panose="020B0604020202020204" pitchFamily="34" charset="0"/>
+              </a:defRPr>
+            </a:lvl4pPr>
+            <a:lvl5pPr marL="2057400" indent="-228600">
+              <a:spcBef>
+                <a:spcPct val="20000"/>
+              </a:spcBef>
+              <a:buClr>
+                <a:srgbClr val="A50021"/>
+              </a:buClr>
+              <a:buSzPct val="50000"/>
+              <a:buFont typeface="Wingdings" panose="05000000000000000000" pitchFamily="2" charset="2"/>
+              <a:buChar char="n"/>
+              <a:defRPr sz="2000">
+                <a:solidFill>
+                  <a:schemeClr val="tx1"/>
+                </a:solidFill>
+                <a:latin typeface="Arial" panose="020B0604020202020204" pitchFamily="34" charset="0"/>
+              </a:defRPr>
+            </a:lvl5pPr>
+            <a:lvl6pPr marL="2514600" indent="-228600" eaLnBrk="0" fontAlgn="base" hangingPunct="0">
+              <a:spcBef>
+                <a:spcPct val="20000"/>
+              </a:spcBef>
+              <a:spcAft>
+                <a:spcPct val="0"/>
+              </a:spcAft>
+              <a:buClr>
+                <a:srgbClr val="A50021"/>
+              </a:buClr>
+              <a:buSzPct val="50000"/>
+              <a:buFont typeface="Wingdings" panose="05000000000000000000" pitchFamily="2" charset="2"/>
+              <a:buChar char="n"/>
+              <a:defRPr sz="2000">
+                <a:solidFill>
+                  <a:schemeClr val="tx1"/>
+                </a:solidFill>
+                <a:latin typeface="Arial" panose="020B0604020202020204" pitchFamily="34" charset="0"/>
+              </a:defRPr>
+            </a:lvl6pPr>
+            <a:lvl7pPr marL="2971800" indent="-228600" eaLnBrk="0" fontAlgn="base" hangingPunct="0">
+              <a:spcBef>
+                <a:spcPct val="20000"/>
+              </a:spcBef>
+              <a:spcAft>
+                <a:spcPct val="0"/>
+              </a:spcAft>
+              <a:buClr>
+                <a:srgbClr val="A50021"/>
+              </a:buClr>
+              <a:buSzPct val="50000"/>
+              <a:buFont typeface="Wingdings" panose="05000000000000000000" pitchFamily="2" charset="2"/>
+              <a:buChar char="n"/>
+              <a:defRPr sz="2000">
+                <a:solidFill>
+                  <a:schemeClr val="tx1"/>
+                </a:solidFill>
+                <a:latin typeface="Arial" panose="020B0604020202020204" pitchFamily="34" charset="0"/>
+              </a:defRPr>
+            </a:lvl7pPr>
+            <a:lvl8pPr marL="3429000" indent="-228600" eaLnBrk="0" fontAlgn="base" hangingPunct="0">
+              <a:spcBef>
+                <a:spcPct val="20000"/>
+              </a:spcBef>
+              <a:spcAft>
+                <a:spcPct val="0"/>
+              </a:spcAft>
+              <a:buClr>
+                <a:srgbClr val="A50021"/>
+              </a:buClr>
+              <a:buSzPct val="50000"/>
+              <a:buFont typeface="Wingdings" panose="05000000000000000000" pitchFamily="2" charset="2"/>
+              <a:buChar char="n"/>
+              <a:defRPr sz="2000">
+                <a:solidFill>
+                  <a:schemeClr val="tx1"/>
+                </a:solidFill>
+                <a:latin typeface="Arial" panose="020B0604020202020204" pitchFamily="34" charset="0"/>
+              </a:defRPr>
+            </a:lvl8pPr>
+            <a:lvl9pPr marL="3886200" indent="-228600" eaLnBrk="0" fontAlgn="base" hangingPunct="0">
+              <a:spcBef>
+                <a:spcPct val="20000"/>
+              </a:spcBef>
+              <a:spcAft>
+                <a:spcPct val="0"/>
+              </a:spcAft>
+              <a:buClr>
+                <a:srgbClr val="A50021"/>
+              </a:buClr>
+              <a:buSzPct val="50000"/>
+              <a:buFont typeface="Wingdings" panose="05000000000000000000" pitchFamily="2" charset="2"/>
+              <a:buChar char="n"/>
+              <a:defRPr sz="2000">
+                <a:solidFill>
+                  <a:schemeClr val="tx1"/>
+                </a:solidFill>
+                <a:latin typeface="Arial" panose="020B0604020202020204" pitchFamily="34" charset="0"/>
+              </a:defRPr>
+            </a:lvl9pPr>
+          </a:lstStyle>
+          <a:p>
+            <a:pPr algn="ctr" eaLnBrk="1" hangingPunct="1">
+              <a:buClr>
+                <a:srgbClr val="CC0000"/>
+              </a:buClr>
+              <a:buSzTx/>
+              <a:buFont typeface="Wingdings" panose="05000000000000000000" pitchFamily="2" charset="2"/>
+              <a:buNone/>
+            </a:pPr>
+            <a:r>
+              <a:rPr lang="en-US" altLang="zh-CN">
+                <a:solidFill>
+                  <a:schemeClr val="tx2"/>
+                </a:solidFill>
+                <a:ea typeface="宋体" panose="02010600030101010101" pitchFamily="2" charset="-122"/>
+              </a:rPr>
+              <a:t>Back</a:t>
+            </a:r>
+          </a:p>
+        </p:txBody>
+      </p:sp>
+      <p:sp>
+        <p:nvSpPr>
+          <p:cNvPr id="71685" name="AutoShape 3">
+            <a:hlinkClick r:id="rId3" action="ppaction://hlinksldjump"/>
+          </p:cNvPr>
+          <p:cNvSpPr>
+            <a:spLocks noChangeArrowheads="1"/>
+          </p:cNvSpPr>
+          <p:nvPr/>
+        </p:nvSpPr>
+        <p:spPr bwMode="auto">
+          <a:xfrm>
+            <a:off x="7924800" y="812800"/>
+            <a:ext cx="1066800" cy="635000"/>
+          </a:xfrm>
+          <a:prstGeom prst="rightArrow">
+            <a:avLst>
+              <a:gd name="adj1" fmla="val 57843"/>
+              <a:gd name="adj2" fmla="val 43999"/>
+            </a:avLst>
+          </a:prstGeom>
+          <a:solidFill>
+            <a:srgbClr val="F8BE1A"/>
+          </a:solidFill>
+          <a:ln w="9525">
+            <a:solidFill>
+              <a:schemeClr val="tx2"/>
+            </a:solidFill>
+            <a:miter lim="800000"/>
+            <a:headEnd/>
+            <a:tailEnd/>
+          </a:ln>
+        </p:spPr>
+        <p:txBody>
+          <a:bodyPr wrap="none" anchor="ctr"/>
+          <a:lstStyle>
+            <a:lvl1pPr>
+              <a:spcBef>
+                <a:spcPct val="20000"/>
+              </a:spcBef>
+              <a:buClr>
+                <a:srgbClr val="A50021"/>
+              </a:buClr>
+              <a:buSzPct val="60000"/>
+              <a:buFont typeface="Wingdings" panose="05000000000000000000" pitchFamily="2" charset="2"/>
+              <a:buChar char="n"/>
+              <a:defRPr sz="2800">
+                <a:solidFill>
+                  <a:schemeClr val="tx1"/>
+                </a:solidFill>
+                <a:latin typeface="Arial" panose="020B0604020202020204" pitchFamily="34" charset="0"/>
+              </a:defRPr>
+            </a:lvl1pPr>
+            <a:lvl2pPr marL="742950" indent="-285750">
+              <a:spcBef>
+                <a:spcPct val="20000"/>
+              </a:spcBef>
+              <a:buClr>
+                <a:srgbClr val="02B2CA"/>
+              </a:buClr>
+              <a:buSzPct val="55000"/>
+              <a:buFont typeface="Wingdings" panose="05000000000000000000" pitchFamily="2" charset="2"/>
+              <a:buChar char="n"/>
+              <a:defRPr sz="2800">
+                <a:solidFill>
+                  <a:schemeClr val="tx1"/>
+                </a:solidFill>
+                <a:latin typeface="Arial" panose="020B0604020202020204" pitchFamily="34" charset="0"/>
+              </a:defRPr>
+            </a:lvl2pPr>
+            <a:lvl3pPr marL="1143000" indent="-228600">
+              <a:spcBef>
+                <a:spcPct val="20000"/>
+              </a:spcBef>
+              <a:buClr>
+                <a:srgbClr val="A50021"/>
+              </a:buClr>
+              <a:buSzPct val="50000"/>
+              <a:buFont typeface="Wingdings" panose="05000000000000000000" pitchFamily="2" charset="2"/>
+              <a:buChar char="n"/>
+              <a:defRPr sz="2400">
+                <a:solidFill>
+                  <a:schemeClr val="tx1"/>
+                </a:solidFill>
+                <a:latin typeface="Arial" panose="020B0604020202020204" pitchFamily="34" charset="0"/>
+              </a:defRPr>
+            </a:lvl3pPr>
+            <a:lvl4pPr marL="1600200" indent="-228600">
+              <a:spcBef>
+                <a:spcPct val="20000"/>
+              </a:spcBef>
+              <a:buClr>
+                <a:srgbClr val="02B2CA"/>
+              </a:buClr>
+              <a:buSzPct val="55000"/>
+              <a:buFont typeface="Wingdings" panose="05000000000000000000" pitchFamily="2" charset="2"/>
+              <a:buChar char="n"/>
+              <a:defRPr sz="2000">
+                <a:solidFill>
+                  <a:schemeClr val="tx1"/>
+                </a:solidFill>
+                <a:latin typeface="Arial" panose="020B0604020202020204" pitchFamily="34" charset="0"/>
+              </a:defRPr>
+            </a:lvl4pPr>
+            <a:lvl5pPr marL="2057400" indent="-228600">
+              <a:spcBef>
+                <a:spcPct val="20000"/>
+              </a:spcBef>
+              <a:buClr>
+                <a:srgbClr val="A50021"/>
+              </a:buClr>
+              <a:buSzPct val="50000"/>
+              <a:buFont typeface="Wingdings" panose="05000000000000000000" pitchFamily="2" charset="2"/>
+              <a:buChar char="n"/>
+              <a:defRPr sz="2000">
+                <a:solidFill>
+                  <a:schemeClr val="tx1"/>
+                </a:solidFill>
+                <a:latin typeface="Arial" panose="020B0604020202020204" pitchFamily="34" charset="0"/>
+              </a:defRPr>
+            </a:lvl5pPr>
+            <a:lvl6pPr marL="2514600" indent="-228600" eaLnBrk="0" fontAlgn="base" hangingPunct="0">
+              <a:spcBef>
+                <a:spcPct val="20000"/>
+              </a:spcBef>
+              <a:spcAft>
+                <a:spcPct val="0"/>
+              </a:spcAft>
+              <a:buClr>
+                <a:srgbClr val="A50021"/>
+              </a:buClr>
+              <a:buSzPct val="50000"/>
+              <a:buFont typeface="Wingdings" panose="05000000000000000000" pitchFamily="2" charset="2"/>
+              <a:buChar char="n"/>
+              <a:defRPr sz="2000">
+                <a:solidFill>
+                  <a:schemeClr val="tx1"/>
+                </a:solidFill>
+                <a:latin typeface="Arial" panose="020B0604020202020204" pitchFamily="34" charset="0"/>
+              </a:defRPr>
+            </a:lvl6pPr>
+            <a:lvl7pPr marL="2971800" indent="-228600" eaLnBrk="0" fontAlgn="base" hangingPunct="0">
+              <a:spcBef>
+                <a:spcPct val="20000"/>
+              </a:spcBef>
+              <a:spcAft>
+                <a:spcPct val="0"/>
+              </a:spcAft>
+              <a:buClr>
+                <a:srgbClr val="A50021"/>
+              </a:buClr>
+              <a:buSzPct val="50000"/>
+              <a:buFont typeface="Wingdings" panose="05000000000000000000" pitchFamily="2" charset="2"/>
+              <a:buChar char="n"/>
+              <a:defRPr sz="2000">
+                <a:solidFill>
+                  <a:schemeClr val="tx1"/>
+                </a:solidFill>
+                <a:latin typeface="Arial" panose="020B0604020202020204" pitchFamily="34" charset="0"/>
+              </a:defRPr>
+            </a:lvl7pPr>
+            <a:lvl8pPr marL="3429000" indent="-228600" eaLnBrk="0" fontAlgn="base" hangingPunct="0">
+              <a:spcBef>
+                <a:spcPct val="20000"/>
+              </a:spcBef>
+              <a:spcAft>
+                <a:spcPct val="0"/>
+              </a:spcAft>
+              <a:buClr>
+                <a:srgbClr val="A50021"/>
+              </a:buClr>
+              <a:buSzPct val="50000"/>
+              <a:buFont typeface="Wingdings" panose="05000000000000000000" pitchFamily="2" charset="2"/>
+              <a:buChar char="n"/>
+              <a:defRPr sz="2000">
+                <a:solidFill>
+                  <a:schemeClr val="tx1"/>
+                </a:solidFill>
+                <a:latin typeface="Arial" panose="020B0604020202020204" pitchFamily="34" charset="0"/>
+              </a:defRPr>
+            </a:lvl8pPr>
+            <a:lvl9pPr marL="3886200" indent="-228600" eaLnBrk="0" fontAlgn="base" hangingPunct="0">
+              <a:spcBef>
+                <a:spcPct val="20000"/>
+              </a:spcBef>
+              <a:spcAft>
+                <a:spcPct val="0"/>
+              </a:spcAft>
+              <a:buClr>
+                <a:srgbClr val="A50021"/>
+              </a:buClr>
+              <a:buSzPct val="50000"/>
+              <a:buFont typeface="Wingdings" panose="05000000000000000000" pitchFamily="2" charset="2"/>
+              <a:buChar char="n"/>
+              <a:defRPr sz="2000">
+                <a:solidFill>
+                  <a:schemeClr val="tx1"/>
+                </a:solidFill>
+                <a:latin typeface="Arial" panose="020B0604020202020204" pitchFamily="34" charset="0"/>
+              </a:defRPr>
+            </a:lvl9pPr>
+          </a:lstStyle>
+          <a:p>
+            <a:pPr algn="ctr" eaLnBrk="1" hangingPunct="1">
+              <a:buClr>
+                <a:srgbClr val="CC0000"/>
+              </a:buClr>
+              <a:buSzTx/>
+              <a:buFont typeface="Wingdings" panose="05000000000000000000" pitchFamily="2" charset="2"/>
+              <a:buNone/>
+            </a:pPr>
+            <a:r>
+              <a:rPr lang="en-US" altLang="zh-CN">
+                <a:solidFill>
+                  <a:schemeClr val="tx2"/>
+                </a:solidFill>
+                <a:ea typeface="宋体" panose="02010600030101010101" pitchFamily="2" charset="-122"/>
+              </a:rPr>
+              <a:t>Next</a:t>
+            </a:r>
+          </a:p>
+        </p:txBody>
+      </p:sp>
+      <p:pic>
+        <p:nvPicPr>
+          <p:cNvPr id="71686" name="Picture 4" descr="16"/>
+          <p:cNvPicPr>
+            <a:picLocks noChangeAspect="1" noChangeArrowheads="1"/>
+          </p:cNvPicPr>
+          <p:nvPr/>
+        </p:nvPicPr>
+        <p:blipFill>
+          <a:blip r:embed="rId4">
+            <a:extLst>
+              <a:ext uri="{28A0092B-C50C-407E-A947-70E740481C1C}">
+                <a14:useLocalDpi xmlns:a14="http://schemas.microsoft.com/office/drawing/2010/main" val="0"/>
+              </a:ext>
+            </a:extLst>
+          </a:blip>
+          <a:srcRect/>
+          <a:stretch>
+            <a:fillRect/>
+          </a:stretch>
+        </p:blipFill>
+        <p:spPr bwMode="auto">
+          <a:xfrm>
+            <a:off x="152400" y="836613"/>
+            <a:ext cx="6067425" cy="5716587"/>
+          </a:xfrm>
+          <a:prstGeom prst="rect">
+            <a:avLst/>
+          </a:prstGeom>
+          <a:noFill/>
+          <a:ln>
+            <a:noFill/>
+          </a:ln>
+          <a:extLst>
+            <a:ext uri="{909E8E84-426E-40DD-AFC4-6F175D3DCCD1}">
+              <a14:hiddenFill xmlns:a14="http://schemas.microsoft.com/office/drawing/2010/main">
+                <a:solidFill>
+                  <a:srgbClr val="FFFFFF"/>
+                </a:solidFill>
+              </a14:hiddenFill>
+            </a:ext>
+            <a:ext uri="{91240B29-F687-4F45-9708-019B960494DF}">
+              <a14:hiddenLine xmlns:a14="http://schemas.microsoft.com/office/drawing/2010/main" w="9525">
+                <a:solidFill>
+                  <a:srgbClr val="000000"/>
+                </a:solidFill>
+                <a:miter lim="800000"/>
+                <a:headEnd/>
+                <a:tailEnd/>
+              </a14:hiddenLine>
+            </a:ext>
+          </a:extLst>
+        </p:spPr>
+      </p:pic>
+      <p:sp>
+        <p:nvSpPr>
+          <p:cNvPr id="71687" name="Rectangle 5"/>
+          <p:cNvSpPr>
+            <a:spLocks noGrp="1" noChangeArrowheads="1"/>
+          </p:cNvSpPr>
+          <p:nvPr>
+            <p:ph type="title"/>
+          </p:nvPr>
+        </p:nvSpPr>
+        <p:spPr>
+          <a:xfrm>
+            <a:off x="5029200" y="228600"/>
+            <a:ext cx="4038600" cy="457200"/>
+          </a:xfrm>
+        </p:spPr>
+        <p:txBody>
+          <a:bodyPr/>
+          <a:lstStyle/>
+          <a:p>
+            <a:pPr eaLnBrk="1" hangingPunct="1"/>
+            <a:r>
+              <a:rPr lang="en-US" altLang="zh-CN" smtClean="0">
+                <a:ea typeface="宋体" panose="02010600030101010101" pitchFamily="2" charset="-122"/>
+              </a:rPr>
+              <a:t>Display 10.5 (2/2)</a:t>
+            </a:r>
+          </a:p>
+        </p:txBody>
+      </p:sp>
+    </p:spTree>
+  </p:cSld>
+  <p:clrMapOvr>
+    <a:masterClrMapping/>
+  </p:clrMapOvr>
+  <p:transition spd="med" advClick="0">
+    <p:wipe dir="r"/>
+  </p:transition>
+  <p:timing>
+    <p:tnLst>
+      <p:par>
+        <p:cTn id="1" dur="indefinite" restart="never" nodeType="tmRoot"/>
+      </p:par>
+    </p:tnLst>
+  </p:timing>
+</p:sld>
+</file>
+
+<file path=ppt/slides/slide71.xml><?xml version="1.0" encoding="utf-8"?>
+<p:sld xmlns:a="http://schemas.openxmlformats.org/drawingml/2006/main" xmlns:r="http://schemas.openxmlformats.org/officeDocument/2006/relationships" xmlns:p="http://schemas.openxmlformats.org/presentationml/2006/main">
+  <p:cSld>
+    <p:spTree>
+      <p:nvGrpSpPr>
+        <p:cNvPr id="1" name=""/>
+        <p:cNvGrpSpPr/>
+        <p:nvPr/>
+      </p:nvGrpSpPr>
+      <p:grpSpPr>
+        <a:xfrm>
+          <a:off x="0" y="0"/>
+          <a:ext cx="0" cy="0"/>
+          <a:chOff x="0" y="0"/>
+          <a:chExt cx="0" cy="0"/>
+        </a:xfrm>
+      </p:grpSpPr>
+      <p:sp>
+        <p:nvSpPr>
           <p:cNvPr id="72706" name="灯片编号占位符 2"/>
           <p:cNvSpPr>
             <a:spLocks noGrp="1"/>
@@ -33735,7 +34075,7 @@
                 <a:buFontTx/>
                 <a:buNone/>
               </a:pPr>
-              <a:t>70</a:t>
+              <a:t>71</a:t>
             </a:fld>
             <a:endParaRPr lang="en-CA" altLang="zh-CN" sz="1400" dirty="0"/>
           </a:p>
@@ -34526,7 +34866,7 @@
 </p:sld>
 </file>
 
-<file path=ppt/slides/slide71.xml><?xml version="1.0" encoding="utf-8"?>
+<file path=ppt/slides/slide72.xml><?xml version="1.0" encoding="utf-8"?>
 <p:sld xmlns:a="http://schemas.openxmlformats.org/drawingml/2006/main" xmlns:r="http://schemas.openxmlformats.org/officeDocument/2006/relationships" xmlns:p="http://schemas.openxmlformats.org/presentationml/2006/main">
   <p:cSld>
     <p:spTree>
@@ -34770,7 +35110,7 @@
                 <a:buFontTx/>
                 <a:buNone/>
               </a:pPr>
-              <a:t>71</a:t>
+              <a:t>72</a:t>
             </a:fld>
             <a:endParaRPr lang="en-CA" altLang="zh-CN" sz="1400" dirty="0"/>
           </a:p>
@@ -35335,7 +35675,7 @@
 </p:sld>
 </file>
 
-<file path=ppt/slides/slide72.xml><?xml version="1.0" encoding="utf-8"?>
+<file path=ppt/slides/slide73.xml><?xml version="1.0" encoding="utf-8"?>
 <p:sld xmlns:a="http://schemas.openxmlformats.org/drawingml/2006/main" xmlns:r="http://schemas.openxmlformats.org/officeDocument/2006/relationships" xmlns:p="http://schemas.openxmlformats.org/presentationml/2006/main">
   <p:cSld>
     <p:spTree>
@@ -35579,7 +35919,7 @@
                 <a:buFontTx/>
                 <a:buNone/>
               </a:pPr>
-              <a:t>72</a:t>
+              <a:t>73</a:t>
             </a:fld>
             <a:endParaRPr lang="en-CA" altLang="zh-CN" sz="1400" dirty="0"/>
           </a:p>
@@ -36353,7 +36693,7 @@
 </p:sld>
 </file>
 
-<file path=ppt/slides/slide73.xml><?xml version="1.0" encoding="utf-8"?>
+<file path=ppt/slides/slide74.xml><?xml version="1.0" encoding="utf-8"?>
 <p:sld xmlns:a="http://schemas.openxmlformats.org/drawingml/2006/main" xmlns:r="http://schemas.openxmlformats.org/officeDocument/2006/relationships" xmlns:p="http://schemas.openxmlformats.org/presentationml/2006/main">
   <p:cSld>
     <p:spTree>
@@ -36597,7 +36937,7 @@
                 <a:buFontTx/>
                 <a:buNone/>
               </a:pPr>
-              <a:t>73</a:t>
+              <a:t>74</a:t>
             </a:fld>
             <a:endParaRPr lang="en-CA" altLang="zh-CN" sz="1400" dirty="0"/>
           </a:p>
@@ -37179,7 +37519,7 @@
 </p:sld>
 </file>
 
-<file path=ppt/slides/slide74.xml><?xml version="1.0" encoding="utf-8"?>
+<file path=ppt/slides/slide75.xml><?xml version="1.0" encoding="utf-8"?>
 <p:sld xmlns:a="http://schemas.openxmlformats.org/drawingml/2006/main" xmlns:r="http://schemas.openxmlformats.org/officeDocument/2006/relationships" xmlns:p="http://schemas.openxmlformats.org/presentationml/2006/main">
   <p:cSld>
     <p:spTree>
@@ -37423,7 +37763,7 @@
                 <a:buFontTx/>
                 <a:buNone/>
               </a:pPr>
-              <a:t>74</a:t>
+              <a:t>75</a:t>
             </a:fld>
             <a:endParaRPr lang="en-CA" altLang="zh-CN" sz="1400" dirty="0"/>
           </a:p>
@@ -37977,7 +38317,7 @@
 </p:sld>
 </file>
 
-<file path=ppt/slides/slide75.xml><?xml version="1.0" encoding="utf-8"?>
+<file path=ppt/slides/slide76.xml><?xml version="1.0" encoding="utf-8"?>
 <p:sld xmlns:a="http://schemas.openxmlformats.org/drawingml/2006/main" xmlns:r="http://schemas.openxmlformats.org/officeDocument/2006/relationships" xmlns:p="http://schemas.openxmlformats.org/presentationml/2006/main">
   <p:cSld>
     <p:spTree>
@@ -38221,7 +38561,7 @@
                 <a:buFontTx/>
                 <a:buNone/>
               </a:pPr>
-              <a:t>75</a:t>
+              <a:t>76</a:t>
             </a:fld>
             <a:endParaRPr lang="en-CA" altLang="zh-CN" sz="1400" dirty="0"/>
           </a:p>
@@ -38995,7 +39335,7 @@
 </p:sld>
 </file>
 
-<file path=ppt/slides/slide76.xml><?xml version="1.0" encoding="utf-8"?>
+<file path=ppt/slides/slide77.xml><?xml version="1.0" encoding="utf-8"?>
 <p:sld xmlns:a="http://schemas.openxmlformats.org/drawingml/2006/main" xmlns:r="http://schemas.openxmlformats.org/officeDocument/2006/relationships" xmlns:p="http://schemas.openxmlformats.org/presentationml/2006/main">
   <p:cSld>
     <p:spTree>
@@ -39239,7 +39579,7 @@
                 <a:buFontTx/>
                 <a:buNone/>
               </a:pPr>
-              <a:t>76</a:t>
+              <a:t>77</a:t>
             </a:fld>
             <a:endParaRPr lang="en-CA" altLang="zh-CN" sz="1400" dirty="0"/>
           </a:p>
@@ -40013,7 +40353,7 @@
 </p:sld>
 </file>
 
-<file path=ppt/slides/slide77.xml><?xml version="1.0" encoding="utf-8"?>
+<file path=ppt/slides/slide78.xml><?xml version="1.0" encoding="utf-8"?>
 <p:sld xmlns:a="http://schemas.openxmlformats.org/drawingml/2006/main" xmlns:r="http://schemas.openxmlformats.org/officeDocument/2006/relationships" xmlns:p="http://schemas.openxmlformats.org/presentationml/2006/main">
   <p:cSld>
     <p:spTree>
@@ -40257,7 +40597,7 @@
                 <a:buFontTx/>
                 <a:buNone/>
               </a:pPr>
-              <a:t>77</a:t>
+              <a:t>78</a:t>
             </a:fld>
             <a:endParaRPr lang="en-CA" altLang="zh-CN" sz="1400" dirty="0"/>
           </a:p>
@@ -41031,7 +41371,7 @@
 </p:sld>
 </file>
 
-<file path=ppt/slides/slide78.xml><?xml version="1.0" encoding="utf-8"?>
+<file path=ppt/slides/slide79.xml><?xml version="1.0" encoding="utf-8"?>
 <p:sld xmlns:a="http://schemas.openxmlformats.org/drawingml/2006/main" xmlns:r="http://schemas.openxmlformats.org/officeDocument/2006/relationships" xmlns:p="http://schemas.openxmlformats.org/presentationml/2006/main">
   <p:cSld>
     <p:spTree>
@@ -41275,7 +41615,7 @@
                 <a:buFontTx/>
                 <a:buNone/>
               </a:pPr>
-              <a:t>78</a:t>
+              <a:t>79</a:t>
             </a:fld>
             <a:endParaRPr lang="en-CA" altLang="zh-CN" sz="1400" dirty="0"/>
           </a:p>
@@ -42027,1024 +42367,6 @@
                 <a:ea typeface="宋体" panose="02010600030101010101" pitchFamily="2" charset="-122"/>
               </a:rPr>
               <a:t>Display 10.12 (1/2)</a:t>
-            </a:r>
-          </a:p>
-        </p:txBody>
-      </p:sp>
-    </p:spTree>
-  </p:cSld>
-  <p:clrMapOvr>
-    <a:masterClrMapping/>
-  </p:clrMapOvr>
-  <p:transition spd="med" advClick="0">
-    <p:wipe dir="r"/>
-  </p:transition>
-  <p:timing>
-    <p:tnLst>
-      <p:par>
-        <p:cTn id="1" dur="indefinite" restart="never" nodeType="tmRoot"/>
-      </p:par>
-    </p:tnLst>
-  </p:timing>
-</p:sld>
-</file>
-
-<file path=ppt/slides/slide79.xml><?xml version="1.0" encoding="utf-8"?>
-<p:sld xmlns:a="http://schemas.openxmlformats.org/drawingml/2006/main" xmlns:r="http://schemas.openxmlformats.org/officeDocument/2006/relationships" xmlns:p="http://schemas.openxmlformats.org/presentationml/2006/main">
-  <p:cSld>
-    <p:spTree>
-      <p:nvGrpSpPr>
-        <p:cNvPr id="1" name=""/>
-        <p:cNvGrpSpPr/>
-        <p:nvPr/>
-      </p:nvGrpSpPr>
-      <p:grpSpPr>
-        <a:xfrm>
-          <a:off x="0" y="0"/>
-          <a:ext cx="0" cy="0"/>
-          <a:chOff x="0" y="0"/>
-          <a:chExt cx="0" cy="0"/>
-        </a:xfrm>
-      </p:grpSpPr>
-      <p:sp>
-        <p:nvSpPr>
-          <p:cNvPr id="81922" name="灯片编号占位符 2"/>
-          <p:cNvSpPr>
-            <a:spLocks noGrp="1"/>
-          </p:cNvSpPr>
-          <p:nvPr>
-            <p:ph type="sldNum" sz="quarter" idx="10"/>
-          </p:nvPr>
-        </p:nvSpPr>
-        <p:spPr>
-          <a:noFill/>
-          <a:ln/>
-          <a:extLst>
-            <a:ext uri="{909E8E84-426E-40DD-AFC4-6F175D3DCCD1}">
-              <a14:hiddenFill xmlns:a14="http://schemas.microsoft.com/office/drawing/2010/main">
-                <a:solidFill>
-                  <a:srgbClr val="FFFFFF"/>
-                </a:solidFill>
-              </a14:hiddenFill>
-            </a:ext>
-            <a:ext uri="{91240B29-F687-4F45-9708-019B960494DF}">
-              <a14:hiddenLine xmlns:a14="http://schemas.microsoft.com/office/drawing/2010/main" w="9525">
-                <a:solidFill>
-                  <a:srgbClr val="000000"/>
-                </a:solidFill>
-                <a:miter lim="800000"/>
-                <a:headEnd/>
-                <a:tailEnd/>
-              </a14:hiddenLine>
-            </a:ext>
-          </a:extLst>
-        </p:spPr>
-        <p:txBody>
-          <a:bodyPr/>
-          <a:lstStyle>
-            <a:lvl1pPr>
-              <a:spcBef>
-                <a:spcPct val="20000"/>
-              </a:spcBef>
-              <a:buClr>
-                <a:srgbClr val="A50021"/>
-              </a:buClr>
-              <a:buSzPct val="60000"/>
-              <a:buFont typeface="Wingdings" panose="05000000000000000000" pitchFamily="2" charset="2"/>
-              <a:buChar char="n"/>
-              <a:defRPr sz="2800">
-                <a:solidFill>
-                  <a:schemeClr val="tx1"/>
-                </a:solidFill>
-                <a:latin typeface="Arial" panose="020B0604020202020204" pitchFamily="34" charset="0"/>
-              </a:defRPr>
-            </a:lvl1pPr>
-            <a:lvl2pPr marL="742950" indent="-285750">
-              <a:spcBef>
-                <a:spcPct val="20000"/>
-              </a:spcBef>
-              <a:buClr>
-                <a:srgbClr val="02B2CA"/>
-              </a:buClr>
-              <a:buSzPct val="55000"/>
-              <a:buFont typeface="Wingdings" panose="05000000000000000000" pitchFamily="2" charset="2"/>
-              <a:buChar char="n"/>
-              <a:defRPr sz="2800">
-                <a:solidFill>
-                  <a:schemeClr val="tx1"/>
-                </a:solidFill>
-                <a:latin typeface="Arial" panose="020B0604020202020204" pitchFamily="34" charset="0"/>
-              </a:defRPr>
-            </a:lvl2pPr>
-            <a:lvl3pPr marL="1143000" indent="-228600">
-              <a:spcBef>
-                <a:spcPct val="20000"/>
-              </a:spcBef>
-              <a:buClr>
-                <a:srgbClr val="A50021"/>
-              </a:buClr>
-              <a:buSzPct val="50000"/>
-              <a:buFont typeface="Wingdings" panose="05000000000000000000" pitchFamily="2" charset="2"/>
-              <a:buChar char="n"/>
-              <a:defRPr sz="2400">
-                <a:solidFill>
-                  <a:schemeClr val="tx1"/>
-                </a:solidFill>
-                <a:latin typeface="Arial" panose="020B0604020202020204" pitchFamily="34" charset="0"/>
-              </a:defRPr>
-            </a:lvl3pPr>
-            <a:lvl4pPr marL="1600200" indent="-228600">
-              <a:spcBef>
-                <a:spcPct val="20000"/>
-              </a:spcBef>
-              <a:buClr>
-                <a:srgbClr val="02B2CA"/>
-              </a:buClr>
-              <a:buSzPct val="55000"/>
-              <a:buFont typeface="Wingdings" panose="05000000000000000000" pitchFamily="2" charset="2"/>
-              <a:buChar char="n"/>
-              <a:defRPr sz="2000">
-                <a:solidFill>
-                  <a:schemeClr val="tx1"/>
-                </a:solidFill>
-                <a:latin typeface="Arial" panose="020B0604020202020204" pitchFamily="34" charset="0"/>
-              </a:defRPr>
-            </a:lvl4pPr>
-            <a:lvl5pPr marL="2057400" indent="-228600">
-              <a:spcBef>
-                <a:spcPct val="20000"/>
-              </a:spcBef>
-              <a:buClr>
-                <a:srgbClr val="A50021"/>
-              </a:buClr>
-              <a:buSzPct val="50000"/>
-              <a:buFont typeface="Wingdings" panose="05000000000000000000" pitchFamily="2" charset="2"/>
-              <a:buChar char="n"/>
-              <a:defRPr sz="2000">
-                <a:solidFill>
-                  <a:schemeClr val="tx1"/>
-                </a:solidFill>
-                <a:latin typeface="Arial" panose="020B0604020202020204" pitchFamily="34" charset="0"/>
-              </a:defRPr>
-            </a:lvl5pPr>
-            <a:lvl6pPr marL="2514600" indent="-228600" eaLnBrk="0" fontAlgn="base" hangingPunct="0">
-              <a:spcBef>
-                <a:spcPct val="20000"/>
-              </a:spcBef>
-              <a:spcAft>
-                <a:spcPct val="0"/>
-              </a:spcAft>
-              <a:buClr>
-                <a:srgbClr val="A50021"/>
-              </a:buClr>
-              <a:buSzPct val="50000"/>
-              <a:buFont typeface="Wingdings" panose="05000000000000000000" pitchFamily="2" charset="2"/>
-              <a:buChar char="n"/>
-              <a:defRPr sz="2000">
-                <a:solidFill>
-                  <a:schemeClr val="tx1"/>
-                </a:solidFill>
-                <a:latin typeface="Arial" panose="020B0604020202020204" pitchFamily="34" charset="0"/>
-              </a:defRPr>
-            </a:lvl6pPr>
-            <a:lvl7pPr marL="2971800" indent="-228600" eaLnBrk="0" fontAlgn="base" hangingPunct="0">
-              <a:spcBef>
-                <a:spcPct val="20000"/>
-              </a:spcBef>
-              <a:spcAft>
-                <a:spcPct val="0"/>
-              </a:spcAft>
-              <a:buClr>
-                <a:srgbClr val="A50021"/>
-              </a:buClr>
-              <a:buSzPct val="50000"/>
-              <a:buFont typeface="Wingdings" panose="05000000000000000000" pitchFamily="2" charset="2"/>
-              <a:buChar char="n"/>
-              <a:defRPr sz="2000">
-                <a:solidFill>
-                  <a:schemeClr val="tx1"/>
-                </a:solidFill>
-                <a:latin typeface="Arial" panose="020B0604020202020204" pitchFamily="34" charset="0"/>
-              </a:defRPr>
-            </a:lvl7pPr>
-            <a:lvl8pPr marL="3429000" indent="-228600" eaLnBrk="0" fontAlgn="base" hangingPunct="0">
-              <a:spcBef>
-                <a:spcPct val="20000"/>
-              </a:spcBef>
-              <a:spcAft>
-                <a:spcPct val="0"/>
-              </a:spcAft>
-              <a:buClr>
-                <a:srgbClr val="A50021"/>
-              </a:buClr>
-              <a:buSzPct val="50000"/>
-              <a:buFont typeface="Wingdings" panose="05000000000000000000" pitchFamily="2" charset="2"/>
-              <a:buChar char="n"/>
-              <a:defRPr sz="2000">
-                <a:solidFill>
-                  <a:schemeClr val="tx1"/>
-                </a:solidFill>
-                <a:latin typeface="Arial" panose="020B0604020202020204" pitchFamily="34" charset="0"/>
-              </a:defRPr>
-            </a:lvl8pPr>
-            <a:lvl9pPr marL="3886200" indent="-228600" eaLnBrk="0" fontAlgn="base" hangingPunct="0">
-              <a:spcBef>
-                <a:spcPct val="20000"/>
-              </a:spcBef>
-              <a:spcAft>
-                <a:spcPct val="0"/>
-              </a:spcAft>
-              <a:buClr>
-                <a:srgbClr val="A50021"/>
-              </a:buClr>
-              <a:buSzPct val="50000"/>
-              <a:buFont typeface="Wingdings" panose="05000000000000000000" pitchFamily="2" charset="2"/>
-              <a:buChar char="n"/>
-              <a:defRPr sz="2000">
-                <a:solidFill>
-                  <a:schemeClr val="tx1"/>
-                </a:solidFill>
-                <a:latin typeface="Arial" panose="020B0604020202020204" pitchFamily="34" charset="0"/>
-              </a:defRPr>
-            </a:lvl9pPr>
-          </a:lstStyle>
-          <a:p>
-            <a:pPr>
-              <a:spcBef>
-                <a:spcPct val="0"/>
-              </a:spcBef>
-              <a:buClrTx/>
-              <a:buSzTx/>
-              <a:buFontTx/>
-              <a:buNone/>
-            </a:pPr>
-            <a:r>
-              <a:rPr lang="en-US" altLang="zh-CN" sz="1400" dirty="0" smtClean="0"/>
-              <a:t>Slide 15- </a:t>
-            </a:r>
-            <a:fld id="{37B83845-61F1-45DA-9E37-F96121D63771}" type="slidenum">
-              <a:rPr lang="en-US" altLang="zh-CN" sz="1400" smtClean="0"/>
-              <a:pPr>
-                <a:spcBef>
-                  <a:spcPct val="0"/>
-                </a:spcBef>
-                <a:buClrTx/>
-                <a:buSzTx/>
-                <a:buFontTx/>
-                <a:buNone/>
-              </a:pPr>
-              <a:t>79</a:t>
-            </a:fld>
-            <a:endParaRPr lang="en-CA" altLang="zh-CN" sz="1400" dirty="0"/>
-          </a:p>
-        </p:txBody>
-      </p:sp>
-      <p:sp>
-        <p:nvSpPr>
-          <p:cNvPr id="81923" name="Rectangle 6"/>
-          <p:cNvSpPr>
-            <a:spLocks noChangeArrowheads="1"/>
-          </p:cNvSpPr>
-          <p:nvPr/>
-        </p:nvSpPr>
-        <p:spPr bwMode="auto">
-          <a:xfrm>
-            <a:off x="0" y="0"/>
-            <a:ext cx="4791075" cy="1519238"/>
-          </a:xfrm>
-          <a:prstGeom prst="rect">
-            <a:avLst/>
-          </a:prstGeom>
-          <a:solidFill>
-            <a:schemeClr val="bg1"/>
-          </a:solidFill>
-          <a:ln>
-            <a:noFill/>
-          </a:ln>
-          <a:extLst>
-            <a:ext uri="{91240B29-F687-4F45-9708-019B960494DF}">
-              <a14:hiddenLine xmlns:a14="http://schemas.microsoft.com/office/drawing/2010/main" w="9525">
-                <a:solidFill>
-                  <a:srgbClr val="000000"/>
-                </a:solidFill>
-                <a:miter lim="800000"/>
-                <a:headEnd/>
-                <a:tailEnd/>
-              </a14:hiddenLine>
-            </a:ext>
-          </a:extLst>
-        </p:spPr>
-        <p:txBody>
-          <a:bodyPr wrap="none" anchor="ctr"/>
-          <a:lstStyle>
-            <a:lvl1pPr>
-              <a:spcBef>
-                <a:spcPct val="20000"/>
-              </a:spcBef>
-              <a:buClr>
-                <a:srgbClr val="A50021"/>
-              </a:buClr>
-              <a:buSzPct val="60000"/>
-              <a:buFont typeface="Wingdings" panose="05000000000000000000" pitchFamily="2" charset="2"/>
-              <a:buChar char="n"/>
-              <a:defRPr sz="2800">
-                <a:solidFill>
-                  <a:schemeClr val="tx1"/>
-                </a:solidFill>
-                <a:latin typeface="Arial" panose="020B0604020202020204" pitchFamily="34" charset="0"/>
-              </a:defRPr>
-            </a:lvl1pPr>
-            <a:lvl2pPr marL="742950" indent="-285750">
-              <a:spcBef>
-                <a:spcPct val="20000"/>
-              </a:spcBef>
-              <a:buClr>
-                <a:srgbClr val="02B2CA"/>
-              </a:buClr>
-              <a:buSzPct val="55000"/>
-              <a:buFont typeface="Wingdings" panose="05000000000000000000" pitchFamily="2" charset="2"/>
-              <a:buChar char="n"/>
-              <a:defRPr sz="2800">
-                <a:solidFill>
-                  <a:schemeClr val="tx1"/>
-                </a:solidFill>
-                <a:latin typeface="Arial" panose="020B0604020202020204" pitchFamily="34" charset="0"/>
-              </a:defRPr>
-            </a:lvl2pPr>
-            <a:lvl3pPr marL="1143000" indent="-228600">
-              <a:spcBef>
-                <a:spcPct val="20000"/>
-              </a:spcBef>
-              <a:buClr>
-                <a:srgbClr val="A50021"/>
-              </a:buClr>
-              <a:buSzPct val="50000"/>
-              <a:buFont typeface="Wingdings" panose="05000000000000000000" pitchFamily="2" charset="2"/>
-              <a:buChar char="n"/>
-              <a:defRPr sz="2400">
-                <a:solidFill>
-                  <a:schemeClr val="tx1"/>
-                </a:solidFill>
-                <a:latin typeface="Arial" panose="020B0604020202020204" pitchFamily="34" charset="0"/>
-              </a:defRPr>
-            </a:lvl3pPr>
-            <a:lvl4pPr marL="1600200" indent="-228600">
-              <a:spcBef>
-                <a:spcPct val="20000"/>
-              </a:spcBef>
-              <a:buClr>
-                <a:srgbClr val="02B2CA"/>
-              </a:buClr>
-              <a:buSzPct val="55000"/>
-              <a:buFont typeface="Wingdings" panose="05000000000000000000" pitchFamily="2" charset="2"/>
-              <a:buChar char="n"/>
-              <a:defRPr sz="2000">
-                <a:solidFill>
-                  <a:schemeClr val="tx1"/>
-                </a:solidFill>
-                <a:latin typeface="Arial" panose="020B0604020202020204" pitchFamily="34" charset="0"/>
-              </a:defRPr>
-            </a:lvl4pPr>
-            <a:lvl5pPr marL="2057400" indent="-228600">
-              <a:spcBef>
-                <a:spcPct val="20000"/>
-              </a:spcBef>
-              <a:buClr>
-                <a:srgbClr val="A50021"/>
-              </a:buClr>
-              <a:buSzPct val="50000"/>
-              <a:buFont typeface="Wingdings" panose="05000000000000000000" pitchFamily="2" charset="2"/>
-              <a:buChar char="n"/>
-              <a:defRPr sz="2000">
-                <a:solidFill>
-                  <a:schemeClr val="tx1"/>
-                </a:solidFill>
-                <a:latin typeface="Arial" panose="020B0604020202020204" pitchFamily="34" charset="0"/>
-              </a:defRPr>
-            </a:lvl5pPr>
-            <a:lvl6pPr marL="2514600" indent="-228600" eaLnBrk="0" fontAlgn="base" hangingPunct="0">
-              <a:spcBef>
-                <a:spcPct val="20000"/>
-              </a:spcBef>
-              <a:spcAft>
-                <a:spcPct val="0"/>
-              </a:spcAft>
-              <a:buClr>
-                <a:srgbClr val="A50021"/>
-              </a:buClr>
-              <a:buSzPct val="50000"/>
-              <a:buFont typeface="Wingdings" panose="05000000000000000000" pitchFamily="2" charset="2"/>
-              <a:buChar char="n"/>
-              <a:defRPr sz="2000">
-                <a:solidFill>
-                  <a:schemeClr val="tx1"/>
-                </a:solidFill>
-                <a:latin typeface="Arial" panose="020B0604020202020204" pitchFamily="34" charset="0"/>
-              </a:defRPr>
-            </a:lvl6pPr>
-            <a:lvl7pPr marL="2971800" indent="-228600" eaLnBrk="0" fontAlgn="base" hangingPunct="0">
-              <a:spcBef>
-                <a:spcPct val="20000"/>
-              </a:spcBef>
-              <a:spcAft>
-                <a:spcPct val="0"/>
-              </a:spcAft>
-              <a:buClr>
-                <a:srgbClr val="A50021"/>
-              </a:buClr>
-              <a:buSzPct val="50000"/>
-              <a:buFont typeface="Wingdings" panose="05000000000000000000" pitchFamily="2" charset="2"/>
-              <a:buChar char="n"/>
-              <a:defRPr sz="2000">
-                <a:solidFill>
-                  <a:schemeClr val="tx1"/>
-                </a:solidFill>
-                <a:latin typeface="Arial" panose="020B0604020202020204" pitchFamily="34" charset="0"/>
-              </a:defRPr>
-            </a:lvl7pPr>
-            <a:lvl8pPr marL="3429000" indent="-228600" eaLnBrk="0" fontAlgn="base" hangingPunct="0">
-              <a:spcBef>
-                <a:spcPct val="20000"/>
-              </a:spcBef>
-              <a:spcAft>
-                <a:spcPct val="0"/>
-              </a:spcAft>
-              <a:buClr>
-                <a:srgbClr val="A50021"/>
-              </a:buClr>
-              <a:buSzPct val="50000"/>
-              <a:buFont typeface="Wingdings" panose="05000000000000000000" pitchFamily="2" charset="2"/>
-              <a:buChar char="n"/>
-              <a:defRPr sz="2000">
-                <a:solidFill>
-                  <a:schemeClr val="tx1"/>
-                </a:solidFill>
-                <a:latin typeface="Arial" panose="020B0604020202020204" pitchFamily="34" charset="0"/>
-              </a:defRPr>
-            </a:lvl8pPr>
-            <a:lvl9pPr marL="3886200" indent="-228600" eaLnBrk="0" fontAlgn="base" hangingPunct="0">
-              <a:spcBef>
-                <a:spcPct val="20000"/>
-              </a:spcBef>
-              <a:spcAft>
-                <a:spcPct val="0"/>
-              </a:spcAft>
-              <a:buClr>
-                <a:srgbClr val="A50021"/>
-              </a:buClr>
-              <a:buSzPct val="50000"/>
-              <a:buFont typeface="Wingdings" panose="05000000000000000000" pitchFamily="2" charset="2"/>
-              <a:buChar char="n"/>
-              <a:defRPr sz="2000">
-                <a:solidFill>
-                  <a:schemeClr val="tx1"/>
-                </a:solidFill>
-                <a:latin typeface="Arial" panose="020B0604020202020204" pitchFamily="34" charset="0"/>
-              </a:defRPr>
-            </a:lvl9pPr>
-          </a:lstStyle>
-          <a:p>
-            <a:pPr eaLnBrk="1" hangingPunct="1">
-              <a:spcBef>
-                <a:spcPct val="0"/>
-              </a:spcBef>
-              <a:buClrTx/>
-              <a:buSzTx/>
-              <a:buFontTx/>
-              <a:buNone/>
-            </a:pPr>
-            <a:endParaRPr lang="zh-CN" altLang="en-US" sz="2400">
-              <a:ea typeface="宋体" panose="02010600030101010101" pitchFamily="2" charset="-122"/>
-            </a:endParaRPr>
-          </a:p>
-        </p:txBody>
-      </p:sp>
-      <p:sp>
-        <p:nvSpPr>
-          <p:cNvPr id="81924" name="AutoShape 2">
-            <a:hlinkClick r:id="rId2" action="ppaction://hlinksldjump"/>
-          </p:cNvPr>
-          <p:cNvSpPr>
-            <a:spLocks noChangeArrowheads="1"/>
-          </p:cNvSpPr>
-          <p:nvPr/>
-        </p:nvSpPr>
-        <p:spPr bwMode="auto">
-          <a:xfrm>
-            <a:off x="5778500" y="704850"/>
-            <a:ext cx="1270000" cy="584200"/>
-          </a:xfrm>
-          <a:prstGeom prst="leftArrow">
-            <a:avLst>
-              <a:gd name="adj1" fmla="val 63046"/>
-              <a:gd name="adj2" fmla="val 43478"/>
-            </a:avLst>
-          </a:prstGeom>
-          <a:solidFill>
-            <a:srgbClr val="F8BE1A"/>
-          </a:solidFill>
-          <a:ln w="9525">
-            <a:solidFill>
-              <a:schemeClr val="tx2"/>
-            </a:solidFill>
-            <a:miter lim="800000"/>
-            <a:headEnd/>
-            <a:tailEnd/>
-          </a:ln>
-        </p:spPr>
-        <p:txBody>
-          <a:bodyPr wrap="none" anchor="ctr"/>
-          <a:lstStyle>
-            <a:lvl1pPr>
-              <a:spcBef>
-                <a:spcPct val="20000"/>
-              </a:spcBef>
-              <a:buClr>
-                <a:srgbClr val="A50021"/>
-              </a:buClr>
-              <a:buSzPct val="60000"/>
-              <a:buFont typeface="Wingdings" panose="05000000000000000000" pitchFamily="2" charset="2"/>
-              <a:buChar char="n"/>
-              <a:defRPr sz="2800">
-                <a:solidFill>
-                  <a:schemeClr val="tx1"/>
-                </a:solidFill>
-                <a:latin typeface="Arial" panose="020B0604020202020204" pitchFamily="34" charset="0"/>
-              </a:defRPr>
-            </a:lvl1pPr>
-            <a:lvl2pPr marL="742950" indent="-285750">
-              <a:spcBef>
-                <a:spcPct val="20000"/>
-              </a:spcBef>
-              <a:buClr>
-                <a:srgbClr val="02B2CA"/>
-              </a:buClr>
-              <a:buSzPct val="55000"/>
-              <a:buFont typeface="Wingdings" panose="05000000000000000000" pitchFamily="2" charset="2"/>
-              <a:buChar char="n"/>
-              <a:defRPr sz="2800">
-                <a:solidFill>
-                  <a:schemeClr val="tx1"/>
-                </a:solidFill>
-                <a:latin typeface="Arial" panose="020B0604020202020204" pitchFamily="34" charset="0"/>
-              </a:defRPr>
-            </a:lvl2pPr>
-            <a:lvl3pPr marL="1143000" indent="-228600">
-              <a:spcBef>
-                <a:spcPct val="20000"/>
-              </a:spcBef>
-              <a:buClr>
-                <a:srgbClr val="A50021"/>
-              </a:buClr>
-              <a:buSzPct val="50000"/>
-              <a:buFont typeface="Wingdings" panose="05000000000000000000" pitchFamily="2" charset="2"/>
-              <a:buChar char="n"/>
-              <a:defRPr sz="2400">
-                <a:solidFill>
-                  <a:schemeClr val="tx1"/>
-                </a:solidFill>
-                <a:latin typeface="Arial" panose="020B0604020202020204" pitchFamily="34" charset="0"/>
-              </a:defRPr>
-            </a:lvl3pPr>
-            <a:lvl4pPr marL="1600200" indent="-228600">
-              <a:spcBef>
-                <a:spcPct val="20000"/>
-              </a:spcBef>
-              <a:buClr>
-                <a:srgbClr val="02B2CA"/>
-              </a:buClr>
-              <a:buSzPct val="55000"/>
-              <a:buFont typeface="Wingdings" panose="05000000000000000000" pitchFamily="2" charset="2"/>
-              <a:buChar char="n"/>
-              <a:defRPr sz="2000">
-                <a:solidFill>
-                  <a:schemeClr val="tx1"/>
-                </a:solidFill>
-                <a:latin typeface="Arial" panose="020B0604020202020204" pitchFamily="34" charset="0"/>
-              </a:defRPr>
-            </a:lvl4pPr>
-            <a:lvl5pPr marL="2057400" indent="-228600">
-              <a:spcBef>
-                <a:spcPct val="20000"/>
-              </a:spcBef>
-              <a:buClr>
-                <a:srgbClr val="A50021"/>
-              </a:buClr>
-              <a:buSzPct val="50000"/>
-              <a:buFont typeface="Wingdings" panose="05000000000000000000" pitchFamily="2" charset="2"/>
-              <a:buChar char="n"/>
-              <a:defRPr sz="2000">
-                <a:solidFill>
-                  <a:schemeClr val="tx1"/>
-                </a:solidFill>
-                <a:latin typeface="Arial" panose="020B0604020202020204" pitchFamily="34" charset="0"/>
-              </a:defRPr>
-            </a:lvl5pPr>
-            <a:lvl6pPr marL="2514600" indent="-228600" eaLnBrk="0" fontAlgn="base" hangingPunct="0">
-              <a:spcBef>
-                <a:spcPct val="20000"/>
-              </a:spcBef>
-              <a:spcAft>
-                <a:spcPct val="0"/>
-              </a:spcAft>
-              <a:buClr>
-                <a:srgbClr val="A50021"/>
-              </a:buClr>
-              <a:buSzPct val="50000"/>
-              <a:buFont typeface="Wingdings" panose="05000000000000000000" pitchFamily="2" charset="2"/>
-              <a:buChar char="n"/>
-              <a:defRPr sz="2000">
-                <a:solidFill>
-                  <a:schemeClr val="tx1"/>
-                </a:solidFill>
-                <a:latin typeface="Arial" panose="020B0604020202020204" pitchFamily="34" charset="0"/>
-              </a:defRPr>
-            </a:lvl6pPr>
-            <a:lvl7pPr marL="2971800" indent="-228600" eaLnBrk="0" fontAlgn="base" hangingPunct="0">
-              <a:spcBef>
-                <a:spcPct val="20000"/>
-              </a:spcBef>
-              <a:spcAft>
-                <a:spcPct val="0"/>
-              </a:spcAft>
-              <a:buClr>
-                <a:srgbClr val="A50021"/>
-              </a:buClr>
-              <a:buSzPct val="50000"/>
-              <a:buFont typeface="Wingdings" panose="05000000000000000000" pitchFamily="2" charset="2"/>
-              <a:buChar char="n"/>
-              <a:defRPr sz="2000">
-                <a:solidFill>
-                  <a:schemeClr val="tx1"/>
-                </a:solidFill>
-                <a:latin typeface="Arial" panose="020B0604020202020204" pitchFamily="34" charset="0"/>
-              </a:defRPr>
-            </a:lvl7pPr>
-            <a:lvl8pPr marL="3429000" indent="-228600" eaLnBrk="0" fontAlgn="base" hangingPunct="0">
-              <a:spcBef>
-                <a:spcPct val="20000"/>
-              </a:spcBef>
-              <a:spcAft>
-                <a:spcPct val="0"/>
-              </a:spcAft>
-              <a:buClr>
-                <a:srgbClr val="A50021"/>
-              </a:buClr>
-              <a:buSzPct val="50000"/>
-              <a:buFont typeface="Wingdings" panose="05000000000000000000" pitchFamily="2" charset="2"/>
-              <a:buChar char="n"/>
-              <a:defRPr sz="2000">
-                <a:solidFill>
-                  <a:schemeClr val="tx1"/>
-                </a:solidFill>
-                <a:latin typeface="Arial" panose="020B0604020202020204" pitchFamily="34" charset="0"/>
-              </a:defRPr>
-            </a:lvl8pPr>
-            <a:lvl9pPr marL="3886200" indent="-228600" eaLnBrk="0" fontAlgn="base" hangingPunct="0">
-              <a:spcBef>
-                <a:spcPct val="20000"/>
-              </a:spcBef>
-              <a:spcAft>
-                <a:spcPct val="0"/>
-              </a:spcAft>
-              <a:buClr>
-                <a:srgbClr val="A50021"/>
-              </a:buClr>
-              <a:buSzPct val="50000"/>
-              <a:buFont typeface="Wingdings" panose="05000000000000000000" pitchFamily="2" charset="2"/>
-              <a:buChar char="n"/>
-              <a:defRPr sz="2000">
-                <a:solidFill>
-                  <a:schemeClr val="tx1"/>
-                </a:solidFill>
-                <a:latin typeface="Arial" panose="020B0604020202020204" pitchFamily="34" charset="0"/>
-              </a:defRPr>
-            </a:lvl9pPr>
-          </a:lstStyle>
-          <a:p>
-            <a:pPr algn="ctr" eaLnBrk="1" hangingPunct="1">
-              <a:buClr>
-                <a:srgbClr val="CC0000"/>
-              </a:buClr>
-              <a:buSzTx/>
-              <a:buFont typeface="Wingdings" panose="05000000000000000000" pitchFamily="2" charset="2"/>
-              <a:buNone/>
-            </a:pPr>
-            <a:r>
-              <a:rPr lang="en-US" altLang="zh-CN">
-                <a:solidFill>
-                  <a:schemeClr val="tx2"/>
-                </a:solidFill>
-                <a:ea typeface="宋体" panose="02010600030101010101" pitchFamily="2" charset="-122"/>
-              </a:rPr>
-              <a:t>Back</a:t>
-            </a:r>
-          </a:p>
-        </p:txBody>
-      </p:sp>
-      <p:sp>
-        <p:nvSpPr>
-          <p:cNvPr id="81925" name="AutoShape 3">
-            <a:hlinkClick r:id="rId3" action="ppaction://hlinksldjump"/>
-          </p:cNvPr>
-          <p:cNvSpPr>
-            <a:spLocks noChangeArrowheads="1"/>
-          </p:cNvSpPr>
-          <p:nvPr/>
-        </p:nvSpPr>
-        <p:spPr bwMode="auto">
-          <a:xfrm>
-            <a:off x="7264400" y="666750"/>
-            <a:ext cx="1066800" cy="635000"/>
-          </a:xfrm>
-          <a:prstGeom prst="rightArrow">
-            <a:avLst>
-              <a:gd name="adj1" fmla="val 57843"/>
-              <a:gd name="adj2" fmla="val 43999"/>
-            </a:avLst>
-          </a:prstGeom>
-          <a:solidFill>
-            <a:srgbClr val="F8BE1A"/>
-          </a:solidFill>
-          <a:ln w="9525">
-            <a:solidFill>
-              <a:schemeClr val="tx2"/>
-            </a:solidFill>
-            <a:miter lim="800000"/>
-            <a:headEnd/>
-            <a:tailEnd/>
-          </a:ln>
-        </p:spPr>
-        <p:txBody>
-          <a:bodyPr wrap="none" anchor="ctr"/>
-          <a:lstStyle>
-            <a:lvl1pPr>
-              <a:spcBef>
-                <a:spcPct val="20000"/>
-              </a:spcBef>
-              <a:buClr>
-                <a:srgbClr val="A50021"/>
-              </a:buClr>
-              <a:buSzPct val="60000"/>
-              <a:buFont typeface="Wingdings" panose="05000000000000000000" pitchFamily="2" charset="2"/>
-              <a:buChar char="n"/>
-              <a:defRPr sz="2800">
-                <a:solidFill>
-                  <a:schemeClr val="tx1"/>
-                </a:solidFill>
-                <a:latin typeface="Arial" panose="020B0604020202020204" pitchFamily="34" charset="0"/>
-              </a:defRPr>
-            </a:lvl1pPr>
-            <a:lvl2pPr marL="742950" indent="-285750">
-              <a:spcBef>
-                <a:spcPct val="20000"/>
-              </a:spcBef>
-              <a:buClr>
-                <a:srgbClr val="02B2CA"/>
-              </a:buClr>
-              <a:buSzPct val="55000"/>
-              <a:buFont typeface="Wingdings" panose="05000000000000000000" pitchFamily="2" charset="2"/>
-              <a:buChar char="n"/>
-              <a:defRPr sz="2800">
-                <a:solidFill>
-                  <a:schemeClr val="tx1"/>
-                </a:solidFill>
-                <a:latin typeface="Arial" panose="020B0604020202020204" pitchFamily="34" charset="0"/>
-              </a:defRPr>
-            </a:lvl2pPr>
-            <a:lvl3pPr marL="1143000" indent="-228600">
-              <a:spcBef>
-                <a:spcPct val="20000"/>
-              </a:spcBef>
-              <a:buClr>
-                <a:srgbClr val="A50021"/>
-              </a:buClr>
-              <a:buSzPct val="50000"/>
-              <a:buFont typeface="Wingdings" panose="05000000000000000000" pitchFamily="2" charset="2"/>
-              <a:buChar char="n"/>
-              <a:defRPr sz="2400">
-                <a:solidFill>
-                  <a:schemeClr val="tx1"/>
-                </a:solidFill>
-                <a:latin typeface="Arial" panose="020B0604020202020204" pitchFamily="34" charset="0"/>
-              </a:defRPr>
-            </a:lvl3pPr>
-            <a:lvl4pPr marL="1600200" indent="-228600">
-              <a:spcBef>
-                <a:spcPct val="20000"/>
-              </a:spcBef>
-              <a:buClr>
-                <a:srgbClr val="02B2CA"/>
-              </a:buClr>
-              <a:buSzPct val="55000"/>
-              <a:buFont typeface="Wingdings" panose="05000000000000000000" pitchFamily="2" charset="2"/>
-              <a:buChar char="n"/>
-              <a:defRPr sz="2000">
-                <a:solidFill>
-                  <a:schemeClr val="tx1"/>
-                </a:solidFill>
-                <a:latin typeface="Arial" panose="020B0604020202020204" pitchFamily="34" charset="0"/>
-              </a:defRPr>
-            </a:lvl4pPr>
-            <a:lvl5pPr marL="2057400" indent="-228600">
-              <a:spcBef>
-                <a:spcPct val="20000"/>
-              </a:spcBef>
-              <a:buClr>
-                <a:srgbClr val="A50021"/>
-              </a:buClr>
-              <a:buSzPct val="50000"/>
-              <a:buFont typeface="Wingdings" panose="05000000000000000000" pitchFamily="2" charset="2"/>
-              <a:buChar char="n"/>
-              <a:defRPr sz="2000">
-                <a:solidFill>
-                  <a:schemeClr val="tx1"/>
-                </a:solidFill>
-                <a:latin typeface="Arial" panose="020B0604020202020204" pitchFamily="34" charset="0"/>
-              </a:defRPr>
-            </a:lvl5pPr>
-            <a:lvl6pPr marL="2514600" indent="-228600" eaLnBrk="0" fontAlgn="base" hangingPunct="0">
-              <a:spcBef>
-                <a:spcPct val="20000"/>
-              </a:spcBef>
-              <a:spcAft>
-                <a:spcPct val="0"/>
-              </a:spcAft>
-              <a:buClr>
-                <a:srgbClr val="A50021"/>
-              </a:buClr>
-              <a:buSzPct val="50000"/>
-              <a:buFont typeface="Wingdings" panose="05000000000000000000" pitchFamily="2" charset="2"/>
-              <a:buChar char="n"/>
-              <a:defRPr sz="2000">
-                <a:solidFill>
-                  <a:schemeClr val="tx1"/>
-                </a:solidFill>
-                <a:latin typeface="Arial" panose="020B0604020202020204" pitchFamily="34" charset="0"/>
-              </a:defRPr>
-            </a:lvl6pPr>
-            <a:lvl7pPr marL="2971800" indent="-228600" eaLnBrk="0" fontAlgn="base" hangingPunct="0">
-              <a:spcBef>
-                <a:spcPct val="20000"/>
-              </a:spcBef>
-              <a:spcAft>
-                <a:spcPct val="0"/>
-              </a:spcAft>
-              <a:buClr>
-                <a:srgbClr val="A50021"/>
-              </a:buClr>
-              <a:buSzPct val="50000"/>
-              <a:buFont typeface="Wingdings" panose="05000000000000000000" pitchFamily="2" charset="2"/>
-              <a:buChar char="n"/>
-              <a:defRPr sz="2000">
-                <a:solidFill>
-                  <a:schemeClr val="tx1"/>
-                </a:solidFill>
-                <a:latin typeface="Arial" panose="020B0604020202020204" pitchFamily="34" charset="0"/>
-              </a:defRPr>
-            </a:lvl7pPr>
-            <a:lvl8pPr marL="3429000" indent="-228600" eaLnBrk="0" fontAlgn="base" hangingPunct="0">
-              <a:spcBef>
-                <a:spcPct val="20000"/>
-              </a:spcBef>
-              <a:spcAft>
-                <a:spcPct val="0"/>
-              </a:spcAft>
-              <a:buClr>
-                <a:srgbClr val="A50021"/>
-              </a:buClr>
-              <a:buSzPct val="50000"/>
-              <a:buFont typeface="Wingdings" panose="05000000000000000000" pitchFamily="2" charset="2"/>
-              <a:buChar char="n"/>
-              <a:defRPr sz="2000">
-                <a:solidFill>
-                  <a:schemeClr val="tx1"/>
-                </a:solidFill>
-                <a:latin typeface="Arial" panose="020B0604020202020204" pitchFamily="34" charset="0"/>
-              </a:defRPr>
-            </a:lvl8pPr>
-            <a:lvl9pPr marL="3886200" indent="-228600" eaLnBrk="0" fontAlgn="base" hangingPunct="0">
-              <a:spcBef>
-                <a:spcPct val="20000"/>
-              </a:spcBef>
-              <a:spcAft>
-                <a:spcPct val="0"/>
-              </a:spcAft>
-              <a:buClr>
-                <a:srgbClr val="A50021"/>
-              </a:buClr>
-              <a:buSzPct val="50000"/>
-              <a:buFont typeface="Wingdings" panose="05000000000000000000" pitchFamily="2" charset="2"/>
-              <a:buChar char="n"/>
-              <a:defRPr sz="2000">
-                <a:solidFill>
-                  <a:schemeClr val="tx1"/>
-                </a:solidFill>
-                <a:latin typeface="Arial" panose="020B0604020202020204" pitchFamily="34" charset="0"/>
-              </a:defRPr>
-            </a:lvl9pPr>
-          </a:lstStyle>
-          <a:p>
-            <a:pPr algn="ctr" eaLnBrk="1" hangingPunct="1">
-              <a:buClr>
-                <a:srgbClr val="CC0000"/>
-              </a:buClr>
-              <a:buSzTx/>
-              <a:buFont typeface="Wingdings" panose="05000000000000000000" pitchFamily="2" charset="2"/>
-              <a:buNone/>
-            </a:pPr>
-            <a:r>
-              <a:rPr lang="en-US" altLang="zh-CN">
-                <a:solidFill>
-                  <a:schemeClr val="tx2"/>
-                </a:solidFill>
-                <a:ea typeface="宋体" panose="02010600030101010101" pitchFamily="2" charset="-122"/>
-              </a:rPr>
-              <a:t>Next</a:t>
-            </a:r>
-          </a:p>
-        </p:txBody>
-      </p:sp>
-      <p:pic>
-        <p:nvPicPr>
-          <p:cNvPr id="81926" name="Picture 4" descr="16"/>
-          <p:cNvPicPr>
-            <a:picLocks noChangeAspect="1" noChangeArrowheads="1"/>
-          </p:cNvPicPr>
-          <p:nvPr/>
-        </p:nvPicPr>
-        <p:blipFill>
-          <a:blip r:embed="rId4">
-            <a:extLst>
-              <a:ext uri="{28A0092B-C50C-407E-A947-70E740481C1C}">
-                <a14:useLocalDpi xmlns:a14="http://schemas.microsoft.com/office/drawing/2010/main" val="0"/>
-              </a:ext>
-            </a:extLst>
-          </a:blip>
-          <a:srcRect/>
-          <a:stretch>
-            <a:fillRect/>
-          </a:stretch>
-        </p:blipFill>
-        <p:spPr bwMode="auto">
-          <a:xfrm>
-            <a:off x="165100" y="193675"/>
-            <a:ext cx="4497388" cy="6235700"/>
-          </a:xfrm>
-          <a:prstGeom prst="rect">
-            <a:avLst/>
-          </a:prstGeom>
-          <a:noFill/>
-          <a:ln>
-            <a:noFill/>
-          </a:ln>
-          <a:extLst>
-            <a:ext uri="{909E8E84-426E-40DD-AFC4-6F175D3DCCD1}">
-              <a14:hiddenFill xmlns:a14="http://schemas.microsoft.com/office/drawing/2010/main">
-                <a:solidFill>
-                  <a:srgbClr val="FFFFFF"/>
-                </a:solidFill>
-              </a14:hiddenFill>
-            </a:ext>
-            <a:ext uri="{91240B29-F687-4F45-9708-019B960494DF}">
-              <a14:hiddenLine xmlns:a14="http://schemas.microsoft.com/office/drawing/2010/main" w="9525">
-                <a:solidFill>
-                  <a:srgbClr val="000000"/>
-                </a:solidFill>
-                <a:miter lim="800000"/>
-                <a:headEnd/>
-                <a:tailEnd/>
-              </a14:hiddenLine>
-            </a:ext>
-          </a:extLst>
-        </p:spPr>
-      </p:pic>
-      <p:sp>
-        <p:nvSpPr>
-          <p:cNvPr id="81927" name="Rectangle 5"/>
-          <p:cNvSpPr>
-            <a:spLocks noGrp="1" noChangeArrowheads="1"/>
-          </p:cNvSpPr>
-          <p:nvPr>
-            <p:ph type="title"/>
-          </p:nvPr>
-        </p:nvSpPr>
-        <p:spPr>
-          <a:xfrm>
-            <a:off x="5029200" y="228600"/>
-            <a:ext cx="4038600" cy="476250"/>
-          </a:xfrm>
-        </p:spPr>
-        <p:txBody>
-          <a:bodyPr/>
-          <a:lstStyle/>
-          <a:p>
-            <a:pPr eaLnBrk="1" hangingPunct="1"/>
-            <a:r>
-              <a:rPr lang="en-US" altLang="zh-CN" smtClean="0">
-                <a:ea typeface="宋体" panose="02010600030101010101" pitchFamily="2" charset="-122"/>
-              </a:rPr>
-              <a:t>Display 10.12 (2/2)</a:t>
             </a:r>
           </a:p>
         </p:txBody>
@@ -43198,6 +42520,1024 @@
     <a:masterClrMapping/>
   </p:clrMapOvr>
   <p:transition spd="med">
+    <p:wipe dir="r"/>
+  </p:transition>
+  <p:timing>
+    <p:tnLst>
+      <p:par>
+        <p:cTn id="1" dur="indefinite" restart="never" nodeType="tmRoot"/>
+      </p:par>
+    </p:tnLst>
+  </p:timing>
+</p:sld>
+</file>
+
+<file path=ppt/slides/slide80.xml><?xml version="1.0" encoding="utf-8"?>
+<p:sld xmlns:a="http://schemas.openxmlformats.org/drawingml/2006/main" xmlns:r="http://schemas.openxmlformats.org/officeDocument/2006/relationships" xmlns:p="http://schemas.openxmlformats.org/presentationml/2006/main">
+  <p:cSld>
+    <p:spTree>
+      <p:nvGrpSpPr>
+        <p:cNvPr id="1" name=""/>
+        <p:cNvGrpSpPr/>
+        <p:nvPr/>
+      </p:nvGrpSpPr>
+      <p:grpSpPr>
+        <a:xfrm>
+          <a:off x="0" y="0"/>
+          <a:ext cx="0" cy="0"/>
+          <a:chOff x="0" y="0"/>
+          <a:chExt cx="0" cy="0"/>
+        </a:xfrm>
+      </p:grpSpPr>
+      <p:sp>
+        <p:nvSpPr>
+          <p:cNvPr id="81922" name="灯片编号占位符 2"/>
+          <p:cNvSpPr>
+            <a:spLocks noGrp="1"/>
+          </p:cNvSpPr>
+          <p:nvPr>
+            <p:ph type="sldNum" sz="quarter" idx="10"/>
+          </p:nvPr>
+        </p:nvSpPr>
+        <p:spPr>
+          <a:noFill/>
+          <a:ln/>
+          <a:extLst>
+            <a:ext uri="{909E8E84-426E-40DD-AFC4-6F175D3DCCD1}">
+              <a14:hiddenFill xmlns:a14="http://schemas.microsoft.com/office/drawing/2010/main">
+                <a:solidFill>
+                  <a:srgbClr val="FFFFFF"/>
+                </a:solidFill>
+              </a14:hiddenFill>
+            </a:ext>
+            <a:ext uri="{91240B29-F687-4F45-9708-019B960494DF}">
+              <a14:hiddenLine xmlns:a14="http://schemas.microsoft.com/office/drawing/2010/main" w="9525">
+                <a:solidFill>
+                  <a:srgbClr val="000000"/>
+                </a:solidFill>
+                <a:miter lim="800000"/>
+                <a:headEnd/>
+                <a:tailEnd/>
+              </a14:hiddenLine>
+            </a:ext>
+          </a:extLst>
+        </p:spPr>
+        <p:txBody>
+          <a:bodyPr/>
+          <a:lstStyle>
+            <a:lvl1pPr>
+              <a:spcBef>
+                <a:spcPct val="20000"/>
+              </a:spcBef>
+              <a:buClr>
+                <a:srgbClr val="A50021"/>
+              </a:buClr>
+              <a:buSzPct val="60000"/>
+              <a:buFont typeface="Wingdings" panose="05000000000000000000" pitchFamily="2" charset="2"/>
+              <a:buChar char="n"/>
+              <a:defRPr sz="2800">
+                <a:solidFill>
+                  <a:schemeClr val="tx1"/>
+                </a:solidFill>
+                <a:latin typeface="Arial" panose="020B0604020202020204" pitchFamily="34" charset="0"/>
+              </a:defRPr>
+            </a:lvl1pPr>
+            <a:lvl2pPr marL="742950" indent="-285750">
+              <a:spcBef>
+                <a:spcPct val="20000"/>
+              </a:spcBef>
+              <a:buClr>
+                <a:srgbClr val="02B2CA"/>
+              </a:buClr>
+              <a:buSzPct val="55000"/>
+              <a:buFont typeface="Wingdings" panose="05000000000000000000" pitchFamily="2" charset="2"/>
+              <a:buChar char="n"/>
+              <a:defRPr sz="2800">
+                <a:solidFill>
+                  <a:schemeClr val="tx1"/>
+                </a:solidFill>
+                <a:latin typeface="Arial" panose="020B0604020202020204" pitchFamily="34" charset="0"/>
+              </a:defRPr>
+            </a:lvl2pPr>
+            <a:lvl3pPr marL="1143000" indent="-228600">
+              <a:spcBef>
+                <a:spcPct val="20000"/>
+              </a:spcBef>
+              <a:buClr>
+                <a:srgbClr val="A50021"/>
+              </a:buClr>
+              <a:buSzPct val="50000"/>
+              <a:buFont typeface="Wingdings" panose="05000000000000000000" pitchFamily="2" charset="2"/>
+              <a:buChar char="n"/>
+              <a:defRPr sz="2400">
+                <a:solidFill>
+                  <a:schemeClr val="tx1"/>
+                </a:solidFill>
+                <a:latin typeface="Arial" panose="020B0604020202020204" pitchFamily="34" charset="0"/>
+              </a:defRPr>
+            </a:lvl3pPr>
+            <a:lvl4pPr marL="1600200" indent="-228600">
+              <a:spcBef>
+                <a:spcPct val="20000"/>
+              </a:spcBef>
+              <a:buClr>
+                <a:srgbClr val="02B2CA"/>
+              </a:buClr>
+              <a:buSzPct val="55000"/>
+              <a:buFont typeface="Wingdings" panose="05000000000000000000" pitchFamily="2" charset="2"/>
+              <a:buChar char="n"/>
+              <a:defRPr sz="2000">
+                <a:solidFill>
+                  <a:schemeClr val="tx1"/>
+                </a:solidFill>
+                <a:latin typeface="Arial" panose="020B0604020202020204" pitchFamily="34" charset="0"/>
+              </a:defRPr>
+            </a:lvl4pPr>
+            <a:lvl5pPr marL="2057400" indent="-228600">
+              <a:spcBef>
+                <a:spcPct val="20000"/>
+              </a:spcBef>
+              <a:buClr>
+                <a:srgbClr val="A50021"/>
+              </a:buClr>
+              <a:buSzPct val="50000"/>
+              <a:buFont typeface="Wingdings" panose="05000000000000000000" pitchFamily="2" charset="2"/>
+              <a:buChar char="n"/>
+              <a:defRPr sz="2000">
+                <a:solidFill>
+                  <a:schemeClr val="tx1"/>
+                </a:solidFill>
+                <a:latin typeface="Arial" panose="020B0604020202020204" pitchFamily="34" charset="0"/>
+              </a:defRPr>
+            </a:lvl5pPr>
+            <a:lvl6pPr marL="2514600" indent="-228600" eaLnBrk="0" fontAlgn="base" hangingPunct="0">
+              <a:spcBef>
+                <a:spcPct val="20000"/>
+              </a:spcBef>
+              <a:spcAft>
+                <a:spcPct val="0"/>
+              </a:spcAft>
+              <a:buClr>
+                <a:srgbClr val="A50021"/>
+              </a:buClr>
+              <a:buSzPct val="50000"/>
+              <a:buFont typeface="Wingdings" panose="05000000000000000000" pitchFamily="2" charset="2"/>
+              <a:buChar char="n"/>
+              <a:defRPr sz="2000">
+                <a:solidFill>
+                  <a:schemeClr val="tx1"/>
+                </a:solidFill>
+                <a:latin typeface="Arial" panose="020B0604020202020204" pitchFamily="34" charset="0"/>
+              </a:defRPr>
+            </a:lvl6pPr>
+            <a:lvl7pPr marL="2971800" indent="-228600" eaLnBrk="0" fontAlgn="base" hangingPunct="0">
+              <a:spcBef>
+                <a:spcPct val="20000"/>
+              </a:spcBef>
+              <a:spcAft>
+                <a:spcPct val="0"/>
+              </a:spcAft>
+              <a:buClr>
+                <a:srgbClr val="A50021"/>
+              </a:buClr>
+              <a:buSzPct val="50000"/>
+              <a:buFont typeface="Wingdings" panose="05000000000000000000" pitchFamily="2" charset="2"/>
+              <a:buChar char="n"/>
+              <a:defRPr sz="2000">
+                <a:solidFill>
+                  <a:schemeClr val="tx1"/>
+                </a:solidFill>
+                <a:latin typeface="Arial" panose="020B0604020202020204" pitchFamily="34" charset="0"/>
+              </a:defRPr>
+            </a:lvl7pPr>
+            <a:lvl8pPr marL="3429000" indent="-228600" eaLnBrk="0" fontAlgn="base" hangingPunct="0">
+              <a:spcBef>
+                <a:spcPct val="20000"/>
+              </a:spcBef>
+              <a:spcAft>
+                <a:spcPct val="0"/>
+              </a:spcAft>
+              <a:buClr>
+                <a:srgbClr val="A50021"/>
+              </a:buClr>
+              <a:buSzPct val="50000"/>
+              <a:buFont typeface="Wingdings" panose="05000000000000000000" pitchFamily="2" charset="2"/>
+              <a:buChar char="n"/>
+              <a:defRPr sz="2000">
+                <a:solidFill>
+                  <a:schemeClr val="tx1"/>
+                </a:solidFill>
+                <a:latin typeface="Arial" panose="020B0604020202020204" pitchFamily="34" charset="0"/>
+              </a:defRPr>
+            </a:lvl8pPr>
+            <a:lvl9pPr marL="3886200" indent="-228600" eaLnBrk="0" fontAlgn="base" hangingPunct="0">
+              <a:spcBef>
+                <a:spcPct val="20000"/>
+              </a:spcBef>
+              <a:spcAft>
+                <a:spcPct val="0"/>
+              </a:spcAft>
+              <a:buClr>
+                <a:srgbClr val="A50021"/>
+              </a:buClr>
+              <a:buSzPct val="50000"/>
+              <a:buFont typeface="Wingdings" panose="05000000000000000000" pitchFamily="2" charset="2"/>
+              <a:buChar char="n"/>
+              <a:defRPr sz="2000">
+                <a:solidFill>
+                  <a:schemeClr val="tx1"/>
+                </a:solidFill>
+                <a:latin typeface="Arial" panose="020B0604020202020204" pitchFamily="34" charset="0"/>
+              </a:defRPr>
+            </a:lvl9pPr>
+          </a:lstStyle>
+          <a:p>
+            <a:pPr>
+              <a:spcBef>
+                <a:spcPct val="0"/>
+              </a:spcBef>
+              <a:buClrTx/>
+              <a:buSzTx/>
+              <a:buFontTx/>
+              <a:buNone/>
+            </a:pPr>
+            <a:r>
+              <a:rPr lang="en-US" altLang="zh-CN" sz="1400" dirty="0" smtClean="0"/>
+              <a:t>Slide 15- </a:t>
+            </a:r>
+            <a:fld id="{37B83845-61F1-45DA-9E37-F96121D63771}" type="slidenum">
+              <a:rPr lang="en-US" altLang="zh-CN" sz="1400" smtClean="0"/>
+              <a:pPr>
+                <a:spcBef>
+                  <a:spcPct val="0"/>
+                </a:spcBef>
+                <a:buClrTx/>
+                <a:buSzTx/>
+                <a:buFontTx/>
+                <a:buNone/>
+              </a:pPr>
+              <a:t>80</a:t>
+            </a:fld>
+            <a:endParaRPr lang="en-CA" altLang="zh-CN" sz="1400" dirty="0"/>
+          </a:p>
+        </p:txBody>
+      </p:sp>
+      <p:sp>
+        <p:nvSpPr>
+          <p:cNvPr id="81923" name="Rectangle 6"/>
+          <p:cNvSpPr>
+            <a:spLocks noChangeArrowheads="1"/>
+          </p:cNvSpPr>
+          <p:nvPr/>
+        </p:nvSpPr>
+        <p:spPr bwMode="auto">
+          <a:xfrm>
+            <a:off x="0" y="0"/>
+            <a:ext cx="4791075" cy="1519238"/>
+          </a:xfrm>
+          <a:prstGeom prst="rect">
+            <a:avLst/>
+          </a:prstGeom>
+          <a:solidFill>
+            <a:schemeClr val="bg1"/>
+          </a:solidFill>
+          <a:ln>
+            <a:noFill/>
+          </a:ln>
+          <a:extLst>
+            <a:ext uri="{91240B29-F687-4F45-9708-019B960494DF}">
+              <a14:hiddenLine xmlns:a14="http://schemas.microsoft.com/office/drawing/2010/main" w="9525">
+                <a:solidFill>
+                  <a:srgbClr val="000000"/>
+                </a:solidFill>
+                <a:miter lim="800000"/>
+                <a:headEnd/>
+                <a:tailEnd/>
+              </a14:hiddenLine>
+            </a:ext>
+          </a:extLst>
+        </p:spPr>
+        <p:txBody>
+          <a:bodyPr wrap="none" anchor="ctr"/>
+          <a:lstStyle>
+            <a:lvl1pPr>
+              <a:spcBef>
+                <a:spcPct val="20000"/>
+              </a:spcBef>
+              <a:buClr>
+                <a:srgbClr val="A50021"/>
+              </a:buClr>
+              <a:buSzPct val="60000"/>
+              <a:buFont typeface="Wingdings" panose="05000000000000000000" pitchFamily="2" charset="2"/>
+              <a:buChar char="n"/>
+              <a:defRPr sz="2800">
+                <a:solidFill>
+                  <a:schemeClr val="tx1"/>
+                </a:solidFill>
+                <a:latin typeface="Arial" panose="020B0604020202020204" pitchFamily="34" charset="0"/>
+              </a:defRPr>
+            </a:lvl1pPr>
+            <a:lvl2pPr marL="742950" indent="-285750">
+              <a:spcBef>
+                <a:spcPct val="20000"/>
+              </a:spcBef>
+              <a:buClr>
+                <a:srgbClr val="02B2CA"/>
+              </a:buClr>
+              <a:buSzPct val="55000"/>
+              <a:buFont typeface="Wingdings" panose="05000000000000000000" pitchFamily="2" charset="2"/>
+              <a:buChar char="n"/>
+              <a:defRPr sz="2800">
+                <a:solidFill>
+                  <a:schemeClr val="tx1"/>
+                </a:solidFill>
+                <a:latin typeface="Arial" panose="020B0604020202020204" pitchFamily="34" charset="0"/>
+              </a:defRPr>
+            </a:lvl2pPr>
+            <a:lvl3pPr marL="1143000" indent="-228600">
+              <a:spcBef>
+                <a:spcPct val="20000"/>
+              </a:spcBef>
+              <a:buClr>
+                <a:srgbClr val="A50021"/>
+              </a:buClr>
+              <a:buSzPct val="50000"/>
+              <a:buFont typeface="Wingdings" panose="05000000000000000000" pitchFamily="2" charset="2"/>
+              <a:buChar char="n"/>
+              <a:defRPr sz="2400">
+                <a:solidFill>
+                  <a:schemeClr val="tx1"/>
+                </a:solidFill>
+                <a:latin typeface="Arial" panose="020B0604020202020204" pitchFamily="34" charset="0"/>
+              </a:defRPr>
+            </a:lvl3pPr>
+            <a:lvl4pPr marL="1600200" indent="-228600">
+              <a:spcBef>
+                <a:spcPct val="20000"/>
+              </a:spcBef>
+              <a:buClr>
+                <a:srgbClr val="02B2CA"/>
+              </a:buClr>
+              <a:buSzPct val="55000"/>
+              <a:buFont typeface="Wingdings" panose="05000000000000000000" pitchFamily="2" charset="2"/>
+              <a:buChar char="n"/>
+              <a:defRPr sz="2000">
+                <a:solidFill>
+                  <a:schemeClr val="tx1"/>
+                </a:solidFill>
+                <a:latin typeface="Arial" panose="020B0604020202020204" pitchFamily="34" charset="0"/>
+              </a:defRPr>
+            </a:lvl4pPr>
+            <a:lvl5pPr marL="2057400" indent="-228600">
+              <a:spcBef>
+                <a:spcPct val="20000"/>
+              </a:spcBef>
+              <a:buClr>
+                <a:srgbClr val="A50021"/>
+              </a:buClr>
+              <a:buSzPct val="50000"/>
+              <a:buFont typeface="Wingdings" panose="05000000000000000000" pitchFamily="2" charset="2"/>
+              <a:buChar char="n"/>
+              <a:defRPr sz="2000">
+                <a:solidFill>
+                  <a:schemeClr val="tx1"/>
+                </a:solidFill>
+                <a:latin typeface="Arial" panose="020B0604020202020204" pitchFamily="34" charset="0"/>
+              </a:defRPr>
+            </a:lvl5pPr>
+            <a:lvl6pPr marL="2514600" indent="-228600" eaLnBrk="0" fontAlgn="base" hangingPunct="0">
+              <a:spcBef>
+                <a:spcPct val="20000"/>
+              </a:spcBef>
+              <a:spcAft>
+                <a:spcPct val="0"/>
+              </a:spcAft>
+              <a:buClr>
+                <a:srgbClr val="A50021"/>
+              </a:buClr>
+              <a:buSzPct val="50000"/>
+              <a:buFont typeface="Wingdings" panose="05000000000000000000" pitchFamily="2" charset="2"/>
+              <a:buChar char="n"/>
+              <a:defRPr sz="2000">
+                <a:solidFill>
+                  <a:schemeClr val="tx1"/>
+                </a:solidFill>
+                <a:latin typeface="Arial" panose="020B0604020202020204" pitchFamily="34" charset="0"/>
+              </a:defRPr>
+            </a:lvl6pPr>
+            <a:lvl7pPr marL="2971800" indent="-228600" eaLnBrk="0" fontAlgn="base" hangingPunct="0">
+              <a:spcBef>
+                <a:spcPct val="20000"/>
+              </a:spcBef>
+              <a:spcAft>
+                <a:spcPct val="0"/>
+              </a:spcAft>
+              <a:buClr>
+                <a:srgbClr val="A50021"/>
+              </a:buClr>
+              <a:buSzPct val="50000"/>
+              <a:buFont typeface="Wingdings" panose="05000000000000000000" pitchFamily="2" charset="2"/>
+              <a:buChar char="n"/>
+              <a:defRPr sz="2000">
+                <a:solidFill>
+                  <a:schemeClr val="tx1"/>
+                </a:solidFill>
+                <a:latin typeface="Arial" panose="020B0604020202020204" pitchFamily="34" charset="0"/>
+              </a:defRPr>
+            </a:lvl7pPr>
+            <a:lvl8pPr marL="3429000" indent="-228600" eaLnBrk="0" fontAlgn="base" hangingPunct="0">
+              <a:spcBef>
+                <a:spcPct val="20000"/>
+              </a:spcBef>
+              <a:spcAft>
+                <a:spcPct val="0"/>
+              </a:spcAft>
+              <a:buClr>
+                <a:srgbClr val="A50021"/>
+              </a:buClr>
+              <a:buSzPct val="50000"/>
+              <a:buFont typeface="Wingdings" panose="05000000000000000000" pitchFamily="2" charset="2"/>
+              <a:buChar char="n"/>
+              <a:defRPr sz="2000">
+                <a:solidFill>
+                  <a:schemeClr val="tx1"/>
+                </a:solidFill>
+                <a:latin typeface="Arial" panose="020B0604020202020204" pitchFamily="34" charset="0"/>
+              </a:defRPr>
+            </a:lvl8pPr>
+            <a:lvl9pPr marL="3886200" indent="-228600" eaLnBrk="0" fontAlgn="base" hangingPunct="0">
+              <a:spcBef>
+                <a:spcPct val="20000"/>
+              </a:spcBef>
+              <a:spcAft>
+                <a:spcPct val="0"/>
+              </a:spcAft>
+              <a:buClr>
+                <a:srgbClr val="A50021"/>
+              </a:buClr>
+              <a:buSzPct val="50000"/>
+              <a:buFont typeface="Wingdings" panose="05000000000000000000" pitchFamily="2" charset="2"/>
+              <a:buChar char="n"/>
+              <a:defRPr sz="2000">
+                <a:solidFill>
+                  <a:schemeClr val="tx1"/>
+                </a:solidFill>
+                <a:latin typeface="Arial" panose="020B0604020202020204" pitchFamily="34" charset="0"/>
+              </a:defRPr>
+            </a:lvl9pPr>
+          </a:lstStyle>
+          <a:p>
+            <a:pPr eaLnBrk="1" hangingPunct="1">
+              <a:spcBef>
+                <a:spcPct val="0"/>
+              </a:spcBef>
+              <a:buClrTx/>
+              <a:buSzTx/>
+              <a:buFontTx/>
+              <a:buNone/>
+            </a:pPr>
+            <a:endParaRPr lang="zh-CN" altLang="en-US" sz="2400">
+              <a:ea typeface="宋体" panose="02010600030101010101" pitchFamily="2" charset="-122"/>
+            </a:endParaRPr>
+          </a:p>
+        </p:txBody>
+      </p:sp>
+      <p:sp>
+        <p:nvSpPr>
+          <p:cNvPr id="81924" name="AutoShape 2">
+            <a:hlinkClick r:id="rId2" action="ppaction://hlinksldjump"/>
+          </p:cNvPr>
+          <p:cNvSpPr>
+            <a:spLocks noChangeArrowheads="1"/>
+          </p:cNvSpPr>
+          <p:nvPr/>
+        </p:nvSpPr>
+        <p:spPr bwMode="auto">
+          <a:xfrm>
+            <a:off x="5778500" y="704850"/>
+            <a:ext cx="1270000" cy="584200"/>
+          </a:xfrm>
+          <a:prstGeom prst="leftArrow">
+            <a:avLst>
+              <a:gd name="adj1" fmla="val 63046"/>
+              <a:gd name="adj2" fmla="val 43478"/>
+            </a:avLst>
+          </a:prstGeom>
+          <a:solidFill>
+            <a:srgbClr val="F8BE1A"/>
+          </a:solidFill>
+          <a:ln w="9525">
+            <a:solidFill>
+              <a:schemeClr val="tx2"/>
+            </a:solidFill>
+            <a:miter lim="800000"/>
+            <a:headEnd/>
+            <a:tailEnd/>
+          </a:ln>
+        </p:spPr>
+        <p:txBody>
+          <a:bodyPr wrap="none" anchor="ctr"/>
+          <a:lstStyle>
+            <a:lvl1pPr>
+              <a:spcBef>
+                <a:spcPct val="20000"/>
+              </a:spcBef>
+              <a:buClr>
+                <a:srgbClr val="A50021"/>
+              </a:buClr>
+              <a:buSzPct val="60000"/>
+              <a:buFont typeface="Wingdings" panose="05000000000000000000" pitchFamily="2" charset="2"/>
+              <a:buChar char="n"/>
+              <a:defRPr sz="2800">
+                <a:solidFill>
+                  <a:schemeClr val="tx1"/>
+                </a:solidFill>
+                <a:latin typeface="Arial" panose="020B0604020202020204" pitchFamily="34" charset="0"/>
+              </a:defRPr>
+            </a:lvl1pPr>
+            <a:lvl2pPr marL="742950" indent="-285750">
+              <a:spcBef>
+                <a:spcPct val="20000"/>
+              </a:spcBef>
+              <a:buClr>
+                <a:srgbClr val="02B2CA"/>
+              </a:buClr>
+              <a:buSzPct val="55000"/>
+              <a:buFont typeface="Wingdings" panose="05000000000000000000" pitchFamily="2" charset="2"/>
+              <a:buChar char="n"/>
+              <a:defRPr sz="2800">
+                <a:solidFill>
+                  <a:schemeClr val="tx1"/>
+                </a:solidFill>
+                <a:latin typeface="Arial" panose="020B0604020202020204" pitchFamily="34" charset="0"/>
+              </a:defRPr>
+            </a:lvl2pPr>
+            <a:lvl3pPr marL="1143000" indent="-228600">
+              <a:spcBef>
+                <a:spcPct val="20000"/>
+              </a:spcBef>
+              <a:buClr>
+                <a:srgbClr val="A50021"/>
+              </a:buClr>
+              <a:buSzPct val="50000"/>
+              <a:buFont typeface="Wingdings" panose="05000000000000000000" pitchFamily="2" charset="2"/>
+              <a:buChar char="n"/>
+              <a:defRPr sz="2400">
+                <a:solidFill>
+                  <a:schemeClr val="tx1"/>
+                </a:solidFill>
+                <a:latin typeface="Arial" panose="020B0604020202020204" pitchFamily="34" charset="0"/>
+              </a:defRPr>
+            </a:lvl3pPr>
+            <a:lvl4pPr marL="1600200" indent="-228600">
+              <a:spcBef>
+                <a:spcPct val="20000"/>
+              </a:spcBef>
+              <a:buClr>
+                <a:srgbClr val="02B2CA"/>
+              </a:buClr>
+              <a:buSzPct val="55000"/>
+              <a:buFont typeface="Wingdings" panose="05000000000000000000" pitchFamily="2" charset="2"/>
+              <a:buChar char="n"/>
+              <a:defRPr sz="2000">
+                <a:solidFill>
+                  <a:schemeClr val="tx1"/>
+                </a:solidFill>
+                <a:latin typeface="Arial" panose="020B0604020202020204" pitchFamily="34" charset="0"/>
+              </a:defRPr>
+            </a:lvl4pPr>
+            <a:lvl5pPr marL="2057400" indent="-228600">
+              <a:spcBef>
+                <a:spcPct val="20000"/>
+              </a:spcBef>
+              <a:buClr>
+                <a:srgbClr val="A50021"/>
+              </a:buClr>
+              <a:buSzPct val="50000"/>
+              <a:buFont typeface="Wingdings" panose="05000000000000000000" pitchFamily="2" charset="2"/>
+              <a:buChar char="n"/>
+              <a:defRPr sz="2000">
+                <a:solidFill>
+                  <a:schemeClr val="tx1"/>
+                </a:solidFill>
+                <a:latin typeface="Arial" panose="020B0604020202020204" pitchFamily="34" charset="0"/>
+              </a:defRPr>
+            </a:lvl5pPr>
+            <a:lvl6pPr marL="2514600" indent="-228600" eaLnBrk="0" fontAlgn="base" hangingPunct="0">
+              <a:spcBef>
+                <a:spcPct val="20000"/>
+              </a:spcBef>
+              <a:spcAft>
+                <a:spcPct val="0"/>
+              </a:spcAft>
+              <a:buClr>
+                <a:srgbClr val="A50021"/>
+              </a:buClr>
+              <a:buSzPct val="50000"/>
+              <a:buFont typeface="Wingdings" panose="05000000000000000000" pitchFamily="2" charset="2"/>
+              <a:buChar char="n"/>
+              <a:defRPr sz="2000">
+                <a:solidFill>
+                  <a:schemeClr val="tx1"/>
+                </a:solidFill>
+                <a:latin typeface="Arial" panose="020B0604020202020204" pitchFamily="34" charset="0"/>
+              </a:defRPr>
+            </a:lvl6pPr>
+            <a:lvl7pPr marL="2971800" indent="-228600" eaLnBrk="0" fontAlgn="base" hangingPunct="0">
+              <a:spcBef>
+                <a:spcPct val="20000"/>
+              </a:spcBef>
+              <a:spcAft>
+                <a:spcPct val="0"/>
+              </a:spcAft>
+              <a:buClr>
+                <a:srgbClr val="A50021"/>
+              </a:buClr>
+              <a:buSzPct val="50000"/>
+              <a:buFont typeface="Wingdings" panose="05000000000000000000" pitchFamily="2" charset="2"/>
+              <a:buChar char="n"/>
+              <a:defRPr sz="2000">
+                <a:solidFill>
+                  <a:schemeClr val="tx1"/>
+                </a:solidFill>
+                <a:latin typeface="Arial" panose="020B0604020202020204" pitchFamily="34" charset="0"/>
+              </a:defRPr>
+            </a:lvl7pPr>
+            <a:lvl8pPr marL="3429000" indent="-228600" eaLnBrk="0" fontAlgn="base" hangingPunct="0">
+              <a:spcBef>
+                <a:spcPct val="20000"/>
+              </a:spcBef>
+              <a:spcAft>
+                <a:spcPct val="0"/>
+              </a:spcAft>
+              <a:buClr>
+                <a:srgbClr val="A50021"/>
+              </a:buClr>
+              <a:buSzPct val="50000"/>
+              <a:buFont typeface="Wingdings" panose="05000000000000000000" pitchFamily="2" charset="2"/>
+              <a:buChar char="n"/>
+              <a:defRPr sz="2000">
+                <a:solidFill>
+                  <a:schemeClr val="tx1"/>
+                </a:solidFill>
+                <a:latin typeface="Arial" panose="020B0604020202020204" pitchFamily="34" charset="0"/>
+              </a:defRPr>
+            </a:lvl8pPr>
+            <a:lvl9pPr marL="3886200" indent="-228600" eaLnBrk="0" fontAlgn="base" hangingPunct="0">
+              <a:spcBef>
+                <a:spcPct val="20000"/>
+              </a:spcBef>
+              <a:spcAft>
+                <a:spcPct val="0"/>
+              </a:spcAft>
+              <a:buClr>
+                <a:srgbClr val="A50021"/>
+              </a:buClr>
+              <a:buSzPct val="50000"/>
+              <a:buFont typeface="Wingdings" panose="05000000000000000000" pitchFamily="2" charset="2"/>
+              <a:buChar char="n"/>
+              <a:defRPr sz="2000">
+                <a:solidFill>
+                  <a:schemeClr val="tx1"/>
+                </a:solidFill>
+                <a:latin typeface="Arial" panose="020B0604020202020204" pitchFamily="34" charset="0"/>
+              </a:defRPr>
+            </a:lvl9pPr>
+          </a:lstStyle>
+          <a:p>
+            <a:pPr algn="ctr" eaLnBrk="1" hangingPunct="1">
+              <a:buClr>
+                <a:srgbClr val="CC0000"/>
+              </a:buClr>
+              <a:buSzTx/>
+              <a:buFont typeface="Wingdings" panose="05000000000000000000" pitchFamily="2" charset="2"/>
+              <a:buNone/>
+            </a:pPr>
+            <a:r>
+              <a:rPr lang="en-US" altLang="zh-CN">
+                <a:solidFill>
+                  <a:schemeClr val="tx2"/>
+                </a:solidFill>
+                <a:ea typeface="宋体" panose="02010600030101010101" pitchFamily="2" charset="-122"/>
+              </a:rPr>
+              <a:t>Back</a:t>
+            </a:r>
+          </a:p>
+        </p:txBody>
+      </p:sp>
+      <p:sp>
+        <p:nvSpPr>
+          <p:cNvPr id="81925" name="AutoShape 3">
+            <a:hlinkClick r:id="rId3" action="ppaction://hlinksldjump"/>
+          </p:cNvPr>
+          <p:cNvSpPr>
+            <a:spLocks noChangeArrowheads="1"/>
+          </p:cNvSpPr>
+          <p:nvPr/>
+        </p:nvSpPr>
+        <p:spPr bwMode="auto">
+          <a:xfrm>
+            <a:off x="7264400" y="666750"/>
+            <a:ext cx="1066800" cy="635000"/>
+          </a:xfrm>
+          <a:prstGeom prst="rightArrow">
+            <a:avLst>
+              <a:gd name="adj1" fmla="val 57843"/>
+              <a:gd name="adj2" fmla="val 43999"/>
+            </a:avLst>
+          </a:prstGeom>
+          <a:solidFill>
+            <a:srgbClr val="F8BE1A"/>
+          </a:solidFill>
+          <a:ln w="9525">
+            <a:solidFill>
+              <a:schemeClr val="tx2"/>
+            </a:solidFill>
+            <a:miter lim="800000"/>
+            <a:headEnd/>
+            <a:tailEnd/>
+          </a:ln>
+        </p:spPr>
+        <p:txBody>
+          <a:bodyPr wrap="none" anchor="ctr"/>
+          <a:lstStyle>
+            <a:lvl1pPr>
+              <a:spcBef>
+                <a:spcPct val="20000"/>
+              </a:spcBef>
+              <a:buClr>
+                <a:srgbClr val="A50021"/>
+              </a:buClr>
+              <a:buSzPct val="60000"/>
+              <a:buFont typeface="Wingdings" panose="05000000000000000000" pitchFamily="2" charset="2"/>
+              <a:buChar char="n"/>
+              <a:defRPr sz="2800">
+                <a:solidFill>
+                  <a:schemeClr val="tx1"/>
+                </a:solidFill>
+                <a:latin typeface="Arial" panose="020B0604020202020204" pitchFamily="34" charset="0"/>
+              </a:defRPr>
+            </a:lvl1pPr>
+            <a:lvl2pPr marL="742950" indent="-285750">
+              <a:spcBef>
+                <a:spcPct val="20000"/>
+              </a:spcBef>
+              <a:buClr>
+                <a:srgbClr val="02B2CA"/>
+              </a:buClr>
+              <a:buSzPct val="55000"/>
+              <a:buFont typeface="Wingdings" panose="05000000000000000000" pitchFamily="2" charset="2"/>
+              <a:buChar char="n"/>
+              <a:defRPr sz="2800">
+                <a:solidFill>
+                  <a:schemeClr val="tx1"/>
+                </a:solidFill>
+                <a:latin typeface="Arial" panose="020B0604020202020204" pitchFamily="34" charset="0"/>
+              </a:defRPr>
+            </a:lvl2pPr>
+            <a:lvl3pPr marL="1143000" indent="-228600">
+              <a:spcBef>
+                <a:spcPct val="20000"/>
+              </a:spcBef>
+              <a:buClr>
+                <a:srgbClr val="A50021"/>
+              </a:buClr>
+              <a:buSzPct val="50000"/>
+              <a:buFont typeface="Wingdings" panose="05000000000000000000" pitchFamily="2" charset="2"/>
+              <a:buChar char="n"/>
+              <a:defRPr sz="2400">
+                <a:solidFill>
+                  <a:schemeClr val="tx1"/>
+                </a:solidFill>
+                <a:latin typeface="Arial" panose="020B0604020202020204" pitchFamily="34" charset="0"/>
+              </a:defRPr>
+            </a:lvl3pPr>
+            <a:lvl4pPr marL="1600200" indent="-228600">
+              <a:spcBef>
+                <a:spcPct val="20000"/>
+              </a:spcBef>
+              <a:buClr>
+                <a:srgbClr val="02B2CA"/>
+              </a:buClr>
+              <a:buSzPct val="55000"/>
+              <a:buFont typeface="Wingdings" panose="05000000000000000000" pitchFamily="2" charset="2"/>
+              <a:buChar char="n"/>
+              <a:defRPr sz="2000">
+                <a:solidFill>
+                  <a:schemeClr val="tx1"/>
+                </a:solidFill>
+                <a:latin typeface="Arial" panose="020B0604020202020204" pitchFamily="34" charset="0"/>
+              </a:defRPr>
+            </a:lvl4pPr>
+            <a:lvl5pPr marL="2057400" indent="-228600">
+              <a:spcBef>
+                <a:spcPct val="20000"/>
+              </a:spcBef>
+              <a:buClr>
+                <a:srgbClr val="A50021"/>
+              </a:buClr>
+              <a:buSzPct val="50000"/>
+              <a:buFont typeface="Wingdings" panose="05000000000000000000" pitchFamily="2" charset="2"/>
+              <a:buChar char="n"/>
+              <a:defRPr sz="2000">
+                <a:solidFill>
+                  <a:schemeClr val="tx1"/>
+                </a:solidFill>
+                <a:latin typeface="Arial" panose="020B0604020202020204" pitchFamily="34" charset="0"/>
+              </a:defRPr>
+            </a:lvl5pPr>
+            <a:lvl6pPr marL="2514600" indent="-228600" eaLnBrk="0" fontAlgn="base" hangingPunct="0">
+              <a:spcBef>
+                <a:spcPct val="20000"/>
+              </a:spcBef>
+              <a:spcAft>
+                <a:spcPct val="0"/>
+              </a:spcAft>
+              <a:buClr>
+                <a:srgbClr val="A50021"/>
+              </a:buClr>
+              <a:buSzPct val="50000"/>
+              <a:buFont typeface="Wingdings" panose="05000000000000000000" pitchFamily="2" charset="2"/>
+              <a:buChar char="n"/>
+              <a:defRPr sz="2000">
+                <a:solidFill>
+                  <a:schemeClr val="tx1"/>
+                </a:solidFill>
+                <a:latin typeface="Arial" panose="020B0604020202020204" pitchFamily="34" charset="0"/>
+              </a:defRPr>
+            </a:lvl6pPr>
+            <a:lvl7pPr marL="2971800" indent="-228600" eaLnBrk="0" fontAlgn="base" hangingPunct="0">
+              <a:spcBef>
+                <a:spcPct val="20000"/>
+              </a:spcBef>
+              <a:spcAft>
+                <a:spcPct val="0"/>
+              </a:spcAft>
+              <a:buClr>
+                <a:srgbClr val="A50021"/>
+              </a:buClr>
+              <a:buSzPct val="50000"/>
+              <a:buFont typeface="Wingdings" panose="05000000000000000000" pitchFamily="2" charset="2"/>
+              <a:buChar char="n"/>
+              <a:defRPr sz="2000">
+                <a:solidFill>
+                  <a:schemeClr val="tx1"/>
+                </a:solidFill>
+                <a:latin typeface="Arial" panose="020B0604020202020204" pitchFamily="34" charset="0"/>
+              </a:defRPr>
+            </a:lvl7pPr>
+            <a:lvl8pPr marL="3429000" indent="-228600" eaLnBrk="0" fontAlgn="base" hangingPunct="0">
+              <a:spcBef>
+                <a:spcPct val="20000"/>
+              </a:spcBef>
+              <a:spcAft>
+                <a:spcPct val="0"/>
+              </a:spcAft>
+              <a:buClr>
+                <a:srgbClr val="A50021"/>
+              </a:buClr>
+              <a:buSzPct val="50000"/>
+              <a:buFont typeface="Wingdings" panose="05000000000000000000" pitchFamily="2" charset="2"/>
+              <a:buChar char="n"/>
+              <a:defRPr sz="2000">
+                <a:solidFill>
+                  <a:schemeClr val="tx1"/>
+                </a:solidFill>
+                <a:latin typeface="Arial" panose="020B0604020202020204" pitchFamily="34" charset="0"/>
+              </a:defRPr>
+            </a:lvl8pPr>
+            <a:lvl9pPr marL="3886200" indent="-228600" eaLnBrk="0" fontAlgn="base" hangingPunct="0">
+              <a:spcBef>
+                <a:spcPct val="20000"/>
+              </a:spcBef>
+              <a:spcAft>
+                <a:spcPct val="0"/>
+              </a:spcAft>
+              <a:buClr>
+                <a:srgbClr val="A50021"/>
+              </a:buClr>
+              <a:buSzPct val="50000"/>
+              <a:buFont typeface="Wingdings" panose="05000000000000000000" pitchFamily="2" charset="2"/>
+              <a:buChar char="n"/>
+              <a:defRPr sz="2000">
+                <a:solidFill>
+                  <a:schemeClr val="tx1"/>
+                </a:solidFill>
+                <a:latin typeface="Arial" panose="020B0604020202020204" pitchFamily="34" charset="0"/>
+              </a:defRPr>
+            </a:lvl9pPr>
+          </a:lstStyle>
+          <a:p>
+            <a:pPr algn="ctr" eaLnBrk="1" hangingPunct="1">
+              <a:buClr>
+                <a:srgbClr val="CC0000"/>
+              </a:buClr>
+              <a:buSzTx/>
+              <a:buFont typeface="Wingdings" panose="05000000000000000000" pitchFamily="2" charset="2"/>
+              <a:buNone/>
+            </a:pPr>
+            <a:r>
+              <a:rPr lang="en-US" altLang="zh-CN">
+                <a:solidFill>
+                  <a:schemeClr val="tx2"/>
+                </a:solidFill>
+                <a:ea typeface="宋体" panose="02010600030101010101" pitchFamily="2" charset="-122"/>
+              </a:rPr>
+              <a:t>Next</a:t>
+            </a:r>
+          </a:p>
+        </p:txBody>
+      </p:sp>
+      <p:pic>
+        <p:nvPicPr>
+          <p:cNvPr id="81926" name="Picture 4" descr="16"/>
+          <p:cNvPicPr>
+            <a:picLocks noChangeAspect="1" noChangeArrowheads="1"/>
+          </p:cNvPicPr>
+          <p:nvPr/>
+        </p:nvPicPr>
+        <p:blipFill>
+          <a:blip r:embed="rId4">
+            <a:extLst>
+              <a:ext uri="{28A0092B-C50C-407E-A947-70E740481C1C}">
+                <a14:useLocalDpi xmlns:a14="http://schemas.microsoft.com/office/drawing/2010/main" val="0"/>
+              </a:ext>
+            </a:extLst>
+          </a:blip>
+          <a:srcRect/>
+          <a:stretch>
+            <a:fillRect/>
+          </a:stretch>
+        </p:blipFill>
+        <p:spPr bwMode="auto">
+          <a:xfrm>
+            <a:off x="165100" y="193675"/>
+            <a:ext cx="4497388" cy="6235700"/>
+          </a:xfrm>
+          <a:prstGeom prst="rect">
+            <a:avLst/>
+          </a:prstGeom>
+          <a:noFill/>
+          <a:ln>
+            <a:noFill/>
+          </a:ln>
+          <a:extLst>
+            <a:ext uri="{909E8E84-426E-40DD-AFC4-6F175D3DCCD1}">
+              <a14:hiddenFill xmlns:a14="http://schemas.microsoft.com/office/drawing/2010/main">
+                <a:solidFill>
+                  <a:srgbClr val="FFFFFF"/>
+                </a:solidFill>
+              </a14:hiddenFill>
+            </a:ext>
+            <a:ext uri="{91240B29-F687-4F45-9708-019B960494DF}">
+              <a14:hiddenLine xmlns:a14="http://schemas.microsoft.com/office/drawing/2010/main" w="9525">
+                <a:solidFill>
+                  <a:srgbClr val="000000"/>
+                </a:solidFill>
+                <a:miter lim="800000"/>
+                <a:headEnd/>
+                <a:tailEnd/>
+              </a14:hiddenLine>
+            </a:ext>
+          </a:extLst>
+        </p:spPr>
+      </p:pic>
+      <p:sp>
+        <p:nvSpPr>
+          <p:cNvPr id="81927" name="Rectangle 5"/>
+          <p:cNvSpPr>
+            <a:spLocks noGrp="1" noChangeArrowheads="1"/>
+          </p:cNvSpPr>
+          <p:nvPr>
+            <p:ph type="title"/>
+          </p:nvPr>
+        </p:nvSpPr>
+        <p:spPr>
+          <a:xfrm>
+            <a:off x="5029200" y="228600"/>
+            <a:ext cx="4038600" cy="476250"/>
+          </a:xfrm>
+        </p:spPr>
+        <p:txBody>
+          <a:bodyPr/>
+          <a:lstStyle/>
+          <a:p>
+            <a:pPr eaLnBrk="1" hangingPunct="1"/>
+            <a:r>
+              <a:rPr lang="en-US" altLang="zh-CN" smtClean="0">
+                <a:ea typeface="宋体" panose="02010600030101010101" pitchFamily="2" charset="-122"/>
+              </a:rPr>
+              <a:t>Display 10.12 (2/2)</a:t>
+            </a:r>
+          </a:p>
+        </p:txBody>
+      </p:sp>
+    </p:spTree>
+  </p:cSld>
+  <p:clrMapOvr>
+    <a:masterClrMapping/>
+  </p:clrMapOvr>
+  <p:transition spd="med" advClick="0">
     <p:wipe dir="r"/>
   </p:transition>
   <p:timing>

--- a/ppt/Chapter 15.pptx
+++ b/ppt/Chapter 15.pptx
@@ -941,6 +941,96 @@
     </a:lvl9pPr>
   </p:notesStyle>
 </p:notesMaster>
+</file>
+
+<file path=ppt/notesSlides/notesSlide1.xml><?xml version="1.0" encoding="utf-8"?>
+<p:notes xmlns:a="http://schemas.openxmlformats.org/drawingml/2006/main" xmlns:r="http://schemas.openxmlformats.org/officeDocument/2006/relationships" xmlns:p="http://schemas.openxmlformats.org/presentationml/2006/main">
+  <p:cSld>
+    <p:spTree>
+      <p:nvGrpSpPr>
+        <p:cNvPr id="1" name=""/>
+        <p:cNvGrpSpPr/>
+        <p:nvPr/>
+      </p:nvGrpSpPr>
+      <p:grpSpPr>
+        <a:xfrm>
+          <a:off x="0" y="0"/>
+          <a:ext cx="0" cy="0"/>
+          <a:chOff x="0" y="0"/>
+          <a:chExt cx="0" cy="0"/>
+        </a:xfrm>
+      </p:grpSpPr>
+      <p:sp>
+        <p:nvSpPr>
+          <p:cNvPr id="2" name="幻灯片图像占位符 1"/>
+          <p:cNvSpPr>
+            <a:spLocks noGrp="1" noRot="1" noChangeAspect="1"/>
+          </p:cNvSpPr>
+          <p:nvPr>
+            <p:ph type="sldImg"/>
+          </p:nvPr>
+        </p:nvSpPr>
+        <p:spPr/>
+      </p:sp>
+      <p:sp>
+        <p:nvSpPr>
+          <p:cNvPr id="3" name="备注占位符 2"/>
+          <p:cNvSpPr>
+            <a:spLocks noGrp="1"/>
+          </p:cNvSpPr>
+          <p:nvPr>
+            <p:ph type="body" idx="1"/>
+          </p:nvPr>
+        </p:nvSpPr>
+        <p:spPr/>
+        <p:txBody>
+          <a:bodyPr/>
+          <a:lstStyle/>
+          <a:p>
+            <a:endParaRPr kumimoji="1" lang="zh-CN" altLang="en-US"/>
+          </a:p>
+        </p:txBody>
+      </p:sp>
+      <p:sp>
+        <p:nvSpPr>
+          <p:cNvPr id="4" name="幻灯片编号占位符 3"/>
+          <p:cNvSpPr>
+            <a:spLocks noGrp="1"/>
+          </p:cNvSpPr>
+          <p:nvPr>
+            <p:ph type="sldNum" sz="quarter" idx="10"/>
+          </p:nvPr>
+        </p:nvSpPr>
+        <p:spPr/>
+        <p:txBody>
+          <a:bodyPr/>
+          <a:lstStyle/>
+          <a:p>
+            <a:pPr>
+              <a:defRPr/>
+            </a:pPr>
+            <a:fld id="{E6DE335D-89D5-4518-90B5-C506F8075183}" type="slidenum">
+              <a:rPr lang="en-CA" altLang="zh-CN" smtClean="0"/>
+              <a:pPr>
+                <a:defRPr/>
+              </a:pPr>
+              <a:t>1</a:t>
+            </a:fld>
+            <a:endParaRPr lang="en-CA" altLang="zh-CN"/>
+          </a:p>
+        </p:txBody>
+      </p:sp>
+    </p:spTree>
+    <p:extLst>
+      <p:ext uri="{BB962C8B-B14F-4D97-AF65-F5344CB8AC3E}">
+        <p14:creationId xmlns:p14="http://schemas.microsoft.com/office/powerpoint/2010/main" val="629899622"/>
+      </p:ext>
+    </p:extLst>
+  </p:cSld>
+  <p:clrMapOvr>
+    <a:masterClrMapping/>
+  </p:clrMapOvr>
+</p:notes>
 </file>
 
 <file path=ppt/slideLayouts/slideLayout1.xml><?xml version="1.0" encoding="utf-8"?>
@@ -4628,6 +4718,39 @@
           </a:p>
         </p:txBody>
       </p:sp>
+      <p:sp>
+        <p:nvSpPr>
+          <p:cNvPr id="2" name="幻灯片编号占位符 1"/>
+          <p:cNvSpPr>
+            <a:spLocks noGrp="1"/>
+          </p:cNvSpPr>
+          <p:nvPr>
+            <p:ph type="sldNum" sz="quarter" idx="10"/>
+          </p:nvPr>
+        </p:nvSpPr>
+        <p:spPr/>
+        <p:txBody>
+          <a:bodyPr/>
+          <a:lstStyle/>
+          <a:p>
+            <a:pPr>
+              <a:defRPr/>
+            </a:pPr>
+            <a:r>
+              <a:rPr lang="en-US" altLang="zh-CN" smtClean="0"/>
+              <a:t>Slide 15- </a:t>
+            </a:r>
+            <a:fld id="{86ACEE91-0C2C-48A0-9361-F88B651F831B}" type="slidenum">
+              <a:rPr lang="en-US" altLang="zh-CN" smtClean="0"/>
+              <a:pPr>
+                <a:defRPr/>
+              </a:pPr>
+              <a:t>1</a:t>
+            </a:fld>
+            <a:endParaRPr lang="en-CA" altLang="zh-CN"/>
+          </a:p>
+        </p:txBody>
+      </p:sp>
     </p:spTree>
     <p:extLst>
       <p:ext uri="{BB962C8B-B14F-4D97-AF65-F5344CB8AC3E}">
@@ -4765,6 +4888,39 @@
           </a:p>
         </p:txBody>
       </p:sp>
+      <p:sp>
+        <p:nvSpPr>
+          <p:cNvPr id="2" name="幻灯片编号占位符 1"/>
+          <p:cNvSpPr>
+            <a:spLocks noGrp="1"/>
+          </p:cNvSpPr>
+          <p:nvPr>
+            <p:ph type="sldNum" sz="quarter" idx="10"/>
+          </p:nvPr>
+        </p:nvSpPr>
+        <p:spPr/>
+        <p:txBody>
+          <a:bodyPr/>
+          <a:lstStyle/>
+          <a:p>
+            <a:pPr>
+              <a:defRPr/>
+            </a:pPr>
+            <a:r>
+              <a:rPr lang="en-US" altLang="zh-CN" smtClean="0"/>
+              <a:t>Slide 15- </a:t>
+            </a:r>
+            <a:fld id="{B3B8002B-5056-493A-AFCD-026EC2EEC3A1}" type="slidenum">
+              <a:rPr lang="en-US" altLang="zh-CN" smtClean="0"/>
+              <a:pPr>
+                <a:defRPr/>
+              </a:pPr>
+              <a:t>10</a:t>
+            </a:fld>
+            <a:endParaRPr lang="en-CA" altLang="zh-CN"/>
+          </a:p>
+        </p:txBody>
+      </p:sp>
     </p:spTree>
   </p:cSld>
   <p:clrMapOvr>
@@ -5141,6 +5297,39 @@
               </a:rPr>
               <a:t>Implementing a Derived Class</a:t>
             </a:r>
+          </a:p>
+        </p:txBody>
+      </p:sp>
+      <p:sp>
+        <p:nvSpPr>
+          <p:cNvPr id="2" name="幻灯片编号占位符 1"/>
+          <p:cNvSpPr>
+            <a:spLocks noGrp="1"/>
+          </p:cNvSpPr>
+          <p:nvPr>
+            <p:ph type="sldNum" sz="quarter" idx="10"/>
+          </p:nvPr>
+        </p:nvSpPr>
+        <p:spPr/>
+        <p:txBody>
+          <a:bodyPr/>
+          <a:lstStyle/>
+          <a:p>
+            <a:pPr>
+              <a:defRPr/>
+            </a:pPr>
+            <a:r>
+              <a:rPr lang="en-US" altLang="zh-CN" smtClean="0"/>
+              <a:t>Slide 15- </a:t>
+            </a:r>
+            <a:fld id="{B3B8002B-5056-493A-AFCD-026EC2EEC3A1}" type="slidenum">
+              <a:rPr lang="en-US" altLang="zh-CN" smtClean="0"/>
+              <a:pPr>
+                <a:defRPr/>
+              </a:pPr>
+              <a:t>11</a:t>
+            </a:fld>
+            <a:endParaRPr lang="en-CA" altLang="zh-CN"/>
           </a:p>
         </p:txBody>
       </p:sp>
@@ -5883,6 +6072,39 @@
               </a:rPr>
               <a:t>Class SalariedEmployee</a:t>
             </a:r>
+          </a:p>
+        </p:txBody>
+      </p:sp>
+      <p:sp>
+        <p:nvSpPr>
+          <p:cNvPr id="2" name="幻灯片编号占位符 1"/>
+          <p:cNvSpPr>
+            <a:spLocks noGrp="1"/>
+          </p:cNvSpPr>
+          <p:nvPr>
+            <p:ph type="sldNum" sz="quarter" idx="10"/>
+          </p:nvPr>
+        </p:nvSpPr>
+        <p:spPr/>
+        <p:txBody>
+          <a:bodyPr/>
+          <a:lstStyle/>
+          <a:p>
+            <a:pPr>
+              <a:defRPr/>
+            </a:pPr>
+            <a:r>
+              <a:rPr lang="en-US" altLang="zh-CN" smtClean="0"/>
+              <a:t>Slide 15- </a:t>
+            </a:r>
+            <a:fld id="{B3B8002B-5056-493A-AFCD-026EC2EEC3A1}" type="slidenum">
+              <a:rPr lang="en-US" altLang="zh-CN" smtClean="0"/>
+              <a:pPr>
+                <a:defRPr/>
+              </a:pPr>
+              <a:t>12</a:t>
+            </a:fld>
+            <a:endParaRPr lang="en-CA" altLang="zh-CN"/>
           </a:p>
         </p:txBody>
       </p:sp>
@@ -6240,6 +6462,39 @@
           </a:p>
         </p:txBody>
       </p:sp>
+      <p:sp>
+        <p:nvSpPr>
+          <p:cNvPr id="2" name="幻灯片编号占位符 1"/>
+          <p:cNvSpPr>
+            <a:spLocks noGrp="1"/>
+          </p:cNvSpPr>
+          <p:nvPr>
+            <p:ph type="sldNum" sz="quarter" idx="10"/>
+          </p:nvPr>
+        </p:nvSpPr>
+        <p:spPr/>
+        <p:txBody>
+          <a:bodyPr/>
+          <a:lstStyle/>
+          <a:p>
+            <a:pPr>
+              <a:defRPr/>
+            </a:pPr>
+            <a:r>
+              <a:rPr lang="en-US" altLang="zh-CN" smtClean="0"/>
+              <a:t>Slide 15- </a:t>
+            </a:r>
+            <a:fld id="{B3B8002B-5056-493A-AFCD-026EC2EEC3A1}" type="slidenum">
+              <a:rPr lang="en-US" altLang="zh-CN" smtClean="0"/>
+              <a:pPr>
+                <a:defRPr/>
+              </a:pPr>
+              <a:t>13</a:t>
+            </a:fld>
+            <a:endParaRPr lang="en-CA" altLang="zh-CN"/>
+          </a:p>
+        </p:txBody>
+      </p:sp>
     </p:spTree>
   </p:cSld>
   <p:clrMapOvr>
@@ -6349,6 +6604,39 @@
               </a:rPr>
               <a:t>An ancestor cannot be used wherever one of its descendents can be used </a:t>
             </a:r>
+          </a:p>
+        </p:txBody>
+      </p:sp>
+      <p:sp>
+        <p:nvSpPr>
+          <p:cNvPr id="2" name="幻灯片编号占位符 1"/>
+          <p:cNvSpPr>
+            <a:spLocks noGrp="1"/>
+          </p:cNvSpPr>
+          <p:nvPr>
+            <p:ph type="sldNum" sz="quarter" idx="10"/>
+          </p:nvPr>
+        </p:nvSpPr>
+        <p:spPr/>
+        <p:txBody>
+          <a:bodyPr/>
+          <a:lstStyle/>
+          <a:p>
+            <a:pPr>
+              <a:defRPr/>
+            </a:pPr>
+            <a:r>
+              <a:rPr lang="en-US" altLang="zh-CN" smtClean="0"/>
+              <a:t>Slide 15- </a:t>
+            </a:r>
+            <a:fld id="{B3B8002B-5056-493A-AFCD-026EC2EEC3A1}" type="slidenum">
+              <a:rPr lang="en-US" altLang="zh-CN" smtClean="0"/>
+              <a:pPr>
+                <a:defRPr/>
+              </a:pPr>
+              <a:t>14</a:t>
+            </a:fld>
+            <a:endParaRPr lang="en-CA" altLang="zh-CN"/>
           </a:p>
         </p:txBody>
       </p:sp>
@@ -6927,6 +7215,39 @@
               </a:rPr>
               <a:t>Derived Class Constructors</a:t>
             </a:r>
+          </a:p>
+        </p:txBody>
+      </p:sp>
+      <p:sp>
+        <p:nvSpPr>
+          <p:cNvPr id="2" name="幻灯片编号占位符 1"/>
+          <p:cNvSpPr>
+            <a:spLocks noGrp="1"/>
+          </p:cNvSpPr>
+          <p:nvPr>
+            <p:ph type="sldNum" sz="quarter" idx="10"/>
+          </p:nvPr>
+        </p:nvSpPr>
+        <p:spPr/>
+        <p:txBody>
+          <a:bodyPr/>
+          <a:lstStyle/>
+          <a:p>
+            <a:pPr>
+              <a:defRPr/>
+            </a:pPr>
+            <a:r>
+              <a:rPr lang="en-US" altLang="zh-CN" smtClean="0"/>
+              <a:t>Slide 15- </a:t>
+            </a:r>
+            <a:fld id="{B3B8002B-5056-493A-AFCD-026EC2EEC3A1}" type="slidenum">
+              <a:rPr lang="en-US" altLang="zh-CN" smtClean="0"/>
+              <a:pPr>
+                <a:defRPr/>
+              </a:pPr>
+              <a:t>15</a:t>
+            </a:fld>
+            <a:endParaRPr lang="en-CA" altLang="zh-CN"/>
           </a:p>
         </p:txBody>
       </p:sp>
@@ -7240,6 +7561,39 @@
           </a:p>
         </p:txBody>
       </p:sp>
+      <p:sp>
+        <p:nvSpPr>
+          <p:cNvPr id="2" name="幻灯片编号占位符 1"/>
+          <p:cNvSpPr>
+            <a:spLocks noGrp="1"/>
+          </p:cNvSpPr>
+          <p:nvPr>
+            <p:ph type="sldNum" sz="quarter" idx="10"/>
+          </p:nvPr>
+        </p:nvSpPr>
+        <p:spPr/>
+        <p:txBody>
+          <a:bodyPr/>
+          <a:lstStyle/>
+          <a:p>
+            <a:pPr>
+              <a:defRPr/>
+            </a:pPr>
+            <a:r>
+              <a:rPr lang="en-US" altLang="zh-CN" smtClean="0"/>
+              <a:t>Slide 15- </a:t>
+            </a:r>
+            <a:fld id="{B3B8002B-5056-493A-AFCD-026EC2EEC3A1}" type="slidenum">
+              <a:rPr lang="en-US" altLang="zh-CN" smtClean="0"/>
+              <a:pPr>
+                <a:defRPr/>
+              </a:pPr>
+              <a:t>16</a:t>
+            </a:fld>
+            <a:endParaRPr lang="en-CA" altLang="zh-CN"/>
+          </a:p>
+        </p:txBody>
+      </p:sp>
     </p:spTree>
   </p:cSld>
   <p:clrMapOvr>
@@ -7524,6 +7878,39 @@
               </a:rPr>
               <a:t> is a private member of Employee!</a:t>
             </a:r>
+          </a:p>
+        </p:txBody>
+      </p:sp>
+      <p:sp>
+        <p:nvSpPr>
+          <p:cNvPr id="2" name="幻灯片编号占位符 1"/>
+          <p:cNvSpPr>
+            <a:spLocks noGrp="1"/>
+          </p:cNvSpPr>
+          <p:nvPr>
+            <p:ph type="sldNum" sz="quarter" idx="10"/>
+          </p:nvPr>
+        </p:nvSpPr>
+        <p:spPr/>
+        <p:txBody>
+          <a:bodyPr/>
+          <a:lstStyle/>
+          <a:p>
+            <a:pPr>
+              <a:defRPr/>
+            </a:pPr>
+            <a:r>
+              <a:rPr lang="en-US" altLang="zh-CN" smtClean="0"/>
+              <a:t>Slide 15- </a:t>
+            </a:r>
+            <a:fld id="{B3B8002B-5056-493A-AFCD-026EC2EEC3A1}" type="slidenum">
+              <a:rPr lang="en-US" altLang="zh-CN" smtClean="0"/>
+              <a:pPr>
+                <a:defRPr/>
+              </a:pPr>
+              <a:t>17</a:t>
+            </a:fld>
+            <a:endParaRPr lang="en-CA" altLang="zh-CN"/>
           </a:p>
         </p:txBody>
       </p:sp>
@@ -7822,6 +8209,39 @@
           </a:p>
         </p:txBody>
       </p:sp>
+      <p:sp>
+        <p:nvSpPr>
+          <p:cNvPr id="2" name="幻灯片编号占位符 1"/>
+          <p:cNvSpPr>
+            <a:spLocks noGrp="1"/>
+          </p:cNvSpPr>
+          <p:nvPr>
+            <p:ph type="sldNum" sz="quarter" idx="10"/>
+          </p:nvPr>
+        </p:nvSpPr>
+        <p:spPr/>
+        <p:txBody>
+          <a:bodyPr/>
+          <a:lstStyle/>
+          <a:p>
+            <a:pPr>
+              <a:defRPr/>
+            </a:pPr>
+            <a:r>
+              <a:rPr lang="en-US" altLang="zh-CN" smtClean="0"/>
+              <a:t>Slide 15- </a:t>
+            </a:r>
+            <a:fld id="{B3B8002B-5056-493A-AFCD-026EC2EEC3A1}" type="slidenum">
+              <a:rPr lang="en-US" altLang="zh-CN" smtClean="0"/>
+              <a:pPr>
+                <a:defRPr/>
+              </a:pPr>
+              <a:t>18</a:t>
+            </a:fld>
+            <a:endParaRPr lang="en-CA" altLang="zh-CN"/>
+          </a:p>
+        </p:txBody>
+      </p:sp>
     </p:spTree>
   </p:cSld>
   <p:clrMapOvr>
@@ -7967,6 +8387,39 @@
           </a:p>
         </p:txBody>
       </p:sp>
+      <p:sp>
+        <p:nvSpPr>
+          <p:cNvPr id="2" name="幻灯片编号占位符 1"/>
+          <p:cNvSpPr>
+            <a:spLocks noGrp="1"/>
+          </p:cNvSpPr>
+          <p:nvPr>
+            <p:ph type="sldNum" sz="quarter" idx="10"/>
+          </p:nvPr>
+        </p:nvSpPr>
+        <p:spPr/>
+        <p:txBody>
+          <a:bodyPr/>
+          <a:lstStyle/>
+          <a:p>
+            <a:pPr>
+              <a:defRPr/>
+            </a:pPr>
+            <a:r>
+              <a:rPr lang="en-US" altLang="zh-CN" smtClean="0"/>
+              <a:t>Slide 15- </a:t>
+            </a:r>
+            <a:fld id="{B3B8002B-5056-493A-AFCD-026EC2EEC3A1}" type="slidenum">
+              <a:rPr lang="en-US" altLang="zh-CN" smtClean="0"/>
+              <a:pPr>
+                <a:defRPr/>
+              </a:pPr>
+              <a:t>19</a:t>
+            </a:fld>
+            <a:endParaRPr lang="en-CA" altLang="zh-CN"/>
+          </a:p>
+        </p:txBody>
+      </p:sp>
     </p:spTree>
   </p:cSld>
   <p:clrMapOvr>
@@ -8051,6 +8504,39 @@
               <a:t>Overloading =</a:t>
             </a:r>
             <a:endParaRPr lang="zh-CN" altLang="en-US" dirty="0"/>
+          </a:p>
+        </p:txBody>
+      </p:sp>
+      <p:sp>
+        <p:nvSpPr>
+          <p:cNvPr id="4" name="幻灯片编号占位符 3"/>
+          <p:cNvSpPr>
+            <a:spLocks noGrp="1"/>
+          </p:cNvSpPr>
+          <p:nvPr>
+            <p:ph type="sldNum" sz="quarter" idx="10"/>
+          </p:nvPr>
+        </p:nvSpPr>
+        <p:spPr/>
+        <p:txBody>
+          <a:bodyPr/>
+          <a:lstStyle/>
+          <a:p>
+            <a:pPr>
+              <a:defRPr/>
+            </a:pPr>
+            <a:r>
+              <a:rPr lang="en-US" altLang="zh-CN" smtClean="0"/>
+              <a:t>Slide 15- </a:t>
+            </a:r>
+            <a:fld id="{B3B8002B-5056-493A-AFCD-026EC2EEC3A1}" type="slidenum">
+              <a:rPr lang="en-US" altLang="zh-CN" smtClean="0"/>
+              <a:pPr>
+                <a:defRPr/>
+              </a:pPr>
+              <a:t>2</a:t>
+            </a:fld>
+            <a:endParaRPr lang="en-CA" altLang="zh-CN"/>
           </a:p>
         </p:txBody>
       </p:sp>
@@ -8453,6 +8939,39 @@
               </a:rPr>
               <a:t> Member Functions</a:t>
             </a:r>
+          </a:p>
+        </p:txBody>
+      </p:sp>
+      <p:sp>
+        <p:nvSpPr>
+          <p:cNvPr id="2" name="幻灯片编号占位符 1"/>
+          <p:cNvSpPr>
+            <a:spLocks noGrp="1"/>
+          </p:cNvSpPr>
+          <p:nvPr>
+            <p:ph type="sldNum" sz="quarter" idx="10"/>
+          </p:nvPr>
+        </p:nvSpPr>
+        <p:spPr/>
+        <p:txBody>
+          <a:bodyPr/>
+          <a:lstStyle/>
+          <a:p>
+            <a:pPr>
+              <a:defRPr/>
+            </a:pPr>
+            <a:r>
+              <a:rPr lang="en-US" altLang="zh-CN" smtClean="0"/>
+              <a:t>Slide 15- </a:t>
+            </a:r>
+            <a:fld id="{B3B8002B-5056-493A-AFCD-026EC2EEC3A1}" type="slidenum">
+              <a:rPr lang="en-US" altLang="zh-CN" smtClean="0"/>
+              <a:pPr>
+                <a:defRPr/>
+              </a:pPr>
+              <a:t>20</a:t>
+            </a:fld>
+            <a:endParaRPr lang="en-CA" altLang="zh-CN"/>
           </a:p>
         </p:txBody>
       </p:sp>
@@ -8719,6 +9238,39 @@
           </a:p>
         </p:txBody>
       </p:sp>
+      <p:sp>
+        <p:nvSpPr>
+          <p:cNvPr id="2" name="幻灯片编号占位符 1"/>
+          <p:cNvSpPr>
+            <a:spLocks noGrp="1"/>
+          </p:cNvSpPr>
+          <p:nvPr>
+            <p:ph type="sldNum" sz="quarter" idx="10"/>
+          </p:nvPr>
+        </p:nvSpPr>
+        <p:spPr/>
+        <p:txBody>
+          <a:bodyPr/>
+          <a:lstStyle/>
+          <a:p>
+            <a:pPr>
+              <a:defRPr/>
+            </a:pPr>
+            <a:r>
+              <a:rPr lang="en-US" altLang="zh-CN" smtClean="0"/>
+              <a:t>Slide 15- </a:t>
+            </a:r>
+            <a:fld id="{B3B8002B-5056-493A-AFCD-026EC2EEC3A1}" type="slidenum">
+              <a:rPr lang="en-US" altLang="zh-CN" smtClean="0"/>
+              <a:pPr>
+                <a:defRPr/>
+              </a:pPr>
+              <a:t>21</a:t>
+            </a:fld>
+            <a:endParaRPr lang="en-CA" altLang="zh-CN"/>
+          </a:p>
+        </p:txBody>
+      </p:sp>
     </p:spTree>
   </p:cSld>
   <p:clrMapOvr>
@@ -10191,6 +10743,39 @@
           <a:lstStyle/>
           <a:p>
             <a:endParaRPr lang="zh-CN" altLang="en-US" dirty="0"/>
+          </a:p>
+        </p:txBody>
+      </p:sp>
+      <p:sp>
+        <p:nvSpPr>
+          <p:cNvPr id="2" name="幻灯片编号占位符 1"/>
+          <p:cNvSpPr>
+            <a:spLocks noGrp="1"/>
+          </p:cNvSpPr>
+          <p:nvPr>
+            <p:ph type="sldNum" sz="quarter" idx="10"/>
+          </p:nvPr>
+        </p:nvSpPr>
+        <p:spPr/>
+        <p:txBody>
+          <a:bodyPr/>
+          <a:lstStyle/>
+          <a:p>
+            <a:pPr>
+              <a:defRPr/>
+            </a:pPr>
+            <a:r>
+              <a:rPr lang="en-US" altLang="zh-CN" smtClean="0"/>
+              <a:t>Slide 15- </a:t>
+            </a:r>
+            <a:fld id="{B3B8002B-5056-493A-AFCD-026EC2EEC3A1}" type="slidenum">
+              <a:rPr lang="en-US" altLang="zh-CN" smtClean="0"/>
+              <a:pPr>
+                <a:defRPr/>
+              </a:pPr>
+              <a:t>26</a:t>
+            </a:fld>
+            <a:endParaRPr lang="en-CA" altLang="zh-CN"/>
           </a:p>
         </p:txBody>
       </p:sp>
@@ -11429,6 +12014,39 @@
           </a:p>
         </p:txBody>
       </p:sp>
+      <p:sp>
+        <p:nvSpPr>
+          <p:cNvPr id="2" name="幻灯片编号占位符 1"/>
+          <p:cNvSpPr>
+            <a:spLocks noGrp="1"/>
+          </p:cNvSpPr>
+          <p:nvPr>
+            <p:ph type="sldNum" sz="quarter" idx="10"/>
+          </p:nvPr>
+        </p:nvSpPr>
+        <p:spPr/>
+        <p:txBody>
+          <a:bodyPr/>
+          <a:lstStyle/>
+          <a:p>
+            <a:pPr>
+              <a:defRPr/>
+            </a:pPr>
+            <a:r>
+              <a:rPr lang="en-US" altLang="zh-CN" smtClean="0"/>
+              <a:t>Slide 15- </a:t>
+            </a:r>
+            <a:fld id="{B3B8002B-5056-493A-AFCD-026EC2EEC3A1}" type="slidenum">
+              <a:rPr lang="en-US" altLang="zh-CN" smtClean="0"/>
+              <a:pPr>
+                <a:defRPr/>
+              </a:pPr>
+              <a:t>3</a:t>
+            </a:fld>
+            <a:endParaRPr lang="en-CA" altLang="zh-CN"/>
+          </a:p>
+        </p:txBody>
+      </p:sp>
     </p:spTree>
   </p:cSld>
   <p:clrMapOvr>
@@ -14260,6 +14878,39 @@
           <a:lstStyle/>
           <a:p>
             <a:endParaRPr lang="zh-CN" altLang="en-US" dirty="0"/>
+          </a:p>
+        </p:txBody>
+      </p:sp>
+      <p:sp>
+        <p:nvSpPr>
+          <p:cNvPr id="2" name="幻灯片编号占位符 1"/>
+          <p:cNvSpPr>
+            <a:spLocks noGrp="1"/>
+          </p:cNvSpPr>
+          <p:nvPr>
+            <p:ph type="sldNum" sz="quarter" idx="10"/>
+          </p:nvPr>
+        </p:nvSpPr>
+        <p:spPr/>
+        <p:txBody>
+          <a:bodyPr/>
+          <a:lstStyle/>
+          <a:p>
+            <a:pPr>
+              <a:defRPr/>
+            </a:pPr>
+            <a:r>
+              <a:rPr lang="en-US" altLang="zh-CN" smtClean="0"/>
+              <a:t>Slide 15- </a:t>
+            </a:r>
+            <a:fld id="{B3B8002B-5056-493A-AFCD-026EC2EEC3A1}" type="slidenum">
+              <a:rPr lang="en-US" altLang="zh-CN" smtClean="0"/>
+              <a:pPr>
+                <a:defRPr/>
+              </a:pPr>
+              <a:t>38</a:t>
+            </a:fld>
+            <a:endParaRPr lang="en-CA" altLang="zh-CN"/>
           </a:p>
         </p:txBody>
       </p:sp>
@@ -14434,16 +15085,7 @@
                 </a:solidFill>
                 <a:ea typeface="宋体" panose="02010600030101010101" pitchFamily="2" charset="-122"/>
               </a:rPr>
-              <a:t> </a:t>
-            </a:r>
-            <a:r>
-              <a:rPr lang="en-US" altLang="zh-CN" sz="1800" kern="1200" dirty="0">
-                <a:solidFill>
-                  <a:srgbClr val="0000FF"/>
-                </a:solidFill>
-                <a:ea typeface="宋体" panose="02010600030101010101" pitchFamily="2" charset="-122"/>
-              </a:rPr>
-              <a:t>  class B:public A{</a:t>
+              <a:t>   class B:public A{</a:t>
             </a:r>
           </a:p>
           <a:p>
@@ -14462,12 +15104,6 @@
               </a:rPr>
               <a:t>   };</a:t>
             </a:r>
-            <a:endParaRPr lang="en-US" altLang="zh-CN" sz="1800" kern="1200" dirty="0">
-              <a:solidFill>
-                <a:srgbClr val="0000FF"/>
-              </a:solidFill>
-              <a:ea typeface="宋体" panose="02010600030101010101" pitchFamily="2" charset="-122"/>
-            </a:endParaRPr>
           </a:p>
           <a:p>
             <a:pPr eaLnBrk="1" hangingPunct="1">
@@ -14689,6 +15325,39 @@
           <a:lstStyle/>
           <a:p>
             <a:endParaRPr lang="zh-CN" altLang="en-US" dirty="0"/>
+          </a:p>
+        </p:txBody>
+      </p:sp>
+      <p:sp>
+        <p:nvSpPr>
+          <p:cNvPr id="2" name="幻灯片编号占位符 1"/>
+          <p:cNvSpPr>
+            <a:spLocks noGrp="1"/>
+          </p:cNvSpPr>
+          <p:nvPr>
+            <p:ph type="sldNum" sz="quarter" idx="10"/>
+          </p:nvPr>
+        </p:nvSpPr>
+        <p:spPr/>
+        <p:txBody>
+          <a:bodyPr/>
+          <a:lstStyle/>
+          <a:p>
+            <a:pPr>
+              <a:defRPr/>
+            </a:pPr>
+            <a:r>
+              <a:rPr lang="en-US" altLang="zh-CN" smtClean="0"/>
+              <a:t>Slide 15- </a:t>
+            </a:r>
+            <a:fld id="{B3B8002B-5056-493A-AFCD-026EC2EEC3A1}" type="slidenum">
+              <a:rPr lang="en-US" altLang="zh-CN" smtClean="0"/>
+              <a:pPr>
+                <a:defRPr/>
+              </a:pPr>
+              <a:t>4</a:t>
+            </a:fld>
+            <a:endParaRPr lang="en-CA" altLang="zh-CN"/>
           </a:p>
         </p:txBody>
       </p:sp>
@@ -18583,6 +19252,39 @@
           </a:p>
         </p:txBody>
       </p:sp>
+      <p:sp>
+        <p:nvSpPr>
+          <p:cNvPr id="2" name="幻灯片编号占位符 1"/>
+          <p:cNvSpPr>
+            <a:spLocks noGrp="1"/>
+          </p:cNvSpPr>
+          <p:nvPr>
+            <p:ph type="sldNum" sz="quarter" idx="10"/>
+          </p:nvPr>
+        </p:nvSpPr>
+        <p:spPr/>
+        <p:txBody>
+          <a:bodyPr/>
+          <a:lstStyle/>
+          <a:p>
+            <a:pPr>
+              <a:defRPr/>
+            </a:pPr>
+            <a:r>
+              <a:rPr lang="en-US" altLang="zh-CN" smtClean="0"/>
+              <a:t>Slide 15- </a:t>
+            </a:r>
+            <a:fld id="{B3B8002B-5056-493A-AFCD-026EC2EEC3A1}" type="slidenum">
+              <a:rPr lang="en-US" altLang="zh-CN" smtClean="0"/>
+              <a:pPr>
+                <a:defRPr/>
+              </a:pPr>
+              <a:t>47</a:t>
+            </a:fld>
+            <a:endParaRPr lang="en-CA" altLang="zh-CN"/>
+          </a:p>
+        </p:txBody>
+      </p:sp>
     </p:spTree>
   </p:cSld>
   <p:clrMapOvr>
@@ -18891,6 +19593,39 @@
           </a:p>
         </p:txBody>
       </p:sp>
+      <p:sp>
+        <p:nvSpPr>
+          <p:cNvPr id="2" name="幻灯片编号占位符 1"/>
+          <p:cNvSpPr>
+            <a:spLocks noGrp="1"/>
+          </p:cNvSpPr>
+          <p:nvPr>
+            <p:ph type="sldNum" sz="quarter" idx="10"/>
+          </p:nvPr>
+        </p:nvSpPr>
+        <p:spPr/>
+        <p:txBody>
+          <a:bodyPr/>
+          <a:lstStyle/>
+          <a:p>
+            <a:pPr>
+              <a:defRPr/>
+            </a:pPr>
+            <a:r>
+              <a:rPr lang="en-US" altLang="zh-CN" smtClean="0"/>
+              <a:t>Slide 15- </a:t>
+            </a:r>
+            <a:fld id="{B3B8002B-5056-493A-AFCD-026EC2EEC3A1}" type="slidenum">
+              <a:rPr lang="en-US" altLang="zh-CN" smtClean="0"/>
+              <a:pPr>
+                <a:defRPr/>
+              </a:pPr>
+              <a:t>48</a:t>
+            </a:fld>
+            <a:endParaRPr lang="en-CA" altLang="zh-CN"/>
+          </a:p>
+        </p:txBody>
+      </p:sp>
     </p:spTree>
   </p:cSld>
   <p:clrMapOvr>
@@ -18993,6 +19728,39 @@
               <a:rPr lang="en-US" altLang="zh-CN" smtClean="0"/>
               <a:t>changed in a derived class are redefined</a:t>
             </a:r>
+          </a:p>
+        </p:txBody>
+      </p:sp>
+      <p:sp>
+        <p:nvSpPr>
+          <p:cNvPr id="2" name="幻灯片编号占位符 1"/>
+          <p:cNvSpPr>
+            <a:spLocks noGrp="1"/>
+          </p:cNvSpPr>
+          <p:nvPr>
+            <p:ph type="sldNum" sz="quarter" idx="10"/>
+          </p:nvPr>
+        </p:nvSpPr>
+        <p:spPr/>
+        <p:txBody>
+          <a:bodyPr/>
+          <a:lstStyle/>
+          <a:p>
+            <a:pPr>
+              <a:defRPr/>
+            </a:pPr>
+            <a:r>
+              <a:rPr lang="en-US" altLang="zh-CN" smtClean="0"/>
+              <a:t>Slide 15- </a:t>
+            </a:r>
+            <a:fld id="{B3B8002B-5056-493A-AFCD-026EC2EEC3A1}" type="slidenum">
+              <a:rPr lang="en-US" altLang="zh-CN" smtClean="0"/>
+              <a:pPr>
+                <a:defRPr/>
+              </a:pPr>
+              <a:t>49</a:t>
+            </a:fld>
+            <a:endParaRPr lang="en-CA" altLang="zh-CN"/>
           </a:p>
         </p:txBody>
       </p:sp>
@@ -19127,6 +19895,39 @@
               </a:rPr>
               <a:t>The derived class is a child of the base or parent class</a:t>
             </a:r>
+          </a:p>
+        </p:txBody>
+      </p:sp>
+      <p:sp>
+        <p:nvSpPr>
+          <p:cNvPr id="2" name="幻灯片编号占位符 1"/>
+          <p:cNvSpPr>
+            <a:spLocks noGrp="1"/>
+          </p:cNvSpPr>
+          <p:nvPr>
+            <p:ph type="sldNum" sz="quarter" idx="10"/>
+          </p:nvPr>
+        </p:nvSpPr>
+        <p:spPr/>
+        <p:txBody>
+          <a:bodyPr/>
+          <a:lstStyle/>
+          <a:p>
+            <a:pPr>
+              <a:defRPr/>
+            </a:pPr>
+            <a:r>
+              <a:rPr lang="en-US" altLang="zh-CN" smtClean="0"/>
+              <a:t>Slide 15- </a:t>
+            </a:r>
+            <a:fld id="{B3B8002B-5056-493A-AFCD-026EC2EEC3A1}" type="slidenum">
+              <a:rPr lang="en-US" altLang="zh-CN" smtClean="0"/>
+              <a:pPr>
+                <a:defRPr/>
+              </a:pPr>
+              <a:t>5</a:t>
+            </a:fld>
+            <a:endParaRPr lang="en-CA" altLang="zh-CN"/>
           </a:p>
         </p:txBody>
       </p:sp>
@@ -24303,6 +25104,39 @@
           </a:p>
         </p:txBody>
       </p:sp>
+      <p:sp>
+        <p:nvSpPr>
+          <p:cNvPr id="2" name="幻灯片编号占位符 1"/>
+          <p:cNvSpPr>
+            <a:spLocks noGrp="1"/>
+          </p:cNvSpPr>
+          <p:nvPr>
+            <p:ph type="sldNum" sz="quarter" idx="10"/>
+          </p:nvPr>
+        </p:nvSpPr>
+        <p:spPr/>
+        <p:txBody>
+          <a:bodyPr/>
+          <a:lstStyle/>
+          <a:p>
+            <a:pPr>
+              <a:defRPr/>
+            </a:pPr>
+            <a:r>
+              <a:rPr lang="en-US" altLang="zh-CN" smtClean="0"/>
+              <a:t>Slide 15- </a:t>
+            </a:r>
+            <a:fld id="{B3B8002B-5056-493A-AFCD-026EC2EEC3A1}" type="slidenum">
+              <a:rPr lang="en-US" altLang="zh-CN" smtClean="0"/>
+              <a:pPr>
+                <a:defRPr/>
+              </a:pPr>
+              <a:t>6</a:t>
+            </a:fld>
+            <a:endParaRPr lang="en-CA" altLang="zh-CN"/>
+          </a:p>
+        </p:txBody>
+      </p:sp>
     </p:spTree>
   </p:cSld>
   <p:clrMapOvr>
@@ -32598,6 +33432,39 @@
               </a:rPr>
               <a:t>A Base Class</a:t>
             </a:r>
+          </a:p>
+        </p:txBody>
+      </p:sp>
+      <p:sp>
+        <p:nvSpPr>
+          <p:cNvPr id="2" name="幻灯片编号占位符 1"/>
+          <p:cNvSpPr>
+            <a:spLocks noGrp="1"/>
+          </p:cNvSpPr>
+          <p:nvPr>
+            <p:ph type="sldNum" sz="quarter" idx="10"/>
+          </p:nvPr>
+        </p:nvSpPr>
+        <p:spPr/>
+        <p:txBody>
+          <a:bodyPr/>
+          <a:lstStyle/>
+          <a:p>
+            <a:pPr>
+              <a:defRPr/>
+            </a:pPr>
+            <a:r>
+              <a:rPr lang="en-US" altLang="zh-CN" smtClean="0"/>
+              <a:t>Slide 15- </a:t>
+            </a:r>
+            <a:fld id="{B3B8002B-5056-493A-AFCD-026EC2EEC3A1}" type="slidenum">
+              <a:rPr lang="en-US" altLang="zh-CN" smtClean="0"/>
+              <a:pPr>
+                <a:defRPr/>
+              </a:pPr>
+              <a:t>7</a:t>
+            </a:fld>
+            <a:endParaRPr lang="en-CA" altLang="zh-CN"/>
           </a:p>
         </p:txBody>
       </p:sp>
@@ -42514,6 +43381,39 @@
           </a:p>
         </p:txBody>
       </p:sp>
+      <p:sp>
+        <p:nvSpPr>
+          <p:cNvPr id="2" name="幻灯片编号占位符 1"/>
+          <p:cNvSpPr>
+            <a:spLocks noGrp="1"/>
+          </p:cNvSpPr>
+          <p:nvPr>
+            <p:ph type="sldNum" sz="quarter" idx="10"/>
+          </p:nvPr>
+        </p:nvSpPr>
+        <p:spPr/>
+        <p:txBody>
+          <a:bodyPr/>
+          <a:lstStyle/>
+          <a:p>
+            <a:pPr>
+              <a:defRPr/>
+            </a:pPr>
+            <a:r>
+              <a:rPr lang="en-US" altLang="zh-CN" smtClean="0"/>
+              <a:t>Slide 15- </a:t>
+            </a:r>
+            <a:fld id="{B3B8002B-5056-493A-AFCD-026EC2EEC3A1}" type="slidenum">
+              <a:rPr lang="en-US" altLang="zh-CN" smtClean="0"/>
+              <a:pPr>
+                <a:defRPr/>
+              </a:pPr>
+              <a:t>8</a:t>
+            </a:fld>
+            <a:endParaRPr lang="en-CA" altLang="zh-CN"/>
+          </a:p>
+        </p:txBody>
+      </p:sp>
     </p:spTree>
   </p:cSld>
   <p:clrMapOvr>
@@ -44003,6 +44903,39 @@
               </a:rPr>
               <a:t>Class HourlyEmployee</a:t>
             </a:r>
+          </a:p>
+        </p:txBody>
+      </p:sp>
+      <p:sp>
+        <p:nvSpPr>
+          <p:cNvPr id="2" name="幻灯片编号占位符 1"/>
+          <p:cNvSpPr>
+            <a:spLocks noGrp="1"/>
+          </p:cNvSpPr>
+          <p:nvPr>
+            <p:ph type="sldNum" sz="quarter" idx="10"/>
+          </p:nvPr>
+        </p:nvSpPr>
+        <p:spPr/>
+        <p:txBody>
+          <a:bodyPr/>
+          <a:lstStyle/>
+          <a:p>
+            <a:pPr>
+              <a:defRPr/>
+            </a:pPr>
+            <a:r>
+              <a:rPr lang="en-US" altLang="zh-CN" smtClean="0"/>
+              <a:t>Slide 15- </a:t>
+            </a:r>
+            <a:fld id="{B3B8002B-5056-493A-AFCD-026EC2EEC3A1}" type="slidenum">
+              <a:rPr lang="en-US" altLang="zh-CN" smtClean="0"/>
+              <a:pPr>
+                <a:defRPr/>
+              </a:pPr>
+              <a:t>9</a:t>
+            </a:fld>
+            <a:endParaRPr lang="en-CA" altLang="zh-CN"/>
           </a:p>
         </p:txBody>
       </p:sp>

--- a/ppt/Chapter 15.pptx
+++ b/ppt/Chapter 15.pptx
@@ -4973,29 +4973,29 @@
           <a:p>
             <a:pPr eaLnBrk="1" hangingPunct="1"/>
             <a:r>
-              <a:rPr lang="en-US" altLang="zh-CN" smtClean="0">
+              <a:rPr lang="en-US" altLang="zh-CN" dirty="0" smtClean="0">
                 <a:ea typeface="宋体" panose="02010600030101010101" pitchFamily="2" charset="-122"/>
               </a:rPr>
               <a:t>Any member functions added in the derived </a:t>
             </a:r>
             <a:br>
-              <a:rPr lang="en-US" altLang="zh-CN" smtClean="0">
+              <a:rPr lang="en-US" altLang="zh-CN" dirty="0" smtClean="0">
                 <a:ea typeface="宋体" panose="02010600030101010101" pitchFamily="2" charset="-122"/>
               </a:rPr>
             </a:br>
             <a:r>
-              <a:rPr lang="en-US" altLang="zh-CN" smtClean="0">
+              <a:rPr lang="en-US" altLang="zh-CN" dirty="0" smtClean="0">
                 <a:ea typeface="宋体" panose="02010600030101010101" pitchFamily="2" charset="-122"/>
               </a:rPr>
               <a:t>class are defined in the implementation file for</a:t>
             </a:r>
             <a:br>
-              <a:rPr lang="en-US" altLang="zh-CN" smtClean="0">
+              <a:rPr lang="en-US" altLang="zh-CN" dirty="0" smtClean="0">
                 <a:ea typeface="宋体" panose="02010600030101010101" pitchFamily="2" charset="-122"/>
               </a:rPr>
             </a:br>
             <a:r>
-              <a:rPr lang="en-US" altLang="zh-CN" smtClean="0">
+              <a:rPr lang="en-US" altLang="zh-CN" dirty="0" smtClean="0">
                 <a:ea typeface="宋体" panose="02010600030101010101" pitchFamily="2" charset="-122"/>
               </a:rPr>
               <a:t>the derived class</a:t>
@@ -5004,7 +5004,7 @@
           <a:p>
             <a:pPr lvl="1" eaLnBrk="1" hangingPunct="1"/>
             <a:r>
-              <a:rPr lang="en-US" altLang="zh-CN" smtClean="0">
+              <a:rPr lang="en-US" altLang="zh-CN" dirty="0" smtClean="0">
                 <a:ea typeface="宋体" panose="02010600030101010101" pitchFamily="2" charset="-122"/>
               </a:rPr>
               <a:t>Definitions are not given for inherited functions that are not to be changed</a:t>
@@ -5012,25 +5012,40 @@
           </a:p>
           <a:p>
             <a:pPr lvl="1" eaLnBrk="1" hangingPunct="1"/>
-            <a:endParaRPr lang="en-US" altLang="zh-CN" smtClean="0">
+            <a:endParaRPr lang="en-US" altLang="zh-CN" dirty="0" smtClean="0">
               <a:ea typeface="宋体" panose="02010600030101010101" pitchFamily="2" charset="-122"/>
             </a:endParaRPr>
           </a:p>
           <a:p>
             <a:pPr eaLnBrk="1" hangingPunct="1"/>
             <a:r>
-              <a:rPr lang="en-US" altLang="zh-CN" smtClean="0">
-                <a:ea typeface="宋体" panose="02010600030101010101" pitchFamily="2" charset="-122"/>
-              </a:rPr>
-              <a:t>The HourlyEmployee class is </a:t>
+              <a:rPr lang="en-US" altLang="zh-CN" dirty="0" smtClean="0">
+                <a:ea typeface="宋体" panose="02010600030101010101" pitchFamily="2" charset="-122"/>
+              </a:rPr>
+              <a:t>The </a:t>
+            </a:r>
+            <a:r>
+              <a:rPr lang="en-US" altLang="zh-CN" kern="1200" dirty="0" err="1">
+                <a:solidFill>
+                  <a:srgbClr val="0000FF"/>
+                </a:solidFill>
+                <a:ea typeface="宋体" panose="02010600030101010101" pitchFamily="2" charset="-122"/>
+              </a:rPr>
+              <a:t>HourlyEmployee</a:t>
+            </a:r>
+            <a:r>
+              <a:rPr lang="en-US" altLang="zh-CN" dirty="0" smtClean="0">
+                <a:ea typeface="宋体" panose="02010600030101010101" pitchFamily="2" charset="-122"/>
+              </a:rPr>
+              <a:t> class is </a:t>
             </a:r>
             <a:br>
-              <a:rPr lang="en-US" altLang="zh-CN" smtClean="0">
+              <a:rPr lang="en-US" altLang="zh-CN" dirty="0" smtClean="0">
                 <a:ea typeface="宋体" panose="02010600030101010101" pitchFamily="2" charset="-122"/>
               </a:rPr>
             </a:br>
             <a:r>
-              <a:rPr lang="en-US" altLang="zh-CN" smtClean="0">
+              <a:rPr lang="en-US" altLang="zh-CN" dirty="0" smtClean="0">
                 <a:ea typeface="宋体" panose="02010600030101010101" pitchFamily="2" charset="-122"/>
               </a:rPr>
               <a:t>defined in </a:t>
@@ -5505,18 +5520,36 @@
           <a:p>
             <a:pPr eaLnBrk="1" hangingPunct="1"/>
             <a:r>
-              <a:rPr lang="en-US" altLang="zh-CN" smtClean="0">
-                <a:ea typeface="宋体" panose="02010600030101010101" pitchFamily="2" charset="-122"/>
-              </a:rPr>
-              <a:t>The class SalariedEmployee is also derived from</a:t>
+              <a:rPr lang="en-US" altLang="zh-CN" dirty="0" smtClean="0">
+                <a:ea typeface="宋体" panose="02010600030101010101" pitchFamily="2" charset="-122"/>
+              </a:rPr>
+              <a:t>The class </a:t>
+            </a:r>
+            <a:r>
+              <a:rPr lang="en-US" altLang="zh-CN" kern="1200" dirty="0" err="1">
+                <a:solidFill>
+                  <a:srgbClr val="0000FF"/>
+                </a:solidFill>
+                <a:ea typeface="宋体" panose="02010600030101010101" pitchFamily="2" charset="-122"/>
+              </a:rPr>
+              <a:t>SalariedEmployee</a:t>
+            </a:r>
+            <a:r>
+              <a:rPr lang="en-US" altLang="zh-CN" dirty="0" smtClean="0">
+                <a:ea typeface="宋体" panose="02010600030101010101" pitchFamily="2" charset="-122"/>
+              </a:rPr>
+              <a:t> is also derived from</a:t>
             </a:r>
             <a:br>
-              <a:rPr lang="en-US" altLang="zh-CN" smtClean="0">
+              <a:rPr lang="en-US" altLang="zh-CN" dirty="0" smtClean="0">
                 <a:ea typeface="宋体" panose="02010600030101010101" pitchFamily="2" charset="-122"/>
               </a:rPr>
             </a:br>
             <a:r>
-              <a:rPr lang="en-US" altLang="zh-CN" smtClean="0">
+              <a:rPr lang="en-US" altLang="zh-CN" kern="1200" dirty="0">
+                <a:solidFill>
+                  <a:srgbClr val="0000FF"/>
+                </a:solidFill>
                 <a:ea typeface="宋体" panose="02010600030101010101" pitchFamily="2" charset="-122"/>
               </a:rPr>
               <a:t>Employee</a:t>
@@ -5525,47 +5558,88 @@
           <a:p>
             <a:pPr lvl="1" eaLnBrk="1" hangingPunct="1"/>
             <a:r>
-              <a:rPr lang="en-US" altLang="zh-CN" smtClean="0">
-                <a:ea typeface="宋体" panose="02010600030101010101" pitchFamily="2" charset="-122"/>
-              </a:rPr>
-              <a:t>Function print_check is redefined to have a meaning specific to salaried employees </a:t>
+              <a:rPr lang="en-US" altLang="zh-CN" dirty="0" smtClean="0">
+                <a:ea typeface="宋体" panose="02010600030101010101" pitchFamily="2" charset="-122"/>
+              </a:rPr>
+              <a:t>Function </a:t>
+            </a:r>
+            <a:r>
+              <a:rPr lang="en-US" altLang="zh-CN" kern="1200" dirty="0" err="1">
+                <a:solidFill>
+                  <a:srgbClr val="0000FF"/>
+                </a:solidFill>
+                <a:ea typeface="宋体" panose="02010600030101010101" pitchFamily="2" charset="-122"/>
+                <a:cs typeface="+mn-cs"/>
+              </a:rPr>
+              <a:t>print_check</a:t>
+            </a:r>
+            <a:r>
+              <a:rPr lang="en-US" altLang="zh-CN" dirty="0" smtClean="0">
+                <a:ea typeface="宋体" panose="02010600030101010101" pitchFamily="2" charset="-122"/>
+              </a:rPr>
+              <a:t> is redefined to have a meaning specific to salaried employees </a:t>
             </a:r>
           </a:p>
           <a:p>
             <a:pPr lvl="1" eaLnBrk="1" hangingPunct="1"/>
             <a:r>
-              <a:rPr lang="en-US" altLang="zh-CN" smtClean="0">
-                <a:ea typeface="宋体" panose="02010600030101010101" pitchFamily="2" charset="-122"/>
-              </a:rPr>
-              <a:t>SalariedEmployee adds a member variable salary</a:t>
+              <a:rPr lang="en-US" altLang="zh-CN" kern="1200" dirty="0" err="1">
+                <a:solidFill>
+                  <a:srgbClr val="0000FF"/>
+                </a:solidFill>
+                <a:ea typeface="宋体" panose="02010600030101010101" pitchFamily="2" charset="-122"/>
+                <a:cs typeface="+mn-cs"/>
+              </a:rPr>
+              <a:t>SalariedEmployee</a:t>
+            </a:r>
+            <a:r>
+              <a:rPr lang="en-US" altLang="zh-CN" dirty="0" smtClean="0">
+                <a:ea typeface="宋体" panose="02010600030101010101" pitchFamily="2" charset="-122"/>
+              </a:rPr>
+              <a:t> adds a member variable salary</a:t>
             </a:r>
           </a:p>
           <a:p>
             <a:pPr eaLnBrk="1" hangingPunct="1"/>
             <a:r>
-              <a:rPr lang="en-US" altLang="zh-CN" smtClean="0">
-                <a:ea typeface="宋体" panose="02010600030101010101" pitchFamily="2" charset="-122"/>
-              </a:rPr>
-              <a:t>The interface for SalariedEmployee is </a:t>
+              <a:rPr lang="en-US" altLang="zh-CN" dirty="0" smtClean="0">
+                <a:ea typeface="宋体" panose="02010600030101010101" pitchFamily="2" charset="-122"/>
+              </a:rPr>
+              <a:t>The interface for </a:t>
+            </a:r>
+            <a:r>
+              <a:rPr lang="en-US" altLang="zh-CN" kern="1200" dirty="0" err="1">
+                <a:solidFill>
+                  <a:srgbClr val="0000FF"/>
+                </a:solidFill>
+                <a:ea typeface="宋体" panose="02010600030101010101" pitchFamily="2" charset="-122"/>
+              </a:rPr>
+              <a:t>SalariedEmployee</a:t>
+            </a:r>
+            <a:r>
+              <a:rPr lang="en-US" altLang="zh-CN" dirty="0" smtClean="0">
+                <a:ea typeface="宋体" panose="02010600030101010101" pitchFamily="2" charset="-122"/>
+              </a:rPr>
+              <a:t> is </a:t>
             </a:r>
             <a:br>
-              <a:rPr lang="en-US" altLang="zh-CN" smtClean="0">
+              <a:rPr lang="en-US" altLang="zh-CN" dirty="0" smtClean="0">
                 <a:ea typeface="宋体" panose="02010600030101010101" pitchFamily="2" charset="-122"/>
               </a:rPr>
             </a:br>
             <a:r>
-              <a:rPr lang="en-US" altLang="zh-CN" smtClean="0">
+              <a:rPr lang="en-US" altLang="zh-CN" dirty="0" smtClean="0">
                 <a:ea typeface="宋体" panose="02010600030101010101" pitchFamily="2" charset="-122"/>
               </a:rPr>
               <a:t>found in </a:t>
             </a:r>
             <a:br>
-              <a:rPr lang="en-US" altLang="zh-CN" smtClean="0">
+              <a:rPr lang="en-US" altLang="zh-CN" dirty="0" smtClean="0">
                 <a:ea typeface="宋体" panose="02010600030101010101" pitchFamily="2" charset="-122"/>
               </a:rPr>
             </a:br>
             <a:r>
-              <a:rPr lang="en-US" altLang="zh-CN" smtClean="0">
+              <a:rPr lang="en-US" altLang="zh-CN" dirty="0" smtClean="0">
                 <a:ea typeface="宋体" panose="02010600030101010101" pitchFamily="2" charset="-122"/>
               </a:rPr>
               <a:t>                               contains the implementation</a:t>
@@ -6379,18 +6453,18 @@
           <a:p>
             <a:pPr eaLnBrk="1" hangingPunct="1"/>
             <a:r>
-              <a:rPr lang="en-US" altLang="zh-CN" smtClean="0">
+              <a:rPr lang="en-US" altLang="zh-CN" dirty="0" smtClean="0">
                 <a:ea typeface="宋体" panose="02010600030101010101" pitchFamily="2" charset="-122"/>
               </a:rPr>
               <a:t>Recall that a child class automatically has all the </a:t>
             </a:r>
             <a:br>
-              <a:rPr lang="en-US" altLang="zh-CN" smtClean="0">
+              <a:rPr lang="en-US" altLang="zh-CN" dirty="0" smtClean="0">
                 <a:ea typeface="宋体" panose="02010600030101010101" pitchFamily="2" charset="-122"/>
               </a:rPr>
             </a:br>
             <a:r>
-              <a:rPr lang="en-US" altLang="zh-CN" smtClean="0">
+              <a:rPr lang="en-US" altLang="zh-CN" dirty="0" smtClean="0">
                 <a:ea typeface="宋体" panose="02010600030101010101" pitchFamily="2" charset="-122"/>
               </a:rPr>
               <a:t>members of the parent class</a:t>
@@ -6399,7 +6473,7 @@
           <a:p>
             <a:pPr eaLnBrk="1" hangingPunct="1"/>
             <a:r>
-              <a:rPr lang="en-US" altLang="zh-CN" smtClean="0">
+              <a:rPr lang="en-US" altLang="zh-CN" dirty="0" smtClean="0">
                 <a:ea typeface="宋体" panose="02010600030101010101" pitchFamily="2" charset="-122"/>
               </a:rPr>
               <a:t>The parent class is an ancestor of the child class</a:t>
@@ -6408,18 +6482,18 @@
           <a:p>
             <a:pPr eaLnBrk="1" hangingPunct="1"/>
             <a:r>
-              <a:rPr lang="en-US" altLang="zh-CN" smtClean="0">
+              <a:rPr lang="en-US" altLang="zh-CN" dirty="0" smtClean="0">
                 <a:ea typeface="宋体" panose="02010600030101010101" pitchFamily="2" charset="-122"/>
               </a:rPr>
               <a:t>The child class is a descendent of the parent</a:t>
             </a:r>
             <a:br>
-              <a:rPr lang="en-US" altLang="zh-CN" smtClean="0">
+              <a:rPr lang="en-US" altLang="zh-CN" dirty="0" smtClean="0">
                 <a:ea typeface="宋体" panose="02010600030101010101" pitchFamily="2" charset="-122"/>
               </a:rPr>
             </a:br>
             <a:r>
-              <a:rPr lang="en-US" altLang="zh-CN" smtClean="0">
+              <a:rPr lang="en-US" altLang="zh-CN" dirty="0" smtClean="0">
                 <a:ea typeface="宋体" panose="02010600030101010101" pitchFamily="2" charset="-122"/>
               </a:rPr>
               <a:t>class</a:t>
@@ -6428,18 +6502,33 @@
           <a:p>
             <a:pPr eaLnBrk="1" hangingPunct="1"/>
             <a:r>
-              <a:rPr lang="en-US" altLang="zh-CN" smtClean="0">
-                <a:ea typeface="宋体" panose="02010600030101010101" pitchFamily="2" charset="-122"/>
-              </a:rPr>
-              <a:t>The parent class (Employee) contains all the </a:t>
+              <a:rPr lang="en-US" altLang="zh-CN" dirty="0" smtClean="0">
+                <a:ea typeface="宋体" panose="02010600030101010101" pitchFamily="2" charset="-122"/>
+              </a:rPr>
+              <a:t>The parent class (</a:t>
+            </a:r>
+            <a:r>
+              <a:rPr lang="en-US" altLang="zh-CN" kern="1200" dirty="0">
+                <a:solidFill>
+                  <a:srgbClr val="0000FF"/>
+                </a:solidFill>
+                <a:ea typeface="宋体" panose="02010600030101010101" pitchFamily="2" charset="-122"/>
+              </a:rPr>
+              <a:t>Employee</a:t>
+            </a:r>
+            <a:r>
+              <a:rPr lang="en-US" altLang="zh-CN" dirty="0" smtClean="0">
+                <a:ea typeface="宋体" panose="02010600030101010101" pitchFamily="2" charset="-122"/>
+              </a:rPr>
+              <a:t>) contains all the </a:t>
             </a:r>
             <a:br>
-              <a:rPr lang="en-US" altLang="zh-CN" smtClean="0">
+              <a:rPr lang="en-US" altLang="zh-CN" dirty="0" smtClean="0">
                 <a:ea typeface="宋体" panose="02010600030101010101" pitchFamily="2" charset="-122"/>
               </a:rPr>
             </a:br>
             <a:r>
-              <a:rPr lang="en-US" altLang="zh-CN" smtClean="0">
+              <a:rPr lang="en-US" altLang="zh-CN" dirty="0" smtClean="0">
                 <a:ea typeface="宋体" panose="02010600030101010101" pitchFamily="2" charset="-122"/>
               </a:rPr>
               <a:t>code common to the child classes</a:t>
@@ -6448,7 +6537,7 @@
           <a:p>
             <a:pPr lvl="1" eaLnBrk="1" hangingPunct="1"/>
             <a:r>
-              <a:rPr lang="en-US" altLang="zh-CN" smtClean="0">
+              <a:rPr lang="en-US" altLang="zh-CN" dirty="0" smtClean="0">
                 <a:ea typeface="宋体" panose="02010600030101010101" pitchFamily="2" charset="-122"/>
               </a:rPr>
               <a:t>You do not have to re-write the code for each child</a:t>
@@ -6456,7 +6545,7 @@
           </a:p>
           <a:p>
             <a:pPr lvl="1" eaLnBrk="1" hangingPunct="1"/>
-            <a:endParaRPr lang="en-US" altLang="zh-CN" smtClean="0">
+            <a:endParaRPr lang="en-US" altLang="zh-CN" dirty="0" smtClean="0">
               <a:ea typeface="宋体" panose="02010600030101010101" pitchFamily="2" charset="-122"/>
             </a:endParaRPr>
           </a:p>
@@ -6572,7 +6661,7 @@
           <a:p>
             <a:pPr eaLnBrk="1" hangingPunct="1"/>
             <a:r>
-              <a:rPr lang="en-US" altLang="zh-CN" smtClean="0">
+              <a:rPr lang="en-US" altLang="zh-CN" dirty="0" smtClean="0">
                 <a:ea typeface="宋体" panose="02010600030101010101" pitchFamily="2" charset="-122"/>
               </a:rPr>
               <a:t>An hourly employee is an employee</a:t>
@@ -6581,16 +6670,48 @@
           <a:p>
             <a:pPr lvl="1" eaLnBrk="1" hangingPunct="1"/>
             <a:r>
-              <a:rPr lang="en-US" altLang="zh-CN" smtClean="0">
-                <a:ea typeface="宋体" panose="02010600030101010101" pitchFamily="2" charset="-122"/>
-              </a:rPr>
-              <a:t>In C++, an object of type HourlyEmployee can be used where an object of type Employee can be used</a:t>
+              <a:rPr lang="en-US" altLang="zh-CN" dirty="0" smtClean="0">
+                <a:ea typeface="宋体" panose="02010600030101010101" pitchFamily="2" charset="-122"/>
+              </a:rPr>
+              <a:t>In C++, an object of type </a:t>
+            </a:r>
+            <a:r>
+              <a:rPr lang="en-US" altLang="zh-CN" kern="1200" dirty="0" err="1">
+                <a:solidFill>
+                  <a:srgbClr val="0000FF"/>
+                </a:solidFill>
+                <a:ea typeface="宋体" panose="02010600030101010101" pitchFamily="2" charset="-122"/>
+                <a:cs typeface="+mn-cs"/>
+              </a:rPr>
+              <a:t>HourlyEmployee</a:t>
+            </a:r>
+            <a:r>
+              <a:rPr lang="en-US" altLang="zh-CN" dirty="0" smtClean="0">
+                <a:ea typeface="宋体" panose="02010600030101010101" pitchFamily="2" charset="-122"/>
+              </a:rPr>
+              <a:t> can be used where an object of type </a:t>
+            </a:r>
+            <a:r>
+              <a:rPr lang="en-US" altLang="zh-CN" kern="1200" dirty="0">
+                <a:solidFill>
+                  <a:srgbClr val="0000FF"/>
+                </a:solidFill>
+                <a:ea typeface="宋体" panose="02010600030101010101" pitchFamily="2" charset="-122"/>
+                <a:cs typeface="+mn-cs"/>
+              </a:rPr>
+              <a:t>Employee</a:t>
+            </a:r>
+            <a:r>
+              <a:rPr lang="en-US" altLang="zh-CN" dirty="0" smtClean="0">
+                <a:ea typeface="宋体" panose="02010600030101010101" pitchFamily="2" charset="-122"/>
+              </a:rPr>
+              <a:t> can be used</a:t>
             </a:r>
           </a:p>
           <a:p>
             <a:pPr lvl="1" eaLnBrk="1" hangingPunct="1"/>
             <a:r>
-              <a:rPr lang="en-US" altLang="zh-CN" smtClean="0">
+              <a:rPr lang="en-US" altLang="zh-CN" dirty="0" smtClean="0">
                 <a:ea typeface="宋体" panose="02010600030101010101" pitchFamily="2" charset="-122"/>
               </a:rPr>
               <a:t>An object of a class type can be used wherever any of its ancestors can be used</a:t>
@@ -6599,10 +6720,22 @@
           <a:p>
             <a:pPr lvl="1" eaLnBrk="1" hangingPunct="1"/>
             <a:r>
-              <a:rPr lang="en-US" altLang="zh-CN" smtClean="0">
-                <a:ea typeface="宋体" panose="02010600030101010101" pitchFamily="2" charset="-122"/>
-              </a:rPr>
-              <a:t>An ancestor cannot be used wherever one of its descendents can be used </a:t>
+              <a:rPr lang="en-US" altLang="zh-CN" dirty="0" smtClean="0">
+                <a:ea typeface="宋体" panose="02010600030101010101" pitchFamily="2" charset="-122"/>
+              </a:rPr>
+              <a:t>An ancestor cannot be used wherever one of its </a:t>
+            </a:r>
+            <a:r>
+              <a:rPr lang="en-US" altLang="zh-CN" dirty="0" err="1" smtClean="0">
+                <a:ea typeface="宋体" panose="02010600030101010101" pitchFamily="2" charset="-122"/>
+              </a:rPr>
+              <a:t>descendents</a:t>
+            </a:r>
+            <a:r>
+              <a:rPr lang="en-US" altLang="zh-CN" dirty="0" smtClean="0">
+                <a:ea typeface="宋体" panose="02010600030101010101" pitchFamily="2" charset="-122"/>
+              </a:rPr>
+              <a:t> can be used </a:t>
             </a:r>
           </a:p>
         </p:txBody>
@@ -44569,14 +44702,38 @@
           <a:p>
             <a:pPr lvl="2" eaLnBrk="1" hangingPunct="1"/>
             <a:r>
+              <a:rPr lang="en-US" altLang="zh-CN" sz="2800" kern="1200" dirty="0">
+                <a:solidFill>
+                  <a:srgbClr val="0000FF"/>
+                </a:solidFill>
+                <a:ea typeface="宋体" panose="02010600030101010101" pitchFamily="2" charset="-122"/>
+                <a:cs typeface="+mn-cs"/>
+              </a:rPr>
+              <a:t>:</a:t>
+            </a:r>
+            <a:r>
+              <a:rPr lang="en-US" altLang="zh-CN" kern="1200" dirty="0">
+                <a:solidFill>
+                  <a:srgbClr val="0000FF"/>
+                </a:solidFill>
+                <a:ea typeface="宋体" panose="02010600030101010101" pitchFamily="2" charset="-122"/>
+                <a:cs typeface="+mn-cs"/>
+              </a:rPr>
+              <a:t>public Employee </a:t>
+            </a:r>
+            <a:r>
               <a:rPr lang="en-US" altLang="zh-CN" dirty="0" smtClean="0">
                 <a:ea typeface="宋体" panose="02010600030101010101" pitchFamily="2" charset="-122"/>
               </a:rPr>
-              <a:t>:public Employee shows that </a:t>
-            </a:r>
-            <a:r>
-              <a:rPr lang="en-US" altLang="zh-CN" dirty="0" err="1" smtClean="0">
-                <a:ea typeface="宋体" panose="02010600030101010101" pitchFamily="2" charset="-122"/>
+              <a:t>shows that </a:t>
+            </a:r>
+            <a:r>
+              <a:rPr lang="en-US" altLang="zh-CN" kern="1200" dirty="0" err="1">
+                <a:solidFill>
+                  <a:srgbClr val="0000FF"/>
+                </a:solidFill>
+                <a:ea typeface="宋体" panose="02010600030101010101" pitchFamily="2" charset="-122"/>
+                <a:cs typeface="+mn-cs"/>
               </a:rPr>
               <a:t>HourlyEmployee</a:t>
             </a:r>
@@ -44584,7 +44741,19 @@
               <a:rPr lang="en-US" altLang="zh-CN" dirty="0" smtClean="0">
                 <a:ea typeface="宋体" panose="02010600030101010101" pitchFamily="2" charset="-122"/>
               </a:rPr>
-              <a:t> is </a:t>
+              <a:t> </a:t>
+            </a:r>
+            <a:r>
+              <a:rPr lang="en-US" altLang="zh-CN" dirty="0" smtClean="0">
+                <a:ea typeface="宋体" panose="02010600030101010101" pitchFamily="2" charset="-122"/>
+              </a:rPr>
+              <a:t>is </a:t>
+            </a:r>
+            <a:r>
+              <a:rPr lang="en-US" altLang="zh-CN" dirty="0" smtClean="0">
+                <a:ea typeface="宋体" panose="02010600030101010101" pitchFamily="2" charset="-122"/>
+              </a:rPr>
+              <a:t/>
             </a:r>
             <a:br>
               <a:rPr lang="en-US" altLang="zh-CN" dirty="0" smtClean="0">
@@ -44601,8 +44770,12 @@
           <a:p>
             <a:pPr lvl="1" eaLnBrk="1" hangingPunct="1"/>
             <a:r>
-              <a:rPr lang="en-US" altLang="zh-CN" sz="2400" dirty="0" err="1" smtClean="0">
-                <a:ea typeface="宋体" panose="02010600030101010101" pitchFamily="2" charset="-122"/>
+              <a:rPr lang="en-US" altLang="zh-CN" sz="2400" kern="1200" dirty="0" err="1">
+                <a:solidFill>
+                  <a:srgbClr val="0000FF"/>
+                </a:solidFill>
+                <a:ea typeface="宋体" panose="02010600030101010101" pitchFamily="2" charset="-122"/>
+                <a:cs typeface="+mn-cs"/>
               </a:rPr>
               <a:t>HourlyEmployee</a:t>
             </a:r>
@@ -44624,8 +44797,12 @@
               <a:t>variables </a:t>
             </a:r>
             <a:r>
-              <a:rPr lang="en-US" altLang="zh-CN" sz="2400" dirty="0" err="1" smtClean="0">
-                <a:ea typeface="宋体" panose="02010600030101010101" pitchFamily="2" charset="-122"/>
+              <a:rPr lang="en-US" altLang="zh-CN" sz="2400" kern="1200" dirty="0" err="1">
+                <a:solidFill>
+                  <a:srgbClr val="0000FF"/>
+                </a:solidFill>
+                <a:ea typeface="宋体" panose="02010600030101010101" pitchFamily="2" charset="-122"/>
+                <a:cs typeface="+mn-cs"/>
               </a:rPr>
               <a:t>wage_rate</a:t>
             </a:r>

--- a/ppt/Chapter 15.pptx
+++ b/ppt/Chapter 15.pptx
@@ -5,10 +5,10 @@
     <p:sldMasterId id="2147483649" r:id="rId1"/>
   </p:sldMasterIdLst>
   <p:notesMasterIdLst>
-    <p:notesMasterId r:id="rId64"/>
+    <p:notesMasterId r:id="rId65"/>
   </p:notesMasterIdLst>
   <p:handoutMasterIdLst>
-    <p:handoutMasterId r:id="rId65"/>
+    <p:handoutMasterId r:id="rId66"/>
   </p:handoutMasterIdLst>
   <p:sldIdLst>
     <p:sldId id="375" r:id="rId2"/>
@@ -72,7 +72,8 @@
     <p:sldId id="352" r:id="rId60"/>
     <p:sldId id="353" r:id="rId61"/>
     <p:sldId id="354" r:id="rId62"/>
-    <p:sldId id="355" r:id="rId63"/>
+    <p:sldId id="383" r:id="rId63"/>
+    <p:sldId id="355" r:id="rId64"/>
   </p:sldIdLst>
   <p:sldSz cx="9144000" cy="6858000" type="letter"/>
   <p:notesSz cx="6858000" cy="9144000"/>
@@ -11310,7 +11311,16 @@
               <a:rPr lang="en-US" altLang="zh-CN" dirty="0" smtClean="0">
                 <a:ea typeface="宋体" panose="02010600030101010101" pitchFamily="2" charset="-122"/>
               </a:rPr>
-              <a:t>The base class copy constructor will not be used</a:t>
+              <a:t>The </a:t>
+            </a:r>
+            <a:r>
+              <a:rPr lang="en-US" altLang="zh-CN" dirty="0" smtClean="0">
+                <a:solidFill>
+                  <a:srgbClr val="FF0000"/>
+                </a:solidFill>
+                <a:ea typeface="宋体" panose="02010600030101010101" pitchFamily="2" charset="-122"/>
+              </a:rPr>
+              <a:t>base class copy constructor will not be used</a:t>
             </a:r>
           </a:p>
         </p:txBody>
@@ -13390,16 +13400,7 @@
                 </a:solidFill>
                 <a:ea typeface="宋体" panose="02010600030101010101" pitchFamily="2" charset="-122"/>
               </a:rPr>
-              <a:t>, &lt;other </a:t>
-            </a:r>
-            <a:r>
-              <a:rPr lang="en-US" altLang="zh-CN" kern="1200" dirty="0">
-                <a:solidFill>
-                  <a:srgbClr val="0000FF"/>
-                </a:solidFill>
-                <a:ea typeface="宋体" panose="02010600030101010101" pitchFamily="2" charset="-122"/>
-              </a:rPr>
-              <a:t>initializing&gt;</a:t>
+              <a:t>, &lt;other initializing&gt;</a:t>
             </a:r>
             <a:r>
               <a:rPr lang="en-US" altLang="zh-CN" dirty="0" smtClean="0">
@@ -26131,6 +26132,184 @@
       </p:grpSpPr>
       <p:sp>
         <p:nvSpPr>
+          <p:cNvPr id="2" name="标题 1"/>
+          <p:cNvSpPr>
+            <a:spLocks noGrp="1"/>
+          </p:cNvSpPr>
+          <p:nvPr>
+            <p:ph type="title"/>
+          </p:nvPr>
+        </p:nvSpPr>
+        <p:spPr/>
+        <p:txBody>
+          <a:bodyPr/>
+          <a:lstStyle/>
+          <a:p>
+            <a:r>
+              <a:rPr kumimoji="1" lang="en-US" altLang="zh-CN" dirty="0" smtClean="0"/>
+              <a:t>Project 4</a:t>
+            </a:r>
+            <a:endParaRPr kumimoji="1" lang="zh-CN" altLang="en-US" dirty="0"/>
+          </a:p>
+        </p:txBody>
+      </p:sp>
+      <p:sp>
+        <p:nvSpPr>
+          <p:cNvPr id="3" name="内容占位符 2"/>
+          <p:cNvSpPr>
+            <a:spLocks noGrp="1"/>
+          </p:cNvSpPr>
+          <p:nvPr>
+            <p:ph idx="1"/>
+          </p:nvPr>
+        </p:nvSpPr>
+        <p:spPr/>
+        <p:txBody>
+          <a:bodyPr/>
+          <a:lstStyle/>
+          <a:p>
+            <a:r>
+              <a:rPr lang="en-US" altLang="zh-CN" dirty="0" smtClean="0"/>
+              <a:t>Definite </a:t>
+            </a:r>
+            <a:r>
+              <a:rPr lang="en-US" altLang="zh-CN" dirty="0"/>
+              <a:t>class Hero using inheritance. </a:t>
+            </a:r>
+            <a:r>
+              <a:rPr lang="en-US" altLang="zh-CN" dirty="0" smtClean="0"/>
+              <a:t>This class has one member function </a:t>
+            </a:r>
+            <a:r>
+              <a:rPr lang="en-US" altLang="zh-CN" dirty="0" err="1" smtClean="0"/>
+              <a:t>come_fome</a:t>
+            </a:r>
+            <a:r>
+              <a:rPr lang="en-US" altLang="zh-CN" dirty="0" smtClean="0"/>
+              <a:t> which display </a:t>
+            </a:r>
+            <a:r>
+              <a:rPr lang="zh-CN" altLang="en-US" dirty="0" smtClean="0"/>
+              <a:t>自己的门派和师傅是谁。</a:t>
+            </a:r>
+            <a:r>
+              <a:rPr lang="en-US" altLang="zh-CN" dirty="0" smtClean="0"/>
+              <a:t> And one member </a:t>
+            </a:r>
+            <a:r>
+              <a:rPr lang="en-US" altLang="zh-CN" dirty="0" err="1" smtClean="0"/>
+              <a:t>funciton</a:t>
+            </a:r>
+            <a:r>
+              <a:rPr lang="en-US" altLang="zh-CN" dirty="0" smtClean="0"/>
+              <a:t> show which </a:t>
+            </a:r>
+            <a:r>
+              <a:rPr lang="en-US" altLang="zh-CN" dirty="0"/>
+              <a:t>display</a:t>
+            </a:r>
+            <a:r>
+              <a:rPr lang="zh-CN" altLang="en-US" dirty="0" smtClean="0"/>
+              <a:t>会的武功。比如郭靖的</a:t>
+            </a:r>
+            <a:r>
+              <a:rPr lang="zh-CN" altLang="en-US" dirty="0"/>
+              <a:t>会“</a:t>
+            </a:r>
+            <a:r>
+              <a:rPr lang="zh-CN" altLang="en-US" dirty="0"/>
+              <a:t>降龙十八</a:t>
+            </a:r>
+            <a:r>
+              <a:rPr lang="zh-CN" altLang="en-US" dirty="0"/>
+              <a:t>掌</a:t>
+            </a:r>
+            <a:r>
+              <a:rPr lang="zh-CN" altLang="en-US" dirty="0" smtClean="0"/>
+              <a:t>”。</a:t>
+            </a:r>
+            <a:r>
+              <a:rPr lang="en-US" altLang="zh-CN" dirty="0" smtClean="0"/>
+              <a:t>Demo this class by at least 10 roles in novel “</a:t>
+            </a:r>
+            <a:r>
+              <a:rPr lang="zh-CN" altLang="en-US" dirty="0" smtClean="0"/>
+              <a:t>射雕英雄传”</a:t>
+            </a:r>
+            <a:r>
+              <a:rPr lang="en-US" altLang="zh-CN" dirty="0" smtClean="0"/>
+              <a:t>.  </a:t>
+            </a:r>
+            <a:endParaRPr kumimoji="1" lang="zh-CN" altLang="en-US" dirty="0"/>
+          </a:p>
+        </p:txBody>
+      </p:sp>
+      <p:sp>
+        <p:nvSpPr>
+          <p:cNvPr id="4" name="幻灯片编号占位符 3"/>
+          <p:cNvSpPr>
+            <a:spLocks noGrp="1"/>
+          </p:cNvSpPr>
+          <p:nvPr>
+            <p:ph type="sldNum" sz="quarter" idx="10"/>
+          </p:nvPr>
+        </p:nvSpPr>
+        <p:spPr/>
+        <p:txBody>
+          <a:bodyPr/>
+          <a:lstStyle/>
+          <a:p>
+            <a:pPr>
+              <a:defRPr/>
+            </a:pPr>
+            <a:r>
+              <a:rPr lang="en-US" altLang="zh-CN" smtClean="0"/>
+              <a:t>Slide 15- </a:t>
+            </a:r>
+            <a:fld id="{B3B8002B-5056-493A-AFCD-026EC2EEC3A1}" type="slidenum">
+              <a:rPr lang="en-US" altLang="zh-CN" smtClean="0"/>
+              <a:pPr>
+                <a:defRPr/>
+              </a:pPr>
+              <a:t>62</a:t>
+            </a:fld>
+            <a:endParaRPr lang="en-CA" altLang="zh-CN"/>
+          </a:p>
+        </p:txBody>
+      </p:sp>
+    </p:spTree>
+    <p:extLst>
+      <p:ext uri="{BB962C8B-B14F-4D97-AF65-F5344CB8AC3E}">
+        <p14:creationId xmlns:p14="http://schemas.microsoft.com/office/powerpoint/2010/main" val="1246839478"/>
+      </p:ext>
+    </p:extLst>
+  </p:cSld>
+  <p:clrMapOvr>
+    <a:masterClrMapping/>
+  </p:clrMapOvr>
+  <p:transition spd="med"/>
+</p:sld>
+</file>
+
+<file path=ppt/slides/slide63.xml><?xml version="1.0" encoding="utf-8"?>
+<p:sld xmlns:a="http://schemas.openxmlformats.org/drawingml/2006/main" xmlns:r="http://schemas.openxmlformats.org/officeDocument/2006/relationships" xmlns:p="http://schemas.openxmlformats.org/presentationml/2006/main">
+  <p:cSld>
+    <p:spTree>
+      <p:nvGrpSpPr>
+        <p:cNvPr id="1" name=""/>
+        <p:cNvGrpSpPr/>
+        <p:nvPr/>
+      </p:nvGrpSpPr>
+      <p:grpSpPr>
+        <a:xfrm>
+          <a:off x="0" y="0"/>
+          <a:ext cx="0" cy="0"/>
+          <a:chOff x="0" y="0"/>
+          <a:chExt cx="0" cy="0"/>
+        </a:xfrm>
+      </p:grpSpPr>
+      <p:sp>
+        <p:nvSpPr>
           <p:cNvPr id="64514" name="灯片编号占位符 2"/>
           <p:cNvSpPr>
             <a:spLocks noGrp="1"/>
@@ -26356,7 +26535,7 @@
                 <a:buFontTx/>
                 <a:buNone/>
               </a:pPr>
-              <a:t>62</a:t>
+              <a:t>63</a:t>
             </a:fld>
             <a:endParaRPr lang="en-CA" altLang="zh-CN" sz="1400" dirty="0"/>
           </a:p>
